--- a/doc/présentation V5.pptx
+++ b/doc/présentation V5.pptx
@@ -5,7 +5,7 @@
     <p:sldMasterId id="2147483711" r:id="rId1"/>
   </p:sldMasterIdLst>
   <p:notesMasterIdLst>
-    <p:notesMasterId r:id="rId27"/>
+    <p:notesMasterId r:id="rId26"/>
   </p:notesMasterIdLst>
   <p:sldIdLst>
     <p:sldId id="256" r:id="rId2"/>
@@ -19,20 +19,19 @@
     <p:sldId id="278" r:id="rId10"/>
     <p:sldId id="281" r:id="rId11"/>
     <p:sldId id="264" r:id="rId12"/>
-    <p:sldId id="283" r:id="rId13"/>
-    <p:sldId id="280" r:id="rId14"/>
-    <p:sldId id="285" r:id="rId15"/>
-    <p:sldId id="286" r:id="rId16"/>
-    <p:sldId id="282" r:id="rId17"/>
-    <p:sldId id="274" r:id="rId18"/>
-    <p:sldId id="277" r:id="rId19"/>
-    <p:sldId id="295" r:id="rId20"/>
-    <p:sldId id="294" r:id="rId21"/>
-    <p:sldId id="276" r:id="rId22"/>
-    <p:sldId id="287" r:id="rId23"/>
-    <p:sldId id="270" r:id="rId24"/>
-    <p:sldId id="257" r:id="rId25"/>
-    <p:sldId id="293" r:id="rId26"/>
+    <p:sldId id="280" r:id="rId13"/>
+    <p:sldId id="285" r:id="rId14"/>
+    <p:sldId id="286" r:id="rId15"/>
+    <p:sldId id="282" r:id="rId16"/>
+    <p:sldId id="274" r:id="rId17"/>
+    <p:sldId id="277" r:id="rId18"/>
+    <p:sldId id="295" r:id="rId19"/>
+    <p:sldId id="276" r:id="rId20"/>
+    <p:sldId id="287" r:id="rId21"/>
+    <p:sldId id="270" r:id="rId22"/>
+    <p:sldId id="257" r:id="rId23"/>
+    <p:sldId id="283" r:id="rId24"/>
+    <p:sldId id="294" r:id="rId25"/>
   </p:sldIdLst>
   <p:sldSz cx="12192000" cy="6858000"/>
   <p:notesSz cx="7315200" cy="9601200"/>
@@ -227,7 +226,7 @@
           <a:p>
             <a:fld id="{3A579BB9-F2CA-426C-82A6-1234A0AE4AD5}" type="datetimeFigureOut">
               <a:rPr lang="fr-FR" smtClean="0"/>
-              <a:t>12/01/2023</a:t>
+              <a:t>16/01/2023</a:t>
             </a:fld>
             <a:endParaRPr lang="fr-FR"/>
           </a:p>
@@ -3356,7 +3355,7 @@
           <a:p>
             <a:fld id="{4FC62F1D-8B73-4A3C-A06D-0A25FF461052}" type="slidenum">
               <a:rPr lang="fr-FR" smtClean="0"/>
-              <a:t>13</a:t>
+              <a:t>12</a:t>
             </a:fld>
             <a:endParaRPr lang="fr-FR"/>
           </a:p>
@@ -3981,7 +3980,7 @@
           <a:p>
             <a:fld id="{4FC62F1D-8B73-4A3C-A06D-0A25FF461052}" type="slidenum">
               <a:rPr lang="fr-FR" smtClean="0"/>
-              <a:t>15</a:t>
+              <a:t>14</a:t>
             </a:fld>
             <a:endParaRPr lang="fr-FR"/>
           </a:p>
@@ -4248,7 +4247,7 @@
           <a:p>
             <a:fld id="{4FC62F1D-8B73-4A3C-A06D-0A25FF461052}" type="slidenum">
               <a:rPr lang="fr-FR" smtClean="0"/>
-              <a:t>17</a:t>
+              <a:t>16</a:t>
             </a:fld>
             <a:endParaRPr lang="fr-FR"/>
           </a:p>
@@ -4332,7 +4331,7 @@
           <a:p>
             <a:fld id="{4FC62F1D-8B73-4A3C-A06D-0A25FF461052}" type="slidenum">
               <a:rPr lang="fr-FR" smtClean="0"/>
-              <a:t>18</a:t>
+              <a:t>17</a:t>
             </a:fld>
             <a:endParaRPr lang="fr-FR"/>
           </a:p>
@@ -4434,7 +4433,7 @@
           <a:p>
             <a:fld id="{4FC62F1D-8B73-4A3C-A06D-0A25FF461052}" type="slidenum">
               <a:rPr lang="fr-FR" smtClean="0"/>
-              <a:t>19</a:t>
+              <a:t>18</a:t>
             </a:fld>
             <a:endParaRPr lang="fr-FR"/>
           </a:p>
@@ -4512,30 +4511,8 @@
                 <a:ea typeface="Calibri" panose="020F0502020204030204" pitchFamily="34" charset="0"/>
                 <a:cs typeface="Times New Roman" panose="02020603050405020304" pitchFamily="18" charset="0"/>
               </a:rPr>
-              <a:t>Lister et trier les tâches à effectuer.</a:t>
-            </a:r>
-          </a:p>
-          <a:p>
-            <a:pPr indent="449580">
-              <a:lnSpc>
-                <a:spcPct val="107000"/>
-              </a:lnSpc>
-              <a:spcAft>
-                <a:spcPts val="800"/>
-              </a:spcAft>
-            </a:pPr>
-            <a:r>
-              <a:rPr lang="fr-FR" sz="1800" dirty="0">
-                <a:effectLst/>
-                <a:latin typeface="Calibri" panose="020F0502020204030204" pitchFamily="34" charset="0"/>
-                <a:ea typeface="Calibri" panose="020F0502020204030204" pitchFamily="34" charset="0"/>
-                <a:cs typeface="Times New Roman" panose="02020603050405020304" pitchFamily="18" charset="0"/>
-              </a:rPr>
-              <a:t>Eviter de se disperser.</a:t>
-            </a:r>
-          </a:p>
-          <a:p>
-            <a:endParaRPr lang="fr-FR" dirty="0"/>
+              <a:t>Année éprouvante mais enrichissante.</a:t>
+            </a:r>
           </a:p>
           <a:p>
             <a:pPr>
@@ -4556,14 +4533,17 @@
                 <a:ea typeface="Calibri" panose="020F0502020204030204" pitchFamily="34" charset="0"/>
                 <a:cs typeface="Times New Roman" panose="02020603050405020304" pitchFamily="18" charset="0"/>
               </a:rPr>
-              <a:t>Démo</a:t>
-            </a:r>
-            <a:endParaRPr lang="fr-FR" sz="1800" b="1" dirty="0">
-              <a:effectLst/>
-              <a:latin typeface="Calibri" panose="020F0502020204030204" pitchFamily="34" charset="0"/>
-              <a:ea typeface="Calibri" panose="020F0502020204030204" pitchFamily="34" charset="0"/>
-              <a:cs typeface="Times New Roman" panose="02020603050405020304" pitchFamily="18" charset="0"/>
-            </a:endParaRPr>
+              <a:t>click</a:t>
+            </a:r>
+            <a:r>
+              <a:rPr lang="fr-FR" sz="1800" dirty="0">
+                <a:effectLst/>
+                <a:latin typeface="Calibri" panose="020F0502020204030204" pitchFamily="34" charset="0"/>
+                <a:ea typeface="Calibri" panose="020F0502020204030204" pitchFamily="34" charset="0"/>
+                <a:cs typeface="Times New Roman" panose="02020603050405020304" pitchFamily="18" charset="0"/>
+              </a:rPr>
+              <a:t> </a:t>
+            </a:r>
           </a:p>
           <a:p>
             <a:pPr>
@@ -4581,25 +4561,7 @@
                 <a:ea typeface="Calibri" panose="020F0502020204030204" pitchFamily="34" charset="0"/>
                 <a:cs typeface="Times New Roman" panose="02020603050405020304" pitchFamily="18" charset="0"/>
               </a:rPr>
-              <a:t>Il est temps de vous présenter de visu SOS </a:t>
-            </a:r>
-            <a:r>
-              <a:rPr lang="fr-FR" sz="1800" dirty="0" err="1">
-                <a:effectLst/>
-                <a:latin typeface="Calibri" panose="020F0502020204030204" pitchFamily="34" charset="0"/>
-                <a:ea typeface="Calibri" panose="020F0502020204030204" pitchFamily="34" charset="0"/>
-                <a:cs typeface="Times New Roman" panose="02020603050405020304" pitchFamily="18" charset="0"/>
-              </a:rPr>
-              <a:t>Immo</a:t>
-            </a:r>
-            <a:r>
-              <a:rPr lang="fr-FR" sz="1800" dirty="0">
-                <a:effectLst/>
-                <a:latin typeface="Calibri" panose="020F0502020204030204" pitchFamily="34" charset="0"/>
-                <a:ea typeface="Calibri" panose="020F0502020204030204" pitchFamily="34" charset="0"/>
-                <a:cs typeface="Times New Roman" panose="02020603050405020304" pitchFamily="18" charset="0"/>
-              </a:rPr>
-              <a:t>.</a:t>
+              <a:t>De par ma formation =&gt; notions d’informatique :</a:t>
             </a:r>
           </a:p>
           <a:p>
@@ -4618,7 +4580,7 @@
                 <a:ea typeface="Calibri" panose="020F0502020204030204" pitchFamily="34" charset="0"/>
                 <a:cs typeface="Times New Roman" panose="02020603050405020304" pitchFamily="18" charset="0"/>
               </a:rPr>
-              <a:t>Je ne vais pas pouvoir vous montrer toutes les fonctionnalités. </a:t>
+              <a:t>Interroger les futurs utilisateurs pour recueillir leurs besoins</a:t>
             </a:r>
           </a:p>
           <a:p>
@@ -4637,7 +4599,555 @@
                 <a:ea typeface="Calibri" panose="020F0502020204030204" pitchFamily="34" charset="0"/>
                 <a:cs typeface="Times New Roman" panose="02020603050405020304" pitchFamily="18" charset="0"/>
               </a:rPr>
-              <a:t>Je vais donc me concentrer sur le cycle de vie de l’incident.</a:t>
+              <a:t>Etablir un dictionnaire de données et en faire une base.</a:t>
+            </a:r>
+          </a:p>
+          <a:p>
+            <a:pPr>
+              <a:lnSpc>
+                <a:spcPct val="107000"/>
+              </a:lnSpc>
+              <a:spcAft>
+                <a:spcPts val="800"/>
+              </a:spcAft>
+            </a:pPr>
+            <a:r>
+              <a:rPr lang="fr-FR" sz="1800" dirty="0">
+                <a:effectLst/>
+                <a:latin typeface="Calibri" panose="020F0502020204030204" pitchFamily="34" charset="0"/>
+                <a:ea typeface="Calibri" panose="020F0502020204030204" pitchFamily="34" charset="0"/>
+                <a:cs typeface="Times New Roman" panose="02020603050405020304" pitchFamily="18" charset="0"/>
+              </a:rPr>
+              <a:t>Déterminer l’ordre des priorisations. Plutôt avec un responsable.</a:t>
+            </a:r>
+          </a:p>
+          <a:p>
+            <a:pPr>
+              <a:lnSpc>
+                <a:spcPct val="107000"/>
+              </a:lnSpc>
+              <a:spcAft>
+                <a:spcPts val="800"/>
+              </a:spcAft>
+            </a:pPr>
+            <a:r>
+              <a:rPr lang="fr-FR" sz="1800" dirty="0">
+                <a:effectLst/>
+                <a:latin typeface="Calibri" panose="020F0502020204030204" pitchFamily="34" charset="0"/>
+                <a:ea typeface="Calibri" panose="020F0502020204030204" pitchFamily="34" charset="0"/>
+                <a:cs typeface="Times New Roman" panose="02020603050405020304" pitchFamily="18" charset="0"/>
+              </a:rPr>
+              <a:t>Ici c’est moi qui ai assuré à peu près tous les rôles : je l’ai porté, conçu, codé, testé, validé.</a:t>
+            </a:r>
+          </a:p>
+          <a:p>
+            <a:pPr>
+              <a:lnSpc>
+                <a:spcPct val="107000"/>
+              </a:lnSpc>
+              <a:spcAft>
+                <a:spcPts val="800"/>
+              </a:spcAft>
+            </a:pPr>
+            <a:r>
+              <a:rPr lang="fr-FR" sz="1800" b="1" dirty="0">
+                <a:solidFill>
+                  <a:srgbClr val="FF0000"/>
+                </a:solidFill>
+                <a:effectLst/>
+                <a:latin typeface="Calibri" panose="020F0502020204030204" pitchFamily="34" charset="0"/>
+                <a:ea typeface="Calibri" panose="020F0502020204030204" pitchFamily="34" charset="0"/>
+                <a:cs typeface="Times New Roman" panose="02020603050405020304" pitchFamily="18" charset="0"/>
+              </a:rPr>
+              <a:t>click</a:t>
+            </a:r>
+            <a:r>
+              <a:rPr lang="fr-FR" sz="1800" dirty="0">
+                <a:effectLst/>
+                <a:latin typeface="Calibri" panose="020F0502020204030204" pitchFamily="34" charset="0"/>
+                <a:ea typeface="Calibri" panose="020F0502020204030204" pitchFamily="34" charset="0"/>
+                <a:cs typeface="Times New Roman" panose="02020603050405020304" pitchFamily="18" charset="0"/>
+              </a:rPr>
+              <a:t> </a:t>
+            </a:r>
+          </a:p>
+          <a:p>
+            <a:pPr>
+              <a:lnSpc>
+                <a:spcPct val="107000"/>
+              </a:lnSpc>
+              <a:spcAft>
+                <a:spcPts val="800"/>
+              </a:spcAft>
+            </a:pPr>
+            <a:r>
+              <a:rPr lang="fr-FR" sz="1800" dirty="0">
+                <a:effectLst/>
+                <a:latin typeface="Calibri" panose="020F0502020204030204" pitchFamily="34" charset="0"/>
+                <a:ea typeface="Calibri" panose="020F0502020204030204" pitchFamily="34" charset="0"/>
+                <a:cs typeface="Times New Roman" panose="02020603050405020304" pitchFamily="18" charset="0"/>
+              </a:rPr>
+              <a:t>Au cours de l’année écoulée, j’ai appris énormément de choses que j’ai pu mettre en pratique pour ce projet :</a:t>
+            </a:r>
+          </a:p>
+          <a:p>
+            <a:pPr>
+              <a:lnSpc>
+                <a:spcPct val="107000"/>
+              </a:lnSpc>
+              <a:spcAft>
+                <a:spcPts val="800"/>
+              </a:spcAft>
+            </a:pPr>
+            <a:r>
+              <a:rPr lang="fr-FR" sz="1800" dirty="0">
+                <a:effectLst/>
+                <a:latin typeface="Calibri" panose="020F0502020204030204" pitchFamily="34" charset="0"/>
+                <a:ea typeface="Calibri" panose="020F0502020204030204" pitchFamily="34" charset="0"/>
+                <a:cs typeface="Times New Roman" panose="02020603050405020304" pitchFamily="18" charset="0"/>
+              </a:rPr>
+              <a:t>Web =&gt; quelques notions HTLM =&gt; Application client/serveur</a:t>
+            </a:r>
+          </a:p>
+          <a:p>
+            <a:pPr>
+              <a:lnSpc>
+                <a:spcPct val="107000"/>
+              </a:lnSpc>
+              <a:spcAft>
+                <a:spcPts val="800"/>
+              </a:spcAft>
+            </a:pPr>
+            <a:r>
+              <a:rPr lang="fr-FR" sz="1800" dirty="0">
+                <a:effectLst/>
+                <a:latin typeface="Calibri" panose="020F0502020204030204" pitchFamily="34" charset="0"/>
+                <a:ea typeface="Calibri" panose="020F0502020204030204" pitchFamily="34" charset="0"/>
+                <a:cs typeface="Times New Roman" panose="02020603050405020304" pitchFamily="18" charset="0"/>
+              </a:rPr>
+              <a:t>La POO : indispensable à n’importe quel développeur.</a:t>
+            </a:r>
+          </a:p>
+          <a:p>
+            <a:pPr>
+              <a:lnSpc>
+                <a:spcPct val="107000"/>
+              </a:lnSpc>
+              <a:spcAft>
+                <a:spcPts val="800"/>
+              </a:spcAft>
+            </a:pPr>
+            <a:r>
+              <a:rPr lang="fr-FR" sz="1800" dirty="0">
+                <a:effectLst/>
+                <a:latin typeface="Calibri" panose="020F0502020204030204" pitchFamily="34" charset="0"/>
+                <a:ea typeface="Calibri" panose="020F0502020204030204" pitchFamily="34" charset="0"/>
+                <a:cs typeface="Times New Roman" panose="02020603050405020304" pitchFamily="18" charset="0"/>
+              </a:rPr>
+              <a:t>Langages</a:t>
+            </a:r>
+          </a:p>
+          <a:p>
+            <a:pPr>
+              <a:lnSpc>
+                <a:spcPct val="107000"/>
+              </a:lnSpc>
+              <a:spcAft>
+                <a:spcPts val="800"/>
+              </a:spcAft>
+            </a:pPr>
+            <a:r>
+              <a:rPr lang="fr-FR" sz="1800" dirty="0" err="1">
+                <a:effectLst/>
+                <a:latin typeface="Calibri" panose="020F0502020204030204" pitchFamily="34" charset="0"/>
+                <a:ea typeface="Calibri" panose="020F0502020204030204" pitchFamily="34" charset="0"/>
+                <a:cs typeface="Times New Roman" panose="02020603050405020304" pitchFamily="18" charset="0"/>
+              </a:rPr>
+              <a:t>Devops</a:t>
+            </a:r>
+            <a:r>
+              <a:rPr lang="fr-FR" sz="1800" dirty="0">
+                <a:effectLst/>
+                <a:latin typeface="Calibri" panose="020F0502020204030204" pitchFamily="34" charset="0"/>
+                <a:ea typeface="Calibri" panose="020F0502020204030204" pitchFamily="34" charset="0"/>
+                <a:cs typeface="Times New Roman" panose="02020603050405020304" pitchFamily="18" charset="0"/>
+              </a:rPr>
+              <a:t> – qui m’a permis d’utiliser un pipe line </a:t>
+            </a:r>
+            <a:r>
+              <a:rPr lang="fr-FR" sz="1800" dirty="0" err="1">
+                <a:effectLst/>
+                <a:latin typeface="Calibri" panose="020F0502020204030204" pitchFamily="34" charset="0"/>
+                <a:ea typeface="Calibri" panose="020F0502020204030204" pitchFamily="34" charset="0"/>
+                <a:cs typeface="Times New Roman" panose="02020603050405020304" pitchFamily="18" charset="0"/>
+              </a:rPr>
+              <a:t>Github</a:t>
+            </a:r>
+            <a:r>
+              <a:rPr lang="fr-FR" sz="1800" dirty="0">
+                <a:effectLst/>
+                <a:latin typeface="Calibri" panose="020F0502020204030204" pitchFamily="34" charset="0"/>
+                <a:ea typeface="Calibri" panose="020F0502020204030204" pitchFamily="34" charset="0"/>
+                <a:cs typeface="Times New Roman" panose="02020603050405020304" pitchFamily="18" charset="0"/>
+              </a:rPr>
+              <a:t> pour automatiser les tests unitaires.</a:t>
+            </a:r>
+          </a:p>
+          <a:p>
+            <a:pPr>
+              <a:lnSpc>
+                <a:spcPct val="107000"/>
+              </a:lnSpc>
+              <a:spcAft>
+                <a:spcPts val="800"/>
+              </a:spcAft>
+            </a:pPr>
+            <a:r>
+              <a:rPr lang="fr-FR" sz="1800" dirty="0">
+                <a:effectLst/>
+                <a:latin typeface="Calibri" panose="020F0502020204030204" pitchFamily="34" charset="0"/>
+                <a:ea typeface="Calibri" panose="020F0502020204030204" pitchFamily="34" charset="0"/>
+                <a:cs typeface="Times New Roman" panose="02020603050405020304" pitchFamily="18" charset="0"/>
+              </a:rPr>
+              <a:t>J’espère bien m’en servir pour déployer l’appli sur un serveur distant</a:t>
+            </a:r>
+          </a:p>
+          <a:p>
+            <a:pPr>
+              <a:lnSpc>
+                <a:spcPct val="107000"/>
+              </a:lnSpc>
+              <a:spcAft>
+                <a:spcPts val="800"/>
+              </a:spcAft>
+            </a:pPr>
+            <a:r>
+              <a:rPr lang="fr-FR" sz="1800" b="1" dirty="0">
+                <a:solidFill>
+                  <a:srgbClr val="FF0000"/>
+                </a:solidFill>
+                <a:effectLst/>
+                <a:latin typeface="Calibri" panose="020F0502020204030204" pitchFamily="34" charset="0"/>
+                <a:ea typeface="Calibri" panose="020F0502020204030204" pitchFamily="34" charset="0"/>
+                <a:cs typeface="Times New Roman" panose="02020603050405020304" pitchFamily="18" charset="0"/>
+              </a:rPr>
+              <a:t>click</a:t>
+            </a:r>
+            <a:r>
+              <a:rPr lang="fr-FR" sz="1800" dirty="0">
+                <a:effectLst/>
+                <a:latin typeface="Calibri" panose="020F0502020204030204" pitchFamily="34" charset="0"/>
+                <a:ea typeface="Calibri" panose="020F0502020204030204" pitchFamily="34" charset="0"/>
+                <a:cs typeface="Times New Roman" panose="02020603050405020304" pitchFamily="18" charset="0"/>
+              </a:rPr>
+              <a:t> </a:t>
+            </a:r>
+          </a:p>
+          <a:p>
+            <a:pPr>
+              <a:lnSpc>
+                <a:spcPct val="107000"/>
+              </a:lnSpc>
+              <a:spcAft>
+                <a:spcPts val="800"/>
+              </a:spcAft>
+            </a:pPr>
+            <a:r>
+              <a:rPr lang="fr-FR" sz="1800" dirty="0">
+                <a:effectLst/>
+                <a:latin typeface="Calibri" panose="020F0502020204030204" pitchFamily="34" charset="0"/>
+                <a:ea typeface="Calibri" panose="020F0502020204030204" pitchFamily="34" charset="0"/>
+                <a:cs typeface="Times New Roman" panose="02020603050405020304" pitchFamily="18" charset="0"/>
+              </a:rPr>
+              <a:t>J’ai bien sûr dû compléter par des recherches personnelles.</a:t>
+            </a:r>
+          </a:p>
+          <a:p>
+            <a:pPr>
+              <a:lnSpc>
+                <a:spcPct val="107000"/>
+              </a:lnSpc>
+              <a:spcAft>
+                <a:spcPts val="800"/>
+              </a:spcAft>
+            </a:pPr>
+            <a:r>
+              <a:rPr lang="fr-FR" sz="1800" dirty="0">
+                <a:effectLst/>
+                <a:latin typeface="Calibri" panose="020F0502020204030204" pitchFamily="34" charset="0"/>
+                <a:ea typeface="Calibri" panose="020F0502020204030204" pitchFamily="34" charset="0"/>
+                <a:cs typeface="Times New Roman" panose="02020603050405020304" pitchFamily="18" charset="0"/>
+              </a:rPr>
+              <a:t>Principalement pour comprendre le principe de l’ORM. Vaste sujet.</a:t>
+            </a:r>
+          </a:p>
+          <a:p>
+            <a:pPr>
+              <a:lnSpc>
+                <a:spcPct val="107000"/>
+              </a:lnSpc>
+              <a:spcAft>
+                <a:spcPts val="800"/>
+              </a:spcAft>
+            </a:pPr>
+            <a:r>
+              <a:rPr lang="fr-FR" sz="1800" dirty="0">
+                <a:effectLst/>
+                <a:latin typeface="Calibri" panose="020F0502020204030204" pitchFamily="34" charset="0"/>
+                <a:ea typeface="Calibri" panose="020F0502020204030204" pitchFamily="34" charset="0"/>
+                <a:cs typeface="Times New Roman" panose="02020603050405020304" pitchFamily="18" charset="0"/>
+              </a:rPr>
+              <a:t>Beaucoup de temps aussi notamment pour les tests.</a:t>
+            </a:r>
+          </a:p>
+          <a:p>
+            <a:pPr>
+              <a:lnSpc>
+                <a:spcPct val="107000"/>
+              </a:lnSpc>
+              <a:spcAft>
+                <a:spcPts val="800"/>
+              </a:spcAft>
+            </a:pPr>
+            <a:r>
+              <a:rPr lang="fr-FR" sz="1800" dirty="0">
+                <a:effectLst/>
+                <a:latin typeface="Calibri" panose="020F0502020204030204" pitchFamily="34" charset="0"/>
+                <a:ea typeface="Calibri" panose="020F0502020204030204" pitchFamily="34" charset="0"/>
+                <a:cs typeface="Times New Roman" panose="02020603050405020304" pitchFamily="18" charset="0"/>
+              </a:rPr>
+              <a:t>Mais là c’était beaucoup plus un problème de codage que compréhension du concept.</a:t>
+            </a:r>
+          </a:p>
+          <a:p>
+            <a:pPr>
+              <a:lnSpc>
+                <a:spcPct val="107000"/>
+              </a:lnSpc>
+              <a:spcAft>
+                <a:spcPts val="800"/>
+              </a:spcAft>
+            </a:pPr>
+            <a:r>
+              <a:rPr lang="fr-FR" sz="1800" dirty="0">
+                <a:effectLst/>
+                <a:latin typeface="Calibri" panose="020F0502020204030204" pitchFamily="34" charset="0"/>
+                <a:ea typeface="Calibri" panose="020F0502020204030204" pitchFamily="34" charset="0"/>
+                <a:cs typeface="Times New Roman" panose="02020603050405020304" pitchFamily="18" charset="0"/>
+              </a:rPr>
+              <a:t>Et quelques fonctionnalités secondaires.</a:t>
+            </a:r>
+          </a:p>
+          <a:p>
+            <a:pPr>
+              <a:lnSpc>
+                <a:spcPct val="107000"/>
+              </a:lnSpc>
+              <a:spcAft>
+                <a:spcPts val="800"/>
+              </a:spcAft>
+            </a:pPr>
+            <a:r>
+              <a:rPr lang="fr-FR" sz="1800" b="1" dirty="0">
+                <a:solidFill>
+                  <a:srgbClr val="FF0000"/>
+                </a:solidFill>
+                <a:effectLst/>
+                <a:latin typeface="Calibri" panose="020F0502020204030204" pitchFamily="34" charset="0"/>
+                <a:ea typeface="Calibri" panose="020F0502020204030204" pitchFamily="34" charset="0"/>
+                <a:cs typeface="Times New Roman" panose="02020603050405020304" pitchFamily="18" charset="0"/>
+              </a:rPr>
+              <a:t>click</a:t>
+            </a:r>
+            <a:r>
+              <a:rPr lang="fr-FR" sz="1800" dirty="0">
+                <a:effectLst/>
+                <a:latin typeface="Calibri" panose="020F0502020204030204" pitchFamily="34" charset="0"/>
+                <a:ea typeface="Calibri" panose="020F0502020204030204" pitchFamily="34" charset="0"/>
+                <a:cs typeface="Times New Roman" panose="02020603050405020304" pitchFamily="18" charset="0"/>
+              </a:rPr>
+              <a:t> </a:t>
+            </a:r>
+          </a:p>
+          <a:p>
+            <a:pPr>
+              <a:lnSpc>
+                <a:spcPct val="107000"/>
+              </a:lnSpc>
+              <a:spcAft>
+                <a:spcPts val="800"/>
+              </a:spcAft>
+            </a:pPr>
+            <a:r>
+              <a:rPr lang="fr-FR" sz="1800" dirty="0">
+                <a:effectLst/>
+                <a:latin typeface="Calibri" panose="020F0502020204030204" pitchFamily="34" charset="0"/>
+                <a:ea typeface="Calibri" panose="020F0502020204030204" pitchFamily="34" charset="0"/>
+                <a:cs typeface="Times New Roman" panose="02020603050405020304" pitchFamily="18" charset="0"/>
+              </a:rPr>
+              <a:t>Aujourd’hui SOS </a:t>
+            </a:r>
+            <a:r>
+              <a:rPr lang="fr-FR" sz="1800" dirty="0" err="1">
+                <a:effectLst/>
+                <a:latin typeface="Calibri" panose="020F0502020204030204" pitchFamily="34" charset="0"/>
+                <a:ea typeface="Calibri" panose="020F0502020204030204" pitchFamily="34" charset="0"/>
+                <a:cs typeface="Times New Roman" panose="02020603050405020304" pitchFamily="18" charset="0"/>
+              </a:rPr>
+              <a:t>Immo</a:t>
+            </a:r>
+            <a:r>
+              <a:rPr lang="fr-FR" sz="1800" dirty="0">
+                <a:effectLst/>
+                <a:latin typeface="Calibri" panose="020F0502020204030204" pitchFamily="34" charset="0"/>
+                <a:ea typeface="Calibri" panose="020F0502020204030204" pitchFamily="34" charset="0"/>
+                <a:cs typeface="Times New Roman" panose="02020603050405020304" pitchFamily="18" charset="0"/>
+              </a:rPr>
+              <a:t> est opérationnel.</a:t>
+            </a:r>
+          </a:p>
+          <a:p>
+            <a:pPr>
+              <a:lnSpc>
+                <a:spcPct val="107000"/>
+              </a:lnSpc>
+              <a:spcAft>
+                <a:spcPts val="800"/>
+              </a:spcAft>
+            </a:pPr>
+            <a:r>
+              <a:rPr lang="fr-FR" sz="1800" dirty="0">
+                <a:effectLst/>
+                <a:latin typeface="Calibri" panose="020F0502020204030204" pitchFamily="34" charset="0"/>
+                <a:ea typeface="Calibri" panose="020F0502020204030204" pitchFamily="34" charset="0"/>
+                <a:cs typeface="Times New Roman" panose="02020603050405020304" pitchFamily="18" charset="0"/>
+              </a:rPr>
+              <a:t>La mission principale de (suivi des incidents) est remplie.</a:t>
+            </a:r>
+          </a:p>
+          <a:p>
+            <a:pPr>
+              <a:lnSpc>
+                <a:spcPct val="107000"/>
+              </a:lnSpc>
+              <a:spcAft>
+                <a:spcPts val="800"/>
+              </a:spcAft>
+            </a:pPr>
+            <a:r>
+              <a:rPr lang="fr-FR" sz="1800" dirty="0">
+                <a:effectLst/>
+                <a:latin typeface="Calibri" panose="020F0502020204030204" pitchFamily="34" charset="0"/>
+                <a:ea typeface="Calibri" panose="020F0502020204030204" pitchFamily="34" charset="0"/>
+                <a:cs typeface="Times New Roman" panose="02020603050405020304" pitchFamily="18" charset="0"/>
+              </a:rPr>
+              <a:t>Et la partie authentification est terminée.</a:t>
+            </a:r>
+          </a:p>
+          <a:p>
+            <a:pPr>
+              <a:lnSpc>
+                <a:spcPct val="107000"/>
+              </a:lnSpc>
+              <a:spcAft>
+                <a:spcPts val="800"/>
+              </a:spcAft>
+            </a:pPr>
+            <a:r>
+              <a:rPr lang="fr-FR" sz="1800" b="1" dirty="0">
+                <a:solidFill>
+                  <a:srgbClr val="FF0000"/>
+                </a:solidFill>
+                <a:effectLst/>
+                <a:latin typeface="Calibri" panose="020F0502020204030204" pitchFamily="34" charset="0"/>
+                <a:ea typeface="Calibri" panose="020F0502020204030204" pitchFamily="34" charset="0"/>
+                <a:cs typeface="Times New Roman" panose="02020603050405020304" pitchFamily="18" charset="0"/>
+              </a:rPr>
+              <a:t>click</a:t>
+            </a:r>
+            <a:r>
+              <a:rPr lang="fr-FR" sz="1800" dirty="0">
+                <a:effectLst/>
+                <a:latin typeface="Calibri" panose="020F0502020204030204" pitchFamily="34" charset="0"/>
+                <a:ea typeface="Calibri" panose="020F0502020204030204" pitchFamily="34" charset="0"/>
+                <a:cs typeface="Times New Roman" panose="02020603050405020304" pitchFamily="18" charset="0"/>
+              </a:rPr>
+              <a:t> </a:t>
+            </a:r>
+          </a:p>
+          <a:p>
+            <a:pPr>
+              <a:lnSpc>
+                <a:spcPct val="107000"/>
+              </a:lnSpc>
+              <a:spcAft>
+                <a:spcPts val="800"/>
+              </a:spcAft>
+            </a:pPr>
+            <a:r>
+              <a:rPr lang="fr-FR" sz="1800" dirty="0">
+                <a:effectLst/>
+                <a:latin typeface="Calibri" panose="020F0502020204030204" pitchFamily="34" charset="0"/>
+                <a:ea typeface="Calibri" panose="020F0502020204030204" pitchFamily="34" charset="0"/>
+                <a:cs typeface="Times New Roman" panose="02020603050405020304" pitchFamily="18" charset="0"/>
+              </a:rPr>
+              <a:t>Il me reste à finaliser l’administration de certaines données.</a:t>
+            </a:r>
+          </a:p>
+          <a:p>
+            <a:pPr>
+              <a:lnSpc>
+                <a:spcPct val="107000"/>
+              </a:lnSpc>
+              <a:spcAft>
+                <a:spcPts val="800"/>
+              </a:spcAft>
+            </a:pPr>
+            <a:r>
+              <a:rPr lang="fr-FR" sz="1800" dirty="0">
+                <a:effectLst/>
+                <a:latin typeface="Calibri" panose="020F0502020204030204" pitchFamily="34" charset="0"/>
+                <a:ea typeface="Calibri" panose="020F0502020204030204" pitchFamily="34" charset="0"/>
+                <a:cs typeface="Times New Roman" panose="02020603050405020304" pitchFamily="18" charset="0"/>
+              </a:rPr>
+              <a:t>Je souhaite également déployer l’appli sur une machine distante.</a:t>
+            </a:r>
+          </a:p>
+          <a:p>
+            <a:pPr>
+              <a:lnSpc>
+                <a:spcPct val="107000"/>
+              </a:lnSpc>
+              <a:spcAft>
+                <a:spcPts val="800"/>
+              </a:spcAft>
+            </a:pPr>
+            <a:r>
+              <a:rPr lang="fr-FR" sz="1800" dirty="0">
+                <a:effectLst/>
+                <a:latin typeface="Calibri" panose="020F0502020204030204" pitchFamily="34" charset="0"/>
+                <a:ea typeface="Calibri" panose="020F0502020204030204" pitchFamily="34" charset="0"/>
+                <a:cs typeface="Times New Roman" panose="02020603050405020304" pitchFamily="18" charset="0"/>
+              </a:rPr>
+              <a:t>On peut aussi envisager d’autres évolutions comme l’archivage des incidents clôturés, utilisateurs inactivés, la production de </a:t>
+            </a:r>
+            <a:r>
+              <a:rPr lang="fr-FR" sz="1800" dirty="0" err="1">
+                <a:effectLst/>
+                <a:latin typeface="Calibri" panose="020F0502020204030204" pitchFamily="34" charset="0"/>
+                <a:ea typeface="Calibri" panose="020F0502020204030204" pitchFamily="34" charset="0"/>
+                <a:cs typeface="Times New Roman" panose="02020603050405020304" pitchFamily="18" charset="0"/>
+              </a:rPr>
+              <a:t>kpi</a:t>
+            </a:r>
+            <a:r>
+              <a:rPr lang="fr-FR" sz="1800" dirty="0">
+                <a:effectLst/>
+                <a:latin typeface="Calibri" panose="020F0502020204030204" pitchFamily="34" charset="0"/>
+                <a:ea typeface="Calibri" panose="020F0502020204030204" pitchFamily="34" charset="0"/>
+                <a:cs typeface="Times New Roman" panose="02020603050405020304" pitchFamily="18" charset="0"/>
+              </a:rPr>
+              <a:t>, etc.</a:t>
             </a:r>
           </a:p>
           <a:p>
@@ -4662,7 +5172,7 @@
           <a:p>
             <a:fld id="{4FC62F1D-8B73-4A3C-A06D-0A25FF461052}" type="slidenum">
               <a:rPr lang="fr-FR" smtClean="0"/>
-              <a:t>20</a:t>
+              <a:t>19</a:t>
             </a:fld>
             <a:endParaRPr lang="fr-FR"/>
           </a:p>
@@ -4671,7 +5181,7 @@
     </p:spTree>
     <p:extLst>
       <p:ext uri="{BB962C8B-B14F-4D97-AF65-F5344CB8AC3E}">
-        <p14:creationId xmlns:p14="http://schemas.microsoft.com/office/powerpoint/2010/main" val="2067557971"/>
+        <p14:creationId xmlns:p14="http://schemas.microsoft.com/office/powerpoint/2010/main" val="3265094801"/>
       </p:ext>
     </p:extLst>
   </p:cSld>
@@ -4740,7 +5250,7 @@
                 <a:ea typeface="Calibri" panose="020F0502020204030204" pitchFamily="34" charset="0"/>
                 <a:cs typeface="Times New Roman" panose="02020603050405020304" pitchFamily="18" charset="0"/>
               </a:rPr>
-              <a:t>Année éprouvante mais enrichissante.</a:t>
+              <a:t>Je tiens à remercier bien sûr les professeurs et les autres élèves de la cohorte, mon nouveau manager et toute son équipe.</a:t>
             </a:r>
           </a:p>
           <a:p>
@@ -4753,630 +5263,13 @@
               </a:spcAft>
             </a:pPr>
             <a:r>
-              <a:rPr lang="fr-FR" sz="1800" b="1" dirty="0">
-                <a:solidFill>
-                  <a:srgbClr val="FF0000"/>
-                </a:solidFill>
-                <a:effectLst/>
-                <a:latin typeface="Calibri" panose="020F0502020204030204" pitchFamily="34" charset="0"/>
-                <a:ea typeface="Calibri" panose="020F0502020204030204" pitchFamily="34" charset="0"/>
-                <a:cs typeface="Times New Roman" panose="02020603050405020304" pitchFamily="18" charset="0"/>
-              </a:rPr>
-              <a:t>click</a:t>
-            </a:r>
-            <a:r>
-              <a:rPr lang="fr-FR" sz="1800" dirty="0">
-                <a:effectLst/>
-                <a:latin typeface="Calibri" panose="020F0502020204030204" pitchFamily="34" charset="0"/>
-                <a:ea typeface="Calibri" panose="020F0502020204030204" pitchFamily="34" charset="0"/>
-                <a:cs typeface="Times New Roman" panose="02020603050405020304" pitchFamily="18" charset="0"/>
-              </a:rPr>
-              <a:t> </a:t>
-            </a:r>
-          </a:p>
-          <a:p>
-            <a:pPr>
-              <a:lnSpc>
-                <a:spcPct val="107000"/>
-              </a:lnSpc>
-              <a:spcAft>
-                <a:spcPts val="800"/>
-              </a:spcAft>
-            </a:pPr>
-            <a:r>
-              <a:rPr lang="fr-FR" sz="1800" dirty="0">
-                <a:effectLst/>
-                <a:latin typeface="Calibri" panose="020F0502020204030204" pitchFamily="34" charset="0"/>
-                <a:ea typeface="Calibri" panose="020F0502020204030204" pitchFamily="34" charset="0"/>
-                <a:cs typeface="Times New Roman" panose="02020603050405020304" pitchFamily="18" charset="0"/>
-              </a:rPr>
-              <a:t>De par ma formation =&gt; notions d’informatique :</a:t>
-            </a:r>
-          </a:p>
-          <a:p>
-            <a:pPr>
-              <a:lnSpc>
-                <a:spcPct val="107000"/>
-              </a:lnSpc>
-              <a:spcAft>
-                <a:spcPts val="800"/>
-              </a:spcAft>
-            </a:pPr>
-            <a:r>
-              <a:rPr lang="fr-FR" sz="1800" dirty="0">
-                <a:effectLst/>
-                <a:latin typeface="Calibri" panose="020F0502020204030204" pitchFamily="34" charset="0"/>
-                <a:ea typeface="Calibri" panose="020F0502020204030204" pitchFamily="34" charset="0"/>
-                <a:cs typeface="Times New Roman" panose="02020603050405020304" pitchFamily="18" charset="0"/>
-              </a:rPr>
-              <a:t>Interroger les futurs utilisateurs pour recueillir leurs besoins</a:t>
-            </a:r>
-          </a:p>
-          <a:p>
-            <a:pPr>
-              <a:lnSpc>
-                <a:spcPct val="107000"/>
-              </a:lnSpc>
-              <a:spcAft>
-                <a:spcPts val="800"/>
-              </a:spcAft>
-            </a:pPr>
-            <a:r>
-              <a:rPr lang="fr-FR" sz="1800" dirty="0">
-                <a:effectLst/>
-                <a:latin typeface="Calibri" panose="020F0502020204030204" pitchFamily="34" charset="0"/>
-                <a:ea typeface="Calibri" panose="020F0502020204030204" pitchFamily="34" charset="0"/>
-                <a:cs typeface="Times New Roman" panose="02020603050405020304" pitchFamily="18" charset="0"/>
-              </a:rPr>
-              <a:t>Etablir un dictionnaire de données et en faire une base.</a:t>
-            </a:r>
-          </a:p>
-          <a:p>
-            <a:pPr>
-              <a:lnSpc>
-                <a:spcPct val="107000"/>
-              </a:lnSpc>
-              <a:spcAft>
-                <a:spcPts val="800"/>
-              </a:spcAft>
-            </a:pPr>
-            <a:r>
-              <a:rPr lang="fr-FR" sz="1800" dirty="0">
-                <a:effectLst/>
-                <a:latin typeface="Calibri" panose="020F0502020204030204" pitchFamily="34" charset="0"/>
-                <a:ea typeface="Calibri" panose="020F0502020204030204" pitchFamily="34" charset="0"/>
-                <a:cs typeface="Times New Roman" panose="02020603050405020304" pitchFamily="18" charset="0"/>
-              </a:rPr>
-              <a:t>Déterminer l’ordre des priorisations. Plutôt avec un responsable.</a:t>
-            </a:r>
-          </a:p>
-          <a:p>
-            <a:pPr>
-              <a:lnSpc>
-                <a:spcPct val="107000"/>
-              </a:lnSpc>
-              <a:spcAft>
-                <a:spcPts val="800"/>
-              </a:spcAft>
-            </a:pPr>
-            <a:r>
-              <a:rPr lang="fr-FR" sz="1800" dirty="0">
-                <a:effectLst/>
-                <a:latin typeface="Calibri" panose="020F0502020204030204" pitchFamily="34" charset="0"/>
-                <a:ea typeface="Calibri" panose="020F0502020204030204" pitchFamily="34" charset="0"/>
-                <a:cs typeface="Times New Roman" panose="02020603050405020304" pitchFamily="18" charset="0"/>
-              </a:rPr>
-              <a:t>Ici c’est moi qui ai assuré à peu près tous les rôles : je l’ai porté, conçu, codé, testé, validé.</a:t>
-            </a:r>
-          </a:p>
-          <a:p>
-            <a:pPr>
-              <a:lnSpc>
-                <a:spcPct val="107000"/>
-              </a:lnSpc>
-              <a:spcAft>
-                <a:spcPts val="800"/>
-              </a:spcAft>
-            </a:pPr>
-            <a:r>
-              <a:rPr lang="fr-FR" sz="1800" b="1" dirty="0">
-                <a:solidFill>
-                  <a:srgbClr val="FF0000"/>
-                </a:solidFill>
-                <a:effectLst/>
-                <a:latin typeface="Calibri" panose="020F0502020204030204" pitchFamily="34" charset="0"/>
-                <a:ea typeface="Calibri" panose="020F0502020204030204" pitchFamily="34" charset="0"/>
-                <a:cs typeface="Times New Roman" panose="02020603050405020304" pitchFamily="18" charset="0"/>
-              </a:rPr>
-              <a:t>click</a:t>
-            </a:r>
-            <a:r>
-              <a:rPr lang="fr-FR" sz="1800" dirty="0">
-                <a:effectLst/>
-                <a:latin typeface="Calibri" panose="020F0502020204030204" pitchFamily="34" charset="0"/>
-                <a:ea typeface="Calibri" panose="020F0502020204030204" pitchFamily="34" charset="0"/>
-                <a:cs typeface="Times New Roman" panose="02020603050405020304" pitchFamily="18" charset="0"/>
-              </a:rPr>
-              <a:t> </a:t>
-            </a:r>
-          </a:p>
-          <a:p>
-            <a:pPr>
-              <a:lnSpc>
-                <a:spcPct val="107000"/>
-              </a:lnSpc>
-              <a:spcAft>
-                <a:spcPts val="800"/>
-              </a:spcAft>
-            </a:pPr>
-            <a:r>
-              <a:rPr lang="fr-FR" sz="1800" dirty="0">
-                <a:effectLst/>
-                <a:latin typeface="Calibri" panose="020F0502020204030204" pitchFamily="34" charset="0"/>
-                <a:ea typeface="Calibri" panose="020F0502020204030204" pitchFamily="34" charset="0"/>
-                <a:cs typeface="Times New Roman" panose="02020603050405020304" pitchFamily="18" charset="0"/>
-              </a:rPr>
-              <a:t>Au cours de l’année écoulée, j’ai appris énormément de choses que j’ai pu mettre en pratique pour ce projet :</a:t>
-            </a:r>
-          </a:p>
-          <a:p>
-            <a:pPr>
-              <a:lnSpc>
-                <a:spcPct val="107000"/>
-              </a:lnSpc>
-              <a:spcAft>
-                <a:spcPts val="800"/>
-              </a:spcAft>
-            </a:pPr>
-            <a:r>
-              <a:rPr lang="fr-FR" sz="1800" dirty="0">
-                <a:effectLst/>
-                <a:latin typeface="Calibri" panose="020F0502020204030204" pitchFamily="34" charset="0"/>
-                <a:ea typeface="Calibri" panose="020F0502020204030204" pitchFamily="34" charset="0"/>
-                <a:cs typeface="Times New Roman" panose="02020603050405020304" pitchFamily="18" charset="0"/>
-              </a:rPr>
-              <a:t>Web =&gt; quelques notions HTLM =&gt; Application client/serveur</a:t>
-            </a:r>
-          </a:p>
-          <a:p>
-            <a:pPr>
-              <a:lnSpc>
-                <a:spcPct val="107000"/>
-              </a:lnSpc>
-              <a:spcAft>
-                <a:spcPts val="800"/>
-              </a:spcAft>
-            </a:pPr>
-            <a:r>
-              <a:rPr lang="fr-FR" sz="1800" dirty="0">
-                <a:effectLst/>
-                <a:latin typeface="Calibri" panose="020F0502020204030204" pitchFamily="34" charset="0"/>
-                <a:ea typeface="Calibri" panose="020F0502020204030204" pitchFamily="34" charset="0"/>
-                <a:cs typeface="Times New Roman" panose="02020603050405020304" pitchFamily="18" charset="0"/>
-              </a:rPr>
-              <a:t>La POO : indispensable à n’importe quel développeur.</a:t>
-            </a:r>
-          </a:p>
-          <a:p>
-            <a:pPr>
-              <a:lnSpc>
-                <a:spcPct val="107000"/>
-              </a:lnSpc>
-              <a:spcAft>
-                <a:spcPts val="800"/>
-              </a:spcAft>
-            </a:pPr>
-            <a:r>
-              <a:rPr lang="fr-FR" sz="1800" dirty="0">
-                <a:effectLst/>
-                <a:latin typeface="Calibri" panose="020F0502020204030204" pitchFamily="34" charset="0"/>
-                <a:ea typeface="Calibri" panose="020F0502020204030204" pitchFamily="34" charset="0"/>
-                <a:cs typeface="Times New Roman" panose="02020603050405020304" pitchFamily="18" charset="0"/>
-              </a:rPr>
-              <a:t>Langages</a:t>
-            </a:r>
-          </a:p>
-          <a:p>
-            <a:pPr>
-              <a:lnSpc>
-                <a:spcPct val="107000"/>
-              </a:lnSpc>
-              <a:spcAft>
-                <a:spcPts val="800"/>
-              </a:spcAft>
-            </a:pPr>
-            <a:r>
-              <a:rPr lang="fr-FR" sz="1800" dirty="0" err="1">
-                <a:effectLst/>
-                <a:latin typeface="Calibri" panose="020F0502020204030204" pitchFamily="34" charset="0"/>
-                <a:ea typeface="Calibri" panose="020F0502020204030204" pitchFamily="34" charset="0"/>
-                <a:cs typeface="Times New Roman" panose="02020603050405020304" pitchFamily="18" charset="0"/>
-              </a:rPr>
-              <a:t>Devops</a:t>
-            </a:r>
-            <a:r>
-              <a:rPr lang="fr-FR" sz="1800" dirty="0">
-                <a:effectLst/>
-                <a:latin typeface="Calibri" panose="020F0502020204030204" pitchFamily="34" charset="0"/>
-                <a:ea typeface="Calibri" panose="020F0502020204030204" pitchFamily="34" charset="0"/>
-                <a:cs typeface="Times New Roman" panose="02020603050405020304" pitchFamily="18" charset="0"/>
-              </a:rPr>
-              <a:t> – qui m’a permis d’utiliser un pipe line </a:t>
-            </a:r>
-            <a:r>
-              <a:rPr lang="fr-FR" sz="1800" dirty="0" err="1">
-                <a:effectLst/>
-                <a:latin typeface="Calibri" panose="020F0502020204030204" pitchFamily="34" charset="0"/>
-                <a:ea typeface="Calibri" panose="020F0502020204030204" pitchFamily="34" charset="0"/>
-                <a:cs typeface="Times New Roman" panose="02020603050405020304" pitchFamily="18" charset="0"/>
-              </a:rPr>
-              <a:t>Github</a:t>
-            </a:r>
-            <a:r>
-              <a:rPr lang="fr-FR" sz="1800" dirty="0">
-                <a:effectLst/>
-                <a:latin typeface="Calibri" panose="020F0502020204030204" pitchFamily="34" charset="0"/>
-                <a:ea typeface="Calibri" panose="020F0502020204030204" pitchFamily="34" charset="0"/>
-                <a:cs typeface="Times New Roman" panose="02020603050405020304" pitchFamily="18" charset="0"/>
-              </a:rPr>
-              <a:t> pour automatiser les tests unitaires.</a:t>
-            </a:r>
-          </a:p>
-          <a:p>
-            <a:pPr>
-              <a:lnSpc>
-                <a:spcPct val="107000"/>
-              </a:lnSpc>
-              <a:spcAft>
-                <a:spcPts val="800"/>
-              </a:spcAft>
-            </a:pPr>
-            <a:r>
-              <a:rPr lang="fr-FR" sz="1800" dirty="0">
-                <a:effectLst/>
-                <a:latin typeface="Calibri" panose="020F0502020204030204" pitchFamily="34" charset="0"/>
-                <a:ea typeface="Calibri" panose="020F0502020204030204" pitchFamily="34" charset="0"/>
-                <a:cs typeface="Times New Roman" panose="02020603050405020304" pitchFamily="18" charset="0"/>
-              </a:rPr>
-              <a:t>J’espère bien m’en servir pour déployer l’appli sur un serveur distant</a:t>
-            </a:r>
-          </a:p>
-          <a:p>
-            <a:pPr>
-              <a:lnSpc>
-                <a:spcPct val="107000"/>
-              </a:lnSpc>
-              <a:spcAft>
-                <a:spcPts val="800"/>
-              </a:spcAft>
-            </a:pPr>
-            <a:r>
-              <a:rPr lang="fr-FR" sz="1800" b="1" dirty="0">
-                <a:solidFill>
-                  <a:srgbClr val="FF0000"/>
-                </a:solidFill>
-                <a:effectLst/>
-                <a:latin typeface="Calibri" panose="020F0502020204030204" pitchFamily="34" charset="0"/>
-                <a:ea typeface="Calibri" panose="020F0502020204030204" pitchFamily="34" charset="0"/>
-                <a:cs typeface="Times New Roman" panose="02020603050405020304" pitchFamily="18" charset="0"/>
-              </a:rPr>
-              <a:t>click</a:t>
-            </a:r>
-            <a:r>
-              <a:rPr lang="fr-FR" sz="1800" dirty="0">
-                <a:effectLst/>
-                <a:latin typeface="Calibri" panose="020F0502020204030204" pitchFamily="34" charset="0"/>
-                <a:ea typeface="Calibri" panose="020F0502020204030204" pitchFamily="34" charset="0"/>
-                <a:cs typeface="Times New Roman" panose="02020603050405020304" pitchFamily="18" charset="0"/>
-              </a:rPr>
-              <a:t> </a:t>
-            </a:r>
-          </a:p>
-          <a:p>
-            <a:pPr>
-              <a:lnSpc>
-                <a:spcPct val="107000"/>
-              </a:lnSpc>
-              <a:spcAft>
-                <a:spcPts val="800"/>
-              </a:spcAft>
-            </a:pPr>
-            <a:r>
-              <a:rPr lang="fr-FR" sz="1800" dirty="0">
-                <a:effectLst/>
-                <a:latin typeface="Calibri" panose="020F0502020204030204" pitchFamily="34" charset="0"/>
-                <a:ea typeface="Calibri" panose="020F0502020204030204" pitchFamily="34" charset="0"/>
-                <a:cs typeface="Times New Roman" panose="02020603050405020304" pitchFamily="18" charset="0"/>
-              </a:rPr>
-              <a:t>J’ai bien sûr dû compléter par des recherches personnelles.</a:t>
-            </a:r>
-          </a:p>
-          <a:p>
-            <a:pPr>
-              <a:lnSpc>
-                <a:spcPct val="107000"/>
-              </a:lnSpc>
-              <a:spcAft>
-                <a:spcPts val="800"/>
-              </a:spcAft>
-            </a:pPr>
-            <a:r>
-              <a:rPr lang="fr-FR" sz="1800" dirty="0">
-                <a:effectLst/>
-                <a:latin typeface="Calibri" panose="020F0502020204030204" pitchFamily="34" charset="0"/>
-                <a:ea typeface="Calibri" panose="020F0502020204030204" pitchFamily="34" charset="0"/>
-                <a:cs typeface="Times New Roman" panose="02020603050405020304" pitchFamily="18" charset="0"/>
-              </a:rPr>
-              <a:t>Principalement pour comprendre le principe de l’ORM. Vaste sujet.</a:t>
-            </a:r>
-          </a:p>
-          <a:p>
-            <a:pPr>
-              <a:lnSpc>
-                <a:spcPct val="107000"/>
-              </a:lnSpc>
-              <a:spcAft>
-                <a:spcPts val="800"/>
-              </a:spcAft>
-            </a:pPr>
-            <a:r>
-              <a:rPr lang="fr-FR" sz="1800" dirty="0">
-                <a:effectLst/>
-                <a:latin typeface="Calibri" panose="020F0502020204030204" pitchFamily="34" charset="0"/>
-                <a:ea typeface="Calibri" panose="020F0502020204030204" pitchFamily="34" charset="0"/>
-                <a:cs typeface="Times New Roman" panose="02020603050405020304" pitchFamily="18" charset="0"/>
-              </a:rPr>
-              <a:t>Beaucoup de temps aussi notamment pour les tests.</a:t>
-            </a:r>
-          </a:p>
-          <a:p>
-            <a:pPr>
-              <a:lnSpc>
-                <a:spcPct val="107000"/>
-              </a:lnSpc>
-              <a:spcAft>
-                <a:spcPts val="800"/>
-              </a:spcAft>
-            </a:pPr>
-            <a:r>
-              <a:rPr lang="fr-FR" sz="1800" dirty="0">
-                <a:effectLst/>
-                <a:latin typeface="Calibri" panose="020F0502020204030204" pitchFamily="34" charset="0"/>
-                <a:ea typeface="Calibri" panose="020F0502020204030204" pitchFamily="34" charset="0"/>
-                <a:cs typeface="Times New Roman" panose="02020603050405020304" pitchFamily="18" charset="0"/>
-              </a:rPr>
-              <a:t>Mais là c’était beaucoup plus un problème de codage que compréhension du concept.</a:t>
-            </a:r>
-          </a:p>
-          <a:p>
-            <a:pPr>
-              <a:lnSpc>
-                <a:spcPct val="107000"/>
-              </a:lnSpc>
-              <a:spcAft>
-                <a:spcPts val="800"/>
-              </a:spcAft>
-            </a:pPr>
-            <a:r>
-              <a:rPr lang="fr-FR" sz="1800" dirty="0">
-                <a:effectLst/>
-                <a:latin typeface="Calibri" panose="020F0502020204030204" pitchFamily="34" charset="0"/>
-                <a:ea typeface="Calibri" panose="020F0502020204030204" pitchFamily="34" charset="0"/>
-                <a:cs typeface="Times New Roman" panose="02020603050405020304" pitchFamily="18" charset="0"/>
-              </a:rPr>
-              <a:t>Et quelques fonctionnalités secondaires.</a:t>
-            </a:r>
-          </a:p>
-          <a:p>
-            <a:pPr>
-              <a:lnSpc>
-                <a:spcPct val="107000"/>
-              </a:lnSpc>
-              <a:spcAft>
-                <a:spcPts val="800"/>
-              </a:spcAft>
-            </a:pPr>
-            <a:r>
-              <a:rPr lang="fr-FR" sz="1800" b="1" dirty="0">
-                <a:solidFill>
-                  <a:srgbClr val="FF0000"/>
-                </a:solidFill>
-                <a:effectLst/>
-                <a:latin typeface="Calibri" panose="020F0502020204030204" pitchFamily="34" charset="0"/>
-                <a:ea typeface="Calibri" panose="020F0502020204030204" pitchFamily="34" charset="0"/>
-                <a:cs typeface="Times New Roman" panose="02020603050405020304" pitchFamily="18" charset="0"/>
-              </a:rPr>
-              <a:t>click</a:t>
-            </a:r>
-            <a:r>
-              <a:rPr lang="fr-FR" sz="1800" dirty="0">
-                <a:effectLst/>
-                <a:latin typeface="Calibri" panose="020F0502020204030204" pitchFamily="34" charset="0"/>
-                <a:ea typeface="Calibri" panose="020F0502020204030204" pitchFamily="34" charset="0"/>
-                <a:cs typeface="Times New Roman" panose="02020603050405020304" pitchFamily="18" charset="0"/>
-              </a:rPr>
-              <a:t> </a:t>
-            </a:r>
-          </a:p>
-          <a:p>
-            <a:pPr>
-              <a:lnSpc>
-                <a:spcPct val="107000"/>
-              </a:lnSpc>
-              <a:spcAft>
-                <a:spcPts val="800"/>
-              </a:spcAft>
-            </a:pPr>
-            <a:r>
-              <a:rPr lang="fr-FR" sz="1800" dirty="0">
-                <a:effectLst/>
-                <a:latin typeface="Calibri" panose="020F0502020204030204" pitchFamily="34" charset="0"/>
-                <a:ea typeface="Calibri" panose="020F0502020204030204" pitchFamily="34" charset="0"/>
-                <a:cs typeface="Times New Roman" panose="02020603050405020304" pitchFamily="18" charset="0"/>
-              </a:rPr>
-              <a:t>Aujourd’hui SOS </a:t>
-            </a:r>
-            <a:r>
-              <a:rPr lang="fr-FR" sz="1800" dirty="0" err="1">
-                <a:effectLst/>
-                <a:latin typeface="Calibri" panose="020F0502020204030204" pitchFamily="34" charset="0"/>
-                <a:ea typeface="Calibri" panose="020F0502020204030204" pitchFamily="34" charset="0"/>
-                <a:cs typeface="Times New Roman" panose="02020603050405020304" pitchFamily="18" charset="0"/>
-              </a:rPr>
-              <a:t>Immo</a:t>
-            </a:r>
-            <a:r>
-              <a:rPr lang="fr-FR" sz="1800" dirty="0">
-                <a:effectLst/>
-                <a:latin typeface="Calibri" panose="020F0502020204030204" pitchFamily="34" charset="0"/>
-                <a:ea typeface="Calibri" panose="020F0502020204030204" pitchFamily="34" charset="0"/>
-                <a:cs typeface="Times New Roman" panose="02020603050405020304" pitchFamily="18" charset="0"/>
-              </a:rPr>
-              <a:t> est opérationnel.</a:t>
-            </a:r>
-          </a:p>
-          <a:p>
-            <a:pPr>
-              <a:lnSpc>
-                <a:spcPct val="107000"/>
-              </a:lnSpc>
-              <a:spcAft>
-                <a:spcPts val="800"/>
-              </a:spcAft>
-            </a:pPr>
-            <a:r>
-              <a:rPr lang="fr-FR" sz="1800" dirty="0">
-                <a:effectLst/>
-                <a:latin typeface="Calibri" panose="020F0502020204030204" pitchFamily="34" charset="0"/>
-                <a:ea typeface="Calibri" panose="020F0502020204030204" pitchFamily="34" charset="0"/>
-                <a:cs typeface="Times New Roman" panose="02020603050405020304" pitchFamily="18" charset="0"/>
-              </a:rPr>
-              <a:t>La mission principale de (suivi des incidents) est remplie.</a:t>
-            </a:r>
-          </a:p>
-          <a:p>
-            <a:pPr>
-              <a:lnSpc>
-                <a:spcPct val="107000"/>
-              </a:lnSpc>
-              <a:spcAft>
-                <a:spcPts val="800"/>
-              </a:spcAft>
-            </a:pPr>
-            <a:r>
-              <a:rPr lang="fr-FR" sz="1800" dirty="0">
-                <a:effectLst/>
-                <a:latin typeface="Calibri" panose="020F0502020204030204" pitchFamily="34" charset="0"/>
-                <a:ea typeface="Calibri" panose="020F0502020204030204" pitchFamily="34" charset="0"/>
-                <a:cs typeface="Times New Roman" panose="02020603050405020304" pitchFamily="18" charset="0"/>
-              </a:rPr>
-              <a:t>Et la partie authentification est terminée.</a:t>
-            </a:r>
-          </a:p>
-          <a:p>
-            <a:pPr>
-              <a:lnSpc>
-                <a:spcPct val="107000"/>
-              </a:lnSpc>
-              <a:spcAft>
-                <a:spcPts val="800"/>
-              </a:spcAft>
-            </a:pPr>
-            <a:r>
-              <a:rPr lang="fr-FR" sz="1800" b="1" dirty="0">
-                <a:solidFill>
-                  <a:srgbClr val="FF0000"/>
-                </a:solidFill>
-                <a:effectLst/>
-                <a:latin typeface="Calibri" panose="020F0502020204030204" pitchFamily="34" charset="0"/>
-                <a:ea typeface="Calibri" panose="020F0502020204030204" pitchFamily="34" charset="0"/>
-                <a:cs typeface="Times New Roman" panose="02020603050405020304" pitchFamily="18" charset="0"/>
-              </a:rPr>
-              <a:t>click</a:t>
-            </a:r>
-            <a:r>
-              <a:rPr lang="fr-FR" sz="1800" dirty="0">
-                <a:effectLst/>
-                <a:latin typeface="Calibri" panose="020F0502020204030204" pitchFamily="34" charset="0"/>
-                <a:ea typeface="Calibri" panose="020F0502020204030204" pitchFamily="34" charset="0"/>
-                <a:cs typeface="Times New Roman" panose="02020603050405020304" pitchFamily="18" charset="0"/>
-              </a:rPr>
-              <a:t> </a:t>
-            </a:r>
-          </a:p>
-          <a:p>
-            <a:pPr>
-              <a:lnSpc>
-                <a:spcPct val="107000"/>
-              </a:lnSpc>
-              <a:spcAft>
-                <a:spcPts val="800"/>
-              </a:spcAft>
-            </a:pPr>
-            <a:r>
-              <a:rPr lang="fr-FR" sz="1800" dirty="0">
-                <a:effectLst/>
-                <a:latin typeface="Calibri" panose="020F0502020204030204" pitchFamily="34" charset="0"/>
-                <a:ea typeface="Calibri" panose="020F0502020204030204" pitchFamily="34" charset="0"/>
-                <a:cs typeface="Times New Roman" panose="02020603050405020304" pitchFamily="18" charset="0"/>
-              </a:rPr>
-              <a:t>Il me reste à finaliser l’administration de certaines données.</a:t>
-            </a:r>
-          </a:p>
-          <a:p>
-            <a:pPr>
-              <a:lnSpc>
-                <a:spcPct val="107000"/>
-              </a:lnSpc>
-              <a:spcAft>
-                <a:spcPts val="800"/>
-              </a:spcAft>
-            </a:pPr>
-            <a:r>
-              <a:rPr lang="fr-FR" sz="1800" dirty="0">
-                <a:effectLst/>
-                <a:latin typeface="Calibri" panose="020F0502020204030204" pitchFamily="34" charset="0"/>
-                <a:ea typeface="Calibri" panose="020F0502020204030204" pitchFamily="34" charset="0"/>
-                <a:cs typeface="Times New Roman" panose="02020603050405020304" pitchFamily="18" charset="0"/>
-              </a:rPr>
-              <a:t>Je souhaite également déployer l’appli sur une machine distante.</a:t>
-            </a:r>
-          </a:p>
-          <a:p>
-            <a:pPr>
-              <a:lnSpc>
-                <a:spcPct val="107000"/>
-              </a:lnSpc>
-              <a:spcAft>
-                <a:spcPts val="800"/>
-              </a:spcAft>
-            </a:pPr>
-            <a:r>
-              <a:rPr lang="fr-FR" sz="1800" dirty="0">
-                <a:effectLst/>
-                <a:latin typeface="Calibri" panose="020F0502020204030204" pitchFamily="34" charset="0"/>
-                <a:ea typeface="Calibri" panose="020F0502020204030204" pitchFamily="34" charset="0"/>
-                <a:cs typeface="Times New Roman" panose="02020603050405020304" pitchFamily="18" charset="0"/>
-              </a:rPr>
-              <a:t>On peut aussi envisager d’autres évolutions comme l’archivage des incidents clôturés, utilisateurs inactivés, la production de </a:t>
-            </a:r>
-            <a:r>
-              <a:rPr lang="fr-FR" sz="1800" dirty="0" err="1">
-                <a:effectLst/>
-                <a:latin typeface="Calibri" panose="020F0502020204030204" pitchFamily="34" charset="0"/>
-                <a:ea typeface="Calibri" panose="020F0502020204030204" pitchFamily="34" charset="0"/>
-                <a:cs typeface="Times New Roman" panose="02020603050405020304" pitchFamily="18" charset="0"/>
-              </a:rPr>
-              <a:t>kpi</a:t>
-            </a:r>
-            <a:r>
-              <a:rPr lang="fr-FR" sz="1800" dirty="0">
-                <a:effectLst/>
-                <a:latin typeface="Calibri" panose="020F0502020204030204" pitchFamily="34" charset="0"/>
-                <a:ea typeface="Calibri" panose="020F0502020204030204" pitchFamily="34" charset="0"/>
-                <a:cs typeface="Times New Roman" panose="02020603050405020304" pitchFamily="18" charset="0"/>
-              </a:rPr>
-              <a:t>, etc.</a:t>
+              <a:rPr lang="fr-FR" sz="1800" dirty="0">
+                <a:effectLst/>
+                <a:latin typeface="Calibri" panose="020F0502020204030204" pitchFamily="34" charset="0"/>
+                <a:ea typeface="Calibri" panose="020F0502020204030204" pitchFamily="34" charset="0"/>
+                <a:cs typeface="Times New Roman" panose="02020603050405020304" pitchFamily="18" charset="0"/>
+              </a:rPr>
+              <a:t>Sans oublier les responsables du service immobilier de l’immeuble Basalte de la Défense.</a:t>
             </a:r>
           </a:p>
           <a:p>
@@ -5401,7 +5294,7 @@
           <a:p>
             <a:fld id="{4FC62F1D-8B73-4A3C-A06D-0A25FF461052}" type="slidenum">
               <a:rPr lang="fr-FR" smtClean="0"/>
-              <a:t>21</a:t>
+              <a:t>20</a:t>
             </a:fld>
             <a:endParaRPr lang="fr-FR"/>
           </a:p>
@@ -5410,7 +5303,7 @@
     </p:spTree>
     <p:extLst>
       <p:ext uri="{BB962C8B-B14F-4D97-AF65-F5344CB8AC3E}">
-        <p14:creationId xmlns:p14="http://schemas.microsoft.com/office/powerpoint/2010/main" val="3265094801"/>
+        <p14:creationId xmlns:p14="http://schemas.microsoft.com/office/powerpoint/2010/main" val="1194301626"/>
       </p:ext>
     </p:extLst>
   </p:cSld>
@@ -5479,11 +5372,11 @@
                 <a:ea typeface="Calibri" panose="020F0502020204030204" pitchFamily="34" charset="0"/>
                 <a:cs typeface="Times New Roman" panose="02020603050405020304" pitchFamily="18" charset="0"/>
               </a:rPr>
-              <a:t>Je tiens à remercier bien sûr les professeurs et les autres élèves de la cohorte, mon nouveau manager et toute son équipe.</a:t>
-            </a:r>
-          </a:p>
-          <a:p>
-            <a:pPr>
+              <a:t>Lister et trier les tâches à effectuer.</a:t>
+            </a:r>
+          </a:p>
+          <a:p>
+            <a:pPr indent="449580">
               <a:lnSpc>
                 <a:spcPct val="107000"/>
               </a:lnSpc>
@@ -5498,7 +5391,113 @@
                 <a:ea typeface="Calibri" panose="020F0502020204030204" pitchFamily="34" charset="0"/>
                 <a:cs typeface="Times New Roman" panose="02020603050405020304" pitchFamily="18" charset="0"/>
               </a:rPr>
-              <a:t>Sans oublier les responsables du service immobilier de l’immeuble Basalte de la Défense.</a:t>
+              <a:t>Eviter de se disperser.</a:t>
+            </a:r>
+          </a:p>
+          <a:p>
+            <a:endParaRPr lang="fr-FR" dirty="0"/>
+          </a:p>
+          <a:p>
+            <a:pPr>
+              <a:lnSpc>
+                <a:spcPct val="107000"/>
+              </a:lnSpc>
+              <a:spcAft>
+                <a:spcPts val="800"/>
+              </a:spcAft>
+            </a:pPr>
+            <a:r>
+              <a:rPr lang="fr-FR" sz="1800" b="1" dirty="0">
+                <a:solidFill>
+                  <a:srgbClr val="FF0000"/>
+                </a:solidFill>
+                <a:effectLst/>
+                <a:latin typeface="Calibri" panose="020F0502020204030204" pitchFamily="34" charset="0"/>
+                <a:ea typeface="Calibri" panose="020F0502020204030204" pitchFamily="34" charset="0"/>
+                <a:cs typeface="Times New Roman" panose="02020603050405020304" pitchFamily="18" charset="0"/>
+              </a:rPr>
+              <a:t>Démo</a:t>
+            </a:r>
+            <a:endParaRPr lang="fr-FR" sz="1800" b="1" dirty="0">
+              <a:effectLst/>
+              <a:latin typeface="Calibri" panose="020F0502020204030204" pitchFamily="34" charset="0"/>
+              <a:ea typeface="Calibri" panose="020F0502020204030204" pitchFamily="34" charset="0"/>
+              <a:cs typeface="Times New Roman" panose="02020603050405020304" pitchFamily="18" charset="0"/>
+            </a:endParaRPr>
+          </a:p>
+          <a:p>
+            <a:pPr>
+              <a:lnSpc>
+                <a:spcPct val="107000"/>
+              </a:lnSpc>
+              <a:spcAft>
+                <a:spcPts val="800"/>
+              </a:spcAft>
+            </a:pPr>
+            <a:r>
+              <a:rPr lang="fr-FR" sz="1800" dirty="0">
+                <a:effectLst/>
+                <a:latin typeface="Calibri" panose="020F0502020204030204" pitchFamily="34" charset="0"/>
+                <a:ea typeface="Calibri" panose="020F0502020204030204" pitchFamily="34" charset="0"/>
+                <a:cs typeface="Times New Roman" panose="02020603050405020304" pitchFamily="18" charset="0"/>
+              </a:rPr>
+              <a:t>Il est temps de vous présenter de visu SOS </a:t>
+            </a:r>
+            <a:r>
+              <a:rPr lang="fr-FR" sz="1800" dirty="0" err="1">
+                <a:effectLst/>
+                <a:latin typeface="Calibri" panose="020F0502020204030204" pitchFamily="34" charset="0"/>
+                <a:ea typeface="Calibri" panose="020F0502020204030204" pitchFamily="34" charset="0"/>
+                <a:cs typeface="Times New Roman" panose="02020603050405020304" pitchFamily="18" charset="0"/>
+              </a:rPr>
+              <a:t>Immo</a:t>
+            </a:r>
+            <a:r>
+              <a:rPr lang="fr-FR" sz="1800" dirty="0">
+                <a:effectLst/>
+                <a:latin typeface="Calibri" panose="020F0502020204030204" pitchFamily="34" charset="0"/>
+                <a:ea typeface="Calibri" panose="020F0502020204030204" pitchFamily="34" charset="0"/>
+                <a:cs typeface="Times New Roman" panose="02020603050405020304" pitchFamily="18" charset="0"/>
+              </a:rPr>
+              <a:t>.</a:t>
+            </a:r>
+          </a:p>
+          <a:p>
+            <a:pPr>
+              <a:lnSpc>
+                <a:spcPct val="107000"/>
+              </a:lnSpc>
+              <a:spcAft>
+                <a:spcPts val="800"/>
+              </a:spcAft>
+            </a:pPr>
+            <a:r>
+              <a:rPr lang="fr-FR" sz="1800" dirty="0">
+                <a:effectLst/>
+                <a:latin typeface="Calibri" panose="020F0502020204030204" pitchFamily="34" charset="0"/>
+                <a:ea typeface="Calibri" panose="020F0502020204030204" pitchFamily="34" charset="0"/>
+                <a:cs typeface="Times New Roman" panose="02020603050405020304" pitchFamily="18" charset="0"/>
+              </a:rPr>
+              <a:t>Je ne vais pas pouvoir vous montrer toutes les fonctionnalités. </a:t>
+            </a:r>
+          </a:p>
+          <a:p>
+            <a:pPr>
+              <a:lnSpc>
+                <a:spcPct val="107000"/>
+              </a:lnSpc>
+              <a:spcAft>
+                <a:spcPts val="800"/>
+              </a:spcAft>
+            </a:pPr>
+            <a:r>
+              <a:rPr lang="fr-FR" sz="1800" dirty="0">
+                <a:effectLst/>
+                <a:latin typeface="Calibri" panose="020F0502020204030204" pitchFamily="34" charset="0"/>
+                <a:ea typeface="Calibri" panose="020F0502020204030204" pitchFamily="34" charset="0"/>
+                <a:cs typeface="Times New Roman" panose="02020603050405020304" pitchFamily="18" charset="0"/>
+              </a:rPr>
+              <a:t>Je vais donc me concentrer sur le cycle de vie de l’incident.</a:t>
             </a:r>
           </a:p>
           <a:p>
@@ -5523,7 +5522,7 @@
           <a:p>
             <a:fld id="{4FC62F1D-8B73-4A3C-A06D-0A25FF461052}" type="slidenum">
               <a:rPr lang="fr-FR" smtClean="0"/>
-              <a:t>22</a:t>
+              <a:t>24</a:t>
             </a:fld>
             <a:endParaRPr lang="fr-FR"/>
           </a:p>
@@ -5532,7 +5531,7 @@
     </p:spTree>
     <p:extLst>
       <p:ext uri="{BB962C8B-B14F-4D97-AF65-F5344CB8AC3E}">
-        <p14:creationId xmlns:p14="http://schemas.microsoft.com/office/powerpoint/2010/main" val="1194301626"/>
+        <p14:creationId xmlns:p14="http://schemas.microsoft.com/office/powerpoint/2010/main" val="2067557971"/>
       </p:ext>
     </p:extLst>
   </p:cSld>
@@ -9000,7 +8999,7 @@
             <a:fld id="{AA70F276-1833-4A75-9C1D-A56E2295A68D}" type="datetimeFigureOut">
               <a:rPr lang="en-US" smtClean="0"/>
               <a:pPr/>
-              <a:t>1/12/2023</a:t>
+              <a:t>1/16/2023</a:t>
             </a:fld>
             <a:endParaRPr lang="en-US" dirty="0"/>
           </a:p>
@@ -9204,7 +9203,7 @@
             <a:fld id="{AA70F276-1833-4A75-9C1D-A56E2295A68D}" type="datetimeFigureOut">
               <a:rPr lang="en-US" smtClean="0"/>
               <a:pPr/>
-              <a:t>1/12/2023</a:t>
+              <a:t>1/16/2023</a:t>
             </a:fld>
             <a:endParaRPr lang="en-US" dirty="0"/>
           </a:p>
@@ -9418,7 +9417,7 @@
             <a:fld id="{AA70F276-1833-4A75-9C1D-A56E2295A68D}" type="datetimeFigureOut">
               <a:rPr lang="en-US" smtClean="0"/>
               <a:pPr/>
-              <a:t>1/12/2023</a:t>
+              <a:t>1/16/2023</a:t>
             </a:fld>
             <a:endParaRPr lang="en-US" dirty="0"/>
           </a:p>
@@ -9622,7 +9621,7 @@
             <a:fld id="{AA70F276-1833-4A75-9C1D-A56E2295A68D}" type="datetimeFigureOut">
               <a:rPr lang="en-US" smtClean="0"/>
               <a:pPr/>
-              <a:t>1/12/2023</a:t>
+              <a:t>1/16/2023</a:t>
             </a:fld>
             <a:endParaRPr lang="en-US" dirty="0"/>
           </a:p>
@@ -9903,7 +9902,7 @@
             <a:fld id="{AA70F276-1833-4A75-9C1D-A56E2295A68D}" type="datetimeFigureOut">
               <a:rPr lang="en-US" smtClean="0"/>
               <a:pPr/>
-              <a:t>1/12/2023</a:t>
+              <a:t>1/16/2023</a:t>
             </a:fld>
             <a:endParaRPr lang="en-US" dirty="0"/>
           </a:p>
@@ -10174,7 +10173,7 @@
             <a:fld id="{AA70F276-1833-4A75-9C1D-A56E2295A68D}" type="datetimeFigureOut">
               <a:rPr lang="en-US" smtClean="0"/>
               <a:pPr/>
-              <a:t>1/12/2023</a:t>
+              <a:t>1/16/2023</a:t>
             </a:fld>
             <a:endParaRPr lang="en-US" dirty="0"/>
           </a:p>
@@ -10592,7 +10591,7 @@
             <a:fld id="{AA70F276-1833-4A75-9C1D-A56E2295A68D}" type="datetimeFigureOut">
               <a:rPr lang="en-US" smtClean="0"/>
               <a:pPr/>
-              <a:t>1/12/2023</a:t>
+              <a:t>1/16/2023</a:t>
             </a:fld>
             <a:endParaRPr lang="en-US" dirty="0"/>
           </a:p>
@@ -10739,7 +10738,7 @@
             <a:fld id="{AA70F276-1833-4A75-9C1D-A56E2295A68D}" type="datetimeFigureOut">
               <a:rPr lang="en-US" smtClean="0"/>
               <a:pPr/>
-              <a:t>1/12/2023</a:t>
+              <a:t>1/16/2023</a:t>
             </a:fld>
             <a:endParaRPr lang="en-US" dirty="0"/>
           </a:p>
@@ -10858,7 +10857,7 @@
             <a:fld id="{AA70F276-1833-4A75-9C1D-A56E2295A68D}" type="datetimeFigureOut">
               <a:rPr lang="en-US" smtClean="0"/>
               <a:pPr/>
-              <a:t>1/12/2023</a:t>
+              <a:t>1/16/2023</a:t>
             </a:fld>
             <a:endParaRPr lang="en-US" dirty="0"/>
           </a:p>
@@ -11175,7 +11174,7 @@
             <a:fld id="{AA70F276-1833-4A75-9C1D-A56E2295A68D}" type="datetimeFigureOut">
               <a:rPr lang="en-US" smtClean="0"/>
               <a:pPr/>
-              <a:t>1/12/2023</a:t>
+              <a:t>1/16/2023</a:t>
             </a:fld>
             <a:endParaRPr lang="en-US" dirty="0"/>
           </a:p>
@@ -11469,7 +11468,7 @@
             <a:fld id="{AA70F276-1833-4A75-9C1D-A56E2295A68D}" type="datetimeFigureOut">
               <a:rPr lang="en-US" smtClean="0"/>
               <a:pPr/>
-              <a:t>1/12/2023</a:t>
+              <a:t>1/16/2023</a:t>
             </a:fld>
             <a:endParaRPr lang="en-US" dirty="0"/>
           </a:p>
@@ -11716,7 +11715,7 @@
             <a:fld id="{AA70F276-1833-4A75-9C1D-A56E2295A68D}" type="datetimeFigureOut">
               <a:rPr lang="en-US" smtClean="0"/>
               <a:pPr/>
-              <a:t>1/12/2023</a:t>
+              <a:t>1/16/2023</a:t>
             </a:fld>
             <a:endParaRPr lang="en-US" dirty="0"/>
           </a:p>
@@ -12333,7 +12332,7 @@
         </p:nvSpPr>
         <p:spPr>
           <a:xfrm>
-            <a:off x="1428926" y="2278459"/>
+            <a:off x="1494240" y="1952709"/>
             <a:ext cx="4790963" cy="757634"/>
           </a:xfrm>
           <a:prstGeom prst="rect">
@@ -12390,7 +12389,7 @@
         </p:nvSpPr>
         <p:spPr>
           <a:xfrm>
-            <a:off x="2856826" y="3429000"/>
+            <a:off x="5012463" y="3337560"/>
             <a:ext cx="1935162" cy="2669962"/>
           </a:xfrm>
           <a:prstGeom prst="rect">
@@ -12644,6 +12643,147 @@
           </a:p>
         </p:txBody>
       </p:sp>
+      <p:grpSp>
+        <p:nvGrpSpPr>
+          <p:cNvPr id="18" name="Groupe 17">
+            <a:extLst>
+              <a:ext uri="{FF2B5EF4-FFF2-40B4-BE49-F238E27FC236}">
+                <a16:creationId xmlns:a16="http://schemas.microsoft.com/office/drawing/2014/main" id="{92830BA8-20E4-0FF4-961A-76729D76C0A0}"/>
+              </a:ext>
+            </a:extLst>
+          </p:cNvPr>
+          <p:cNvGrpSpPr/>
+          <p:nvPr/>
+        </p:nvGrpSpPr>
+        <p:grpSpPr>
+          <a:xfrm>
+            <a:off x="1761857" y="2855224"/>
+            <a:ext cx="1650084" cy="1719477"/>
+            <a:chOff x="1116734" y="3135054"/>
+            <a:chExt cx="2111996" cy="2212249"/>
+          </a:xfrm>
+        </p:grpSpPr>
+        <p:pic>
+          <p:nvPicPr>
+            <p:cNvPr id="17" name="Image 16">
+              <a:extLst>
+                <a:ext uri="{FF2B5EF4-FFF2-40B4-BE49-F238E27FC236}">
+                  <a16:creationId xmlns:a16="http://schemas.microsoft.com/office/drawing/2014/main" id="{5B225996-570C-C6A6-5434-384AE6BE10F6}"/>
+                </a:ext>
+              </a:extLst>
+            </p:cNvPr>
+            <p:cNvPicPr>
+              <a:picLocks noChangeAspect="1"/>
+            </p:cNvPicPr>
+            <p:nvPr/>
+          </p:nvPicPr>
+          <p:blipFill>
+            <a:blip r:embed="rId6"/>
+            <a:stretch>
+              <a:fillRect/>
+            </a:stretch>
+          </p:blipFill>
+          <p:spPr>
+            <a:xfrm>
+              <a:off x="1116734" y="3135054"/>
+              <a:ext cx="2111996" cy="2212249"/>
+            </a:xfrm>
+            <a:prstGeom prst="rect">
+              <a:avLst/>
+            </a:prstGeom>
+          </p:spPr>
+        </p:pic>
+        <p:pic>
+          <p:nvPicPr>
+            <p:cNvPr id="14" name="Image 13">
+              <a:extLst>
+                <a:ext uri="{FF2B5EF4-FFF2-40B4-BE49-F238E27FC236}">
+                  <a16:creationId xmlns:a16="http://schemas.microsoft.com/office/drawing/2014/main" id="{2451E5E3-D456-F84B-D6F1-0C4E5031DE78}"/>
+                </a:ext>
+              </a:extLst>
+            </p:cNvPr>
+            <p:cNvPicPr>
+              <a:picLocks noChangeAspect="1"/>
+            </p:cNvPicPr>
+            <p:nvPr/>
+          </p:nvPicPr>
+          <p:blipFill>
+            <a:blip r:embed="rId7"/>
+            <a:stretch>
+              <a:fillRect/>
+            </a:stretch>
+          </p:blipFill>
+          <p:spPr>
+            <a:xfrm>
+              <a:off x="2557418" y="3282681"/>
+              <a:ext cx="423583" cy="395849"/>
+            </a:xfrm>
+            <a:prstGeom prst="rect">
+              <a:avLst/>
+            </a:prstGeom>
+          </p:spPr>
+        </p:pic>
+      </p:grpSp>
+      <p:pic>
+        <p:nvPicPr>
+          <p:cNvPr id="22" name="Image 21">
+            <a:extLst>
+              <a:ext uri="{FF2B5EF4-FFF2-40B4-BE49-F238E27FC236}">
+                <a16:creationId xmlns:a16="http://schemas.microsoft.com/office/drawing/2014/main" id="{12C3BDEE-06D5-8D8F-A50C-D441F725C199}"/>
+              </a:ext>
+            </a:extLst>
+          </p:cNvPr>
+          <p:cNvPicPr>
+            <a:picLocks noChangeAspect="1"/>
+          </p:cNvPicPr>
+          <p:nvPr/>
+        </p:nvPicPr>
+        <p:blipFill>
+          <a:blip r:embed="rId8"/>
+          <a:stretch>
+            <a:fillRect/>
+          </a:stretch>
+        </p:blipFill>
+        <p:spPr>
+          <a:xfrm>
+            <a:off x="1038444" y="4765981"/>
+            <a:ext cx="1070450" cy="1396239"/>
+          </a:xfrm>
+          <a:prstGeom prst="rect">
+            <a:avLst/>
+          </a:prstGeom>
+        </p:spPr>
+      </p:pic>
+      <p:pic>
+        <p:nvPicPr>
+          <p:cNvPr id="7" name="Image 6">
+            <a:extLst>
+              <a:ext uri="{FF2B5EF4-FFF2-40B4-BE49-F238E27FC236}">
+                <a16:creationId xmlns:a16="http://schemas.microsoft.com/office/drawing/2014/main" id="{5B0014D5-4828-429C-785F-EC3FDF83B38D}"/>
+              </a:ext>
+            </a:extLst>
+          </p:cNvPr>
+          <p:cNvPicPr>
+            <a:picLocks noChangeAspect="1"/>
+          </p:cNvPicPr>
+          <p:nvPr/>
+        </p:nvPicPr>
+        <p:blipFill>
+          <a:blip r:embed="rId9"/>
+          <a:stretch>
+            <a:fillRect/>
+          </a:stretch>
+        </p:blipFill>
+        <p:spPr>
+          <a:xfrm>
+            <a:off x="3007986" y="4765981"/>
+            <a:ext cx="1070450" cy="1473928"/>
+          </a:xfrm>
+          <a:prstGeom prst="rect">
+            <a:avLst/>
+          </a:prstGeom>
+        </p:spPr>
+      </p:pic>
     </p:spTree>
     <p:extLst>
       <p:ext uri="{BB962C8B-B14F-4D97-AF65-F5344CB8AC3E}">
@@ -12675,7 +12815,7 @@
                             </p:stCondLst>
                             <p:childTnLst>
                               <p:par>
-                                <p:cTn id="5" presetID="1" presetClass="entr" presetSubtype="0" fill="hold" grpId="0" nodeType="clickEffect">
+                                <p:cTn id="5" presetID="1" presetClass="entr" presetSubtype="0" fill="hold" nodeType="clickEffect">
                                   <p:stCondLst>
                                     <p:cond delay="0"/>
                                   </p:stCondLst>
@@ -12683,6 +12823,141 @@
                                     <p:set>
                                       <p:cBhvr>
                                         <p:cTn id="6" dur="1" fill="hold">
+                                          <p:stCondLst>
+                                            <p:cond delay="0"/>
+                                          </p:stCondLst>
+                                        </p:cTn>
+                                        <p:tgtEl>
+                                          <p:spTgt spid="18"/>
+                                        </p:tgtEl>
+                                        <p:attrNameLst>
+                                          <p:attrName>style.visibility</p:attrName>
+                                        </p:attrNameLst>
+                                      </p:cBhvr>
+                                      <p:to>
+                                        <p:strVal val="visible"/>
+                                      </p:to>
+                                    </p:set>
+                                  </p:childTnLst>
+                                </p:cTn>
+                              </p:par>
+                            </p:childTnLst>
+                          </p:cTn>
+                        </p:par>
+                      </p:childTnLst>
+                    </p:cTn>
+                  </p:par>
+                  <p:par>
+                    <p:cTn id="7" fill="hold">
+                      <p:stCondLst>
+                        <p:cond delay="indefinite"/>
+                      </p:stCondLst>
+                      <p:childTnLst>
+                        <p:par>
+                          <p:cTn id="8" fill="hold">
+                            <p:stCondLst>
+                              <p:cond delay="0"/>
+                            </p:stCondLst>
+                            <p:childTnLst>
+                              <p:par>
+                                <p:cTn id="9" presetID="1" presetClass="entr" presetSubtype="0" fill="hold" nodeType="clickEffect">
+                                  <p:stCondLst>
+                                    <p:cond delay="0"/>
+                                  </p:stCondLst>
+                                  <p:childTnLst>
+                                    <p:set>
+                                      <p:cBhvr>
+                                        <p:cTn id="10" dur="1" fill="hold">
+                                          <p:stCondLst>
+                                            <p:cond delay="0"/>
+                                          </p:stCondLst>
+                                        </p:cTn>
+                                        <p:tgtEl>
+                                          <p:spTgt spid="22"/>
+                                        </p:tgtEl>
+                                        <p:attrNameLst>
+                                          <p:attrName>style.visibility</p:attrName>
+                                        </p:attrNameLst>
+                                      </p:cBhvr>
+                                      <p:to>
+                                        <p:strVal val="visible"/>
+                                      </p:to>
+                                    </p:set>
+                                  </p:childTnLst>
+                                </p:cTn>
+                              </p:par>
+                            </p:childTnLst>
+                          </p:cTn>
+                        </p:par>
+                      </p:childTnLst>
+                    </p:cTn>
+                  </p:par>
+                  <p:par>
+                    <p:cTn id="11" fill="hold">
+                      <p:stCondLst>
+                        <p:cond delay="indefinite"/>
+                      </p:stCondLst>
+                      <p:childTnLst>
+                        <p:par>
+                          <p:cTn id="12" fill="hold">
+                            <p:stCondLst>
+                              <p:cond delay="0"/>
+                            </p:stCondLst>
+                            <p:childTnLst>
+                              <p:par>
+                                <p:cTn id="13" presetID="1" presetClass="entr" presetSubtype="0" fill="hold" nodeType="clickEffect">
+                                  <p:stCondLst>
+                                    <p:cond delay="0"/>
+                                  </p:stCondLst>
+                                  <p:childTnLst>
+                                    <p:set>
+                                      <p:cBhvr>
+                                        <p:cTn id="14" dur="1" fill="hold">
+                                          <p:stCondLst>
+                                            <p:cond delay="0"/>
+                                          </p:stCondLst>
+                                        </p:cTn>
+                                        <p:tgtEl>
+                                          <p:spTgt spid="7"/>
+                                        </p:tgtEl>
+                                        <p:attrNameLst>
+                                          <p:attrName>style.visibility</p:attrName>
+                                        </p:attrNameLst>
+                                      </p:cBhvr>
+                                      <p:to>
+                                        <p:strVal val="visible"/>
+                                      </p:to>
+                                    </p:set>
+                                  </p:childTnLst>
+                                </p:cTn>
+                              </p:par>
+                            </p:childTnLst>
+                          </p:cTn>
+                        </p:par>
+                      </p:childTnLst>
+                    </p:cTn>
+                  </p:par>
+                  <p:par>
+                    <p:cTn id="15" fill="hold">
+                      <p:stCondLst>
+                        <p:cond delay="indefinite"/>
+                      </p:stCondLst>
+                      <p:childTnLst>
+                        <p:par>
+                          <p:cTn id="16" fill="hold">
+                            <p:stCondLst>
+                              <p:cond delay="0"/>
+                            </p:stCondLst>
+                            <p:childTnLst>
+                              <p:par>
+                                <p:cTn id="17" presetID="1" presetClass="entr" presetSubtype="0" fill="hold" grpId="0" nodeType="clickEffect">
+                                  <p:stCondLst>
+                                    <p:cond delay="0"/>
+                                  </p:stCondLst>
+                                  <p:childTnLst>
+                                    <p:set>
+                                      <p:cBhvr>
+                                        <p:cTn id="18" dur="1" fill="hold">
                                           <p:stCondLst>
                                             <p:cond delay="0"/>
                                           </p:stCondLst>
@@ -12801,17 +13076,34 @@
         <p:spPr>
           <a:xfrm>
             <a:off x="827707" y="808038"/>
-            <a:ext cx="10515600" cy="783378"/>
+            <a:ext cx="10515600" cy="566899"/>
           </a:xfrm>
         </p:spPr>
         <p:txBody>
-          <a:bodyPr>
-            <a:normAutofit/>
+          <a:bodyPr vert="horz" lIns="91440" tIns="45720" rIns="91440" bIns="45720" rtlCol="0" anchor="b">
+            <a:normAutofit fontScale="90000"/>
           </a:bodyPr>
           <a:lstStyle/>
           <a:p>
             <a:r>
-              <a:rPr lang="fr-FR" sz="3200" dirty="0"/>
+              <a:rPr lang="fr-FR" sz="4000" dirty="0">
+                <a:gradFill flip="none" rotWithShape="1">
+                  <a:gsLst>
+                    <a:gs pos="0">
+                      <a:schemeClr val="accent5">
+                        <a:alpha val="70000"/>
+                      </a:schemeClr>
+                    </a:gs>
+                    <a:gs pos="100000">
+                      <a:schemeClr val="accent1">
+                        <a:alpha val="70000"/>
+                      </a:schemeClr>
+                    </a:gs>
+                  </a:gsLst>
+                  <a:lin ang="0" scaled="1"/>
+                  <a:tileRect/>
+                </a:gradFill>
+              </a:rPr>
               <a:t>Focus incident - création</a:t>
             </a:r>
           </a:p>
@@ -12975,13 +13267,30 @@
           </a:xfrm>
         </p:spPr>
         <p:txBody>
-          <a:bodyPr>
+          <a:bodyPr vert="horz" lIns="91440" tIns="45720" rIns="91440" bIns="45720" rtlCol="0" anchor="b">
             <a:normAutofit/>
           </a:bodyPr>
           <a:lstStyle/>
           <a:p>
             <a:r>
-              <a:rPr lang="fr-FR" sz="3200" dirty="0"/>
+              <a:rPr lang="fr-FR" sz="4000" dirty="0">
+                <a:gradFill flip="none" rotWithShape="1">
+                  <a:gsLst>
+                    <a:gs pos="0">
+                      <a:schemeClr val="accent5">
+                        <a:alpha val="70000"/>
+                      </a:schemeClr>
+                    </a:gs>
+                    <a:gs pos="100000">
+                      <a:schemeClr val="accent1">
+                        <a:alpha val="70000"/>
+                      </a:schemeClr>
+                    </a:gs>
+                  </a:gsLst>
+                  <a:lin ang="0" scaled="1"/>
+                  <a:tileRect/>
+                </a:gradFill>
+              </a:rPr>
               <a:t>Focus incident - détail</a:t>
             </a:r>
           </a:p>
@@ -13108,560 +13417,6 @@
 </file>
 
 <file path=ppt/slides/slide12.xml><?xml version="1.0" encoding="utf-8"?>
-<p:sld xmlns:a="http://schemas.openxmlformats.org/drawingml/2006/main" xmlns:r="http://schemas.openxmlformats.org/officeDocument/2006/relationships" xmlns:p="http://schemas.openxmlformats.org/presentationml/2006/main">
-  <p:cSld>
-    <p:spTree>
-      <p:nvGrpSpPr>
-        <p:cNvPr id="1" name=""/>
-        <p:cNvGrpSpPr/>
-        <p:nvPr/>
-      </p:nvGrpSpPr>
-      <p:grpSpPr>
-        <a:xfrm>
-          <a:off x="0" y="0"/>
-          <a:ext cx="0" cy="0"/>
-          <a:chOff x="0" y="0"/>
-          <a:chExt cx="0" cy="0"/>
-        </a:xfrm>
-      </p:grpSpPr>
-      <p:sp>
-        <p:nvSpPr>
-          <p:cNvPr id="3" name="Titre 1">
-            <a:extLst>
-              <a:ext uri="{FF2B5EF4-FFF2-40B4-BE49-F238E27FC236}">
-                <a16:creationId xmlns:a16="http://schemas.microsoft.com/office/drawing/2014/main" id="{575CFBE2-659F-6E42-5DDB-EB888CD813F8}"/>
-              </a:ext>
-            </a:extLst>
-          </p:cNvPr>
-          <p:cNvSpPr txBox="1">
-            <a:spLocks/>
-          </p:cNvSpPr>
-          <p:nvPr/>
-        </p:nvSpPr>
-        <p:spPr>
-          <a:xfrm>
-            <a:off x="827707" y="808038"/>
-            <a:ext cx="10515600" cy="783378"/>
-          </a:xfrm>
-          <a:prstGeom prst="rect">
-            <a:avLst/>
-          </a:prstGeom>
-        </p:spPr>
-        <p:txBody>
-          <a:bodyPr vert="horz" lIns="91440" tIns="45720" rIns="91440" bIns="45720" rtlCol="0" anchor="ctr">
-            <a:normAutofit/>
-          </a:bodyPr>
-          <a:lstStyle>
-            <a:lvl1pPr>
-              <a:lnSpc>
-                <a:spcPct val="90000"/>
-              </a:lnSpc>
-              <a:spcBef>
-                <a:spcPct val="0"/>
-              </a:spcBef>
-              <a:buNone/>
-              <a:defRPr sz="3200">
-                <a:latin typeface="+mj-lt"/>
-                <a:ea typeface="+mj-ea"/>
-                <a:cs typeface="+mj-cs"/>
-              </a:defRPr>
-            </a:lvl1pPr>
-          </a:lstStyle>
-          <a:p>
-            <a:r>
-              <a:rPr lang="fr-FR" dirty="0"/>
-              <a:t>Focus incident - table</a:t>
-            </a:r>
-          </a:p>
-        </p:txBody>
-      </p:sp>
-      <p:sp>
-        <p:nvSpPr>
-          <p:cNvPr id="10" name="Accolade ouvrante 9">
-            <a:extLst>
-              <a:ext uri="{FF2B5EF4-FFF2-40B4-BE49-F238E27FC236}">
-                <a16:creationId xmlns:a16="http://schemas.microsoft.com/office/drawing/2014/main" id="{97A5999A-C167-EAD9-EDB9-1348996B4989}"/>
-              </a:ext>
-            </a:extLst>
-          </p:cNvPr>
-          <p:cNvSpPr/>
-          <p:nvPr/>
-        </p:nvSpPr>
-        <p:spPr>
-          <a:xfrm>
-            <a:off x="3968321" y="2952922"/>
-            <a:ext cx="131077" cy="1224792"/>
-          </a:xfrm>
-          <a:prstGeom prst="leftBrace">
-            <a:avLst/>
-          </a:prstGeom>
-        </p:spPr>
-        <p:style>
-          <a:lnRef idx="1">
-            <a:schemeClr val="accent2"/>
-          </a:lnRef>
-          <a:fillRef idx="0">
-            <a:schemeClr val="accent2"/>
-          </a:fillRef>
-          <a:effectRef idx="0">
-            <a:schemeClr val="accent2"/>
-          </a:effectRef>
-          <a:fontRef idx="minor">
-            <a:schemeClr val="tx1"/>
-          </a:fontRef>
-        </p:style>
-        <p:txBody>
-          <a:bodyPr rtlCol="0" anchor="ctr"/>
-          <a:lstStyle/>
-          <a:p>
-            <a:pPr algn="r"/>
-            <a:endParaRPr lang="fr-FR"/>
-          </a:p>
-        </p:txBody>
-      </p:sp>
-      <p:sp>
-        <p:nvSpPr>
-          <p:cNvPr id="11" name="ZoneTexte 10">
-            <a:extLst>
-              <a:ext uri="{FF2B5EF4-FFF2-40B4-BE49-F238E27FC236}">
-                <a16:creationId xmlns:a16="http://schemas.microsoft.com/office/drawing/2014/main" id="{867F0765-677F-05B4-4DDF-C4536EEF4350}"/>
-              </a:ext>
-            </a:extLst>
-          </p:cNvPr>
-          <p:cNvSpPr txBox="1"/>
-          <p:nvPr/>
-        </p:nvSpPr>
-        <p:spPr>
-          <a:xfrm>
-            <a:off x="2132629" y="3434466"/>
-            <a:ext cx="1835690" cy="232051"/>
-          </a:xfrm>
-          <a:prstGeom prst="rect">
-            <a:avLst/>
-          </a:prstGeom>
-          <a:noFill/>
-        </p:spPr>
-        <p:txBody>
-          <a:bodyPr wrap="square">
-            <a:spAutoFit/>
-          </a:bodyPr>
-          <a:lstStyle/>
-          <a:p>
-            <a:pPr algn="r">
-              <a:lnSpc>
-                <a:spcPct val="107000"/>
-              </a:lnSpc>
-              <a:spcBef>
-                <a:spcPts val="1000"/>
-              </a:spcBef>
-            </a:pPr>
-            <a:r>
-              <a:rPr lang="fr-CA" sz="900" dirty="0"/>
-              <a:t>utilisateurs impliqués / status</a:t>
-            </a:r>
-            <a:endParaRPr lang="fr-FR" sz="900" dirty="0"/>
-          </a:p>
-        </p:txBody>
-      </p:sp>
-      <p:sp>
-        <p:nvSpPr>
-          <p:cNvPr id="12" name="ZoneTexte 11">
-            <a:extLst>
-              <a:ext uri="{FF2B5EF4-FFF2-40B4-BE49-F238E27FC236}">
-                <a16:creationId xmlns:a16="http://schemas.microsoft.com/office/drawing/2014/main" id="{8590BBF9-A6F1-A4CD-599B-E5641D19DA32}"/>
-              </a:ext>
-            </a:extLst>
-          </p:cNvPr>
-          <p:cNvSpPr txBox="1"/>
-          <p:nvPr/>
-        </p:nvSpPr>
-        <p:spPr>
-          <a:xfrm>
-            <a:off x="2132630" y="2405816"/>
-            <a:ext cx="1835690" cy="232051"/>
-          </a:xfrm>
-          <a:prstGeom prst="rect">
-            <a:avLst/>
-          </a:prstGeom>
-          <a:noFill/>
-        </p:spPr>
-        <p:txBody>
-          <a:bodyPr wrap="square">
-            <a:spAutoFit/>
-          </a:bodyPr>
-          <a:lstStyle/>
-          <a:p>
-            <a:pPr algn="r">
-              <a:lnSpc>
-                <a:spcPct val="107000"/>
-              </a:lnSpc>
-              <a:spcBef>
-                <a:spcPts val="1000"/>
-              </a:spcBef>
-            </a:pPr>
-            <a:r>
-              <a:rPr lang="fr-FR" sz="900" dirty="0"/>
-              <a:t>Données signalement</a:t>
-            </a:r>
-          </a:p>
-        </p:txBody>
-      </p:sp>
-      <p:sp>
-        <p:nvSpPr>
-          <p:cNvPr id="13" name="ZoneTexte 12">
-            <a:extLst>
-              <a:ext uri="{FF2B5EF4-FFF2-40B4-BE49-F238E27FC236}">
-                <a16:creationId xmlns:a16="http://schemas.microsoft.com/office/drawing/2014/main" id="{3C028DBF-B311-03E5-35A6-C096FC2CAB4C}"/>
-              </a:ext>
-            </a:extLst>
-          </p:cNvPr>
-          <p:cNvSpPr txBox="1"/>
-          <p:nvPr/>
-        </p:nvSpPr>
-        <p:spPr>
-          <a:xfrm>
-            <a:off x="2268156" y="2708552"/>
-            <a:ext cx="1680601" cy="232051"/>
-          </a:xfrm>
-          <a:prstGeom prst="rect">
-            <a:avLst/>
-          </a:prstGeom>
-          <a:noFill/>
-        </p:spPr>
-        <p:txBody>
-          <a:bodyPr wrap="square">
-            <a:spAutoFit/>
-          </a:bodyPr>
-          <a:lstStyle/>
-          <a:p>
-            <a:pPr algn="r">
-              <a:lnSpc>
-                <a:spcPct val="107000"/>
-              </a:lnSpc>
-              <a:spcBef>
-                <a:spcPts val="1000"/>
-              </a:spcBef>
-            </a:pPr>
-            <a:r>
-              <a:rPr lang="fr-CA" sz="900" dirty="0"/>
-              <a:t>prestataire calculé/désigné</a:t>
-            </a:r>
-            <a:endParaRPr lang="fr-FR" sz="900" dirty="0"/>
-          </a:p>
-        </p:txBody>
-      </p:sp>
-      <p:sp>
-        <p:nvSpPr>
-          <p:cNvPr id="14" name="ZoneTexte 13">
-            <a:extLst>
-              <a:ext uri="{FF2B5EF4-FFF2-40B4-BE49-F238E27FC236}">
-                <a16:creationId xmlns:a16="http://schemas.microsoft.com/office/drawing/2014/main" id="{ADD0E3E2-9F6E-0F01-B514-2DE322CF28C9}"/>
-              </a:ext>
-            </a:extLst>
-          </p:cNvPr>
-          <p:cNvSpPr txBox="1"/>
-          <p:nvPr/>
-        </p:nvSpPr>
-        <p:spPr>
-          <a:xfrm>
-            <a:off x="2444241" y="4282095"/>
-            <a:ext cx="1504516" cy="232051"/>
-          </a:xfrm>
-          <a:prstGeom prst="rect">
-            <a:avLst/>
-          </a:prstGeom>
-          <a:noFill/>
-        </p:spPr>
-        <p:txBody>
-          <a:bodyPr wrap="square">
-            <a:spAutoFit/>
-          </a:bodyPr>
-          <a:lstStyle/>
-          <a:p>
-            <a:pPr algn="r">
-              <a:lnSpc>
-                <a:spcPct val="107000"/>
-              </a:lnSpc>
-              <a:spcBef>
-                <a:spcPts val="1000"/>
-              </a:spcBef>
-            </a:pPr>
-            <a:r>
-              <a:rPr lang="fr-CA" sz="900" dirty="0"/>
-              <a:t>satisfaction</a:t>
-            </a:r>
-            <a:endParaRPr lang="fr-FR" sz="900" dirty="0"/>
-          </a:p>
-        </p:txBody>
-      </p:sp>
-      <p:sp>
-        <p:nvSpPr>
-          <p:cNvPr id="15" name="ZoneTexte 14">
-            <a:extLst>
-              <a:ext uri="{FF2B5EF4-FFF2-40B4-BE49-F238E27FC236}">
-                <a16:creationId xmlns:a16="http://schemas.microsoft.com/office/drawing/2014/main" id="{E40AE4E1-00B0-5D3B-408E-96516C34248A}"/>
-              </a:ext>
-            </a:extLst>
-          </p:cNvPr>
-          <p:cNvSpPr txBox="1"/>
-          <p:nvPr/>
-        </p:nvSpPr>
-        <p:spPr>
-          <a:xfrm>
-            <a:off x="1752319" y="2110982"/>
-            <a:ext cx="2216001" cy="232051"/>
-          </a:xfrm>
-          <a:prstGeom prst="rect">
-            <a:avLst/>
-          </a:prstGeom>
-          <a:noFill/>
-        </p:spPr>
-        <p:txBody>
-          <a:bodyPr wrap="square">
-            <a:spAutoFit/>
-          </a:bodyPr>
-          <a:lstStyle/>
-          <a:p>
-            <a:pPr algn="r">
-              <a:lnSpc>
-                <a:spcPct val="107000"/>
-              </a:lnSpc>
-              <a:spcBef>
-                <a:spcPts val="1000"/>
-              </a:spcBef>
-            </a:pPr>
-            <a:r>
-              <a:rPr lang="fr-CA" sz="900" dirty="0"/>
-              <a:t>Clé primaire  - </a:t>
-            </a:r>
-            <a:r>
-              <a:rPr lang="fr-CA" sz="900" dirty="0" err="1"/>
-              <a:t>auto-incrément</a:t>
-            </a:r>
-            <a:endParaRPr lang="fr-FR" sz="900" dirty="0"/>
-          </a:p>
-        </p:txBody>
-      </p:sp>
-      <p:sp>
-        <p:nvSpPr>
-          <p:cNvPr id="16" name="Accolade ouvrante 15">
-            <a:extLst>
-              <a:ext uri="{FF2B5EF4-FFF2-40B4-BE49-F238E27FC236}">
-                <a16:creationId xmlns:a16="http://schemas.microsoft.com/office/drawing/2014/main" id="{0C8AA796-927E-EABA-573A-7C2CDD9E014F}"/>
-              </a:ext>
-            </a:extLst>
-          </p:cNvPr>
-          <p:cNvSpPr/>
-          <p:nvPr/>
-        </p:nvSpPr>
-        <p:spPr>
-          <a:xfrm>
-            <a:off x="3968321" y="2126236"/>
-            <a:ext cx="127190" cy="195885"/>
-          </a:xfrm>
-          <a:prstGeom prst="leftBrace">
-            <a:avLst/>
-          </a:prstGeom>
-        </p:spPr>
-        <p:style>
-          <a:lnRef idx="1">
-            <a:schemeClr val="accent2"/>
-          </a:lnRef>
-          <a:fillRef idx="0">
-            <a:schemeClr val="accent2"/>
-          </a:fillRef>
-          <a:effectRef idx="0">
-            <a:schemeClr val="accent2"/>
-          </a:effectRef>
-          <a:fontRef idx="minor">
-            <a:schemeClr val="tx1"/>
-          </a:fontRef>
-        </p:style>
-        <p:txBody>
-          <a:bodyPr rtlCol="0" anchor="ctr"/>
-          <a:lstStyle/>
-          <a:p>
-            <a:pPr algn="r"/>
-            <a:endParaRPr lang="fr-FR"/>
-          </a:p>
-        </p:txBody>
-      </p:sp>
-      <p:sp>
-        <p:nvSpPr>
-          <p:cNvPr id="17" name="Accolade ouvrante 16">
-            <a:extLst>
-              <a:ext uri="{FF2B5EF4-FFF2-40B4-BE49-F238E27FC236}">
-                <a16:creationId xmlns:a16="http://schemas.microsoft.com/office/drawing/2014/main" id="{F5D3D459-88D8-58AB-1F08-3051CE96E936}"/>
-              </a:ext>
-            </a:extLst>
-          </p:cNvPr>
-          <p:cNvSpPr/>
-          <p:nvPr/>
-        </p:nvSpPr>
-        <p:spPr>
-          <a:xfrm>
-            <a:off x="3968319" y="2359512"/>
-            <a:ext cx="131077" cy="298576"/>
-          </a:xfrm>
-          <a:prstGeom prst="leftBrace">
-            <a:avLst/>
-          </a:prstGeom>
-        </p:spPr>
-        <p:style>
-          <a:lnRef idx="1">
-            <a:schemeClr val="accent2"/>
-          </a:lnRef>
-          <a:fillRef idx="0">
-            <a:schemeClr val="accent2"/>
-          </a:fillRef>
-          <a:effectRef idx="0">
-            <a:schemeClr val="accent2"/>
-          </a:effectRef>
-          <a:fontRef idx="minor">
-            <a:schemeClr val="tx1"/>
-          </a:fontRef>
-        </p:style>
-        <p:txBody>
-          <a:bodyPr rtlCol="0" anchor="ctr"/>
-          <a:lstStyle/>
-          <a:p>
-            <a:pPr algn="r"/>
-            <a:endParaRPr lang="fr-FR"/>
-          </a:p>
-        </p:txBody>
-      </p:sp>
-      <p:sp>
-        <p:nvSpPr>
-          <p:cNvPr id="18" name="Accolade ouvrante 17">
-            <a:extLst>
-              <a:ext uri="{FF2B5EF4-FFF2-40B4-BE49-F238E27FC236}">
-                <a16:creationId xmlns:a16="http://schemas.microsoft.com/office/drawing/2014/main" id="{2FDC24A9-87B2-64BC-69DC-E72C0E59AB68}"/>
-              </a:ext>
-            </a:extLst>
-          </p:cNvPr>
-          <p:cNvSpPr/>
-          <p:nvPr/>
-        </p:nvSpPr>
-        <p:spPr>
-          <a:xfrm>
-            <a:off x="3964433" y="2708552"/>
-            <a:ext cx="131077" cy="211139"/>
-          </a:xfrm>
-          <a:prstGeom prst="leftBrace">
-            <a:avLst/>
-          </a:prstGeom>
-        </p:spPr>
-        <p:style>
-          <a:lnRef idx="1">
-            <a:schemeClr val="accent2"/>
-          </a:lnRef>
-          <a:fillRef idx="0">
-            <a:schemeClr val="accent2"/>
-          </a:fillRef>
-          <a:effectRef idx="0">
-            <a:schemeClr val="accent2"/>
-          </a:effectRef>
-          <a:fontRef idx="minor">
-            <a:schemeClr val="tx1"/>
-          </a:fontRef>
-        </p:style>
-        <p:txBody>
-          <a:bodyPr rtlCol="0" anchor="ctr"/>
-          <a:lstStyle/>
-          <a:p>
-            <a:pPr algn="r"/>
-            <a:endParaRPr lang="fr-FR"/>
-          </a:p>
-        </p:txBody>
-      </p:sp>
-      <p:sp>
-        <p:nvSpPr>
-          <p:cNvPr id="19" name="Accolade ouvrante 18">
-            <a:extLst>
-              <a:ext uri="{FF2B5EF4-FFF2-40B4-BE49-F238E27FC236}">
-                <a16:creationId xmlns:a16="http://schemas.microsoft.com/office/drawing/2014/main" id="{7DD67F22-AF60-B621-9C11-E4706A1D11BB}"/>
-              </a:ext>
-            </a:extLst>
-          </p:cNvPr>
-          <p:cNvSpPr/>
-          <p:nvPr/>
-        </p:nvSpPr>
-        <p:spPr>
-          <a:xfrm>
-            <a:off x="3968319" y="4248833"/>
-            <a:ext cx="131077" cy="298576"/>
-          </a:xfrm>
-          <a:prstGeom prst="leftBrace">
-            <a:avLst/>
-          </a:prstGeom>
-        </p:spPr>
-        <p:style>
-          <a:lnRef idx="1">
-            <a:schemeClr val="accent2"/>
-          </a:lnRef>
-          <a:fillRef idx="0">
-            <a:schemeClr val="accent2"/>
-          </a:fillRef>
-          <a:effectRef idx="0">
-            <a:schemeClr val="accent2"/>
-          </a:effectRef>
-          <a:fontRef idx="minor">
-            <a:schemeClr val="tx1"/>
-          </a:fontRef>
-        </p:style>
-        <p:txBody>
-          <a:bodyPr rtlCol="0" anchor="ctr"/>
-          <a:lstStyle/>
-          <a:p>
-            <a:pPr algn="r"/>
-            <a:endParaRPr lang="fr-FR"/>
-          </a:p>
-        </p:txBody>
-      </p:sp>
-      <p:pic>
-        <p:nvPicPr>
-          <p:cNvPr id="23" name="Image 22">
-            <a:extLst>
-              <a:ext uri="{FF2B5EF4-FFF2-40B4-BE49-F238E27FC236}">
-                <a16:creationId xmlns:a16="http://schemas.microsoft.com/office/drawing/2014/main" id="{0A78288E-14A9-19F2-A2D1-4F11EB2E5B5E}"/>
-              </a:ext>
-            </a:extLst>
-          </p:cNvPr>
-          <p:cNvPicPr>
-            <a:picLocks noChangeAspect="1"/>
-          </p:cNvPicPr>
-          <p:nvPr/>
-        </p:nvPicPr>
-        <p:blipFill>
-          <a:blip r:embed="rId2"/>
-          <a:stretch>
-            <a:fillRect/>
-          </a:stretch>
-        </p:blipFill>
-        <p:spPr>
-          <a:xfrm>
-            <a:off x="4128009" y="1860564"/>
-            <a:ext cx="5619750" cy="3019425"/>
-          </a:xfrm>
-          <a:prstGeom prst="rect">
-            <a:avLst/>
-          </a:prstGeom>
-        </p:spPr>
-      </p:pic>
-    </p:spTree>
-    <p:extLst>
-      <p:ext uri="{BB962C8B-B14F-4D97-AF65-F5344CB8AC3E}">
-        <p14:creationId xmlns:p14="http://schemas.microsoft.com/office/powerpoint/2010/main" val="818808910"/>
-      </p:ext>
-    </p:extLst>
-  </p:cSld>
-  <p:clrMapOvr>
-    <a:masterClrMapping/>
-  </p:clrMapOvr>
-</p:sld>
-</file>
-
-<file path=ppt/slides/slide13.xml><?xml version="1.0" encoding="utf-8"?>
 <p:sld xmlns:a="http://schemas.openxmlformats.org/drawingml/2006/main" xmlns:r="http://schemas.openxmlformats.org/officeDocument/2006/relationships" xmlns:p="http://schemas.openxmlformats.org/presentationml/2006/main">
   <p:cSld>
     <p:spTree>
@@ -13784,15 +13539,37 @@
             <p:ph type="title"/>
           </p:nvPr>
         </p:nvSpPr>
-        <p:spPr/>
+        <p:spPr>
+          <a:xfrm>
+            <a:off x="838200" y="365126"/>
+            <a:ext cx="10515600" cy="882998"/>
+          </a:xfrm>
+        </p:spPr>
         <p:txBody>
-          <a:bodyPr>
+          <a:bodyPr vert="horz" lIns="91440" tIns="45720" rIns="91440" bIns="45720" rtlCol="0" anchor="b">
             <a:normAutofit/>
           </a:bodyPr>
           <a:lstStyle/>
           <a:p>
             <a:r>
-              <a:rPr lang="fr-FR" sz="4000" dirty="0"/>
+              <a:rPr lang="fr-FR" sz="4000" dirty="0">
+                <a:gradFill flip="none" rotWithShape="1">
+                  <a:gsLst>
+                    <a:gs pos="0">
+                      <a:schemeClr val="accent5">
+                        <a:alpha val="70000"/>
+                      </a:schemeClr>
+                    </a:gs>
+                    <a:gs pos="100000">
+                      <a:schemeClr val="accent1">
+                        <a:alpha val="70000"/>
+                      </a:schemeClr>
+                    </a:gs>
+                  </a:gsLst>
+                  <a:lin ang="0" scaled="1"/>
+                  <a:tileRect/>
+                </a:gradFill>
+              </a:rPr>
               <a:t>La sécurité – utilisateur</a:t>
             </a:r>
           </a:p>
@@ -14126,7 +13903,7 @@
 </p:sld>
 </file>
 
-<file path=ppt/slides/slide14.xml><?xml version="1.0" encoding="utf-8"?>
+<file path=ppt/slides/slide13.xml><?xml version="1.0" encoding="utf-8"?>
 <p:sld xmlns:a="http://schemas.openxmlformats.org/drawingml/2006/main" xmlns:r="http://schemas.openxmlformats.org/officeDocument/2006/relationships" xmlns:p="http://schemas.openxmlformats.org/presentationml/2006/main">
   <p:cSld>
     <p:spTree>
@@ -14281,15 +14058,37 @@
             <p:ph type="title"/>
           </p:nvPr>
         </p:nvSpPr>
-        <p:spPr/>
+        <p:spPr>
+          <a:xfrm>
+            <a:off x="838200" y="365126"/>
+            <a:ext cx="10515600" cy="796230"/>
+          </a:xfrm>
+        </p:spPr>
         <p:txBody>
-          <a:bodyPr>
+          <a:bodyPr vert="horz" lIns="91440" tIns="45720" rIns="91440" bIns="45720" rtlCol="0" anchor="b">
             <a:normAutofit/>
           </a:bodyPr>
           <a:lstStyle/>
           <a:p>
             <a:r>
-              <a:rPr lang="fr-FR" sz="4000" dirty="0"/>
+              <a:rPr lang="fr-FR" sz="4000" dirty="0">
+                <a:gradFill flip="none" rotWithShape="1">
+                  <a:gsLst>
+                    <a:gs pos="0">
+                      <a:schemeClr val="accent5">
+                        <a:alpha val="70000"/>
+                      </a:schemeClr>
+                    </a:gs>
+                    <a:gs pos="100000">
+                      <a:schemeClr val="accent1">
+                        <a:alpha val="70000"/>
+                      </a:schemeClr>
+                    </a:gs>
+                  </a:gsLst>
+                  <a:lin ang="0" scaled="1"/>
+                  <a:tileRect/>
+                </a:gradFill>
+              </a:rPr>
               <a:t>La sécurité - authentification</a:t>
             </a:r>
           </a:p>
@@ -14638,7 +14437,7 @@
 </p:sld>
 </file>
 
-<file path=ppt/slides/slide15.xml><?xml version="1.0" encoding="utf-8"?>
+<file path=ppt/slides/slide14.xml><?xml version="1.0" encoding="utf-8"?>
 <p:sld xmlns:a="http://schemas.openxmlformats.org/drawingml/2006/main" xmlns:r="http://schemas.openxmlformats.org/officeDocument/2006/relationships" xmlns:p="http://schemas.openxmlformats.org/presentationml/2006/main">
   <p:cSld>
     <p:spTree>
@@ -14671,15 +14470,37 @@
             <p:ph type="title"/>
           </p:nvPr>
         </p:nvSpPr>
-        <p:spPr/>
+        <p:spPr>
+          <a:xfrm>
+            <a:off x="838200" y="365125"/>
+            <a:ext cx="10515600" cy="1056533"/>
+          </a:xfrm>
+        </p:spPr>
         <p:txBody>
-          <a:bodyPr>
+          <a:bodyPr vert="horz" lIns="91440" tIns="45720" rIns="91440" bIns="45720" rtlCol="0" anchor="b">
             <a:normAutofit/>
           </a:bodyPr>
           <a:lstStyle/>
           <a:p>
             <a:r>
-              <a:rPr lang="fr-FR" sz="4000" dirty="0"/>
+              <a:rPr lang="fr-FR" sz="4000" dirty="0">
+                <a:gradFill flip="none" rotWithShape="1">
+                  <a:gsLst>
+                    <a:gs pos="0">
+                      <a:schemeClr val="accent5">
+                        <a:alpha val="70000"/>
+                      </a:schemeClr>
+                    </a:gs>
+                    <a:gs pos="100000">
+                      <a:schemeClr val="accent1">
+                        <a:alpha val="70000"/>
+                      </a:schemeClr>
+                    </a:gs>
+                  </a:gsLst>
+                  <a:lin ang="0" scaled="1"/>
+                  <a:tileRect/>
+                </a:gradFill>
+              </a:rPr>
               <a:t>La sécurité – mot de passe</a:t>
             </a:r>
           </a:p>
@@ -15063,7 +14884,7 @@
 </p:sld>
 </file>
 
-<file path=ppt/slides/slide16.xml><?xml version="1.0" encoding="utf-8"?>
+<file path=ppt/slides/slide15.xml><?xml version="1.0" encoding="utf-8"?>
 <p:sld xmlns:a="http://schemas.openxmlformats.org/drawingml/2006/main" xmlns:r="http://schemas.openxmlformats.org/officeDocument/2006/relationships" xmlns:p="http://schemas.openxmlformats.org/presentationml/2006/main">
   <p:cSld>
     <p:spTree>
@@ -15096,15 +14917,37 @@
             <p:ph type="title"/>
           </p:nvPr>
         </p:nvSpPr>
-        <p:spPr/>
+        <p:spPr>
+          <a:xfrm>
+            <a:off x="838200" y="365126"/>
+            <a:ext cx="10515600" cy="923044"/>
+          </a:xfrm>
+        </p:spPr>
         <p:txBody>
-          <a:bodyPr>
+          <a:bodyPr vert="horz" lIns="91440" tIns="45720" rIns="91440" bIns="45720" rtlCol="0" anchor="b">
             <a:normAutofit/>
           </a:bodyPr>
           <a:lstStyle/>
           <a:p>
             <a:r>
-              <a:rPr lang="fr-FR" sz="4000" dirty="0"/>
+              <a:rPr lang="fr-FR" sz="4000" dirty="0">
+                <a:gradFill flip="none" rotWithShape="1">
+                  <a:gsLst>
+                    <a:gs pos="0">
+                      <a:schemeClr val="accent5">
+                        <a:alpha val="70000"/>
+                      </a:schemeClr>
+                    </a:gs>
+                    <a:gs pos="100000">
+                      <a:schemeClr val="accent1">
+                        <a:alpha val="70000"/>
+                      </a:schemeClr>
+                    </a:gs>
+                  </a:gsLst>
+                  <a:lin ang="0" scaled="1"/>
+                  <a:tileRect/>
+                </a:gradFill>
+              </a:rPr>
               <a:t>La sécurité – les données </a:t>
             </a:r>
           </a:p>
@@ -15343,7 +15186,7 @@
 </p:sld>
 </file>
 
-<file path=ppt/slides/slide17.xml><?xml version="1.0" encoding="utf-8"?>
+<file path=ppt/slides/slide16.xml><?xml version="1.0" encoding="utf-8"?>
 <p:sld xmlns:a="http://schemas.openxmlformats.org/drawingml/2006/main" xmlns:r="http://schemas.openxmlformats.org/officeDocument/2006/relationships" xmlns:p="http://schemas.openxmlformats.org/presentationml/2006/main">
   <p:cSld>
     <p:spTree>
@@ -15376,15 +15219,37 @@
             <p:ph type="title"/>
           </p:nvPr>
         </p:nvSpPr>
-        <p:spPr/>
+        <p:spPr>
+          <a:xfrm>
+            <a:off x="838200" y="365125"/>
+            <a:ext cx="10515600" cy="1216720"/>
+          </a:xfrm>
+        </p:spPr>
         <p:txBody>
-          <a:bodyPr>
+          <a:bodyPr vert="horz" lIns="91440" tIns="45720" rIns="91440" bIns="45720" rtlCol="0" anchor="b">
             <a:normAutofit/>
           </a:bodyPr>
           <a:lstStyle/>
           <a:p>
             <a:r>
-              <a:rPr lang="fr-FR" sz="4000" dirty="0"/>
+              <a:rPr lang="fr-FR" sz="4000" dirty="0">
+                <a:gradFill flip="none" rotWithShape="1">
+                  <a:gsLst>
+                    <a:gs pos="0">
+                      <a:schemeClr val="accent5">
+                        <a:alpha val="70000"/>
+                      </a:schemeClr>
+                    </a:gs>
+                    <a:gs pos="100000">
+                      <a:schemeClr val="accent1">
+                        <a:alpha val="70000"/>
+                      </a:schemeClr>
+                    </a:gs>
+                  </a:gsLst>
+                  <a:lin ang="0" scaled="1"/>
+                  <a:tileRect/>
+                </a:gradFill>
+              </a:rPr>
               <a:t>La sécurité – cookie de session</a:t>
             </a:r>
           </a:p>
@@ -15404,8 +15269,8 @@
         </p:nvSpPr>
         <p:spPr>
           <a:xfrm>
-            <a:off x="1347063" y="2006600"/>
-            <a:ext cx="7010128" cy="3345531"/>
+            <a:off x="1434779" y="2053321"/>
+            <a:ext cx="7010128" cy="3773982"/>
           </a:xfrm>
           <a:prstGeom prst="rect">
             <a:avLst/>
@@ -15437,6 +15302,9 @@
               <a:lnSpc>
                 <a:spcPct val="107000"/>
               </a:lnSpc>
+              <a:spcBef>
+                <a:spcPts val="600"/>
+              </a:spcBef>
               <a:buFont typeface="Wingdings" panose="05000000000000000000" pitchFamily="2" charset="2"/>
               <a:buChar char="Ø"/>
             </a:pPr>
@@ -15591,6 +15459,9 @@
               <a:lnSpc>
                 <a:spcPct val="107000"/>
               </a:lnSpc>
+              <a:spcBef>
+                <a:spcPts val="600"/>
+              </a:spcBef>
               <a:buFont typeface="Wingdings" panose="05000000000000000000" pitchFamily="2" charset="2"/>
               <a:buChar char="§"/>
             </a:pPr>
@@ -15604,10 +15475,12 @@
             </a:r>
           </a:p>
           <a:p>
-            <a:pPr lvl="2">
-              <a:lnSpc>
-                <a:spcPct val="107000"/>
-              </a:lnSpc>
+            <a:pPr marL="1085850" lvl="2" indent="-171450">
+              <a:lnSpc>
+                <a:spcPct val="107000"/>
+              </a:lnSpc>
+              <a:buFont typeface="Symbol" panose="05050102010706020507" pitchFamily="18" charset="2"/>
+              <a:buChar char="Þ"/>
             </a:pPr>
             <a:r>
               <a:rPr lang="fr-FR" sz="1200" dirty="0">
@@ -15615,7 +15488,7 @@
                 <a:ea typeface="Calibri" panose="020F0502020204030204" pitchFamily="34" charset="0"/>
                 <a:cs typeface="Times New Roman" panose="02020603050405020304" pitchFamily="18" charset="0"/>
               </a:rPr>
-              <a:t>=&gt; ? (session. </a:t>
+              <a:t>? (session. </a:t>
             </a:r>
             <a:r>
               <a:rPr lang="fr-FR" sz="1200" dirty="0" err="1">
@@ -15647,7 +15520,7 @@
                 <a:ea typeface="Calibri" panose="020F0502020204030204" pitchFamily="34" charset="0"/>
                 <a:cs typeface="Times New Roman" panose="02020603050405020304" pitchFamily="18" charset="0"/>
               </a:rPr>
-              <a:t> &amp; session. profil == 4) 	</a:t>
+              <a:t> &amp; session. profil ==4)</a:t>
             </a:r>
           </a:p>
           <a:p>
@@ -15655,6 +15528,9 @@
               <a:lnSpc>
                 <a:spcPct val="107000"/>
               </a:lnSpc>
+              <a:spcBef>
+                <a:spcPts val="600"/>
+              </a:spcBef>
               <a:buFont typeface="Wingdings" panose="05000000000000000000" pitchFamily="2" charset="2"/>
               <a:buChar char="§"/>
             </a:pPr>
@@ -15763,6 +15639,21 @@
                 <a:cs typeface="Times New Roman" panose="02020603050405020304" pitchFamily="18" charset="0"/>
               </a:rPr>
               <a:t>) </a:t>
+            </a:r>
+          </a:p>
+          <a:p>
+            <a:pPr lvl="2">
+              <a:lnSpc>
+                <a:spcPct val="107000"/>
+              </a:lnSpc>
+            </a:pPr>
+            <a:r>
+              <a:rPr lang="fr-FR" sz="1200" dirty="0">
+                <a:latin typeface="Book Antiqua" panose="02040602050305030304" pitchFamily="18" charset="0"/>
+                <a:ea typeface="Calibri" panose="020F0502020204030204" pitchFamily="34" charset="0"/>
+                <a:cs typeface="Times New Roman" panose="02020603050405020304" pitchFamily="18" charset="0"/>
+              </a:rPr>
+              <a:t> </a:t>
             </a:r>
           </a:p>
           <a:p>
@@ -15849,7 +15740,7 @@
 </p:sld>
 </file>
 
-<file path=ppt/slides/slide18.xml><?xml version="1.0" encoding="utf-8"?>
+<file path=ppt/slides/slide17.xml><?xml version="1.0" encoding="utf-8"?>
 <p:sld xmlns:a="http://schemas.openxmlformats.org/drawingml/2006/main" xmlns:r="http://schemas.openxmlformats.org/officeDocument/2006/relationships" xmlns:p="http://schemas.openxmlformats.org/presentationml/2006/main">
   <p:cSld>
     <p:spTree>
@@ -15885,17 +15776,34 @@
         <p:spPr>
           <a:xfrm>
             <a:off x="838200" y="681038"/>
-            <a:ext cx="10515600" cy="972704"/>
+            <a:ext cx="10515600" cy="633916"/>
           </a:xfrm>
         </p:spPr>
         <p:txBody>
-          <a:bodyPr>
-            <a:normAutofit/>
+          <a:bodyPr vert="horz" lIns="91440" tIns="45720" rIns="91440" bIns="45720" rtlCol="0" anchor="b">
+            <a:normAutofit fontScale="90000"/>
           </a:bodyPr>
           <a:lstStyle/>
           <a:p>
             <a:r>
-              <a:rPr lang="fr-FR" sz="4000" dirty="0"/>
+              <a:rPr lang="fr-FR" sz="4000" dirty="0">
+                <a:gradFill flip="none" rotWithShape="1">
+                  <a:gsLst>
+                    <a:gs pos="0">
+                      <a:schemeClr val="accent5">
+                        <a:alpha val="70000"/>
+                      </a:schemeClr>
+                    </a:gs>
+                    <a:gs pos="100000">
+                      <a:schemeClr val="accent1">
+                        <a:alpha val="70000"/>
+                      </a:schemeClr>
+                    </a:gs>
+                  </a:gsLst>
+                  <a:lin ang="0" scaled="1"/>
+                  <a:tileRect/>
+                </a:gradFill>
+              </a:rPr>
               <a:t>Tests unitaires</a:t>
             </a:r>
           </a:p>
@@ -16116,7 +16024,7 @@
 </p:sld>
 </file>
 
-<file path=ppt/slides/slide19.xml><?xml version="1.0" encoding="utf-8"?>
+<file path=ppt/slides/slide18.xml><?xml version="1.0" encoding="utf-8"?>
 <p:sld xmlns:a="http://schemas.openxmlformats.org/drawingml/2006/main" xmlns:r="http://schemas.openxmlformats.org/officeDocument/2006/relationships" xmlns:p="http://schemas.openxmlformats.org/presentationml/2006/main">
   <p:cSld>
     <p:spTree>
@@ -16217,18 +16125,35 @@
         <p:spPr>
           <a:xfrm>
             <a:off x="838200" y="681038"/>
-            <a:ext cx="10515600" cy="972704"/>
+            <a:ext cx="10515600" cy="769871"/>
           </a:xfrm>
         </p:spPr>
         <p:txBody>
-          <a:bodyPr>
+          <a:bodyPr vert="horz" lIns="91440" tIns="45720" rIns="91440" bIns="45720" rtlCol="0" anchor="b">
             <a:normAutofit/>
           </a:bodyPr>
           <a:lstStyle/>
           <a:p>
             <a:r>
-              <a:rPr lang="fr-FR" sz="4000" dirty="0"/>
-              <a:t>Tests d’intégration et de non-régression</a:t>
+              <a:rPr lang="fr-FR" sz="4000" dirty="0">
+                <a:gradFill flip="none" rotWithShape="1">
+                  <a:gsLst>
+                    <a:gs pos="0">
+                      <a:schemeClr val="accent5">
+                        <a:alpha val="70000"/>
+                      </a:schemeClr>
+                    </a:gs>
+                    <a:gs pos="100000">
+                      <a:schemeClr val="accent1">
+                        <a:alpha val="70000"/>
+                      </a:schemeClr>
+                    </a:gs>
+                  </a:gsLst>
+                  <a:lin ang="0" scaled="1"/>
+                  <a:tileRect/>
+                </a:gradFill>
+              </a:rPr>
+              <a:t>Tests fonctionnels et de non-régression</a:t>
             </a:r>
           </a:p>
         </p:txBody>
@@ -16503,1272 +16428,10 @@
   <p:clrMapOvr>
     <a:masterClrMapping/>
   </p:clrMapOvr>
-  <p:timing>
-    <p:tnLst>
-      <p:par>
-        <p:cTn id="1" dur="indefinite" restart="never" nodeType="tmRoot">
-          <p:childTnLst>
-            <p:seq concurrent="1" nextAc="seek">
-              <p:cTn id="2" dur="indefinite" nodeType="mainSeq">
-                <p:childTnLst>
-                  <p:par>
-                    <p:cTn id="3" fill="hold">
-                      <p:stCondLst>
-                        <p:cond delay="indefinite"/>
-                      </p:stCondLst>
-                      <p:childTnLst>
-                        <p:par>
-                          <p:cTn id="4" fill="hold">
-                            <p:stCondLst>
-                              <p:cond delay="0"/>
-                            </p:stCondLst>
-                            <p:childTnLst>
-                              <p:par>
-                                <p:cTn id="5" presetID="1" presetClass="entr" presetSubtype="0" fill="hold" nodeType="clickEffect">
-                                  <p:stCondLst>
-                                    <p:cond delay="0"/>
-                                  </p:stCondLst>
-                                  <p:childTnLst>
-                                    <p:set>
-                                      <p:cBhvr>
-                                        <p:cTn id="6" dur="1" fill="hold">
-                                          <p:stCondLst>
-                                            <p:cond delay="0"/>
-                                          </p:stCondLst>
-                                        </p:cTn>
-                                        <p:tgtEl>
-                                          <p:spTgt spid="39"/>
-                                        </p:tgtEl>
-                                        <p:attrNameLst>
-                                          <p:attrName>style.visibility</p:attrName>
-                                        </p:attrNameLst>
-                                      </p:cBhvr>
-                                      <p:to>
-                                        <p:strVal val="visible"/>
-                                      </p:to>
-                                    </p:set>
-                                  </p:childTnLst>
-                                </p:cTn>
-                              </p:par>
-                            </p:childTnLst>
-                          </p:cTn>
-                        </p:par>
-                      </p:childTnLst>
-                    </p:cTn>
-                  </p:par>
-                </p:childTnLst>
-              </p:cTn>
-              <p:prevCondLst>
-                <p:cond evt="onPrev" delay="0">
-                  <p:tgtEl>
-                    <p:sldTgt/>
-                  </p:tgtEl>
-                </p:cond>
-              </p:prevCondLst>
-              <p:nextCondLst>
-                <p:cond evt="onNext" delay="0">
-                  <p:tgtEl>
-                    <p:sldTgt/>
-                  </p:tgtEl>
-                </p:cond>
-              </p:nextCondLst>
-            </p:seq>
-          </p:childTnLst>
-        </p:cTn>
-      </p:par>
-    </p:tnLst>
-  </p:timing>
 </p:sld>
 </file>
 
-<file path=ppt/slides/slide2.xml><?xml version="1.0" encoding="utf-8"?>
-<p:sld xmlns:a="http://schemas.openxmlformats.org/drawingml/2006/main" xmlns:r="http://schemas.openxmlformats.org/officeDocument/2006/relationships" xmlns:p="http://schemas.openxmlformats.org/presentationml/2006/main">
-  <p:cSld>
-    <p:spTree>
-      <p:nvGrpSpPr>
-        <p:cNvPr id="1" name=""/>
-        <p:cNvGrpSpPr/>
-        <p:nvPr/>
-      </p:nvGrpSpPr>
-      <p:grpSpPr>
-        <a:xfrm>
-          <a:off x="0" y="0"/>
-          <a:ext cx="0" cy="0"/>
-          <a:chOff x="0" y="0"/>
-          <a:chExt cx="0" cy="0"/>
-        </a:xfrm>
-      </p:grpSpPr>
-      <p:sp>
-        <p:nvSpPr>
-          <p:cNvPr id="2" name="Titre 1">
-            <a:extLst>
-              <a:ext uri="{FF2B5EF4-FFF2-40B4-BE49-F238E27FC236}">
-                <a16:creationId xmlns:a16="http://schemas.microsoft.com/office/drawing/2014/main" id="{099E2E77-954A-DD7C-99BF-B9521D1A2115}"/>
-              </a:ext>
-            </a:extLst>
-          </p:cNvPr>
-          <p:cNvSpPr>
-            <a:spLocks noGrp="1"/>
-          </p:cNvSpPr>
-          <p:nvPr>
-            <p:ph type="title"/>
-          </p:nvPr>
-        </p:nvSpPr>
-        <p:spPr/>
-        <p:txBody>
-          <a:bodyPr>
-            <a:normAutofit/>
-          </a:bodyPr>
-          <a:lstStyle/>
-          <a:p>
-            <a:r>
-              <a:rPr lang="fr-FR" sz="4000" dirty="0"/>
-              <a:t>Présentation SOS IMMO</a:t>
-            </a:r>
-          </a:p>
-        </p:txBody>
-      </p:sp>
-      <p:pic>
-        <p:nvPicPr>
-          <p:cNvPr id="6" name="Espace réservé du contenu 5">
-            <a:extLst>
-              <a:ext uri="{FF2B5EF4-FFF2-40B4-BE49-F238E27FC236}">
-                <a16:creationId xmlns:a16="http://schemas.microsoft.com/office/drawing/2014/main" id="{F5009788-8186-24B6-82B6-48A10A10EEEE}"/>
-              </a:ext>
-            </a:extLst>
-          </p:cNvPr>
-          <p:cNvPicPr>
-            <a:picLocks noGrp="1" noChangeAspect="1"/>
-          </p:cNvPicPr>
-          <p:nvPr>
-            <p:ph idx="1"/>
-          </p:nvPr>
-        </p:nvPicPr>
-        <p:blipFill>
-          <a:blip r:embed="rId3">
-            <a:extLst>
-              <a:ext uri="{28A0092B-C50C-407E-A947-70E740481C1C}">
-                <a14:useLocalDpi xmlns:a14="http://schemas.microsoft.com/office/drawing/2010/main" val="0"/>
-              </a:ext>
-            </a:extLst>
-          </a:blip>
-          <a:stretch>
-            <a:fillRect/>
-          </a:stretch>
-        </p:blipFill>
-        <p:spPr>
-          <a:xfrm>
-            <a:off x="8258915" y="2466975"/>
-            <a:ext cx="1924050" cy="1924050"/>
-          </a:xfrm>
-        </p:spPr>
-      </p:pic>
-      <p:sp>
-        <p:nvSpPr>
-          <p:cNvPr id="9" name="ZoneTexte 8">
-            <a:extLst>
-              <a:ext uri="{FF2B5EF4-FFF2-40B4-BE49-F238E27FC236}">
-                <a16:creationId xmlns:a16="http://schemas.microsoft.com/office/drawing/2014/main" id="{BC23ED4F-C6A3-6A63-6E53-A21EC4FABCD5}"/>
-              </a:ext>
-            </a:extLst>
-          </p:cNvPr>
-          <p:cNvSpPr txBox="1"/>
-          <p:nvPr/>
-        </p:nvSpPr>
-        <p:spPr>
-          <a:xfrm>
-            <a:off x="1252783" y="3540791"/>
-            <a:ext cx="6096000" cy="543803"/>
-          </a:xfrm>
-          <a:prstGeom prst="rect">
-            <a:avLst/>
-          </a:prstGeom>
-          <a:noFill/>
-        </p:spPr>
-        <p:txBody>
-          <a:bodyPr wrap="square">
-            <a:spAutoFit/>
-          </a:bodyPr>
-          <a:lstStyle/>
-          <a:p>
-            <a:pPr algn="ctr">
-              <a:lnSpc>
-                <a:spcPct val="107000"/>
-              </a:lnSpc>
-              <a:spcAft>
-                <a:spcPts val="800"/>
-              </a:spcAft>
-            </a:pPr>
-            <a:r>
-              <a:rPr lang="fr-FR" sz="1400" b="1" dirty="0">
-                <a:solidFill>
-                  <a:schemeClr val="accent1">
-                    <a:lumMod val="50000"/>
-                  </a:schemeClr>
-                </a:solidFill>
-                <a:latin typeface="Book Antiqua" panose="02040602050305030304" pitchFamily="18" charset="0"/>
-                <a:ea typeface="Calibri" panose="020F0502020204030204" pitchFamily="34" charset="0"/>
-                <a:cs typeface="Times New Roman" panose="02020603050405020304" pitchFamily="18" charset="0"/>
-              </a:rPr>
-              <a:t>Plateforme unique pour les occupants, intervenants et gestionnaires d’immeuble.</a:t>
-            </a:r>
-          </a:p>
-        </p:txBody>
-      </p:sp>
-      <p:sp>
-        <p:nvSpPr>
-          <p:cNvPr id="3" name="ZoneTexte 2">
-            <a:extLst>
-              <a:ext uri="{FF2B5EF4-FFF2-40B4-BE49-F238E27FC236}">
-                <a16:creationId xmlns:a16="http://schemas.microsoft.com/office/drawing/2014/main" id="{90E8705F-458C-30F3-95DD-E0D82BF6DD3E}"/>
-              </a:ext>
-            </a:extLst>
-          </p:cNvPr>
-          <p:cNvSpPr txBox="1"/>
-          <p:nvPr/>
-        </p:nvSpPr>
-        <p:spPr>
-          <a:xfrm>
-            <a:off x="1262455" y="2542866"/>
-            <a:ext cx="6096000" cy="543803"/>
-          </a:xfrm>
-          <a:prstGeom prst="rect">
-            <a:avLst/>
-          </a:prstGeom>
-          <a:noFill/>
-        </p:spPr>
-        <p:txBody>
-          <a:bodyPr wrap="square">
-            <a:spAutoFit/>
-          </a:bodyPr>
-          <a:lstStyle/>
-          <a:p>
-            <a:pPr algn="ctr">
-              <a:lnSpc>
-                <a:spcPct val="107000"/>
-              </a:lnSpc>
-              <a:spcAft>
-                <a:spcPts val="800"/>
-              </a:spcAft>
-            </a:pPr>
-            <a:r>
-              <a:rPr lang="fr-FR" sz="1400" b="1" dirty="0">
-                <a:solidFill>
-                  <a:schemeClr val="accent1">
-                    <a:lumMod val="50000"/>
-                  </a:schemeClr>
-                </a:solidFill>
-                <a:latin typeface="Book Antiqua" panose="02040602050305030304" pitchFamily="18" charset="0"/>
-                <a:ea typeface="Calibri" panose="020F0502020204030204" pitchFamily="34" charset="0"/>
-                <a:cs typeface="Times New Roman" panose="02020603050405020304" pitchFamily="18" charset="0"/>
-              </a:rPr>
-              <a:t>Gestion des incidents pouvant survenir dans un immeuble de bureau de grande taille.</a:t>
-            </a:r>
-          </a:p>
-        </p:txBody>
-      </p:sp>
-      <p:sp>
-        <p:nvSpPr>
-          <p:cNvPr id="4" name="ZoneTexte 3">
-            <a:extLst>
-              <a:ext uri="{FF2B5EF4-FFF2-40B4-BE49-F238E27FC236}">
-                <a16:creationId xmlns:a16="http://schemas.microsoft.com/office/drawing/2014/main" id="{5BD53019-C72E-6FBE-26A9-BFC6F2836AC2}"/>
-              </a:ext>
-            </a:extLst>
-          </p:cNvPr>
-          <p:cNvSpPr txBox="1"/>
-          <p:nvPr/>
-        </p:nvSpPr>
-        <p:spPr>
-          <a:xfrm>
-            <a:off x="1252783" y="4131110"/>
-            <a:ext cx="6096000" cy="979499"/>
-          </a:xfrm>
-          <a:prstGeom prst="rect">
-            <a:avLst/>
-          </a:prstGeom>
-          <a:noFill/>
-        </p:spPr>
-        <p:txBody>
-          <a:bodyPr wrap="square">
-            <a:spAutoFit/>
-          </a:bodyPr>
-          <a:lstStyle/>
-          <a:p>
-            <a:pPr marL="1657350" lvl="3" indent="-285750">
-              <a:lnSpc>
-                <a:spcPct val="107000"/>
-              </a:lnSpc>
-              <a:spcAft>
-                <a:spcPts val="800"/>
-              </a:spcAft>
-              <a:buFont typeface="Wingdings" panose="05000000000000000000" pitchFamily="2" charset="2"/>
-              <a:buChar char="Ø"/>
-            </a:pPr>
-            <a:r>
-              <a:rPr lang="fr-FR" sz="1400" b="1" dirty="0">
-                <a:solidFill>
-                  <a:schemeClr val="accent1">
-                    <a:lumMod val="50000"/>
-                  </a:schemeClr>
-                </a:solidFill>
-                <a:latin typeface="Book Antiqua" panose="02040602050305030304" pitchFamily="18" charset="0"/>
-                <a:ea typeface="Calibri" panose="020F0502020204030204" pitchFamily="34" charset="0"/>
-                <a:cs typeface="Times New Roman" panose="02020603050405020304" pitchFamily="18" charset="0"/>
-              </a:rPr>
-              <a:t>Saisie et suivi des incidents</a:t>
-            </a:r>
-          </a:p>
-          <a:p>
-            <a:pPr marL="1657350" lvl="3" indent="-285750">
-              <a:lnSpc>
-                <a:spcPct val="107000"/>
-              </a:lnSpc>
-              <a:spcAft>
-                <a:spcPts val="800"/>
-              </a:spcAft>
-              <a:buFont typeface="Wingdings" panose="05000000000000000000" pitchFamily="2" charset="2"/>
-              <a:buChar char="Ø"/>
-            </a:pPr>
-            <a:r>
-              <a:rPr lang="fr-FR" sz="1400" b="1" dirty="0">
-                <a:solidFill>
-                  <a:schemeClr val="accent1">
-                    <a:lumMod val="50000"/>
-                  </a:schemeClr>
-                </a:solidFill>
-                <a:latin typeface="Book Antiqua" panose="02040602050305030304" pitchFamily="18" charset="0"/>
-                <a:ea typeface="Calibri" panose="020F0502020204030204" pitchFamily="34" charset="0"/>
-                <a:cs typeface="Times New Roman" panose="02020603050405020304" pitchFamily="18" charset="0"/>
-              </a:rPr>
-              <a:t>Identifier les points de vigilance</a:t>
-            </a:r>
-          </a:p>
-          <a:p>
-            <a:pPr marL="1657350" lvl="3" indent="-285750">
-              <a:lnSpc>
-                <a:spcPct val="107000"/>
-              </a:lnSpc>
-              <a:spcAft>
-                <a:spcPts val="800"/>
-              </a:spcAft>
-              <a:buFont typeface="Wingdings" panose="05000000000000000000" pitchFamily="2" charset="2"/>
-              <a:buChar char="Ø"/>
-            </a:pPr>
-            <a:r>
-              <a:rPr lang="fr-FR" sz="1400" b="1" dirty="0">
-                <a:solidFill>
-                  <a:schemeClr val="accent1">
-                    <a:lumMod val="50000"/>
-                  </a:schemeClr>
-                </a:solidFill>
-                <a:latin typeface="Book Antiqua" panose="02040602050305030304" pitchFamily="18" charset="0"/>
-                <a:ea typeface="Calibri" panose="020F0502020204030204" pitchFamily="34" charset="0"/>
-                <a:cs typeface="Times New Roman" panose="02020603050405020304" pitchFamily="18" charset="0"/>
-              </a:rPr>
-              <a:t>Recueillir le sentiment des usagers</a:t>
-            </a:r>
-          </a:p>
-        </p:txBody>
-      </p:sp>
-    </p:spTree>
-    <p:extLst>
-      <p:ext uri="{BB962C8B-B14F-4D97-AF65-F5344CB8AC3E}">
-        <p14:creationId xmlns:p14="http://schemas.microsoft.com/office/powerpoint/2010/main" val="914786330"/>
-      </p:ext>
-    </p:extLst>
-  </p:cSld>
-  <p:clrMapOvr>
-    <a:masterClrMapping/>
-  </p:clrMapOvr>
-  <p:timing>
-    <p:tnLst>
-      <p:par>
-        <p:cTn id="1" dur="indefinite" restart="never" nodeType="tmRoot">
-          <p:childTnLst>
-            <p:seq concurrent="1" nextAc="seek">
-              <p:cTn id="2" dur="indefinite" nodeType="mainSeq">
-                <p:childTnLst>
-                  <p:par>
-                    <p:cTn id="3" fill="hold">
-                      <p:stCondLst>
-                        <p:cond delay="indefinite"/>
-                      </p:stCondLst>
-                      <p:childTnLst>
-                        <p:par>
-                          <p:cTn id="4" fill="hold">
-                            <p:stCondLst>
-                              <p:cond delay="0"/>
-                            </p:stCondLst>
-                            <p:childTnLst>
-                              <p:par>
-                                <p:cTn id="5" presetID="1" presetClass="entr" presetSubtype="0" fill="hold" grpId="0" nodeType="clickEffect">
-                                  <p:stCondLst>
-                                    <p:cond delay="0"/>
-                                  </p:stCondLst>
-                                  <p:childTnLst>
-                                    <p:set>
-                                      <p:cBhvr>
-                                        <p:cTn id="6" dur="1" fill="hold">
-                                          <p:stCondLst>
-                                            <p:cond delay="0"/>
-                                          </p:stCondLst>
-                                        </p:cTn>
-                                        <p:tgtEl>
-                                          <p:spTgt spid="9"/>
-                                        </p:tgtEl>
-                                        <p:attrNameLst>
-                                          <p:attrName>style.visibility</p:attrName>
-                                        </p:attrNameLst>
-                                      </p:cBhvr>
-                                      <p:to>
-                                        <p:strVal val="visible"/>
-                                      </p:to>
-                                    </p:set>
-                                  </p:childTnLst>
-                                </p:cTn>
-                              </p:par>
-                            </p:childTnLst>
-                          </p:cTn>
-                        </p:par>
-                      </p:childTnLst>
-                    </p:cTn>
-                  </p:par>
-                  <p:par>
-                    <p:cTn id="7" fill="hold">
-                      <p:stCondLst>
-                        <p:cond delay="indefinite"/>
-                      </p:stCondLst>
-                      <p:childTnLst>
-                        <p:par>
-                          <p:cTn id="8" fill="hold">
-                            <p:stCondLst>
-                              <p:cond delay="0"/>
-                            </p:stCondLst>
-                            <p:childTnLst>
-                              <p:par>
-                                <p:cTn id="9" presetID="1" presetClass="entr" presetSubtype="0" fill="hold" grpId="0" nodeType="clickEffect">
-                                  <p:stCondLst>
-                                    <p:cond delay="0"/>
-                                  </p:stCondLst>
-                                  <p:childTnLst>
-                                    <p:set>
-                                      <p:cBhvr>
-                                        <p:cTn id="10" dur="1" fill="hold">
-                                          <p:stCondLst>
-                                            <p:cond delay="0"/>
-                                          </p:stCondLst>
-                                        </p:cTn>
-                                        <p:tgtEl>
-                                          <p:spTgt spid="4"/>
-                                        </p:tgtEl>
-                                        <p:attrNameLst>
-                                          <p:attrName>style.visibility</p:attrName>
-                                        </p:attrNameLst>
-                                      </p:cBhvr>
-                                      <p:to>
-                                        <p:strVal val="visible"/>
-                                      </p:to>
-                                    </p:set>
-                                  </p:childTnLst>
-                                </p:cTn>
-                              </p:par>
-                            </p:childTnLst>
-                          </p:cTn>
-                        </p:par>
-                      </p:childTnLst>
-                    </p:cTn>
-                  </p:par>
-                </p:childTnLst>
-              </p:cTn>
-              <p:prevCondLst>
-                <p:cond evt="onPrev" delay="0">
-                  <p:tgtEl>
-                    <p:sldTgt/>
-                  </p:tgtEl>
-                </p:cond>
-              </p:prevCondLst>
-              <p:nextCondLst>
-                <p:cond evt="onNext" delay="0">
-                  <p:tgtEl>
-                    <p:sldTgt/>
-                  </p:tgtEl>
-                </p:cond>
-              </p:nextCondLst>
-            </p:seq>
-          </p:childTnLst>
-        </p:cTn>
-      </p:par>
-    </p:tnLst>
-    <p:bldLst>
-      <p:bldP spid="9" grpId="0"/>
-      <p:bldP spid="4" grpId="0"/>
-    </p:bldLst>
-  </p:timing>
-</p:sld>
-</file>
-
-<file path=ppt/slides/slide20.xml><?xml version="1.0" encoding="utf-8"?>
-<p:sld xmlns:a="http://schemas.openxmlformats.org/drawingml/2006/main" xmlns:r="http://schemas.openxmlformats.org/officeDocument/2006/relationships" xmlns:p="http://schemas.openxmlformats.org/presentationml/2006/main">
-  <p:cSld>
-    <p:spTree>
-      <p:nvGrpSpPr>
-        <p:cNvPr id="1" name=""/>
-        <p:cNvGrpSpPr/>
-        <p:nvPr/>
-      </p:nvGrpSpPr>
-      <p:grpSpPr>
-        <a:xfrm>
-          <a:off x="0" y="0"/>
-          <a:ext cx="0" cy="0"/>
-          <a:chOff x="0" y="0"/>
-          <a:chExt cx="0" cy="0"/>
-        </a:xfrm>
-      </p:grpSpPr>
-      <p:sp>
-        <p:nvSpPr>
-          <p:cNvPr id="2" name="Titre 1">
-            <a:extLst>
-              <a:ext uri="{FF2B5EF4-FFF2-40B4-BE49-F238E27FC236}">
-                <a16:creationId xmlns:a16="http://schemas.microsoft.com/office/drawing/2014/main" id="{099E2E77-954A-DD7C-99BF-B9521D1A2115}"/>
-              </a:ext>
-            </a:extLst>
-          </p:cNvPr>
-          <p:cNvSpPr>
-            <a:spLocks noGrp="1"/>
-          </p:cNvSpPr>
-          <p:nvPr>
-            <p:ph type="title"/>
-          </p:nvPr>
-        </p:nvSpPr>
-        <p:spPr>
-          <a:xfrm>
-            <a:off x="838200" y="681038"/>
-            <a:ext cx="10515600" cy="972704"/>
-          </a:xfrm>
-        </p:spPr>
-        <p:txBody>
-          <a:bodyPr>
-            <a:normAutofit/>
-          </a:bodyPr>
-          <a:lstStyle/>
-          <a:p>
-            <a:r>
-              <a:rPr lang="fr-FR" sz="4000" dirty="0"/>
-              <a:t>Organisation et outils de travail</a:t>
-            </a:r>
-          </a:p>
-        </p:txBody>
-      </p:sp>
-      <p:pic>
-        <p:nvPicPr>
-          <p:cNvPr id="14" name="Image 13">
-            <a:extLst>
-              <a:ext uri="{FF2B5EF4-FFF2-40B4-BE49-F238E27FC236}">
-                <a16:creationId xmlns:a16="http://schemas.microsoft.com/office/drawing/2014/main" id="{CB404869-F9E4-8A2B-B9CB-838C599F46CB}"/>
-              </a:ext>
-            </a:extLst>
-          </p:cNvPr>
-          <p:cNvPicPr>
-            <a:picLocks noChangeAspect="1"/>
-          </p:cNvPicPr>
-          <p:nvPr/>
-        </p:nvPicPr>
-        <p:blipFill>
-          <a:blip r:embed="rId3"/>
-          <a:stretch>
-            <a:fillRect/>
-          </a:stretch>
-        </p:blipFill>
-        <p:spPr>
-          <a:xfrm>
-            <a:off x="867697" y="3483999"/>
-            <a:ext cx="5705443" cy="2359394"/>
-          </a:xfrm>
-          <a:prstGeom prst="rect">
-            <a:avLst/>
-          </a:prstGeom>
-        </p:spPr>
-      </p:pic>
-      <p:grpSp>
-        <p:nvGrpSpPr>
-          <p:cNvPr id="18" name="Groupe 17">
-            <a:extLst>
-              <a:ext uri="{FF2B5EF4-FFF2-40B4-BE49-F238E27FC236}">
-                <a16:creationId xmlns:a16="http://schemas.microsoft.com/office/drawing/2014/main" id="{BA3B82F8-1E58-3A76-FBA0-DAD9E81F9EA9}"/>
-              </a:ext>
-            </a:extLst>
-          </p:cNvPr>
-          <p:cNvGrpSpPr/>
-          <p:nvPr/>
-        </p:nvGrpSpPr>
-        <p:grpSpPr>
-          <a:xfrm>
-            <a:off x="2726938" y="1647729"/>
-            <a:ext cx="3891927" cy="1003104"/>
-            <a:chOff x="751987" y="1588004"/>
-            <a:chExt cx="3845332" cy="1003104"/>
-          </a:xfrm>
-        </p:grpSpPr>
-        <p:pic>
-          <p:nvPicPr>
-            <p:cNvPr id="4" name="Image 3">
-              <a:extLst>
-                <a:ext uri="{FF2B5EF4-FFF2-40B4-BE49-F238E27FC236}">
-                  <a16:creationId xmlns:a16="http://schemas.microsoft.com/office/drawing/2014/main" id="{BD05A891-3873-4365-62CC-FE46647530A5}"/>
-                </a:ext>
-              </a:extLst>
-            </p:cNvPr>
-            <p:cNvPicPr>
-              <a:picLocks noChangeAspect="1"/>
-            </p:cNvPicPr>
-            <p:nvPr/>
-          </p:nvPicPr>
-          <p:blipFill>
-            <a:blip r:embed="rId4"/>
-            <a:stretch>
-              <a:fillRect/>
-            </a:stretch>
-          </p:blipFill>
-          <p:spPr>
-            <a:xfrm>
-              <a:off x="3665396" y="1588004"/>
-              <a:ext cx="931923" cy="732225"/>
-            </a:xfrm>
-            <a:prstGeom prst="rect">
-              <a:avLst/>
-            </a:prstGeom>
-          </p:spPr>
-        </p:pic>
-        <p:sp>
-          <p:nvSpPr>
-            <p:cNvPr id="11" name="ZoneTexte 10">
-              <a:extLst>
-                <a:ext uri="{FF2B5EF4-FFF2-40B4-BE49-F238E27FC236}">
-                  <a16:creationId xmlns:a16="http://schemas.microsoft.com/office/drawing/2014/main" id="{EF9DF4BE-A068-06C1-BFE4-0B4C0E78BBCD}"/>
-                </a:ext>
-              </a:extLst>
-            </p:cNvPr>
-            <p:cNvSpPr txBox="1"/>
-            <p:nvPr/>
-          </p:nvSpPr>
-          <p:spPr>
-            <a:xfrm>
-              <a:off x="751987" y="2078147"/>
-              <a:ext cx="3577295" cy="512961"/>
-            </a:xfrm>
-            <a:prstGeom prst="rect">
-              <a:avLst/>
-            </a:prstGeom>
-            <a:noFill/>
-          </p:spPr>
-          <p:txBody>
-            <a:bodyPr wrap="square">
-              <a:spAutoFit/>
-            </a:bodyPr>
-            <a:lstStyle/>
-            <a:p>
-              <a:pPr>
-                <a:spcAft>
-                  <a:spcPts val="400"/>
-                </a:spcAft>
-              </a:pPr>
-              <a:r>
-                <a:rPr lang="fr-FR" sz="1200" dirty="0">
-                  <a:hlinkClick r:id="rId5"/>
-                </a:rPr>
-                <a:t>https://github.com/mapette/sos_immo</a:t>
-              </a:r>
-              <a:endParaRPr lang="fr-FR" sz="1200" dirty="0"/>
-            </a:p>
-            <a:p>
-              <a:pPr>
-                <a:spcAft>
-                  <a:spcPts val="400"/>
-                </a:spcAft>
-              </a:pPr>
-              <a:r>
-                <a:rPr lang="fr-FR" sz="1200" dirty="0">
-                  <a:hlinkClick r:id="rId6"/>
-                </a:rPr>
-                <a:t>https://github.com/mapette/sos_immo_backend</a:t>
-              </a:r>
-              <a:endParaRPr lang="fr-FR" sz="1200" dirty="0"/>
-            </a:p>
-          </p:txBody>
-        </p:sp>
-        <p:sp>
-          <p:nvSpPr>
-            <p:cNvPr id="12" name="ZoneTexte 11">
-              <a:extLst>
-                <a:ext uri="{FF2B5EF4-FFF2-40B4-BE49-F238E27FC236}">
-                  <a16:creationId xmlns:a16="http://schemas.microsoft.com/office/drawing/2014/main" id="{12816E8F-E270-8F50-4CB8-5CE9AE19B8E9}"/>
-                </a:ext>
-              </a:extLst>
-            </p:cNvPr>
-            <p:cNvSpPr txBox="1"/>
-            <p:nvPr/>
-          </p:nvSpPr>
-          <p:spPr>
-            <a:xfrm>
-              <a:off x="1779639" y="1770525"/>
-              <a:ext cx="1804261" cy="338554"/>
-            </a:xfrm>
-            <a:prstGeom prst="rect">
-              <a:avLst/>
-            </a:prstGeom>
-            <a:noFill/>
-          </p:spPr>
-          <p:txBody>
-            <a:bodyPr wrap="square" rtlCol="0">
-              <a:spAutoFit/>
-            </a:bodyPr>
-            <a:lstStyle/>
-            <a:p>
-              <a:r>
-                <a:rPr lang="fr-FR" sz="1600" b="1" dirty="0"/>
-                <a:t>Gestion de code</a:t>
-              </a:r>
-            </a:p>
-          </p:txBody>
-        </p:sp>
-      </p:grpSp>
-      <p:sp>
-        <p:nvSpPr>
-          <p:cNvPr id="15" name="ZoneTexte 14">
-            <a:extLst>
-              <a:ext uri="{FF2B5EF4-FFF2-40B4-BE49-F238E27FC236}">
-                <a16:creationId xmlns:a16="http://schemas.microsoft.com/office/drawing/2014/main" id="{AFFCA997-9B70-8548-9AE5-96C5B84FC231}"/>
-              </a:ext>
-            </a:extLst>
-          </p:cNvPr>
-          <p:cNvSpPr txBox="1"/>
-          <p:nvPr/>
-        </p:nvSpPr>
-        <p:spPr>
-          <a:xfrm>
-            <a:off x="1517316" y="3145445"/>
-            <a:ext cx="2700291" cy="338554"/>
-          </a:xfrm>
-          <a:prstGeom prst="rect">
-            <a:avLst/>
-          </a:prstGeom>
-          <a:noFill/>
-        </p:spPr>
-        <p:txBody>
-          <a:bodyPr wrap="none" rtlCol="0">
-            <a:spAutoFit/>
-          </a:bodyPr>
-          <a:lstStyle/>
-          <a:p>
-            <a:r>
-              <a:rPr lang="fr-FR" sz="1600" b="1" dirty="0"/>
-              <a:t>Suivi d’avance des tâches</a:t>
-            </a:r>
-          </a:p>
-        </p:txBody>
-      </p:sp>
-      <p:pic>
-        <p:nvPicPr>
-          <p:cNvPr id="17" name="Image 16">
-            <a:extLst>
-              <a:ext uri="{FF2B5EF4-FFF2-40B4-BE49-F238E27FC236}">
-                <a16:creationId xmlns:a16="http://schemas.microsoft.com/office/drawing/2014/main" id="{4BF0DEA2-6786-A096-17B2-1CB4DF1B57D8}"/>
-              </a:ext>
-            </a:extLst>
-          </p:cNvPr>
-          <p:cNvPicPr>
-            <a:picLocks noChangeAspect="1"/>
-          </p:cNvPicPr>
-          <p:nvPr/>
-        </p:nvPicPr>
-        <p:blipFill>
-          <a:blip r:embed="rId7"/>
-          <a:stretch>
-            <a:fillRect/>
-          </a:stretch>
-        </p:blipFill>
-        <p:spPr>
-          <a:xfrm>
-            <a:off x="1009364" y="2164416"/>
-            <a:ext cx="1284268" cy="624912"/>
-          </a:xfrm>
-          <a:prstGeom prst="rect">
-            <a:avLst/>
-          </a:prstGeom>
-        </p:spPr>
-      </p:pic>
-      <p:sp>
-        <p:nvSpPr>
-          <p:cNvPr id="20" name="ZoneTexte 19">
-            <a:extLst>
-              <a:ext uri="{FF2B5EF4-FFF2-40B4-BE49-F238E27FC236}">
-                <a16:creationId xmlns:a16="http://schemas.microsoft.com/office/drawing/2014/main" id="{CDE7279A-F080-DBE2-BFC7-8C2E1D8B398A}"/>
-              </a:ext>
-            </a:extLst>
-          </p:cNvPr>
-          <p:cNvSpPr txBox="1"/>
-          <p:nvPr/>
-        </p:nvSpPr>
-        <p:spPr>
-          <a:xfrm>
-            <a:off x="1287704" y="1807630"/>
-            <a:ext cx="727587" cy="369332"/>
-          </a:xfrm>
-          <a:prstGeom prst="rect">
-            <a:avLst/>
-          </a:prstGeom>
-          <a:noFill/>
-        </p:spPr>
-        <p:txBody>
-          <a:bodyPr wrap="square">
-            <a:spAutoFit/>
-          </a:bodyPr>
-          <a:lstStyle/>
-          <a:p>
-            <a:pPr algn="ctr"/>
-            <a:r>
-              <a:rPr lang="fr-FR" sz="1800" b="1" dirty="0"/>
-              <a:t>IDE</a:t>
-            </a:r>
-            <a:endParaRPr lang="fr-FR" dirty="0"/>
-          </a:p>
-        </p:txBody>
-      </p:sp>
-      <p:pic>
-        <p:nvPicPr>
-          <p:cNvPr id="19" name="Image 18">
-            <a:extLst>
-              <a:ext uri="{FF2B5EF4-FFF2-40B4-BE49-F238E27FC236}">
-                <a16:creationId xmlns:a16="http://schemas.microsoft.com/office/drawing/2014/main" id="{54449151-0D32-88A9-33B0-27F3BF390A80}"/>
-              </a:ext>
-            </a:extLst>
-          </p:cNvPr>
-          <p:cNvPicPr>
-            <a:picLocks noChangeAspect="1"/>
-          </p:cNvPicPr>
-          <p:nvPr/>
-        </p:nvPicPr>
-        <p:blipFill>
-          <a:blip r:embed="rId8"/>
-          <a:stretch>
-            <a:fillRect/>
-          </a:stretch>
-        </p:blipFill>
-        <p:spPr>
-          <a:xfrm>
-            <a:off x="7035616" y="1610088"/>
-            <a:ext cx="360000" cy="318263"/>
-          </a:xfrm>
-          <a:prstGeom prst="rect">
-            <a:avLst/>
-          </a:prstGeom>
-        </p:spPr>
-      </p:pic>
-      <p:pic>
-        <p:nvPicPr>
-          <p:cNvPr id="22" name="Image 21">
-            <a:extLst>
-              <a:ext uri="{FF2B5EF4-FFF2-40B4-BE49-F238E27FC236}">
-                <a16:creationId xmlns:a16="http://schemas.microsoft.com/office/drawing/2014/main" id="{9644EFF5-68C5-454C-565C-1C96F0B276B3}"/>
-              </a:ext>
-            </a:extLst>
-          </p:cNvPr>
-          <p:cNvPicPr>
-            <a:picLocks noChangeAspect="1"/>
-          </p:cNvPicPr>
-          <p:nvPr/>
-        </p:nvPicPr>
-        <p:blipFill>
-          <a:blip r:embed="rId9"/>
-          <a:stretch>
-            <a:fillRect/>
-          </a:stretch>
-        </p:blipFill>
-        <p:spPr>
-          <a:xfrm>
-            <a:off x="9921950" y="2120953"/>
-            <a:ext cx="360000" cy="357163"/>
-          </a:xfrm>
-          <a:prstGeom prst="rect">
-            <a:avLst/>
-          </a:prstGeom>
-        </p:spPr>
-      </p:pic>
-      <p:pic>
-        <p:nvPicPr>
-          <p:cNvPr id="24" name="Image 23">
-            <a:extLst>
-              <a:ext uri="{FF2B5EF4-FFF2-40B4-BE49-F238E27FC236}">
-                <a16:creationId xmlns:a16="http://schemas.microsoft.com/office/drawing/2014/main" id="{D0451CF5-31B7-0364-0A86-1680EC2DDD4C}"/>
-              </a:ext>
-            </a:extLst>
-          </p:cNvPr>
-          <p:cNvPicPr>
-            <a:picLocks noChangeAspect="1"/>
-          </p:cNvPicPr>
-          <p:nvPr/>
-        </p:nvPicPr>
-        <p:blipFill>
-          <a:blip r:embed="rId10"/>
-          <a:stretch>
-            <a:fillRect/>
-          </a:stretch>
-        </p:blipFill>
-        <p:spPr>
-          <a:xfrm>
-            <a:off x="8860086" y="2042381"/>
-            <a:ext cx="360000" cy="357212"/>
-          </a:xfrm>
-          <a:prstGeom prst="rect">
-            <a:avLst/>
-          </a:prstGeom>
-        </p:spPr>
-      </p:pic>
-      <p:pic>
-        <p:nvPicPr>
-          <p:cNvPr id="26" name="Image 25">
-            <a:extLst>
-              <a:ext uri="{FF2B5EF4-FFF2-40B4-BE49-F238E27FC236}">
-                <a16:creationId xmlns:a16="http://schemas.microsoft.com/office/drawing/2014/main" id="{5733F2C4-2831-5B08-EB23-A5D6DEE8F730}"/>
-              </a:ext>
-            </a:extLst>
-          </p:cNvPr>
-          <p:cNvPicPr>
-            <a:picLocks noChangeAspect="1"/>
-          </p:cNvPicPr>
-          <p:nvPr/>
-        </p:nvPicPr>
-        <p:blipFill>
-          <a:blip r:embed="rId11"/>
-          <a:stretch>
-            <a:fillRect/>
-          </a:stretch>
-        </p:blipFill>
-        <p:spPr>
-          <a:xfrm>
-            <a:off x="10239275" y="1479948"/>
-            <a:ext cx="360000" cy="352800"/>
-          </a:xfrm>
-          <a:prstGeom prst="rect">
-            <a:avLst/>
-          </a:prstGeom>
-        </p:spPr>
-      </p:pic>
-      <p:pic>
-        <p:nvPicPr>
-          <p:cNvPr id="28" name="Image 27">
-            <a:extLst>
-              <a:ext uri="{FF2B5EF4-FFF2-40B4-BE49-F238E27FC236}">
-                <a16:creationId xmlns:a16="http://schemas.microsoft.com/office/drawing/2014/main" id="{E87398E1-C49E-D047-50E9-CD485F67A245}"/>
-              </a:ext>
-            </a:extLst>
-          </p:cNvPr>
-          <p:cNvPicPr>
-            <a:picLocks noChangeAspect="1"/>
-          </p:cNvPicPr>
-          <p:nvPr/>
-        </p:nvPicPr>
-        <p:blipFill>
-          <a:blip r:embed="rId12"/>
-          <a:stretch>
-            <a:fillRect/>
-          </a:stretch>
-        </p:blipFill>
-        <p:spPr>
-          <a:xfrm>
-            <a:off x="8174731" y="2084455"/>
-            <a:ext cx="360000" cy="354286"/>
-          </a:xfrm>
-          <a:prstGeom prst="rect">
-            <a:avLst/>
-          </a:prstGeom>
-        </p:spPr>
-      </p:pic>
-      <p:pic>
-        <p:nvPicPr>
-          <p:cNvPr id="32" name="Image 31">
-            <a:extLst>
-              <a:ext uri="{FF2B5EF4-FFF2-40B4-BE49-F238E27FC236}">
-                <a16:creationId xmlns:a16="http://schemas.microsoft.com/office/drawing/2014/main" id="{B0DB5D6D-F01F-BFDC-CE99-69096443F866}"/>
-              </a:ext>
-            </a:extLst>
-          </p:cNvPr>
-          <p:cNvPicPr>
-            <a:picLocks noChangeAspect="1"/>
-          </p:cNvPicPr>
-          <p:nvPr/>
-        </p:nvPicPr>
-        <p:blipFill>
-          <a:blip r:embed="rId13"/>
-          <a:stretch>
-            <a:fillRect/>
-          </a:stretch>
-        </p:blipFill>
-        <p:spPr>
-          <a:xfrm>
-            <a:off x="7709016" y="1531460"/>
-            <a:ext cx="360000" cy="360000"/>
-          </a:xfrm>
-          <a:prstGeom prst="rect">
-            <a:avLst/>
-          </a:prstGeom>
-        </p:spPr>
-      </p:pic>
-      <p:pic>
-        <p:nvPicPr>
-          <p:cNvPr id="34" name="Image 33">
-            <a:extLst>
-              <a:ext uri="{FF2B5EF4-FFF2-40B4-BE49-F238E27FC236}">
-                <a16:creationId xmlns:a16="http://schemas.microsoft.com/office/drawing/2014/main" id="{CC5C5637-D954-A880-067C-6D32CE7E8E14}"/>
-              </a:ext>
-            </a:extLst>
-          </p:cNvPr>
-          <p:cNvPicPr>
-            <a:picLocks noChangeAspect="1"/>
-          </p:cNvPicPr>
-          <p:nvPr/>
-        </p:nvPicPr>
-        <p:blipFill>
-          <a:blip r:embed="rId14"/>
-          <a:stretch>
-            <a:fillRect/>
-          </a:stretch>
-        </p:blipFill>
-        <p:spPr>
-          <a:xfrm>
-            <a:off x="9177398" y="1418097"/>
-            <a:ext cx="360000" cy="324275"/>
-          </a:xfrm>
-          <a:prstGeom prst="rect">
-            <a:avLst/>
-          </a:prstGeom>
-        </p:spPr>
-      </p:pic>
-      <p:pic>
-        <p:nvPicPr>
-          <p:cNvPr id="36" name="Image 35">
-            <a:extLst>
-              <a:ext uri="{FF2B5EF4-FFF2-40B4-BE49-F238E27FC236}">
-                <a16:creationId xmlns:a16="http://schemas.microsoft.com/office/drawing/2014/main" id="{54B22005-D45E-AD32-BFD5-302B85DA2A74}"/>
-              </a:ext>
-            </a:extLst>
-          </p:cNvPr>
-          <p:cNvPicPr>
-            <a:picLocks noChangeAspect="1"/>
-          </p:cNvPicPr>
-          <p:nvPr/>
-        </p:nvPicPr>
-        <p:blipFill>
-          <a:blip r:embed="rId15"/>
-          <a:stretch>
-            <a:fillRect/>
-          </a:stretch>
-        </p:blipFill>
-        <p:spPr>
-          <a:xfrm>
-            <a:off x="10430105" y="1912575"/>
-            <a:ext cx="360000" cy="343759"/>
-          </a:xfrm>
-          <a:prstGeom prst="rect">
-            <a:avLst/>
-          </a:prstGeom>
-        </p:spPr>
-      </p:pic>
-      <p:pic>
-        <p:nvPicPr>
-          <p:cNvPr id="38" name="Image 37">
-            <a:extLst>
-              <a:ext uri="{FF2B5EF4-FFF2-40B4-BE49-F238E27FC236}">
-                <a16:creationId xmlns:a16="http://schemas.microsoft.com/office/drawing/2014/main" id="{FFCD5155-FB75-1D0A-76A3-31E9C92FF07D}"/>
-              </a:ext>
-            </a:extLst>
-          </p:cNvPr>
-          <p:cNvPicPr>
-            <a:picLocks noChangeAspect="1"/>
-          </p:cNvPicPr>
-          <p:nvPr/>
-        </p:nvPicPr>
-        <p:blipFill>
-          <a:blip r:embed="rId16"/>
-          <a:stretch>
-            <a:fillRect/>
-          </a:stretch>
-        </p:blipFill>
-        <p:spPr>
-          <a:xfrm>
-            <a:off x="9437991" y="1989925"/>
-            <a:ext cx="360000" cy="404211"/>
-          </a:xfrm>
-          <a:prstGeom prst="rect">
-            <a:avLst/>
-          </a:prstGeom>
-        </p:spPr>
-      </p:pic>
-      <p:pic>
-        <p:nvPicPr>
-          <p:cNvPr id="40" name="Image 39">
-            <a:extLst>
-              <a:ext uri="{FF2B5EF4-FFF2-40B4-BE49-F238E27FC236}">
-                <a16:creationId xmlns:a16="http://schemas.microsoft.com/office/drawing/2014/main" id="{027E0D50-B4AF-5DEC-1D41-87FD7E7AF10A}"/>
-              </a:ext>
-            </a:extLst>
-          </p:cNvPr>
-          <p:cNvPicPr>
-            <a:picLocks noChangeAspect="1"/>
-          </p:cNvPicPr>
-          <p:nvPr/>
-        </p:nvPicPr>
-        <p:blipFill>
-          <a:blip r:embed="rId17"/>
-          <a:stretch>
-            <a:fillRect/>
-          </a:stretch>
-        </p:blipFill>
-        <p:spPr>
-          <a:xfrm>
-            <a:off x="7395061" y="2056494"/>
-            <a:ext cx="360000" cy="360000"/>
-          </a:xfrm>
-          <a:prstGeom prst="rect">
-            <a:avLst/>
-          </a:prstGeom>
-        </p:spPr>
-      </p:pic>
-      <p:pic>
-        <p:nvPicPr>
-          <p:cNvPr id="42" name="Image 41">
-            <a:extLst>
-              <a:ext uri="{FF2B5EF4-FFF2-40B4-BE49-F238E27FC236}">
-                <a16:creationId xmlns:a16="http://schemas.microsoft.com/office/drawing/2014/main" id="{25740042-E070-DC48-52EE-696E6B85206C}"/>
-              </a:ext>
-            </a:extLst>
-          </p:cNvPr>
-          <p:cNvPicPr>
-            <a:picLocks noChangeAspect="1"/>
-          </p:cNvPicPr>
-          <p:nvPr/>
-        </p:nvPicPr>
-        <p:blipFill>
-          <a:blip r:embed="rId18"/>
-          <a:stretch>
-            <a:fillRect/>
-          </a:stretch>
-        </p:blipFill>
-        <p:spPr>
-          <a:xfrm>
-            <a:off x="9728241" y="1589219"/>
-            <a:ext cx="360000" cy="360000"/>
-          </a:xfrm>
-          <a:prstGeom prst="rect">
-            <a:avLst/>
-          </a:prstGeom>
-        </p:spPr>
-      </p:pic>
-      <p:pic>
-        <p:nvPicPr>
-          <p:cNvPr id="44" name="Image 43">
-            <a:extLst>
-              <a:ext uri="{FF2B5EF4-FFF2-40B4-BE49-F238E27FC236}">
-                <a16:creationId xmlns:a16="http://schemas.microsoft.com/office/drawing/2014/main" id="{B2297728-11B8-8CF4-E843-9DAAE6A304BF}"/>
-              </a:ext>
-            </a:extLst>
-          </p:cNvPr>
-          <p:cNvPicPr>
-            <a:picLocks noChangeAspect="1"/>
-          </p:cNvPicPr>
-          <p:nvPr/>
-        </p:nvPicPr>
-        <p:blipFill>
-          <a:blip r:embed="rId19"/>
-          <a:stretch>
-            <a:fillRect/>
-          </a:stretch>
-        </p:blipFill>
-        <p:spPr>
-          <a:xfrm>
-            <a:off x="8503998" y="1559378"/>
-            <a:ext cx="327938" cy="333102"/>
-          </a:xfrm>
-          <a:prstGeom prst="rect">
-            <a:avLst/>
-          </a:prstGeom>
-        </p:spPr>
-      </p:pic>
-      <p:pic>
-        <p:nvPicPr>
-          <p:cNvPr id="21" name="Image 20">
-            <a:extLst>
-              <a:ext uri="{FF2B5EF4-FFF2-40B4-BE49-F238E27FC236}">
-                <a16:creationId xmlns:a16="http://schemas.microsoft.com/office/drawing/2014/main" id="{096083F5-AB65-6491-F637-FC788EBF73B0}"/>
-              </a:ext>
-            </a:extLst>
-          </p:cNvPr>
-          <p:cNvPicPr>
-            <a:picLocks noChangeAspect="1"/>
-          </p:cNvPicPr>
-          <p:nvPr/>
-        </p:nvPicPr>
-        <p:blipFill>
-          <a:blip r:embed="rId20"/>
-          <a:stretch>
-            <a:fillRect/>
-          </a:stretch>
-        </p:blipFill>
-        <p:spPr>
-          <a:xfrm>
-            <a:off x="10851769" y="1531459"/>
-            <a:ext cx="358422" cy="364347"/>
-          </a:xfrm>
-          <a:prstGeom prst="rect">
-            <a:avLst/>
-          </a:prstGeom>
-        </p:spPr>
-      </p:pic>
-      <p:pic>
-        <p:nvPicPr>
-          <p:cNvPr id="23" name="Image 22">
-            <a:extLst>
-              <a:ext uri="{FF2B5EF4-FFF2-40B4-BE49-F238E27FC236}">
-                <a16:creationId xmlns:a16="http://schemas.microsoft.com/office/drawing/2014/main" id="{36BAF15B-FF59-88D0-1D2D-D358F572B952}"/>
-              </a:ext>
-            </a:extLst>
-          </p:cNvPr>
-          <p:cNvPicPr>
-            <a:picLocks noChangeAspect="1"/>
-          </p:cNvPicPr>
-          <p:nvPr/>
-        </p:nvPicPr>
-        <p:blipFill>
-          <a:blip r:embed="rId4"/>
-          <a:stretch>
-            <a:fillRect/>
-          </a:stretch>
-        </p:blipFill>
-        <p:spPr>
-          <a:xfrm>
-            <a:off x="6698191" y="2059331"/>
-            <a:ext cx="460079" cy="357163"/>
-          </a:xfrm>
-          <a:prstGeom prst="rect">
-            <a:avLst/>
-          </a:prstGeom>
-        </p:spPr>
-      </p:pic>
-    </p:spTree>
-    <p:extLst>
-      <p:ext uri="{BB962C8B-B14F-4D97-AF65-F5344CB8AC3E}">
-        <p14:creationId xmlns:p14="http://schemas.microsoft.com/office/powerpoint/2010/main" val="2271959126"/>
-      </p:ext>
-    </p:extLst>
-  </p:cSld>
-  <p:clrMapOvr>
-    <a:masterClrMapping/>
-  </p:clrMapOvr>
-</p:sld>
-</file>
-
-<file path=ppt/slides/slide21.xml><?xml version="1.0" encoding="utf-8"?>
+<file path=ppt/slides/slide19.xml><?xml version="1.0" encoding="utf-8"?>
 <p:sld xmlns:a="http://schemas.openxmlformats.org/drawingml/2006/main" xmlns:r="http://schemas.openxmlformats.org/officeDocument/2006/relationships" xmlns:p="http://schemas.openxmlformats.org/presentationml/2006/main">
   <p:cSld>
     <p:spTree>
@@ -18076,7 +16739,7 @@
               </a:r>
               <a:r>
                 <a:rPr lang="fr-FR" sz="1200" dirty="0"/>
-                <a:t> -&gt; Pipe line GitHub</a:t>
+                <a:t> -&gt; GitHub &amp; Pipe line</a:t>
               </a:r>
             </a:p>
           </p:txBody>
@@ -18800,7 +17463,456 @@
 </p:sld>
 </file>
 
-<file path=ppt/slides/slide22.xml><?xml version="1.0" encoding="utf-8"?>
+<file path=ppt/slides/slide2.xml><?xml version="1.0" encoding="utf-8"?>
+<p:sld xmlns:a="http://schemas.openxmlformats.org/drawingml/2006/main" xmlns:r="http://schemas.openxmlformats.org/officeDocument/2006/relationships" xmlns:p="http://schemas.openxmlformats.org/presentationml/2006/main">
+  <p:cSld>
+    <p:spTree>
+      <p:nvGrpSpPr>
+        <p:cNvPr id="1" name=""/>
+        <p:cNvGrpSpPr/>
+        <p:nvPr/>
+      </p:nvGrpSpPr>
+      <p:grpSpPr>
+        <a:xfrm>
+          <a:off x="0" y="0"/>
+          <a:ext cx="0" cy="0"/>
+          <a:chOff x="0" y="0"/>
+          <a:chExt cx="0" cy="0"/>
+        </a:xfrm>
+      </p:grpSpPr>
+      <p:sp>
+        <p:nvSpPr>
+          <p:cNvPr id="2" name="Titre 1">
+            <a:extLst>
+              <a:ext uri="{FF2B5EF4-FFF2-40B4-BE49-F238E27FC236}">
+                <a16:creationId xmlns:a16="http://schemas.microsoft.com/office/drawing/2014/main" id="{099E2E77-954A-DD7C-99BF-B9521D1A2115}"/>
+              </a:ext>
+            </a:extLst>
+          </p:cNvPr>
+          <p:cNvSpPr>
+            <a:spLocks noGrp="1"/>
+          </p:cNvSpPr>
+          <p:nvPr>
+            <p:ph type="title"/>
+          </p:nvPr>
+        </p:nvSpPr>
+        <p:spPr>
+          <a:xfrm>
+            <a:off x="838200" y="365125"/>
+            <a:ext cx="10515600" cy="979499"/>
+          </a:xfrm>
+        </p:spPr>
+        <p:txBody>
+          <a:bodyPr vert="horz" lIns="91440" tIns="45720" rIns="91440" bIns="45720" rtlCol="0" anchor="b">
+            <a:normAutofit/>
+          </a:bodyPr>
+          <a:lstStyle/>
+          <a:p>
+            <a:r>
+              <a:rPr lang="fr-FR" sz="4000" dirty="0">
+                <a:gradFill flip="none" rotWithShape="1">
+                  <a:gsLst>
+                    <a:gs pos="0">
+                      <a:schemeClr val="accent5">
+                        <a:alpha val="70000"/>
+                      </a:schemeClr>
+                    </a:gs>
+                    <a:gs pos="100000">
+                      <a:schemeClr val="accent1">
+                        <a:alpha val="70000"/>
+                      </a:schemeClr>
+                    </a:gs>
+                  </a:gsLst>
+                  <a:lin ang="0" scaled="1"/>
+                  <a:tileRect/>
+                </a:gradFill>
+              </a:rPr>
+              <a:t>Présentation SOS IMMO</a:t>
+            </a:r>
+          </a:p>
+        </p:txBody>
+      </p:sp>
+      <p:pic>
+        <p:nvPicPr>
+          <p:cNvPr id="6" name="Espace réservé du contenu 5">
+            <a:extLst>
+              <a:ext uri="{FF2B5EF4-FFF2-40B4-BE49-F238E27FC236}">
+                <a16:creationId xmlns:a16="http://schemas.microsoft.com/office/drawing/2014/main" id="{F5009788-8186-24B6-82B6-48A10A10EEEE}"/>
+              </a:ext>
+            </a:extLst>
+          </p:cNvPr>
+          <p:cNvPicPr>
+            <a:picLocks noGrp="1" noChangeAspect="1"/>
+          </p:cNvPicPr>
+          <p:nvPr>
+            <p:ph idx="1"/>
+          </p:nvPr>
+        </p:nvPicPr>
+        <p:blipFill>
+          <a:blip r:embed="rId3">
+            <a:extLst>
+              <a:ext uri="{28A0092B-C50C-407E-A947-70E740481C1C}">
+                <a14:useLocalDpi xmlns:a14="http://schemas.microsoft.com/office/drawing/2010/main" val="0"/>
+              </a:ext>
+            </a:extLst>
+          </a:blip>
+          <a:stretch>
+            <a:fillRect/>
+          </a:stretch>
+        </p:blipFill>
+        <p:spPr>
+          <a:xfrm>
+            <a:off x="8216385" y="2105468"/>
+            <a:ext cx="1924050" cy="1924050"/>
+          </a:xfrm>
+        </p:spPr>
+      </p:pic>
+      <p:sp>
+        <p:nvSpPr>
+          <p:cNvPr id="9" name="ZoneTexte 8">
+            <a:extLst>
+              <a:ext uri="{FF2B5EF4-FFF2-40B4-BE49-F238E27FC236}">
+                <a16:creationId xmlns:a16="http://schemas.microsoft.com/office/drawing/2014/main" id="{BC23ED4F-C6A3-6A63-6E53-A21EC4FABCD5}"/>
+              </a:ext>
+            </a:extLst>
+          </p:cNvPr>
+          <p:cNvSpPr txBox="1"/>
+          <p:nvPr/>
+        </p:nvSpPr>
+        <p:spPr>
+          <a:xfrm>
+            <a:off x="1210253" y="3179284"/>
+            <a:ext cx="6096000" cy="543803"/>
+          </a:xfrm>
+          <a:prstGeom prst="rect">
+            <a:avLst/>
+          </a:prstGeom>
+          <a:noFill/>
+        </p:spPr>
+        <p:txBody>
+          <a:bodyPr wrap="square">
+            <a:spAutoFit/>
+          </a:bodyPr>
+          <a:lstStyle/>
+          <a:p>
+            <a:pPr algn="ctr">
+              <a:lnSpc>
+                <a:spcPct val="107000"/>
+              </a:lnSpc>
+              <a:spcAft>
+                <a:spcPts val="800"/>
+              </a:spcAft>
+            </a:pPr>
+            <a:r>
+              <a:rPr lang="fr-FR" sz="1400" b="1" dirty="0">
+                <a:solidFill>
+                  <a:schemeClr val="accent1">
+                    <a:lumMod val="50000"/>
+                  </a:schemeClr>
+                </a:solidFill>
+                <a:latin typeface="Book Antiqua" panose="02040602050305030304" pitchFamily="18" charset="0"/>
+                <a:ea typeface="Calibri" panose="020F0502020204030204" pitchFamily="34" charset="0"/>
+                <a:cs typeface="Times New Roman" panose="02020603050405020304" pitchFamily="18" charset="0"/>
+              </a:rPr>
+              <a:t>Plateforme unique pour les occupants, intervenants et gestionnaires d’immeuble.</a:t>
+            </a:r>
+          </a:p>
+        </p:txBody>
+      </p:sp>
+      <p:sp>
+        <p:nvSpPr>
+          <p:cNvPr id="3" name="ZoneTexte 2">
+            <a:extLst>
+              <a:ext uri="{FF2B5EF4-FFF2-40B4-BE49-F238E27FC236}">
+                <a16:creationId xmlns:a16="http://schemas.microsoft.com/office/drawing/2014/main" id="{90E8705F-458C-30F3-95DD-E0D82BF6DD3E}"/>
+              </a:ext>
+            </a:extLst>
+          </p:cNvPr>
+          <p:cNvSpPr txBox="1"/>
+          <p:nvPr/>
+        </p:nvSpPr>
+        <p:spPr>
+          <a:xfrm>
+            <a:off x="1219925" y="2181359"/>
+            <a:ext cx="6096000" cy="543803"/>
+          </a:xfrm>
+          <a:prstGeom prst="rect">
+            <a:avLst/>
+          </a:prstGeom>
+          <a:noFill/>
+        </p:spPr>
+        <p:txBody>
+          <a:bodyPr wrap="square">
+            <a:spAutoFit/>
+          </a:bodyPr>
+          <a:lstStyle/>
+          <a:p>
+            <a:pPr algn="ctr">
+              <a:lnSpc>
+                <a:spcPct val="107000"/>
+              </a:lnSpc>
+              <a:spcAft>
+                <a:spcPts val="800"/>
+              </a:spcAft>
+            </a:pPr>
+            <a:r>
+              <a:rPr lang="fr-FR" sz="1400" b="1" dirty="0">
+                <a:solidFill>
+                  <a:schemeClr val="accent1">
+                    <a:lumMod val="50000"/>
+                  </a:schemeClr>
+                </a:solidFill>
+                <a:latin typeface="Book Antiqua" panose="02040602050305030304" pitchFamily="18" charset="0"/>
+                <a:ea typeface="Calibri" panose="020F0502020204030204" pitchFamily="34" charset="0"/>
+                <a:cs typeface="Times New Roman" panose="02020603050405020304" pitchFamily="18" charset="0"/>
+              </a:rPr>
+              <a:t>Gestion des incidents pouvant survenir dans un immeuble de bureau de grande taille.</a:t>
+            </a:r>
+          </a:p>
+        </p:txBody>
+      </p:sp>
+      <p:sp>
+        <p:nvSpPr>
+          <p:cNvPr id="4" name="ZoneTexte 3">
+            <a:extLst>
+              <a:ext uri="{FF2B5EF4-FFF2-40B4-BE49-F238E27FC236}">
+                <a16:creationId xmlns:a16="http://schemas.microsoft.com/office/drawing/2014/main" id="{5BD53019-C72E-6FBE-26A9-BFC6F2836AC2}"/>
+              </a:ext>
+            </a:extLst>
+          </p:cNvPr>
+          <p:cNvSpPr txBox="1"/>
+          <p:nvPr/>
+        </p:nvSpPr>
+        <p:spPr>
+          <a:xfrm>
+            <a:off x="1210253" y="3769603"/>
+            <a:ext cx="6096000" cy="979499"/>
+          </a:xfrm>
+          <a:prstGeom prst="rect">
+            <a:avLst/>
+          </a:prstGeom>
+          <a:noFill/>
+        </p:spPr>
+        <p:txBody>
+          <a:bodyPr wrap="square">
+            <a:spAutoFit/>
+          </a:bodyPr>
+          <a:lstStyle/>
+          <a:p>
+            <a:pPr marL="1657350" lvl="3" indent="-285750">
+              <a:lnSpc>
+                <a:spcPct val="107000"/>
+              </a:lnSpc>
+              <a:spcAft>
+                <a:spcPts val="800"/>
+              </a:spcAft>
+              <a:buFont typeface="Wingdings" panose="05000000000000000000" pitchFamily="2" charset="2"/>
+              <a:buChar char="Ø"/>
+            </a:pPr>
+            <a:r>
+              <a:rPr lang="fr-FR" sz="1400" b="1" dirty="0">
+                <a:solidFill>
+                  <a:schemeClr val="accent1">
+                    <a:lumMod val="50000"/>
+                  </a:schemeClr>
+                </a:solidFill>
+                <a:latin typeface="Book Antiqua" panose="02040602050305030304" pitchFamily="18" charset="0"/>
+                <a:ea typeface="Calibri" panose="020F0502020204030204" pitchFamily="34" charset="0"/>
+                <a:cs typeface="Times New Roman" panose="02020603050405020304" pitchFamily="18" charset="0"/>
+              </a:rPr>
+              <a:t>Saisie et suivi des incidents</a:t>
+            </a:r>
+          </a:p>
+          <a:p>
+            <a:pPr marL="1657350" lvl="3" indent="-285750">
+              <a:lnSpc>
+                <a:spcPct val="107000"/>
+              </a:lnSpc>
+              <a:spcAft>
+                <a:spcPts val="800"/>
+              </a:spcAft>
+              <a:buFont typeface="Wingdings" panose="05000000000000000000" pitchFamily="2" charset="2"/>
+              <a:buChar char="Ø"/>
+            </a:pPr>
+            <a:r>
+              <a:rPr lang="fr-FR" sz="1400" b="1" dirty="0">
+                <a:solidFill>
+                  <a:schemeClr val="accent1">
+                    <a:lumMod val="50000"/>
+                  </a:schemeClr>
+                </a:solidFill>
+                <a:latin typeface="Book Antiqua" panose="02040602050305030304" pitchFamily="18" charset="0"/>
+                <a:ea typeface="Calibri" panose="020F0502020204030204" pitchFamily="34" charset="0"/>
+                <a:cs typeface="Times New Roman" panose="02020603050405020304" pitchFamily="18" charset="0"/>
+              </a:rPr>
+              <a:t>Identifier les points de vigilance</a:t>
+            </a:r>
+          </a:p>
+          <a:p>
+            <a:pPr marL="1657350" lvl="3" indent="-285750">
+              <a:lnSpc>
+                <a:spcPct val="107000"/>
+              </a:lnSpc>
+              <a:spcAft>
+                <a:spcPts val="800"/>
+              </a:spcAft>
+              <a:buFont typeface="Wingdings" panose="05000000000000000000" pitchFamily="2" charset="2"/>
+              <a:buChar char="Ø"/>
+            </a:pPr>
+            <a:r>
+              <a:rPr lang="fr-FR" sz="1400" b="1" dirty="0">
+                <a:solidFill>
+                  <a:schemeClr val="accent1">
+                    <a:lumMod val="50000"/>
+                  </a:schemeClr>
+                </a:solidFill>
+                <a:latin typeface="Book Antiqua" panose="02040602050305030304" pitchFamily="18" charset="0"/>
+                <a:ea typeface="Calibri" panose="020F0502020204030204" pitchFamily="34" charset="0"/>
+                <a:cs typeface="Times New Roman" panose="02020603050405020304" pitchFamily="18" charset="0"/>
+              </a:rPr>
+              <a:t>Recueillir le sentiment des usagers</a:t>
+            </a:r>
+          </a:p>
+        </p:txBody>
+      </p:sp>
+    </p:spTree>
+    <p:extLst>
+      <p:ext uri="{BB962C8B-B14F-4D97-AF65-F5344CB8AC3E}">
+        <p14:creationId xmlns:p14="http://schemas.microsoft.com/office/powerpoint/2010/main" val="914786330"/>
+      </p:ext>
+    </p:extLst>
+  </p:cSld>
+  <p:clrMapOvr>
+    <a:masterClrMapping/>
+  </p:clrMapOvr>
+  <p:timing>
+    <p:tnLst>
+      <p:par>
+        <p:cTn id="1" dur="indefinite" restart="never" nodeType="tmRoot">
+          <p:childTnLst>
+            <p:seq concurrent="1" nextAc="seek">
+              <p:cTn id="2" dur="indefinite" nodeType="mainSeq">
+                <p:childTnLst>
+                  <p:par>
+                    <p:cTn id="3" fill="hold">
+                      <p:stCondLst>
+                        <p:cond delay="indefinite"/>
+                      </p:stCondLst>
+                      <p:childTnLst>
+                        <p:par>
+                          <p:cTn id="4" fill="hold">
+                            <p:stCondLst>
+                              <p:cond delay="0"/>
+                            </p:stCondLst>
+                            <p:childTnLst>
+                              <p:par>
+                                <p:cTn id="5" presetID="1" presetClass="entr" presetSubtype="0" fill="hold" grpId="0" nodeType="clickEffect">
+                                  <p:stCondLst>
+                                    <p:cond delay="0"/>
+                                  </p:stCondLst>
+                                  <p:childTnLst>
+                                    <p:set>
+                                      <p:cBhvr>
+                                        <p:cTn id="6" dur="1" fill="hold">
+                                          <p:stCondLst>
+                                            <p:cond delay="0"/>
+                                          </p:stCondLst>
+                                        </p:cTn>
+                                        <p:tgtEl>
+                                          <p:spTgt spid="9"/>
+                                        </p:tgtEl>
+                                        <p:attrNameLst>
+                                          <p:attrName>style.visibility</p:attrName>
+                                        </p:attrNameLst>
+                                      </p:cBhvr>
+                                      <p:to>
+                                        <p:strVal val="visible"/>
+                                      </p:to>
+                                    </p:set>
+                                  </p:childTnLst>
+                                </p:cTn>
+                              </p:par>
+                            </p:childTnLst>
+                          </p:cTn>
+                        </p:par>
+                      </p:childTnLst>
+                    </p:cTn>
+                  </p:par>
+                  <p:par>
+                    <p:cTn id="7" fill="hold">
+                      <p:stCondLst>
+                        <p:cond delay="indefinite"/>
+                      </p:stCondLst>
+                      <p:childTnLst>
+                        <p:par>
+                          <p:cTn id="8" fill="hold">
+                            <p:stCondLst>
+                              <p:cond delay="0"/>
+                            </p:stCondLst>
+                            <p:childTnLst>
+                              <p:par>
+                                <p:cTn id="9" presetID="1" presetClass="entr" presetSubtype="0" fill="hold" grpId="0" nodeType="clickEffect">
+                                  <p:stCondLst>
+                                    <p:cond delay="0"/>
+                                  </p:stCondLst>
+                                  <p:childTnLst>
+                                    <p:set>
+                                      <p:cBhvr>
+                                        <p:cTn id="10" dur="1" fill="hold">
+                                          <p:stCondLst>
+                                            <p:cond delay="0"/>
+                                          </p:stCondLst>
+                                        </p:cTn>
+                                        <p:tgtEl>
+                                          <p:spTgt spid="4"/>
+                                        </p:tgtEl>
+                                        <p:attrNameLst>
+                                          <p:attrName>style.visibility</p:attrName>
+                                        </p:attrNameLst>
+                                      </p:cBhvr>
+                                      <p:to>
+                                        <p:strVal val="visible"/>
+                                      </p:to>
+                                    </p:set>
+                                  </p:childTnLst>
+                                </p:cTn>
+                              </p:par>
+                            </p:childTnLst>
+                          </p:cTn>
+                        </p:par>
+                      </p:childTnLst>
+                    </p:cTn>
+                  </p:par>
+                </p:childTnLst>
+              </p:cTn>
+              <p:prevCondLst>
+                <p:cond evt="onPrev" delay="0">
+                  <p:tgtEl>
+                    <p:sldTgt/>
+                  </p:tgtEl>
+                </p:cond>
+              </p:prevCondLst>
+              <p:nextCondLst>
+                <p:cond evt="onNext" delay="0">
+                  <p:tgtEl>
+                    <p:sldTgt/>
+                  </p:tgtEl>
+                </p:cond>
+              </p:nextCondLst>
+            </p:seq>
+          </p:childTnLst>
+        </p:cTn>
+      </p:par>
+    </p:tnLst>
+    <p:bldLst>
+      <p:bldP spid="9" grpId="0"/>
+      <p:bldP spid="4" grpId="0"/>
+    </p:bldLst>
+  </p:timing>
+</p:sld>
+</file>
+
+<file path=ppt/slides/slide20.xml><?xml version="1.0" encoding="utf-8"?>
 <p:sld xmlns:a="http://schemas.openxmlformats.org/drawingml/2006/main" xmlns:r="http://schemas.openxmlformats.org/officeDocument/2006/relationships" xmlns:p="http://schemas.openxmlformats.org/presentationml/2006/main">
   <p:cSld>
     <p:spTree>
@@ -18885,7 +17997,7 @@
 </p:sld>
 </file>
 
-<file path=ppt/slides/slide23.xml><?xml version="1.0" encoding="utf-8"?>
+<file path=ppt/slides/slide21.xml><?xml version="1.0" encoding="utf-8"?>
 <p:sld xmlns:a="http://schemas.openxmlformats.org/drawingml/2006/main" xmlns:r="http://schemas.openxmlformats.org/officeDocument/2006/relationships" xmlns:p="http://schemas.openxmlformats.org/presentationml/2006/main">
   <p:cSld>
     <p:spTree>
@@ -19028,7 +18140,7 @@
 </p:sld>
 </file>
 
-<file path=ppt/slides/slide24.xml><?xml version="1.0" encoding="utf-8"?>
+<file path=ppt/slides/slide22.xml><?xml version="1.0" encoding="utf-8"?>
 <p:sld xmlns:a="http://schemas.openxmlformats.org/drawingml/2006/main" xmlns:r="http://schemas.openxmlformats.org/officeDocument/2006/relationships" xmlns:p="http://schemas.openxmlformats.org/presentationml/2006/main">
   <p:cSld>
     <p:spTree>
@@ -20299,7 +19411,7 @@
 </p:sld>
 </file>
 
-<file path=ppt/slides/slide25.xml><?xml version="1.0" encoding="utf-8"?>
+<file path=ppt/slides/slide23.xml><?xml version="1.0" encoding="utf-8"?>
 <p:sld xmlns:a="http://schemas.openxmlformats.org/drawingml/2006/main" xmlns:r="http://schemas.openxmlformats.org/officeDocument/2006/relationships" xmlns:p="http://schemas.openxmlformats.org/presentationml/2006/main">
   <p:cSld>
     <p:spTree>
@@ -20316,12 +19428,522 @@
           <a:chExt cx="0" cy="0"/>
         </a:xfrm>
       </p:grpSpPr>
+      <p:sp>
+        <p:nvSpPr>
+          <p:cNvPr id="3" name="Titre 1">
+            <a:extLst>
+              <a:ext uri="{FF2B5EF4-FFF2-40B4-BE49-F238E27FC236}">
+                <a16:creationId xmlns:a16="http://schemas.microsoft.com/office/drawing/2014/main" id="{575CFBE2-659F-6E42-5DDB-EB888CD813F8}"/>
+              </a:ext>
+            </a:extLst>
+          </p:cNvPr>
+          <p:cNvSpPr txBox="1">
+            <a:spLocks/>
+          </p:cNvSpPr>
+          <p:nvPr/>
+        </p:nvSpPr>
+        <p:spPr>
+          <a:xfrm>
+            <a:off x="827707" y="808038"/>
+            <a:ext cx="10515600" cy="783378"/>
+          </a:xfrm>
+          <a:prstGeom prst="rect">
+            <a:avLst/>
+          </a:prstGeom>
+        </p:spPr>
+        <p:txBody>
+          <a:bodyPr vert="horz" lIns="91440" tIns="45720" rIns="91440" bIns="45720" rtlCol="0" anchor="b">
+            <a:normAutofit/>
+          </a:bodyPr>
+          <a:lstStyle>
+            <a:lvl1pPr>
+              <a:lnSpc>
+                <a:spcPct val="90000"/>
+              </a:lnSpc>
+              <a:spcBef>
+                <a:spcPct val="0"/>
+              </a:spcBef>
+              <a:buNone/>
+              <a:defRPr sz="4000">
+                <a:gradFill flip="none" rotWithShape="1">
+                  <a:gsLst>
+                    <a:gs pos="0">
+                      <a:schemeClr val="accent5">
+                        <a:alpha val="70000"/>
+                      </a:schemeClr>
+                    </a:gs>
+                    <a:gs pos="100000">
+                      <a:schemeClr val="accent1">
+                        <a:alpha val="70000"/>
+                      </a:schemeClr>
+                    </a:gs>
+                  </a:gsLst>
+                  <a:lin ang="0" scaled="1"/>
+                  <a:tileRect/>
+                </a:gradFill>
+                <a:latin typeface="+mj-lt"/>
+                <a:ea typeface="+mj-ea"/>
+                <a:cs typeface="+mj-cs"/>
+              </a:defRPr>
+            </a:lvl1pPr>
+          </a:lstStyle>
+          <a:p>
+            <a:r>
+              <a:rPr lang="fr-FR" dirty="0"/>
+              <a:t>Focus incident - table</a:t>
+            </a:r>
+          </a:p>
+        </p:txBody>
+      </p:sp>
+      <p:sp>
+        <p:nvSpPr>
+          <p:cNvPr id="10" name="Accolade ouvrante 9">
+            <a:extLst>
+              <a:ext uri="{FF2B5EF4-FFF2-40B4-BE49-F238E27FC236}">
+                <a16:creationId xmlns:a16="http://schemas.microsoft.com/office/drawing/2014/main" id="{97A5999A-C167-EAD9-EDB9-1348996B4989}"/>
+              </a:ext>
+            </a:extLst>
+          </p:cNvPr>
+          <p:cNvSpPr/>
+          <p:nvPr/>
+        </p:nvSpPr>
+        <p:spPr>
+          <a:xfrm>
+            <a:off x="3968321" y="2952922"/>
+            <a:ext cx="131077" cy="1224792"/>
+          </a:xfrm>
+          <a:prstGeom prst="leftBrace">
+            <a:avLst/>
+          </a:prstGeom>
+        </p:spPr>
+        <p:style>
+          <a:lnRef idx="1">
+            <a:schemeClr val="accent2"/>
+          </a:lnRef>
+          <a:fillRef idx="0">
+            <a:schemeClr val="accent2"/>
+          </a:fillRef>
+          <a:effectRef idx="0">
+            <a:schemeClr val="accent2"/>
+          </a:effectRef>
+          <a:fontRef idx="minor">
+            <a:schemeClr val="tx1"/>
+          </a:fontRef>
+        </p:style>
+        <p:txBody>
+          <a:bodyPr rtlCol="0" anchor="ctr"/>
+          <a:lstStyle/>
+          <a:p>
+            <a:pPr algn="r"/>
+            <a:endParaRPr lang="fr-FR"/>
+          </a:p>
+        </p:txBody>
+      </p:sp>
+      <p:sp>
+        <p:nvSpPr>
+          <p:cNvPr id="11" name="ZoneTexte 10">
+            <a:extLst>
+              <a:ext uri="{FF2B5EF4-FFF2-40B4-BE49-F238E27FC236}">
+                <a16:creationId xmlns:a16="http://schemas.microsoft.com/office/drawing/2014/main" id="{867F0765-677F-05B4-4DDF-C4536EEF4350}"/>
+              </a:ext>
+            </a:extLst>
+          </p:cNvPr>
+          <p:cNvSpPr txBox="1"/>
+          <p:nvPr/>
+        </p:nvSpPr>
+        <p:spPr>
+          <a:xfrm>
+            <a:off x="2132629" y="3434466"/>
+            <a:ext cx="1835690" cy="232051"/>
+          </a:xfrm>
+          <a:prstGeom prst="rect">
+            <a:avLst/>
+          </a:prstGeom>
+          <a:noFill/>
+        </p:spPr>
+        <p:txBody>
+          <a:bodyPr wrap="square">
+            <a:spAutoFit/>
+          </a:bodyPr>
+          <a:lstStyle/>
+          <a:p>
+            <a:pPr algn="r">
+              <a:lnSpc>
+                <a:spcPct val="107000"/>
+              </a:lnSpc>
+              <a:spcBef>
+                <a:spcPts val="1000"/>
+              </a:spcBef>
+            </a:pPr>
+            <a:r>
+              <a:rPr lang="fr-CA" sz="900" dirty="0"/>
+              <a:t>utilisateurs impliqués / status</a:t>
+            </a:r>
+            <a:endParaRPr lang="fr-FR" sz="900" dirty="0"/>
+          </a:p>
+        </p:txBody>
+      </p:sp>
+      <p:sp>
+        <p:nvSpPr>
+          <p:cNvPr id="12" name="ZoneTexte 11">
+            <a:extLst>
+              <a:ext uri="{FF2B5EF4-FFF2-40B4-BE49-F238E27FC236}">
+                <a16:creationId xmlns:a16="http://schemas.microsoft.com/office/drawing/2014/main" id="{8590BBF9-A6F1-A4CD-599B-E5641D19DA32}"/>
+              </a:ext>
+            </a:extLst>
+          </p:cNvPr>
+          <p:cNvSpPr txBox="1"/>
+          <p:nvPr/>
+        </p:nvSpPr>
+        <p:spPr>
+          <a:xfrm>
+            <a:off x="2132630" y="2405816"/>
+            <a:ext cx="1835690" cy="232051"/>
+          </a:xfrm>
+          <a:prstGeom prst="rect">
+            <a:avLst/>
+          </a:prstGeom>
+          <a:noFill/>
+        </p:spPr>
+        <p:txBody>
+          <a:bodyPr wrap="square">
+            <a:spAutoFit/>
+          </a:bodyPr>
+          <a:lstStyle/>
+          <a:p>
+            <a:pPr algn="r">
+              <a:lnSpc>
+                <a:spcPct val="107000"/>
+              </a:lnSpc>
+              <a:spcBef>
+                <a:spcPts val="1000"/>
+              </a:spcBef>
+            </a:pPr>
+            <a:r>
+              <a:rPr lang="fr-FR" sz="900" dirty="0"/>
+              <a:t>Données signalement</a:t>
+            </a:r>
+          </a:p>
+        </p:txBody>
+      </p:sp>
+      <p:sp>
+        <p:nvSpPr>
+          <p:cNvPr id="13" name="ZoneTexte 12">
+            <a:extLst>
+              <a:ext uri="{FF2B5EF4-FFF2-40B4-BE49-F238E27FC236}">
+                <a16:creationId xmlns:a16="http://schemas.microsoft.com/office/drawing/2014/main" id="{3C028DBF-B311-03E5-35A6-C096FC2CAB4C}"/>
+              </a:ext>
+            </a:extLst>
+          </p:cNvPr>
+          <p:cNvSpPr txBox="1"/>
+          <p:nvPr/>
+        </p:nvSpPr>
+        <p:spPr>
+          <a:xfrm>
+            <a:off x="2268156" y="2708552"/>
+            <a:ext cx="1680601" cy="232051"/>
+          </a:xfrm>
+          <a:prstGeom prst="rect">
+            <a:avLst/>
+          </a:prstGeom>
+          <a:noFill/>
+        </p:spPr>
+        <p:txBody>
+          <a:bodyPr wrap="square">
+            <a:spAutoFit/>
+          </a:bodyPr>
+          <a:lstStyle/>
+          <a:p>
+            <a:pPr algn="r">
+              <a:lnSpc>
+                <a:spcPct val="107000"/>
+              </a:lnSpc>
+              <a:spcBef>
+                <a:spcPts val="1000"/>
+              </a:spcBef>
+            </a:pPr>
+            <a:r>
+              <a:rPr lang="fr-CA" sz="900" dirty="0"/>
+              <a:t>prestataire calculé/désigné</a:t>
+            </a:r>
+            <a:endParaRPr lang="fr-FR" sz="900" dirty="0"/>
+          </a:p>
+        </p:txBody>
+      </p:sp>
+      <p:sp>
+        <p:nvSpPr>
+          <p:cNvPr id="14" name="ZoneTexte 13">
+            <a:extLst>
+              <a:ext uri="{FF2B5EF4-FFF2-40B4-BE49-F238E27FC236}">
+                <a16:creationId xmlns:a16="http://schemas.microsoft.com/office/drawing/2014/main" id="{ADD0E3E2-9F6E-0F01-B514-2DE322CF28C9}"/>
+              </a:ext>
+            </a:extLst>
+          </p:cNvPr>
+          <p:cNvSpPr txBox="1"/>
+          <p:nvPr/>
+        </p:nvSpPr>
+        <p:spPr>
+          <a:xfrm>
+            <a:off x="2444241" y="4282095"/>
+            <a:ext cx="1504516" cy="232051"/>
+          </a:xfrm>
+          <a:prstGeom prst="rect">
+            <a:avLst/>
+          </a:prstGeom>
+          <a:noFill/>
+        </p:spPr>
+        <p:txBody>
+          <a:bodyPr wrap="square">
+            <a:spAutoFit/>
+          </a:bodyPr>
+          <a:lstStyle/>
+          <a:p>
+            <a:pPr algn="r">
+              <a:lnSpc>
+                <a:spcPct val="107000"/>
+              </a:lnSpc>
+              <a:spcBef>
+                <a:spcPts val="1000"/>
+              </a:spcBef>
+            </a:pPr>
+            <a:r>
+              <a:rPr lang="fr-CA" sz="900" dirty="0"/>
+              <a:t>satisfaction</a:t>
+            </a:r>
+            <a:endParaRPr lang="fr-FR" sz="900" dirty="0"/>
+          </a:p>
+        </p:txBody>
+      </p:sp>
+      <p:sp>
+        <p:nvSpPr>
+          <p:cNvPr id="15" name="ZoneTexte 14">
+            <a:extLst>
+              <a:ext uri="{FF2B5EF4-FFF2-40B4-BE49-F238E27FC236}">
+                <a16:creationId xmlns:a16="http://schemas.microsoft.com/office/drawing/2014/main" id="{E40AE4E1-00B0-5D3B-408E-96516C34248A}"/>
+              </a:ext>
+            </a:extLst>
+          </p:cNvPr>
+          <p:cNvSpPr txBox="1"/>
+          <p:nvPr/>
+        </p:nvSpPr>
+        <p:spPr>
+          <a:xfrm>
+            <a:off x="1752319" y="2110982"/>
+            <a:ext cx="2216001" cy="232051"/>
+          </a:xfrm>
+          <a:prstGeom prst="rect">
+            <a:avLst/>
+          </a:prstGeom>
+          <a:noFill/>
+        </p:spPr>
+        <p:txBody>
+          <a:bodyPr wrap="square">
+            <a:spAutoFit/>
+          </a:bodyPr>
+          <a:lstStyle/>
+          <a:p>
+            <a:pPr algn="r">
+              <a:lnSpc>
+                <a:spcPct val="107000"/>
+              </a:lnSpc>
+              <a:spcBef>
+                <a:spcPts val="1000"/>
+              </a:spcBef>
+            </a:pPr>
+            <a:r>
+              <a:rPr lang="fr-CA" sz="900" dirty="0"/>
+              <a:t>Clé primaire  - </a:t>
+            </a:r>
+            <a:r>
+              <a:rPr lang="fr-CA" sz="900" dirty="0" err="1"/>
+              <a:t>auto-incrément</a:t>
+            </a:r>
+            <a:endParaRPr lang="fr-FR" sz="900" dirty="0"/>
+          </a:p>
+        </p:txBody>
+      </p:sp>
+      <p:sp>
+        <p:nvSpPr>
+          <p:cNvPr id="16" name="Accolade ouvrante 15">
+            <a:extLst>
+              <a:ext uri="{FF2B5EF4-FFF2-40B4-BE49-F238E27FC236}">
+                <a16:creationId xmlns:a16="http://schemas.microsoft.com/office/drawing/2014/main" id="{0C8AA796-927E-EABA-573A-7C2CDD9E014F}"/>
+              </a:ext>
+            </a:extLst>
+          </p:cNvPr>
+          <p:cNvSpPr/>
+          <p:nvPr/>
+        </p:nvSpPr>
+        <p:spPr>
+          <a:xfrm>
+            <a:off x="3968321" y="2126236"/>
+            <a:ext cx="127190" cy="195885"/>
+          </a:xfrm>
+          <a:prstGeom prst="leftBrace">
+            <a:avLst/>
+          </a:prstGeom>
+        </p:spPr>
+        <p:style>
+          <a:lnRef idx="1">
+            <a:schemeClr val="accent2"/>
+          </a:lnRef>
+          <a:fillRef idx="0">
+            <a:schemeClr val="accent2"/>
+          </a:fillRef>
+          <a:effectRef idx="0">
+            <a:schemeClr val="accent2"/>
+          </a:effectRef>
+          <a:fontRef idx="minor">
+            <a:schemeClr val="tx1"/>
+          </a:fontRef>
+        </p:style>
+        <p:txBody>
+          <a:bodyPr rtlCol="0" anchor="ctr"/>
+          <a:lstStyle/>
+          <a:p>
+            <a:pPr algn="r"/>
+            <a:endParaRPr lang="fr-FR"/>
+          </a:p>
+        </p:txBody>
+      </p:sp>
+      <p:sp>
+        <p:nvSpPr>
+          <p:cNvPr id="17" name="Accolade ouvrante 16">
+            <a:extLst>
+              <a:ext uri="{FF2B5EF4-FFF2-40B4-BE49-F238E27FC236}">
+                <a16:creationId xmlns:a16="http://schemas.microsoft.com/office/drawing/2014/main" id="{F5D3D459-88D8-58AB-1F08-3051CE96E936}"/>
+              </a:ext>
+            </a:extLst>
+          </p:cNvPr>
+          <p:cNvSpPr/>
+          <p:nvPr/>
+        </p:nvSpPr>
+        <p:spPr>
+          <a:xfrm>
+            <a:off x="3968319" y="2359512"/>
+            <a:ext cx="131077" cy="298576"/>
+          </a:xfrm>
+          <a:prstGeom prst="leftBrace">
+            <a:avLst/>
+          </a:prstGeom>
+        </p:spPr>
+        <p:style>
+          <a:lnRef idx="1">
+            <a:schemeClr val="accent2"/>
+          </a:lnRef>
+          <a:fillRef idx="0">
+            <a:schemeClr val="accent2"/>
+          </a:fillRef>
+          <a:effectRef idx="0">
+            <a:schemeClr val="accent2"/>
+          </a:effectRef>
+          <a:fontRef idx="minor">
+            <a:schemeClr val="tx1"/>
+          </a:fontRef>
+        </p:style>
+        <p:txBody>
+          <a:bodyPr rtlCol="0" anchor="ctr"/>
+          <a:lstStyle/>
+          <a:p>
+            <a:pPr algn="r"/>
+            <a:endParaRPr lang="fr-FR"/>
+          </a:p>
+        </p:txBody>
+      </p:sp>
+      <p:sp>
+        <p:nvSpPr>
+          <p:cNvPr id="18" name="Accolade ouvrante 17">
+            <a:extLst>
+              <a:ext uri="{FF2B5EF4-FFF2-40B4-BE49-F238E27FC236}">
+                <a16:creationId xmlns:a16="http://schemas.microsoft.com/office/drawing/2014/main" id="{2FDC24A9-87B2-64BC-69DC-E72C0E59AB68}"/>
+              </a:ext>
+            </a:extLst>
+          </p:cNvPr>
+          <p:cNvSpPr/>
+          <p:nvPr/>
+        </p:nvSpPr>
+        <p:spPr>
+          <a:xfrm>
+            <a:off x="3964433" y="2708552"/>
+            <a:ext cx="131077" cy="211139"/>
+          </a:xfrm>
+          <a:prstGeom prst="leftBrace">
+            <a:avLst/>
+          </a:prstGeom>
+        </p:spPr>
+        <p:style>
+          <a:lnRef idx="1">
+            <a:schemeClr val="accent2"/>
+          </a:lnRef>
+          <a:fillRef idx="0">
+            <a:schemeClr val="accent2"/>
+          </a:fillRef>
+          <a:effectRef idx="0">
+            <a:schemeClr val="accent2"/>
+          </a:effectRef>
+          <a:fontRef idx="minor">
+            <a:schemeClr val="tx1"/>
+          </a:fontRef>
+        </p:style>
+        <p:txBody>
+          <a:bodyPr rtlCol="0" anchor="ctr"/>
+          <a:lstStyle/>
+          <a:p>
+            <a:pPr algn="r"/>
+            <a:endParaRPr lang="fr-FR"/>
+          </a:p>
+        </p:txBody>
+      </p:sp>
+      <p:sp>
+        <p:nvSpPr>
+          <p:cNvPr id="19" name="Accolade ouvrante 18">
+            <a:extLst>
+              <a:ext uri="{FF2B5EF4-FFF2-40B4-BE49-F238E27FC236}">
+                <a16:creationId xmlns:a16="http://schemas.microsoft.com/office/drawing/2014/main" id="{7DD67F22-AF60-B621-9C11-E4706A1D11BB}"/>
+              </a:ext>
+            </a:extLst>
+          </p:cNvPr>
+          <p:cNvSpPr/>
+          <p:nvPr/>
+        </p:nvSpPr>
+        <p:spPr>
+          <a:xfrm>
+            <a:off x="3968319" y="4248833"/>
+            <a:ext cx="131077" cy="298576"/>
+          </a:xfrm>
+          <a:prstGeom prst="leftBrace">
+            <a:avLst/>
+          </a:prstGeom>
+        </p:spPr>
+        <p:style>
+          <a:lnRef idx="1">
+            <a:schemeClr val="accent2"/>
+          </a:lnRef>
+          <a:fillRef idx="0">
+            <a:schemeClr val="accent2"/>
+          </a:fillRef>
+          <a:effectRef idx="0">
+            <a:schemeClr val="accent2"/>
+          </a:effectRef>
+          <a:fontRef idx="minor">
+            <a:schemeClr val="tx1"/>
+          </a:fontRef>
+        </p:style>
+        <p:txBody>
+          <a:bodyPr rtlCol="0" anchor="ctr"/>
+          <a:lstStyle/>
+          <a:p>
+            <a:pPr algn="r"/>
+            <a:endParaRPr lang="fr-FR"/>
+          </a:p>
+        </p:txBody>
+      </p:sp>
       <p:pic>
         <p:nvPicPr>
-          <p:cNvPr id="4" name="Image 3">
+          <p:cNvPr id="23" name="Image 22">
             <a:extLst>
               <a:ext uri="{FF2B5EF4-FFF2-40B4-BE49-F238E27FC236}">
-                <a16:creationId xmlns:a16="http://schemas.microsoft.com/office/drawing/2014/main" id="{0369F36D-1510-477A-7055-853CF8F1AA2F}"/>
+                <a16:creationId xmlns:a16="http://schemas.microsoft.com/office/drawing/2014/main" id="{0A78288E-14A9-19F2-A2D1-4F11EB2E5B5E}"/>
               </a:ext>
             </a:extLst>
           </p:cNvPr>
@@ -20338,8 +19960,8 @@
         </p:blipFill>
         <p:spPr>
           <a:xfrm>
-            <a:off x="210619" y="675612"/>
-            <a:ext cx="10847463" cy="5934700"/>
+            <a:off x="4128009" y="1860564"/>
+            <a:ext cx="5619750" cy="3019425"/>
           </a:xfrm>
           <a:prstGeom prst="rect">
             <a:avLst/>
@@ -20349,7 +19971,767 @@
     </p:spTree>
     <p:extLst>
       <p:ext uri="{BB962C8B-B14F-4D97-AF65-F5344CB8AC3E}">
-        <p14:creationId xmlns:p14="http://schemas.microsoft.com/office/powerpoint/2010/main" val="3825170221"/>
+        <p14:creationId xmlns:p14="http://schemas.microsoft.com/office/powerpoint/2010/main" val="818808910"/>
+      </p:ext>
+    </p:extLst>
+  </p:cSld>
+  <p:clrMapOvr>
+    <a:masterClrMapping/>
+  </p:clrMapOvr>
+</p:sld>
+</file>
+
+<file path=ppt/slides/slide24.xml><?xml version="1.0" encoding="utf-8"?>
+<p:sld xmlns:a="http://schemas.openxmlformats.org/drawingml/2006/main" xmlns:r="http://schemas.openxmlformats.org/officeDocument/2006/relationships" xmlns:p="http://schemas.openxmlformats.org/presentationml/2006/main">
+  <p:cSld>
+    <p:spTree>
+      <p:nvGrpSpPr>
+        <p:cNvPr id="1" name=""/>
+        <p:cNvGrpSpPr/>
+        <p:nvPr/>
+      </p:nvGrpSpPr>
+      <p:grpSpPr>
+        <a:xfrm>
+          <a:off x="0" y="0"/>
+          <a:ext cx="0" cy="0"/>
+          <a:chOff x="0" y="0"/>
+          <a:chExt cx="0" cy="0"/>
+        </a:xfrm>
+      </p:grpSpPr>
+      <p:sp>
+        <p:nvSpPr>
+          <p:cNvPr id="2" name="Titre 1">
+            <a:extLst>
+              <a:ext uri="{FF2B5EF4-FFF2-40B4-BE49-F238E27FC236}">
+                <a16:creationId xmlns:a16="http://schemas.microsoft.com/office/drawing/2014/main" id="{099E2E77-954A-DD7C-99BF-B9521D1A2115}"/>
+              </a:ext>
+            </a:extLst>
+          </p:cNvPr>
+          <p:cNvSpPr>
+            <a:spLocks noGrp="1"/>
+          </p:cNvSpPr>
+          <p:nvPr>
+            <p:ph type="title"/>
+          </p:nvPr>
+        </p:nvSpPr>
+        <p:spPr>
+          <a:xfrm>
+            <a:off x="838200" y="681038"/>
+            <a:ext cx="10515600" cy="972704"/>
+          </a:xfrm>
+        </p:spPr>
+        <p:txBody>
+          <a:bodyPr>
+            <a:normAutofit/>
+          </a:bodyPr>
+          <a:lstStyle/>
+          <a:p>
+            <a:r>
+              <a:rPr lang="fr-FR" sz="4000" dirty="0"/>
+              <a:t>Organisation et outils de travail</a:t>
+            </a:r>
+          </a:p>
+        </p:txBody>
+      </p:sp>
+      <p:pic>
+        <p:nvPicPr>
+          <p:cNvPr id="14" name="Image 13">
+            <a:extLst>
+              <a:ext uri="{FF2B5EF4-FFF2-40B4-BE49-F238E27FC236}">
+                <a16:creationId xmlns:a16="http://schemas.microsoft.com/office/drawing/2014/main" id="{CB404869-F9E4-8A2B-B9CB-838C599F46CB}"/>
+              </a:ext>
+            </a:extLst>
+          </p:cNvPr>
+          <p:cNvPicPr>
+            <a:picLocks noChangeAspect="1"/>
+          </p:cNvPicPr>
+          <p:nvPr/>
+        </p:nvPicPr>
+        <p:blipFill>
+          <a:blip r:embed="rId3"/>
+          <a:stretch>
+            <a:fillRect/>
+          </a:stretch>
+        </p:blipFill>
+        <p:spPr>
+          <a:xfrm>
+            <a:off x="867697" y="3483999"/>
+            <a:ext cx="5705443" cy="2359394"/>
+          </a:xfrm>
+          <a:prstGeom prst="rect">
+            <a:avLst/>
+          </a:prstGeom>
+        </p:spPr>
+      </p:pic>
+      <p:grpSp>
+        <p:nvGrpSpPr>
+          <p:cNvPr id="18" name="Groupe 17">
+            <a:extLst>
+              <a:ext uri="{FF2B5EF4-FFF2-40B4-BE49-F238E27FC236}">
+                <a16:creationId xmlns:a16="http://schemas.microsoft.com/office/drawing/2014/main" id="{BA3B82F8-1E58-3A76-FBA0-DAD9E81F9EA9}"/>
+              </a:ext>
+            </a:extLst>
+          </p:cNvPr>
+          <p:cNvGrpSpPr/>
+          <p:nvPr/>
+        </p:nvGrpSpPr>
+        <p:grpSpPr>
+          <a:xfrm>
+            <a:off x="2726938" y="1647729"/>
+            <a:ext cx="3891927" cy="1003104"/>
+            <a:chOff x="751987" y="1588004"/>
+            <a:chExt cx="3845332" cy="1003104"/>
+          </a:xfrm>
+        </p:grpSpPr>
+        <p:pic>
+          <p:nvPicPr>
+            <p:cNvPr id="4" name="Image 3">
+              <a:extLst>
+                <a:ext uri="{FF2B5EF4-FFF2-40B4-BE49-F238E27FC236}">
+                  <a16:creationId xmlns:a16="http://schemas.microsoft.com/office/drawing/2014/main" id="{BD05A891-3873-4365-62CC-FE46647530A5}"/>
+                </a:ext>
+              </a:extLst>
+            </p:cNvPr>
+            <p:cNvPicPr>
+              <a:picLocks noChangeAspect="1"/>
+            </p:cNvPicPr>
+            <p:nvPr/>
+          </p:nvPicPr>
+          <p:blipFill>
+            <a:blip r:embed="rId4"/>
+            <a:stretch>
+              <a:fillRect/>
+            </a:stretch>
+          </p:blipFill>
+          <p:spPr>
+            <a:xfrm>
+              <a:off x="3665396" y="1588004"/>
+              <a:ext cx="931923" cy="732225"/>
+            </a:xfrm>
+            <a:prstGeom prst="rect">
+              <a:avLst/>
+            </a:prstGeom>
+          </p:spPr>
+        </p:pic>
+        <p:sp>
+          <p:nvSpPr>
+            <p:cNvPr id="11" name="ZoneTexte 10">
+              <a:extLst>
+                <a:ext uri="{FF2B5EF4-FFF2-40B4-BE49-F238E27FC236}">
+                  <a16:creationId xmlns:a16="http://schemas.microsoft.com/office/drawing/2014/main" id="{EF9DF4BE-A068-06C1-BFE4-0B4C0E78BBCD}"/>
+                </a:ext>
+              </a:extLst>
+            </p:cNvPr>
+            <p:cNvSpPr txBox="1"/>
+            <p:nvPr/>
+          </p:nvSpPr>
+          <p:spPr>
+            <a:xfrm>
+              <a:off x="751987" y="2078147"/>
+              <a:ext cx="3577295" cy="512961"/>
+            </a:xfrm>
+            <a:prstGeom prst="rect">
+              <a:avLst/>
+            </a:prstGeom>
+            <a:noFill/>
+          </p:spPr>
+          <p:txBody>
+            <a:bodyPr wrap="square">
+              <a:spAutoFit/>
+            </a:bodyPr>
+            <a:lstStyle/>
+            <a:p>
+              <a:pPr>
+                <a:spcAft>
+                  <a:spcPts val="400"/>
+                </a:spcAft>
+              </a:pPr>
+              <a:r>
+                <a:rPr lang="fr-FR" sz="1200" dirty="0">
+                  <a:hlinkClick r:id="rId5"/>
+                </a:rPr>
+                <a:t>https://github.com/mapette/sos_immo</a:t>
+              </a:r>
+              <a:endParaRPr lang="fr-FR" sz="1200" dirty="0"/>
+            </a:p>
+            <a:p>
+              <a:pPr>
+                <a:spcAft>
+                  <a:spcPts val="400"/>
+                </a:spcAft>
+              </a:pPr>
+              <a:r>
+                <a:rPr lang="fr-FR" sz="1200" dirty="0">
+                  <a:hlinkClick r:id="rId6"/>
+                </a:rPr>
+                <a:t>https://github.com/mapette/sos_immo_backend</a:t>
+              </a:r>
+              <a:endParaRPr lang="fr-FR" sz="1200" dirty="0"/>
+            </a:p>
+          </p:txBody>
+        </p:sp>
+        <p:sp>
+          <p:nvSpPr>
+            <p:cNvPr id="12" name="ZoneTexte 11">
+              <a:extLst>
+                <a:ext uri="{FF2B5EF4-FFF2-40B4-BE49-F238E27FC236}">
+                  <a16:creationId xmlns:a16="http://schemas.microsoft.com/office/drawing/2014/main" id="{12816E8F-E270-8F50-4CB8-5CE9AE19B8E9}"/>
+                </a:ext>
+              </a:extLst>
+            </p:cNvPr>
+            <p:cNvSpPr txBox="1"/>
+            <p:nvPr/>
+          </p:nvSpPr>
+          <p:spPr>
+            <a:xfrm>
+              <a:off x="1779639" y="1770525"/>
+              <a:ext cx="1804261" cy="338554"/>
+            </a:xfrm>
+            <a:prstGeom prst="rect">
+              <a:avLst/>
+            </a:prstGeom>
+            <a:noFill/>
+          </p:spPr>
+          <p:txBody>
+            <a:bodyPr wrap="square" rtlCol="0">
+              <a:spAutoFit/>
+            </a:bodyPr>
+            <a:lstStyle/>
+            <a:p>
+              <a:r>
+                <a:rPr lang="fr-FR" sz="1600" b="1" dirty="0"/>
+                <a:t>Gestion de code</a:t>
+              </a:r>
+            </a:p>
+          </p:txBody>
+        </p:sp>
+      </p:grpSp>
+      <p:sp>
+        <p:nvSpPr>
+          <p:cNvPr id="15" name="ZoneTexte 14">
+            <a:extLst>
+              <a:ext uri="{FF2B5EF4-FFF2-40B4-BE49-F238E27FC236}">
+                <a16:creationId xmlns:a16="http://schemas.microsoft.com/office/drawing/2014/main" id="{AFFCA997-9B70-8548-9AE5-96C5B84FC231}"/>
+              </a:ext>
+            </a:extLst>
+          </p:cNvPr>
+          <p:cNvSpPr txBox="1"/>
+          <p:nvPr/>
+        </p:nvSpPr>
+        <p:spPr>
+          <a:xfrm>
+            <a:off x="1517316" y="3145445"/>
+            <a:ext cx="2700291" cy="338554"/>
+          </a:xfrm>
+          <a:prstGeom prst="rect">
+            <a:avLst/>
+          </a:prstGeom>
+          <a:noFill/>
+        </p:spPr>
+        <p:txBody>
+          <a:bodyPr wrap="none" rtlCol="0">
+            <a:spAutoFit/>
+          </a:bodyPr>
+          <a:lstStyle/>
+          <a:p>
+            <a:r>
+              <a:rPr lang="fr-FR" sz="1600" b="1" dirty="0"/>
+              <a:t>Suivi d’avance des tâches</a:t>
+            </a:r>
+          </a:p>
+        </p:txBody>
+      </p:sp>
+      <p:pic>
+        <p:nvPicPr>
+          <p:cNvPr id="17" name="Image 16">
+            <a:extLst>
+              <a:ext uri="{FF2B5EF4-FFF2-40B4-BE49-F238E27FC236}">
+                <a16:creationId xmlns:a16="http://schemas.microsoft.com/office/drawing/2014/main" id="{4BF0DEA2-6786-A096-17B2-1CB4DF1B57D8}"/>
+              </a:ext>
+            </a:extLst>
+          </p:cNvPr>
+          <p:cNvPicPr>
+            <a:picLocks noChangeAspect="1"/>
+          </p:cNvPicPr>
+          <p:nvPr/>
+        </p:nvPicPr>
+        <p:blipFill>
+          <a:blip r:embed="rId7"/>
+          <a:stretch>
+            <a:fillRect/>
+          </a:stretch>
+        </p:blipFill>
+        <p:spPr>
+          <a:xfrm>
+            <a:off x="1009364" y="2164416"/>
+            <a:ext cx="1284268" cy="624912"/>
+          </a:xfrm>
+          <a:prstGeom prst="rect">
+            <a:avLst/>
+          </a:prstGeom>
+        </p:spPr>
+      </p:pic>
+      <p:sp>
+        <p:nvSpPr>
+          <p:cNvPr id="20" name="ZoneTexte 19">
+            <a:extLst>
+              <a:ext uri="{FF2B5EF4-FFF2-40B4-BE49-F238E27FC236}">
+                <a16:creationId xmlns:a16="http://schemas.microsoft.com/office/drawing/2014/main" id="{CDE7279A-F080-DBE2-BFC7-8C2E1D8B398A}"/>
+              </a:ext>
+            </a:extLst>
+          </p:cNvPr>
+          <p:cNvSpPr txBox="1"/>
+          <p:nvPr/>
+        </p:nvSpPr>
+        <p:spPr>
+          <a:xfrm>
+            <a:off x="1287704" y="1807630"/>
+            <a:ext cx="727587" cy="369332"/>
+          </a:xfrm>
+          <a:prstGeom prst="rect">
+            <a:avLst/>
+          </a:prstGeom>
+          <a:noFill/>
+        </p:spPr>
+        <p:txBody>
+          <a:bodyPr wrap="square">
+            <a:spAutoFit/>
+          </a:bodyPr>
+          <a:lstStyle/>
+          <a:p>
+            <a:pPr algn="ctr"/>
+            <a:r>
+              <a:rPr lang="fr-FR" sz="1800" b="1" dirty="0"/>
+              <a:t>IDE</a:t>
+            </a:r>
+            <a:endParaRPr lang="fr-FR" dirty="0"/>
+          </a:p>
+        </p:txBody>
+      </p:sp>
+      <p:pic>
+        <p:nvPicPr>
+          <p:cNvPr id="19" name="Image 18">
+            <a:extLst>
+              <a:ext uri="{FF2B5EF4-FFF2-40B4-BE49-F238E27FC236}">
+                <a16:creationId xmlns:a16="http://schemas.microsoft.com/office/drawing/2014/main" id="{54449151-0D32-88A9-33B0-27F3BF390A80}"/>
+              </a:ext>
+            </a:extLst>
+          </p:cNvPr>
+          <p:cNvPicPr>
+            <a:picLocks noChangeAspect="1"/>
+          </p:cNvPicPr>
+          <p:nvPr/>
+        </p:nvPicPr>
+        <p:blipFill>
+          <a:blip r:embed="rId8"/>
+          <a:stretch>
+            <a:fillRect/>
+          </a:stretch>
+        </p:blipFill>
+        <p:spPr>
+          <a:xfrm>
+            <a:off x="7035616" y="1610088"/>
+            <a:ext cx="360000" cy="318263"/>
+          </a:xfrm>
+          <a:prstGeom prst="rect">
+            <a:avLst/>
+          </a:prstGeom>
+        </p:spPr>
+      </p:pic>
+      <p:pic>
+        <p:nvPicPr>
+          <p:cNvPr id="22" name="Image 21">
+            <a:extLst>
+              <a:ext uri="{FF2B5EF4-FFF2-40B4-BE49-F238E27FC236}">
+                <a16:creationId xmlns:a16="http://schemas.microsoft.com/office/drawing/2014/main" id="{9644EFF5-68C5-454C-565C-1C96F0B276B3}"/>
+              </a:ext>
+            </a:extLst>
+          </p:cNvPr>
+          <p:cNvPicPr>
+            <a:picLocks noChangeAspect="1"/>
+          </p:cNvPicPr>
+          <p:nvPr/>
+        </p:nvPicPr>
+        <p:blipFill>
+          <a:blip r:embed="rId9"/>
+          <a:stretch>
+            <a:fillRect/>
+          </a:stretch>
+        </p:blipFill>
+        <p:spPr>
+          <a:xfrm>
+            <a:off x="9921950" y="2120953"/>
+            <a:ext cx="360000" cy="357163"/>
+          </a:xfrm>
+          <a:prstGeom prst="rect">
+            <a:avLst/>
+          </a:prstGeom>
+        </p:spPr>
+      </p:pic>
+      <p:pic>
+        <p:nvPicPr>
+          <p:cNvPr id="24" name="Image 23">
+            <a:extLst>
+              <a:ext uri="{FF2B5EF4-FFF2-40B4-BE49-F238E27FC236}">
+                <a16:creationId xmlns:a16="http://schemas.microsoft.com/office/drawing/2014/main" id="{D0451CF5-31B7-0364-0A86-1680EC2DDD4C}"/>
+              </a:ext>
+            </a:extLst>
+          </p:cNvPr>
+          <p:cNvPicPr>
+            <a:picLocks noChangeAspect="1"/>
+          </p:cNvPicPr>
+          <p:nvPr/>
+        </p:nvPicPr>
+        <p:blipFill>
+          <a:blip r:embed="rId10"/>
+          <a:stretch>
+            <a:fillRect/>
+          </a:stretch>
+        </p:blipFill>
+        <p:spPr>
+          <a:xfrm>
+            <a:off x="8860086" y="2042381"/>
+            <a:ext cx="360000" cy="357212"/>
+          </a:xfrm>
+          <a:prstGeom prst="rect">
+            <a:avLst/>
+          </a:prstGeom>
+        </p:spPr>
+      </p:pic>
+      <p:pic>
+        <p:nvPicPr>
+          <p:cNvPr id="26" name="Image 25">
+            <a:extLst>
+              <a:ext uri="{FF2B5EF4-FFF2-40B4-BE49-F238E27FC236}">
+                <a16:creationId xmlns:a16="http://schemas.microsoft.com/office/drawing/2014/main" id="{5733F2C4-2831-5B08-EB23-A5D6DEE8F730}"/>
+              </a:ext>
+            </a:extLst>
+          </p:cNvPr>
+          <p:cNvPicPr>
+            <a:picLocks noChangeAspect="1"/>
+          </p:cNvPicPr>
+          <p:nvPr/>
+        </p:nvPicPr>
+        <p:blipFill>
+          <a:blip r:embed="rId11"/>
+          <a:stretch>
+            <a:fillRect/>
+          </a:stretch>
+        </p:blipFill>
+        <p:spPr>
+          <a:xfrm>
+            <a:off x="10239275" y="1479948"/>
+            <a:ext cx="360000" cy="352800"/>
+          </a:xfrm>
+          <a:prstGeom prst="rect">
+            <a:avLst/>
+          </a:prstGeom>
+        </p:spPr>
+      </p:pic>
+      <p:pic>
+        <p:nvPicPr>
+          <p:cNvPr id="28" name="Image 27">
+            <a:extLst>
+              <a:ext uri="{FF2B5EF4-FFF2-40B4-BE49-F238E27FC236}">
+                <a16:creationId xmlns:a16="http://schemas.microsoft.com/office/drawing/2014/main" id="{E87398E1-C49E-D047-50E9-CD485F67A245}"/>
+              </a:ext>
+            </a:extLst>
+          </p:cNvPr>
+          <p:cNvPicPr>
+            <a:picLocks noChangeAspect="1"/>
+          </p:cNvPicPr>
+          <p:nvPr/>
+        </p:nvPicPr>
+        <p:blipFill>
+          <a:blip r:embed="rId12"/>
+          <a:stretch>
+            <a:fillRect/>
+          </a:stretch>
+        </p:blipFill>
+        <p:spPr>
+          <a:xfrm>
+            <a:off x="8174731" y="2084455"/>
+            <a:ext cx="360000" cy="354286"/>
+          </a:xfrm>
+          <a:prstGeom prst="rect">
+            <a:avLst/>
+          </a:prstGeom>
+        </p:spPr>
+      </p:pic>
+      <p:pic>
+        <p:nvPicPr>
+          <p:cNvPr id="32" name="Image 31">
+            <a:extLst>
+              <a:ext uri="{FF2B5EF4-FFF2-40B4-BE49-F238E27FC236}">
+                <a16:creationId xmlns:a16="http://schemas.microsoft.com/office/drawing/2014/main" id="{B0DB5D6D-F01F-BFDC-CE99-69096443F866}"/>
+              </a:ext>
+            </a:extLst>
+          </p:cNvPr>
+          <p:cNvPicPr>
+            <a:picLocks noChangeAspect="1"/>
+          </p:cNvPicPr>
+          <p:nvPr/>
+        </p:nvPicPr>
+        <p:blipFill>
+          <a:blip r:embed="rId13"/>
+          <a:stretch>
+            <a:fillRect/>
+          </a:stretch>
+        </p:blipFill>
+        <p:spPr>
+          <a:xfrm>
+            <a:off x="7709016" y="1531460"/>
+            <a:ext cx="360000" cy="360000"/>
+          </a:xfrm>
+          <a:prstGeom prst="rect">
+            <a:avLst/>
+          </a:prstGeom>
+        </p:spPr>
+      </p:pic>
+      <p:pic>
+        <p:nvPicPr>
+          <p:cNvPr id="34" name="Image 33">
+            <a:extLst>
+              <a:ext uri="{FF2B5EF4-FFF2-40B4-BE49-F238E27FC236}">
+                <a16:creationId xmlns:a16="http://schemas.microsoft.com/office/drawing/2014/main" id="{CC5C5637-D954-A880-067C-6D32CE7E8E14}"/>
+              </a:ext>
+            </a:extLst>
+          </p:cNvPr>
+          <p:cNvPicPr>
+            <a:picLocks noChangeAspect="1"/>
+          </p:cNvPicPr>
+          <p:nvPr/>
+        </p:nvPicPr>
+        <p:blipFill>
+          <a:blip r:embed="rId14"/>
+          <a:stretch>
+            <a:fillRect/>
+          </a:stretch>
+        </p:blipFill>
+        <p:spPr>
+          <a:xfrm>
+            <a:off x="9177398" y="1418097"/>
+            <a:ext cx="360000" cy="324275"/>
+          </a:xfrm>
+          <a:prstGeom prst="rect">
+            <a:avLst/>
+          </a:prstGeom>
+        </p:spPr>
+      </p:pic>
+      <p:pic>
+        <p:nvPicPr>
+          <p:cNvPr id="36" name="Image 35">
+            <a:extLst>
+              <a:ext uri="{FF2B5EF4-FFF2-40B4-BE49-F238E27FC236}">
+                <a16:creationId xmlns:a16="http://schemas.microsoft.com/office/drawing/2014/main" id="{54B22005-D45E-AD32-BFD5-302B85DA2A74}"/>
+              </a:ext>
+            </a:extLst>
+          </p:cNvPr>
+          <p:cNvPicPr>
+            <a:picLocks noChangeAspect="1"/>
+          </p:cNvPicPr>
+          <p:nvPr/>
+        </p:nvPicPr>
+        <p:blipFill>
+          <a:blip r:embed="rId15"/>
+          <a:stretch>
+            <a:fillRect/>
+          </a:stretch>
+        </p:blipFill>
+        <p:spPr>
+          <a:xfrm>
+            <a:off x="10430105" y="1912575"/>
+            <a:ext cx="360000" cy="343759"/>
+          </a:xfrm>
+          <a:prstGeom prst="rect">
+            <a:avLst/>
+          </a:prstGeom>
+        </p:spPr>
+      </p:pic>
+      <p:pic>
+        <p:nvPicPr>
+          <p:cNvPr id="38" name="Image 37">
+            <a:extLst>
+              <a:ext uri="{FF2B5EF4-FFF2-40B4-BE49-F238E27FC236}">
+                <a16:creationId xmlns:a16="http://schemas.microsoft.com/office/drawing/2014/main" id="{FFCD5155-FB75-1D0A-76A3-31E9C92FF07D}"/>
+              </a:ext>
+            </a:extLst>
+          </p:cNvPr>
+          <p:cNvPicPr>
+            <a:picLocks noChangeAspect="1"/>
+          </p:cNvPicPr>
+          <p:nvPr/>
+        </p:nvPicPr>
+        <p:blipFill>
+          <a:blip r:embed="rId16"/>
+          <a:stretch>
+            <a:fillRect/>
+          </a:stretch>
+        </p:blipFill>
+        <p:spPr>
+          <a:xfrm>
+            <a:off x="9437991" y="1989925"/>
+            <a:ext cx="360000" cy="404211"/>
+          </a:xfrm>
+          <a:prstGeom prst="rect">
+            <a:avLst/>
+          </a:prstGeom>
+        </p:spPr>
+      </p:pic>
+      <p:pic>
+        <p:nvPicPr>
+          <p:cNvPr id="40" name="Image 39">
+            <a:extLst>
+              <a:ext uri="{FF2B5EF4-FFF2-40B4-BE49-F238E27FC236}">
+                <a16:creationId xmlns:a16="http://schemas.microsoft.com/office/drawing/2014/main" id="{027E0D50-B4AF-5DEC-1D41-87FD7E7AF10A}"/>
+              </a:ext>
+            </a:extLst>
+          </p:cNvPr>
+          <p:cNvPicPr>
+            <a:picLocks noChangeAspect="1"/>
+          </p:cNvPicPr>
+          <p:nvPr/>
+        </p:nvPicPr>
+        <p:blipFill>
+          <a:blip r:embed="rId17"/>
+          <a:stretch>
+            <a:fillRect/>
+          </a:stretch>
+        </p:blipFill>
+        <p:spPr>
+          <a:xfrm>
+            <a:off x="7395061" y="2056494"/>
+            <a:ext cx="360000" cy="360000"/>
+          </a:xfrm>
+          <a:prstGeom prst="rect">
+            <a:avLst/>
+          </a:prstGeom>
+        </p:spPr>
+      </p:pic>
+      <p:pic>
+        <p:nvPicPr>
+          <p:cNvPr id="42" name="Image 41">
+            <a:extLst>
+              <a:ext uri="{FF2B5EF4-FFF2-40B4-BE49-F238E27FC236}">
+                <a16:creationId xmlns:a16="http://schemas.microsoft.com/office/drawing/2014/main" id="{25740042-E070-DC48-52EE-696E6B85206C}"/>
+              </a:ext>
+            </a:extLst>
+          </p:cNvPr>
+          <p:cNvPicPr>
+            <a:picLocks noChangeAspect="1"/>
+          </p:cNvPicPr>
+          <p:nvPr/>
+        </p:nvPicPr>
+        <p:blipFill>
+          <a:blip r:embed="rId18"/>
+          <a:stretch>
+            <a:fillRect/>
+          </a:stretch>
+        </p:blipFill>
+        <p:spPr>
+          <a:xfrm>
+            <a:off x="9728241" y="1589219"/>
+            <a:ext cx="360000" cy="360000"/>
+          </a:xfrm>
+          <a:prstGeom prst="rect">
+            <a:avLst/>
+          </a:prstGeom>
+        </p:spPr>
+      </p:pic>
+      <p:pic>
+        <p:nvPicPr>
+          <p:cNvPr id="44" name="Image 43">
+            <a:extLst>
+              <a:ext uri="{FF2B5EF4-FFF2-40B4-BE49-F238E27FC236}">
+                <a16:creationId xmlns:a16="http://schemas.microsoft.com/office/drawing/2014/main" id="{B2297728-11B8-8CF4-E843-9DAAE6A304BF}"/>
+              </a:ext>
+            </a:extLst>
+          </p:cNvPr>
+          <p:cNvPicPr>
+            <a:picLocks noChangeAspect="1"/>
+          </p:cNvPicPr>
+          <p:nvPr/>
+        </p:nvPicPr>
+        <p:blipFill>
+          <a:blip r:embed="rId19"/>
+          <a:stretch>
+            <a:fillRect/>
+          </a:stretch>
+        </p:blipFill>
+        <p:spPr>
+          <a:xfrm>
+            <a:off x="8503998" y="1559378"/>
+            <a:ext cx="327938" cy="333102"/>
+          </a:xfrm>
+          <a:prstGeom prst="rect">
+            <a:avLst/>
+          </a:prstGeom>
+        </p:spPr>
+      </p:pic>
+      <p:pic>
+        <p:nvPicPr>
+          <p:cNvPr id="21" name="Image 20">
+            <a:extLst>
+              <a:ext uri="{FF2B5EF4-FFF2-40B4-BE49-F238E27FC236}">
+                <a16:creationId xmlns:a16="http://schemas.microsoft.com/office/drawing/2014/main" id="{096083F5-AB65-6491-F637-FC788EBF73B0}"/>
+              </a:ext>
+            </a:extLst>
+          </p:cNvPr>
+          <p:cNvPicPr>
+            <a:picLocks noChangeAspect="1"/>
+          </p:cNvPicPr>
+          <p:nvPr/>
+        </p:nvPicPr>
+        <p:blipFill>
+          <a:blip r:embed="rId20"/>
+          <a:stretch>
+            <a:fillRect/>
+          </a:stretch>
+        </p:blipFill>
+        <p:spPr>
+          <a:xfrm>
+            <a:off x="10851769" y="1531459"/>
+            <a:ext cx="358422" cy="364347"/>
+          </a:xfrm>
+          <a:prstGeom prst="rect">
+            <a:avLst/>
+          </a:prstGeom>
+        </p:spPr>
+      </p:pic>
+      <p:pic>
+        <p:nvPicPr>
+          <p:cNvPr id="23" name="Image 22">
+            <a:extLst>
+              <a:ext uri="{FF2B5EF4-FFF2-40B4-BE49-F238E27FC236}">
+                <a16:creationId xmlns:a16="http://schemas.microsoft.com/office/drawing/2014/main" id="{36BAF15B-FF59-88D0-1D2D-D358F572B952}"/>
+              </a:ext>
+            </a:extLst>
+          </p:cNvPr>
+          <p:cNvPicPr>
+            <a:picLocks noChangeAspect="1"/>
+          </p:cNvPicPr>
+          <p:nvPr/>
+        </p:nvPicPr>
+        <p:blipFill>
+          <a:blip r:embed="rId4"/>
+          <a:stretch>
+            <a:fillRect/>
+          </a:stretch>
+        </p:blipFill>
+        <p:spPr>
+          <a:xfrm>
+            <a:off x="6698191" y="2059331"/>
+            <a:ext cx="460079" cy="357163"/>
+          </a:xfrm>
+          <a:prstGeom prst="rect">
+            <a:avLst/>
+          </a:prstGeom>
+        </p:spPr>
+      </p:pic>
+    </p:spTree>
+    <p:extLst>
+      <p:ext uri="{BB962C8B-B14F-4D97-AF65-F5344CB8AC3E}">
+        <p14:creationId xmlns:p14="http://schemas.microsoft.com/office/powerpoint/2010/main" val="2271959126"/>
       </p:ext>
     </p:extLst>
   </p:cSld>
@@ -21137,15 +21519,37 @@
             <p:ph type="title"/>
           </p:nvPr>
         </p:nvSpPr>
-        <p:spPr/>
+        <p:spPr>
+          <a:xfrm>
+            <a:off x="838200" y="501966"/>
+            <a:ext cx="10515600" cy="667615"/>
+          </a:xfrm>
+        </p:spPr>
         <p:txBody>
-          <a:bodyPr>
+          <a:bodyPr vert="horz" lIns="91440" tIns="45720" rIns="91440" bIns="45720" rtlCol="0" anchor="b">
             <a:normAutofit/>
           </a:bodyPr>
           <a:lstStyle/>
           <a:p>
             <a:r>
-              <a:rPr lang="fr-FR" sz="4000" dirty="0"/>
+              <a:rPr lang="fr-FR" sz="4000" dirty="0">
+                <a:gradFill flip="none" rotWithShape="1">
+                  <a:gsLst>
+                    <a:gs pos="0">
+                      <a:schemeClr val="accent5">
+                        <a:alpha val="70000"/>
+                      </a:schemeClr>
+                    </a:gs>
+                    <a:gs pos="100000">
+                      <a:schemeClr val="accent1">
+                        <a:alpha val="70000"/>
+                      </a:schemeClr>
+                    </a:gs>
+                  </a:gsLst>
+                  <a:lin ang="0" scaled="1"/>
+                  <a:tileRect/>
+                </a:gradFill>
+              </a:rPr>
               <a:t>Architecture du projet</a:t>
             </a:r>
           </a:p>
@@ -21173,8 +21577,8 @@
         </p:blipFill>
         <p:spPr>
           <a:xfrm>
-            <a:off x="1611312" y="1746511"/>
-            <a:ext cx="7186305" cy="4220953"/>
+            <a:off x="1685740" y="1414131"/>
+            <a:ext cx="7498762" cy="4404478"/>
           </a:xfrm>
           <a:prstGeom prst="rect">
             <a:avLst/>
@@ -21778,15 +22182,33 @@
                                   </p:childTnLst>
                                 </p:cTn>
                               </p:par>
+                            </p:childTnLst>
+                          </p:cTn>
+                        </p:par>
+                      </p:childTnLst>
+                    </p:cTn>
+                  </p:par>
+                  <p:par>
+                    <p:cTn id="23" fill="hold">
+                      <p:stCondLst>
+                        <p:cond delay="indefinite"/>
+                      </p:stCondLst>
+                      <p:childTnLst>
+                        <p:par>
+                          <p:cTn id="24" fill="hold">
+                            <p:stCondLst>
+                              <p:cond delay="0"/>
+                            </p:stCondLst>
+                            <p:childTnLst>
                               <p:par>
-                                <p:cTn id="23" presetID="1" presetClass="entr" presetSubtype="0" fill="hold" nodeType="withEffect">
+                                <p:cTn id="25" presetID="1" presetClass="entr" presetSubtype="0" fill="hold" nodeType="clickEffect">
                                   <p:stCondLst>
                                     <p:cond delay="0"/>
                                   </p:stCondLst>
                                   <p:childTnLst>
                                     <p:set>
                                       <p:cBhvr>
-                                        <p:cTn id="24" dur="1" fill="hold">
+                                        <p:cTn id="26" dur="1" fill="hold">
                                           <p:stCondLst>
                                             <p:cond delay="0"/>
                                           </p:stCondLst>
@@ -21882,7 +22304,7 @@
           <a:lstStyle/>
           <a:p>
             <a:r>
-              <a:rPr lang="en-US" sz="4000">
+              <a:rPr lang="en-US" sz="4000" dirty="0">
                 <a:gradFill flip="none" rotWithShape="1">
                   <a:gsLst>
                     <a:gs pos="0">
@@ -21902,24 +22324,6 @@
               </a:rPr>
               <a:t>Focus back end</a:t>
             </a:r>
-            <a:endParaRPr lang="en-US" sz="4000" dirty="0">
-              <a:gradFill flip="none" rotWithShape="1">
-                <a:gsLst>
-                  <a:gs pos="0">
-                    <a:schemeClr val="accent5">
-                      <a:alpha val="70000"/>
-                    </a:schemeClr>
-                  </a:gs>
-                  <a:gs pos="100000">
-                    <a:schemeClr val="accent1">
-                      <a:alpha val="70000"/>
-                    </a:schemeClr>
-                  </a:gs>
-                </a:gsLst>
-                <a:lin ang="0" scaled="1"/>
-                <a:tileRect/>
-              </a:gradFill>
-            </a:endParaRPr>
           </a:p>
         </p:txBody>
       </p:sp>
@@ -21969,6 +22373,11 @@
 <file path=ppt/slides/slide7.xml><?xml version="1.0" encoding="utf-8"?>
 <p:sld xmlns:a="http://schemas.openxmlformats.org/drawingml/2006/main" xmlns:r="http://schemas.openxmlformats.org/officeDocument/2006/relationships" xmlns:p="http://schemas.openxmlformats.org/presentationml/2006/main">
   <p:cSld>
+    <p:bg>
+      <p:bgRef idx="1001">
+        <a:schemeClr val="bg1"/>
+      </p:bgRef>
+    </p:bg>
     <p:spTree>
       <p:nvGrpSpPr>
         <p:cNvPr id="1" name=""/>
@@ -22089,7 +22498,7 @@
           <p:nvPr/>
         </p:nvPicPr>
         <p:blipFill>
-          <a:blip r:embed="rId3"/>
+          <a:blip r:embed="rId4"/>
           <a:stretch>
             <a:fillRect/>
           </a:stretch>
@@ -22119,7 +22528,7 @@
           <p:nvPr/>
         </p:nvPicPr>
         <p:blipFill>
-          <a:blip r:embed="rId4"/>
+          <a:blip r:embed="rId5"/>
           <a:stretch>
             <a:fillRect/>
           </a:stretch>
@@ -22142,7 +22551,7 @@
     </p:extLst>
   </p:cSld>
   <p:clrMapOvr>
-    <a:masterClrMapping/>
+    <a:overrideClrMapping bg1="lt1" tx1="dk1" bg2="lt2" tx2="dk2" accent1="accent1" accent2="accent2" accent3="accent3" accent4="accent4" accent5="accent5" accent6="accent6" hlink="hlink" folHlink="folHlink"/>
   </p:clrMapOvr>
 </p:sld>
 </file>
@@ -22150,6 +22559,11 @@
 <file path=ppt/slides/slide8.xml><?xml version="1.0" encoding="utf-8"?>
 <p:sld xmlns:a="http://schemas.openxmlformats.org/drawingml/2006/main" xmlns:r="http://schemas.openxmlformats.org/officeDocument/2006/relationships" xmlns:p="http://schemas.openxmlformats.org/presentationml/2006/main">
   <p:cSld>
+    <p:bg>
+      <p:bgRef idx="1001">
+        <a:schemeClr val="bg1"/>
+      </p:bgRef>
+    </p:bg>
     <p:spTree>
       <p:nvGrpSpPr>
         <p:cNvPr id="1" name=""/>
@@ -22183,17 +22597,34 @@
         <p:spPr>
           <a:xfrm>
             <a:off x="838200" y="681038"/>
-            <a:ext cx="10515600" cy="1107716"/>
+            <a:ext cx="10515600" cy="660527"/>
           </a:xfrm>
         </p:spPr>
         <p:txBody>
-          <a:bodyPr>
+          <a:bodyPr vert="horz" lIns="91440" tIns="45720" rIns="91440" bIns="45720" rtlCol="0" anchor="b">
             <a:normAutofit/>
           </a:bodyPr>
           <a:lstStyle/>
           <a:p>
             <a:r>
-              <a:rPr lang="fr-FR" sz="3600" dirty="0"/>
+              <a:rPr lang="fr-FR" sz="4000" dirty="0">
+                <a:gradFill flip="none" rotWithShape="1">
+                  <a:gsLst>
+                    <a:gs pos="0">
+                      <a:schemeClr val="accent5">
+                        <a:alpha val="70000"/>
+                      </a:schemeClr>
+                    </a:gs>
+                    <a:gs pos="100000">
+                      <a:schemeClr val="accent1">
+                        <a:alpha val="70000"/>
+                      </a:schemeClr>
+                    </a:gs>
+                  </a:gsLst>
+                  <a:lin ang="0" scaled="1"/>
+                  <a:tileRect/>
+                </a:gradFill>
+              </a:rPr>
               <a:t>fonctionnalités</a:t>
             </a:r>
           </a:p>
@@ -22214,7 +22645,7 @@
           <p:nvPr/>
         </p:nvPicPr>
         <p:blipFill>
-          <a:blip r:embed="rId3"/>
+          <a:blip r:embed="rId4"/>
           <a:stretch>
             <a:fillRect/>
           </a:stretch>
@@ -22249,7 +22680,7 @@
           <p:nvPr/>
         </p:nvPicPr>
         <p:blipFill>
-          <a:blip r:embed="rId4"/>
+          <a:blip r:embed="rId5"/>
           <a:stretch>
             <a:fillRect/>
           </a:stretch>
@@ -22277,7 +22708,7 @@
     </p:extLst>
   </p:cSld>
   <p:clrMapOvr>
-    <a:masterClrMapping/>
+    <a:overrideClrMapping bg1="lt1" tx1="dk1" bg2="lt2" tx2="dk2" accent1="accent1" accent2="accent2" accent3="accent3" accent4="accent4" accent5="accent5" accent6="accent6" hlink="hlink" folHlink="folHlink"/>
   </p:clrMapOvr>
 </p:sld>
 </file>
@@ -22317,18 +22748,35 @@
         </p:nvSpPr>
         <p:spPr>
           <a:xfrm>
-            <a:off x="827707" y="808038"/>
-            <a:ext cx="10515600" cy="783378"/>
+            <a:off x="720915" y="713511"/>
+            <a:ext cx="10515600" cy="640318"/>
           </a:xfrm>
         </p:spPr>
         <p:txBody>
-          <a:bodyPr>
+          <a:bodyPr vert="horz" lIns="91440" tIns="45720" rIns="91440" bIns="45720" rtlCol="0" anchor="b">
             <a:normAutofit/>
           </a:bodyPr>
           <a:lstStyle/>
           <a:p>
             <a:r>
-              <a:rPr lang="fr-FR" sz="3200" dirty="0"/>
+              <a:rPr lang="fr-FR" sz="4000" dirty="0">
+                <a:gradFill flip="none" rotWithShape="1">
+                  <a:gsLst>
+                    <a:gs pos="0">
+                      <a:schemeClr val="accent5">
+                        <a:alpha val="70000"/>
+                      </a:schemeClr>
+                    </a:gs>
+                    <a:gs pos="100000">
+                      <a:schemeClr val="accent1">
+                        <a:alpha val="70000"/>
+                      </a:schemeClr>
+                    </a:gs>
+                  </a:gsLst>
+                  <a:lin ang="0" scaled="1"/>
+                  <a:tileRect/>
+                </a:gradFill>
+              </a:rPr>
               <a:t>Focus incident – cycle de vie</a:t>
             </a:r>
           </a:p>
@@ -22965,4 +23413,90 @@
     </a:ext>
   </a:extLst>
 </a:theme>
+</file>
+
+<file path=ppt/theme/themeOverride1.xml><?xml version="1.0" encoding="utf-8"?>
+<a:themeOverride xmlns:a="http://schemas.openxmlformats.org/drawingml/2006/main">
+  <a:clrScheme name="Office">
+    <a:dk1>
+      <a:sysClr val="windowText" lastClr="000000"/>
+    </a:dk1>
+    <a:lt1>
+      <a:sysClr val="window" lastClr="FFFFFF"/>
+    </a:lt1>
+    <a:dk2>
+      <a:srgbClr val="44546A"/>
+    </a:dk2>
+    <a:lt2>
+      <a:srgbClr val="E7E6E6"/>
+    </a:lt2>
+    <a:accent1>
+      <a:srgbClr val="4472C4"/>
+    </a:accent1>
+    <a:accent2>
+      <a:srgbClr val="ED7D31"/>
+    </a:accent2>
+    <a:accent3>
+      <a:srgbClr val="A5A5A5"/>
+    </a:accent3>
+    <a:accent4>
+      <a:srgbClr val="FFC000"/>
+    </a:accent4>
+    <a:accent5>
+      <a:srgbClr val="5B9BD5"/>
+    </a:accent5>
+    <a:accent6>
+      <a:srgbClr val="70AD47"/>
+    </a:accent6>
+    <a:hlink>
+      <a:srgbClr val="0563C1"/>
+    </a:hlink>
+    <a:folHlink>
+      <a:srgbClr val="954F72"/>
+    </a:folHlink>
+  </a:clrScheme>
+</a:themeOverride>
+</file>
+
+<file path=ppt/theme/themeOverride2.xml><?xml version="1.0" encoding="utf-8"?>
+<a:themeOverride xmlns:a="http://schemas.openxmlformats.org/drawingml/2006/main">
+  <a:clrScheme name="Office">
+    <a:dk1>
+      <a:sysClr val="windowText" lastClr="000000"/>
+    </a:dk1>
+    <a:lt1>
+      <a:sysClr val="window" lastClr="FFFFFF"/>
+    </a:lt1>
+    <a:dk2>
+      <a:srgbClr val="44546A"/>
+    </a:dk2>
+    <a:lt2>
+      <a:srgbClr val="E7E6E6"/>
+    </a:lt2>
+    <a:accent1>
+      <a:srgbClr val="4472C4"/>
+    </a:accent1>
+    <a:accent2>
+      <a:srgbClr val="ED7D31"/>
+    </a:accent2>
+    <a:accent3>
+      <a:srgbClr val="A5A5A5"/>
+    </a:accent3>
+    <a:accent4>
+      <a:srgbClr val="FFC000"/>
+    </a:accent4>
+    <a:accent5>
+      <a:srgbClr val="5B9BD5"/>
+    </a:accent5>
+    <a:accent6>
+      <a:srgbClr val="70AD47"/>
+    </a:accent6>
+    <a:hlink>
+      <a:srgbClr val="0563C1"/>
+    </a:hlink>
+    <a:folHlink>
+      <a:srgbClr val="954F72"/>
+    </a:folHlink>
+  </a:clrScheme>
+</a:themeOverride>
 </file>
--- a/doc/présentation V5.pptx
+++ b/doc/présentation V5.pptx
@@ -5,7 +5,7 @@
     <p:sldMasterId id="2147483711" r:id="rId1"/>
   </p:sldMasterIdLst>
   <p:notesMasterIdLst>
-    <p:notesMasterId r:id="rId26"/>
+    <p:notesMasterId r:id="rId30"/>
   </p:notesMasterIdLst>
   <p:sldIdLst>
     <p:sldId id="256" r:id="rId2"/>
@@ -25,13 +25,17 @@
     <p:sldId id="282" r:id="rId16"/>
     <p:sldId id="274" r:id="rId17"/>
     <p:sldId id="277" r:id="rId18"/>
-    <p:sldId id="295" r:id="rId19"/>
-    <p:sldId id="276" r:id="rId20"/>
-    <p:sldId id="287" r:id="rId21"/>
-    <p:sldId id="270" r:id="rId22"/>
-    <p:sldId id="257" r:id="rId23"/>
-    <p:sldId id="283" r:id="rId24"/>
-    <p:sldId id="294" r:id="rId25"/>
+    <p:sldId id="297" r:id="rId19"/>
+    <p:sldId id="295" r:id="rId20"/>
+    <p:sldId id="298" r:id="rId21"/>
+    <p:sldId id="276" r:id="rId22"/>
+    <p:sldId id="287" r:id="rId23"/>
+    <p:sldId id="270" r:id="rId24"/>
+    <p:sldId id="257" r:id="rId25"/>
+    <p:sldId id="283" r:id="rId26"/>
+    <p:sldId id="294" r:id="rId27"/>
+    <p:sldId id="296" r:id="rId28"/>
+    <p:sldId id="299" r:id="rId29"/>
   </p:sldIdLst>
   <p:sldSz cx="12192000" cy="6858000"/>
   <p:notesSz cx="7315200" cy="9601200"/>
@@ -226,7 +230,7 @@
           <a:p>
             <a:fld id="{3A579BB9-F2CA-426C-82A6-1234A0AE4AD5}" type="datetimeFigureOut">
               <a:rPr lang="fr-FR" smtClean="0"/>
-              <a:t>16/01/2023</a:t>
+              <a:t>20/01/2023</a:t>
             </a:fld>
             <a:endParaRPr lang="fr-FR"/>
           </a:p>
@@ -4412,6 +4416,15 @@
               </a:rPr>
               <a:t>delete</a:t>
             </a:r>
+            <a:r>
+              <a:rPr lang="fr-FR" sz="1800" dirty="0">
+                <a:effectLst/>
+                <a:latin typeface="Calibri" panose="020F0502020204030204" pitchFamily="34" charset="0"/>
+                <a:ea typeface="Calibri" panose="020F0502020204030204" pitchFamily="34" charset="0"/>
+                <a:cs typeface="Times New Roman" panose="02020603050405020304" pitchFamily="18" charset="0"/>
+              </a:rPr>
+              <a:t>)</a:t>
+            </a:r>
             <a:endParaRPr lang="fr-FR" dirty="0"/>
           </a:p>
         </p:txBody>
@@ -4433,7 +4446,7 @@
           <a:p>
             <a:fld id="{4FC62F1D-8B73-4A3C-A06D-0A25FF461052}" type="slidenum">
               <a:rPr lang="fr-FR" smtClean="0"/>
-              <a:t>18</a:t>
+              <a:t>19</a:t>
             </a:fld>
             <a:endParaRPr lang="fr-FR"/>
           </a:p>
@@ -4496,266 +4509,15 @@
           <a:bodyPr/>
           <a:lstStyle/>
           <a:p>
-            <a:pPr>
-              <a:lnSpc>
-                <a:spcPct val="107000"/>
-              </a:lnSpc>
-              <a:spcAft>
-                <a:spcPts val="800"/>
-              </a:spcAft>
-            </a:pPr>
-            <a:r>
-              <a:rPr lang="fr-FR" sz="1800" dirty="0">
-                <a:effectLst/>
-                <a:latin typeface="Calibri" panose="020F0502020204030204" pitchFamily="34" charset="0"/>
-                <a:ea typeface="Calibri" panose="020F0502020204030204" pitchFamily="34" charset="0"/>
-                <a:cs typeface="Times New Roman" panose="02020603050405020304" pitchFamily="18" charset="0"/>
-              </a:rPr>
-              <a:t>Année éprouvante mais enrichissante.</a:t>
-            </a:r>
-          </a:p>
-          <a:p>
-            <a:pPr>
-              <a:lnSpc>
-                <a:spcPct val="107000"/>
-              </a:lnSpc>
-              <a:spcAft>
-                <a:spcPts val="800"/>
-              </a:spcAft>
-            </a:pPr>
-            <a:r>
-              <a:rPr lang="fr-FR" sz="1800" b="1" dirty="0">
-                <a:solidFill>
-                  <a:srgbClr val="FF0000"/>
-                </a:solidFill>
-                <a:effectLst/>
-                <a:latin typeface="Calibri" panose="020F0502020204030204" pitchFamily="34" charset="0"/>
-                <a:ea typeface="Calibri" panose="020F0502020204030204" pitchFamily="34" charset="0"/>
-                <a:cs typeface="Times New Roman" panose="02020603050405020304" pitchFamily="18" charset="0"/>
-              </a:rPr>
-              <a:t>click</a:t>
-            </a:r>
-            <a:r>
-              <a:rPr lang="fr-FR" sz="1800" dirty="0">
-                <a:effectLst/>
-                <a:latin typeface="Calibri" panose="020F0502020204030204" pitchFamily="34" charset="0"/>
-                <a:ea typeface="Calibri" panose="020F0502020204030204" pitchFamily="34" charset="0"/>
-                <a:cs typeface="Times New Roman" panose="02020603050405020304" pitchFamily="18" charset="0"/>
-              </a:rPr>
-              <a:t> </a:t>
-            </a:r>
-          </a:p>
-          <a:p>
-            <a:pPr>
-              <a:lnSpc>
-                <a:spcPct val="107000"/>
-              </a:lnSpc>
-              <a:spcAft>
-                <a:spcPts val="800"/>
-              </a:spcAft>
-            </a:pPr>
-            <a:r>
-              <a:rPr lang="fr-FR" sz="1800" dirty="0">
-                <a:effectLst/>
-                <a:latin typeface="Calibri" panose="020F0502020204030204" pitchFamily="34" charset="0"/>
-                <a:ea typeface="Calibri" panose="020F0502020204030204" pitchFamily="34" charset="0"/>
-                <a:cs typeface="Times New Roman" panose="02020603050405020304" pitchFamily="18" charset="0"/>
-              </a:rPr>
-              <a:t>De par ma formation =&gt; notions d’informatique :</a:t>
-            </a:r>
-          </a:p>
-          <a:p>
-            <a:pPr>
-              <a:lnSpc>
-                <a:spcPct val="107000"/>
-              </a:lnSpc>
-              <a:spcAft>
-                <a:spcPts val="800"/>
-              </a:spcAft>
-            </a:pPr>
-            <a:r>
-              <a:rPr lang="fr-FR" sz="1800" dirty="0">
-                <a:effectLst/>
-                <a:latin typeface="Calibri" panose="020F0502020204030204" pitchFamily="34" charset="0"/>
-                <a:ea typeface="Calibri" panose="020F0502020204030204" pitchFamily="34" charset="0"/>
-                <a:cs typeface="Times New Roman" panose="02020603050405020304" pitchFamily="18" charset="0"/>
-              </a:rPr>
-              <a:t>Interroger les futurs utilisateurs pour recueillir leurs besoins</a:t>
-            </a:r>
-          </a:p>
-          <a:p>
-            <a:pPr>
-              <a:lnSpc>
-                <a:spcPct val="107000"/>
-              </a:lnSpc>
-              <a:spcAft>
-                <a:spcPts val="800"/>
-              </a:spcAft>
-            </a:pPr>
-            <a:r>
-              <a:rPr lang="fr-FR" sz="1800" dirty="0">
-                <a:effectLst/>
-                <a:latin typeface="Calibri" panose="020F0502020204030204" pitchFamily="34" charset="0"/>
-                <a:ea typeface="Calibri" panose="020F0502020204030204" pitchFamily="34" charset="0"/>
-                <a:cs typeface="Times New Roman" panose="02020603050405020304" pitchFamily="18" charset="0"/>
-              </a:rPr>
-              <a:t>Etablir un dictionnaire de données et en faire une base.</a:t>
-            </a:r>
-          </a:p>
-          <a:p>
-            <a:pPr>
-              <a:lnSpc>
-                <a:spcPct val="107000"/>
-              </a:lnSpc>
-              <a:spcAft>
-                <a:spcPts val="800"/>
-              </a:spcAft>
-            </a:pPr>
-            <a:r>
-              <a:rPr lang="fr-FR" sz="1800" dirty="0">
-                <a:effectLst/>
-                <a:latin typeface="Calibri" panose="020F0502020204030204" pitchFamily="34" charset="0"/>
-                <a:ea typeface="Calibri" panose="020F0502020204030204" pitchFamily="34" charset="0"/>
-                <a:cs typeface="Times New Roman" panose="02020603050405020304" pitchFamily="18" charset="0"/>
-              </a:rPr>
-              <a:t>Déterminer l’ordre des priorisations. Plutôt avec un responsable.</a:t>
-            </a:r>
-          </a:p>
-          <a:p>
-            <a:pPr>
-              <a:lnSpc>
-                <a:spcPct val="107000"/>
-              </a:lnSpc>
-              <a:spcAft>
-                <a:spcPts val="800"/>
-              </a:spcAft>
-            </a:pPr>
-            <a:r>
-              <a:rPr lang="fr-FR" sz="1800" dirty="0">
-                <a:effectLst/>
-                <a:latin typeface="Calibri" panose="020F0502020204030204" pitchFamily="34" charset="0"/>
-                <a:ea typeface="Calibri" panose="020F0502020204030204" pitchFamily="34" charset="0"/>
-                <a:cs typeface="Times New Roman" panose="02020603050405020304" pitchFamily="18" charset="0"/>
-              </a:rPr>
-              <a:t>Ici c’est moi qui ai assuré à peu près tous les rôles : je l’ai porté, conçu, codé, testé, validé.</a:t>
-            </a:r>
-          </a:p>
-          <a:p>
-            <a:pPr>
-              <a:lnSpc>
-                <a:spcPct val="107000"/>
-              </a:lnSpc>
-              <a:spcAft>
-                <a:spcPts val="800"/>
-              </a:spcAft>
-            </a:pPr>
-            <a:r>
-              <a:rPr lang="fr-FR" sz="1800" b="1" dirty="0">
-                <a:solidFill>
-                  <a:srgbClr val="FF0000"/>
-                </a:solidFill>
-                <a:effectLst/>
-                <a:latin typeface="Calibri" panose="020F0502020204030204" pitchFamily="34" charset="0"/>
-                <a:ea typeface="Calibri" panose="020F0502020204030204" pitchFamily="34" charset="0"/>
-                <a:cs typeface="Times New Roman" panose="02020603050405020304" pitchFamily="18" charset="0"/>
-              </a:rPr>
-              <a:t>click</a:t>
-            </a:r>
-            <a:r>
-              <a:rPr lang="fr-FR" sz="1800" dirty="0">
-                <a:effectLst/>
-                <a:latin typeface="Calibri" panose="020F0502020204030204" pitchFamily="34" charset="0"/>
-                <a:ea typeface="Calibri" panose="020F0502020204030204" pitchFamily="34" charset="0"/>
-                <a:cs typeface="Times New Roman" panose="02020603050405020304" pitchFamily="18" charset="0"/>
-              </a:rPr>
-              <a:t> </a:t>
-            </a:r>
-          </a:p>
-          <a:p>
-            <a:pPr>
-              <a:lnSpc>
-                <a:spcPct val="107000"/>
-              </a:lnSpc>
-              <a:spcAft>
-                <a:spcPts val="800"/>
-              </a:spcAft>
-            </a:pPr>
-            <a:r>
-              <a:rPr lang="fr-FR" sz="1800" dirty="0">
-                <a:effectLst/>
-                <a:latin typeface="Calibri" panose="020F0502020204030204" pitchFamily="34" charset="0"/>
-                <a:ea typeface="Calibri" panose="020F0502020204030204" pitchFamily="34" charset="0"/>
-                <a:cs typeface="Times New Roman" panose="02020603050405020304" pitchFamily="18" charset="0"/>
-              </a:rPr>
-              <a:t>Au cours de l’année écoulée, j’ai appris énormément de choses que j’ai pu mettre en pratique pour ce projet :</a:t>
-            </a:r>
-          </a:p>
-          <a:p>
-            <a:pPr>
-              <a:lnSpc>
-                <a:spcPct val="107000"/>
-              </a:lnSpc>
-              <a:spcAft>
-                <a:spcPts val="800"/>
-              </a:spcAft>
-            </a:pPr>
-            <a:r>
-              <a:rPr lang="fr-FR" sz="1800" dirty="0">
-                <a:effectLst/>
-                <a:latin typeface="Calibri" panose="020F0502020204030204" pitchFamily="34" charset="0"/>
-                <a:ea typeface="Calibri" panose="020F0502020204030204" pitchFamily="34" charset="0"/>
-                <a:cs typeface="Times New Roman" panose="02020603050405020304" pitchFamily="18" charset="0"/>
-              </a:rPr>
-              <a:t>Web =&gt; quelques notions HTLM =&gt; Application client/serveur</a:t>
-            </a:r>
-          </a:p>
-          <a:p>
-            <a:pPr>
-              <a:lnSpc>
-                <a:spcPct val="107000"/>
-              </a:lnSpc>
-              <a:spcAft>
-                <a:spcPts val="800"/>
-              </a:spcAft>
-            </a:pPr>
-            <a:r>
-              <a:rPr lang="fr-FR" sz="1800" dirty="0">
-                <a:effectLst/>
-                <a:latin typeface="Calibri" panose="020F0502020204030204" pitchFamily="34" charset="0"/>
-                <a:ea typeface="Calibri" panose="020F0502020204030204" pitchFamily="34" charset="0"/>
-                <a:cs typeface="Times New Roman" panose="02020603050405020304" pitchFamily="18" charset="0"/>
-              </a:rPr>
-              <a:t>La POO : indispensable à n’importe quel développeur.</a:t>
-            </a:r>
-          </a:p>
-          <a:p>
-            <a:pPr>
-              <a:lnSpc>
-                <a:spcPct val="107000"/>
-              </a:lnSpc>
-              <a:spcAft>
-                <a:spcPts val="800"/>
-              </a:spcAft>
-            </a:pPr>
-            <a:r>
-              <a:rPr lang="fr-FR" sz="1800" dirty="0">
-                <a:effectLst/>
-                <a:latin typeface="Calibri" panose="020F0502020204030204" pitchFamily="34" charset="0"/>
-                <a:ea typeface="Calibri" panose="020F0502020204030204" pitchFamily="34" charset="0"/>
-                <a:cs typeface="Times New Roman" panose="02020603050405020304" pitchFamily="18" charset="0"/>
-              </a:rPr>
-              <a:t>Langages</a:t>
-            </a:r>
-          </a:p>
-          <a:p>
-            <a:pPr>
-              <a:lnSpc>
-                <a:spcPct val="107000"/>
-              </a:lnSpc>
-              <a:spcAft>
-                <a:spcPts val="800"/>
-              </a:spcAft>
-            </a:pPr>
+            <a:r>
+              <a:rPr lang="fr-FR" sz="1800" dirty="0">
+                <a:effectLst/>
+                <a:latin typeface="Calibri" panose="020F0502020204030204" pitchFamily="34" charset="0"/>
+                <a:ea typeface="Calibri" panose="020F0502020204030204" pitchFamily="34" charset="0"/>
+                <a:cs typeface="Times New Roman" panose="02020603050405020304" pitchFamily="18" charset="0"/>
+              </a:rPr>
+              <a:t>Les triggers/déclencheurs sont des scripts SQL rattachés à une base de données et programmés pour faire des actions lorsque survient un évènement précis (insert, update, </a:t>
+            </a:r>
             <a:r>
               <a:rPr lang="fr-FR" sz="1800" dirty="0" err="1">
                 <a:effectLst/>
@@ -4763,394 +4525,8 @@
                 <a:ea typeface="Calibri" panose="020F0502020204030204" pitchFamily="34" charset="0"/>
                 <a:cs typeface="Times New Roman" panose="02020603050405020304" pitchFamily="18" charset="0"/>
               </a:rPr>
-              <a:t>Devops</a:t>
-            </a:r>
-            <a:r>
-              <a:rPr lang="fr-FR" sz="1800" dirty="0">
-                <a:effectLst/>
-                <a:latin typeface="Calibri" panose="020F0502020204030204" pitchFamily="34" charset="0"/>
-                <a:ea typeface="Calibri" panose="020F0502020204030204" pitchFamily="34" charset="0"/>
-                <a:cs typeface="Times New Roman" panose="02020603050405020304" pitchFamily="18" charset="0"/>
-              </a:rPr>
-              <a:t> – qui m’a permis d’utiliser un pipe line </a:t>
-            </a:r>
-            <a:r>
-              <a:rPr lang="fr-FR" sz="1800" dirty="0" err="1">
-                <a:effectLst/>
-                <a:latin typeface="Calibri" panose="020F0502020204030204" pitchFamily="34" charset="0"/>
-                <a:ea typeface="Calibri" panose="020F0502020204030204" pitchFamily="34" charset="0"/>
-                <a:cs typeface="Times New Roman" panose="02020603050405020304" pitchFamily="18" charset="0"/>
-              </a:rPr>
-              <a:t>Github</a:t>
-            </a:r>
-            <a:r>
-              <a:rPr lang="fr-FR" sz="1800" dirty="0">
-                <a:effectLst/>
-                <a:latin typeface="Calibri" panose="020F0502020204030204" pitchFamily="34" charset="0"/>
-                <a:ea typeface="Calibri" panose="020F0502020204030204" pitchFamily="34" charset="0"/>
-                <a:cs typeface="Times New Roman" panose="02020603050405020304" pitchFamily="18" charset="0"/>
-              </a:rPr>
-              <a:t> pour automatiser les tests unitaires.</a:t>
-            </a:r>
-          </a:p>
-          <a:p>
-            <a:pPr>
-              <a:lnSpc>
-                <a:spcPct val="107000"/>
-              </a:lnSpc>
-              <a:spcAft>
-                <a:spcPts val="800"/>
-              </a:spcAft>
-            </a:pPr>
-            <a:r>
-              <a:rPr lang="fr-FR" sz="1800" dirty="0">
-                <a:effectLst/>
-                <a:latin typeface="Calibri" panose="020F0502020204030204" pitchFamily="34" charset="0"/>
-                <a:ea typeface="Calibri" panose="020F0502020204030204" pitchFamily="34" charset="0"/>
-                <a:cs typeface="Times New Roman" panose="02020603050405020304" pitchFamily="18" charset="0"/>
-              </a:rPr>
-              <a:t>J’espère bien m’en servir pour déployer l’appli sur un serveur distant</a:t>
-            </a:r>
-          </a:p>
-          <a:p>
-            <a:pPr>
-              <a:lnSpc>
-                <a:spcPct val="107000"/>
-              </a:lnSpc>
-              <a:spcAft>
-                <a:spcPts val="800"/>
-              </a:spcAft>
-            </a:pPr>
-            <a:r>
-              <a:rPr lang="fr-FR" sz="1800" b="1" dirty="0">
-                <a:solidFill>
-                  <a:srgbClr val="FF0000"/>
-                </a:solidFill>
-                <a:effectLst/>
-                <a:latin typeface="Calibri" panose="020F0502020204030204" pitchFamily="34" charset="0"/>
-                <a:ea typeface="Calibri" panose="020F0502020204030204" pitchFamily="34" charset="0"/>
-                <a:cs typeface="Times New Roman" panose="02020603050405020304" pitchFamily="18" charset="0"/>
-              </a:rPr>
-              <a:t>click</a:t>
-            </a:r>
-            <a:r>
-              <a:rPr lang="fr-FR" sz="1800" dirty="0">
-                <a:effectLst/>
-                <a:latin typeface="Calibri" panose="020F0502020204030204" pitchFamily="34" charset="0"/>
-                <a:ea typeface="Calibri" panose="020F0502020204030204" pitchFamily="34" charset="0"/>
-                <a:cs typeface="Times New Roman" panose="02020603050405020304" pitchFamily="18" charset="0"/>
-              </a:rPr>
-              <a:t> </a:t>
-            </a:r>
-          </a:p>
-          <a:p>
-            <a:pPr>
-              <a:lnSpc>
-                <a:spcPct val="107000"/>
-              </a:lnSpc>
-              <a:spcAft>
-                <a:spcPts val="800"/>
-              </a:spcAft>
-            </a:pPr>
-            <a:r>
-              <a:rPr lang="fr-FR" sz="1800" dirty="0">
-                <a:effectLst/>
-                <a:latin typeface="Calibri" panose="020F0502020204030204" pitchFamily="34" charset="0"/>
-                <a:ea typeface="Calibri" panose="020F0502020204030204" pitchFamily="34" charset="0"/>
-                <a:cs typeface="Times New Roman" panose="02020603050405020304" pitchFamily="18" charset="0"/>
-              </a:rPr>
-              <a:t>J’ai bien sûr dû compléter par des recherches personnelles.</a:t>
-            </a:r>
-          </a:p>
-          <a:p>
-            <a:pPr>
-              <a:lnSpc>
-                <a:spcPct val="107000"/>
-              </a:lnSpc>
-              <a:spcAft>
-                <a:spcPts val="800"/>
-              </a:spcAft>
-            </a:pPr>
-            <a:r>
-              <a:rPr lang="fr-FR" sz="1800" dirty="0">
-                <a:effectLst/>
-                <a:latin typeface="Calibri" panose="020F0502020204030204" pitchFamily="34" charset="0"/>
-                <a:ea typeface="Calibri" panose="020F0502020204030204" pitchFamily="34" charset="0"/>
-                <a:cs typeface="Times New Roman" panose="02020603050405020304" pitchFamily="18" charset="0"/>
-              </a:rPr>
-              <a:t>Principalement pour comprendre le principe de l’ORM. Vaste sujet.</a:t>
-            </a:r>
-          </a:p>
-          <a:p>
-            <a:pPr>
-              <a:lnSpc>
-                <a:spcPct val="107000"/>
-              </a:lnSpc>
-              <a:spcAft>
-                <a:spcPts val="800"/>
-              </a:spcAft>
-            </a:pPr>
-            <a:r>
-              <a:rPr lang="fr-FR" sz="1800" dirty="0">
-                <a:effectLst/>
-                <a:latin typeface="Calibri" panose="020F0502020204030204" pitchFamily="34" charset="0"/>
-                <a:ea typeface="Calibri" panose="020F0502020204030204" pitchFamily="34" charset="0"/>
-                <a:cs typeface="Times New Roman" panose="02020603050405020304" pitchFamily="18" charset="0"/>
-              </a:rPr>
-              <a:t>Beaucoup de temps aussi notamment pour les tests.</a:t>
-            </a:r>
-          </a:p>
-          <a:p>
-            <a:pPr>
-              <a:lnSpc>
-                <a:spcPct val="107000"/>
-              </a:lnSpc>
-              <a:spcAft>
-                <a:spcPts val="800"/>
-              </a:spcAft>
-            </a:pPr>
-            <a:r>
-              <a:rPr lang="fr-FR" sz="1800" dirty="0">
-                <a:effectLst/>
-                <a:latin typeface="Calibri" panose="020F0502020204030204" pitchFamily="34" charset="0"/>
-                <a:ea typeface="Calibri" panose="020F0502020204030204" pitchFamily="34" charset="0"/>
-                <a:cs typeface="Times New Roman" panose="02020603050405020304" pitchFamily="18" charset="0"/>
-              </a:rPr>
-              <a:t>Mais là c’était beaucoup plus un problème de codage que compréhension du concept.</a:t>
-            </a:r>
-          </a:p>
-          <a:p>
-            <a:pPr>
-              <a:lnSpc>
-                <a:spcPct val="107000"/>
-              </a:lnSpc>
-              <a:spcAft>
-                <a:spcPts val="800"/>
-              </a:spcAft>
-            </a:pPr>
-            <a:r>
-              <a:rPr lang="fr-FR" sz="1800" dirty="0">
-                <a:effectLst/>
-                <a:latin typeface="Calibri" panose="020F0502020204030204" pitchFamily="34" charset="0"/>
-                <a:ea typeface="Calibri" panose="020F0502020204030204" pitchFamily="34" charset="0"/>
-                <a:cs typeface="Times New Roman" panose="02020603050405020304" pitchFamily="18" charset="0"/>
-              </a:rPr>
-              <a:t>Et quelques fonctionnalités secondaires.</a:t>
-            </a:r>
-          </a:p>
-          <a:p>
-            <a:pPr>
-              <a:lnSpc>
-                <a:spcPct val="107000"/>
-              </a:lnSpc>
-              <a:spcAft>
-                <a:spcPts val="800"/>
-              </a:spcAft>
-            </a:pPr>
-            <a:r>
-              <a:rPr lang="fr-FR" sz="1800" b="1" dirty="0">
-                <a:solidFill>
-                  <a:srgbClr val="FF0000"/>
-                </a:solidFill>
-                <a:effectLst/>
-                <a:latin typeface="Calibri" panose="020F0502020204030204" pitchFamily="34" charset="0"/>
-                <a:ea typeface="Calibri" panose="020F0502020204030204" pitchFamily="34" charset="0"/>
-                <a:cs typeface="Times New Roman" panose="02020603050405020304" pitchFamily="18" charset="0"/>
-              </a:rPr>
-              <a:t>click</a:t>
-            </a:r>
-            <a:r>
-              <a:rPr lang="fr-FR" sz="1800" dirty="0">
-                <a:effectLst/>
-                <a:latin typeface="Calibri" panose="020F0502020204030204" pitchFamily="34" charset="0"/>
-                <a:ea typeface="Calibri" panose="020F0502020204030204" pitchFamily="34" charset="0"/>
-                <a:cs typeface="Times New Roman" panose="02020603050405020304" pitchFamily="18" charset="0"/>
-              </a:rPr>
-              <a:t> </a:t>
-            </a:r>
-          </a:p>
-          <a:p>
-            <a:pPr>
-              <a:lnSpc>
-                <a:spcPct val="107000"/>
-              </a:lnSpc>
-              <a:spcAft>
-                <a:spcPts val="800"/>
-              </a:spcAft>
-            </a:pPr>
-            <a:r>
-              <a:rPr lang="fr-FR" sz="1800" dirty="0">
-                <a:effectLst/>
-                <a:latin typeface="Calibri" panose="020F0502020204030204" pitchFamily="34" charset="0"/>
-                <a:ea typeface="Calibri" panose="020F0502020204030204" pitchFamily="34" charset="0"/>
-                <a:cs typeface="Times New Roman" panose="02020603050405020304" pitchFamily="18" charset="0"/>
-              </a:rPr>
-              <a:t>Aujourd’hui SOS </a:t>
-            </a:r>
-            <a:r>
-              <a:rPr lang="fr-FR" sz="1800" dirty="0" err="1">
-                <a:effectLst/>
-                <a:latin typeface="Calibri" panose="020F0502020204030204" pitchFamily="34" charset="0"/>
-                <a:ea typeface="Calibri" panose="020F0502020204030204" pitchFamily="34" charset="0"/>
-                <a:cs typeface="Times New Roman" panose="02020603050405020304" pitchFamily="18" charset="0"/>
-              </a:rPr>
-              <a:t>Immo</a:t>
-            </a:r>
-            <a:r>
-              <a:rPr lang="fr-FR" sz="1800" dirty="0">
-                <a:effectLst/>
-                <a:latin typeface="Calibri" panose="020F0502020204030204" pitchFamily="34" charset="0"/>
-                <a:ea typeface="Calibri" panose="020F0502020204030204" pitchFamily="34" charset="0"/>
-                <a:cs typeface="Times New Roman" panose="02020603050405020304" pitchFamily="18" charset="0"/>
-              </a:rPr>
-              <a:t> est opérationnel.</a:t>
-            </a:r>
-          </a:p>
-          <a:p>
-            <a:pPr>
-              <a:lnSpc>
-                <a:spcPct val="107000"/>
-              </a:lnSpc>
-              <a:spcAft>
-                <a:spcPts val="800"/>
-              </a:spcAft>
-            </a:pPr>
-            <a:r>
-              <a:rPr lang="fr-FR" sz="1800" dirty="0">
-                <a:effectLst/>
-                <a:latin typeface="Calibri" panose="020F0502020204030204" pitchFamily="34" charset="0"/>
-                <a:ea typeface="Calibri" panose="020F0502020204030204" pitchFamily="34" charset="0"/>
-                <a:cs typeface="Times New Roman" panose="02020603050405020304" pitchFamily="18" charset="0"/>
-              </a:rPr>
-              <a:t>La mission principale de (suivi des incidents) est remplie.</a:t>
-            </a:r>
-          </a:p>
-          <a:p>
-            <a:pPr>
-              <a:lnSpc>
-                <a:spcPct val="107000"/>
-              </a:lnSpc>
-              <a:spcAft>
-                <a:spcPts val="800"/>
-              </a:spcAft>
-            </a:pPr>
-            <a:r>
-              <a:rPr lang="fr-FR" sz="1800" dirty="0">
-                <a:effectLst/>
-                <a:latin typeface="Calibri" panose="020F0502020204030204" pitchFamily="34" charset="0"/>
-                <a:ea typeface="Calibri" panose="020F0502020204030204" pitchFamily="34" charset="0"/>
-                <a:cs typeface="Times New Roman" panose="02020603050405020304" pitchFamily="18" charset="0"/>
-              </a:rPr>
-              <a:t>Et la partie authentification est terminée.</a:t>
-            </a:r>
-          </a:p>
-          <a:p>
-            <a:pPr>
-              <a:lnSpc>
-                <a:spcPct val="107000"/>
-              </a:lnSpc>
-              <a:spcAft>
-                <a:spcPts val="800"/>
-              </a:spcAft>
-            </a:pPr>
-            <a:r>
-              <a:rPr lang="fr-FR" sz="1800" b="1" dirty="0">
-                <a:solidFill>
-                  <a:srgbClr val="FF0000"/>
-                </a:solidFill>
-                <a:effectLst/>
-                <a:latin typeface="Calibri" panose="020F0502020204030204" pitchFamily="34" charset="0"/>
-                <a:ea typeface="Calibri" panose="020F0502020204030204" pitchFamily="34" charset="0"/>
-                <a:cs typeface="Times New Roman" panose="02020603050405020304" pitchFamily="18" charset="0"/>
-              </a:rPr>
-              <a:t>click</a:t>
-            </a:r>
-            <a:r>
-              <a:rPr lang="fr-FR" sz="1800" dirty="0">
-                <a:effectLst/>
-                <a:latin typeface="Calibri" panose="020F0502020204030204" pitchFamily="34" charset="0"/>
-                <a:ea typeface="Calibri" panose="020F0502020204030204" pitchFamily="34" charset="0"/>
-                <a:cs typeface="Times New Roman" panose="02020603050405020304" pitchFamily="18" charset="0"/>
-              </a:rPr>
-              <a:t> </a:t>
-            </a:r>
-          </a:p>
-          <a:p>
-            <a:pPr>
-              <a:lnSpc>
-                <a:spcPct val="107000"/>
-              </a:lnSpc>
-              <a:spcAft>
-                <a:spcPts val="800"/>
-              </a:spcAft>
-            </a:pPr>
-            <a:r>
-              <a:rPr lang="fr-FR" sz="1800" dirty="0">
-                <a:effectLst/>
-                <a:latin typeface="Calibri" panose="020F0502020204030204" pitchFamily="34" charset="0"/>
-                <a:ea typeface="Calibri" panose="020F0502020204030204" pitchFamily="34" charset="0"/>
-                <a:cs typeface="Times New Roman" panose="02020603050405020304" pitchFamily="18" charset="0"/>
-              </a:rPr>
-              <a:t>Il me reste à finaliser l’administration de certaines données.</a:t>
-            </a:r>
-          </a:p>
-          <a:p>
-            <a:pPr>
-              <a:lnSpc>
-                <a:spcPct val="107000"/>
-              </a:lnSpc>
-              <a:spcAft>
-                <a:spcPts val="800"/>
-              </a:spcAft>
-            </a:pPr>
-            <a:r>
-              <a:rPr lang="fr-FR" sz="1800" dirty="0">
-                <a:effectLst/>
-                <a:latin typeface="Calibri" panose="020F0502020204030204" pitchFamily="34" charset="0"/>
-                <a:ea typeface="Calibri" panose="020F0502020204030204" pitchFamily="34" charset="0"/>
-                <a:cs typeface="Times New Roman" panose="02020603050405020304" pitchFamily="18" charset="0"/>
-              </a:rPr>
-              <a:t>Je souhaite également déployer l’appli sur une machine distante.</a:t>
-            </a:r>
-          </a:p>
-          <a:p>
-            <a:pPr>
-              <a:lnSpc>
-                <a:spcPct val="107000"/>
-              </a:lnSpc>
-              <a:spcAft>
-                <a:spcPts val="800"/>
-              </a:spcAft>
-            </a:pPr>
-            <a:r>
-              <a:rPr lang="fr-FR" sz="1800" dirty="0">
-                <a:effectLst/>
-                <a:latin typeface="Calibri" panose="020F0502020204030204" pitchFamily="34" charset="0"/>
-                <a:ea typeface="Calibri" panose="020F0502020204030204" pitchFamily="34" charset="0"/>
-                <a:cs typeface="Times New Roman" panose="02020603050405020304" pitchFamily="18" charset="0"/>
-              </a:rPr>
-              <a:t>On peut aussi envisager d’autres évolutions comme l’archivage des incidents clôturés, utilisateurs inactivés, la production de </a:t>
-            </a:r>
-            <a:r>
-              <a:rPr lang="fr-FR" sz="1800" dirty="0" err="1">
-                <a:effectLst/>
-                <a:latin typeface="Calibri" panose="020F0502020204030204" pitchFamily="34" charset="0"/>
-                <a:ea typeface="Calibri" panose="020F0502020204030204" pitchFamily="34" charset="0"/>
-                <a:cs typeface="Times New Roman" panose="02020603050405020304" pitchFamily="18" charset="0"/>
-              </a:rPr>
-              <a:t>kpi</a:t>
-            </a:r>
-            <a:r>
-              <a:rPr lang="fr-FR" sz="1800" dirty="0">
-                <a:effectLst/>
-                <a:latin typeface="Calibri" panose="020F0502020204030204" pitchFamily="34" charset="0"/>
-                <a:ea typeface="Calibri" panose="020F0502020204030204" pitchFamily="34" charset="0"/>
-                <a:cs typeface="Times New Roman" panose="02020603050405020304" pitchFamily="18" charset="0"/>
-              </a:rPr>
-              <a:t>, etc.</a:t>
-            </a:r>
-          </a:p>
-          <a:p>
+              <a:t>delete</a:t>
+            </a:r>
             <a:endParaRPr lang="fr-FR" dirty="0"/>
           </a:p>
         </p:txBody>
@@ -5172,7 +4548,7 @@
           <a:p>
             <a:fld id="{4FC62F1D-8B73-4A3C-A06D-0A25FF461052}" type="slidenum">
               <a:rPr lang="fr-FR" smtClean="0"/>
-              <a:t>19</a:t>
+              <a:t>20</a:t>
             </a:fld>
             <a:endParaRPr lang="fr-FR"/>
           </a:p>
@@ -5181,7 +4557,7 @@
     </p:spTree>
     <p:extLst>
       <p:ext uri="{BB962C8B-B14F-4D97-AF65-F5344CB8AC3E}">
-        <p14:creationId xmlns:p14="http://schemas.microsoft.com/office/powerpoint/2010/main" val="3265094801"/>
+        <p14:creationId xmlns:p14="http://schemas.microsoft.com/office/powerpoint/2010/main" val="3511490327"/>
       </p:ext>
     </p:extLst>
   </p:cSld>
@@ -5250,7 +4626,7 @@
                 <a:ea typeface="Calibri" panose="020F0502020204030204" pitchFamily="34" charset="0"/>
                 <a:cs typeface="Times New Roman" panose="02020603050405020304" pitchFamily="18" charset="0"/>
               </a:rPr>
-              <a:t>Je tiens à remercier bien sûr les professeurs et les autres élèves de la cohorte, mon nouveau manager et toute son équipe.</a:t>
+              <a:t>Année éprouvante mais enrichissante.</a:t>
             </a:r>
           </a:p>
           <a:p>
@@ -5263,13 +4639,630 @@
               </a:spcAft>
             </a:pPr>
             <a:r>
-              <a:rPr lang="fr-FR" sz="1800" dirty="0">
-                <a:effectLst/>
-                <a:latin typeface="Calibri" panose="020F0502020204030204" pitchFamily="34" charset="0"/>
-                <a:ea typeface="Calibri" panose="020F0502020204030204" pitchFamily="34" charset="0"/>
-                <a:cs typeface="Times New Roman" panose="02020603050405020304" pitchFamily="18" charset="0"/>
-              </a:rPr>
-              <a:t>Sans oublier les responsables du service immobilier de l’immeuble Basalte de la Défense.</a:t>
+              <a:rPr lang="fr-FR" sz="1800" b="1" dirty="0">
+                <a:solidFill>
+                  <a:srgbClr val="FF0000"/>
+                </a:solidFill>
+                <a:effectLst/>
+                <a:latin typeface="Calibri" panose="020F0502020204030204" pitchFamily="34" charset="0"/>
+                <a:ea typeface="Calibri" panose="020F0502020204030204" pitchFamily="34" charset="0"/>
+                <a:cs typeface="Times New Roman" panose="02020603050405020304" pitchFamily="18" charset="0"/>
+              </a:rPr>
+              <a:t>click</a:t>
+            </a:r>
+            <a:r>
+              <a:rPr lang="fr-FR" sz="1800" dirty="0">
+                <a:effectLst/>
+                <a:latin typeface="Calibri" panose="020F0502020204030204" pitchFamily="34" charset="0"/>
+                <a:ea typeface="Calibri" panose="020F0502020204030204" pitchFamily="34" charset="0"/>
+                <a:cs typeface="Times New Roman" panose="02020603050405020304" pitchFamily="18" charset="0"/>
+              </a:rPr>
+              <a:t> </a:t>
+            </a:r>
+          </a:p>
+          <a:p>
+            <a:pPr>
+              <a:lnSpc>
+                <a:spcPct val="107000"/>
+              </a:lnSpc>
+              <a:spcAft>
+                <a:spcPts val="800"/>
+              </a:spcAft>
+            </a:pPr>
+            <a:r>
+              <a:rPr lang="fr-FR" sz="1800" dirty="0">
+                <a:effectLst/>
+                <a:latin typeface="Calibri" panose="020F0502020204030204" pitchFamily="34" charset="0"/>
+                <a:ea typeface="Calibri" panose="020F0502020204030204" pitchFamily="34" charset="0"/>
+                <a:cs typeface="Times New Roman" panose="02020603050405020304" pitchFamily="18" charset="0"/>
+              </a:rPr>
+              <a:t>De par ma formation =&gt; notions d’informatique :</a:t>
+            </a:r>
+          </a:p>
+          <a:p>
+            <a:pPr>
+              <a:lnSpc>
+                <a:spcPct val="107000"/>
+              </a:lnSpc>
+              <a:spcAft>
+                <a:spcPts val="800"/>
+              </a:spcAft>
+            </a:pPr>
+            <a:r>
+              <a:rPr lang="fr-FR" sz="1800" dirty="0">
+                <a:effectLst/>
+                <a:latin typeface="Calibri" panose="020F0502020204030204" pitchFamily="34" charset="0"/>
+                <a:ea typeface="Calibri" panose="020F0502020204030204" pitchFamily="34" charset="0"/>
+                <a:cs typeface="Times New Roman" panose="02020603050405020304" pitchFamily="18" charset="0"/>
+              </a:rPr>
+              <a:t>Interroger les futurs utilisateurs pour recueillir leurs besoins</a:t>
+            </a:r>
+          </a:p>
+          <a:p>
+            <a:pPr>
+              <a:lnSpc>
+                <a:spcPct val="107000"/>
+              </a:lnSpc>
+              <a:spcAft>
+                <a:spcPts val="800"/>
+              </a:spcAft>
+            </a:pPr>
+            <a:r>
+              <a:rPr lang="fr-FR" sz="1800" dirty="0">
+                <a:effectLst/>
+                <a:latin typeface="Calibri" panose="020F0502020204030204" pitchFamily="34" charset="0"/>
+                <a:ea typeface="Calibri" panose="020F0502020204030204" pitchFamily="34" charset="0"/>
+                <a:cs typeface="Times New Roman" panose="02020603050405020304" pitchFamily="18" charset="0"/>
+              </a:rPr>
+              <a:t>Etablir un dictionnaire de données et en faire une base.</a:t>
+            </a:r>
+          </a:p>
+          <a:p>
+            <a:pPr>
+              <a:lnSpc>
+                <a:spcPct val="107000"/>
+              </a:lnSpc>
+              <a:spcAft>
+                <a:spcPts val="800"/>
+              </a:spcAft>
+            </a:pPr>
+            <a:r>
+              <a:rPr lang="fr-FR" sz="1800" dirty="0">
+                <a:effectLst/>
+                <a:latin typeface="Calibri" panose="020F0502020204030204" pitchFamily="34" charset="0"/>
+                <a:ea typeface="Calibri" panose="020F0502020204030204" pitchFamily="34" charset="0"/>
+                <a:cs typeface="Times New Roman" panose="02020603050405020304" pitchFamily="18" charset="0"/>
+              </a:rPr>
+              <a:t>Déterminer l’ordre des priorisations. Plutôt avec un responsable.</a:t>
+            </a:r>
+          </a:p>
+          <a:p>
+            <a:pPr>
+              <a:lnSpc>
+                <a:spcPct val="107000"/>
+              </a:lnSpc>
+              <a:spcAft>
+                <a:spcPts val="800"/>
+              </a:spcAft>
+            </a:pPr>
+            <a:r>
+              <a:rPr lang="fr-FR" sz="1800" dirty="0">
+                <a:effectLst/>
+                <a:latin typeface="Calibri" panose="020F0502020204030204" pitchFamily="34" charset="0"/>
+                <a:ea typeface="Calibri" panose="020F0502020204030204" pitchFamily="34" charset="0"/>
+                <a:cs typeface="Times New Roman" panose="02020603050405020304" pitchFamily="18" charset="0"/>
+              </a:rPr>
+              <a:t>Ici c’est moi qui ai assuré à peu près tous les rôles : je l’ai porté, conçu, codé, testé, validé.</a:t>
+            </a:r>
+          </a:p>
+          <a:p>
+            <a:pPr>
+              <a:lnSpc>
+                <a:spcPct val="107000"/>
+              </a:lnSpc>
+              <a:spcAft>
+                <a:spcPts val="800"/>
+              </a:spcAft>
+            </a:pPr>
+            <a:r>
+              <a:rPr lang="fr-FR" sz="1800" b="1" dirty="0">
+                <a:solidFill>
+                  <a:srgbClr val="FF0000"/>
+                </a:solidFill>
+                <a:effectLst/>
+                <a:latin typeface="Calibri" panose="020F0502020204030204" pitchFamily="34" charset="0"/>
+                <a:ea typeface="Calibri" panose="020F0502020204030204" pitchFamily="34" charset="0"/>
+                <a:cs typeface="Times New Roman" panose="02020603050405020304" pitchFamily="18" charset="0"/>
+              </a:rPr>
+              <a:t>click</a:t>
+            </a:r>
+            <a:r>
+              <a:rPr lang="fr-FR" sz="1800" dirty="0">
+                <a:effectLst/>
+                <a:latin typeface="Calibri" panose="020F0502020204030204" pitchFamily="34" charset="0"/>
+                <a:ea typeface="Calibri" panose="020F0502020204030204" pitchFamily="34" charset="0"/>
+                <a:cs typeface="Times New Roman" panose="02020603050405020304" pitchFamily="18" charset="0"/>
+              </a:rPr>
+              <a:t> </a:t>
+            </a:r>
+          </a:p>
+          <a:p>
+            <a:pPr>
+              <a:lnSpc>
+                <a:spcPct val="107000"/>
+              </a:lnSpc>
+              <a:spcAft>
+                <a:spcPts val="800"/>
+              </a:spcAft>
+            </a:pPr>
+            <a:r>
+              <a:rPr lang="fr-FR" sz="1800" dirty="0">
+                <a:effectLst/>
+                <a:latin typeface="Calibri" panose="020F0502020204030204" pitchFamily="34" charset="0"/>
+                <a:ea typeface="Calibri" panose="020F0502020204030204" pitchFamily="34" charset="0"/>
+                <a:cs typeface="Times New Roman" panose="02020603050405020304" pitchFamily="18" charset="0"/>
+              </a:rPr>
+              <a:t>Au cours de l’année écoulée, j’ai appris énormément de choses que j’ai pu mettre en pratique pour ce projet :</a:t>
+            </a:r>
+          </a:p>
+          <a:p>
+            <a:pPr>
+              <a:lnSpc>
+                <a:spcPct val="107000"/>
+              </a:lnSpc>
+              <a:spcAft>
+                <a:spcPts val="800"/>
+              </a:spcAft>
+            </a:pPr>
+            <a:r>
+              <a:rPr lang="fr-FR" sz="1800" dirty="0">
+                <a:effectLst/>
+                <a:latin typeface="Calibri" panose="020F0502020204030204" pitchFamily="34" charset="0"/>
+                <a:ea typeface="Calibri" panose="020F0502020204030204" pitchFamily="34" charset="0"/>
+                <a:cs typeface="Times New Roman" panose="02020603050405020304" pitchFamily="18" charset="0"/>
+              </a:rPr>
+              <a:t>Web =&gt; quelques notions HTLM =&gt; Application client/serveur</a:t>
+            </a:r>
+          </a:p>
+          <a:p>
+            <a:pPr>
+              <a:lnSpc>
+                <a:spcPct val="107000"/>
+              </a:lnSpc>
+              <a:spcAft>
+                <a:spcPts val="800"/>
+              </a:spcAft>
+            </a:pPr>
+            <a:r>
+              <a:rPr lang="fr-FR" sz="1800" dirty="0">
+                <a:effectLst/>
+                <a:latin typeface="Calibri" panose="020F0502020204030204" pitchFamily="34" charset="0"/>
+                <a:ea typeface="Calibri" panose="020F0502020204030204" pitchFamily="34" charset="0"/>
+                <a:cs typeface="Times New Roman" panose="02020603050405020304" pitchFamily="18" charset="0"/>
+              </a:rPr>
+              <a:t>La POO : indispensable à n’importe quel développeur.</a:t>
+            </a:r>
+          </a:p>
+          <a:p>
+            <a:pPr>
+              <a:lnSpc>
+                <a:spcPct val="107000"/>
+              </a:lnSpc>
+              <a:spcAft>
+                <a:spcPts val="800"/>
+              </a:spcAft>
+            </a:pPr>
+            <a:r>
+              <a:rPr lang="fr-FR" sz="1800" dirty="0">
+                <a:effectLst/>
+                <a:latin typeface="Calibri" panose="020F0502020204030204" pitchFamily="34" charset="0"/>
+                <a:ea typeface="Calibri" panose="020F0502020204030204" pitchFamily="34" charset="0"/>
+                <a:cs typeface="Times New Roman" panose="02020603050405020304" pitchFamily="18" charset="0"/>
+              </a:rPr>
+              <a:t>Langages</a:t>
+            </a:r>
+          </a:p>
+          <a:p>
+            <a:pPr>
+              <a:lnSpc>
+                <a:spcPct val="107000"/>
+              </a:lnSpc>
+              <a:spcAft>
+                <a:spcPts val="800"/>
+              </a:spcAft>
+            </a:pPr>
+            <a:r>
+              <a:rPr lang="fr-FR" sz="1800" dirty="0" err="1">
+                <a:effectLst/>
+                <a:latin typeface="Calibri" panose="020F0502020204030204" pitchFamily="34" charset="0"/>
+                <a:ea typeface="Calibri" panose="020F0502020204030204" pitchFamily="34" charset="0"/>
+                <a:cs typeface="Times New Roman" panose="02020603050405020304" pitchFamily="18" charset="0"/>
+              </a:rPr>
+              <a:t>Devops</a:t>
+            </a:r>
+            <a:r>
+              <a:rPr lang="fr-FR" sz="1800" dirty="0">
+                <a:effectLst/>
+                <a:latin typeface="Calibri" panose="020F0502020204030204" pitchFamily="34" charset="0"/>
+                <a:ea typeface="Calibri" panose="020F0502020204030204" pitchFamily="34" charset="0"/>
+                <a:cs typeface="Times New Roman" panose="02020603050405020304" pitchFamily="18" charset="0"/>
+              </a:rPr>
+              <a:t> – qui m’a permis d’utiliser un pipe line </a:t>
+            </a:r>
+            <a:r>
+              <a:rPr lang="fr-FR" sz="1800" dirty="0" err="1">
+                <a:effectLst/>
+                <a:latin typeface="Calibri" panose="020F0502020204030204" pitchFamily="34" charset="0"/>
+                <a:ea typeface="Calibri" panose="020F0502020204030204" pitchFamily="34" charset="0"/>
+                <a:cs typeface="Times New Roman" panose="02020603050405020304" pitchFamily="18" charset="0"/>
+              </a:rPr>
+              <a:t>Github</a:t>
+            </a:r>
+            <a:r>
+              <a:rPr lang="fr-FR" sz="1800" dirty="0">
+                <a:effectLst/>
+                <a:latin typeface="Calibri" panose="020F0502020204030204" pitchFamily="34" charset="0"/>
+                <a:ea typeface="Calibri" panose="020F0502020204030204" pitchFamily="34" charset="0"/>
+                <a:cs typeface="Times New Roman" panose="02020603050405020304" pitchFamily="18" charset="0"/>
+              </a:rPr>
+              <a:t> pour automatiser les tests unitaires.</a:t>
+            </a:r>
+          </a:p>
+          <a:p>
+            <a:pPr>
+              <a:lnSpc>
+                <a:spcPct val="107000"/>
+              </a:lnSpc>
+              <a:spcAft>
+                <a:spcPts val="800"/>
+              </a:spcAft>
+            </a:pPr>
+            <a:r>
+              <a:rPr lang="fr-FR" sz="1800" dirty="0">
+                <a:effectLst/>
+                <a:latin typeface="Calibri" panose="020F0502020204030204" pitchFamily="34" charset="0"/>
+                <a:ea typeface="Calibri" panose="020F0502020204030204" pitchFamily="34" charset="0"/>
+                <a:cs typeface="Times New Roman" panose="02020603050405020304" pitchFamily="18" charset="0"/>
+              </a:rPr>
+              <a:t>J’espère bien m’en servir pour déployer l’appli sur un serveur distant</a:t>
+            </a:r>
+          </a:p>
+          <a:p>
+            <a:pPr>
+              <a:lnSpc>
+                <a:spcPct val="107000"/>
+              </a:lnSpc>
+              <a:spcAft>
+                <a:spcPts val="800"/>
+              </a:spcAft>
+            </a:pPr>
+            <a:r>
+              <a:rPr lang="fr-FR" sz="1800" b="1" dirty="0">
+                <a:solidFill>
+                  <a:srgbClr val="FF0000"/>
+                </a:solidFill>
+                <a:effectLst/>
+                <a:latin typeface="Calibri" panose="020F0502020204030204" pitchFamily="34" charset="0"/>
+                <a:ea typeface="Calibri" panose="020F0502020204030204" pitchFamily="34" charset="0"/>
+                <a:cs typeface="Times New Roman" panose="02020603050405020304" pitchFamily="18" charset="0"/>
+              </a:rPr>
+              <a:t>click</a:t>
+            </a:r>
+            <a:r>
+              <a:rPr lang="fr-FR" sz="1800" dirty="0">
+                <a:effectLst/>
+                <a:latin typeface="Calibri" panose="020F0502020204030204" pitchFamily="34" charset="0"/>
+                <a:ea typeface="Calibri" panose="020F0502020204030204" pitchFamily="34" charset="0"/>
+                <a:cs typeface="Times New Roman" panose="02020603050405020304" pitchFamily="18" charset="0"/>
+              </a:rPr>
+              <a:t> </a:t>
+            </a:r>
+          </a:p>
+          <a:p>
+            <a:pPr>
+              <a:lnSpc>
+                <a:spcPct val="107000"/>
+              </a:lnSpc>
+              <a:spcAft>
+                <a:spcPts val="800"/>
+              </a:spcAft>
+            </a:pPr>
+            <a:r>
+              <a:rPr lang="fr-FR" sz="1800" dirty="0">
+                <a:effectLst/>
+                <a:latin typeface="Calibri" panose="020F0502020204030204" pitchFamily="34" charset="0"/>
+                <a:ea typeface="Calibri" panose="020F0502020204030204" pitchFamily="34" charset="0"/>
+                <a:cs typeface="Times New Roman" panose="02020603050405020304" pitchFamily="18" charset="0"/>
+              </a:rPr>
+              <a:t>J’ai bien sûr dû compléter par des recherches personnelles.</a:t>
+            </a:r>
+          </a:p>
+          <a:p>
+            <a:pPr>
+              <a:lnSpc>
+                <a:spcPct val="107000"/>
+              </a:lnSpc>
+              <a:spcAft>
+                <a:spcPts val="800"/>
+              </a:spcAft>
+            </a:pPr>
+            <a:r>
+              <a:rPr lang="fr-FR" sz="1800" dirty="0">
+                <a:effectLst/>
+                <a:latin typeface="Calibri" panose="020F0502020204030204" pitchFamily="34" charset="0"/>
+                <a:ea typeface="Calibri" panose="020F0502020204030204" pitchFamily="34" charset="0"/>
+                <a:cs typeface="Times New Roman" panose="02020603050405020304" pitchFamily="18" charset="0"/>
+              </a:rPr>
+              <a:t>Principalement pour comprendre le principe de l’ORM. Vaste sujet.</a:t>
+            </a:r>
+          </a:p>
+          <a:p>
+            <a:pPr>
+              <a:lnSpc>
+                <a:spcPct val="107000"/>
+              </a:lnSpc>
+              <a:spcAft>
+                <a:spcPts val="800"/>
+              </a:spcAft>
+            </a:pPr>
+            <a:r>
+              <a:rPr lang="fr-FR" sz="1800" dirty="0">
+                <a:effectLst/>
+                <a:latin typeface="Calibri" panose="020F0502020204030204" pitchFamily="34" charset="0"/>
+                <a:ea typeface="Calibri" panose="020F0502020204030204" pitchFamily="34" charset="0"/>
+                <a:cs typeface="Times New Roman" panose="02020603050405020304" pitchFamily="18" charset="0"/>
+              </a:rPr>
+              <a:t>Beaucoup de temps aussi notamment pour les tests.</a:t>
+            </a:r>
+          </a:p>
+          <a:p>
+            <a:pPr>
+              <a:lnSpc>
+                <a:spcPct val="107000"/>
+              </a:lnSpc>
+              <a:spcAft>
+                <a:spcPts val="800"/>
+              </a:spcAft>
+            </a:pPr>
+            <a:r>
+              <a:rPr lang="fr-FR" sz="1800" dirty="0">
+                <a:effectLst/>
+                <a:latin typeface="Calibri" panose="020F0502020204030204" pitchFamily="34" charset="0"/>
+                <a:ea typeface="Calibri" panose="020F0502020204030204" pitchFamily="34" charset="0"/>
+                <a:cs typeface="Times New Roman" panose="02020603050405020304" pitchFamily="18" charset="0"/>
+              </a:rPr>
+              <a:t>Mais là c’était beaucoup plus un problème de codage que compréhension du concept.</a:t>
+            </a:r>
+          </a:p>
+          <a:p>
+            <a:pPr>
+              <a:lnSpc>
+                <a:spcPct val="107000"/>
+              </a:lnSpc>
+              <a:spcAft>
+                <a:spcPts val="800"/>
+              </a:spcAft>
+            </a:pPr>
+            <a:r>
+              <a:rPr lang="fr-FR" sz="1800" dirty="0">
+                <a:effectLst/>
+                <a:latin typeface="Calibri" panose="020F0502020204030204" pitchFamily="34" charset="0"/>
+                <a:ea typeface="Calibri" panose="020F0502020204030204" pitchFamily="34" charset="0"/>
+                <a:cs typeface="Times New Roman" panose="02020603050405020304" pitchFamily="18" charset="0"/>
+              </a:rPr>
+              <a:t>Et quelques fonctionnalités secondaires.</a:t>
+            </a:r>
+          </a:p>
+          <a:p>
+            <a:pPr>
+              <a:lnSpc>
+                <a:spcPct val="107000"/>
+              </a:lnSpc>
+              <a:spcAft>
+                <a:spcPts val="800"/>
+              </a:spcAft>
+            </a:pPr>
+            <a:r>
+              <a:rPr lang="fr-FR" sz="1800" b="1" dirty="0">
+                <a:solidFill>
+                  <a:srgbClr val="FF0000"/>
+                </a:solidFill>
+                <a:effectLst/>
+                <a:latin typeface="Calibri" panose="020F0502020204030204" pitchFamily="34" charset="0"/>
+                <a:ea typeface="Calibri" panose="020F0502020204030204" pitchFamily="34" charset="0"/>
+                <a:cs typeface="Times New Roman" panose="02020603050405020304" pitchFamily="18" charset="0"/>
+              </a:rPr>
+              <a:t>click</a:t>
+            </a:r>
+            <a:r>
+              <a:rPr lang="fr-FR" sz="1800" dirty="0">
+                <a:effectLst/>
+                <a:latin typeface="Calibri" panose="020F0502020204030204" pitchFamily="34" charset="0"/>
+                <a:ea typeface="Calibri" panose="020F0502020204030204" pitchFamily="34" charset="0"/>
+                <a:cs typeface="Times New Roman" panose="02020603050405020304" pitchFamily="18" charset="0"/>
+              </a:rPr>
+              <a:t> </a:t>
+            </a:r>
+          </a:p>
+          <a:p>
+            <a:pPr>
+              <a:lnSpc>
+                <a:spcPct val="107000"/>
+              </a:lnSpc>
+              <a:spcAft>
+                <a:spcPts val="800"/>
+              </a:spcAft>
+            </a:pPr>
+            <a:r>
+              <a:rPr lang="fr-FR" sz="1800" dirty="0">
+                <a:effectLst/>
+                <a:latin typeface="Calibri" panose="020F0502020204030204" pitchFamily="34" charset="0"/>
+                <a:ea typeface="Calibri" panose="020F0502020204030204" pitchFamily="34" charset="0"/>
+                <a:cs typeface="Times New Roman" panose="02020603050405020304" pitchFamily="18" charset="0"/>
+              </a:rPr>
+              <a:t>Aujourd’hui SOS </a:t>
+            </a:r>
+            <a:r>
+              <a:rPr lang="fr-FR" sz="1800" dirty="0" err="1">
+                <a:effectLst/>
+                <a:latin typeface="Calibri" panose="020F0502020204030204" pitchFamily="34" charset="0"/>
+                <a:ea typeface="Calibri" panose="020F0502020204030204" pitchFamily="34" charset="0"/>
+                <a:cs typeface="Times New Roman" panose="02020603050405020304" pitchFamily="18" charset="0"/>
+              </a:rPr>
+              <a:t>Immo</a:t>
+            </a:r>
+            <a:r>
+              <a:rPr lang="fr-FR" sz="1800" dirty="0">
+                <a:effectLst/>
+                <a:latin typeface="Calibri" panose="020F0502020204030204" pitchFamily="34" charset="0"/>
+                <a:ea typeface="Calibri" panose="020F0502020204030204" pitchFamily="34" charset="0"/>
+                <a:cs typeface="Times New Roman" panose="02020603050405020304" pitchFamily="18" charset="0"/>
+              </a:rPr>
+              <a:t> est opérationnel.</a:t>
+            </a:r>
+          </a:p>
+          <a:p>
+            <a:pPr>
+              <a:lnSpc>
+                <a:spcPct val="107000"/>
+              </a:lnSpc>
+              <a:spcAft>
+                <a:spcPts val="800"/>
+              </a:spcAft>
+            </a:pPr>
+            <a:r>
+              <a:rPr lang="fr-FR" sz="1800" dirty="0">
+                <a:effectLst/>
+                <a:latin typeface="Calibri" panose="020F0502020204030204" pitchFamily="34" charset="0"/>
+                <a:ea typeface="Calibri" panose="020F0502020204030204" pitchFamily="34" charset="0"/>
+                <a:cs typeface="Times New Roman" panose="02020603050405020304" pitchFamily="18" charset="0"/>
+              </a:rPr>
+              <a:t>La mission principale de (suivi des incidents) est remplie.</a:t>
+            </a:r>
+          </a:p>
+          <a:p>
+            <a:pPr>
+              <a:lnSpc>
+                <a:spcPct val="107000"/>
+              </a:lnSpc>
+              <a:spcAft>
+                <a:spcPts val="800"/>
+              </a:spcAft>
+            </a:pPr>
+            <a:r>
+              <a:rPr lang="fr-FR" sz="1800" dirty="0">
+                <a:effectLst/>
+                <a:latin typeface="Calibri" panose="020F0502020204030204" pitchFamily="34" charset="0"/>
+                <a:ea typeface="Calibri" panose="020F0502020204030204" pitchFamily="34" charset="0"/>
+                <a:cs typeface="Times New Roman" panose="02020603050405020304" pitchFamily="18" charset="0"/>
+              </a:rPr>
+              <a:t>Et la partie authentification est terminée.</a:t>
+            </a:r>
+          </a:p>
+          <a:p>
+            <a:pPr>
+              <a:lnSpc>
+                <a:spcPct val="107000"/>
+              </a:lnSpc>
+              <a:spcAft>
+                <a:spcPts val="800"/>
+              </a:spcAft>
+            </a:pPr>
+            <a:r>
+              <a:rPr lang="fr-FR" sz="1800" b="1" dirty="0">
+                <a:solidFill>
+                  <a:srgbClr val="FF0000"/>
+                </a:solidFill>
+                <a:effectLst/>
+                <a:latin typeface="Calibri" panose="020F0502020204030204" pitchFamily="34" charset="0"/>
+                <a:ea typeface="Calibri" panose="020F0502020204030204" pitchFamily="34" charset="0"/>
+                <a:cs typeface="Times New Roman" panose="02020603050405020304" pitchFamily="18" charset="0"/>
+              </a:rPr>
+              <a:t>click</a:t>
+            </a:r>
+            <a:r>
+              <a:rPr lang="fr-FR" sz="1800" dirty="0">
+                <a:effectLst/>
+                <a:latin typeface="Calibri" panose="020F0502020204030204" pitchFamily="34" charset="0"/>
+                <a:ea typeface="Calibri" panose="020F0502020204030204" pitchFamily="34" charset="0"/>
+                <a:cs typeface="Times New Roman" panose="02020603050405020304" pitchFamily="18" charset="0"/>
+              </a:rPr>
+              <a:t> </a:t>
+            </a:r>
+          </a:p>
+          <a:p>
+            <a:pPr>
+              <a:lnSpc>
+                <a:spcPct val="107000"/>
+              </a:lnSpc>
+              <a:spcAft>
+                <a:spcPts val="800"/>
+              </a:spcAft>
+            </a:pPr>
+            <a:r>
+              <a:rPr lang="fr-FR" sz="1800" dirty="0">
+                <a:effectLst/>
+                <a:latin typeface="Calibri" panose="020F0502020204030204" pitchFamily="34" charset="0"/>
+                <a:ea typeface="Calibri" panose="020F0502020204030204" pitchFamily="34" charset="0"/>
+                <a:cs typeface="Times New Roman" panose="02020603050405020304" pitchFamily="18" charset="0"/>
+              </a:rPr>
+              <a:t>Il me reste à finaliser l’administration de certaines données.</a:t>
+            </a:r>
+          </a:p>
+          <a:p>
+            <a:pPr>
+              <a:lnSpc>
+                <a:spcPct val="107000"/>
+              </a:lnSpc>
+              <a:spcAft>
+                <a:spcPts val="800"/>
+              </a:spcAft>
+            </a:pPr>
+            <a:r>
+              <a:rPr lang="fr-FR" sz="1800" dirty="0">
+                <a:effectLst/>
+                <a:latin typeface="Calibri" panose="020F0502020204030204" pitchFamily="34" charset="0"/>
+                <a:ea typeface="Calibri" panose="020F0502020204030204" pitchFamily="34" charset="0"/>
+                <a:cs typeface="Times New Roman" panose="02020603050405020304" pitchFamily="18" charset="0"/>
+              </a:rPr>
+              <a:t>Je souhaite également déployer l’appli sur une machine distante.</a:t>
+            </a:r>
+          </a:p>
+          <a:p>
+            <a:pPr>
+              <a:lnSpc>
+                <a:spcPct val="107000"/>
+              </a:lnSpc>
+              <a:spcAft>
+                <a:spcPts val="800"/>
+              </a:spcAft>
+            </a:pPr>
+            <a:r>
+              <a:rPr lang="fr-FR" sz="1800" dirty="0">
+                <a:effectLst/>
+                <a:latin typeface="Calibri" panose="020F0502020204030204" pitchFamily="34" charset="0"/>
+                <a:ea typeface="Calibri" panose="020F0502020204030204" pitchFamily="34" charset="0"/>
+                <a:cs typeface="Times New Roman" panose="02020603050405020304" pitchFamily="18" charset="0"/>
+              </a:rPr>
+              <a:t>On peut aussi envisager d’autres évolutions comme l’archivage des incidents clôturés, utilisateurs inactivés, la production de </a:t>
+            </a:r>
+            <a:r>
+              <a:rPr lang="fr-FR" sz="1800" dirty="0" err="1">
+                <a:effectLst/>
+                <a:latin typeface="Calibri" panose="020F0502020204030204" pitchFamily="34" charset="0"/>
+                <a:ea typeface="Calibri" panose="020F0502020204030204" pitchFamily="34" charset="0"/>
+                <a:cs typeface="Times New Roman" panose="02020603050405020304" pitchFamily="18" charset="0"/>
+              </a:rPr>
+              <a:t>kpi</a:t>
+            </a:r>
+            <a:r>
+              <a:rPr lang="fr-FR" sz="1800" dirty="0">
+                <a:effectLst/>
+                <a:latin typeface="Calibri" panose="020F0502020204030204" pitchFamily="34" charset="0"/>
+                <a:ea typeface="Calibri" panose="020F0502020204030204" pitchFamily="34" charset="0"/>
+                <a:cs typeface="Times New Roman" panose="02020603050405020304" pitchFamily="18" charset="0"/>
+              </a:rPr>
+              <a:t>, etc.</a:t>
             </a:r>
           </a:p>
           <a:p>
@@ -5294,7 +5287,7 @@
           <a:p>
             <a:fld id="{4FC62F1D-8B73-4A3C-A06D-0A25FF461052}" type="slidenum">
               <a:rPr lang="fr-FR" smtClean="0"/>
-              <a:t>20</a:t>
+              <a:t>21</a:t>
             </a:fld>
             <a:endParaRPr lang="fr-FR"/>
           </a:p>
@@ -5303,7 +5296,7 @@
     </p:spTree>
     <p:extLst>
       <p:ext uri="{BB962C8B-B14F-4D97-AF65-F5344CB8AC3E}">
-        <p14:creationId xmlns:p14="http://schemas.microsoft.com/office/powerpoint/2010/main" val="1194301626"/>
+        <p14:creationId xmlns:p14="http://schemas.microsoft.com/office/powerpoint/2010/main" val="3265094801"/>
       </p:ext>
     </p:extLst>
   </p:cSld>
@@ -5372,11 +5365,11 @@
                 <a:ea typeface="Calibri" panose="020F0502020204030204" pitchFamily="34" charset="0"/>
                 <a:cs typeface="Times New Roman" panose="02020603050405020304" pitchFamily="18" charset="0"/>
               </a:rPr>
-              <a:t>Lister et trier les tâches à effectuer.</a:t>
-            </a:r>
-          </a:p>
-          <a:p>
-            <a:pPr indent="449580">
+              <a:t>Je tiens à remercier bien sûr les professeurs et les autres élèves de la cohorte, mon nouveau manager et toute son équipe.</a:t>
+            </a:r>
+          </a:p>
+          <a:p>
+            <a:pPr>
               <a:lnSpc>
                 <a:spcPct val="107000"/>
               </a:lnSpc>
@@ -5391,113 +5384,7 @@
                 <a:ea typeface="Calibri" panose="020F0502020204030204" pitchFamily="34" charset="0"/>
                 <a:cs typeface="Times New Roman" panose="02020603050405020304" pitchFamily="18" charset="0"/>
               </a:rPr>
-              <a:t>Eviter de se disperser.</a:t>
-            </a:r>
-          </a:p>
-          <a:p>
-            <a:endParaRPr lang="fr-FR" dirty="0"/>
-          </a:p>
-          <a:p>
-            <a:pPr>
-              <a:lnSpc>
-                <a:spcPct val="107000"/>
-              </a:lnSpc>
-              <a:spcAft>
-                <a:spcPts val="800"/>
-              </a:spcAft>
-            </a:pPr>
-            <a:r>
-              <a:rPr lang="fr-FR" sz="1800" b="1" dirty="0">
-                <a:solidFill>
-                  <a:srgbClr val="FF0000"/>
-                </a:solidFill>
-                <a:effectLst/>
-                <a:latin typeface="Calibri" panose="020F0502020204030204" pitchFamily="34" charset="0"/>
-                <a:ea typeface="Calibri" panose="020F0502020204030204" pitchFamily="34" charset="0"/>
-                <a:cs typeface="Times New Roman" panose="02020603050405020304" pitchFamily="18" charset="0"/>
-              </a:rPr>
-              <a:t>Démo</a:t>
-            </a:r>
-            <a:endParaRPr lang="fr-FR" sz="1800" b="1" dirty="0">
-              <a:effectLst/>
-              <a:latin typeface="Calibri" panose="020F0502020204030204" pitchFamily="34" charset="0"/>
-              <a:ea typeface="Calibri" panose="020F0502020204030204" pitchFamily="34" charset="0"/>
-              <a:cs typeface="Times New Roman" panose="02020603050405020304" pitchFamily="18" charset="0"/>
-            </a:endParaRPr>
-          </a:p>
-          <a:p>
-            <a:pPr>
-              <a:lnSpc>
-                <a:spcPct val="107000"/>
-              </a:lnSpc>
-              <a:spcAft>
-                <a:spcPts val="800"/>
-              </a:spcAft>
-            </a:pPr>
-            <a:r>
-              <a:rPr lang="fr-FR" sz="1800" dirty="0">
-                <a:effectLst/>
-                <a:latin typeface="Calibri" panose="020F0502020204030204" pitchFamily="34" charset="0"/>
-                <a:ea typeface="Calibri" panose="020F0502020204030204" pitchFamily="34" charset="0"/>
-                <a:cs typeface="Times New Roman" panose="02020603050405020304" pitchFamily="18" charset="0"/>
-              </a:rPr>
-              <a:t>Il est temps de vous présenter de visu SOS </a:t>
-            </a:r>
-            <a:r>
-              <a:rPr lang="fr-FR" sz="1800" dirty="0" err="1">
-                <a:effectLst/>
-                <a:latin typeface="Calibri" panose="020F0502020204030204" pitchFamily="34" charset="0"/>
-                <a:ea typeface="Calibri" panose="020F0502020204030204" pitchFamily="34" charset="0"/>
-                <a:cs typeface="Times New Roman" panose="02020603050405020304" pitchFamily="18" charset="0"/>
-              </a:rPr>
-              <a:t>Immo</a:t>
-            </a:r>
-            <a:r>
-              <a:rPr lang="fr-FR" sz="1800" dirty="0">
-                <a:effectLst/>
-                <a:latin typeface="Calibri" panose="020F0502020204030204" pitchFamily="34" charset="0"/>
-                <a:ea typeface="Calibri" panose="020F0502020204030204" pitchFamily="34" charset="0"/>
-                <a:cs typeface="Times New Roman" panose="02020603050405020304" pitchFamily="18" charset="0"/>
-              </a:rPr>
-              <a:t>.</a:t>
-            </a:r>
-          </a:p>
-          <a:p>
-            <a:pPr>
-              <a:lnSpc>
-                <a:spcPct val="107000"/>
-              </a:lnSpc>
-              <a:spcAft>
-                <a:spcPts val="800"/>
-              </a:spcAft>
-            </a:pPr>
-            <a:r>
-              <a:rPr lang="fr-FR" sz="1800" dirty="0">
-                <a:effectLst/>
-                <a:latin typeface="Calibri" panose="020F0502020204030204" pitchFamily="34" charset="0"/>
-                <a:ea typeface="Calibri" panose="020F0502020204030204" pitchFamily="34" charset="0"/>
-                <a:cs typeface="Times New Roman" panose="02020603050405020304" pitchFamily="18" charset="0"/>
-              </a:rPr>
-              <a:t>Je ne vais pas pouvoir vous montrer toutes les fonctionnalités. </a:t>
-            </a:r>
-          </a:p>
-          <a:p>
-            <a:pPr>
-              <a:lnSpc>
-                <a:spcPct val="107000"/>
-              </a:lnSpc>
-              <a:spcAft>
-                <a:spcPts val="800"/>
-              </a:spcAft>
-            </a:pPr>
-            <a:r>
-              <a:rPr lang="fr-FR" sz="1800" dirty="0">
-                <a:effectLst/>
-                <a:latin typeface="Calibri" panose="020F0502020204030204" pitchFamily="34" charset="0"/>
-                <a:ea typeface="Calibri" panose="020F0502020204030204" pitchFamily="34" charset="0"/>
-                <a:cs typeface="Times New Roman" panose="02020603050405020304" pitchFamily="18" charset="0"/>
-              </a:rPr>
-              <a:t>Je vais donc me concentrer sur le cycle de vie de l’incident.</a:t>
+              <a:t>Sans oublier les responsables du service immobilier de l’immeuble Basalte de la Défense.</a:t>
             </a:r>
           </a:p>
           <a:p>
@@ -5522,7 +5409,7 @@
           <a:p>
             <a:fld id="{4FC62F1D-8B73-4A3C-A06D-0A25FF461052}" type="slidenum">
               <a:rPr lang="fr-FR" smtClean="0"/>
-              <a:t>24</a:t>
+              <a:t>22</a:t>
             </a:fld>
             <a:endParaRPr lang="fr-FR"/>
           </a:p>
@@ -5531,7 +5418,7 @@
     </p:spTree>
     <p:extLst>
       <p:ext uri="{BB962C8B-B14F-4D97-AF65-F5344CB8AC3E}">
-        <p14:creationId xmlns:p14="http://schemas.microsoft.com/office/powerpoint/2010/main" val="2067557971"/>
+        <p14:creationId xmlns:p14="http://schemas.microsoft.com/office/powerpoint/2010/main" val="1194301626"/>
       </p:ext>
     </p:extLst>
   </p:cSld>
@@ -5923,6 +5810,234 @@
     <p:extLst>
       <p:ext uri="{BB962C8B-B14F-4D97-AF65-F5344CB8AC3E}">
         <p14:creationId xmlns:p14="http://schemas.microsoft.com/office/powerpoint/2010/main" val="1891126311"/>
+      </p:ext>
+    </p:extLst>
+  </p:cSld>
+  <p:clrMapOvr>
+    <a:masterClrMapping/>
+  </p:clrMapOvr>
+</p:notes>
+</file>
+
+<file path=ppt/notesSlides/notesSlide20.xml><?xml version="1.0" encoding="utf-8"?>
+<p:notes xmlns:a="http://schemas.openxmlformats.org/drawingml/2006/main" xmlns:r="http://schemas.openxmlformats.org/officeDocument/2006/relationships" xmlns:p="http://schemas.openxmlformats.org/presentationml/2006/main">
+  <p:cSld>
+    <p:spTree>
+      <p:nvGrpSpPr>
+        <p:cNvPr id="1" name=""/>
+        <p:cNvGrpSpPr/>
+        <p:nvPr/>
+      </p:nvGrpSpPr>
+      <p:grpSpPr>
+        <a:xfrm>
+          <a:off x="0" y="0"/>
+          <a:ext cx="0" cy="0"/>
+          <a:chOff x="0" y="0"/>
+          <a:chExt cx="0" cy="0"/>
+        </a:xfrm>
+      </p:grpSpPr>
+      <p:sp>
+        <p:nvSpPr>
+          <p:cNvPr id="2" name="Espace réservé de l'image des diapositives 1"/>
+          <p:cNvSpPr>
+            <a:spLocks noGrp="1" noRot="1" noChangeAspect="1"/>
+          </p:cNvSpPr>
+          <p:nvPr>
+            <p:ph type="sldImg"/>
+          </p:nvPr>
+        </p:nvSpPr>
+        <p:spPr/>
+      </p:sp>
+      <p:sp>
+        <p:nvSpPr>
+          <p:cNvPr id="3" name="Espace réservé des notes 2"/>
+          <p:cNvSpPr>
+            <a:spLocks noGrp="1"/>
+          </p:cNvSpPr>
+          <p:nvPr>
+            <p:ph type="body" idx="1"/>
+          </p:nvPr>
+        </p:nvSpPr>
+        <p:spPr/>
+        <p:txBody>
+          <a:bodyPr/>
+          <a:lstStyle/>
+          <a:p>
+            <a:pPr>
+              <a:lnSpc>
+                <a:spcPct val="107000"/>
+              </a:lnSpc>
+              <a:spcAft>
+                <a:spcPts val="800"/>
+              </a:spcAft>
+            </a:pPr>
+            <a:r>
+              <a:rPr lang="fr-FR" sz="1800" dirty="0">
+                <a:effectLst/>
+                <a:latin typeface="Calibri" panose="020F0502020204030204" pitchFamily="34" charset="0"/>
+                <a:ea typeface="Calibri" panose="020F0502020204030204" pitchFamily="34" charset="0"/>
+                <a:cs typeface="Times New Roman" panose="02020603050405020304" pitchFamily="18" charset="0"/>
+              </a:rPr>
+              <a:t>Lister et trier les tâches à effectuer.</a:t>
+            </a:r>
+          </a:p>
+          <a:p>
+            <a:pPr indent="449580">
+              <a:lnSpc>
+                <a:spcPct val="107000"/>
+              </a:lnSpc>
+              <a:spcAft>
+                <a:spcPts val="800"/>
+              </a:spcAft>
+            </a:pPr>
+            <a:r>
+              <a:rPr lang="fr-FR" sz="1800" dirty="0">
+                <a:effectLst/>
+                <a:latin typeface="Calibri" panose="020F0502020204030204" pitchFamily="34" charset="0"/>
+                <a:ea typeface="Calibri" panose="020F0502020204030204" pitchFamily="34" charset="0"/>
+                <a:cs typeface="Times New Roman" panose="02020603050405020304" pitchFamily="18" charset="0"/>
+              </a:rPr>
+              <a:t>Eviter de se disperser.</a:t>
+            </a:r>
+          </a:p>
+          <a:p>
+            <a:endParaRPr lang="fr-FR" dirty="0"/>
+          </a:p>
+          <a:p>
+            <a:pPr>
+              <a:lnSpc>
+                <a:spcPct val="107000"/>
+              </a:lnSpc>
+              <a:spcAft>
+                <a:spcPts val="800"/>
+              </a:spcAft>
+            </a:pPr>
+            <a:r>
+              <a:rPr lang="fr-FR" sz="1800" b="1" dirty="0">
+                <a:solidFill>
+                  <a:srgbClr val="FF0000"/>
+                </a:solidFill>
+                <a:effectLst/>
+                <a:latin typeface="Calibri" panose="020F0502020204030204" pitchFamily="34" charset="0"/>
+                <a:ea typeface="Calibri" panose="020F0502020204030204" pitchFamily="34" charset="0"/>
+                <a:cs typeface="Times New Roman" panose="02020603050405020304" pitchFamily="18" charset="0"/>
+              </a:rPr>
+              <a:t>Démo</a:t>
+            </a:r>
+            <a:endParaRPr lang="fr-FR" sz="1800" b="1" dirty="0">
+              <a:effectLst/>
+              <a:latin typeface="Calibri" panose="020F0502020204030204" pitchFamily="34" charset="0"/>
+              <a:ea typeface="Calibri" panose="020F0502020204030204" pitchFamily="34" charset="0"/>
+              <a:cs typeface="Times New Roman" panose="02020603050405020304" pitchFamily="18" charset="0"/>
+            </a:endParaRPr>
+          </a:p>
+          <a:p>
+            <a:pPr>
+              <a:lnSpc>
+                <a:spcPct val="107000"/>
+              </a:lnSpc>
+              <a:spcAft>
+                <a:spcPts val="800"/>
+              </a:spcAft>
+            </a:pPr>
+            <a:r>
+              <a:rPr lang="fr-FR" sz="1800" dirty="0">
+                <a:effectLst/>
+                <a:latin typeface="Calibri" panose="020F0502020204030204" pitchFamily="34" charset="0"/>
+                <a:ea typeface="Calibri" panose="020F0502020204030204" pitchFamily="34" charset="0"/>
+                <a:cs typeface="Times New Roman" panose="02020603050405020304" pitchFamily="18" charset="0"/>
+              </a:rPr>
+              <a:t>Il est temps de vous présenter de visu SOS </a:t>
+            </a:r>
+            <a:r>
+              <a:rPr lang="fr-FR" sz="1800" dirty="0" err="1">
+                <a:effectLst/>
+                <a:latin typeface="Calibri" panose="020F0502020204030204" pitchFamily="34" charset="0"/>
+                <a:ea typeface="Calibri" panose="020F0502020204030204" pitchFamily="34" charset="0"/>
+                <a:cs typeface="Times New Roman" panose="02020603050405020304" pitchFamily="18" charset="0"/>
+              </a:rPr>
+              <a:t>Immo</a:t>
+            </a:r>
+            <a:r>
+              <a:rPr lang="fr-FR" sz="1800" dirty="0">
+                <a:effectLst/>
+                <a:latin typeface="Calibri" panose="020F0502020204030204" pitchFamily="34" charset="0"/>
+                <a:ea typeface="Calibri" panose="020F0502020204030204" pitchFamily="34" charset="0"/>
+                <a:cs typeface="Times New Roman" panose="02020603050405020304" pitchFamily="18" charset="0"/>
+              </a:rPr>
+              <a:t>.</a:t>
+            </a:r>
+          </a:p>
+          <a:p>
+            <a:pPr>
+              <a:lnSpc>
+                <a:spcPct val="107000"/>
+              </a:lnSpc>
+              <a:spcAft>
+                <a:spcPts val="800"/>
+              </a:spcAft>
+            </a:pPr>
+            <a:r>
+              <a:rPr lang="fr-FR" sz="1800" dirty="0">
+                <a:effectLst/>
+                <a:latin typeface="Calibri" panose="020F0502020204030204" pitchFamily="34" charset="0"/>
+                <a:ea typeface="Calibri" panose="020F0502020204030204" pitchFamily="34" charset="0"/>
+                <a:cs typeface="Times New Roman" panose="02020603050405020304" pitchFamily="18" charset="0"/>
+              </a:rPr>
+              <a:t>Je ne vais pas pouvoir vous montrer toutes les fonctionnalités. </a:t>
+            </a:r>
+          </a:p>
+          <a:p>
+            <a:pPr>
+              <a:lnSpc>
+                <a:spcPct val="107000"/>
+              </a:lnSpc>
+              <a:spcAft>
+                <a:spcPts val="800"/>
+              </a:spcAft>
+            </a:pPr>
+            <a:r>
+              <a:rPr lang="fr-FR" sz="1800" dirty="0">
+                <a:effectLst/>
+                <a:latin typeface="Calibri" panose="020F0502020204030204" pitchFamily="34" charset="0"/>
+                <a:ea typeface="Calibri" panose="020F0502020204030204" pitchFamily="34" charset="0"/>
+                <a:cs typeface="Times New Roman" panose="02020603050405020304" pitchFamily="18" charset="0"/>
+              </a:rPr>
+              <a:t>Je vais donc me concentrer sur le cycle de vie de l’incident.</a:t>
+            </a:r>
+          </a:p>
+          <a:p>
+            <a:endParaRPr lang="fr-FR" dirty="0"/>
+          </a:p>
+        </p:txBody>
+      </p:sp>
+      <p:sp>
+        <p:nvSpPr>
+          <p:cNvPr id="4" name="Espace réservé du numéro de diapositive 3"/>
+          <p:cNvSpPr>
+            <a:spLocks noGrp="1"/>
+          </p:cNvSpPr>
+          <p:nvPr>
+            <p:ph type="sldNum" sz="quarter" idx="5"/>
+          </p:nvPr>
+        </p:nvSpPr>
+        <p:spPr/>
+        <p:txBody>
+          <a:bodyPr/>
+          <a:lstStyle/>
+          <a:p>
+            <a:fld id="{4FC62F1D-8B73-4A3C-A06D-0A25FF461052}" type="slidenum">
+              <a:rPr lang="fr-FR" smtClean="0"/>
+              <a:t>26</a:t>
+            </a:fld>
+            <a:endParaRPr lang="fr-FR"/>
+          </a:p>
+        </p:txBody>
+      </p:sp>
+    </p:spTree>
+    <p:extLst>
+      <p:ext uri="{BB962C8B-B14F-4D97-AF65-F5344CB8AC3E}">
+        <p14:creationId xmlns:p14="http://schemas.microsoft.com/office/powerpoint/2010/main" val="2067557971"/>
       </p:ext>
     </p:extLst>
   </p:cSld>
@@ -8999,7 +9114,7 @@
             <a:fld id="{AA70F276-1833-4A75-9C1D-A56E2295A68D}" type="datetimeFigureOut">
               <a:rPr lang="en-US" smtClean="0"/>
               <a:pPr/>
-              <a:t>1/16/2023</a:t>
+              <a:t>1/20/2023</a:t>
             </a:fld>
             <a:endParaRPr lang="en-US" dirty="0"/>
           </a:p>
@@ -9203,7 +9318,7 @@
             <a:fld id="{AA70F276-1833-4A75-9C1D-A56E2295A68D}" type="datetimeFigureOut">
               <a:rPr lang="en-US" smtClean="0"/>
               <a:pPr/>
-              <a:t>1/16/2023</a:t>
+              <a:t>1/20/2023</a:t>
             </a:fld>
             <a:endParaRPr lang="en-US" dirty="0"/>
           </a:p>
@@ -9417,7 +9532,7 @@
             <a:fld id="{AA70F276-1833-4A75-9C1D-A56E2295A68D}" type="datetimeFigureOut">
               <a:rPr lang="en-US" smtClean="0"/>
               <a:pPr/>
-              <a:t>1/16/2023</a:t>
+              <a:t>1/20/2023</a:t>
             </a:fld>
             <a:endParaRPr lang="en-US" dirty="0"/>
           </a:p>
@@ -9621,7 +9736,7 @@
             <a:fld id="{AA70F276-1833-4A75-9C1D-A56E2295A68D}" type="datetimeFigureOut">
               <a:rPr lang="en-US" smtClean="0"/>
               <a:pPr/>
-              <a:t>1/16/2023</a:t>
+              <a:t>1/20/2023</a:t>
             </a:fld>
             <a:endParaRPr lang="en-US" dirty="0"/>
           </a:p>
@@ -9902,7 +10017,7 @@
             <a:fld id="{AA70F276-1833-4A75-9C1D-A56E2295A68D}" type="datetimeFigureOut">
               <a:rPr lang="en-US" smtClean="0"/>
               <a:pPr/>
-              <a:t>1/16/2023</a:t>
+              <a:t>1/20/2023</a:t>
             </a:fld>
             <a:endParaRPr lang="en-US" dirty="0"/>
           </a:p>
@@ -10173,7 +10288,7 @@
             <a:fld id="{AA70F276-1833-4A75-9C1D-A56E2295A68D}" type="datetimeFigureOut">
               <a:rPr lang="en-US" smtClean="0"/>
               <a:pPr/>
-              <a:t>1/16/2023</a:t>
+              <a:t>1/20/2023</a:t>
             </a:fld>
             <a:endParaRPr lang="en-US" dirty="0"/>
           </a:p>
@@ -10591,7 +10706,7 @@
             <a:fld id="{AA70F276-1833-4A75-9C1D-A56E2295A68D}" type="datetimeFigureOut">
               <a:rPr lang="en-US" smtClean="0"/>
               <a:pPr/>
-              <a:t>1/16/2023</a:t>
+              <a:t>1/20/2023</a:t>
             </a:fld>
             <a:endParaRPr lang="en-US" dirty="0"/>
           </a:p>
@@ -10738,7 +10853,7 @@
             <a:fld id="{AA70F276-1833-4A75-9C1D-A56E2295A68D}" type="datetimeFigureOut">
               <a:rPr lang="en-US" smtClean="0"/>
               <a:pPr/>
-              <a:t>1/16/2023</a:t>
+              <a:t>1/20/2023</a:t>
             </a:fld>
             <a:endParaRPr lang="en-US" dirty="0"/>
           </a:p>
@@ -10857,7 +10972,7 @@
             <a:fld id="{AA70F276-1833-4A75-9C1D-A56E2295A68D}" type="datetimeFigureOut">
               <a:rPr lang="en-US" smtClean="0"/>
               <a:pPr/>
-              <a:t>1/16/2023</a:t>
+              <a:t>1/20/2023</a:t>
             </a:fld>
             <a:endParaRPr lang="en-US" dirty="0"/>
           </a:p>
@@ -11174,7 +11289,7 @@
             <a:fld id="{AA70F276-1833-4A75-9C1D-A56E2295A68D}" type="datetimeFigureOut">
               <a:rPr lang="en-US" smtClean="0"/>
               <a:pPr/>
-              <a:t>1/16/2023</a:t>
+              <a:t>1/20/2023</a:t>
             </a:fld>
             <a:endParaRPr lang="en-US" dirty="0"/>
           </a:p>
@@ -11468,7 +11583,7 @@
             <a:fld id="{AA70F276-1833-4A75-9C1D-A56E2295A68D}" type="datetimeFigureOut">
               <a:rPr lang="en-US" smtClean="0"/>
               <a:pPr/>
-              <a:t>1/16/2023</a:t>
+              <a:t>1/20/2023</a:t>
             </a:fld>
             <a:endParaRPr lang="en-US" dirty="0"/>
           </a:p>
@@ -11715,7 +11830,7 @@
             <a:fld id="{AA70F276-1833-4A75-9C1D-A56E2295A68D}" type="datetimeFigureOut">
               <a:rPr lang="en-US" smtClean="0"/>
               <a:pPr/>
-              <a:t>1/16/2023</a:t>
+              <a:t>1/20/2023</a:t>
             </a:fld>
             <a:endParaRPr lang="en-US" dirty="0"/>
           </a:p>
@@ -16003,7 +16118,7 @@
         </p:blipFill>
         <p:spPr>
           <a:xfrm>
-            <a:off x="7088269" y="5357311"/>
+            <a:off x="7065409" y="5478016"/>
             <a:ext cx="3294900" cy="459493"/>
           </a:xfrm>
           <a:prstGeom prst="rect">
@@ -16025,6 +16140,197 @@
 </file>
 
 <file path=ppt/slides/slide18.xml><?xml version="1.0" encoding="utf-8"?>
+<p:sld xmlns:a="http://schemas.openxmlformats.org/drawingml/2006/main" xmlns:r="http://schemas.openxmlformats.org/officeDocument/2006/relationships" xmlns:p="http://schemas.openxmlformats.org/presentationml/2006/main">
+  <p:cSld>
+    <p:spTree>
+      <p:nvGrpSpPr>
+        <p:cNvPr id="1" name=""/>
+        <p:cNvGrpSpPr/>
+        <p:nvPr/>
+      </p:nvGrpSpPr>
+      <p:grpSpPr>
+        <a:xfrm>
+          <a:off x="0" y="0"/>
+          <a:ext cx="0" cy="0"/>
+          <a:chOff x="0" y="0"/>
+          <a:chExt cx="0" cy="0"/>
+        </a:xfrm>
+      </p:grpSpPr>
+      <p:pic>
+        <p:nvPicPr>
+          <p:cNvPr id="2" name="Image 1">
+            <a:extLst>
+              <a:ext uri="{FF2B5EF4-FFF2-40B4-BE49-F238E27FC236}">
+                <a16:creationId xmlns:a16="http://schemas.microsoft.com/office/drawing/2014/main" id="{B5739C31-312D-920F-06F1-FBC460B99F23}"/>
+              </a:ext>
+            </a:extLst>
+          </p:cNvPr>
+          <p:cNvPicPr>
+            <a:picLocks noChangeAspect="1"/>
+          </p:cNvPicPr>
+          <p:nvPr/>
+        </p:nvPicPr>
+        <p:blipFill>
+          <a:blip r:embed="rId2"/>
+          <a:stretch>
+            <a:fillRect/>
+          </a:stretch>
+        </p:blipFill>
+        <p:spPr>
+          <a:xfrm>
+            <a:off x="1938371" y="1722218"/>
+            <a:ext cx="943215" cy="732225"/>
+          </a:xfrm>
+          <a:prstGeom prst="rect">
+            <a:avLst/>
+          </a:prstGeom>
+        </p:spPr>
+      </p:pic>
+      <p:pic>
+        <p:nvPicPr>
+          <p:cNvPr id="3" name="Image 2" descr="Une image contenant texte&#10;&#10;Description générée automatiquement">
+            <a:extLst>
+              <a:ext uri="{FF2B5EF4-FFF2-40B4-BE49-F238E27FC236}">
+                <a16:creationId xmlns:a16="http://schemas.microsoft.com/office/drawing/2014/main" id="{F7DC90B4-0E10-7E0A-51A3-D95627CFE655}"/>
+              </a:ext>
+            </a:extLst>
+          </p:cNvPr>
+          <p:cNvPicPr>
+            <a:picLocks noChangeAspect="1"/>
+          </p:cNvPicPr>
+          <p:nvPr/>
+        </p:nvPicPr>
+        <p:blipFill>
+          <a:blip r:embed="rId3"/>
+          <a:stretch>
+            <a:fillRect/>
+          </a:stretch>
+        </p:blipFill>
+        <p:spPr>
+          <a:xfrm>
+            <a:off x="5509260" y="1040130"/>
+            <a:ext cx="5593080" cy="4960620"/>
+          </a:xfrm>
+          <a:prstGeom prst="rect">
+            <a:avLst/>
+          </a:prstGeom>
+        </p:spPr>
+      </p:pic>
+      <p:pic>
+        <p:nvPicPr>
+          <p:cNvPr id="4" name="Image 3" descr="Une image contenant texte&#10;&#10;Description générée automatiquement">
+            <a:extLst>
+              <a:ext uri="{FF2B5EF4-FFF2-40B4-BE49-F238E27FC236}">
+                <a16:creationId xmlns:a16="http://schemas.microsoft.com/office/drawing/2014/main" id="{644F8A94-BFD6-E7E1-9F9D-EA9204D8C6A9}"/>
+              </a:ext>
+            </a:extLst>
+          </p:cNvPr>
+          <p:cNvPicPr>
+            <a:picLocks noChangeAspect="1"/>
+          </p:cNvPicPr>
+          <p:nvPr/>
+        </p:nvPicPr>
+        <p:blipFill>
+          <a:blip r:embed="rId4"/>
+          <a:stretch>
+            <a:fillRect/>
+          </a:stretch>
+        </p:blipFill>
+        <p:spPr>
+          <a:xfrm>
+            <a:off x="780131" y="3368357"/>
+            <a:ext cx="3635936" cy="2232343"/>
+          </a:xfrm>
+          <a:prstGeom prst="rect">
+            <a:avLst/>
+          </a:prstGeom>
+        </p:spPr>
+      </p:pic>
+      <p:sp>
+        <p:nvSpPr>
+          <p:cNvPr id="5" name="Titre 1">
+            <a:extLst>
+              <a:ext uri="{FF2B5EF4-FFF2-40B4-BE49-F238E27FC236}">
+                <a16:creationId xmlns:a16="http://schemas.microsoft.com/office/drawing/2014/main" id="{39539E01-DD63-113A-B8BF-B6B563B7F696}"/>
+              </a:ext>
+            </a:extLst>
+          </p:cNvPr>
+          <p:cNvSpPr txBox="1">
+            <a:spLocks/>
+          </p:cNvSpPr>
+          <p:nvPr/>
+        </p:nvSpPr>
+        <p:spPr>
+          <a:xfrm>
+            <a:off x="416516" y="841058"/>
+            <a:ext cx="4930140" cy="769871"/>
+          </a:xfrm>
+          <a:prstGeom prst="rect">
+            <a:avLst/>
+          </a:prstGeom>
+        </p:spPr>
+        <p:txBody>
+          <a:bodyPr vert="horz" lIns="91440" tIns="45720" rIns="91440" bIns="45720" rtlCol="0" anchor="b">
+            <a:normAutofit/>
+          </a:bodyPr>
+          <a:lstStyle>
+            <a:lvl1pPr algn="l" defTabSz="914400" rtl="0" eaLnBrk="1" latinLnBrk="0" hangingPunct="1">
+              <a:lnSpc>
+                <a:spcPct val="90000"/>
+              </a:lnSpc>
+              <a:spcBef>
+                <a:spcPct val="0"/>
+              </a:spcBef>
+              <a:buNone/>
+              <a:defRPr sz="4400" kern="1200">
+                <a:solidFill>
+                  <a:schemeClr val="tx1"/>
+                </a:solidFill>
+                <a:latin typeface="+mj-lt"/>
+                <a:ea typeface="+mj-ea"/>
+                <a:cs typeface="+mj-cs"/>
+              </a:defRPr>
+            </a:lvl1pPr>
+          </a:lstStyle>
+          <a:p>
+            <a:r>
+              <a:rPr lang="fr-FR" sz="4000" dirty="0">
+                <a:gradFill flip="none" rotWithShape="1">
+                  <a:gsLst>
+                    <a:gs pos="0">
+                      <a:schemeClr val="accent5">
+                        <a:alpha val="70000"/>
+                      </a:schemeClr>
+                    </a:gs>
+                    <a:gs pos="100000">
+                      <a:schemeClr val="accent1">
+                        <a:alpha val="70000"/>
+                      </a:schemeClr>
+                    </a:gs>
+                  </a:gsLst>
+                  <a:lin ang="0" scaled="1"/>
+                  <a:tileRect/>
+                </a:gradFill>
+              </a:rPr>
+              <a:t>TU – pipeline GitHub</a:t>
+            </a:r>
+          </a:p>
+        </p:txBody>
+      </p:sp>
+    </p:spTree>
+    <p:extLst>
+      <p:ext uri="{BB962C8B-B14F-4D97-AF65-F5344CB8AC3E}">
+        <p14:creationId xmlns:p14="http://schemas.microsoft.com/office/powerpoint/2010/main" val="2816463634"/>
+      </p:ext>
+    </p:extLst>
+  </p:cSld>
+  <p:clrMapOvr>
+    <a:masterClrMapping/>
+  </p:clrMapOvr>
+</p:sld>
+</file>
+
+<file path=ppt/slides/slide19.xml><?xml version="1.0" encoding="utf-8"?>
 <p:sld xmlns:a="http://schemas.openxmlformats.org/drawingml/2006/main" xmlns:r="http://schemas.openxmlformats.org/officeDocument/2006/relationships" xmlns:p="http://schemas.openxmlformats.org/presentationml/2006/main">
   <p:cSld>
     <p:spTree>
@@ -16071,7 +16377,7 @@
         </p:blipFill>
         <p:spPr>
           <a:xfrm>
-            <a:off x="2102788" y="3233693"/>
+            <a:off x="5323268" y="3141298"/>
             <a:ext cx="818705" cy="818705"/>
           </a:xfrm>
         </p:spPr>
@@ -16098,7 +16404,7 @@
         </p:blipFill>
         <p:spPr>
           <a:xfrm>
-            <a:off x="4400415" y="1593250"/>
+            <a:off x="3348855" y="1707893"/>
             <a:ext cx="1695585" cy="1168801"/>
           </a:xfrm>
           <a:prstGeom prst="rect">
@@ -16153,7 +16459,7 @@
                   <a:tileRect/>
                 </a:gradFill>
               </a:rPr>
-              <a:t>Tests fonctionnels et de non-régression</a:t>
+              <a:t>Tests fonctionnels</a:t>
             </a:r>
           </a:p>
         </p:txBody>
@@ -16172,8 +16478,8 @@
         </p:nvSpPr>
         <p:spPr>
           <a:xfrm>
-            <a:off x="838200" y="3448392"/>
-            <a:ext cx="1332416" cy="461665"/>
+            <a:off x="6375160" y="3436620"/>
+            <a:ext cx="3281860" cy="400110"/>
           </a:xfrm>
           <a:prstGeom prst="rect">
             <a:avLst/>
@@ -16187,8 +16493,8 @@
           <a:lstStyle/>
           <a:p>
             <a:r>
-              <a:rPr lang="fr-FR" sz="2400" dirty="0"/>
-              <a:t>Manuels </a:t>
+              <a:rPr lang="fr-FR" sz="2000" dirty="0"/>
+              <a:t>Tests via l’interface utilisateur</a:t>
             </a:r>
           </a:p>
         </p:txBody>
@@ -16207,7 +16513,7 @@
         </p:nvSpPr>
         <p:spPr>
           <a:xfrm>
-            <a:off x="2455566" y="1700751"/>
+            <a:off x="1404006" y="1815394"/>
             <a:ext cx="1888274" cy="461665"/>
           </a:xfrm>
           <a:prstGeom prst="rect">
@@ -16242,7 +16548,7 @@
         </p:nvSpPr>
         <p:spPr>
           <a:xfrm>
-            <a:off x="2512141" y="2082266"/>
+            <a:off x="1460581" y="2196909"/>
             <a:ext cx="1632178" cy="738664"/>
           </a:xfrm>
           <a:prstGeom prst="rect">
@@ -16315,7 +16621,7 @@
         </p:blipFill>
         <p:spPr>
           <a:xfrm>
-            <a:off x="406640" y="4124756"/>
+            <a:off x="5516880" y="4055221"/>
             <a:ext cx="4211000" cy="2348872"/>
           </a:xfrm>
           <a:prstGeom prst="rect">
@@ -16323,6 +16629,537 @@
           </a:prstGeom>
         </p:spPr>
       </p:pic>
+    </p:spTree>
+    <p:extLst>
+      <p:ext uri="{BB962C8B-B14F-4D97-AF65-F5344CB8AC3E}">
+        <p14:creationId xmlns:p14="http://schemas.microsoft.com/office/powerpoint/2010/main" val="375280836"/>
+      </p:ext>
+    </p:extLst>
+  </p:cSld>
+  <p:clrMapOvr>
+    <a:masterClrMapping/>
+  </p:clrMapOvr>
+</p:sld>
+</file>
+
+<file path=ppt/slides/slide2.xml><?xml version="1.0" encoding="utf-8"?>
+<p:sld xmlns:a="http://schemas.openxmlformats.org/drawingml/2006/main" xmlns:r="http://schemas.openxmlformats.org/officeDocument/2006/relationships" xmlns:p="http://schemas.openxmlformats.org/presentationml/2006/main">
+  <p:cSld>
+    <p:spTree>
+      <p:nvGrpSpPr>
+        <p:cNvPr id="1" name=""/>
+        <p:cNvGrpSpPr/>
+        <p:nvPr/>
+      </p:nvGrpSpPr>
+      <p:grpSpPr>
+        <a:xfrm>
+          <a:off x="0" y="0"/>
+          <a:ext cx="0" cy="0"/>
+          <a:chOff x="0" y="0"/>
+          <a:chExt cx="0" cy="0"/>
+        </a:xfrm>
+      </p:grpSpPr>
+      <p:sp>
+        <p:nvSpPr>
+          <p:cNvPr id="2" name="Titre 1">
+            <a:extLst>
+              <a:ext uri="{FF2B5EF4-FFF2-40B4-BE49-F238E27FC236}">
+                <a16:creationId xmlns:a16="http://schemas.microsoft.com/office/drawing/2014/main" id="{099E2E77-954A-DD7C-99BF-B9521D1A2115}"/>
+              </a:ext>
+            </a:extLst>
+          </p:cNvPr>
+          <p:cNvSpPr>
+            <a:spLocks noGrp="1"/>
+          </p:cNvSpPr>
+          <p:nvPr>
+            <p:ph type="title"/>
+          </p:nvPr>
+        </p:nvSpPr>
+        <p:spPr>
+          <a:xfrm>
+            <a:off x="838200" y="365125"/>
+            <a:ext cx="10515600" cy="979499"/>
+          </a:xfrm>
+        </p:spPr>
+        <p:txBody>
+          <a:bodyPr vert="horz" lIns="91440" tIns="45720" rIns="91440" bIns="45720" rtlCol="0" anchor="b">
+            <a:normAutofit/>
+          </a:bodyPr>
+          <a:lstStyle/>
+          <a:p>
+            <a:r>
+              <a:rPr lang="fr-FR" sz="4000" dirty="0">
+                <a:gradFill flip="none" rotWithShape="1">
+                  <a:gsLst>
+                    <a:gs pos="0">
+                      <a:schemeClr val="accent5">
+                        <a:alpha val="70000"/>
+                      </a:schemeClr>
+                    </a:gs>
+                    <a:gs pos="100000">
+                      <a:schemeClr val="accent1">
+                        <a:alpha val="70000"/>
+                      </a:schemeClr>
+                    </a:gs>
+                  </a:gsLst>
+                  <a:lin ang="0" scaled="1"/>
+                  <a:tileRect/>
+                </a:gradFill>
+              </a:rPr>
+              <a:t>Présentation SOS IMMO</a:t>
+            </a:r>
+          </a:p>
+        </p:txBody>
+      </p:sp>
+      <p:pic>
+        <p:nvPicPr>
+          <p:cNvPr id="6" name="Espace réservé du contenu 5">
+            <a:extLst>
+              <a:ext uri="{FF2B5EF4-FFF2-40B4-BE49-F238E27FC236}">
+                <a16:creationId xmlns:a16="http://schemas.microsoft.com/office/drawing/2014/main" id="{F5009788-8186-24B6-82B6-48A10A10EEEE}"/>
+              </a:ext>
+            </a:extLst>
+          </p:cNvPr>
+          <p:cNvPicPr>
+            <a:picLocks noGrp="1" noChangeAspect="1"/>
+          </p:cNvPicPr>
+          <p:nvPr>
+            <p:ph idx="1"/>
+          </p:nvPr>
+        </p:nvPicPr>
+        <p:blipFill>
+          <a:blip r:embed="rId3">
+            <a:extLst>
+              <a:ext uri="{28A0092B-C50C-407E-A947-70E740481C1C}">
+                <a14:useLocalDpi xmlns:a14="http://schemas.microsoft.com/office/drawing/2010/main" val="0"/>
+              </a:ext>
+            </a:extLst>
+          </a:blip>
+          <a:stretch>
+            <a:fillRect/>
+          </a:stretch>
+        </p:blipFill>
+        <p:spPr>
+          <a:xfrm>
+            <a:off x="8216385" y="2105468"/>
+            <a:ext cx="1924050" cy="1924050"/>
+          </a:xfrm>
+        </p:spPr>
+      </p:pic>
+      <p:sp>
+        <p:nvSpPr>
+          <p:cNvPr id="9" name="ZoneTexte 8">
+            <a:extLst>
+              <a:ext uri="{FF2B5EF4-FFF2-40B4-BE49-F238E27FC236}">
+                <a16:creationId xmlns:a16="http://schemas.microsoft.com/office/drawing/2014/main" id="{BC23ED4F-C6A3-6A63-6E53-A21EC4FABCD5}"/>
+              </a:ext>
+            </a:extLst>
+          </p:cNvPr>
+          <p:cNvSpPr txBox="1"/>
+          <p:nvPr/>
+        </p:nvSpPr>
+        <p:spPr>
+          <a:xfrm>
+            <a:off x="1210253" y="3179284"/>
+            <a:ext cx="6096000" cy="543803"/>
+          </a:xfrm>
+          <a:prstGeom prst="rect">
+            <a:avLst/>
+          </a:prstGeom>
+          <a:noFill/>
+        </p:spPr>
+        <p:txBody>
+          <a:bodyPr wrap="square">
+            <a:spAutoFit/>
+          </a:bodyPr>
+          <a:lstStyle/>
+          <a:p>
+            <a:pPr algn="ctr">
+              <a:lnSpc>
+                <a:spcPct val="107000"/>
+              </a:lnSpc>
+              <a:spcAft>
+                <a:spcPts val="800"/>
+              </a:spcAft>
+            </a:pPr>
+            <a:r>
+              <a:rPr lang="fr-FR" sz="1400" b="1" dirty="0">
+                <a:solidFill>
+                  <a:schemeClr val="accent1">
+                    <a:lumMod val="50000"/>
+                  </a:schemeClr>
+                </a:solidFill>
+                <a:latin typeface="Book Antiqua" panose="02040602050305030304" pitchFamily="18" charset="0"/>
+                <a:ea typeface="Calibri" panose="020F0502020204030204" pitchFamily="34" charset="0"/>
+                <a:cs typeface="Times New Roman" panose="02020603050405020304" pitchFamily="18" charset="0"/>
+              </a:rPr>
+              <a:t>Plateforme unique pour les occupants, intervenants et gestionnaires d’immeuble.</a:t>
+            </a:r>
+          </a:p>
+        </p:txBody>
+      </p:sp>
+      <p:sp>
+        <p:nvSpPr>
+          <p:cNvPr id="3" name="ZoneTexte 2">
+            <a:extLst>
+              <a:ext uri="{FF2B5EF4-FFF2-40B4-BE49-F238E27FC236}">
+                <a16:creationId xmlns:a16="http://schemas.microsoft.com/office/drawing/2014/main" id="{90E8705F-458C-30F3-95DD-E0D82BF6DD3E}"/>
+              </a:ext>
+            </a:extLst>
+          </p:cNvPr>
+          <p:cNvSpPr txBox="1"/>
+          <p:nvPr/>
+        </p:nvSpPr>
+        <p:spPr>
+          <a:xfrm>
+            <a:off x="1219925" y="2181359"/>
+            <a:ext cx="6096000" cy="543803"/>
+          </a:xfrm>
+          <a:prstGeom prst="rect">
+            <a:avLst/>
+          </a:prstGeom>
+          <a:noFill/>
+        </p:spPr>
+        <p:txBody>
+          <a:bodyPr wrap="square">
+            <a:spAutoFit/>
+          </a:bodyPr>
+          <a:lstStyle/>
+          <a:p>
+            <a:pPr algn="ctr">
+              <a:lnSpc>
+                <a:spcPct val="107000"/>
+              </a:lnSpc>
+              <a:spcAft>
+                <a:spcPts val="800"/>
+              </a:spcAft>
+            </a:pPr>
+            <a:r>
+              <a:rPr lang="fr-FR" sz="1400" b="1" dirty="0">
+                <a:solidFill>
+                  <a:schemeClr val="accent1">
+                    <a:lumMod val="50000"/>
+                  </a:schemeClr>
+                </a:solidFill>
+                <a:latin typeface="Book Antiqua" panose="02040602050305030304" pitchFamily="18" charset="0"/>
+                <a:ea typeface="Calibri" panose="020F0502020204030204" pitchFamily="34" charset="0"/>
+                <a:cs typeface="Times New Roman" panose="02020603050405020304" pitchFamily="18" charset="0"/>
+              </a:rPr>
+              <a:t>Gestion des incidents pouvant survenir dans un immeuble de bureau de grande taille.</a:t>
+            </a:r>
+          </a:p>
+        </p:txBody>
+      </p:sp>
+      <p:sp>
+        <p:nvSpPr>
+          <p:cNvPr id="4" name="ZoneTexte 3">
+            <a:extLst>
+              <a:ext uri="{FF2B5EF4-FFF2-40B4-BE49-F238E27FC236}">
+                <a16:creationId xmlns:a16="http://schemas.microsoft.com/office/drawing/2014/main" id="{5BD53019-C72E-6FBE-26A9-BFC6F2836AC2}"/>
+              </a:ext>
+            </a:extLst>
+          </p:cNvPr>
+          <p:cNvSpPr txBox="1"/>
+          <p:nvPr/>
+        </p:nvSpPr>
+        <p:spPr>
+          <a:xfrm>
+            <a:off x="1210253" y="3769603"/>
+            <a:ext cx="6096000" cy="979499"/>
+          </a:xfrm>
+          <a:prstGeom prst="rect">
+            <a:avLst/>
+          </a:prstGeom>
+          <a:noFill/>
+        </p:spPr>
+        <p:txBody>
+          <a:bodyPr wrap="square">
+            <a:spAutoFit/>
+          </a:bodyPr>
+          <a:lstStyle/>
+          <a:p>
+            <a:pPr marL="1657350" lvl="3" indent="-285750">
+              <a:lnSpc>
+                <a:spcPct val="107000"/>
+              </a:lnSpc>
+              <a:spcAft>
+                <a:spcPts val="800"/>
+              </a:spcAft>
+              <a:buFont typeface="Wingdings" panose="05000000000000000000" pitchFamily="2" charset="2"/>
+              <a:buChar char="Ø"/>
+            </a:pPr>
+            <a:r>
+              <a:rPr lang="fr-FR" sz="1400" b="1" dirty="0">
+                <a:solidFill>
+                  <a:schemeClr val="accent1">
+                    <a:lumMod val="50000"/>
+                  </a:schemeClr>
+                </a:solidFill>
+                <a:latin typeface="Book Antiqua" panose="02040602050305030304" pitchFamily="18" charset="0"/>
+                <a:ea typeface="Calibri" panose="020F0502020204030204" pitchFamily="34" charset="0"/>
+                <a:cs typeface="Times New Roman" panose="02020603050405020304" pitchFamily="18" charset="0"/>
+              </a:rPr>
+              <a:t>Saisie et suivi des incidents</a:t>
+            </a:r>
+          </a:p>
+          <a:p>
+            <a:pPr marL="1657350" lvl="3" indent="-285750">
+              <a:lnSpc>
+                <a:spcPct val="107000"/>
+              </a:lnSpc>
+              <a:spcAft>
+                <a:spcPts val="800"/>
+              </a:spcAft>
+              <a:buFont typeface="Wingdings" panose="05000000000000000000" pitchFamily="2" charset="2"/>
+              <a:buChar char="Ø"/>
+            </a:pPr>
+            <a:r>
+              <a:rPr lang="fr-FR" sz="1400" b="1" dirty="0">
+                <a:solidFill>
+                  <a:schemeClr val="accent1">
+                    <a:lumMod val="50000"/>
+                  </a:schemeClr>
+                </a:solidFill>
+                <a:latin typeface="Book Antiqua" panose="02040602050305030304" pitchFamily="18" charset="0"/>
+                <a:ea typeface="Calibri" panose="020F0502020204030204" pitchFamily="34" charset="0"/>
+                <a:cs typeface="Times New Roman" panose="02020603050405020304" pitchFamily="18" charset="0"/>
+              </a:rPr>
+              <a:t>Identifier les points de vigilance</a:t>
+            </a:r>
+          </a:p>
+          <a:p>
+            <a:pPr marL="1657350" lvl="3" indent="-285750">
+              <a:lnSpc>
+                <a:spcPct val="107000"/>
+              </a:lnSpc>
+              <a:spcAft>
+                <a:spcPts val="800"/>
+              </a:spcAft>
+              <a:buFont typeface="Wingdings" panose="05000000000000000000" pitchFamily="2" charset="2"/>
+              <a:buChar char="Ø"/>
+            </a:pPr>
+            <a:r>
+              <a:rPr lang="fr-FR" sz="1400" b="1" dirty="0">
+                <a:solidFill>
+                  <a:schemeClr val="accent1">
+                    <a:lumMod val="50000"/>
+                  </a:schemeClr>
+                </a:solidFill>
+                <a:latin typeface="Book Antiqua" panose="02040602050305030304" pitchFamily="18" charset="0"/>
+                <a:ea typeface="Calibri" panose="020F0502020204030204" pitchFamily="34" charset="0"/>
+                <a:cs typeface="Times New Roman" panose="02020603050405020304" pitchFamily="18" charset="0"/>
+              </a:rPr>
+              <a:t>Recueillir le sentiment des usagers</a:t>
+            </a:r>
+          </a:p>
+        </p:txBody>
+      </p:sp>
+    </p:spTree>
+    <p:extLst>
+      <p:ext uri="{BB962C8B-B14F-4D97-AF65-F5344CB8AC3E}">
+        <p14:creationId xmlns:p14="http://schemas.microsoft.com/office/powerpoint/2010/main" val="914786330"/>
+      </p:ext>
+    </p:extLst>
+  </p:cSld>
+  <p:clrMapOvr>
+    <a:masterClrMapping/>
+  </p:clrMapOvr>
+  <p:timing>
+    <p:tnLst>
+      <p:par>
+        <p:cTn id="1" dur="indefinite" restart="never" nodeType="tmRoot">
+          <p:childTnLst>
+            <p:seq concurrent="1" nextAc="seek">
+              <p:cTn id="2" dur="indefinite" nodeType="mainSeq">
+                <p:childTnLst>
+                  <p:par>
+                    <p:cTn id="3" fill="hold">
+                      <p:stCondLst>
+                        <p:cond delay="indefinite"/>
+                      </p:stCondLst>
+                      <p:childTnLst>
+                        <p:par>
+                          <p:cTn id="4" fill="hold">
+                            <p:stCondLst>
+                              <p:cond delay="0"/>
+                            </p:stCondLst>
+                            <p:childTnLst>
+                              <p:par>
+                                <p:cTn id="5" presetID="1" presetClass="entr" presetSubtype="0" fill="hold" grpId="0" nodeType="clickEffect">
+                                  <p:stCondLst>
+                                    <p:cond delay="0"/>
+                                  </p:stCondLst>
+                                  <p:childTnLst>
+                                    <p:set>
+                                      <p:cBhvr>
+                                        <p:cTn id="6" dur="1" fill="hold">
+                                          <p:stCondLst>
+                                            <p:cond delay="0"/>
+                                          </p:stCondLst>
+                                        </p:cTn>
+                                        <p:tgtEl>
+                                          <p:spTgt spid="9"/>
+                                        </p:tgtEl>
+                                        <p:attrNameLst>
+                                          <p:attrName>style.visibility</p:attrName>
+                                        </p:attrNameLst>
+                                      </p:cBhvr>
+                                      <p:to>
+                                        <p:strVal val="visible"/>
+                                      </p:to>
+                                    </p:set>
+                                  </p:childTnLst>
+                                </p:cTn>
+                              </p:par>
+                            </p:childTnLst>
+                          </p:cTn>
+                        </p:par>
+                      </p:childTnLst>
+                    </p:cTn>
+                  </p:par>
+                  <p:par>
+                    <p:cTn id="7" fill="hold">
+                      <p:stCondLst>
+                        <p:cond delay="indefinite"/>
+                      </p:stCondLst>
+                      <p:childTnLst>
+                        <p:par>
+                          <p:cTn id="8" fill="hold">
+                            <p:stCondLst>
+                              <p:cond delay="0"/>
+                            </p:stCondLst>
+                            <p:childTnLst>
+                              <p:par>
+                                <p:cTn id="9" presetID="1" presetClass="entr" presetSubtype="0" fill="hold" grpId="0" nodeType="clickEffect">
+                                  <p:stCondLst>
+                                    <p:cond delay="0"/>
+                                  </p:stCondLst>
+                                  <p:childTnLst>
+                                    <p:set>
+                                      <p:cBhvr>
+                                        <p:cTn id="10" dur="1" fill="hold">
+                                          <p:stCondLst>
+                                            <p:cond delay="0"/>
+                                          </p:stCondLst>
+                                        </p:cTn>
+                                        <p:tgtEl>
+                                          <p:spTgt spid="4"/>
+                                        </p:tgtEl>
+                                        <p:attrNameLst>
+                                          <p:attrName>style.visibility</p:attrName>
+                                        </p:attrNameLst>
+                                      </p:cBhvr>
+                                      <p:to>
+                                        <p:strVal val="visible"/>
+                                      </p:to>
+                                    </p:set>
+                                  </p:childTnLst>
+                                </p:cTn>
+                              </p:par>
+                            </p:childTnLst>
+                          </p:cTn>
+                        </p:par>
+                      </p:childTnLst>
+                    </p:cTn>
+                  </p:par>
+                </p:childTnLst>
+              </p:cTn>
+              <p:prevCondLst>
+                <p:cond evt="onPrev" delay="0">
+                  <p:tgtEl>
+                    <p:sldTgt/>
+                  </p:tgtEl>
+                </p:cond>
+              </p:prevCondLst>
+              <p:nextCondLst>
+                <p:cond evt="onNext" delay="0">
+                  <p:tgtEl>
+                    <p:sldTgt/>
+                  </p:tgtEl>
+                </p:cond>
+              </p:nextCondLst>
+            </p:seq>
+          </p:childTnLst>
+        </p:cTn>
+      </p:par>
+    </p:tnLst>
+    <p:bldLst>
+      <p:bldP spid="9" grpId="0"/>
+      <p:bldP spid="4" grpId="0"/>
+    </p:bldLst>
+  </p:timing>
+</p:sld>
+</file>
+
+<file path=ppt/slides/slide20.xml><?xml version="1.0" encoding="utf-8"?>
+<p:sld xmlns:a="http://schemas.openxmlformats.org/drawingml/2006/main" xmlns:r="http://schemas.openxmlformats.org/officeDocument/2006/relationships" xmlns:p="http://schemas.openxmlformats.org/presentationml/2006/main">
+  <p:cSld>
+    <p:spTree>
+      <p:nvGrpSpPr>
+        <p:cNvPr id="1" name=""/>
+        <p:cNvGrpSpPr/>
+        <p:nvPr/>
+      </p:nvGrpSpPr>
+      <p:grpSpPr>
+        <a:xfrm>
+          <a:off x="0" y="0"/>
+          <a:ext cx="0" cy="0"/>
+          <a:chOff x="0" y="0"/>
+          <a:chExt cx="0" cy="0"/>
+        </a:xfrm>
+      </p:grpSpPr>
+      <p:sp>
+        <p:nvSpPr>
+          <p:cNvPr id="2" name="Titre 1">
+            <a:extLst>
+              <a:ext uri="{FF2B5EF4-FFF2-40B4-BE49-F238E27FC236}">
+                <a16:creationId xmlns:a16="http://schemas.microsoft.com/office/drawing/2014/main" id="{099E2E77-954A-DD7C-99BF-B9521D1A2115}"/>
+              </a:ext>
+            </a:extLst>
+          </p:cNvPr>
+          <p:cNvSpPr>
+            <a:spLocks noGrp="1"/>
+          </p:cNvSpPr>
+          <p:nvPr>
+            <p:ph type="title"/>
+          </p:nvPr>
+        </p:nvSpPr>
+        <p:spPr>
+          <a:xfrm>
+            <a:off x="838200" y="467043"/>
+            <a:ext cx="10515600" cy="769871"/>
+          </a:xfrm>
+        </p:spPr>
+        <p:txBody>
+          <a:bodyPr vert="horz" lIns="91440" tIns="45720" rIns="91440" bIns="45720" rtlCol="0" anchor="b">
+            <a:normAutofit/>
+          </a:bodyPr>
+          <a:lstStyle/>
+          <a:p>
+            <a:r>
+              <a:rPr lang="fr-FR" sz="4000" dirty="0">
+                <a:gradFill flip="none" rotWithShape="1">
+                  <a:gsLst>
+                    <a:gs pos="0">
+                      <a:schemeClr val="accent5">
+                        <a:alpha val="70000"/>
+                      </a:schemeClr>
+                    </a:gs>
+                    <a:gs pos="100000">
+                      <a:schemeClr val="accent1">
+                        <a:alpha val="70000"/>
+                      </a:schemeClr>
+                    </a:gs>
+                  </a:gsLst>
+                  <a:lin ang="0" scaled="1"/>
+                  <a:tileRect/>
+                </a:gradFill>
+              </a:rPr>
+              <a:t>Tests fonctionnels</a:t>
+            </a:r>
+          </a:p>
+        </p:txBody>
+      </p:sp>
       <p:pic>
         <p:nvPicPr>
           <p:cNvPr id="19" name="Image 18" descr="Une image contenant texte&#10;&#10;Description générée automatiquement">
@@ -16338,15 +17175,15 @@
           <p:nvPr/>
         </p:nvPicPr>
         <p:blipFill>
-          <a:blip r:embed="rId6"/>
+          <a:blip r:embed="rId3"/>
           <a:stretch>
             <a:fillRect/>
           </a:stretch>
         </p:blipFill>
         <p:spPr>
           <a:xfrm>
-            <a:off x="5659935" y="2820930"/>
-            <a:ext cx="5539795" cy="3783399"/>
+            <a:off x="5668060" y="1905087"/>
+            <a:ext cx="6278431" cy="4287850"/>
           </a:xfrm>
           <a:prstGeom prst="rect">
             <a:avLst/>
@@ -16368,14 +17205,14 @@
           <p:nvPr/>
         </p:nvPicPr>
         <p:blipFill>
-          <a:blip r:embed="rId7"/>
+          <a:blip r:embed="rId4"/>
           <a:stretch>
             <a:fillRect/>
           </a:stretch>
         </p:blipFill>
         <p:spPr>
           <a:xfrm>
-            <a:off x="9290519" y="5341841"/>
+            <a:off x="687539" y="1597979"/>
             <a:ext cx="1015997" cy="770486"/>
           </a:xfrm>
           <a:prstGeom prst="rect">
@@ -16397,8 +17234,8 @@
         </p:nvSpPr>
         <p:spPr>
           <a:xfrm>
-            <a:off x="7597668" y="5206650"/>
-            <a:ext cx="1946880" cy="461665"/>
+            <a:off x="1760220" y="1783167"/>
+            <a:ext cx="2821606" cy="400110"/>
           </a:xfrm>
           <a:prstGeom prst="rect">
             <a:avLst/>
@@ -16412,16 +17249,46 @@
           <a:lstStyle/>
           <a:p>
             <a:r>
-              <a:rPr lang="fr-FR" sz="2400" dirty="0"/>
-              <a:t>Automatiques</a:t>
+              <a:rPr lang="fr-FR" sz="2000" dirty="0"/>
+              <a:t>Tests des api via Postman</a:t>
             </a:r>
           </a:p>
         </p:txBody>
       </p:sp>
+      <p:pic>
+        <p:nvPicPr>
+          <p:cNvPr id="10" name="Image 9">
+            <a:extLst>
+              <a:ext uri="{FF2B5EF4-FFF2-40B4-BE49-F238E27FC236}">
+                <a16:creationId xmlns:a16="http://schemas.microsoft.com/office/drawing/2014/main" id="{D85B1A0F-B00D-8325-01CE-FF5B02A4E734}"/>
+              </a:ext>
+            </a:extLst>
+          </p:cNvPr>
+          <p:cNvPicPr>
+            <a:picLocks noChangeAspect="1"/>
+          </p:cNvPicPr>
+          <p:nvPr/>
+        </p:nvPicPr>
+        <p:blipFill>
+          <a:blip r:embed="rId5"/>
+          <a:stretch>
+            <a:fillRect/>
+          </a:stretch>
+        </p:blipFill>
+        <p:spPr>
+          <a:xfrm>
+            <a:off x="329329" y="2622215"/>
+            <a:ext cx="4928471" cy="3211943"/>
+          </a:xfrm>
+          <a:prstGeom prst="rect">
+            <a:avLst/>
+          </a:prstGeom>
+        </p:spPr>
+      </p:pic>
     </p:spTree>
     <p:extLst>
       <p:ext uri="{BB962C8B-B14F-4D97-AF65-F5344CB8AC3E}">
-        <p14:creationId xmlns:p14="http://schemas.microsoft.com/office/powerpoint/2010/main" val="375280836"/>
+        <p14:creationId xmlns:p14="http://schemas.microsoft.com/office/powerpoint/2010/main" val="2115499291"/>
       </p:ext>
     </p:extLst>
   </p:cSld>
@@ -16431,7 +17298,7 @@
 </p:sld>
 </file>
 
-<file path=ppt/slides/slide19.xml><?xml version="1.0" encoding="utf-8"?>
+<file path=ppt/slides/slide21.xml><?xml version="1.0" encoding="utf-8"?>
 <p:sld xmlns:a="http://schemas.openxmlformats.org/drawingml/2006/main" xmlns:r="http://schemas.openxmlformats.org/officeDocument/2006/relationships" xmlns:p="http://schemas.openxmlformats.org/presentationml/2006/main">
   <p:cSld>
     <p:spTree>
@@ -16802,9 +17669,9 @@
         <p:grpSpPr>
           <a:xfrm>
             <a:off x="2583451" y="4574870"/>
-            <a:ext cx="3798241" cy="1225749"/>
+            <a:ext cx="3798241" cy="1308962"/>
             <a:chOff x="1118860" y="4280655"/>
-            <a:chExt cx="2837970" cy="1225749"/>
+            <a:chExt cx="2837970" cy="1308962"/>
           </a:xfrm>
         </p:grpSpPr>
         <p:sp>
@@ -16822,7 +17689,7 @@
           <p:spPr>
             <a:xfrm>
               <a:off x="1565356" y="4573954"/>
-              <a:ext cx="2391474" cy="830997"/>
+              <a:ext cx="2391474" cy="1015663"/>
             </a:xfrm>
             <a:prstGeom prst="rect">
               <a:avLst/>
@@ -16864,6 +17731,17 @@
                 <a:rPr lang="fr-FR" sz="1200" dirty="0"/>
                 <a:t>    Postman -&gt; les services</a:t>
               </a:r>
+            </a:p>
+            <a:p>
+              <a:r>
+                <a:rPr lang="fr-FR" sz="1200" dirty="0"/>
+                <a:t>    Triggers </a:t>
+              </a:r>
+              <a:r>
+                <a:rPr lang="fr-FR" sz="1200" dirty="0" err="1"/>
+                <a:t>mySql</a:t>
+              </a:r>
+              <a:endParaRPr lang="fr-FR" sz="1200" dirty="0"/>
             </a:p>
             <a:p>
               <a:r>
@@ -16931,9 +17809,9 @@
         <p:grpSpPr>
           <a:xfrm>
             <a:off x="7677632" y="3192877"/>
-            <a:ext cx="2859738" cy="1280549"/>
+            <a:ext cx="3171600" cy="1649880"/>
             <a:chOff x="7677632" y="3192877"/>
-            <a:chExt cx="2859738" cy="1280549"/>
+            <a:chExt cx="3171600" cy="1649880"/>
           </a:xfrm>
         </p:grpSpPr>
         <p:sp>
@@ -16951,7 +17829,7 @@
           <p:spPr>
             <a:xfrm>
               <a:off x="7891435" y="3273097"/>
-              <a:ext cx="2645935" cy="1200329"/>
+              <a:ext cx="2957797" cy="1569660"/>
             </a:xfrm>
             <a:prstGeom prst="rect">
               <a:avLst/>
@@ -16978,7 +17856,7 @@
             <a:p>
               <a:r>
                 <a:rPr lang="fr-FR" sz="1200" dirty="0"/>
-                <a:t>    Gestion Admin </a:t>
+                <a:t>    Gestion données</a:t>
               </a:r>
             </a:p>
             <a:p>
@@ -16996,7 +17874,19 @@
             <a:p>
               <a:r>
                 <a:rPr lang="fr-FR" sz="1200" dirty="0"/>
-                <a:t>        Emplacements</a:t>
+                <a:t>        Emplacements/Types d’emplacements</a:t>
+              </a:r>
+            </a:p>
+            <a:p>
+              <a:r>
+                <a:rPr lang="fr-FR" sz="1200" dirty="0"/>
+                <a:t>       Types d’incidents</a:t>
+              </a:r>
+            </a:p>
+            <a:p>
+              <a:r>
+                <a:rPr lang="fr-FR" sz="1200" dirty="0"/>
+                <a:t>       Mapping types emplacements/incidents</a:t>
               </a:r>
             </a:p>
           </p:txBody>
@@ -17056,10 +17946,10 @@
         </p:nvGrpSpPr>
         <p:grpSpPr>
           <a:xfrm>
-            <a:off x="7695543" y="4574871"/>
-            <a:ext cx="3037717" cy="1260578"/>
+            <a:off x="7521614" y="5076427"/>
+            <a:ext cx="3037717" cy="1225749"/>
             <a:chOff x="1351551" y="4513705"/>
-            <a:chExt cx="3037717" cy="1260578"/>
+            <a:chExt cx="3037717" cy="1225749"/>
           </a:xfrm>
         </p:grpSpPr>
         <p:sp>
@@ -17077,7 +17967,7 @@
           <p:spPr>
             <a:xfrm>
               <a:off x="1565355" y="4573954"/>
-              <a:ext cx="2823913" cy="1200329"/>
+              <a:ext cx="2823913" cy="1015663"/>
             </a:xfrm>
             <a:prstGeom prst="rect">
               <a:avLst/>
@@ -17092,19 +17982,21 @@
             <a:p>
               <a:r>
                 <a:rPr lang="fr-FR" sz="1200" dirty="0"/>
-                <a:t>    Gestion Admin </a:t>
+                <a:t>    </a:t>
+              </a:r>
+              <a:r>
+                <a:rPr lang="fr-FR" sz="1200" dirty="0" err="1"/>
+                <a:t>Achivage</a:t>
+              </a:r>
+              <a:r>
+                <a:rPr lang="fr-FR" sz="1200" dirty="0"/>
+                <a:t>/Sauvegarde/Restauration</a:t>
               </a:r>
             </a:p>
             <a:p>
               <a:r>
                 <a:rPr lang="fr-FR" sz="1200" dirty="0"/>
-                <a:t>        Types d’emplacements</a:t>
-              </a:r>
-            </a:p>
-            <a:p>
-              <a:r>
-                <a:rPr lang="fr-FR" sz="1200" dirty="0"/>
-                <a:t>        Types d’incidents</a:t>
+                <a:t>    Chargement nouveaux utilisateurs</a:t>
               </a:r>
             </a:p>
             <a:p>
@@ -17116,8 +18008,13 @@
             <a:p>
               <a:r>
                 <a:rPr lang="fr-FR" sz="1200" dirty="0"/>
-                <a:t>    Archivage</a:t>
+                <a:t>    application </a:t>
               </a:r>
+              <a:r>
+                <a:rPr lang="fr-FR" sz="1200" dirty="0" err="1"/>
+                <a:t>multi-sites</a:t>
+              </a:r>
+              <a:endParaRPr lang="fr-FR" sz="1200" dirty="0"/>
             </a:p>
             <a:p>
               <a:r>
@@ -17463,456 +18360,7 @@
 </p:sld>
 </file>
 
-<file path=ppt/slides/slide2.xml><?xml version="1.0" encoding="utf-8"?>
-<p:sld xmlns:a="http://schemas.openxmlformats.org/drawingml/2006/main" xmlns:r="http://schemas.openxmlformats.org/officeDocument/2006/relationships" xmlns:p="http://schemas.openxmlformats.org/presentationml/2006/main">
-  <p:cSld>
-    <p:spTree>
-      <p:nvGrpSpPr>
-        <p:cNvPr id="1" name=""/>
-        <p:cNvGrpSpPr/>
-        <p:nvPr/>
-      </p:nvGrpSpPr>
-      <p:grpSpPr>
-        <a:xfrm>
-          <a:off x="0" y="0"/>
-          <a:ext cx="0" cy="0"/>
-          <a:chOff x="0" y="0"/>
-          <a:chExt cx="0" cy="0"/>
-        </a:xfrm>
-      </p:grpSpPr>
-      <p:sp>
-        <p:nvSpPr>
-          <p:cNvPr id="2" name="Titre 1">
-            <a:extLst>
-              <a:ext uri="{FF2B5EF4-FFF2-40B4-BE49-F238E27FC236}">
-                <a16:creationId xmlns:a16="http://schemas.microsoft.com/office/drawing/2014/main" id="{099E2E77-954A-DD7C-99BF-B9521D1A2115}"/>
-              </a:ext>
-            </a:extLst>
-          </p:cNvPr>
-          <p:cNvSpPr>
-            <a:spLocks noGrp="1"/>
-          </p:cNvSpPr>
-          <p:nvPr>
-            <p:ph type="title"/>
-          </p:nvPr>
-        </p:nvSpPr>
-        <p:spPr>
-          <a:xfrm>
-            <a:off x="838200" y="365125"/>
-            <a:ext cx="10515600" cy="979499"/>
-          </a:xfrm>
-        </p:spPr>
-        <p:txBody>
-          <a:bodyPr vert="horz" lIns="91440" tIns="45720" rIns="91440" bIns="45720" rtlCol="0" anchor="b">
-            <a:normAutofit/>
-          </a:bodyPr>
-          <a:lstStyle/>
-          <a:p>
-            <a:r>
-              <a:rPr lang="fr-FR" sz="4000" dirty="0">
-                <a:gradFill flip="none" rotWithShape="1">
-                  <a:gsLst>
-                    <a:gs pos="0">
-                      <a:schemeClr val="accent5">
-                        <a:alpha val="70000"/>
-                      </a:schemeClr>
-                    </a:gs>
-                    <a:gs pos="100000">
-                      <a:schemeClr val="accent1">
-                        <a:alpha val="70000"/>
-                      </a:schemeClr>
-                    </a:gs>
-                  </a:gsLst>
-                  <a:lin ang="0" scaled="1"/>
-                  <a:tileRect/>
-                </a:gradFill>
-              </a:rPr>
-              <a:t>Présentation SOS IMMO</a:t>
-            </a:r>
-          </a:p>
-        </p:txBody>
-      </p:sp>
-      <p:pic>
-        <p:nvPicPr>
-          <p:cNvPr id="6" name="Espace réservé du contenu 5">
-            <a:extLst>
-              <a:ext uri="{FF2B5EF4-FFF2-40B4-BE49-F238E27FC236}">
-                <a16:creationId xmlns:a16="http://schemas.microsoft.com/office/drawing/2014/main" id="{F5009788-8186-24B6-82B6-48A10A10EEEE}"/>
-              </a:ext>
-            </a:extLst>
-          </p:cNvPr>
-          <p:cNvPicPr>
-            <a:picLocks noGrp="1" noChangeAspect="1"/>
-          </p:cNvPicPr>
-          <p:nvPr>
-            <p:ph idx="1"/>
-          </p:nvPr>
-        </p:nvPicPr>
-        <p:blipFill>
-          <a:blip r:embed="rId3">
-            <a:extLst>
-              <a:ext uri="{28A0092B-C50C-407E-A947-70E740481C1C}">
-                <a14:useLocalDpi xmlns:a14="http://schemas.microsoft.com/office/drawing/2010/main" val="0"/>
-              </a:ext>
-            </a:extLst>
-          </a:blip>
-          <a:stretch>
-            <a:fillRect/>
-          </a:stretch>
-        </p:blipFill>
-        <p:spPr>
-          <a:xfrm>
-            <a:off x="8216385" y="2105468"/>
-            <a:ext cx="1924050" cy="1924050"/>
-          </a:xfrm>
-        </p:spPr>
-      </p:pic>
-      <p:sp>
-        <p:nvSpPr>
-          <p:cNvPr id="9" name="ZoneTexte 8">
-            <a:extLst>
-              <a:ext uri="{FF2B5EF4-FFF2-40B4-BE49-F238E27FC236}">
-                <a16:creationId xmlns:a16="http://schemas.microsoft.com/office/drawing/2014/main" id="{BC23ED4F-C6A3-6A63-6E53-A21EC4FABCD5}"/>
-              </a:ext>
-            </a:extLst>
-          </p:cNvPr>
-          <p:cNvSpPr txBox="1"/>
-          <p:nvPr/>
-        </p:nvSpPr>
-        <p:spPr>
-          <a:xfrm>
-            <a:off x="1210253" y="3179284"/>
-            <a:ext cx="6096000" cy="543803"/>
-          </a:xfrm>
-          <a:prstGeom prst="rect">
-            <a:avLst/>
-          </a:prstGeom>
-          <a:noFill/>
-        </p:spPr>
-        <p:txBody>
-          <a:bodyPr wrap="square">
-            <a:spAutoFit/>
-          </a:bodyPr>
-          <a:lstStyle/>
-          <a:p>
-            <a:pPr algn="ctr">
-              <a:lnSpc>
-                <a:spcPct val="107000"/>
-              </a:lnSpc>
-              <a:spcAft>
-                <a:spcPts val="800"/>
-              </a:spcAft>
-            </a:pPr>
-            <a:r>
-              <a:rPr lang="fr-FR" sz="1400" b="1" dirty="0">
-                <a:solidFill>
-                  <a:schemeClr val="accent1">
-                    <a:lumMod val="50000"/>
-                  </a:schemeClr>
-                </a:solidFill>
-                <a:latin typeface="Book Antiqua" panose="02040602050305030304" pitchFamily="18" charset="0"/>
-                <a:ea typeface="Calibri" panose="020F0502020204030204" pitchFamily="34" charset="0"/>
-                <a:cs typeface="Times New Roman" panose="02020603050405020304" pitchFamily="18" charset="0"/>
-              </a:rPr>
-              <a:t>Plateforme unique pour les occupants, intervenants et gestionnaires d’immeuble.</a:t>
-            </a:r>
-          </a:p>
-        </p:txBody>
-      </p:sp>
-      <p:sp>
-        <p:nvSpPr>
-          <p:cNvPr id="3" name="ZoneTexte 2">
-            <a:extLst>
-              <a:ext uri="{FF2B5EF4-FFF2-40B4-BE49-F238E27FC236}">
-                <a16:creationId xmlns:a16="http://schemas.microsoft.com/office/drawing/2014/main" id="{90E8705F-458C-30F3-95DD-E0D82BF6DD3E}"/>
-              </a:ext>
-            </a:extLst>
-          </p:cNvPr>
-          <p:cNvSpPr txBox="1"/>
-          <p:nvPr/>
-        </p:nvSpPr>
-        <p:spPr>
-          <a:xfrm>
-            <a:off x="1219925" y="2181359"/>
-            <a:ext cx="6096000" cy="543803"/>
-          </a:xfrm>
-          <a:prstGeom prst="rect">
-            <a:avLst/>
-          </a:prstGeom>
-          <a:noFill/>
-        </p:spPr>
-        <p:txBody>
-          <a:bodyPr wrap="square">
-            <a:spAutoFit/>
-          </a:bodyPr>
-          <a:lstStyle/>
-          <a:p>
-            <a:pPr algn="ctr">
-              <a:lnSpc>
-                <a:spcPct val="107000"/>
-              </a:lnSpc>
-              <a:spcAft>
-                <a:spcPts val="800"/>
-              </a:spcAft>
-            </a:pPr>
-            <a:r>
-              <a:rPr lang="fr-FR" sz="1400" b="1" dirty="0">
-                <a:solidFill>
-                  <a:schemeClr val="accent1">
-                    <a:lumMod val="50000"/>
-                  </a:schemeClr>
-                </a:solidFill>
-                <a:latin typeface="Book Antiqua" panose="02040602050305030304" pitchFamily="18" charset="0"/>
-                <a:ea typeface="Calibri" panose="020F0502020204030204" pitchFamily="34" charset="0"/>
-                <a:cs typeface="Times New Roman" panose="02020603050405020304" pitchFamily="18" charset="0"/>
-              </a:rPr>
-              <a:t>Gestion des incidents pouvant survenir dans un immeuble de bureau de grande taille.</a:t>
-            </a:r>
-          </a:p>
-        </p:txBody>
-      </p:sp>
-      <p:sp>
-        <p:nvSpPr>
-          <p:cNvPr id="4" name="ZoneTexte 3">
-            <a:extLst>
-              <a:ext uri="{FF2B5EF4-FFF2-40B4-BE49-F238E27FC236}">
-                <a16:creationId xmlns:a16="http://schemas.microsoft.com/office/drawing/2014/main" id="{5BD53019-C72E-6FBE-26A9-BFC6F2836AC2}"/>
-              </a:ext>
-            </a:extLst>
-          </p:cNvPr>
-          <p:cNvSpPr txBox="1"/>
-          <p:nvPr/>
-        </p:nvSpPr>
-        <p:spPr>
-          <a:xfrm>
-            <a:off x="1210253" y="3769603"/>
-            <a:ext cx="6096000" cy="979499"/>
-          </a:xfrm>
-          <a:prstGeom prst="rect">
-            <a:avLst/>
-          </a:prstGeom>
-          <a:noFill/>
-        </p:spPr>
-        <p:txBody>
-          <a:bodyPr wrap="square">
-            <a:spAutoFit/>
-          </a:bodyPr>
-          <a:lstStyle/>
-          <a:p>
-            <a:pPr marL="1657350" lvl="3" indent="-285750">
-              <a:lnSpc>
-                <a:spcPct val="107000"/>
-              </a:lnSpc>
-              <a:spcAft>
-                <a:spcPts val="800"/>
-              </a:spcAft>
-              <a:buFont typeface="Wingdings" panose="05000000000000000000" pitchFamily="2" charset="2"/>
-              <a:buChar char="Ø"/>
-            </a:pPr>
-            <a:r>
-              <a:rPr lang="fr-FR" sz="1400" b="1" dirty="0">
-                <a:solidFill>
-                  <a:schemeClr val="accent1">
-                    <a:lumMod val="50000"/>
-                  </a:schemeClr>
-                </a:solidFill>
-                <a:latin typeface="Book Antiqua" panose="02040602050305030304" pitchFamily="18" charset="0"/>
-                <a:ea typeface="Calibri" panose="020F0502020204030204" pitchFamily="34" charset="0"/>
-                <a:cs typeface="Times New Roman" panose="02020603050405020304" pitchFamily="18" charset="0"/>
-              </a:rPr>
-              <a:t>Saisie et suivi des incidents</a:t>
-            </a:r>
-          </a:p>
-          <a:p>
-            <a:pPr marL="1657350" lvl="3" indent="-285750">
-              <a:lnSpc>
-                <a:spcPct val="107000"/>
-              </a:lnSpc>
-              <a:spcAft>
-                <a:spcPts val="800"/>
-              </a:spcAft>
-              <a:buFont typeface="Wingdings" panose="05000000000000000000" pitchFamily="2" charset="2"/>
-              <a:buChar char="Ø"/>
-            </a:pPr>
-            <a:r>
-              <a:rPr lang="fr-FR" sz="1400" b="1" dirty="0">
-                <a:solidFill>
-                  <a:schemeClr val="accent1">
-                    <a:lumMod val="50000"/>
-                  </a:schemeClr>
-                </a:solidFill>
-                <a:latin typeface="Book Antiqua" panose="02040602050305030304" pitchFamily="18" charset="0"/>
-                <a:ea typeface="Calibri" panose="020F0502020204030204" pitchFamily="34" charset="0"/>
-                <a:cs typeface="Times New Roman" panose="02020603050405020304" pitchFamily="18" charset="0"/>
-              </a:rPr>
-              <a:t>Identifier les points de vigilance</a:t>
-            </a:r>
-          </a:p>
-          <a:p>
-            <a:pPr marL="1657350" lvl="3" indent="-285750">
-              <a:lnSpc>
-                <a:spcPct val="107000"/>
-              </a:lnSpc>
-              <a:spcAft>
-                <a:spcPts val="800"/>
-              </a:spcAft>
-              <a:buFont typeface="Wingdings" panose="05000000000000000000" pitchFamily="2" charset="2"/>
-              <a:buChar char="Ø"/>
-            </a:pPr>
-            <a:r>
-              <a:rPr lang="fr-FR" sz="1400" b="1" dirty="0">
-                <a:solidFill>
-                  <a:schemeClr val="accent1">
-                    <a:lumMod val="50000"/>
-                  </a:schemeClr>
-                </a:solidFill>
-                <a:latin typeface="Book Antiqua" panose="02040602050305030304" pitchFamily="18" charset="0"/>
-                <a:ea typeface="Calibri" panose="020F0502020204030204" pitchFamily="34" charset="0"/>
-                <a:cs typeface="Times New Roman" panose="02020603050405020304" pitchFamily="18" charset="0"/>
-              </a:rPr>
-              <a:t>Recueillir le sentiment des usagers</a:t>
-            </a:r>
-          </a:p>
-        </p:txBody>
-      </p:sp>
-    </p:spTree>
-    <p:extLst>
-      <p:ext uri="{BB962C8B-B14F-4D97-AF65-F5344CB8AC3E}">
-        <p14:creationId xmlns:p14="http://schemas.microsoft.com/office/powerpoint/2010/main" val="914786330"/>
-      </p:ext>
-    </p:extLst>
-  </p:cSld>
-  <p:clrMapOvr>
-    <a:masterClrMapping/>
-  </p:clrMapOvr>
-  <p:timing>
-    <p:tnLst>
-      <p:par>
-        <p:cTn id="1" dur="indefinite" restart="never" nodeType="tmRoot">
-          <p:childTnLst>
-            <p:seq concurrent="1" nextAc="seek">
-              <p:cTn id="2" dur="indefinite" nodeType="mainSeq">
-                <p:childTnLst>
-                  <p:par>
-                    <p:cTn id="3" fill="hold">
-                      <p:stCondLst>
-                        <p:cond delay="indefinite"/>
-                      </p:stCondLst>
-                      <p:childTnLst>
-                        <p:par>
-                          <p:cTn id="4" fill="hold">
-                            <p:stCondLst>
-                              <p:cond delay="0"/>
-                            </p:stCondLst>
-                            <p:childTnLst>
-                              <p:par>
-                                <p:cTn id="5" presetID="1" presetClass="entr" presetSubtype="0" fill="hold" grpId="0" nodeType="clickEffect">
-                                  <p:stCondLst>
-                                    <p:cond delay="0"/>
-                                  </p:stCondLst>
-                                  <p:childTnLst>
-                                    <p:set>
-                                      <p:cBhvr>
-                                        <p:cTn id="6" dur="1" fill="hold">
-                                          <p:stCondLst>
-                                            <p:cond delay="0"/>
-                                          </p:stCondLst>
-                                        </p:cTn>
-                                        <p:tgtEl>
-                                          <p:spTgt spid="9"/>
-                                        </p:tgtEl>
-                                        <p:attrNameLst>
-                                          <p:attrName>style.visibility</p:attrName>
-                                        </p:attrNameLst>
-                                      </p:cBhvr>
-                                      <p:to>
-                                        <p:strVal val="visible"/>
-                                      </p:to>
-                                    </p:set>
-                                  </p:childTnLst>
-                                </p:cTn>
-                              </p:par>
-                            </p:childTnLst>
-                          </p:cTn>
-                        </p:par>
-                      </p:childTnLst>
-                    </p:cTn>
-                  </p:par>
-                  <p:par>
-                    <p:cTn id="7" fill="hold">
-                      <p:stCondLst>
-                        <p:cond delay="indefinite"/>
-                      </p:stCondLst>
-                      <p:childTnLst>
-                        <p:par>
-                          <p:cTn id="8" fill="hold">
-                            <p:stCondLst>
-                              <p:cond delay="0"/>
-                            </p:stCondLst>
-                            <p:childTnLst>
-                              <p:par>
-                                <p:cTn id="9" presetID="1" presetClass="entr" presetSubtype="0" fill="hold" grpId="0" nodeType="clickEffect">
-                                  <p:stCondLst>
-                                    <p:cond delay="0"/>
-                                  </p:stCondLst>
-                                  <p:childTnLst>
-                                    <p:set>
-                                      <p:cBhvr>
-                                        <p:cTn id="10" dur="1" fill="hold">
-                                          <p:stCondLst>
-                                            <p:cond delay="0"/>
-                                          </p:stCondLst>
-                                        </p:cTn>
-                                        <p:tgtEl>
-                                          <p:spTgt spid="4"/>
-                                        </p:tgtEl>
-                                        <p:attrNameLst>
-                                          <p:attrName>style.visibility</p:attrName>
-                                        </p:attrNameLst>
-                                      </p:cBhvr>
-                                      <p:to>
-                                        <p:strVal val="visible"/>
-                                      </p:to>
-                                    </p:set>
-                                  </p:childTnLst>
-                                </p:cTn>
-                              </p:par>
-                            </p:childTnLst>
-                          </p:cTn>
-                        </p:par>
-                      </p:childTnLst>
-                    </p:cTn>
-                  </p:par>
-                </p:childTnLst>
-              </p:cTn>
-              <p:prevCondLst>
-                <p:cond evt="onPrev" delay="0">
-                  <p:tgtEl>
-                    <p:sldTgt/>
-                  </p:tgtEl>
-                </p:cond>
-              </p:prevCondLst>
-              <p:nextCondLst>
-                <p:cond evt="onNext" delay="0">
-                  <p:tgtEl>
-                    <p:sldTgt/>
-                  </p:tgtEl>
-                </p:cond>
-              </p:nextCondLst>
-            </p:seq>
-          </p:childTnLst>
-        </p:cTn>
-      </p:par>
-    </p:tnLst>
-    <p:bldLst>
-      <p:bldP spid="9" grpId="0"/>
-      <p:bldP spid="4" grpId="0"/>
-    </p:bldLst>
-  </p:timing>
-</p:sld>
-</file>
-
-<file path=ppt/slides/slide20.xml><?xml version="1.0" encoding="utf-8"?>
+<file path=ppt/slides/slide22.xml><?xml version="1.0" encoding="utf-8"?>
 <p:sld xmlns:a="http://schemas.openxmlformats.org/drawingml/2006/main" xmlns:r="http://schemas.openxmlformats.org/officeDocument/2006/relationships" xmlns:p="http://schemas.openxmlformats.org/presentationml/2006/main">
   <p:cSld>
     <p:spTree>
@@ -17997,7 +18445,7 @@
 </p:sld>
 </file>
 
-<file path=ppt/slides/slide21.xml><?xml version="1.0" encoding="utf-8"?>
+<file path=ppt/slides/slide23.xml><?xml version="1.0" encoding="utf-8"?>
 <p:sld xmlns:a="http://schemas.openxmlformats.org/drawingml/2006/main" xmlns:r="http://schemas.openxmlformats.org/officeDocument/2006/relationships" xmlns:p="http://schemas.openxmlformats.org/presentationml/2006/main">
   <p:cSld>
     <p:spTree>
@@ -18140,7 +18588,7 @@
 </p:sld>
 </file>
 
-<file path=ppt/slides/slide22.xml><?xml version="1.0" encoding="utf-8"?>
+<file path=ppt/slides/slide24.xml><?xml version="1.0" encoding="utf-8"?>
 <p:sld xmlns:a="http://schemas.openxmlformats.org/drawingml/2006/main" xmlns:r="http://schemas.openxmlformats.org/officeDocument/2006/relationships" xmlns:p="http://schemas.openxmlformats.org/presentationml/2006/main">
   <p:cSld>
     <p:spTree>
@@ -19411,7 +19859,7 @@
 </p:sld>
 </file>
 
-<file path=ppt/slides/slide23.xml><?xml version="1.0" encoding="utf-8"?>
+<file path=ppt/slides/slide25.xml><?xml version="1.0" encoding="utf-8"?>
 <p:sld xmlns:a="http://schemas.openxmlformats.org/drawingml/2006/main" xmlns:r="http://schemas.openxmlformats.org/officeDocument/2006/relationships" xmlns:p="http://schemas.openxmlformats.org/presentationml/2006/main">
   <p:cSld>
     <p:spTree>
@@ -19981,7 +20429,7 @@
 </p:sld>
 </file>
 
-<file path=ppt/slides/slide24.xml><?xml version="1.0" encoding="utf-8"?>
+<file path=ppt/slides/slide26.xml><?xml version="1.0" encoding="utf-8"?>
 <p:sld xmlns:a="http://schemas.openxmlformats.org/drawingml/2006/main" xmlns:r="http://schemas.openxmlformats.org/officeDocument/2006/relationships" xmlns:p="http://schemas.openxmlformats.org/presentationml/2006/main">
   <p:cSld>
     <p:spTree>
@@ -20732,6 +21180,649 @@
     <p:extLst>
       <p:ext uri="{BB962C8B-B14F-4D97-AF65-F5344CB8AC3E}">
         <p14:creationId xmlns:p14="http://schemas.microsoft.com/office/powerpoint/2010/main" val="2271959126"/>
+      </p:ext>
+    </p:extLst>
+  </p:cSld>
+  <p:clrMapOvr>
+    <a:masterClrMapping/>
+  </p:clrMapOvr>
+</p:sld>
+</file>
+
+<file path=ppt/slides/slide27.xml><?xml version="1.0" encoding="utf-8"?>
+<p:sld xmlns:a="http://schemas.openxmlformats.org/drawingml/2006/main" xmlns:r="http://schemas.openxmlformats.org/officeDocument/2006/relationships" xmlns:p="http://schemas.openxmlformats.org/presentationml/2006/main">
+  <p:cSld>
+    <p:spTree>
+      <p:nvGrpSpPr>
+        <p:cNvPr id="1" name=""/>
+        <p:cNvGrpSpPr/>
+        <p:nvPr/>
+      </p:nvGrpSpPr>
+      <p:grpSpPr>
+        <a:xfrm>
+          <a:off x="0" y="0"/>
+          <a:ext cx="0" cy="0"/>
+          <a:chOff x="0" y="0"/>
+          <a:chExt cx="0" cy="0"/>
+        </a:xfrm>
+      </p:grpSpPr>
+      <p:pic>
+        <p:nvPicPr>
+          <p:cNvPr id="4" name="Image 3">
+            <a:extLst>
+              <a:ext uri="{FF2B5EF4-FFF2-40B4-BE49-F238E27FC236}">
+                <a16:creationId xmlns:a16="http://schemas.microsoft.com/office/drawing/2014/main" id="{05E2FA7F-5E07-4D78-B548-2B66BC8431CB}"/>
+              </a:ext>
+            </a:extLst>
+          </p:cNvPr>
+          <p:cNvPicPr>
+            <a:picLocks noChangeAspect="1"/>
+          </p:cNvPicPr>
+          <p:nvPr/>
+        </p:nvPicPr>
+        <p:blipFill>
+          <a:blip r:embed="rId2"/>
+          <a:stretch>
+            <a:fillRect/>
+          </a:stretch>
+        </p:blipFill>
+        <p:spPr>
+          <a:xfrm>
+            <a:off x="1411288" y="1054947"/>
+            <a:ext cx="9513488" cy="5385765"/>
+          </a:xfrm>
+          <a:prstGeom prst="rect">
+            <a:avLst/>
+          </a:prstGeom>
+        </p:spPr>
+      </p:pic>
+      <p:sp>
+        <p:nvSpPr>
+          <p:cNvPr id="5" name="Titre 1">
+            <a:extLst>
+              <a:ext uri="{FF2B5EF4-FFF2-40B4-BE49-F238E27FC236}">
+                <a16:creationId xmlns:a16="http://schemas.microsoft.com/office/drawing/2014/main" id="{3F9B6692-EF71-8D3C-784E-721D0A218851}"/>
+              </a:ext>
+            </a:extLst>
+          </p:cNvPr>
+          <p:cNvSpPr txBox="1">
+            <a:spLocks/>
+          </p:cNvSpPr>
+          <p:nvPr/>
+        </p:nvSpPr>
+        <p:spPr>
+          <a:xfrm>
+            <a:off x="838199" y="663258"/>
+            <a:ext cx="10515600" cy="783378"/>
+          </a:xfrm>
+          <a:prstGeom prst="rect">
+            <a:avLst/>
+          </a:prstGeom>
+        </p:spPr>
+        <p:txBody>
+          <a:bodyPr vert="horz" lIns="91440" tIns="45720" rIns="91440" bIns="45720" rtlCol="0" anchor="b">
+            <a:normAutofit/>
+          </a:bodyPr>
+          <a:lstStyle>
+            <a:lvl1pPr>
+              <a:lnSpc>
+                <a:spcPct val="90000"/>
+              </a:lnSpc>
+              <a:spcBef>
+                <a:spcPct val="0"/>
+              </a:spcBef>
+              <a:buNone/>
+              <a:defRPr sz="4000">
+                <a:gradFill flip="none" rotWithShape="1">
+                  <a:gsLst>
+                    <a:gs pos="0">
+                      <a:schemeClr val="accent5">
+                        <a:alpha val="70000"/>
+                      </a:schemeClr>
+                    </a:gs>
+                    <a:gs pos="100000">
+                      <a:schemeClr val="accent1">
+                        <a:alpha val="70000"/>
+                      </a:schemeClr>
+                    </a:gs>
+                  </a:gsLst>
+                  <a:lin ang="0" scaled="1"/>
+                  <a:tileRect/>
+                </a:gradFill>
+                <a:latin typeface="+mj-lt"/>
+                <a:ea typeface="+mj-ea"/>
+                <a:cs typeface="+mj-cs"/>
+              </a:defRPr>
+            </a:lvl1pPr>
+          </a:lstStyle>
+          <a:p>
+            <a:r>
+              <a:rPr lang="fr-FR" dirty="0"/>
+              <a:t>Déploiement</a:t>
+            </a:r>
+          </a:p>
+        </p:txBody>
+      </p:sp>
+    </p:spTree>
+    <p:extLst>
+      <p:ext uri="{BB962C8B-B14F-4D97-AF65-F5344CB8AC3E}">
+        <p14:creationId xmlns:p14="http://schemas.microsoft.com/office/powerpoint/2010/main" val="3690051470"/>
+      </p:ext>
+    </p:extLst>
+  </p:cSld>
+  <p:clrMapOvr>
+    <a:masterClrMapping/>
+  </p:clrMapOvr>
+</p:sld>
+</file>
+
+<file path=ppt/slides/slide28.xml><?xml version="1.0" encoding="utf-8"?>
+<p:sld xmlns:a="http://schemas.openxmlformats.org/drawingml/2006/main" xmlns:r="http://schemas.openxmlformats.org/officeDocument/2006/relationships" xmlns:p="http://schemas.openxmlformats.org/presentationml/2006/main">
+  <p:cSld>
+    <p:spTree>
+      <p:nvGrpSpPr>
+        <p:cNvPr id="1" name=""/>
+        <p:cNvGrpSpPr/>
+        <p:nvPr/>
+      </p:nvGrpSpPr>
+      <p:grpSpPr>
+        <a:xfrm>
+          <a:off x="0" y="0"/>
+          <a:ext cx="0" cy="0"/>
+          <a:chOff x="0" y="0"/>
+          <a:chExt cx="0" cy="0"/>
+        </a:xfrm>
+      </p:grpSpPr>
+      <p:sp>
+        <p:nvSpPr>
+          <p:cNvPr id="4" name="Rectangle : coins arrondis 3">
+            <a:extLst>
+              <a:ext uri="{FF2B5EF4-FFF2-40B4-BE49-F238E27FC236}">
+                <a16:creationId xmlns:a16="http://schemas.microsoft.com/office/drawing/2014/main" id="{19081CDE-010B-5D55-144E-CCAB8E559C7F}"/>
+              </a:ext>
+            </a:extLst>
+          </p:cNvPr>
+          <p:cNvSpPr/>
+          <p:nvPr/>
+        </p:nvSpPr>
+        <p:spPr>
+          <a:xfrm>
+            <a:off x="1733550" y="876300"/>
+            <a:ext cx="3048000" cy="1200150"/>
+          </a:xfrm>
+          <a:prstGeom prst="roundRect">
+            <a:avLst/>
+          </a:prstGeom>
+        </p:spPr>
+        <p:style>
+          <a:lnRef idx="2">
+            <a:schemeClr val="accent6"/>
+          </a:lnRef>
+          <a:fillRef idx="1">
+            <a:schemeClr val="lt1"/>
+          </a:fillRef>
+          <a:effectRef idx="0">
+            <a:schemeClr val="accent6"/>
+          </a:effectRef>
+          <a:fontRef idx="minor">
+            <a:schemeClr val="dk1"/>
+          </a:fontRef>
+        </p:style>
+        <p:txBody>
+          <a:bodyPr rtlCol="0" anchor="ctr"/>
+          <a:lstStyle/>
+          <a:p>
+            <a:pPr algn="ctr"/>
+            <a:endParaRPr lang="fr-FR"/>
+          </a:p>
+        </p:txBody>
+      </p:sp>
+      <p:sp>
+        <p:nvSpPr>
+          <p:cNvPr id="5" name="Rectangle : coins arrondis 4">
+            <a:extLst>
+              <a:ext uri="{FF2B5EF4-FFF2-40B4-BE49-F238E27FC236}">
+                <a16:creationId xmlns:a16="http://schemas.microsoft.com/office/drawing/2014/main" id="{E564A464-6032-44A2-88F7-6C140C73EDD1}"/>
+              </a:ext>
+            </a:extLst>
+          </p:cNvPr>
+          <p:cNvSpPr/>
+          <p:nvPr/>
+        </p:nvSpPr>
+        <p:spPr>
+          <a:xfrm>
+            <a:off x="6096000" y="752475"/>
+            <a:ext cx="3048000" cy="1200150"/>
+          </a:xfrm>
+          <a:prstGeom prst="roundRect">
+            <a:avLst/>
+          </a:prstGeom>
+        </p:spPr>
+        <p:style>
+          <a:lnRef idx="2">
+            <a:schemeClr val="accent6"/>
+          </a:lnRef>
+          <a:fillRef idx="1">
+            <a:schemeClr val="lt1"/>
+          </a:fillRef>
+          <a:effectRef idx="0">
+            <a:schemeClr val="accent6"/>
+          </a:effectRef>
+          <a:fontRef idx="minor">
+            <a:schemeClr val="dk1"/>
+          </a:fontRef>
+        </p:style>
+        <p:txBody>
+          <a:bodyPr rtlCol="0" anchor="ctr"/>
+          <a:lstStyle/>
+          <a:p>
+            <a:pPr algn="ctr"/>
+            <a:endParaRPr lang="fr-FR"/>
+          </a:p>
+        </p:txBody>
+      </p:sp>
+      <p:sp>
+        <p:nvSpPr>
+          <p:cNvPr id="6" name="Rectangle : coins arrondis 5">
+            <a:extLst>
+              <a:ext uri="{FF2B5EF4-FFF2-40B4-BE49-F238E27FC236}">
+                <a16:creationId xmlns:a16="http://schemas.microsoft.com/office/drawing/2014/main" id="{F1CA3F68-91D6-DD54-36A6-ACE099481E97}"/>
+              </a:ext>
+            </a:extLst>
+          </p:cNvPr>
+          <p:cNvSpPr/>
+          <p:nvPr/>
+        </p:nvSpPr>
+        <p:spPr>
+          <a:xfrm>
+            <a:off x="2000251" y="3448046"/>
+            <a:ext cx="3048000" cy="1200150"/>
+          </a:xfrm>
+          <a:prstGeom prst="roundRect">
+            <a:avLst/>
+          </a:prstGeom>
+        </p:spPr>
+        <p:style>
+          <a:lnRef idx="2">
+            <a:schemeClr val="accent6"/>
+          </a:lnRef>
+          <a:fillRef idx="1">
+            <a:schemeClr val="lt1"/>
+          </a:fillRef>
+          <a:effectRef idx="0">
+            <a:schemeClr val="accent6"/>
+          </a:effectRef>
+          <a:fontRef idx="minor">
+            <a:schemeClr val="dk1"/>
+          </a:fontRef>
+        </p:style>
+        <p:txBody>
+          <a:bodyPr rtlCol="0" anchor="ctr"/>
+          <a:lstStyle/>
+          <a:p>
+            <a:pPr algn="ctr"/>
+            <a:endParaRPr lang="fr-FR"/>
+          </a:p>
+        </p:txBody>
+      </p:sp>
+      <p:sp>
+        <p:nvSpPr>
+          <p:cNvPr id="7" name="Rectangle : coins arrondis 6">
+            <a:extLst>
+              <a:ext uri="{FF2B5EF4-FFF2-40B4-BE49-F238E27FC236}">
+                <a16:creationId xmlns:a16="http://schemas.microsoft.com/office/drawing/2014/main" id="{36C7DAF7-8037-09BB-2D19-39ACEFD34938}"/>
+              </a:ext>
+            </a:extLst>
+          </p:cNvPr>
+          <p:cNvSpPr/>
+          <p:nvPr/>
+        </p:nvSpPr>
+        <p:spPr>
+          <a:xfrm>
+            <a:off x="5915025" y="3124200"/>
+            <a:ext cx="3048000" cy="1200150"/>
+          </a:xfrm>
+          <a:prstGeom prst="roundRect">
+            <a:avLst/>
+          </a:prstGeom>
+        </p:spPr>
+        <p:style>
+          <a:lnRef idx="2">
+            <a:schemeClr val="accent6"/>
+          </a:lnRef>
+          <a:fillRef idx="1">
+            <a:schemeClr val="lt1"/>
+          </a:fillRef>
+          <a:effectRef idx="0">
+            <a:schemeClr val="accent6"/>
+          </a:effectRef>
+          <a:fontRef idx="minor">
+            <a:schemeClr val="dk1"/>
+          </a:fontRef>
+        </p:style>
+        <p:txBody>
+          <a:bodyPr rtlCol="0" anchor="ctr"/>
+          <a:lstStyle/>
+          <a:p>
+            <a:pPr algn="ctr"/>
+            <a:endParaRPr lang="fr-FR"/>
+          </a:p>
+        </p:txBody>
+      </p:sp>
+      <p:cxnSp>
+        <p:nvCxnSpPr>
+          <p:cNvPr id="9" name="Connecteur droit avec flèche 8">
+            <a:extLst>
+              <a:ext uri="{FF2B5EF4-FFF2-40B4-BE49-F238E27FC236}">
+                <a16:creationId xmlns:a16="http://schemas.microsoft.com/office/drawing/2014/main" id="{EC489337-124B-E2DF-B5B5-A056B3869FEC}"/>
+              </a:ext>
+            </a:extLst>
+          </p:cNvPr>
+          <p:cNvCxnSpPr>
+            <a:cxnSpLocks/>
+          </p:cNvCxnSpPr>
+          <p:nvPr/>
+        </p:nvCxnSpPr>
+        <p:spPr>
+          <a:xfrm rot="16200000" flipV="1">
+            <a:off x="3057526" y="2295525"/>
+            <a:ext cx="1047750" cy="609600"/>
+          </a:xfrm>
+          <a:prstGeom prst="curvedConnector3">
+            <a:avLst/>
+          </a:prstGeom>
+          <a:ln>
+            <a:headEnd type="triangle"/>
+            <a:tailEnd type="triangle"/>
+          </a:ln>
+        </p:spPr>
+        <p:style>
+          <a:lnRef idx="1">
+            <a:schemeClr val="accent1"/>
+          </a:lnRef>
+          <a:fillRef idx="0">
+            <a:schemeClr val="accent1"/>
+          </a:fillRef>
+          <a:effectRef idx="0">
+            <a:schemeClr val="accent1"/>
+          </a:effectRef>
+          <a:fontRef idx="minor">
+            <a:schemeClr val="tx1"/>
+          </a:fontRef>
+        </p:style>
+      </p:cxnSp>
+      <p:sp>
+        <p:nvSpPr>
+          <p:cNvPr id="10" name="Organigramme : Multidocument 9">
+            <a:extLst>
+              <a:ext uri="{FF2B5EF4-FFF2-40B4-BE49-F238E27FC236}">
+                <a16:creationId xmlns:a16="http://schemas.microsoft.com/office/drawing/2014/main" id="{E5331EA0-A01B-B92A-B25B-EFD66EF797AF}"/>
+              </a:ext>
+            </a:extLst>
+          </p:cNvPr>
+          <p:cNvSpPr/>
+          <p:nvPr/>
+        </p:nvSpPr>
+        <p:spPr>
+          <a:xfrm>
+            <a:off x="4468178" y="5238751"/>
+            <a:ext cx="1845943" cy="1066800"/>
+          </a:xfrm>
+          <a:prstGeom prst="flowChartMultidocument">
+            <a:avLst/>
+          </a:prstGeom>
+        </p:spPr>
+        <p:style>
+          <a:lnRef idx="2">
+            <a:schemeClr val="dk1">
+              <a:shade val="50000"/>
+            </a:schemeClr>
+          </a:lnRef>
+          <a:fillRef idx="1">
+            <a:schemeClr val="dk1"/>
+          </a:fillRef>
+          <a:effectRef idx="0">
+            <a:schemeClr val="dk1"/>
+          </a:effectRef>
+          <a:fontRef idx="minor">
+            <a:schemeClr val="lt1"/>
+          </a:fontRef>
+        </p:style>
+        <p:txBody>
+          <a:bodyPr rtlCol="0" anchor="ctr"/>
+          <a:lstStyle/>
+          <a:p>
+            <a:pPr algn="ctr"/>
+            <a:endParaRPr lang="fr-FR"/>
+          </a:p>
+        </p:txBody>
+      </p:sp>
+      <p:sp>
+        <p:nvSpPr>
+          <p:cNvPr id="11" name="Cylindre 10">
+            <a:extLst>
+              <a:ext uri="{FF2B5EF4-FFF2-40B4-BE49-F238E27FC236}">
+                <a16:creationId xmlns:a16="http://schemas.microsoft.com/office/drawing/2014/main" id="{4DA6A488-6926-5F66-EA4F-AECB05D51700}"/>
+              </a:ext>
+            </a:extLst>
+          </p:cNvPr>
+          <p:cNvSpPr/>
+          <p:nvPr/>
+        </p:nvSpPr>
+        <p:spPr>
+          <a:xfrm>
+            <a:off x="10058399" y="2752722"/>
+            <a:ext cx="1000125" cy="1047752"/>
+          </a:xfrm>
+          <a:prstGeom prst="can">
+            <a:avLst/>
+          </a:prstGeom>
+        </p:spPr>
+        <p:style>
+          <a:lnRef idx="1">
+            <a:schemeClr val="accent6"/>
+          </a:lnRef>
+          <a:fillRef idx="2">
+            <a:schemeClr val="accent6"/>
+          </a:fillRef>
+          <a:effectRef idx="1">
+            <a:schemeClr val="accent6"/>
+          </a:effectRef>
+          <a:fontRef idx="minor">
+            <a:schemeClr val="dk1"/>
+          </a:fontRef>
+        </p:style>
+        <p:txBody>
+          <a:bodyPr rtlCol="0" anchor="ctr"/>
+          <a:lstStyle/>
+          <a:p>
+            <a:pPr algn="ctr"/>
+            <a:endParaRPr lang="fr-FR"/>
+          </a:p>
+        </p:txBody>
+      </p:sp>
+      <p:cxnSp>
+        <p:nvCxnSpPr>
+          <p:cNvPr id="12" name="Connecteur droit avec flèche 8">
+            <a:extLst>
+              <a:ext uri="{FF2B5EF4-FFF2-40B4-BE49-F238E27FC236}">
+                <a16:creationId xmlns:a16="http://schemas.microsoft.com/office/drawing/2014/main" id="{B5803ACF-FAAB-544A-F6C2-21C75123441D}"/>
+              </a:ext>
+            </a:extLst>
+          </p:cNvPr>
+          <p:cNvCxnSpPr>
+            <a:cxnSpLocks/>
+            <a:stCxn id="7" idx="0"/>
+            <a:endCxn id="5" idx="2"/>
+          </p:cNvCxnSpPr>
+          <p:nvPr/>
+        </p:nvCxnSpPr>
+        <p:spPr>
+          <a:xfrm rot="5400000" flipH="1" flipV="1">
+            <a:off x="6943725" y="2447926"/>
+            <a:ext cx="1171575" cy="180975"/>
+          </a:xfrm>
+          <a:prstGeom prst="curvedConnector3">
+            <a:avLst>
+              <a:gd name="adj1" fmla="val 50000"/>
+            </a:avLst>
+          </a:prstGeom>
+          <a:ln>
+            <a:headEnd type="triangle"/>
+            <a:tailEnd type="triangle"/>
+          </a:ln>
+        </p:spPr>
+        <p:style>
+          <a:lnRef idx="1">
+            <a:schemeClr val="accent1"/>
+          </a:lnRef>
+          <a:fillRef idx="0">
+            <a:schemeClr val="accent1"/>
+          </a:fillRef>
+          <a:effectRef idx="0">
+            <a:schemeClr val="accent1"/>
+          </a:effectRef>
+          <a:fontRef idx="minor">
+            <a:schemeClr val="tx1"/>
+          </a:fontRef>
+        </p:style>
+      </p:cxnSp>
+      <p:sp>
+        <p:nvSpPr>
+          <p:cNvPr id="16" name="Rectangle : coins arrondis 15">
+            <a:extLst>
+              <a:ext uri="{FF2B5EF4-FFF2-40B4-BE49-F238E27FC236}">
+                <a16:creationId xmlns:a16="http://schemas.microsoft.com/office/drawing/2014/main" id="{11B10A4F-0D64-766C-4C90-9E257ACBAF3C}"/>
+              </a:ext>
+            </a:extLst>
+          </p:cNvPr>
+          <p:cNvSpPr/>
+          <p:nvPr/>
+        </p:nvSpPr>
+        <p:spPr>
+          <a:xfrm>
+            <a:off x="5481638" y="3276598"/>
+            <a:ext cx="3048000" cy="1200150"/>
+          </a:xfrm>
+          <a:prstGeom prst="roundRect">
+            <a:avLst/>
+          </a:prstGeom>
+        </p:spPr>
+        <p:style>
+          <a:lnRef idx="2">
+            <a:schemeClr val="accent6"/>
+          </a:lnRef>
+          <a:fillRef idx="1">
+            <a:schemeClr val="lt1"/>
+          </a:fillRef>
+          <a:effectRef idx="0">
+            <a:schemeClr val="accent6"/>
+          </a:effectRef>
+          <a:fontRef idx="minor">
+            <a:schemeClr val="dk1"/>
+          </a:fontRef>
+        </p:style>
+        <p:txBody>
+          <a:bodyPr rtlCol="0" anchor="ctr"/>
+          <a:lstStyle/>
+          <a:p>
+            <a:pPr algn="ctr"/>
+            <a:endParaRPr lang="fr-FR"/>
+          </a:p>
+        </p:txBody>
+      </p:sp>
+      <p:sp>
+        <p:nvSpPr>
+          <p:cNvPr id="17" name="Rectangle : coins arrondis 16">
+            <a:extLst>
+              <a:ext uri="{FF2B5EF4-FFF2-40B4-BE49-F238E27FC236}">
+                <a16:creationId xmlns:a16="http://schemas.microsoft.com/office/drawing/2014/main" id="{3D974650-E26F-2FED-11DC-398B549315BF}"/>
+              </a:ext>
+            </a:extLst>
+          </p:cNvPr>
+          <p:cNvSpPr/>
+          <p:nvPr/>
+        </p:nvSpPr>
+        <p:spPr>
+          <a:xfrm>
+            <a:off x="1133476" y="3362322"/>
+            <a:ext cx="3048000" cy="1200150"/>
+          </a:xfrm>
+          <a:prstGeom prst="roundRect">
+            <a:avLst/>
+          </a:prstGeom>
+        </p:spPr>
+        <p:style>
+          <a:lnRef idx="2">
+            <a:schemeClr val="accent6"/>
+          </a:lnRef>
+          <a:fillRef idx="1">
+            <a:schemeClr val="lt1"/>
+          </a:fillRef>
+          <a:effectRef idx="0">
+            <a:schemeClr val="accent6"/>
+          </a:effectRef>
+          <a:fontRef idx="minor">
+            <a:schemeClr val="dk1"/>
+          </a:fontRef>
+        </p:style>
+        <p:txBody>
+          <a:bodyPr rtlCol="0" anchor="ctr"/>
+          <a:lstStyle/>
+          <a:p>
+            <a:pPr algn="ctr"/>
+            <a:endParaRPr lang="fr-FR"/>
+          </a:p>
+        </p:txBody>
+      </p:sp>
+      <p:sp>
+        <p:nvSpPr>
+          <p:cNvPr id="18" name="Rectangle : coins arrondis 17">
+            <a:extLst>
+              <a:ext uri="{FF2B5EF4-FFF2-40B4-BE49-F238E27FC236}">
+                <a16:creationId xmlns:a16="http://schemas.microsoft.com/office/drawing/2014/main" id="{B5983A5D-132B-D9BA-8226-65D0B1A3206F}"/>
+              </a:ext>
+            </a:extLst>
+          </p:cNvPr>
+          <p:cNvSpPr/>
+          <p:nvPr/>
+        </p:nvSpPr>
+        <p:spPr>
+          <a:xfrm>
+            <a:off x="909638" y="3314702"/>
+            <a:ext cx="3048000" cy="1200150"/>
+          </a:xfrm>
+          <a:prstGeom prst="roundRect">
+            <a:avLst/>
+          </a:prstGeom>
+        </p:spPr>
+        <p:style>
+          <a:lnRef idx="2">
+            <a:schemeClr val="accent6"/>
+          </a:lnRef>
+          <a:fillRef idx="1">
+            <a:schemeClr val="lt1"/>
+          </a:fillRef>
+          <a:effectRef idx="0">
+            <a:schemeClr val="accent6"/>
+          </a:effectRef>
+          <a:fontRef idx="minor">
+            <a:schemeClr val="dk1"/>
+          </a:fontRef>
+        </p:style>
+        <p:txBody>
+          <a:bodyPr rtlCol="0" anchor="ctr"/>
+          <a:lstStyle/>
+          <a:p>
+            <a:pPr algn="ctr"/>
+            <a:endParaRPr lang="fr-FR"/>
+          </a:p>
+        </p:txBody>
+      </p:sp>
+    </p:spTree>
+    <p:extLst>
+      <p:ext uri="{BB962C8B-B14F-4D97-AF65-F5344CB8AC3E}">
+        <p14:creationId xmlns:p14="http://schemas.microsoft.com/office/powerpoint/2010/main" val="1527760015"/>
       </p:ext>
     </p:extLst>
   </p:cSld>

--- a/doc/présentation V5.pptx
+++ b/doc/présentation V5.pptx
@@ -230,7 +230,7 @@
           <a:p>
             <a:fld id="{3A579BB9-F2CA-426C-82A6-1234A0AE4AD5}" type="datetimeFigureOut">
               <a:rPr lang="fr-FR" smtClean="0"/>
-              <a:t>20/01/2023</a:t>
+              <a:t>23/01/2023</a:t>
             </a:fld>
             <a:endParaRPr lang="fr-FR"/>
           </a:p>
@@ -3537,6 +3537,25 @@
                 <a:ea typeface="Calibri" panose="020F0502020204030204" pitchFamily="34" charset="0"/>
                 <a:cs typeface="Times New Roman" panose="02020603050405020304" pitchFamily="18" charset="0"/>
               </a:rPr>
+              <a:t>Hexadécimal – 32 caractères</a:t>
+            </a:r>
+          </a:p>
+          <a:p>
+            <a:pPr>
+              <a:lnSpc>
+                <a:spcPct val="107000"/>
+              </a:lnSpc>
+              <a:spcAft>
+                <a:spcPts val="800"/>
+              </a:spcAft>
+            </a:pPr>
+            <a:r>
+              <a:rPr lang="fr-FR" sz="1800" dirty="0">
+                <a:effectLst/>
+                <a:latin typeface="Calibri" panose="020F0502020204030204" pitchFamily="34" charset="0"/>
+                <a:ea typeface="Calibri" panose="020F0502020204030204" pitchFamily="34" charset="0"/>
+                <a:cs typeface="Times New Roman" panose="02020603050405020304" pitchFamily="18" charset="0"/>
+              </a:rPr>
               <a:t>Ce système a 3 particularités : </a:t>
             </a:r>
           </a:p>
@@ -3844,109 +3863,6 @@
                 <a:cs typeface="Times New Roman" panose="02020603050405020304" pitchFamily="18" charset="0"/>
               </a:rPr>
               <a:t>…</a:t>
-            </a:r>
-          </a:p>
-          <a:p>
-            <a:pPr>
-              <a:lnSpc>
-                <a:spcPct val="107000"/>
-              </a:lnSpc>
-              <a:spcAft>
-                <a:spcPts val="800"/>
-              </a:spcAft>
-            </a:pPr>
-            <a:r>
-              <a:rPr lang="fr-FR" sz="1800" dirty="0">
-                <a:effectLst/>
-                <a:latin typeface="Calibri" panose="020F0502020204030204" pitchFamily="34" charset="0"/>
-                <a:ea typeface="Calibri" panose="020F0502020204030204" pitchFamily="34" charset="0"/>
-                <a:cs typeface="Times New Roman" panose="02020603050405020304" pitchFamily="18" charset="0"/>
-              </a:rPr>
-              <a:t>Sécuriser les données, c’est bien, mais il faut aussi songer à sécuriser leur accès.</a:t>
-            </a:r>
-          </a:p>
-          <a:p>
-            <a:pPr marL="0" marR="0" lvl="0" indent="0" algn="l" defTabSz="914400" rtl="0" eaLnBrk="1" fontAlgn="auto" latinLnBrk="0" hangingPunct="1">
-              <a:lnSpc>
-                <a:spcPct val="107000"/>
-              </a:lnSpc>
-              <a:spcBef>
-                <a:spcPts val="0"/>
-              </a:spcBef>
-              <a:spcAft>
-                <a:spcPts val="800"/>
-              </a:spcAft>
-              <a:buClrTx/>
-              <a:buSzTx/>
-              <a:buFontTx/>
-              <a:buNone/>
-              <a:tabLst/>
-              <a:defRPr/>
-            </a:pPr>
-            <a:r>
-              <a:rPr lang="fr-FR" sz="1800" dirty="0">
-                <a:effectLst/>
-                <a:latin typeface="Calibri" panose="020F0502020204030204" pitchFamily="34" charset="0"/>
-                <a:ea typeface="Calibri" panose="020F0502020204030204" pitchFamily="34" charset="0"/>
-                <a:cs typeface="Times New Roman" panose="02020603050405020304" pitchFamily="18" charset="0"/>
-              </a:rPr>
-              <a:t>Il faut qu’à chaque fois qu’un service est sollicité par le </a:t>
-            </a:r>
-            <a:r>
-              <a:rPr lang="fr-FR" sz="1800" dirty="0" err="1">
-                <a:effectLst/>
-                <a:latin typeface="Calibri" panose="020F0502020204030204" pitchFamily="34" charset="0"/>
-                <a:ea typeface="Calibri" panose="020F0502020204030204" pitchFamily="34" charset="0"/>
-                <a:cs typeface="Times New Roman" panose="02020603050405020304" pitchFamily="18" charset="0"/>
-              </a:rPr>
-              <a:t>controller</a:t>
-            </a:r>
-            <a:r>
-              <a:rPr lang="fr-FR" sz="1800" dirty="0">
-                <a:effectLst/>
-                <a:latin typeface="Calibri" panose="020F0502020204030204" pitchFamily="34" charset="0"/>
-                <a:ea typeface="Calibri" panose="020F0502020204030204" pitchFamily="34" charset="0"/>
-                <a:cs typeface="Times New Roman" panose="02020603050405020304" pitchFamily="18" charset="0"/>
-              </a:rPr>
-              <a:t>, il s’interroge : le demandeur a-t-il le droit de me demander ça ?</a:t>
-            </a:r>
-          </a:p>
-          <a:p>
-            <a:pPr>
-              <a:lnSpc>
-                <a:spcPct val="107000"/>
-              </a:lnSpc>
-              <a:spcAft>
-                <a:spcPts val="800"/>
-              </a:spcAft>
-            </a:pPr>
-            <a:r>
-              <a:rPr lang="fr-FR" sz="1800" dirty="0">
-                <a:effectLst/>
-                <a:latin typeface="Calibri" panose="020F0502020204030204" pitchFamily="34" charset="0"/>
-                <a:ea typeface="Calibri" panose="020F0502020204030204" pitchFamily="34" charset="0"/>
-                <a:cs typeface="Times New Roman" panose="02020603050405020304" pitchFamily="18" charset="0"/>
-              </a:rPr>
-              <a:t>Un premier filtre est fait par l’appli front, puisque que c’est le profil de l’utilisateur qui lui donne accès ou non aux différentes fonctionnalités.</a:t>
-            </a:r>
-          </a:p>
-          <a:p>
-            <a:pPr>
-              <a:lnSpc>
-                <a:spcPct val="107000"/>
-              </a:lnSpc>
-              <a:spcAft>
-                <a:spcPts val="800"/>
-              </a:spcAft>
-            </a:pPr>
-            <a:r>
-              <a:rPr lang="fr-FR" sz="1800" dirty="0">
-                <a:effectLst/>
-                <a:latin typeface="Calibri" panose="020F0502020204030204" pitchFamily="34" charset="0"/>
-                <a:ea typeface="Calibri" panose="020F0502020204030204" pitchFamily="34" charset="0"/>
-                <a:cs typeface="Times New Roman" panose="02020603050405020304" pitchFamily="18" charset="0"/>
-              </a:rPr>
-              <a:t>Mais c’est pas suffisant.</a:t>
             </a:r>
           </a:p>
           <a:p>
@@ -4047,186 +3963,179 @@
           <a:bodyPr/>
           <a:lstStyle/>
           <a:p>
-            <a:pPr marL="342900" lvl="0" indent="-342900">
-              <a:lnSpc>
-                <a:spcPct val="107000"/>
-              </a:lnSpc>
-              <a:buFont typeface="Symbol" panose="05050102010706020507" pitchFamily="18" charset="2"/>
-              <a:buChar char=""/>
-            </a:pPr>
-            <a:r>
-              <a:rPr lang="fr-FR" sz="1100" dirty="0">
-                <a:effectLst/>
-                <a:latin typeface="Calibri" panose="020F0502020204030204" pitchFamily="34" charset="0"/>
-                <a:ea typeface="Calibri" panose="020F0502020204030204" pitchFamily="34" charset="0"/>
-                <a:cs typeface="Times New Roman" panose="02020603050405020304" pitchFamily="18" charset="0"/>
-              </a:rPr>
-              <a:t>Je veux créer un nouvel utilisateur</a:t>
-            </a:r>
-          </a:p>
-          <a:p>
-            <a:pPr marL="742950" lvl="1" indent="-285750">
-              <a:lnSpc>
-                <a:spcPct val="107000"/>
-              </a:lnSpc>
-              <a:buFont typeface="Courier New" panose="02070309020205020404" pitchFamily="49" charset="0"/>
-              <a:buChar char="o"/>
-            </a:pPr>
-            <a:r>
-              <a:rPr lang="fr-FR" sz="1100" dirty="0">
-                <a:effectLst/>
-                <a:latin typeface="Calibri" panose="020F0502020204030204" pitchFamily="34" charset="0"/>
-                <a:ea typeface="Calibri" panose="020F0502020204030204" pitchFamily="34" charset="0"/>
-                <a:cs typeface="Times New Roman" panose="02020603050405020304" pitchFamily="18" charset="0"/>
-              </a:rPr>
-              <a:t>Le serveur appelle le service de création d’ut.</a:t>
-            </a:r>
-          </a:p>
-          <a:p>
-            <a:pPr marL="742950" lvl="1" indent="-285750">
-              <a:lnSpc>
-                <a:spcPct val="107000"/>
-              </a:lnSpc>
-              <a:buFont typeface="Courier New" panose="02070309020205020404" pitchFamily="49" charset="0"/>
-              <a:buChar char="o"/>
-            </a:pPr>
-            <a:r>
-              <a:rPr lang="fr-FR" sz="1100" dirty="0">
-                <a:effectLst/>
-                <a:latin typeface="Calibri" panose="020F0502020204030204" pitchFamily="34" charset="0"/>
-                <a:ea typeface="Calibri" panose="020F0502020204030204" pitchFamily="34" charset="0"/>
-                <a:cs typeface="Times New Roman" panose="02020603050405020304" pitchFamily="18" charset="0"/>
-              </a:rPr>
-              <a:t>La première chose que fait ce service, c’est de contrôler grâce au cookie</a:t>
-            </a:r>
-          </a:p>
-          <a:p>
-            <a:pPr marL="1143000" lvl="2" indent="-228600">
-              <a:lnSpc>
-                <a:spcPct val="107000"/>
-              </a:lnSpc>
-              <a:buFont typeface="Wingdings" panose="05000000000000000000" pitchFamily="2" charset="2"/>
-              <a:buChar char=""/>
-            </a:pPr>
-            <a:r>
-              <a:rPr lang="fr-FR" sz="1100" dirty="0">
-                <a:effectLst/>
-                <a:latin typeface="Calibri" panose="020F0502020204030204" pitchFamily="34" charset="0"/>
-                <a:ea typeface="Calibri" panose="020F0502020204030204" pitchFamily="34" charset="0"/>
-                <a:cs typeface="Times New Roman" panose="02020603050405020304" pitchFamily="18" charset="0"/>
-              </a:rPr>
-              <a:t>Que l’auteur la requête est bien identifié et connecté</a:t>
-            </a:r>
-          </a:p>
-          <a:p>
-            <a:pPr marL="1143000" lvl="2" indent="-228600">
-              <a:lnSpc>
-                <a:spcPct val="107000"/>
-              </a:lnSpc>
-              <a:buFont typeface="Wingdings" panose="05000000000000000000" pitchFamily="2" charset="2"/>
-              <a:buChar char=""/>
-            </a:pPr>
-            <a:r>
-              <a:rPr lang="fr-FR" sz="1100" dirty="0">
-                <a:effectLst/>
-                <a:latin typeface="Calibri" panose="020F0502020204030204" pitchFamily="34" charset="0"/>
-                <a:ea typeface="Calibri" panose="020F0502020204030204" pitchFamily="34" charset="0"/>
-                <a:cs typeface="Times New Roman" panose="02020603050405020304" pitchFamily="18" charset="0"/>
-              </a:rPr>
-              <a:t>Qu’il a le bon profil</a:t>
-            </a:r>
-          </a:p>
-          <a:p>
-            <a:pPr marL="342900" lvl="0" indent="-342900">
-              <a:lnSpc>
-                <a:spcPct val="107000"/>
-              </a:lnSpc>
-              <a:buFont typeface="Symbol" panose="05050102010706020507" pitchFamily="18" charset="2"/>
-              <a:buChar char=""/>
-            </a:pPr>
-            <a:r>
-              <a:rPr lang="fr-FR" sz="1100" dirty="0">
-                <a:effectLst/>
-                <a:latin typeface="Calibri" panose="020F0502020204030204" pitchFamily="34" charset="0"/>
-                <a:ea typeface="Calibri" panose="020F0502020204030204" pitchFamily="34" charset="0"/>
-                <a:cs typeface="Times New Roman" panose="02020603050405020304" pitchFamily="18" charset="0"/>
-              </a:rPr>
-              <a:t>Je veux la liste des incidents que j’ai moi-même déclarés.</a:t>
-            </a:r>
-          </a:p>
-          <a:p>
-            <a:pPr marL="742950" lvl="1" indent="-285750">
-              <a:lnSpc>
-                <a:spcPct val="107000"/>
-              </a:lnSpc>
-              <a:buFont typeface="Courier New" panose="02070309020205020404" pitchFamily="49" charset="0"/>
-              <a:buChar char="o"/>
-            </a:pPr>
-            <a:r>
-              <a:rPr lang="fr-FR" sz="1100" dirty="0">
-                <a:effectLst/>
-                <a:latin typeface="Calibri" panose="020F0502020204030204" pitchFamily="34" charset="0"/>
-                <a:ea typeface="Calibri" panose="020F0502020204030204" pitchFamily="34" charset="0"/>
-                <a:cs typeface="Times New Roman" panose="02020603050405020304" pitchFamily="18" charset="0"/>
-              </a:rPr>
-              <a:t>Le serveur appelle le service adéquat.</a:t>
-            </a:r>
-          </a:p>
-          <a:p>
-            <a:pPr marL="742950" lvl="1" indent="-285750">
-              <a:lnSpc>
-                <a:spcPct val="107000"/>
-              </a:lnSpc>
-              <a:buFont typeface="Courier New" panose="02070309020205020404" pitchFamily="49" charset="0"/>
-              <a:buChar char="o"/>
-            </a:pPr>
-            <a:r>
-              <a:rPr lang="fr-FR" sz="1100" dirty="0">
-                <a:effectLst/>
-                <a:latin typeface="Calibri" panose="020F0502020204030204" pitchFamily="34" charset="0"/>
-                <a:ea typeface="Calibri" panose="020F0502020204030204" pitchFamily="34" charset="0"/>
-                <a:cs typeface="Times New Roman" panose="02020603050405020304" pitchFamily="18" charset="0"/>
-              </a:rPr>
-              <a:t>Ce service contrôle que l’auteur la requête est bien connecté.</a:t>
-            </a:r>
-          </a:p>
-          <a:p>
-            <a:pPr marL="1143000" lvl="2" indent="-228600">
-              <a:lnSpc>
-                <a:spcPct val="107000"/>
-              </a:lnSpc>
-              <a:buFont typeface="Wingdings" panose="05000000000000000000" pitchFamily="2" charset="2"/>
-              <a:buChar char=""/>
-            </a:pPr>
-            <a:r>
-              <a:rPr lang="fr-FR" sz="1100" dirty="0">
-                <a:effectLst/>
-                <a:latin typeface="Calibri" panose="020F0502020204030204" pitchFamily="34" charset="0"/>
-                <a:ea typeface="Calibri" panose="020F0502020204030204" pitchFamily="34" charset="0"/>
-                <a:cs typeface="Times New Roman" panose="02020603050405020304" pitchFamily="18" charset="0"/>
-              </a:rPr>
-              <a:t>Le profil n’a pas d’importance.</a:t>
-            </a:r>
-          </a:p>
-          <a:p>
-            <a:pPr marL="742950" lvl="1" indent="-285750">
+            <a:pPr>
               <a:lnSpc>
                 <a:spcPct val="107000"/>
               </a:lnSpc>
               <a:spcAft>
                 <a:spcPts val="800"/>
               </a:spcAft>
-              <a:buFont typeface="Courier New" panose="02070309020205020404" pitchFamily="49" charset="0"/>
-              <a:buChar char="o"/>
-            </a:pPr>
-            <a:r>
-              <a:rPr lang="fr-FR" sz="1100" dirty="0">
-                <a:effectLst/>
-                <a:latin typeface="Calibri" panose="020F0502020204030204" pitchFamily="34" charset="0"/>
-                <a:ea typeface="Calibri" panose="020F0502020204030204" pitchFamily="34" charset="0"/>
-                <a:cs typeface="Times New Roman" panose="02020603050405020304" pitchFamily="18" charset="0"/>
-              </a:rPr>
-              <a:t>Ensuite, le service récupère la liste des incidents (via DAO) et fait un filtre. Ne garde que ceux déclaré par l’utilisateur identifié par le cookie.</a:t>
+            </a:pPr>
+            <a:endParaRPr lang="fr-FR" sz="1200" dirty="0">
+              <a:effectLst/>
+              <a:latin typeface="Calibri" panose="020F0502020204030204" pitchFamily="34" charset="0"/>
+              <a:ea typeface="Calibri" panose="020F0502020204030204" pitchFamily="34" charset="0"/>
+              <a:cs typeface="Times New Roman" panose="02020603050405020304" pitchFamily="18" charset="0"/>
+            </a:endParaRPr>
+          </a:p>
+          <a:p>
+            <a:pPr>
+              <a:lnSpc>
+                <a:spcPct val="107000"/>
+              </a:lnSpc>
+              <a:spcAft>
+                <a:spcPts val="800"/>
+              </a:spcAft>
+            </a:pPr>
+            <a:r>
+              <a:rPr lang="fr-FR" sz="1200" dirty="0">
+                <a:effectLst/>
+                <a:latin typeface="Calibri" panose="020F0502020204030204" pitchFamily="34" charset="0"/>
+                <a:ea typeface="Calibri" panose="020F0502020204030204" pitchFamily="34" charset="0"/>
+                <a:cs typeface="Times New Roman" panose="02020603050405020304" pitchFamily="18" charset="0"/>
+              </a:rPr>
+              <a:t>Pas de données très sensibles…</a:t>
+            </a:r>
+          </a:p>
+          <a:p>
+            <a:pPr>
+              <a:lnSpc>
+                <a:spcPct val="107000"/>
+              </a:lnSpc>
+              <a:spcAft>
+                <a:spcPts val="800"/>
+              </a:spcAft>
+            </a:pPr>
+            <a:r>
+              <a:rPr lang="fr-FR" sz="1200" dirty="0">
+                <a:effectLst/>
+                <a:latin typeface="Calibri" panose="020F0502020204030204" pitchFamily="34" charset="0"/>
+                <a:ea typeface="Calibri" panose="020F0502020204030204" pitchFamily="34" charset="0"/>
+                <a:cs typeface="Times New Roman" panose="02020603050405020304" pitchFamily="18" charset="0"/>
+              </a:rPr>
+              <a:t>uuidv4</a:t>
+            </a:r>
+          </a:p>
+          <a:p>
+            <a:pPr>
+              <a:lnSpc>
+                <a:spcPct val="107000"/>
+              </a:lnSpc>
+              <a:spcAft>
+                <a:spcPts val="800"/>
+              </a:spcAft>
+            </a:pPr>
+            <a:r>
+              <a:rPr lang="fr-FR" sz="1200" dirty="0">
+                <a:effectLst/>
+                <a:latin typeface="Calibri" panose="020F0502020204030204" pitchFamily="34" charset="0"/>
+                <a:ea typeface="Calibri" panose="020F0502020204030204" pitchFamily="34" charset="0"/>
+                <a:cs typeface="Times New Roman" panose="02020603050405020304" pitchFamily="18" charset="0"/>
+              </a:rPr>
+              <a:t>…</a:t>
+            </a:r>
+          </a:p>
+          <a:p>
+            <a:pPr>
+              <a:lnSpc>
+                <a:spcPct val="107000"/>
+              </a:lnSpc>
+              <a:spcAft>
+                <a:spcPts val="800"/>
+              </a:spcAft>
+            </a:pPr>
+            <a:r>
+              <a:rPr lang="fr-FR" sz="1200" dirty="0">
+                <a:effectLst/>
+                <a:latin typeface="Calibri" panose="020F0502020204030204" pitchFamily="34" charset="0"/>
+                <a:ea typeface="Calibri" panose="020F0502020204030204" pitchFamily="34" charset="0"/>
+                <a:cs typeface="Times New Roman" panose="02020603050405020304" pitchFamily="18" charset="0"/>
+              </a:rPr>
+              <a:t>Sécuriser les données, c’est bien, mais il faut aussi songer à sécuriser leur accès.</a:t>
+            </a:r>
+          </a:p>
+          <a:p>
+            <a:pPr marL="0" marR="0" lvl="0" indent="0" algn="l" defTabSz="914400" rtl="0" eaLnBrk="1" fontAlgn="auto" latinLnBrk="0" hangingPunct="1">
+              <a:lnSpc>
+                <a:spcPct val="107000"/>
+              </a:lnSpc>
+              <a:spcBef>
+                <a:spcPts val="0"/>
+              </a:spcBef>
+              <a:spcAft>
+                <a:spcPts val="800"/>
+              </a:spcAft>
+              <a:buClrTx/>
+              <a:buSzTx/>
+              <a:buFontTx/>
+              <a:buNone/>
+              <a:tabLst/>
+              <a:defRPr/>
+            </a:pPr>
+            <a:r>
+              <a:rPr lang="fr-FR" sz="1200" dirty="0">
+                <a:effectLst/>
+                <a:latin typeface="Calibri" panose="020F0502020204030204" pitchFamily="34" charset="0"/>
+                <a:ea typeface="Calibri" panose="020F0502020204030204" pitchFamily="34" charset="0"/>
+                <a:cs typeface="Times New Roman" panose="02020603050405020304" pitchFamily="18" charset="0"/>
+              </a:rPr>
+              <a:t>Il faut qu’à chaque fois qu’un service est sollicité par le </a:t>
+            </a:r>
+            <a:r>
+              <a:rPr lang="fr-FR" sz="1200" dirty="0" err="1">
+                <a:effectLst/>
+                <a:latin typeface="Calibri" panose="020F0502020204030204" pitchFamily="34" charset="0"/>
+                <a:ea typeface="Calibri" panose="020F0502020204030204" pitchFamily="34" charset="0"/>
+                <a:cs typeface="Times New Roman" panose="02020603050405020304" pitchFamily="18" charset="0"/>
+              </a:rPr>
+              <a:t>controller</a:t>
+            </a:r>
+            <a:r>
+              <a:rPr lang="fr-FR" sz="1200" dirty="0">
+                <a:effectLst/>
+                <a:latin typeface="Calibri" panose="020F0502020204030204" pitchFamily="34" charset="0"/>
+                <a:ea typeface="Calibri" panose="020F0502020204030204" pitchFamily="34" charset="0"/>
+                <a:cs typeface="Times New Roman" panose="02020603050405020304" pitchFamily="18" charset="0"/>
+              </a:rPr>
+              <a:t>, il s’interroge : le demandeur a-t-il le droit de me demander ça ?</a:t>
+            </a:r>
+          </a:p>
+          <a:p>
+            <a:pPr>
+              <a:lnSpc>
+                <a:spcPct val="107000"/>
+              </a:lnSpc>
+              <a:spcAft>
+                <a:spcPts val="800"/>
+              </a:spcAft>
+            </a:pPr>
+            <a:r>
+              <a:rPr lang="fr-FR" sz="1200" dirty="0">
+                <a:effectLst/>
+                <a:latin typeface="Calibri" panose="020F0502020204030204" pitchFamily="34" charset="0"/>
+                <a:ea typeface="Calibri" panose="020F0502020204030204" pitchFamily="34" charset="0"/>
+                <a:cs typeface="Times New Roman" panose="02020603050405020304" pitchFamily="18" charset="0"/>
+              </a:rPr>
+              <a:t>Un premier filtre est fait par l’appli front, puisque que c’est le profil de l’utilisateur qui lui donne accès ou non aux différentes fonctionnalités.</a:t>
+            </a:r>
+          </a:p>
+          <a:p>
+            <a:pPr>
+              <a:lnSpc>
+                <a:spcPct val="107000"/>
+              </a:lnSpc>
+              <a:spcAft>
+                <a:spcPts val="800"/>
+              </a:spcAft>
+            </a:pPr>
+            <a:r>
+              <a:rPr lang="fr-FR" sz="1200" dirty="0">
+                <a:effectLst/>
+                <a:latin typeface="Calibri" panose="020F0502020204030204" pitchFamily="34" charset="0"/>
+                <a:ea typeface="Calibri" panose="020F0502020204030204" pitchFamily="34" charset="0"/>
+                <a:cs typeface="Times New Roman" panose="02020603050405020304" pitchFamily="18" charset="0"/>
+              </a:rPr>
+              <a:t>Mais c’est pas suffisant.</a:t>
             </a:r>
           </a:p>
           <a:p>
@@ -4251,7 +4160,7 @@
           <a:p>
             <a:fld id="{4FC62F1D-8B73-4A3C-A06D-0A25FF461052}" type="slidenum">
               <a:rPr lang="fr-FR" smtClean="0"/>
-              <a:t>16</a:t>
+              <a:t>15</a:t>
             </a:fld>
             <a:endParaRPr lang="fr-FR"/>
           </a:p>
@@ -4260,7 +4169,7 @@
     </p:spTree>
     <p:extLst>
       <p:ext uri="{BB962C8B-B14F-4D97-AF65-F5344CB8AC3E}">
-        <p14:creationId xmlns:p14="http://schemas.microsoft.com/office/powerpoint/2010/main" val="625995207"/>
+        <p14:creationId xmlns:p14="http://schemas.microsoft.com/office/powerpoint/2010/main" val="1207832099"/>
       </p:ext>
     </p:extLst>
   </p:cSld>
@@ -4314,6 +4223,189 @@
           <a:bodyPr/>
           <a:lstStyle/>
           <a:p>
+            <a:pPr marL="342900" lvl="0" indent="-342900">
+              <a:lnSpc>
+                <a:spcPct val="107000"/>
+              </a:lnSpc>
+              <a:buFont typeface="Symbol" panose="05050102010706020507" pitchFamily="18" charset="2"/>
+              <a:buChar char=""/>
+            </a:pPr>
+            <a:r>
+              <a:rPr lang="fr-FR" sz="1100" dirty="0">
+                <a:effectLst/>
+                <a:latin typeface="Calibri" panose="020F0502020204030204" pitchFamily="34" charset="0"/>
+                <a:ea typeface="Calibri" panose="020F0502020204030204" pitchFamily="34" charset="0"/>
+                <a:cs typeface="Times New Roman" panose="02020603050405020304" pitchFamily="18" charset="0"/>
+              </a:rPr>
+              <a:t>Je veux créer un nouvel utilisateur</a:t>
+            </a:r>
+          </a:p>
+          <a:p>
+            <a:pPr marL="742950" lvl="1" indent="-285750">
+              <a:lnSpc>
+                <a:spcPct val="107000"/>
+              </a:lnSpc>
+              <a:buFont typeface="Courier New" panose="02070309020205020404" pitchFamily="49" charset="0"/>
+              <a:buChar char="o"/>
+            </a:pPr>
+            <a:r>
+              <a:rPr lang="fr-FR" sz="1100" dirty="0">
+                <a:effectLst/>
+                <a:latin typeface="Calibri" panose="020F0502020204030204" pitchFamily="34" charset="0"/>
+                <a:ea typeface="Calibri" panose="020F0502020204030204" pitchFamily="34" charset="0"/>
+                <a:cs typeface="Times New Roman" panose="02020603050405020304" pitchFamily="18" charset="0"/>
+              </a:rPr>
+              <a:t>Le serveur appelle le service de création d’ut.</a:t>
+            </a:r>
+          </a:p>
+          <a:p>
+            <a:pPr marL="742950" lvl="1" indent="-285750">
+              <a:lnSpc>
+                <a:spcPct val="107000"/>
+              </a:lnSpc>
+              <a:buFont typeface="Courier New" panose="02070309020205020404" pitchFamily="49" charset="0"/>
+              <a:buChar char="o"/>
+            </a:pPr>
+            <a:r>
+              <a:rPr lang="fr-FR" sz="1100" dirty="0">
+                <a:effectLst/>
+                <a:latin typeface="Calibri" panose="020F0502020204030204" pitchFamily="34" charset="0"/>
+                <a:ea typeface="Calibri" panose="020F0502020204030204" pitchFamily="34" charset="0"/>
+                <a:cs typeface="Times New Roman" panose="02020603050405020304" pitchFamily="18" charset="0"/>
+              </a:rPr>
+              <a:t>La première chose que fait ce service, c’est de contrôler grâce au cookie</a:t>
+            </a:r>
+          </a:p>
+          <a:p>
+            <a:pPr marL="1143000" lvl="2" indent="-228600">
+              <a:lnSpc>
+                <a:spcPct val="107000"/>
+              </a:lnSpc>
+              <a:buFont typeface="Wingdings" panose="05000000000000000000" pitchFamily="2" charset="2"/>
+              <a:buChar char=""/>
+            </a:pPr>
+            <a:r>
+              <a:rPr lang="fr-FR" sz="1100" dirty="0">
+                <a:effectLst/>
+                <a:latin typeface="Calibri" panose="020F0502020204030204" pitchFamily="34" charset="0"/>
+                <a:ea typeface="Calibri" panose="020F0502020204030204" pitchFamily="34" charset="0"/>
+                <a:cs typeface="Times New Roman" panose="02020603050405020304" pitchFamily="18" charset="0"/>
+              </a:rPr>
+              <a:t>Que l’auteur la requête est bien identifié et connecté</a:t>
+            </a:r>
+          </a:p>
+          <a:p>
+            <a:pPr marL="1143000" lvl="2" indent="-228600">
+              <a:lnSpc>
+                <a:spcPct val="107000"/>
+              </a:lnSpc>
+              <a:buFont typeface="Wingdings" panose="05000000000000000000" pitchFamily="2" charset="2"/>
+              <a:buChar char=""/>
+            </a:pPr>
+            <a:r>
+              <a:rPr lang="fr-FR" sz="1100" dirty="0">
+                <a:effectLst/>
+                <a:latin typeface="Calibri" panose="020F0502020204030204" pitchFamily="34" charset="0"/>
+                <a:ea typeface="Calibri" panose="020F0502020204030204" pitchFamily="34" charset="0"/>
+                <a:cs typeface="Times New Roman" panose="02020603050405020304" pitchFamily="18" charset="0"/>
+              </a:rPr>
+              <a:t>Qu’il a le bon profil</a:t>
+            </a:r>
+          </a:p>
+          <a:p>
+            <a:pPr marL="342900" lvl="0" indent="-342900">
+              <a:lnSpc>
+                <a:spcPct val="107000"/>
+              </a:lnSpc>
+              <a:buFont typeface="Symbol" panose="05050102010706020507" pitchFamily="18" charset="2"/>
+              <a:buChar char=""/>
+            </a:pPr>
+            <a:r>
+              <a:rPr lang="fr-FR" sz="1100" dirty="0">
+                <a:effectLst/>
+                <a:latin typeface="Calibri" panose="020F0502020204030204" pitchFamily="34" charset="0"/>
+                <a:ea typeface="Calibri" panose="020F0502020204030204" pitchFamily="34" charset="0"/>
+                <a:cs typeface="Times New Roman" panose="02020603050405020304" pitchFamily="18" charset="0"/>
+              </a:rPr>
+              <a:t>Je veux la liste des incidents que j’ai moi-même déclarés.</a:t>
+            </a:r>
+          </a:p>
+          <a:p>
+            <a:pPr marL="742950" lvl="1" indent="-285750">
+              <a:lnSpc>
+                <a:spcPct val="107000"/>
+              </a:lnSpc>
+              <a:buFont typeface="Courier New" panose="02070309020205020404" pitchFamily="49" charset="0"/>
+              <a:buChar char="o"/>
+            </a:pPr>
+            <a:r>
+              <a:rPr lang="fr-FR" sz="1100" dirty="0">
+                <a:effectLst/>
+                <a:latin typeface="Calibri" panose="020F0502020204030204" pitchFamily="34" charset="0"/>
+                <a:ea typeface="Calibri" panose="020F0502020204030204" pitchFamily="34" charset="0"/>
+                <a:cs typeface="Times New Roman" panose="02020603050405020304" pitchFamily="18" charset="0"/>
+              </a:rPr>
+              <a:t>Le serveur appelle le service adéquat.</a:t>
+            </a:r>
+          </a:p>
+          <a:p>
+            <a:pPr marL="742950" lvl="1" indent="-285750">
+              <a:lnSpc>
+                <a:spcPct val="107000"/>
+              </a:lnSpc>
+              <a:buFont typeface="Courier New" panose="02070309020205020404" pitchFamily="49" charset="0"/>
+              <a:buChar char="o"/>
+            </a:pPr>
+            <a:r>
+              <a:rPr lang="fr-FR" sz="1100" dirty="0">
+                <a:effectLst/>
+                <a:latin typeface="Calibri" panose="020F0502020204030204" pitchFamily="34" charset="0"/>
+                <a:ea typeface="Calibri" panose="020F0502020204030204" pitchFamily="34" charset="0"/>
+                <a:cs typeface="Times New Roman" panose="02020603050405020304" pitchFamily="18" charset="0"/>
+              </a:rPr>
+              <a:t>Ce service contrôle que l’auteur la requête est bien connecté.</a:t>
+            </a:r>
+          </a:p>
+          <a:p>
+            <a:pPr marL="1143000" lvl="2" indent="-228600">
+              <a:lnSpc>
+                <a:spcPct val="107000"/>
+              </a:lnSpc>
+              <a:buFont typeface="Wingdings" panose="05000000000000000000" pitchFamily="2" charset="2"/>
+              <a:buChar char=""/>
+            </a:pPr>
+            <a:r>
+              <a:rPr lang="fr-FR" sz="1100" dirty="0">
+                <a:effectLst/>
+                <a:latin typeface="Calibri" panose="020F0502020204030204" pitchFamily="34" charset="0"/>
+                <a:ea typeface="Calibri" panose="020F0502020204030204" pitchFamily="34" charset="0"/>
+                <a:cs typeface="Times New Roman" panose="02020603050405020304" pitchFamily="18" charset="0"/>
+              </a:rPr>
+              <a:t>Le profil n’a pas d’importance.</a:t>
+            </a:r>
+          </a:p>
+          <a:p>
+            <a:pPr marL="742950" lvl="1" indent="-285750">
+              <a:lnSpc>
+                <a:spcPct val="107000"/>
+              </a:lnSpc>
+              <a:spcAft>
+                <a:spcPts val="800"/>
+              </a:spcAft>
+              <a:buFont typeface="Courier New" panose="02070309020205020404" pitchFamily="49" charset="0"/>
+              <a:buChar char="o"/>
+            </a:pPr>
+            <a:r>
+              <a:rPr lang="fr-FR" sz="1100" dirty="0">
+                <a:effectLst/>
+                <a:latin typeface="Calibri" panose="020F0502020204030204" pitchFamily="34" charset="0"/>
+                <a:ea typeface="Calibri" panose="020F0502020204030204" pitchFamily="34" charset="0"/>
+                <a:cs typeface="Times New Roman" panose="02020603050405020304" pitchFamily="18" charset="0"/>
+              </a:rPr>
+              <a:t>Ensuite, le service récupère la liste des incidents (via DAO) et fait un filtre. Ne garde que ceux déclaré par l’utilisateur identifié par le cookie.</a:t>
+            </a:r>
+          </a:p>
+          <a:p>
             <a:endParaRPr lang="fr-FR" dirty="0"/>
           </a:p>
         </p:txBody>
@@ -4335,7 +4427,7 @@
           <a:p>
             <a:fld id="{4FC62F1D-8B73-4A3C-A06D-0A25FF461052}" type="slidenum">
               <a:rPr lang="fr-FR" smtClean="0"/>
-              <a:t>17</a:t>
+              <a:t>16</a:t>
             </a:fld>
             <a:endParaRPr lang="fr-FR"/>
           </a:p>
@@ -4344,7 +4436,7 @@
     </p:spTree>
     <p:extLst>
       <p:ext uri="{BB962C8B-B14F-4D97-AF65-F5344CB8AC3E}">
-        <p14:creationId xmlns:p14="http://schemas.microsoft.com/office/powerpoint/2010/main" val="3803406619"/>
+        <p14:creationId xmlns:p14="http://schemas.microsoft.com/office/powerpoint/2010/main" val="625995207"/>
       </p:ext>
     </p:extLst>
   </p:cSld>
@@ -4398,33 +4490,6 @@
           <a:bodyPr/>
           <a:lstStyle/>
           <a:p>
-            <a:r>
-              <a:rPr lang="fr-FR" sz="1800" dirty="0">
-                <a:effectLst/>
-                <a:latin typeface="Calibri" panose="020F0502020204030204" pitchFamily="34" charset="0"/>
-                <a:ea typeface="Calibri" panose="020F0502020204030204" pitchFamily="34" charset="0"/>
-                <a:cs typeface="Times New Roman" panose="02020603050405020304" pitchFamily="18" charset="0"/>
-              </a:rPr>
-              <a:t>Les triggers/déclencheurs sont des scripts SQL rattachés à une base de données et programmés pour faire des actions lorsque survient un évènement précis (insert, update, </a:t>
-            </a:r>
-            <a:r>
-              <a:rPr lang="fr-FR" sz="1800" dirty="0" err="1">
-                <a:effectLst/>
-                <a:latin typeface="Calibri" panose="020F0502020204030204" pitchFamily="34" charset="0"/>
-                <a:ea typeface="Calibri" panose="020F0502020204030204" pitchFamily="34" charset="0"/>
-                <a:cs typeface="Times New Roman" panose="02020603050405020304" pitchFamily="18" charset="0"/>
-              </a:rPr>
-              <a:t>delete</a:t>
-            </a:r>
-            <a:r>
-              <a:rPr lang="fr-FR" sz="1800" dirty="0">
-                <a:effectLst/>
-                <a:latin typeface="Calibri" panose="020F0502020204030204" pitchFamily="34" charset="0"/>
-                <a:ea typeface="Calibri" panose="020F0502020204030204" pitchFamily="34" charset="0"/>
-                <a:cs typeface="Times New Roman" panose="02020603050405020304" pitchFamily="18" charset="0"/>
-              </a:rPr>
-              <a:t>)</a:t>
-            </a:r>
             <a:endParaRPr lang="fr-FR" dirty="0"/>
           </a:p>
         </p:txBody>
@@ -4446,7 +4511,7 @@
           <a:p>
             <a:fld id="{4FC62F1D-8B73-4A3C-A06D-0A25FF461052}" type="slidenum">
               <a:rPr lang="fr-FR" smtClean="0"/>
-              <a:t>19</a:t>
+              <a:t>17</a:t>
             </a:fld>
             <a:endParaRPr lang="fr-FR"/>
           </a:p>
@@ -4455,7 +4520,7 @@
     </p:spTree>
     <p:extLst>
       <p:ext uri="{BB962C8B-B14F-4D97-AF65-F5344CB8AC3E}">
-        <p14:creationId xmlns:p14="http://schemas.microsoft.com/office/powerpoint/2010/main" val="1614069578"/>
+        <p14:creationId xmlns:p14="http://schemas.microsoft.com/office/powerpoint/2010/main" val="3803406619"/>
       </p:ext>
     </p:extLst>
   </p:cSld>
@@ -4527,6 +4592,15 @@
               </a:rPr>
               <a:t>delete</a:t>
             </a:r>
+            <a:r>
+              <a:rPr lang="fr-FR" sz="1800" dirty="0">
+                <a:effectLst/>
+                <a:latin typeface="Calibri" panose="020F0502020204030204" pitchFamily="34" charset="0"/>
+                <a:ea typeface="Calibri" panose="020F0502020204030204" pitchFamily="34" charset="0"/>
+                <a:cs typeface="Times New Roman" panose="02020603050405020304" pitchFamily="18" charset="0"/>
+              </a:rPr>
+              <a:t>)</a:t>
+            </a:r>
             <a:endParaRPr lang="fr-FR" dirty="0"/>
           </a:p>
         </p:txBody>
@@ -4548,7 +4622,7 @@
           <a:p>
             <a:fld id="{4FC62F1D-8B73-4A3C-A06D-0A25FF461052}" type="slidenum">
               <a:rPr lang="fr-FR" smtClean="0"/>
-              <a:t>20</a:t>
+              <a:t>19</a:t>
             </a:fld>
             <a:endParaRPr lang="fr-FR"/>
           </a:p>
@@ -4557,7 +4631,7 @@
     </p:spTree>
     <p:extLst>
       <p:ext uri="{BB962C8B-B14F-4D97-AF65-F5344CB8AC3E}">
-        <p14:creationId xmlns:p14="http://schemas.microsoft.com/office/powerpoint/2010/main" val="3511490327"/>
+        <p14:creationId xmlns:p14="http://schemas.microsoft.com/office/powerpoint/2010/main" val="1614069578"/>
       </p:ext>
     </p:extLst>
   </p:cSld>
@@ -4611,661 +4685,6 @@
           <a:bodyPr/>
           <a:lstStyle/>
           <a:p>
-            <a:pPr>
-              <a:lnSpc>
-                <a:spcPct val="107000"/>
-              </a:lnSpc>
-              <a:spcAft>
-                <a:spcPts val="800"/>
-              </a:spcAft>
-            </a:pPr>
-            <a:r>
-              <a:rPr lang="fr-FR" sz="1800" dirty="0">
-                <a:effectLst/>
-                <a:latin typeface="Calibri" panose="020F0502020204030204" pitchFamily="34" charset="0"/>
-                <a:ea typeface="Calibri" panose="020F0502020204030204" pitchFamily="34" charset="0"/>
-                <a:cs typeface="Times New Roman" panose="02020603050405020304" pitchFamily="18" charset="0"/>
-              </a:rPr>
-              <a:t>Année éprouvante mais enrichissante.</a:t>
-            </a:r>
-          </a:p>
-          <a:p>
-            <a:pPr>
-              <a:lnSpc>
-                <a:spcPct val="107000"/>
-              </a:lnSpc>
-              <a:spcAft>
-                <a:spcPts val="800"/>
-              </a:spcAft>
-            </a:pPr>
-            <a:r>
-              <a:rPr lang="fr-FR" sz="1800" b="1" dirty="0">
-                <a:solidFill>
-                  <a:srgbClr val="FF0000"/>
-                </a:solidFill>
-                <a:effectLst/>
-                <a:latin typeface="Calibri" panose="020F0502020204030204" pitchFamily="34" charset="0"/>
-                <a:ea typeface="Calibri" panose="020F0502020204030204" pitchFamily="34" charset="0"/>
-                <a:cs typeface="Times New Roman" panose="02020603050405020304" pitchFamily="18" charset="0"/>
-              </a:rPr>
-              <a:t>click</a:t>
-            </a:r>
-            <a:r>
-              <a:rPr lang="fr-FR" sz="1800" dirty="0">
-                <a:effectLst/>
-                <a:latin typeface="Calibri" panose="020F0502020204030204" pitchFamily="34" charset="0"/>
-                <a:ea typeface="Calibri" panose="020F0502020204030204" pitchFamily="34" charset="0"/>
-                <a:cs typeface="Times New Roman" panose="02020603050405020304" pitchFamily="18" charset="0"/>
-              </a:rPr>
-              <a:t> </a:t>
-            </a:r>
-          </a:p>
-          <a:p>
-            <a:pPr>
-              <a:lnSpc>
-                <a:spcPct val="107000"/>
-              </a:lnSpc>
-              <a:spcAft>
-                <a:spcPts val="800"/>
-              </a:spcAft>
-            </a:pPr>
-            <a:r>
-              <a:rPr lang="fr-FR" sz="1800" dirty="0">
-                <a:effectLst/>
-                <a:latin typeface="Calibri" panose="020F0502020204030204" pitchFamily="34" charset="0"/>
-                <a:ea typeface="Calibri" panose="020F0502020204030204" pitchFamily="34" charset="0"/>
-                <a:cs typeface="Times New Roman" panose="02020603050405020304" pitchFamily="18" charset="0"/>
-              </a:rPr>
-              <a:t>De par ma formation =&gt; notions d’informatique :</a:t>
-            </a:r>
-          </a:p>
-          <a:p>
-            <a:pPr>
-              <a:lnSpc>
-                <a:spcPct val="107000"/>
-              </a:lnSpc>
-              <a:spcAft>
-                <a:spcPts val="800"/>
-              </a:spcAft>
-            </a:pPr>
-            <a:r>
-              <a:rPr lang="fr-FR" sz="1800" dirty="0">
-                <a:effectLst/>
-                <a:latin typeface="Calibri" panose="020F0502020204030204" pitchFamily="34" charset="0"/>
-                <a:ea typeface="Calibri" panose="020F0502020204030204" pitchFamily="34" charset="0"/>
-                <a:cs typeface="Times New Roman" panose="02020603050405020304" pitchFamily="18" charset="0"/>
-              </a:rPr>
-              <a:t>Interroger les futurs utilisateurs pour recueillir leurs besoins</a:t>
-            </a:r>
-          </a:p>
-          <a:p>
-            <a:pPr>
-              <a:lnSpc>
-                <a:spcPct val="107000"/>
-              </a:lnSpc>
-              <a:spcAft>
-                <a:spcPts val="800"/>
-              </a:spcAft>
-            </a:pPr>
-            <a:r>
-              <a:rPr lang="fr-FR" sz="1800" dirty="0">
-                <a:effectLst/>
-                <a:latin typeface="Calibri" panose="020F0502020204030204" pitchFamily="34" charset="0"/>
-                <a:ea typeface="Calibri" panose="020F0502020204030204" pitchFamily="34" charset="0"/>
-                <a:cs typeface="Times New Roman" panose="02020603050405020304" pitchFamily="18" charset="0"/>
-              </a:rPr>
-              <a:t>Etablir un dictionnaire de données et en faire une base.</a:t>
-            </a:r>
-          </a:p>
-          <a:p>
-            <a:pPr>
-              <a:lnSpc>
-                <a:spcPct val="107000"/>
-              </a:lnSpc>
-              <a:spcAft>
-                <a:spcPts val="800"/>
-              </a:spcAft>
-            </a:pPr>
-            <a:r>
-              <a:rPr lang="fr-FR" sz="1800" dirty="0">
-                <a:effectLst/>
-                <a:latin typeface="Calibri" panose="020F0502020204030204" pitchFamily="34" charset="0"/>
-                <a:ea typeface="Calibri" panose="020F0502020204030204" pitchFamily="34" charset="0"/>
-                <a:cs typeface="Times New Roman" panose="02020603050405020304" pitchFamily="18" charset="0"/>
-              </a:rPr>
-              <a:t>Déterminer l’ordre des priorisations. Plutôt avec un responsable.</a:t>
-            </a:r>
-          </a:p>
-          <a:p>
-            <a:pPr>
-              <a:lnSpc>
-                <a:spcPct val="107000"/>
-              </a:lnSpc>
-              <a:spcAft>
-                <a:spcPts val="800"/>
-              </a:spcAft>
-            </a:pPr>
-            <a:r>
-              <a:rPr lang="fr-FR" sz="1800" dirty="0">
-                <a:effectLst/>
-                <a:latin typeface="Calibri" panose="020F0502020204030204" pitchFamily="34" charset="0"/>
-                <a:ea typeface="Calibri" panose="020F0502020204030204" pitchFamily="34" charset="0"/>
-                <a:cs typeface="Times New Roman" panose="02020603050405020304" pitchFamily="18" charset="0"/>
-              </a:rPr>
-              <a:t>Ici c’est moi qui ai assuré à peu près tous les rôles : je l’ai porté, conçu, codé, testé, validé.</a:t>
-            </a:r>
-          </a:p>
-          <a:p>
-            <a:pPr>
-              <a:lnSpc>
-                <a:spcPct val="107000"/>
-              </a:lnSpc>
-              <a:spcAft>
-                <a:spcPts val="800"/>
-              </a:spcAft>
-            </a:pPr>
-            <a:r>
-              <a:rPr lang="fr-FR" sz="1800" b="1" dirty="0">
-                <a:solidFill>
-                  <a:srgbClr val="FF0000"/>
-                </a:solidFill>
-                <a:effectLst/>
-                <a:latin typeface="Calibri" panose="020F0502020204030204" pitchFamily="34" charset="0"/>
-                <a:ea typeface="Calibri" panose="020F0502020204030204" pitchFamily="34" charset="0"/>
-                <a:cs typeface="Times New Roman" panose="02020603050405020304" pitchFamily="18" charset="0"/>
-              </a:rPr>
-              <a:t>click</a:t>
-            </a:r>
-            <a:r>
-              <a:rPr lang="fr-FR" sz="1800" dirty="0">
-                <a:effectLst/>
-                <a:latin typeface="Calibri" panose="020F0502020204030204" pitchFamily="34" charset="0"/>
-                <a:ea typeface="Calibri" panose="020F0502020204030204" pitchFamily="34" charset="0"/>
-                <a:cs typeface="Times New Roman" panose="02020603050405020304" pitchFamily="18" charset="0"/>
-              </a:rPr>
-              <a:t> </a:t>
-            </a:r>
-          </a:p>
-          <a:p>
-            <a:pPr>
-              <a:lnSpc>
-                <a:spcPct val="107000"/>
-              </a:lnSpc>
-              <a:spcAft>
-                <a:spcPts val="800"/>
-              </a:spcAft>
-            </a:pPr>
-            <a:r>
-              <a:rPr lang="fr-FR" sz="1800" dirty="0">
-                <a:effectLst/>
-                <a:latin typeface="Calibri" panose="020F0502020204030204" pitchFamily="34" charset="0"/>
-                <a:ea typeface="Calibri" panose="020F0502020204030204" pitchFamily="34" charset="0"/>
-                <a:cs typeface="Times New Roman" panose="02020603050405020304" pitchFamily="18" charset="0"/>
-              </a:rPr>
-              <a:t>Au cours de l’année écoulée, j’ai appris énormément de choses que j’ai pu mettre en pratique pour ce projet :</a:t>
-            </a:r>
-          </a:p>
-          <a:p>
-            <a:pPr>
-              <a:lnSpc>
-                <a:spcPct val="107000"/>
-              </a:lnSpc>
-              <a:spcAft>
-                <a:spcPts val="800"/>
-              </a:spcAft>
-            </a:pPr>
-            <a:r>
-              <a:rPr lang="fr-FR" sz="1800" dirty="0">
-                <a:effectLst/>
-                <a:latin typeface="Calibri" panose="020F0502020204030204" pitchFamily="34" charset="0"/>
-                <a:ea typeface="Calibri" panose="020F0502020204030204" pitchFamily="34" charset="0"/>
-                <a:cs typeface="Times New Roman" panose="02020603050405020304" pitchFamily="18" charset="0"/>
-              </a:rPr>
-              <a:t>Web =&gt; quelques notions HTLM =&gt; Application client/serveur</a:t>
-            </a:r>
-          </a:p>
-          <a:p>
-            <a:pPr>
-              <a:lnSpc>
-                <a:spcPct val="107000"/>
-              </a:lnSpc>
-              <a:spcAft>
-                <a:spcPts val="800"/>
-              </a:spcAft>
-            </a:pPr>
-            <a:r>
-              <a:rPr lang="fr-FR" sz="1800" dirty="0">
-                <a:effectLst/>
-                <a:latin typeface="Calibri" panose="020F0502020204030204" pitchFamily="34" charset="0"/>
-                <a:ea typeface="Calibri" panose="020F0502020204030204" pitchFamily="34" charset="0"/>
-                <a:cs typeface="Times New Roman" panose="02020603050405020304" pitchFamily="18" charset="0"/>
-              </a:rPr>
-              <a:t>La POO : indispensable à n’importe quel développeur.</a:t>
-            </a:r>
-          </a:p>
-          <a:p>
-            <a:pPr>
-              <a:lnSpc>
-                <a:spcPct val="107000"/>
-              </a:lnSpc>
-              <a:spcAft>
-                <a:spcPts val="800"/>
-              </a:spcAft>
-            </a:pPr>
-            <a:r>
-              <a:rPr lang="fr-FR" sz="1800" dirty="0">
-                <a:effectLst/>
-                <a:latin typeface="Calibri" panose="020F0502020204030204" pitchFamily="34" charset="0"/>
-                <a:ea typeface="Calibri" panose="020F0502020204030204" pitchFamily="34" charset="0"/>
-                <a:cs typeface="Times New Roman" panose="02020603050405020304" pitchFamily="18" charset="0"/>
-              </a:rPr>
-              <a:t>Langages</a:t>
-            </a:r>
-          </a:p>
-          <a:p>
-            <a:pPr>
-              <a:lnSpc>
-                <a:spcPct val="107000"/>
-              </a:lnSpc>
-              <a:spcAft>
-                <a:spcPts val="800"/>
-              </a:spcAft>
-            </a:pPr>
-            <a:r>
-              <a:rPr lang="fr-FR" sz="1800" dirty="0" err="1">
-                <a:effectLst/>
-                <a:latin typeface="Calibri" panose="020F0502020204030204" pitchFamily="34" charset="0"/>
-                <a:ea typeface="Calibri" panose="020F0502020204030204" pitchFamily="34" charset="0"/>
-                <a:cs typeface="Times New Roman" panose="02020603050405020304" pitchFamily="18" charset="0"/>
-              </a:rPr>
-              <a:t>Devops</a:t>
-            </a:r>
-            <a:r>
-              <a:rPr lang="fr-FR" sz="1800" dirty="0">
-                <a:effectLst/>
-                <a:latin typeface="Calibri" panose="020F0502020204030204" pitchFamily="34" charset="0"/>
-                <a:ea typeface="Calibri" panose="020F0502020204030204" pitchFamily="34" charset="0"/>
-                <a:cs typeface="Times New Roman" panose="02020603050405020304" pitchFamily="18" charset="0"/>
-              </a:rPr>
-              <a:t> – qui m’a permis d’utiliser un pipe line </a:t>
-            </a:r>
-            <a:r>
-              <a:rPr lang="fr-FR" sz="1800" dirty="0" err="1">
-                <a:effectLst/>
-                <a:latin typeface="Calibri" panose="020F0502020204030204" pitchFamily="34" charset="0"/>
-                <a:ea typeface="Calibri" panose="020F0502020204030204" pitchFamily="34" charset="0"/>
-                <a:cs typeface="Times New Roman" panose="02020603050405020304" pitchFamily="18" charset="0"/>
-              </a:rPr>
-              <a:t>Github</a:t>
-            </a:r>
-            <a:r>
-              <a:rPr lang="fr-FR" sz="1800" dirty="0">
-                <a:effectLst/>
-                <a:latin typeface="Calibri" panose="020F0502020204030204" pitchFamily="34" charset="0"/>
-                <a:ea typeface="Calibri" panose="020F0502020204030204" pitchFamily="34" charset="0"/>
-                <a:cs typeface="Times New Roman" panose="02020603050405020304" pitchFamily="18" charset="0"/>
-              </a:rPr>
-              <a:t> pour automatiser les tests unitaires.</a:t>
-            </a:r>
-          </a:p>
-          <a:p>
-            <a:pPr>
-              <a:lnSpc>
-                <a:spcPct val="107000"/>
-              </a:lnSpc>
-              <a:spcAft>
-                <a:spcPts val="800"/>
-              </a:spcAft>
-            </a:pPr>
-            <a:r>
-              <a:rPr lang="fr-FR" sz="1800" dirty="0">
-                <a:effectLst/>
-                <a:latin typeface="Calibri" panose="020F0502020204030204" pitchFamily="34" charset="0"/>
-                <a:ea typeface="Calibri" panose="020F0502020204030204" pitchFamily="34" charset="0"/>
-                <a:cs typeface="Times New Roman" panose="02020603050405020304" pitchFamily="18" charset="0"/>
-              </a:rPr>
-              <a:t>J’espère bien m’en servir pour déployer l’appli sur un serveur distant</a:t>
-            </a:r>
-          </a:p>
-          <a:p>
-            <a:pPr>
-              <a:lnSpc>
-                <a:spcPct val="107000"/>
-              </a:lnSpc>
-              <a:spcAft>
-                <a:spcPts val="800"/>
-              </a:spcAft>
-            </a:pPr>
-            <a:r>
-              <a:rPr lang="fr-FR" sz="1800" b="1" dirty="0">
-                <a:solidFill>
-                  <a:srgbClr val="FF0000"/>
-                </a:solidFill>
-                <a:effectLst/>
-                <a:latin typeface="Calibri" panose="020F0502020204030204" pitchFamily="34" charset="0"/>
-                <a:ea typeface="Calibri" panose="020F0502020204030204" pitchFamily="34" charset="0"/>
-                <a:cs typeface="Times New Roman" panose="02020603050405020304" pitchFamily="18" charset="0"/>
-              </a:rPr>
-              <a:t>click</a:t>
-            </a:r>
-            <a:r>
-              <a:rPr lang="fr-FR" sz="1800" dirty="0">
-                <a:effectLst/>
-                <a:latin typeface="Calibri" panose="020F0502020204030204" pitchFamily="34" charset="0"/>
-                <a:ea typeface="Calibri" panose="020F0502020204030204" pitchFamily="34" charset="0"/>
-                <a:cs typeface="Times New Roman" panose="02020603050405020304" pitchFamily="18" charset="0"/>
-              </a:rPr>
-              <a:t> </a:t>
-            </a:r>
-          </a:p>
-          <a:p>
-            <a:pPr>
-              <a:lnSpc>
-                <a:spcPct val="107000"/>
-              </a:lnSpc>
-              <a:spcAft>
-                <a:spcPts val="800"/>
-              </a:spcAft>
-            </a:pPr>
-            <a:r>
-              <a:rPr lang="fr-FR" sz="1800" dirty="0">
-                <a:effectLst/>
-                <a:latin typeface="Calibri" panose="020F0502020204030204" pitchFamily="34" charset="0"/>
-                <a:ea typeface="Calibri" panose="020F0502020204030204" pitchFamily="34" charset="0"/>
-                <a:cs typeface="Times New Roman" panose="02020603050405020304" pitchFamily="18" charset="0"/>
-              </a:rPr>
-              <a:t>J’ai bien sûr dû compléter par des recherches personnelles.</a:t>
-            </a:r>
-          </a:p>
-          <a:p>
-            <a:pPr>
-              <a:lnSpc>
-                <a:spcPct val="107000"/>
-              </a:lnSpc>
-              <a:spcAft>
-                <a:spcPts val="800"/>
-              </a:spcAft>
-            </a:pPr>
-            <a:r>
-              <a:rPr lang="fr-FR" sz="1800" dirty="0">
-                <a:effectLst/>
-                <a:latin typeface="Calibri" panose="020F0502020204030204" pitchFamily="34" charset="0"/>
-                <a:ea typeface="Calibri" panose="020F0502020204030204" pitchFamily="34" charset="0"/>
-                <a:cs typeface="Times New Roman" panose="02020603050405020304" pitchFamily="18" charset="0"/>
-              </a:rPr>
-              <a:t>Principalement pour comprendre le principe de l’ORM. Vaste sujet.</a:t>
-            </a:r>
-          </a:p>
-          <a:p>
-            <a:pPr>
-              <a:lnSpc>
-                <a:spcPct val="107000"/>
-              </a:lnSpc>
-              <a:spcAft>
-                <a:spcPts val="800"/>
-              </a:spcAft>
-            </a:pPr>
-            <a:r>
-              <a:rPr lang="fr-FR" sz="1800" dirty="0">
-                <a:effectLst/>
-                <a:latin typeface="Calibri" panose="020F0502020204030204" pitchFamily="34" charset="0"/>
-                <a:ea typeface="Calibri" panose="020F0502020204030204" pitchFamily="34" charset="0"/>
-                <a:cs typeface="Times New Roman" panose="02020603050405020304" pitchFamily="18" charset="0"/>
-              </a:rPr>
-              <a:t>Beaucoup de temps aussi notamment pour les tests.</a:t>
-            </a:r>
-          </a:p>
-          <a:p>
-            <a:pPr>
-              <a:lnSpc>
-                <a:spcPct val="107000"/>
-              </a:lnSpc>
-              <a:spcAft>
-                <a:spcPts val="800"/>
-              </a:spcAft>
-            </a:pPr>
-            <a:r>
-              <a:rPr lang="fr-FR" sz="1800" dirty="0">
-                <a:effectLst/>
-                <a:latin typeface="Calibri" panose="020F0502020204030204" pitchFamily="34" charset="0"/>
-                <a:ea typeface="Calibri" panose="020F0502020204030204" pitchFamily="34" charset="0"/>
-                <a:cs typeface="Times New Roman" panose="02020603050405020304" pitchFamily="18" charset="0"/>
-              </a:rPr>
-              <a:t>Mais là c’était beaucoup plus un problème de codage que compréhension du concept.</a:t>
-            </a:r>
-          </a:p>
-          <a:p>
-            <a:pPr>
-              <a:lnSpc>
-                <a:spcPct val="107000"/>
-              </a:lnSpc>
-              <a:spcAft>
-                <a:spcPts val="800"/>
-              </a:spcAft>
-            </a:pPr>
-            <a:r>
-              <a:rPr lang="fr-FR" sz="1800" dirty="0">
-                <a:effectLst/>
-                <a:latin typeface="Calibri" panose="020F0502020204030204" pitchFamily="34" charset="0"/>
-                <a:ea typeface="Calibri" panose="020F0502020204030204" pitchFamily="34" charset="0"/>
-                <a:cs typeface="Times New Roman" panose="02020603050405020304" pitchFamily="18" charset="0"/>
-              </a:rPr>
-              <a:t>Et quelques fonctionnalités secondaires.</a:t>
-            </a:r>
-          </a:p>
-          <a:p>
-            <a:pPr>
-              <a:lnSpc>
-                <a:spcPct val="107000"/>
-              </a:lnSpc>
-              <a:spcAft>
-                <a:spcPts val="800"/>
-              </a:spcAft>
-            </a:pPr>
-            <a:r>
-              <a:rPr lang="fr-FR" sz="1800" b="1" dirty="0">
-                <a:solidFill>
-                  <a:srgbClr val="FF0000"/>
-                </a:solidFill>
-                <a:effectLst/>
-                <a:latin typeface="Calibri" panose="020F0502020204030204" pitchFamily="34" charset="0"/>
-                <a:ea typeface="Calibri" panose="020F0502020204030204" pitchFamily="34" charset="0"/>
-                <a:cs typeface="Times New Roman" panose="02020603050405020304" pitchFamily="18" charset="0"/>
-              </a:rPr>
-              <a:t>click</a:t>
-            </a:r>
-            <a:r>
-              <a:rPr lang="fr-FR" sz="1800" dirty="0">
-                <a:effectLst/>
-                <a:latin typeface="Calibri" panose="020F0502020204030204" pitchFamily="34" charset="0"/>
-                <a:ea typeface="Calibri" panose="020F0502020204030204" pitchFamily="34" charset="0"/>
-                <a:cs typeface="Times New Roman" panose="02020603050405020304" pitchFamily="18" charset="0"/>
-              </a:rPr>
-              <a:t> </a:t>
-            </a:r>
-          </a:p>
-          <a:p>
-            <a:pPr>
-              <a:lnSpc>
-                <a:spcPct val="107000"/>
-              </a:lnSpc>
-              <a:spcAft>
-                <a:spcPts val="800"/>
-              </a:spcAft>
-            </a:pPr>
-            <a:r>
-              <a:rPr lang="fr-FR" sz="1800" dirty="0">
-                <a:effectLst/>
-                <a:latin typeface="Calibri" panose="020F0502020204030204" pitchFamily="34" charset="0"/>
-                <a:ea typeface="Calibri" panose="020F0502020204030204" pitchFamily="34" charset="0"/>
-                <a:cs typeface="Times New Roman" panose="02020603050405020304" pitchFamily="18" charset="0"/>
-              </a:rPr>
-              <a:t>Aujourd’hui SOS </a:t>
-            </a:r>
-            <a:r>
-              <a:rPr lang="fr-FR" sz="1800" dirty="0" err="1">
-                <a:effectLst/>
-                <a:latin typeface="Calibri" panose="020F0502020204030204" pitchFamily="34" charset="0"/>
-                <a:ea typeface="Calibri" panose="020F0502020204030204" pitchFamily="34" charset="0"/>
-                <a:cs typeface="Times New Roman" panose="02020603050405020304" pitchFamily="18" charset="0"/>
-              </a:rPr>
-              <a:t>Immo</a:t>
-            </a:r>
-            <a:r>
-              <a:rPr lang="fr-FR" sz="1800" dirty="0">
-                <a:effectLst/>
-                <a:latin typeface="Calibri" panose="020F0502020204030204" pitchFamily="34" charset="0"/>
-                <a:ea typeface="Calibri" panose="020F0502020204030204" pitchFamily="34" charset="0"/>
-                <a:cs typeface="Times New Roman" panose="02020603050405020304" pitchFamily="18" charset="0"/>
-              </a:rPr>
-              <a:t> est opérationnel.</a:t>
-            </a:r>
-          </a:p>
-          <a:p>
-            <a:pPr>
-              <a:lnSpc>
-                <a:spcPct val="107000"/>
-              </a:lnSpc>
-              <a:spcAft>
-                <a:spcPts val="800"/>
-              </a:spcAft>
-            </a:pPr>
-            <a:r>
-              <a:rPr lang="fr-FR" sz="1800" dirty="0">
-                <a:effectLst/>
-                <a:latin typeface="Calibri" panose="020F0502020204030204" pitchFamily="34" charset="0"/>
-                <a:ea typeface="Calibri" panose="020F0502020204030204" pitchFamily="34" charset="0"/>
-                <a:cs typeface="Times New Roman" panose="02020603050405020304" pitchFamily="18" charset="0"/>
-              </a:rPr>
-              <a:t>La mission principale de (suivi des incidents) est remplie.</a:t>
-            </a:r>
-          </a:p>
-          <a:p>
-            <a:pPr>
-              <a:lnSpc>
-                <a:spcPct val="107000"/>
-              </a:lnSpc>
-              <a:spcAft>
-                <a:spcPts val="800"/>
-              </a:spcAft>
-            </a:pPr>
-            <a:r>
-              <a:rPr lang="fr-FR" sz="1800" dirty="0">
-                <a:effectLst/>
-                <a:latin typeface="Calibri" panose="020F0502020204030204" pitchFamily="34" charset="0"/>
-                <a:ea typeface="Calibri" panose="020F0502020204030204" pitchFamily="34" charset="0"/>
-                <a:cs typeface="Times New Roman" panose="02020603050405020304" pitchFamily="18" charset="0"/>
-              </a:rPr>
-              <a:t>Et la partie authentification est terminée.</a:t>
-            </a:r>
-          </a:p>
-          <a:p>
-            <a:pPr>
-              <a:lnSpc>
-                <a:spcPct val="107000"/>
-              </a:lnSpc>
-              <a:spcAft>
-                <a:spcPts val="800"/>
-              </a:spcAft>
-            </a:pPr>
-            <a:r>
-              <a:rPr lang="fr-FR" sz="1800" b="1" dirty="0">
-                <a:solidFill>
-                  <a:srgbClr val="FF0000"/>
-                </a:solidFill>
-                <a:effectLst/>
-                <a:latin typeface="Calibri" panose="020F0502020204030204" pitchFamily="34" charset="0"/>
-                <a:ea typeface="Calibri" panose="020F0502020204030204" pitchFamily="34" charset="0"/>
-                <a:cs typeface="Times New Roman" panose="02020603050405020304" pitchFamily="18" charset="0"/>
-              </a:rPr>
-              <a:t>click</a:t>
-            </a:r>
-            <a:r>
-              <a:rPr lang="fr-FR" sz="1800" dirty="0">
-                <a:effectLst/>
-                <a:latin typeface="Calibri" panose="020F0502020204030204" pitchFamily="34" charset="0"/>
-                <a:ea typeface="Calibri" panose="020F0502020204030204" pitchFamily="34" charset="0"/>
-                <a:cs typeface="Times New Roman" panose="02020603050405020304" pitchFamily="18" charset="0"/>
-              </a:rPr>
-              <a:t> </a:t>
-            </a:r>
-          </a:p>
-          <a:p>
-            <a:pPr>
-              <a:lnSpc>
-                <a:spcPct val="107000"/>
-              </a:lnSpc>
-              <a:spcAft>
-                <a:spcPts val="800"/>
-              </a:spcAft>
-            </a:pPr>
-            <a:r>
-              <a:rPr lang="fr-FR" sz="1800" dirty="0">
-                <a:effectLst/>
-                <a:latin typeface="Calibri" panose="020F0502020204030204" pitchFamily="34" charset="0"/>
-                <a:ea typeface="Calibri" panose="020F0502020204030204" pitchFamily="34" charset="0"/>
-                <a:cs typeface="Times New Roman" panose="02020603050405020304" pitchFamily="18" charset="0"/>
-              </a:rPr>
-              <a:t>Il me reste à finaliser l’administration de certaines données.</a:t>
-            </a:r>
-          </a:p>
-          <a:p>
-            <a:pPr>
-              <a:lnSpc>
-                <a:spcPct val="107000"/>
-              </a:lnSpc>
-              <a:spcAft>
-                <a:spcPts val="800"/>
-              </a:spcAft>
-            </a:pPr>
-            <a:r>
-              <a:rPr lang="fr-FR" sz="1800" dirty="0">
-                <a:effectLst/>
-                <a:latin typeface="Calibri" panose="020F0502020204030204" pitchFamily="34" charset="0"/>
-                <a:ea typeface="Calibri" panose="020F0502020204030204" pitchFamily="34" charset="0"/>
-                <a:cs typeface="Times New Roman" panose="02020603050405020304" pitchFamily="18" charset="0"/>
-              </a:rPr>
-              <a:t>Je souhaite également déployer l’appli sur une machine distante.</a:t>
-            </a:r>
-          </a:p>
-          <a:p>
-            <a:pPr>
-              <a:lnSpc>
-                <a:spcPct val="107000"/>
-              </a:lnSpc>
-              <a:spcAft>
-                <a:spcPts val="800"/>
-              </a:spcAft>
-            </a:pPr>
-            <a:r>
-              <a:rPr lang="fr-FR" sz="1800" dirty="0">
-                <a:effectLst/>
-                <a:latin typeface="Calibri" panose="020F0502020204030204" pitchFamily="34" charset="0"/>
-                <a:ea typeface="Calibri" panose="020F0502020204030204" pitchFamily="34" charset="0"/>
-                <a:cs typeface="Times New Roman" panose="02020603050405020304" pitchFamily="18" charset="0"/>
-              </a:rPr>
-              <a:t>On peut aussi envisager d’autres évolutions comme l’archivage des incidents clôturés, utilisateurs inactivés, la production de </a:t>
-            </a:r>
-            <a:r>
-              <a:rPr lang="fr-FR" sz="1800" dirty="0" err="1">
-                <a:effectLst/>
-                <a:latin typeface="Calibri" panose="020F0502020204030204" pitchFamily="34" charset="0"/>
-                <a:ea typeface="Calibri" panose="020F0502020204030204" pitchFamily="34" charset="0"/>
-                <a:cs typeface="Times New Roman" panose="02020603050405020304" pitchFamily="18" charset="0"/>
-              </a:rPr>
-              <a:t>kpi</a:t>
-            </a:r>
-            <a:r>
-              <a:rPr lang="fr-FR" sz="1800" dirty="0">
-                <a:effectLst/>
-                <a:latin typeface="Calibri" panose="020F0502020204030204" pitchFamily="34" charset="0"/>
-                <a:ea typeface="Calibri" panose="020F0502020204030204" pitchFamily="34" charset="0"/>
-                <a:cs typeface="Times New Roman" panose="02020603050405020304" pitchFamily="18" charset="0"/>
-              </a:rPr>
-              <a:t>, etc.</a:t>
-            </a:r>
-          </a:p>
-          <a:p>
             <a:endParaRPr lang="fr-FR" dirty="0"/>
           </a:p>
         </p:txBody>
@@ -5287,7 +4706,7 @@
           <a:p>
             <a:fld id="{4FC62F1D-8B73-4A3C-A06D-0A25FF461052}" type="slidenum">
               <a:rPr lang="fr-FR" smtClean="0"/>
-              <a:t>21</a:t>
+              <a:t>20</a:t>
             </a:fld>
             <a:endParaRPr lang="fr-FR"/>
           </a:p>
@@ -5296,7 +4715,7 @@
     </p:spTree>
     <p:extLst>
       <p:ext uri="{BB962C8B-B14F-4D97-AF65-F5344CB8AC3E}">
-        <p14:creationId xmlns:p14="http://schemas.microsoft.com/office/powerpoint/2010/main" val="3265094801"/>
+        <p14:creationId xmlns:p14="http://schemas.microsoft.com/office/powerpoint/2010/main" val="3511490327"/>
       </p:ext>
     </p:extLst>
   </p:cSld>
@@ -5365,7 +4784,7 @@
                 <a:ea typeface="Calibri" panose="020F0502020204030204" pitchFamily="34" charset="0"/>
                 <a:cs typeface="Times New Roman" panose="02020603050405020304" pitchFamily="18" charset="0"/>
               </a:rPr>
-              <a:t>Je tiens à remercier bien sûr les professeurs et les autres élèves de la cohorte, mon nouveau manager et toute son équipe.</a:t>
+              <a:t>Année éprouvante mais enrichissante.</a:t>
             </a:r>
           </a:p>
           <a:p>
@@ -5378,13 +4797,630 @@
               </a:spcAft>
             </a:pPr>
             <a:r>
-              <a:rPr lang="fr-FR" sz="1800" dirty="0">
-                <a:effectLst/>
-                <a:latin typeface="Calibri" panose="020F0502020204030204" pitchFamily="34" charset="0"/>
-                <a:ea typeface="Calibri" panose="020F0502020204030204" pitchFamily="34" charset="0"/>
-                <a:cs typeface="Times New Roman" panose="02020603050405020304" pitchFamily="18" charset="0"/>
-              </a:rPr>
-              <a:t>Sans oublier les responsables du service immobilier de l’immeuble Basalte de la Défense.</a:t>
+              <a:rPr lang="fr-FR" sz="1800" b="1" dirty="0">
+                <a:solidFill>
+                  <a:srgbClr val="FF0000"/>
+                </a:solidFill>
+                <a:effectLst/>
+                <a:latin typeface="Calibri" panose="020F0502020204030204" pitchFamily="34" charset="0"/>
+                <a:ea typeface="Calibri" panose="020F0502020204030204" pitchFamily="34" charset="0"/>
+                <a:cs typeface="Times New Roman" panose="02020603050405020304" pitchFamily="18" charset="0"/>
+              </a:rPr>
+              <a:t>click</a:t>
+            </a:r>
+            <a:r>
+              <a:rPr lang="fr-FR" sz="1800" dirty="0">
+                <a:effectLst/>
+                <a:latin typeface="Calibri" panose="020F0502020204030204" pitchFamily="34" charset="0"/>
+                <a:ea typeface="Calibri" panose="020F0502020204030204" pitchFamily="34" charset="0"/>
+                <a:cs typeface="Times New Roman" panose="02020603050405020304" pitchFamily="18" charset="0"/>
+              </a:rPr>
+              <a:t> </a:t>
+            </a:r>
+          </a:p>
+          <a:p>
+            <a:pPr>
+              <a:lnSpc>
+                <a:spcPct val="107000"/>
+              </a:lnSpc>
+              <a:spcAft>
+                <a:spcPts val="800"/>
+              </a:spcAft>
+            </a:pPr>
+            <a:r>
+              <a:rPr lang="fr-FR" sz="1800" dirty="0">
+                <a:effectLst/>
+                <a:latin typeface="Calibri" panose="020F0502020204030204" pitchFamily="34" charset="0"/>
+                <a:ea typeface="Calibri" panose="020F0502020204030204" pitchFamily="34" charset="0"/>
+                <a:cs typeface="Times New Roman" panose="02020603050405020304" pitchFamily="18" charset="0"/>
+              </a:rPr>
+              <a:t>De par ma formation =&gt; notions d’informatique :</a:t>
+            </a:r>
+          </a:p>
+          <a:p>
+            <a:pPr>
+              <a:lnSpc>
+                <a:spcPct val="107000"/>
+              </a:lnSpc>
+              <a:spcAft>
+                <a:spcPts val="800"/>
+              </a:spcAft>
+            </a:pPr>
+            <a:r>
+              <a:rPr lang="fr-FR" sz="1800" dirty="0">
+                <a:effectLst/>
+                <a:latin typeface="Calibri" panose="020F0502020204030204" pitchFamily="34" charset="0"/>
+                <a:ea typeface="Calibri" panose="020F0502020204030204" pitchFamily="34" charset="0"/>
+                <a:cs typeface="Times New Roman" panose="02020603050405020304" pitchFamily="18" charset="0"/>
+              </a:rPr>
+              <a:t>Interroger les futurs utilisateurs pour recueillir leurs besoins</a:t>
+            </a:r>
+          </a:p>
+          <a:p>
+            <a:pPr>
+              <a:lnSpc>
+                <a:spcPct val="107000"/>
+              </a:lnSpc>
+              <a:spcAft>
+                <a:spcPts val="800"/>
+              </a:spcAft>
+            </a:pPr>
+            <a:r>
+              <a:rPr lang="fr-FR" sz="1800" dirty="0">
+                <a:effectLst/>
+                <a:latin typeface="Calibri" panose="020F0502020204030204" pitchFamily="34" charset="0"/>
+                <a:ea typeface="Calibri" panose="020F0502020204030204" pitchFamily="34" charset="0"/>
+                <a:cs typeface="Times New Roman" panose="02020603050405020304" pitchFamily="18" charset="0"/>
+              </a:rPr>
+              <a:t>Etablir un dictionnaire de données et en faire une base.</a:t>
+            </a:r>
+          </a:p>
+          <a:p>
+            <a:pPr>
+              <a:lnSpc>
+                <a:spcPct val="107000"/>
+              </a:lnSpc>
+              <a:spcAft>
+                <a:spcPts val="800"/>
+              </a:spcAft>
+            </a:pPr>
+            <a:r>
+              <a:rPr lang="fr-FR" sz="1800" dirty="0">
+                <a:effectLst/>
+                <a:latin typeface="Calibri" panose="020F0502020204030204" pitchFamily="34" charset="0"/>
+                <a:ea typeface="Calibri" panose="020F0502020204030204" pitchFamily="34" charset="0"/>
+                <a:cs typeface="Times New Roman" panose="02020603050405020304" pitchFamily="18" charset="0"/>
+              </a:rPr>
+              <a:t>Déterminer l’ordre des priorisations. Plutôt avec un responsable.</a:t>
+            </a:r>
+          </a:p>
+          <a:p>
+            <a:pPr>
+              <a:lnSpc>
+                <a:spcPct val="107000"/>
+              </a:lnSpc>
+              <a:spcAft>
+                <a:spcPts val="800"/>
+              </a:spcAft>
+            </a:pPr>
+            <a:r>
+              <a:rPr lang="fr-FR" sz="1800" dirty="0">
+                <a:effectLst/>
+                <a:latin typeface="Calibri" panose="020F0502020204030204" pitchFamily="34" charset="0"/>
+                <a:ea typeface="Calibri" panose="020F0502020204030204" pitchFamily="34" charset="0"/>
+                <a:cs typeface="Times New Roman" panose="02020603050405020304" pitchFamily="18" charset="0"/>
+              </a:rPr>
+              <a:t>Ici c’est moi qui ai assuré à peu près tous les rôles : je l’ai porté, conçu, codé, testé, validé.</a:t>
+            </a:r>
+          </a:p>
+          <a:p>
+            <a:pPr>
+              <a:lnSpc>
+                <a:spcPct val="107000"/>
+              </a:lnSpc>
+              <a:spcAft>
+                <a:spcPts val="800"/>
+              </a:spcAft>
+            </a:pPr>
+            <a:r>
+              <a:rPr lang="fr-FR" sz="1800" b="1" dirty="0">
+                <a:solidFill>
+                  <a:srgbClr val="FF0000"/>
+                </a:solidFill>
+                <a:effectLst/>
+                <a:latin typeface="Calibri" panose="020F0502020204030204" pitchFamily="34" charset="0"/>
+                <a:ea typeface="Calibri" panose="020F0502020204030204" pitchFamily="34" charset="0"/>
+                <a:cs typeface="Times New Roman" panose="02020603050405020304" pitchFamily="18" charset="0"/>
+              </a:rPr>
+              <a:t>click</a:t>
+            </a:r>
+            <a:r>
+              <a:rPr lang="fr-FR" sz="1800" dirty="0">
+                <a:effectLst/>
+                <a:latin typeface="Calibri" panose="020F0502020204030204" pitchFamily="34" charset="0"/>
+                <a:ea typeface="Calibri" panose="020F0502020204030204" pitchFamily="34" charset="0"/>
+                <a:cs typeface="Times New Roman" panose="02020603050405020304" pitchFamily="18" charset="0"/>
+              </a:rPr>
+              <a:t> </a:t>
+            </a:r>
+          </a:p>
+          <a:p>
+            <a:pPr>
+              <a:lnSpc>
+                <a:spcPct val="107000"/>
+              </a:lnSpc>
+              <a:spcAft>
+                <a:spcPts val="800"/>
+              </a:spcAft>
+            </a:pPr>
+            <a:r>
+              <a:rPr lang="fr-FR" sz="1800" dirty="0">
+                <a:effectLst/>
+                <a:latin typeface="Calibri" panose="020F0502020204030204" pitchFamily="34" charset="0"/>
+                <a:ea typeface="Calibri" panose="020F0502020204030204" pitchFamily="34" charset="0"/>
+                <a:cs typeface="Times New Roman" panose="02020603050405020304" pitchFamily="18" charset="0"/>
+              </a:rPr>
+              <a:t>Au cours de l’année écoulée, j’ai appris énormément de choses que j’ai pu mettre en pratique pour ce projet :</a:t>
+            </a:r>
+          </a:p>
+          <a:p>
+            <a:pPr>
+              <a:lnSpc>
+                <a:spcPct val="107000"/>
+              </a:lnSpc>
+              <a:spcAft>
+                <a:spcPts val="800"/>
+              </a:spcAft>
+            </a:pPr>
+            <a:r>
+              <a:rPr lang="fr-FR" sz="1800" dirty="0">
+                <a:effectLst/>
+                <a:latin typeface="Calibri" panose="020F0502020204030204" pitchFamily="34" charset="0"/>
+                <a:ea typeface="Calibri" panose="020F0502020204030204" pitchFamily="34" charset="0"/>
+                <a:cs typeface="Times New Roman" panose="02020603050405020304" pitchFamily="18" charset="0"/>
+              </a:rPr>
+              <a:t>Web =&gt; quelques notions HTLM =&gt; Application client/serveur</a:t>
+            </a:r>
+          </a:p>
+          <a:p>
+            <a:pPr>
+              <a:lnSpc>
+                <a:spcPct val="107000"/>
+              </a:lnSpc>
+              <a:spcAft>
+                <a:spcPts val="800"/>
+              </a:spcAft>
+            </a:pPr>
+            <a:r>
+              <a:rPr lang="fr-FR" sz="1800" dirty="0">
+                <a:effectLst/>
+                <a:latin typeface="Calibri" panose="020F0502020204030204" pitchFamily="34" charset="0"/>
+                <a:ea typeface="Calibri" panose="020F0502020204030204" pitchFamily="34" charset="0"/>
+                <a:cs typeface="Times New Roman" panose="02020603050405020304" pitchFamily="18" charset="0"/>
+              </a:rPr>
+              <a:t>La POO : indispensable à n’importe quel développeur.</a:t>
+            </a:r>
+          </a:p>
+          <a:p>
+            <a:pPr>
+              <a:lnSpc>
+                <a:spcPct val="107000"/>
+              </a:lnSpc>
+              <a:spcAft>
+                <a:spcPts val="800"/>
+              </a:spcAft>
+            </a:pPr>
+            <a:r>
+              <a:rPr lang="fr-FR" sz="1800" dirty="0">
+                <a:effectLst/>
+                <a:latin typeface="Calibri" panose="020F0502020204030204" pitchFamily="34" charset="0"/>
+                <a:ea typeface="Calibri" panose="020F0502020204030204" pitchFamily="34" charset="0"/>
+                <a:cs typeface="Times New Roman" panose="02020603050405020304" pitchFamily="18" charset="0"/>
+              </a:rPr>
+              <a:t>Langages</a:t>
+            </a:r>
+          </a:p>
+          <a:p>
+            <a:pPr>
+              <a:lnSpc>
+                <a:spcPct val="107000"/>
+              </a:lnSpc>
+              <a:spcAft>
+                <a:spcPts val="800"/>
+              </a:spcAft>
+            </a:pPr>
+            <a:r>
+              <a:rPr lang="fr-FR" sz="1800" dirty="0" err="1">
+                <a:effectLst/>
+                <a:latin typeface="Calibri" panose="020F0502020204030204" pitchFamily="34" charset="0"/>
+                <a:ea typeface="Calibri" panose="020F0502020204030204" pitchFamily="34" charset="0"/>
+                <a:cs typeface="Times New Roman" panose="02020603050405020304" pitchFamily="18" charset="0"/>
+              </a:rPr>
+              <a:t>Devops</a:t>
+            </a:r>
+            <a:r>
+              <a:rPr lang="fr-FR" sz="1800" dirty="0">
+                <a:effectLst/>
+                <a:latin typeface="Calibri" panose="020F0502020204030204" pitchFamily="34" charset="0"/>
+                <a:ea typeface="Calibri" panose="020F0502020204030204" pitchFamily="34" charset="0"/>
+                <a:cs typeface="Times New Roman" panose="02020603050405020304" pitchFamily="18" charset="0"/>
+              </a:rPr>
+              <a:t> – qui m’a permis d’utiliser un pipe line </a:t>
+            </a:r>
+            <a:r>
+              <a:rPr lang="fr-FR" sz="1800" dirty="0" err="1">
+                <a:effectLst/>
+                <a:latin typeface="Calibri" panose="020F0502020204030204" pitchFamily="34" charset="0"/>
+                <a:ea typeface="Calibri" panose="020F0502020204030204" pitchFamily="34" charset="0"/>
+                <a:cs typeface="Times New Roman" panose="02020603050405020304" pitchFamily="18" charset="0"/>
+              </a:rPr>
+              <a:t>Github</a:t>
+            </a:r>
+            <a:r>
+              <a:rPr lang="fr-FR" sz="1800" dirty="0">
+                <a:effectLst/>
+                <a:latin typeface="Calibri" panose="020F0502020204030204" pitchFamily="34" charset="0"/>
+                <a:ea typeface="Calibri" panose="020F0502020204030204" pitchFamily="34" charset="0"/>
+                <a:cs typeface="Times New Roman" panose="02020603050405020304" pitchFamily="18" charset="0"/>
+              </a:rPr>
+              <a:t> pour automatiser les tests unitaires.</a:t>
+            </a:r>
+          </a:p>
+          <a:p>
+            <a:pPr>
+              <a:lnSpc>
+                <a:spcPct val="107000"/>
+              </a:lnSpc>
+              <a:spcAft>
+                <a:spcPts val="800"/>
+              </a:spcAft>
+            </a:pPr>
+            <a:r>
+              <a:rPr lang="fr-FR" sz="1800" dirty="0">
+                <a:effectLst/>
+                <a:latin typeface="Calibri" panose="020F0502020204030204" pitchFamily="34" charset="0"/>
+                <a:ea typeface="Calibri" panose="020F0502020204030204" pitchFamily="34" charset="0"/>
+                <a:cs typeface="Times New Roman" panose="02020603050405020304" pitchFamily="18" charset="0"/>
+              </a:rPr>
+              <a:t>J’espère bien m’en servir pour déployer l’appli sur un serveur distant</a:t>
+            </a:r>
+          </a:p>
+          <a:p>
+            <a:pPr>
+              <a:lnSpc>
+                <a:spcPct val="107000"/>
+              </a:lnSpc>
+              <a:spcAft>
+                <a:spcPts val="800"/>
+              </a:spcAft>
+            </a:pPr>
+            <a:r>
+              <a:rPr lang="fr-FR" sz="1800" b="1" dirty="0">
+                <a:solidFill>
+                  <a:srgbClr val="FF0000"/>
+                </a:solidFill>
+                <a:effectLst/>
+                <a:latin typeface="Calibri" panose="020F0502020204030204" pitchFamily="34" charset="0"/>
+                <a:ea typeface="Calibri" panose="020F0502020204030204" pitchFamily="34" charset="0"/>
+                <a:cs typeface="Times New Roman" panose="02020603050405020304" pitchFamily="18" charset="0"/>
+              </a:rPr>
+              <a:t>click</a:t>
+            </a:r>
+            <a:r>
+              <a:rPr lang="fr-FR" sz="1800" dirty="0">
+                <a:effectLst/>
+                <a:latin typeface="Calibri" panose="020F0502020204030204" pitchFamily="34" charset="0"/>
+                <a:ea typeface="Calibri" panose="020F0502020204030204" pitchFamily="34" charset="0"/>
+                <a:cs typeface="Times New Roman" panose="02020603050405020304" pitchFamily="18" charset="0"/>
+              </a:rPr>
+              <a:t> </a:t>
+            </a:r>
+          </a:p>
+          <a:p>
+            <a:pPr>
+              <a:lnSpc>
+                <a:spcPct val="107000"/>
+              </a:lnSpc>
+              <a:spcAft>
+                <a:spcPts val="800"/>
+              </a:spcAft>
+            </a:pPr>
+            <a:r>
+              <a:rPr lang="fr-FR" sz="1800" dirty="0">
+                <a:effectLst/>
+                <a:latin typeface="Calibri" panose="020F0502020204030204" pitchFamily="34" charset="0"/>
+                <a:ea typeface="Calibri" panose="020F0502020204030204" pitchFamily="34" charset="0"/>
+                <a:cs typeface="Times New Roman" panose="02020603050405020304" pitchFamily="18" charset="0"/>
+              </a:rPr>
+              <a:t>J’ai bien sûr dû compléter par des recherches personnelles.</a:t>
+            </a:r>
+          </a:p>
+          <a:p>
+            <a:pPr>
+              <a:lnSpc>
+                <a:spcPct val="107000"/>
+              </a:lnSpc>
+              <a:spcAft>
+                <a:spcPts val="800"/>
+              </a:spcAft>
+            </a:pPr>
+            <a:r>
+              <a:rPr lang="fr-FR" sz="1800" dirty="0">
+                <a:effectLst/>
+                <a:latin typeface="Calibri" panose="020F0502020204030204" pitchFamily="34" charset="0"/>
+                <a:ea typeface="Calibri" panose="020F0502020204030204" pitchFamily="34" charset="0"/>
+                <a:cs typeface="Times New Roman" panose="02020603050405020304" pitchFamily="18" charset="0"/>
+              </a:rPr>
+              <a:t>Principalement pour comprendre le principe de l’ORM. Vaste sujet.</a:t>
+            </a:r>
+          </a:p>
+          <a:p>
+            <a:pPr>
+              <a:lnSpc>
+                <a:spcPct val="107000"/>
+              </a:lnSpc>
+              <a:spcAft>
+                <a:spcPts val="800"/>
+              </a:spcAft>
+            </a:pPr>
+            <a:r>
+              <a:rPr lang="fr-FR" sz="1800" dirty="0">
+                <a:effectLst/>
+                <a:latin typeface="Calibri" panose="020F0502020204030204" pitchFamily="34" charset="0"/>
+                <a:ea typeface="Calibri" panose="020F0502020204030204" pitchFamily="34" charset="0"/>
+                <a:cs typeface="Times New Roman" panose="02020603050405020304" pitchFamily="18" charset="0"/>
+              </a:rPr>
+              <a:t>Beaucoup de temps aussi notamment pour les tests.</a:t>
+            </a:r>
+          </a:p>
+          <a:p>
+            <a:pPr>
+              <a:lnSpc>
+                <a:spcPct val="107000"/>
+              </a:lnSpc>
+              <a:spcAft>
+                <a:spcPts val="800"/>
+              </a:spcAft>
+            </a:pPr>
+            <a:r>
+              <a:rPr lang="fr-FR" sz="1800" dirty="0">
+                <a:effectLst/>
+                <a:latin typeface="Calibri" panose="020F0502020204030204" pitchFamily="34" charset="0"/>
+                <a:ea typeface="Calibri" panose="020F0502020204030204" pitchFamily="34" charset="0"/>
+                <a:cs typeface="Times New Roman" panose="02020603050405020304" pitchFamily="18" charset="0"/>
+              </a:rPr>
+              <a:t>Mais là c’était beaucoup plus un problème de codage que compréhension du concept.</a:t>
+            </a:r>
+          </a:p>
+          <a:p>
+            <a:pPr>
+              <a:lnSpc>
+                <a:spcPct val="107000"/>
+              </a:lnSpc>
+              <a:spcAft>
+                <a:spcPts val="800"/>
+              </a:spcAft>
+            </a:pPr>
+            <a:r>
+              <a:rPr lang="fr-FR" sz="1800" dirty="0">
+                <a:effectLst/>
+                <a:latin typeface="Calibri" panose="020F0502020204030204" pitchFamily="34" charset="0"/>
+                <a:ea typeface="Calibri" panose="020F0502020204030204" pitchFamily="34" charset="0"/>
+                <a:cs typeface="Times New Roman" panose="02020603050405020304" pitchFamily="18" charset="0"/>
+              </a:rPr>
+              <a:t>Et quelques fonctionnalités secondaires.</a:t>
+            </a:r>
+          </a:p>
+          <a:p>
+            <a:pPr>
+              <a:lnSpc>
+                <a:spcPct val="107000"/>
+              </a:lnSpc>
+              <a:spcAft>
+                <a:spcPts val="800"/>
+              </a:spcAft>
+            </a:pPr>
+            <a:r>
+              <a:rPr lang="fr-FR" sz="1800" b="1" dirty="0">
+                <a:solidFill>
+                  <a:srgbClr val="FF0000"/>
+                </a:solidFill>
+                <a:effectLst/>
+                <a:latin typeface="Calibri" panose="020F0502020204030204" pitchFamily="34" charset="0"/>
+                <a:ea typeface="Calibri" panose="020F0502020204030204" pitchFamily="34" charset="0"/>
+                <a:cs typeface="Times New Roman" panose="02020603050405020304" pitchFamily="18" charset="0"/>
+              </a:rPr>
+              <a:t>click</a:t>
+            </a:r>
+            <a:r>
+              <a:rPr lang="fr-FR" sz="1800" dirty="0">
+                <a:effectLst/>
+                <a:latin typeface="Calibri" panose="020F0502020204030204" pitchFamily="34" charset="0"/>
+                <a:ea typeface="Calibri" panose="020F0502020204030204" pitchFamily="34" charset="0"/>
+                <a:cs typeface="Times New Roman" panose="02020603050405020304" pitchFamily="18" charset="0"/>
+              </a:rPr>
+              <a:t> </a:t>
+            </a:r>
+          </a:p>
+          <a:p>
+            <a:pPr>
+              <a:lnSpc>
+                <a:spcPct val="107000"/>
+              </a:lnSpc>
+              <a:spcAft>
+                <a:spcPts val="800"/>
+              </a:spcAft>
+            </a:pPr>
+            <a:r>
+              <a:rPr lang="fr-FR" sz="1800" dirty="0">
+                <a:effectLst/>
+                <a:latin typeface="Calibri" panose="020F0502020204030204" pitchFamily="34" charset="0"/>
+                <a:ea typeface="Calibri" panose="020F0502020204030204" pitchFamily="34" charset="0"/>
+                <a:cs typeface="Times New Roman" panose="02020603050405020304" pitchFamily="18" charset="0"/>
+              </a:rPr>
+              <a:t>Aujourd’hui SOS </a:t>
+            </a:r>
+            <a:r>
+              <a:rPr lang="fr-FR" sz="1800" dirty="0" err="1">
+                <a:effectLst/>
+                <a:latin typeface="Calibri" panose="020F0502020204030204" pitchFamily="34" charset="0"/>
+                <a:ea typeface="Calibri" panose="020F0502020204030204" pitchFamily="34" charset="0"/>
+                <a:cs typeface="Times New Roman" panose="02020603050405020304" pitchFamily="18" charset="0"/>
+              </a:rPr>
+              <a:t>Immo</a:t>
+            </a:r>
+            <a:r>
+              <a:rPr lang="fr-FR" sz="1800" dirty="0">
+                <a:effectLst/>
+                <a:latin typeface="Calibri" panose="020F0502020204030204" pitchFamily="34" charset="0"/>
+                <a:ea typeface="Calibri" panose="020F0502020204030204" pitchFamily="34" charset="0"/>
+                <a:cs typeface="Times New Roman" panose="02020603050405020304" pitchFamily="18" charset="0"/>
+              </a:rPr>
+              <a:t> est opérationnel.</a:t>
+            </a:r>
+          </a:p>
+          <a:p>
+            <a:pPr>
+              <a:lnSpc>
+                <a:spcPct val="107000"/>
+              </a:lnSpc>
+              <a:spcAft>
+                <a:spcPts val="800"/>
+              </a:spcAft>
+            </a:pPr>
+            <a:r>
+              <a:rPr lang="fr-FR" sz="1800" dirty="0">
+                <a:effectLst/>
+                <a:latin typeface="Calibri" panose="020F0502020204030204" pitchFamily="34" charset="0"/>
+                <a:ea typeface="Calibri" panose="020F0502020204030204" pitchFamily="34" charset="0"/>
+                <a:cs typeface="Times New Roman" panose="02020603050405020304" pitchFamily="18" charset="0"/>
+              </a:rPr>
+              <a:t>La mission principale de (suivi des incidents) est remplie.</a:t>
+            </a:r>
+          </a:p>
+          <a:p>
+            <a:pPr>
+              <a:lnSpc>
+                <a:spcPct val="107000"/>
+              </a:lnSpc>
+              <a:spcAft>
+                <a:spcPts val="800"/>
+              </a:spcAft>
+            </a:pPr>
+            <a:r>
+              <a:rPr lang="fr-FR" sz="1800" dirty="0">
+                <a:effectLst/>
+                <a:latin typeface="Calibri" panose="020F0502020204030204" pitchFamily="34" charset="0"/>
+                <a:ea typeface="Calibri" panose="020F0502020204030204" pitchFamily="34" charset="0"/>
+                <a:cs typeface="Times New Roman" panose="02020603050405020304" pitchFamily="18" charset="0"/>
+              </a:rPr>
+              <a:t>Et la partie authentification est terminée.</a:t>
+            </a:r>
+          </a:p>
+          <a:p>
+            <a:pPr>
+              <a:lnSpc>
+                <a:spcPct val="107000"/>
+              </a:lnSpc>
+              <a:spcAft>
+                <a:spcPts val="800"/>
+              </a:spcAft>
+            </a:pPr>
+            <a:r>
+              <a:rPr lang="fr-FR" sz="1800" b="1" dirty="0">
+                <a:solidFill>
+                  <a:srgbClr val="FF0000"/>
+                </a:solidFill>
+                <a:effectLst/>
+                <a:latin typeface="Calibri" panose="020F0502020204030204" pitchFamily="34" charset="0"/>
+                <a:ea typeface="Calibri" panose="020F0502020204030204" pitchFamily="34" charset="0"/>
+                <a:cs typeface="Times New Roman" panose="02020603050405020304" pitchFamily="18" charset="0"/>
+              </a:rPr>
+              <a:t>click</a:t>
+            </a:r>
+            <a:r>
+              <a:rPr lang="fr-FR" sz="1800" dirty="0">
+                <a:effectLst/>
+                <a:latin typeface="Calibri" panose="020F0502020204030204" pitchFamily="34" charset="0"/>
+                <a:ea typeface="Calibri" panose="020F0502020204030204" pitchFamily="34" charset="0"/>
+                <a:cs typeface="Times New Roman" panose="02020603050405020304" pitchFamily="18" charset="0"/>
+              </a:rPr>
+              <a:t> </a:t>
+            </a:r>
+          </a:p>
+          <a:p>
+            <a:pPr>
+              <a:lnSpc>
+                <a:spcPct val="107000"/>
+              </a:lnSpc>
+              <a:spcAft>
+                <a:spcPts val="800"/>
+              </a:spcAft>
+            </a:pPr>
+            <a:r>
+              <a:rPr lang="fr-FR" sz="1800" dirty="0">
+                <a:effectLst/>
+                <a:latin typeface="Calibri" panose="020F0502020204030204" pitchFamily="34" charset="0"/>
+                <a:ea typeface="Calibri" panose="020F0502020204030204" pitchFamily="34" charset="0"/>
+                <a:cs typeface="Times New Roman" panose="02020603050405020304" pitchFamily="18" charset="0"/>
+              </a:rPr>
+              <a:t>Il me reste à finaliser l’administration de certaines données.</a:t>
+            </a:r>
+          </a:p>
+          <a:p>
+            <a:pPr>
+              <a:lnSpc>
+                <a:spcPct val="107000"/>
+              </a:lnSpc>
+              <a:spcAft>
+                <a:spcPts val="800"/>
+              </a:spcAft>
+            </a:pPr>
+            <a:r>
+              <a:rPr lang="fr-FR" sz="1800" dirty="0">
+                <a:effectLst/>
+                <a:latin typeface="Calibri" panose="020F0502020204030204" pitchFamily="34" charset="0"/>
+                <a:ea typeface="Calibri" panose="020F0502020204030204" pitchFamily="34" charset="0"/>
+                <a:cs typeface="Times New Roman" panose="02020603050405020304" pitchFamily="18" charset="0"/>
+              </a:rPr>
+              <a:t>Je souhaite également déployer l’appli sur une machine distante.</a:t>
+            </a:r>
+          </a:p>
+          <a:p>
+            <a:pPr>
+              <a:lnSpc>
+                <a:spcPct val="107000"/>
+              </a:lnSpc>
+              <a:spcAft>
+                <a:spcPts val="800"/>
+              </a:spcAft>
+            </a:pPr>
+            <a:r>
+              <a:rPr lang="fr-FR" sz="1800" dirty="0">
+                <a:effectLst/>
+                <a:latin typeface="Calibri" panose="020F0502020204030204" pitchFamily="34" charset="0"/>
+                <a:ea typeface="Calibri" panose="020F0502020204030204" pitchFamily="34" charset="0"/>
+                <a:cs typeface="Times New Roman" panose="02020603050405020304" pitchFamily="18" charset="0"/>
+              </a:rPr>
+              <a:t>On peut aussi envisager d’autres évolutions comme l’archivage des incidents clôturés, utilisateurs inactivés, la production de </a:t>
+            </a:r>
+            <a:r>
+              <a:rPr lang="fr-FR" sz="1800" dirty="0" err="1">
+                <a:effectLst/>
+                <a:latin typeface="Calibri" panose="020F0502020204030204" pitchFamily="34" charset="0"/>
+                <a:ea typeface="Calibri" panose="020F0502020204030204" pitchFamily="34" charset="0"/>
+                <a:cs typeface="Times New Roman" panose="02020603050405020304" pitchFamily="18" charset="0"/>
+              </a:rPr>
+              <a:t>kpi</a:t>
+            </a:r>
+            <a:r>
+              <a:rPr lang="fr-FR" sz="1800" dirty="0">
+                <a:effectLst/>
+                <a:latin typeface="Calibri" panose="020F0502020204030204" pitchFamily="34" charset="0"/>
+                <a:ea typeface="Calibri" panose="020F0502020204030204" pitchFamily="34" charset="0"/>
+                <a:cs typeface="Times New Roman" panose="02020603050405020304" pitchFamily="18" charset="0"/>
+              </a:rPr>
+              <a:t>, etc.</a:t>
             </a:r>
           </a:p>
           <a:p>
@@ -5409,7 +5445,7 @@
           <a:p>
             <a:fld id="{4FC62F1D-8B73-4A3C-A06D-0A25FF461052}" type="slidenum">
               <a:rPr lang="fr-FR" smtClean="0"/>
-              <a:t>22</a:t>
+              <a:t>21</a:t>
             </a:fld>
             <a:endParaRPr lang="fr-FR"/>
           </a:p>
@@ -5418,7 +5454,7 @@
     </p:spTree>
     <p:extLst>
       <p:ext uri="{BB962C8B-B14F-4D97-AF65-F5344CB8AC3E}">
-        <p14:creationId xmlns:p14="http://schemas.microsoft.com/office/powerpoint/2010/main" val="1194301626"/>
+        <p14:creationId xmlns:p14="http://schemas.microsoft.com/office/powerpoint/2010/main" val="3265094801"/>
       </p:ext>
     </p:extLst>
   </p:cSld>
@@ -5820,6 +5856,128 @@
 </file>
 
 <file path=ppt/notesSlides/notesSlide20.xml><?xml version="1.0" encoding="utf-8"?>
+<p:notes xmlns:a="http://schemas.openxmlformats.org/drawingml/2006/main" xmlns:r="http://schemas.openxmlformats.org/officeDocument/2006/relationships" xmlns:p="http://schemas.openxmlformats.org/presentationml/2006/main">
+  <p:cSld>
+    <p:spTree>
+      <p:nvGrpSpPr>
+        <p:cNvPr id="1" name=""/>
+        <p:cNvGrpSpPr/>
+        <p:nvPr/>
+      </p:nvGrpSpPr>
+      <p:grpSpPr>
+        <a:xfrm>
+          <a:off x="0" y="0"/>
+          <a:ext cx="0" cy="0"/>
+          <a:chOff x="0" y="0"/>
+          <a:chExt cx="0" cy="0"/>
+        </a:xfrm>
+      </p:grpSpPr>
+      <p:sp>
+        <p:nvSpPr>
+          <p:cNvPr id="2" name="Espace réservé de l'image des diapositives 1"/>
+          <p:cNvSpPr>
+            <a:spLocks noGrp="1" noRot="1" noChangeAspect="1"/>
+          </p:cNvSpPr>
+          <p:nvPr>
+            <p:ph type="sldImg"/>
+          </p:nvPr>
+        </p:nvSpPr>
+        <p:spPr/>
+      </p:sp>
+      <p:sp>
+        <p:nvSpPr>
+          <p:cNvPr id="3" name="Espace réservé des notes 2"/>
+          <p:cNvSpPr>
+            <a:spLocks noGrp="1"/>
+          </p:cNvSpPr>
+          <p:nvPr>
+            <p:ph type="body" idx="1"/>
+          </p:nvPr>
+        </p:nvSpPr>
+        <p:spPr/>
+        <p:txBody>
+          <a:bodyPr/>
+          <a:lstStyle/>
+          <a:p>
+            <a:pPr>
+              <a:lnSpc>
+                <a:spcPct val="107000"/>
+              </a:lnSpc>
+              <a:spcAft>
+                <a:spcPts val="800"/>
+              </a:spcAft>
+            </a:pPr>
+            <a:r>
+              <a:rPr lang="fr-FR" sz="1800" dirty="0">
+                <a:effectLst/>
+                <a:latin typeface="Calibri" panose="020F0502020204030204" pitchFamily="34" charset="0"/>
+                <a:ea typeface="Calibri" panose="020F0502020204030204" pitchFamily="34" charset="0"/>
+                <a:cs typeface="Times New Roman" panose="02020603050405020304" pitchFamily="18" charset="0"/>
+              </a:rPr>
+              <a:t>Je tiens à remercier bien sûr les professeurs et les autres élèves de la cohorte, mon nouveau manager et toute son équipe.</a:t>
+            </a:r>
+          </a:p>
+          <a:p>
+            <a:pPr>
+              <a:lnSpc>
+                <a:spcPct val="107000"/>
+              </a:lnSpc>
+              <a:spcAft>
+                <a:spcPts val="800"/>
+              </a:spcAft>
+            </a:pPr>
+            <a:r>
+              <a:rPr lang="fr-FR" sz="1800" dirty="0">
+                <a:effectLst/>
+                <a:latin typeface="Calibri" panose="020F0502020204030204" pitchFamily="34" charset="0"/>
+                <a:ea typeface="Calibri" panose="020F0502020204030204" pitchFamily="34" charset="0"/>
+                <a:cs typeface="Times New Roman" panose="02020603050405020304" pitchFamily="18" charset="0"/>
+              </a:rPr>
+              <a:t>Sans oublier les responsables du service immobilier de l’immeuble Basalte de la Défense.</a:t>
+            </a:r>
+          </a:p>
+          <a:p>
+            <a:endParaRPr lang="fr-FR" dirty="0"/>
+          </a:p>
+        </p:txBody>
+      </p:sp>
+      <p:sp>
+        <p:nvSpPr>
+          <p:cNvPr id="4" name="Espace réservé du numéro de diapositive 3"/>
+          <p:cNvSpPr>
+            <a:spLocks noGrp="1"/>
+          </p:cNvSpPr>
+          <p:nvPr>
+            <p:ph type="sldNum" sz="quarter" idx="5"/>
+          </p:nvPr>
+        </p:nvSpPr>
+        <p:spPr/>
+        <p:txBody>
+          <a:bodyPr/>
+          <a:lstStyle/>
+          <a:p>
+            <a:fld id="{4FC62F1D-8B73-4A3C-A06D-0A25FF461052}" type="slidenum">
+              <a:rPr lang="fr-FR" smtClean="0"/>
+              <a:t>22</a:t>
+            </a:fld>
+            <a:endParaRPr lang="fr-FR"/>
+          </a:p>
+        </p:txBody>
+      </p:sp>
+    </p:spTree>
+    <p:extLst>
+      <p:ext uri="{BB962C8B-B14F-4D97-AF65-F5344CB8AC3E}">
+        <p14:creationId xmlns:p14="http://schemas.microsoft.com/office/powerpoint/2010/main" val="1194301626"/>
+      </p:ext>
+    </p:extLst>
+  </p:cSld>
+  <p:clrMapOvr>
+    <a:masterClrMapping/>
+  </p:clrMapOvr>
+</p:notes>
+</file>
+
+<file path=ppt/notesSlides/notesSlide21.xml><?xml version="1.0" encoding="utf-8"?>
 <p:notes xmlns:a="http://schemas.openxmlformats.org/drawingml/2006/main" xmlns:r="http://schemas.openxmlformats.org/officeDocument/2006/relationships" xmlns:p="http://schemas.openxmlformats.org/presentationml/2006/main">
   <p:cSld>
     <p:spTree>
@@ -9114,7 +9272,7 @@
             <a:fld id="{AA70F276-1833-4A75-9C1D-A56E2295A68D}" type="datetimeFigureOut">
               <a:rPr lang="en-US" smtClean="0"/>
               <a:pPr/>
-              <a:t>1/20/2023</a:t>
+              <a:t>1/23/2023</a:t>
             </a:fld>
             <a:endParaRPr lang="en-US" dirty="0"/>
           </a:p>
@@ -9318,7 +9476,7 @@
             <a:fld id="{AA70F276-1833-4A75-9C1D-A56E2295A68D}" type="datetimeFigureOut">
               <a:rPr lang="en-US" smtClean="0"/>
               <a:pPr/>
-              <a:t>1/20/2023</a:t>
+              <a:t>1/23/2023</a:t>
             </a:fld>
             <a:endParaRPr lang="en-US" dirty="0"/>
           </a:p>
@@ -9532,7 +9690,7 @@
             <a:fld id="{AA70F276-1833-4A75-9C1D-A56E2295A68D}" type="datetimeFigureOut">
               <a:rPr lang="en-US" smtClean="0"/>
               <a:pPr/>
-              <a:t>1/20/2023</a:t>
+              <a:t>1/23/2023</a:t>
             </a:fld>
             <a:endParaRPr lang="en-US" dirty="0"/>
           </a:p>
@@ -9736,7 +9894,7 @@
             <a:fld id="{AA70F276-1833-4A75-9C1D-A56E2295A68D}" type="datetimeFigureOut">
               <a:rPr lang="en-US" smtClean="0"/>
               <a:pPr/>
-              <a:t>1/20/2023</a:t>
+              <a:t>1/23/2023</a:t>
             </a:fld>
             <a:endParaRPr lang="en-US" dirty="0"/>
           </a:p>
@@ -10017,7 +10175,7 @@
             <a:fld id="{AA70F276-1833-4A75-9C1D-A56E2295A68D}" type="datetimeFigureOut">
               <a:rPr lang="en-US" smtClean="0"/>
               <a:pPr/>
-              <a:t>1/20/2023</a:t>
+              <a:t>1/23/2023</a:t>
             </a:fld>
             <a:endParaRPr lang="en-US" dirty="0"/>
           </a:p>
@@ -10288,7 +10446,7 @@
             <a:fld id="{AA70F276-1833-4A75-9C1D-A56E2295A68D}" type="datetimeFigureOut">
               <a:rPr lang="en-US" smtClean="0"/>
               <a:pPr/>
-              <a:t>1/20/2023</a:t>
+              <a:t>1/23/2023</a:t>
             </a:fld>
             <a:endParaRPr lang="en-US" dirty="0"/>
           </a:p>
@@ -10706,7 +10864,7 @@
             <a:fld id="{AA70F276-1833-4A75-9C1D-A56E2295A68D}" type="datetimeFigureOut">
               <a:rPr lang="en-US" smtClean="0"/>
               <a:pPr/>
-              <a:t>1/20/2023</a:t>
+              <a:t>1/23/2023</a:t>
             </a:fld>
             <a:endParaRPr lang="en-US" dirty="0"/>
           </a:p>
@@ -10853,7 +11011,7 @@
             <a:fld id="{AA70F276-1833-4A75-9C1D-A56E2295A68D}" type="datetimeFigureOut">
               <a:rPr lang="en-US" smtClean="0"/>
               <a:pPr/>
-              <a:t>1/20/2023</a:t>
+              <a:t>1/23/2023</a:t>
             </a:fld>
             <a:endParaRPr lang="en-US" dirty="0"/>
           </a:p>
@@ -10972,7 +11130,7 @@
             <a:fld id="{AA70F276-1833-4A75-9C1D-A56E2295A68D}" type="datetimeFigureOut">
               <a:rPr lang="en-US" smtClean="0"/>
               <a:pPr/>
-              <a:t>1/20/2023</a:t>
+              <a:t>1/23/2023</a:t>
             </a:fld>
             <a:endParaRPr lang="en-US" dirty="0"/>
           </a:p>
@@ -11289,7 +11447,7 @@
             <a:fld id="{AA70F276-1833-4A75-9C1D-A56E2295A68D}" type="datetimeFigureOut">
               <a:rPr lang="en-US" smtClean="0"/>
               <a:pPr/>
-              <a:t>1/20/2023</a:t>
+              <a:t>1/23/2023</a:t>
             </a:fld>
             <a:endParaRPr lang="en-US" dirty="0"/>
           </a:p>
@@ -11583,7 +11741,7 @@
             <a:fld id="{AA70F276-1833-4A75-9C1D-A56E2295A68D}" type="datetimeFigureOut">
               <a:rPr lang="en-US" smtClean="0"/>
               <a:pPr/>
-              <a:t>1/20/2023</a:t>
+              <a:t>1/23/2023</a:t>
             </a:fld>
             <a:endParaRPr lang="en-US" dirty="0"/>
           </a:p>
@@ -11830,7 +11988,7 @@
             <a:fld id="{AA70F276-1833-4A75-9C1D-A56E2295A68D}" type="datetimeFigureOut">
               <a:rPr lang="en-US" smtClean="0"/>
               <a:pPr/>
-              <a:t>1/20/2023</a:t>
+              <a:t>1/23/2023</a:t>
             </a:fld>
             <a:endParaRPr lang="en-US" dirty="0"/>
           </a:p>
@@ -15083,7 +15241,7 @@
           <p:nvPr/>
         </p:nvPicPr>
         <p:blipFill>
-          <a:blip r:embed="rId2"/>
+          <a:blip r:embed="rId3"/>
           <a:stretch>
             <a:fillRect/>
           </a:stretch>
@@ -15195,7 +15353,7 @@
           <p:nvPr/>
         </p:nvPicPr>
         <p:blipFill>
-          <a:blip r:embed="rId3"/>
+          <a:blip r:embed="rId4"/>
           <a:stretch>
             <a:fillRect/>
           </a:stretch>

--- a/doc/présentation V5.pptx
+++ b/doc/présentation V5.pptx
@@ -5,7 +5,7 @@
     <p:sldMasterId id="2147483711" r:id="rId1"/>
   </p:sldMasterIdLst>
   <p:notesMasterIdLst>
-    <p:notesMasterId r:id="rId30"/>
+    <p:notesMasterId r:id="rId29"/>
   </p:notesMasterIdLst>
   <p:sldIdLst>
     <p:sldId id="256" r:id="rId2"/>
@@ -35,7 +35,6 @@
     <p:sldId id="283" r:id="rId26"/>
     <p:sldId id="294" r:id="rId27"/>
     <p:sldId id="296" r:id="rId28"/>
-    <p:sldId id="299" r:id="rId29"/>
   </p:sldIdLst>
   <p:sldSz cx="12192000" cy="6858000"/>
   <p:notesSz cx="7315200" cy="9601200"/>
@@ -230,7 +229,7 @@
           <a:p>
             <a:fld id="{3A579BB9-F2CA-426C-82A6-1234A0AE4AD5}" type="datetimeFigureOut">
               <a:rPr lang="fr-FR" smtClean="0"/>
-              <a:t>23/01/2023</a:t>
+              <a:t>27/01/2023</a:t>
             </a:fld>
             <a:endParaRPr lang="fr-FR"/>
           </a:p>
@@ -541,7 +540,7 @@
           <a:bodyPr/>
           <a:lstStyle/>
           <a:p>
-            <a:pPr algn="just">
+            <a:pPr>
               <a:lnSpc>
                 <a:spcPct val="107000"/>
               </a:lnSpc>
@@ -552,9 +551,6 @@
             <a:r>
               <a:rPr lang="fr-FR" sz="1800" dirty="0" err="1">
                 <a:effectLst/>
-                <a:highlight>
-                  <a:srgbClr val="FFFF00"/>
-                </a:highlight>
                 <a:latin typeface="Calibri" panose="020F0502020204030204" pitchFamily="34" charset="0"/>
                 <a:ea typeface="Calibri" panose="020F0502020204030204" pitchFamily="34" charset="0"/>
                 <a:cs typeface="Times New Roman" panose="02020603050405020304" pitchFamily="18" charset="0"/>
@@ -564,9 +560,6 @@
             <a:r>
               <a:rPr lang="fr-FR" sz="1800" dirty="0">
                 <a:effectLst/>
-                <a:highlight>
-                  <a:srgbClr val="FFFF00"/>
-                </a:highlight>
                 <a:latin typeface="Calibri" panose="020F0502020204030204" pitchFamily="34" charset="0"/>
                 <a:ea typeface="Calibri" panose="020F0502020204030204" pitchFamily="34" charset="0"/>
                 <a:cs typeface="Times New Roman" panose="02020603050405020304" pitchFamily="18" charset="0"/>
@@ -576,9 +569,6 @@
             <a:r>
               <a:rPr lang="fr-FR" sz="1800" dirty="0" err="1">
                 <a:effectLst/>
-                <a:highlight>
-                  <a:srgbClr val="FFFF00"/>
-                </a:highlight>
                 <a:latin typeface="Calibri" panose="020F0502020204030204" pitchFamily="34" charset="0"/>
                 <a:ea typeface="Calibri" panose="020F0502020204030204" pitchFamily="34" charset="0"/>
                 <a:cs typeface="Times New Roman" panose="02020603050405020304" pitchFamily="18" charset="0"/>
@@ -588,9 +578,6 @@
             <a:r>
               <a:rPr lang="fr-FR" sz="1800" dirty="0">
                 <a:effectLst/>
-                <a:highlight>
-                  <a:srgbClr val="FFFF00"/>
-                </a:highlight>
                 <a:latin typeface="Calibri" panose="020F0502020204030204" pitchFamily="34" charset="0"/>
                 <a:ea typeface="Calibri" panose="020F0502020204030204" pitchFamily="34" charset="0"/>
                 <a:cs typeface="Times New Roman" panose="02020603050405020304" pitchFamily="18" charset="0"/>
@@ -600,9 +587,6 @@
             <a:r>
               <a:rPr lang="fr-FR" sz="1800" dirty="0" err="1">
                 <a:effectLst/>
-                <a:highlight>
-                  <a:srgbClr val="FFFF00"/>
-                </a:highlight>
                 <a:latin typeface="Calibri" panose="020F0502020204030204" pitchFamily="34" charset="0"/>
                 <a:ea typeface="Calibri" panose="020F0502020204030204" pitchFamily="34" charset="0"/>
                 <a:cs typeface="Times New Roman" panose="02020603050405020304" pitchFamily="18" charset="0"/>
@@ -612,21 +596,51 @@
             <a:r>
               <a:rPr lang="fr-FR" sz="1800" dirty="0">
                 <a:effectLst/>
-                <a:highlight>
-                  <a:srgbClr val="FFFF00"/>
-                </a:highlight>
-                <a:latin typeface="Calibri" panose="020F0502020204030204" pitchFamily="34" charset="0"/>
-                <a:ea typeface="Calibri" panose="020F0502020204030204" pitchFamily="34" charset="0"/>
-                <a:cs typeface="Times New Roman" panose="02020603050405020304" pitchFamily="18" charset="0"/>
-              </a:rPr>
-              <a:t> Sophie. for one </a:t>
+                <a:latin typeface="Calibri" panose="020F0502020204030204" pitchFamily="34" charset="0"/>
+                <a:ea typeface="Calibri" panose="020F0502020204030204" pitchFamily="34" charset="0"/>
+                <a:cs typeface="Times New Roman" panose="02020603050405020304" pitchFamily="18" charset="0"/>
+              </a:rPr>
+              <a:t> Sophie. I </a:t>
             </a:r>
             <a:r>
               <a:rPr lang="fr-FR" sz="1800" dirty="0" err="1">
                 <a:effectLst/>
-                <a:highlight>
-                  <a:srgbClr val="FFFF00"/>
-                </a:highlight>
+                <a:latin typeface="Calibri" panose="020F0502020204030204" pitchFamily="34" charset="0"/>
+                <a:ea typeface="Calibri" panose="020F0502020204030204" pitchFamily="34" charset="0"/>
+                <a:cs typeface="Times New Roman" panose="02020603050405020304" pitchFamily="18" charset="0"/>
+              </a:rPr>
+              <a:t>was</a:t>
+            </a:r>
+            <a:r>
+              <a:rPr lang="fr-FR" sz="1800" dirty="0">
+                <a:effectLst/>
+                <a:latin typeface="Calibri" panose="020F0502020204030204" pitchFamily="34" charset="0"/>
+                <a:ea typeface="Calibri" panose="020F0502020204030204" pitchFamily="34" charset="0"/>
+                <a:cs typeface="Times New Roman" panose="02020603050405020304" pitchFamily="18" charset="0"/>
+              </a:rPr>
+              <a:t> </a:t>
+            </a:r>
+            <a:r>
+              <a:rPr lang="fr-FR" sz="1800" dirty="0" err="1">
+                <a:effectLst/>
+                <a:latin typeface="Calibri" panose="020F0502020204030204" pitchFamily="34" charset="0"/>
+                <a:ea typeface="Calibri" panose="020F0502020204030204" pitchFamily="34" charset="0"/>
+                <a:cs typeface="Times New Roman" panose="02020603050405020304" pitchFamily="18" charset="0"/>
+              </a:rPr>
+              <a:t>trained</a:t>
+            </a:r>
+            <a:r>
+              <a:rPr lang="fr-FR" sz="1800" dirty="0">
+                <a:effectLst/>
+                <a:latin typeface="Calibri" panose="020F0502020204030204" pitchFamily="34" charset="0"/>
+                <a:ea typeface="Calibri" panose="020F0502020204030204" pitchFamily="34" charset="0"/>
+                <a:cs typeface="Times New Roman" panose="02020603050405020304" pitchFamily="18" charset="0"/>
+              </a:rPr>
+              <a:t> for one </a:t>
+            </a:r>
+            <a:r>
+              <a:rPr lang="fr-FR" sz="1800" dirty="0" err="1">
+                <a:effectLst/>
                 <a:latin typeface="Calibri" panose="020F0502020204030204" pitchFamily="34" charset="0"/>
                 <a:ea typeface="Calibri" panose="020F0502020204030204" pitchFamily="34" charset="0"/>
                 <a:cs typeface="Times New Roman" panose="02020603050405020304" pitchFamily="18" charset="0"/>
@@ -636,33 +650,42 @@
             <a:r>
               <a:rPr lang="fr-FR" sz="1800" dirty="0">
                 <a:effectLst/>
-                <a:highlight>
-                  <a:srgbClr val="FFFF00"/>
-                </a:highlight>
-                <a:latin typeface="Calibri" panose="020F0502020204030204" pitchFamily="34" charset="0"/>
-                <a:ea typeface="Calibri" panose="020F0502020204030204" pitchFamily="34" charset="0"/>
-                <a:cs typeface="Times New Roman" panose="02020603050405020304" pitchFamily="18" charset="0"/>
-              </a:rPr>
-              <a:t> i </a:t>
+                <a:latin typeface="Calibri" panose="020F0502020204030204" pitchFamily="34" charset="0"/>
+                <a:ea typeface="Calibri" panose="020F0502020204030204" pitchFamily="34" charset="0"/>
+                <a:cs typeface="Times New Roman" panose="02020603050405020304" pitchFamily="18" charset="0"/>
+              </a:rPr>
+              <a:t> in </a:t>
             </a:r>
             <a:r>
               <a:rPr lang="fr-FR" sz="1800" dirty="0" err="1">
                 <a:effectLst/>
-                <a:highlight>
-                  <a:srgbClr val="FFFF00"/>
-                </a:highlight>
-                <a:latin typeface="Calibri" panose="020F0502020204030204" pitchFamily="34" charset="0"/>
-                <a:ea typeface="Calibri" panose="020F0502020204030204" pitchFamily="34" charset="0"/>
-                <a:cs typeface="Times New Roman" panose="02020603050405020304" pitchFamily="18" charset="0"/>
-              </a:rPr>
-              <a:t>was</a:t>
-            </a:r>
-            <a:r>
-              <a:rPr lang="fr-FR" sz="1800" dirty="0">
-                <a:effectLst/>
-                <a:highlight>
-                  <a:srgbClr val="FFFF00"/>
-                </a:highlight>
+                <a:latin typeface="Calibri" panose="020F0502020204030204" pitchFamily="34" charset="0"/>
+                <a:ea typeface="Calibri" panose="020F0502020204030204" pitchFamily="34" charset="0"/>
+                <a:cs typeface="Times New Roman" panose="02020603050405020304" pitchFamily="18" charset="0"/>
+              </a:rPr>
+              <a:t>order</a:t>
+            </a:r>
+            <a:r>
+              <a:rPr lang="fr-FR" sz="1800" dirty="0">
+                <a:effectLst/>
+                <a:latin typeface="Calibri" panose="020F0502020204030204" pitchFamily="34" charset="0"/>
+                <a:ea typeface="Calibri" panose="020F0502020204030204" pitchFamily="34" charset="0"/>
+                <a:cs typeface="Times New Roman" panose="02020603050405020304" pitchFamily="18" charset="0"/>
+              </a:rPr>
+              <a:t> to change </a:t>
+            </a:r>
+            <a:r>
+              <a:rPr lang="fr-FR" sz="1800" dirty="0" err="1">
+                <a:effectLst/>
+                <a:latin typeface="Calibri" panose="020F0502020204030204" pitchFamily="34" charset="0"/>
+                <a:ea typeface="Calibri" panose="020F0502020204030204" pitchFamily="34" charset="0"/>
+                <a:cs typeface="Times New Roman" panose="02020603050405020304" pitchFamily="18" charset="0"/>
+              </a:rPr>
+              <a:t>my</a:t>
+            </a:r>
+            <a:r>
+              <a:rPr lang="fr-FR" sz="1800" dirty="0">
+                <a:effectLst/>
                 <a:latin typeface="Calibri" panose="020F0502020204030204" pitchFamily="34" charset="0"/>
                 <a:ea typeface="Calibri" panose="020F0502020204030204" pitchFamily="34" charset="0"/>
                 <a:cs typeface="Times New Roman" panose="02020603050405020304" pitchFamily="18" charset="0"/>
@@ -672,153 +695,42 @@
             <a:r>
               <a:rPr lang="fr-FR" sz="1800" dirty="0" err="1">
                 <a:effectLst/>
-                <a:highlight>
-                  <a:srgbClr val="FFFF00"/>
-                </a:highlight>
-                <a:latin typeface="Calibri" panose="020F0502020204030204" pitchFamily="34" charset="0"/>
-                <a:ea typeface="Calibri" panose="020F0502020204030204" pitchFamily="34" charset="0"/>
-                <a:cs typeface="Times New Roman" panose="02020603050405020304" pitchFamily="18" charset="0"/>
-              </a:rPr>
-              <a:t>trained</a:t>
-            </a:r>
-            <a:r>
-              <a:rPr lang="fr-FR" sz="1800" dirty="0">
-                <a:effectLst/>
-                <a:highlight>
-                  <a:srgbClr val="FFFF00"/>
-                </a:highlight>
-                <a:latin typeface="Calibri" panose="020F0502020204030204" pitchFamily="34" charset="0"/>
-                <a:ea typeface="Calibri" panose="020F0502020204030204" pitchFamily="34" charset="0"/>
-                <a:cs typeface="Times New Roman" panose="02020603050405020304" pitchFamily="18" charset="0"/>
-              </a:rPr>
-              <a:t> in </a:t>
+                <a:latin typeface="Calibri" panose="020F0502020204030204" pitchFamily="34" charset="0"/>
+                <a:ea typeface="Calibri" panose="020F0502020204030204" pitchFamily="34" charset="0"/>
+                <a:cs typeface="Times New Roman" panose="02020603050405020304" pitchFamily="18" charset="0"/>
+              </a:rPr>
+              <a:t>professional</a:t>
+            </a:r>
+            <a:r>
+              <a:rPr lang="fr-FR" sz="1800" dirty="0">
+                <a:effectLst/>
+                <a:latin typeface="Calibri" panose="020F0502020204030204" pitchFamily="34" charset="0"/>
+                <a:ea typeface="Calibri" panose="020F0502020204030204" pitchFamily="34" charset="0"/>
+                <a:cs typeface="Times New Roman" panose="02020603050405020304" pitchFamily="18" charset="0"/>
+              </a:rPr>
+              <a:t> carrer and </a:t>
             </a:r>
             <a:r>
               <a:rPr lang="fr-FR" sz="1800" dirty="0" err="1">
                 <a:effectLst/>
-                <a:highlight>
-                  <a:srgbClr val="FFFF00"/>
-                </a:highlight>
-                <a:latin typeface="Calibri" panose="020F0502020204030204" pitchFamily="34" charset="0"/>
-                <a:ea typeface="Calibri" panose="020F0502020204030204" pitchFamily="34" charset="0"/>
-                <a:cs typeface="Times New Roman" panose="02020603050405020304" pitchFamily="18" charset="0"/>
-              </a:rPr>
-              <a:t>order</a:t>
-            </a:r>
-            <a:r>
-              <a:rPr lang="fr-FR" sz="1800" dirty="0">
-                <a:effectLst/>
-                <a:highlight>
-                  <a:srgbClr val="FFFF00"/>
-                </a:highlight>
-                <a:latin typeface="Calibri" panose="020F0502020204030204" pitchFamily="34" charset="0"/>
-                <a:ea typeface="Calibri" panose="020F0502020204030204" pitchFamily="34" charset="0"/>
-                <a:cs typeface="Times New Roman" panose="02020603050405020304" pitchFamily="18" charset="0"/>
-              </a:rPr>
-              <a:t> to change </a:t>
+                <a:latin typeface="Calibri" panose="020F0502020204030204" pitchFamily="34" charset="0"/>
+                <a:ea typeface="Calibri" panose="020F0502020204030204" pitchFamily="34" charset="0"/>
+                <a:cs typeface="Times New Roman" panose="02020603050405020304" pitchFamily="18" charset="0"/>
+              </a:rPr>
+              <a:t>become</a:t>
+            </a:r>
+            <a:r>
+              <a:rPr lang="fr-FR" sz="1800" dirty="0">
+                <a:effectLst/>
+                <a:latin typeface="Calibri" panose="020F0502020204030204" pitchFamily="34" charset="0"/>
+                <a:ea typeface="Calibri" panose="020F0502020204030204" pitchFamily="34" charset="0"/>
+                <a:cs typeface="Times New Roman" panose="02020603050405020304" pitchFamily="18" charset="0"/>
+              </a:rPr>
+              <a:t> a software </a:t>
             </a:r>
             <a:r>
               <a:rPr lang="fr-FR" sz="1800" dirty="0" err="1">
                 <a:effectLst/>
-                <a:highlight>
-                  <a:srgbClr val="FFFF00"/>
-                </a:highlight>
-                <a:latin typeface="Calibri" panose="020F0502020204030204" pitchFamily="34" charset="0"/>
-                <a:ea typeface="Calibri" panose="020F0502020204030204" pitchFamily="34" charset="0"/>
-                <a:cs typeface="Times New Roman" panose="02020603050405020304" pitchFamily="18" charset="0"/>
-              </a:rPr>
-              <a:t>my</a:t>
-            </a:r>
-            <a:r>
-              <a:rPr lang="fr-FR" sz="1800" dirty="0">
-                <a:effectLst/>
-                <a:highlight>
-                  <a:srgbClr val="FFFF00"/>
-                </a:highlight>
-                <a:latin typeface="Calibri" panose="020F0502020204030204" pitchFamily="34" charset="0"/>
-                <a:ea typeface="Calibri" panose="020F0502020204030204" pitchFamily="34" charset="0"/>
-                <a:cs typeface="Times New Roman" panose="02020603050405020304" pitchFamily="18" charset="0"/>
-              </a:rPr>
-              <a:t> </a:t>
-            </a:r>
-            <a:r>
-              <a:rPr lang="fr-FR" sz="1800" dirty="0" err="1">
-                <a:effectLst/>
-                <a:highlight>
-                  <a:srgbClr val="FFFF00"/>
-                </a:highlight>
-                <a:latin typeface="Calibri" panose="020F0502020204030204" pitchFamily="34" charset="0"/>
-                <a:ea typeface="Calibri" panose="020F0502020204030204" pitchFamily="34" charset="0"/>
-                <a:cs typeface="Times New Roman" panose="02020603050405020304" pitchFamily="18" charset="0"/>
-              </a:rPr>
-              <a:t>professional</a:t>
-            </a:r>
-            <a:r>
-              <a:rPr lang="fr-FR" sz="1800" dirty="0">
-                <a:effectLst/>
-                <a:highlight>
-                  <a:srgbClr val="FFFF00"/>
-                </a:highlight>
-                <a:latin typeface="Calibri" panose="020F0502020204030204" pitchFamily="34" charset="0"/>
-                <a:ea typeface="Calibri" panose="020F0502020204030204" pitchFamily="34" charset="0"/>
-                <a:cs typeface="Times New Roman" panose="02020603050405020304" pitchFamily="18" charset="0"/>
-              </a:rPr>
-              <a:t> </a:t>
-            </a:r>
-            <a:r>
-              <a:rPr lang="fr-FR" sz="1800" dirty="0" err="1">
-                <a:effectLst/>
-                <a:highlight>
-                  <a:srgbClr val="FFFF00"/>
-                </a:highlight>
-                <a:latin typeface="Calibri" panose="020F0502020204030204" pitchFamily="34" charset="0"/>
-                <a:ea typeface="Calibri" panose="020F0502020204030204" pitchFamily="34" charset="0"/>
-                <a:cs typeface="Times New Roman" panose="02020603050405020304" pitchFamily="18" charset="0"/>
-              </a:rPr>
-              <a:t>way</a:t>
-            </a:r>
-            <a:r>
-              <a:rPr lang="fr-FR" sz="1800" dirty="0">
-                <a:effectLst/>
-                <a:highlight>
-                  <a:srgbClr val="FFFF00"/>
-                </a:highlight>
-                <a:latin typeface="Calibri" panose="020F0502020204030204" pitchFamily="34" charset="0"/>
-                <a:ea typeface="Calibri" panose="020F0502020204030204" pitchFamily="34" charset="0"/>
-                <a:cs typeface="Times New Roman" panose="02020603050405020304" pitchFamily="18" charset="0"/>
-              </a:rPr>
-              <a:t> and </a:t>
-            </a:r>
-            <a:r>
-              <a:rPr lang="fr-FR" sz="1800" dirty="0" err="1">
-                <a:effectLst/>
-                <a:highlight>
-                  <a:srgbClr val="FFFF00"/>
-                </a:highlight>
-                <a:latin typeface="Calibri" panose="020F0502020204030204" pitchFamily="34" charset="0"/>
-                <a:ea typeface="Calibri" panose="020F0502020204030204" pitchFamily="34" charset="0"/>
-                <a:cs typeface="Times New Roman" panose="02020603050405020304" pitchFamily="18" charset="0"/>
-              </a:rPr>
-              <a:t>become</a:t>
-            </a:r>
-            <a:r>
-              <a:rPr lang="fr-FR" sz="1800" dirty="0">
-                <a:effectLst/>
-                <a:highlight>
-                  <a:srgbClr val="FFFF00"/>
-                </a:highlight>
-                <a:latin typeface="Calibri" panose="020F0502020204030204" pitchFamily="34" charset="0"/>
-                <a:ea typeface="Calibri" panose="020F0502020204030204" pitchFamily="34" charset="0"/>
-                <a:cs typeface="Times New Roman" panose="02020603050405020304" pitchFamily="18" charset="0"/>
-              </a:rPr>
-              <a:t> an IT </a:t>
-            </a:r>
-            <a:r>
-              <a:rPr lang="fr-FR" sz="1800" dirty="0" err="1">
-                <a:effectLst/>
-                <a:highlight>
-                  <a:srgbClr val="FFFF00"/>
-                </a:highlight>
                 <a:latin typeface="Calibri" panose="020F0502020204030204" pitchFamily="34" charset="0"/>
                 <a:ea typeface="Calibri" panose="020F0502020204030204" pitchFamily="34" charset="0"/>
                 <a:cs typeface="Times New Roman" panose="02020603050405020304" pitchFamily="18" charset="0"/>
@@ -828,24 +740,15 @@
             <a:r>
               <a:rPr lang="fr-FR" sz="1800" dirty="0">
                 <a:effectLst/>
-                <a:highlight>
-                  <a:srgbClr val="FFFF00"/>
-                </a:highlight>
                 <a:latin typeface="Calibri" panose="020F0502020204030204" pitchFamily="34" charset="0"/>
                 <a:ea typeface="Calibri" panose="020F0502020204030204" pitchFamily="34" charset="0"/>
                 <a:cs typeface="Times New Roman" panose="02020603050405020304" pitchFamily="18" charset="0"/>
               </a:rPr>
               <a:t>.</a:t>
             </a:r>
-            <a:endParaRPr lang="fr-FR" sz="1800" dirty="0">
-              <a:effectLst/>
-              <a:latin typeface="Calibri" panose="020F0502020204030204" pitchFamily="34" charset="0"/>
-              <a:ea typeface="Calibri" panose="020F0502020204030204" pitchFamily="34" charset="0"/>
-              <a:cs typeface="Times New Roman" panose="02020603050405020304" pitchFamily="18" charset="0"/>
-            </a:endParaRPr>
-          </a:p>
-          <a:p>
-            <a:pPr algn="just">
+          </a:p>
+          <a:p>
+            <a:pPr>
               <a:lnSpc>
                 <a:spcPct val="107000"/>
               </a:lnSpc>
@@ -856,9 +759,6 @@
             <a:r>
               <a:rPr lang="fr-FR" sz="1800" dirty="0">
                 <a:effectLst/>
-                <a:highlight>
-                  <a:srgbClr val="FFFF00"/>
-                </a:highlight>
                 <a:latin typeface="Calibri" panose="020F0502020204030204" pitchFamily="34" charset="0"/>
                 <a:ea typeface="Calibri" panose="020F0502020204030204" pitchFamily="34" charset="0"/>
                 <a:cs typeface="Times New Roman" panose="02020603050405020304" pitchFamily="18" charset="0"/>
@@ -868,9 +768,6 @@
             <a:r>
               <a:rPr lang="fr-FR" sz="1800" dirty="0" err="1">
                 <a:effectLst/>
-                <a:highlight>
-                  <a:srgbClr val="FFFF00"/>
-                </a:highlight>
                 <a:latin typeface="Calibri" panose="020F0502020204030204" pitchFamily="34" charset="0"/>
                 <a:ea typeface="Calibri" panose="020F0502020204030204" pitchFamily="34" charset="0"/>
                 <a:cs typeface="Times New Roman" panose="02020603050405020304" pitchFamily="18" charset="0"/>
@@ -880,9 +777,6 @@
             <a:r>
               <a:rPr lang="fr-FR" sz="1800" dirty="0">
                 <a:effectLst/>
-                <a:highlight>
-                  <a:srgbClr val="FFFF00"/>
-                </a:highlight>
                 <a:latin typeface="Calibri" panose="020F0502020204030204" pitchFamily="34" charset="0"/>
                 <a:ea typeface="Calibri" panose="020F0502020204030204" pitchFamily="34" charset="0"/>
                 <a:cs typeface="Times New Roman" panose="02020603050405020304" pitchFamily="18" charset="0"/>
@@ -892,9 +786,6 @@
             <a:r>
               <a:rPr lang="fr-FR" sz="1800" dirty="0" err="1">
                 <a:effectLst/>
-                <a:highlight>
-                  <a:srgbClr val="FFFF00"/>
-                </a:highlight>
                 <a:latin typeface="Calibri" panose="020F0502020204030204" pitchFamily="34" charset="0"/>
                 <a:ea typeface="Calibri" panose="020F0502020204030204" pitchFamily="34" charset="0"/>
                 <a:cs typeface="Times New Roman" panose="02020603050405020304" pitchFamily="18" charset="0"/>
@@ -904,9 +795,6 @@
             <a:r>
               <a:rPr lang="fr-FR" sz="1800" dirty="0">
                 <a:effectLst/>
-                <a:highlight>
-                  <a:srgbClr val="FFFF00"/>
-                </a:highlight>
                 <a:latin typeface="Calibri" panose="020F0502020204030204" pitchFamily="34" charset="0"/>
                 <a:ea typeface="Calibri" panose="020F0502020204030204" pitchFamily="34" charset="0"/>
                 <a:cs typeface="Times New Roman" panose="02020603050405020304" pitchFamily="18" charset="0"/>
@@ -916,9 +804,6 @@
             <a:r>
               <a:rPr lang="fr-FR" sz="1800" dirty="0" err="1">
                 <a:effectLst/>
-                <a:highlight>
-                  <a:srgbClr val="FFFF00"/>
-                </a:highlight>
                 <a:latin typeface="Calibri" panose="020F0502020204030204" pitchFamily="34" charset="0"/>
                 <a:ea typeface="Calibri" panose="020F0502020204030204" pitchFamily="34" charset="0"/>
                 <a:cs typeface="Times New Roman" panose="02020603050405020304" pitchFamily="18" charset="0"/>
@@ -928,9 +813,6 @@
             <a:r>
               <a:rPr lang="fr-FR" sz="1800" dirty="0">
                 <a:effectLst/>
-                <a:highlight>
-                  <a:srgbClr val="FFFF00"/>
-                </a:highlight>
                 <a:latin typeface="Calibri" panose="020F0502020204030204" pitchFamily="34" charset="0"/>
                 <a:ea typeface="Calibri" panose="020F0502020204030204" pitchFamily="34" charset="0"/>
                 <a:cs typeface="Times New Roman" panose="02020603050405020304" pitchFamily="18" charset="0"/>
@@ -940,9 +822,6 @@
             <a:r>
               <a:rPr lang="fr-FR" sz="1800" dirty="0" err="1">
                 <a:effectLst/>
-                <a:highlight>
-                  <a:srgbClr val="FFFF00"/>
-                </a:highlight>
                 <a:latin typeface="Calibri" panose="020F0502020204030204" pitchFamily="34" charset="0"/>
                 <a:ea typeface="Calibri" panose="020F0502020204030204" pitchFamily="34" charset="0"/>
                 <a:cs typeface="Times New Roman" panose="02020603050405020304" pitchFamily="18" charset="0"/>
@@ -952,9 +831,6 @@
             <a:r>
               <a:rPr lang="fr-FR" sz="1800" dirty="0">
                 <a:effectLst/>
-                <a:highlight>
-                  <a:srgbClr val="FFFF00"/>
-                </a:highlight>
                 <a:latin typeface="Calibri" panose="020F0502020204030204" pitchFamily="34" charset="0"/>
                 <a:ea typeface="Calibri" panose="020F0502020204030204" pitchFamily="34" charset="0"/>
                 <a:cs typeface="Times New Roman" panose="02020603050405020304" pitchFamily="18" charset="0"/>
@@ -964,9 +840,6 @@
             <a:r>
               <a:rPr lang="fr-FR" sz="1800" dirty="0" err="1">
                 <a:effectLst/>
-                <a:highlight>
-                  <a:srgbClr val="FFFF00"/>
-                </a:highlight>
                 <a:latin typeface="Calibri" panose="020F0502020204030204" pitchFamily="34" charset="0"/>
                 <a:ea typeface="Calibri" panose="020F0502020204030204" pitchFamily="34" charset="0"/>
                 <a:cs typeface="Times New Roman" panose="02020603050405020304" pitchFamily="18" charset="0"/>
@@ -976,9 +849,6 @@
             <a:r>
               <a:rPr lang="fr-FR" sz="1800" dirty="0">
                 <a:effectLst/>
-                <a:highlight>
-                  <a:srgbClr val="FFFF00"/>
-                </a:highlight>
                 <a:latin typeface="Calibri" panose="020F0502020204030204" pitchFamily="34" charset="0"/>
                 <a:ea typeface="Calibri" panose="020F0502020204030204" pitchFamily="34" charset="0"/>
                 <a:cs typeface="Times New Roman" panose="02020603050405020304" pitchFamily="18" charset="0"/>
@@ -988,9 +858,6 @@
             <a:r>
               <a:rPr lang="fr-FR" sz="1800" dirty="0" err="1">
                 <a:effectLst/>
-                <a:highlight>
-                  <a:srgbClr val="FFFF00"/>
-                </a:highlight>
                 <a:latin typeface="Calibri" panose="020F0502020204030204" pitchFamily="34" charset="0"/>
                 <a:ea typeface="Calibri" panose="020F0502020204030204" pitchFamily="34" charset="0"/>
                 <a:cs typeface="Times New Roman" panose="02020603050405020304" pitchFamily="18" charset="0"/>
@@ -1000,9 +867,6 @@
             <a:r>
               <a:rPr lang="fr-FR" sz="1800" dirty="0">
                 <a:effectLst/>
-                <a:highlight>
-                  <a:srgbClr val="FFFF00"/>
-                </a:highlight>
                 <a:latin typeface="Calibri" panose="020F0502020204030204" pitchFamily="34" charset="0"/>
                 <a:ea typeface="Calibri" panose="020F0502020204030204" pitchFamily="34" charset="0"/>
                 <a:cs typeface="Times New Roman" panose="02020603050405020304" pitchFamily="18" charset="0"/>
@@ -1012,9 +876,6 @@
             <a:r>
               <a:rPr lang="fr-FR" sz="1800" dirty="0" err="1">
                 <a:effectLst/>
-                <a:highlight>
-                  <a:srgbClr val="FFFF00"/>
-                </a:highlight>
                 <a:latin typeface="Calibri" panose="020F0502020204030204" pitchFamily="34" charset="0"/>
                 <a:ea typeface="Calibri" panose="020F0502020204030204" pitchFamily="34" charset="0"/>
                 <a:cs typeface="Times New Roman" panose="02020603050405020304" pitchFamily="18" charset="0"/>
@@ -1024,9 +885,6 @@
             <a:r>
               <a:rPr lang="fr-FR" sz="1800" dirty="0">
                 <a:effectLst/>
-                <a:highlight>
-                  <a:srgbClr val="FFFF00"/>
-                </a:highlight>
                 <a:latin typeface="Calibri" panose="020F0502020204030204" pitchFamily="34" charset="0"/>
                 <a:ea typeface="Calibri" panose="020F0502020204030204" pitchFamily="34" charset="0"/>
                 <a:cs typeface="Times New Roman" panose="02020603050405020304" pitchFamily="18" charset="0"/>
@@ -1036,9 +894,6 @@
             <a:r>
               <a:rPr lang="fr-FR" sz="1800" dirty="0" err="1">
                 <a:effectLst/>
-                <a:highlight>
-                  <a:srgbClr val="FFFF00"/>
-                </a:highlight>
                 <a:latin typeface="Calibri" panose="020F0502020204030204" pitchFamily="34" charset="0"/>
                 <a:ea typeface="Calibri" panose="020F0502020204030204" pitchFamily="34" charset="0"/>
                 <a:cs typeface="Times New Roman" panose="02020603050405020304" pitchFamily="18" charset="0"/>
@@ -1048,9 +903,6 @@
             <a:r>
               <a:rPr lang="fr-FR" sz="1800" dirty="0">
                 <a:effectLst/>
-                <a:highlight>
-                  <a:srgbClr val="FFFF00"/>
-                </a:highlight>
                 <a:latin typeface="Calibri" panose="020F0502020204030204" pitchFamily="34" charset="0"/>
                 <a:ea typeface="Calibri" panose="020F0502020204030204" pitchFamily="34" charset="0"/>
                 <a:cs typeface="Times New Roman" panose="02020603050405020304" pitchFamily="18" charset="0"/>
@@ -1059,7 +911,7 @@
             </a:r>
           </a:p>
           <a:p>
-            <a:pPr algn="just">
+            <a:pPr>
               <a:lnSpc>
                 <a:spcPct val="107000"/>
               </a:lnSpc>
@@ -1070,9 +922,6 @@
             <a:r>
               <a:rPr lang="fr-FR" sz="1800" dirty="0">
                 <a:effectLst/>
-                <a:highlight>
-                  <a:srgbClr val="FFFF00"/>
-                </a:highlight>
                 <a:latin typeface="Calibri" panose="020F0502020204030204" pitchFamily="34" charset="0"/>
                 <a:ea typeface="Calibri" panose="020F0502020204030204" pitchFamily="34" charset="0"/>
                 <a:cs typeface="Times New Roman" panose="02020603050405020304" pitchFamily="18" charset="0"/>
@@ -1082,21 +931,15 @@
             <a:r>
               <a:rPr lang="fr-FR" sz="1800" dirty="0" err="1">
                 <a:effectLst/>
-                <a:highlight>
-                  <a:srgbClr val="FFFF00"/>
-                </a:highlight>
-                <a:latin typeface="Calibri" panose="020F0502020204030204" pitchFamily="34" charset="0"/>
-                <a:ea typeface="Calibri" panose="020F0502020204030204" pitchFamily="34" charset="0"/>
-                <a:cs typeface="Times New Roman" panose="02020603050405020304" pitchFamily="18" charset="0"/>
-              </a:rPr>
-              <a:t>is</a:t>
-            </a:r>
-            <a:r>
-              <a:rPr lang="fr-FR" sz="1800" dirty="0">
-                <a:effectLst/>
-                <a:highlight>
-                  <a:srgbClr val="FFFF00"/>
-                </a:highlight>
+                <a:latin typeface="Calibri" panose="020F0502020204030204" pitchFamily="34" charset="0"/>
+                <a:ea typeface="Calibri" panose="020F0502020204030204" pitchFamily="34" charset="0"/>
+                <a:cs typeface="Times New Roman" panose="02020603050405020304" pitchFamily="18" charset="0"/>
+              </a:rPr>
+              <a:t>was</a:t>
+            </a:r>
+            <a:r>
+              <a:rPr lang="fr-FR" sz="1800" dirty="0">
+                <a:effectLst/>
                 <a:latin typeface="Calibri" panose="020F0502020204030204" pitchFamily="34" charset="0"/>
                 <a:ea typeface="Calibri" panose="020F0502020204030204" pitchFamily="34" charset="0"/>
                 <a:cs typeface="Times New Roman" panose="02020603050405020304" pitchFamily="18" charset="0"/>
@@ -1106,9 +949,6 @@
             <a:r>
               <a:rPr lang="fr-FR" sz="1800" dirty="0" err="1">
                 <a:effectLst/>
-                <a:highlight>
-                  <a:srgbClr val="FFFF00"/>
-                </a:highlight>
                 <a:latin typeface="Calibri" panose="020F0502020204030204" pitchFamily="34" charset="0"/>
                 <a:ea typeface="Calibri" panose="020F0502020204030204" pitchFamily="34" charset="0"/>
                 <a:cs typeface="Times New Roman" panose="02020603050405020304" pitchFamily="18" charset="0"/>
@@ -1118,9 +958,6 @@
             <a:r>
               <a:rPr lang="fr-FR" sz="1800" dirty="0">
                 <a:effectLst/>
-                <a:highlight>
-                  <a:srgbClr val="FFFF00"/>
-                </a:highlight>
                 <a:latin typeface="Calibri" panose="020F0502020204030204" pitchFamily="34" charset="0"/>
                 <a:ea typeface="Calibri" panose="020F0502020204030204" pitchFamily="34" charset="0"/>
                 <a:cs typeface="Times New Roman" panose="02020603050405020304" pitchFamily="18" charset="0"/>
@@ -1130,9 +967,6 @@
             <a:r>
               <a:rPr lang="fr-FR" sz="1800" dirty="0" err="1">
                 <a:effectLst/>
-                <a:highlight>
-                  <a:srgbClr val="FFFF00"/>
-                </a:highlight>
                 <a:latin typeface="Calibri" panose="020F0502020204030204" pitchFamily="34" charset="0"/>
                 <a:ea typeface="Calibri" panose="020F0502020204030204" pitchFamily="34" charset="0"/>
                 <a:cs typeface="Times New Roman" panose="02020603050405020304" pitchFamily="18" charset="0"/>
@@ -1142,21 +976,33 @@
             <a:r>
               <a:rPr lang="fr-FR" sz="1800" dirty="0">
                 <a:effectLst/>
-                <a:highlight>
-                  <a:srgbClr val="FFFF00"/>
-                </a:highlight>
-                <a:latin typeface="Calibri" panose="020F0502020204030204" pitchFamily="34" charset="0"/>
-                <a:ea typeface="Calibri" panose="020F0502020204030204" pitchFamily="34" charset="0"/>
-                <a:cs typeface="Times New Roman" panose="02020603050405020304" pitchFamily="18" charset="0"/>
-              </a:rPr>
-              <a:t> and I and </a:t>
+                <a:latin typeface="Calibri" panose="020F0502020204030204" pitchFamily="34" charset="0"/>
+                <a:ea typeface="Calibri" panose="020F0502020204030204" pitchFamily="34" charset="0"/>
+                <a:cs typeface="Times New Roman" panose="02020603050405020304" pitchFamily="18" charset="0"/>
+              </a:rPr>
+              <a:t> and for </a:t>
             </a:r>
             <a:r>
               <a:rPr lang="fr-FR" sz="1800" dirty="0" err="1">
                 <a:effectLst/>
-                <a:highlight>
-                  <a:srgbClr val="FFFF00"/>
-                </a:highlight>
+                <a:latin typeface="Calibri" panose="020F0502020204030204" pitchFamily="34" charset="0"/>
+                <a:ea typeface="Calibri" panose="020F0502020204030204" pitchFamily="34" charset="0"/>
+                <a:cs typeface="Times New Roman" panose="02020603050405020304" pitchFamily="18" charset="0"/>
+              </a:rPr>
+              <a:t>myselft</a:t>
+            </a:r>
+            <a:r>
+              <a:rPr lang="fr-FR" sz="1800" dirty="0">
+                <a:effectLst/>
+                <a:latin typeface="Calibri" panose="020F0502020204030204" pitchFamily="34" charset="0"/>
+                <a:ea typeface="Calibri" panose="020F0502020204030204" pitchFamily="34" charset="0"/>
+                <a:cs typeface="Times New Roman" panose="02020603050405020304" pitchFamily="18" charset="0"/>
+              </a:rPr>
+              <a:t> and </a:t>
+            </a:r>
+            <a:r>
+              <a:rPr lang="fr-FR" sz="1800" dirty="0" err="1">
+                <a:effectLst/>
                 <a:latin typeface="Calibri" panose="020F0502020204030204" pitchFamily="34" charset="0"/>
                 <a:ea typeface="Calibri" panose="020F0502020204030204" pitchFamily="34" charset="0"/>
                 <a:cs typeface="Times New Roman" panose="02020603050405020304" pitchFamily="18" charset="0"/>
@@ -1166,9 +1012,6 @@
             <a:r>
               <a:rPr lang="fr-FR" sz="1800" dirty="0">
                 <a:effectLst/>
-                <a:highlight>
-                  <a:srgbClr val="FFFF00"/>
-                </a:highlight>
                 <a:latin typeface="Calibri" panose="020F0502020204030204" pitchFamily="34" charset="0"/>
                 <a:ea typeface="Calibri" panose="020F0502020204030204" pitchFamily="34" charset="0"/>
                 <a:cs typeface="Times New Roman" panose="02020603050405020304" pitchFamily="18" charset="0"/>
@@ -1178,9 +1021,6 @@
             <a:r>
               <a:rPr lang="fr-FR" sz="1800" dirty="0" err="1">
                 <a:effectLst/>
-                <a:highlight>
-                  <a:srgbClr val="FFFF00"/>
-                </a:highlight>
                 <a:latin typeface="Calibri" panose="020F0502020204030204" pitchFamily="34" charset="0"/>
                 <a:ea typeface="Calibri" panose="020F0502020204030204" pitchFamily="34" charset="0"/>
                 <a:cs typeface="Times New Roman" panose="02020603050405020304" pitchFamily="18" charset="0"/>
@@ -1190,9 +1030,6 @@
             <a:r>
               <a:rPr lang="fr-FR" sz="1800" dirty="0">
                 <a:effectLst/>
-                <a:highlight>
-                  <a:srgbClr val="FFFF00"/>
-                </a:highlight>
                 <a:latin typeface="Calibri" panose="020F0502020204030204" pitchFamily="34" charset="0"/>
                 <a:ea typeface="Calibri" panose="020F0502020204030204" pitchFamily="34" charset="0"/>
                 <a:cs typeface="Times New Roman" panose="02020603050405020304" pitchFamily="18" charset="0"/>
@@ -1202,9 +1039,6 @@
             <a:r>
               <a:rPr lang="fr-FR" sz="1800" dirty="0" err="1">
                 <a:effectLst/>
-                <a:highlight>
-                  <a:srgbClr val="FFFF00"/>
-                </a:highlight>
                 <a:latin typeface="Calibri" panose="020F0502020204030204" pitchFamily="34" charset="0"/>
                 <a:ea typeface="Calibri" panose="020F0502020204030204" pitchFamily="34" charset="0"/>
                 <a:cs typeface="Times New Roman" panose="02020603050405020304" pitchFamily="18" charset="0"/>
@@ -1214,9 +1048,6 @@
             <a:r>
               <a:rPr lang="fr-FR" sz="1800" dirty="0">
                 <a:effectLst/>
-                <a:highlight>
-                  <a:srgbClr val="FFFF00"/>
-                </a:highlight>
                 <a:latin typeface="Calibri" panose="020F0502020204030204" pitchFamily="34" charset="0"/>
                 <a:ea typeface="Calibri" panose="020F0502020204030204" pitchFamily="34" charset="0"/>
                 <a:cs typeface="Times New Roman" panose="02020603050405020304" pitchFamily="18" charset="0"/>
@@ -1226,9 +1057,6 @@
             <a:r>
               <a:rPr lang="fr-FR" sz="1800" dirty="0" err="1">
                 <a:effectLst/>
-                <a:highlight>
-                  <a:srgbClr val="FFFF00"/>
-                </a:highlight>
                 <a:latin typeface="Calibri" panose="020F0502020204030204" pitchFamily="34" charset="0"/>
                 <a:ea typeface="Calibri" panose="020F0502020204030204" pitchFamily="34" charset="0"/>
                 <a:cs typeface="Times New Roman" panose="02020603050405020304" pitchFamily="18" charset="0"/>
@@ -1238,9 +1066,6 @@
             <a:r>
               <a:rPr lang="fr-FR" sz="1800" dirty="0">
                 <a:effectLst/>
-                <a:highlight>
-                  <a:srgbClr val="FFFF00"/>
-                </a:highlight>
                 <a:latin typeface="Calibri" panose="020F0502020204030204" pitchFamily="34" charset="0"/>
                 <a:ea typeface="Calibri" panose="020F0502020204030204" pitchFamily="34" charset="0"/>
                 <a:cs typeface="Times New Roman" panose="02020603050405020304" pitchFamily="18" charset="0"/>
@@ -1250,9 +1075,6 @@
             <a:r>
               <a:rPr lang="fr-FR" sz="1800" dirty="0" err="1">
                 <a:effectLst/>
-                <a:highlight>
-                  <a:srgbClr val="FFFF00"/>
-                </a:highlight>
                 <a:latin typeface="Calibri" panose="020F0502020204030204" pitchFamily="34" charset="0"/>
                 <a:ea typeface="Calibri" panose="020F0502020204030204" pitchFamily="34" charset="0"/>
                 <a:cs typeface="Times New Roman" panose="02020603050405020304" pitchFamily="18" charset="0"/>
@@ -1262,9 +1084,6 @@
             <a:r>
               <a:rPr lang="fr-FR" sz="1800" dirty="0">
                 <a:effectLst/>
-                <a:highlight>
-                  <a:srgbClr val="FFFF00"/>
-                </a:highlight>
                 <a:latin typeface="Calibri" panose="020F0502020204030204" pitchFamily="34" charset="0"/>
                 <a:ea typeface="Calibri" panose="020F0502020204030204" pitchFamily="34" charset="0"/>
                 <a:cs typeface="Times New Roman" panose="02020603050405020304" pitchFamily="18" charset="0"/>
@@ -1274,9 +1093,6 @@
             <a:r>
               <a:rPr lang="fr-FR" sz="1800" dirty="0" err="1">
                 <a:effectLst/>
-                <a:highlight>
-                  <a:srgbClr val="FFFF00"/>
-                </a:highlight>
                 <a:latin typeface="Calibri" panose="020F0502020204030204" pitchFamily="34" charset="0"/>
                 <a:ea typeface="Calibri" panose="020F0502020204030204" pitchFamily="34" charset="0"/>
                 <a:cs typeface="Times New Roman" panose="02020603050405020304" pitchFamily="18" charset="0"/>
@@ -1286,21 +1102,15 @@
             <a:r>
               <a:rPr lang="fr-FR" sz="1800" dirty="0">
                 <a:effectLst/>
-                <a:highlight>
-                  <a:srgbClr val="FFFF00"/>
-                </a:highlight>
-                <a:latin typeface="Calibri" panose="020F0502020204030204" pitchFamily="34" charset="0"/>
-                <a:ea typeface="Calibri" panose="020F0502020204030204" pitchFamily="34" charset="0"/>
-                <a:cs typeface="Times New Roman" panose="02020603050405020304" pitchFamily="18" charset="0"/>
-              </a:rPr>
-              <a:t> end-of -</a:t>
+                <a:latin typeface="Calibri" panose="020F0502020204030204" pitchFamily="34" charset="0"/>
+                <a:ea typeface="Calibri" panose="020F0502020204030204" pitchFamily="34" charset="0"/>
+                <a:cs typeface="Times New Roman" panose="02020603050405020304" pitchFamily="18" charset="0"/>
+              </a:rPr>
+              <a:t> end-of-</a:t>
             </a:r>
             <a:r>
               <a:rPr lang="fr-FR" sz="1800" dirty="0" err="1">
                 <a:effectLst/>
-                <a:highlight>
-                  <a:srgbClr val="FFFF00"/>
-                </a:highlight>
                 <a:latin typeface="Calibri" panose="020F0502020204030204" pitchFamily="34" charset="0"/>
                 <a:ea typeface="Calibri" panose="020F0502020204030204" pitchFamily="34" charset="0"/>
                 <a:cs typeface="Times New Roman" panose="02020603050405020304" pitchFamily="18" charset="0"/>
@@ -1310,9 +1120,6 @@
             <a:r>
               <a:rPr lang="fr-FR" sz="1800" dirty="0">
                 <a:effectLst/>
-                <a:highlight>
-                  <a:srgbClr val="FFFF00"/>
-                </a:highlight>
                 <a:latin typeface="Calibri" panose="020F0502020204030204" pitchFamily="34" charset="0"/>
                 <a:ea typeface="Calibri" panose="020F0502020204030204" pitchFamily="34" charset="0"/>
                 <a:cs typeface="Times New Roman" panose="02020603050405020304" pitchFamily="18" charset="0"/>
@@ -1322,9 +1129,6 @@
             <a:r>
               <a:rPr lang="fr-FR" sz="1800" dirty="0" err="1">
                 <a:effectLst/>
-                <a:highlight>
-                  <a:srgbClr val="FFFF00"/>
-                </a:highlight>
                 <a:latin typeface="Calibri" panose="020F0502020204030204" pitchFamily="34" charset="0"/>
                 <a:ea typeface="Calibri" panose="020F0502020204030204" pitchFamily="34" charset="0"/>
                 <a:cs typeface="Times New Roman" panose="02020603050405020304" pitchFamily="18" charset="0"/>
@@ -1334,24 +1138,33 @@
             <a:r>
               <a:rPr lang="fr-FR" sz="1800" dirty="0">
                 <a:effectLst/>
-                <a:highlight>
-                  <a:srgbClr val="FFFF00"/>
-                </a:highlight>
+                <a:latin typeface="Calibri" panose="020F0502020204030204" pitchFamily="34" charset="0"/>
+                <a:ea typeface="Calibri" panose="020F0502020204030204" pitchFamily="34" charset="0"/>
+                <a:cs typeface="Times New Roman" panose="02020603050405020304" pitchFamily="18" charset="0"/>
+              </a:rPr>
+              <a:t> : SOS </a:t>
+            </a:r>
+            <a:r>
+              <a:rPr lang="fr-FR" sz="1800" dirty="0" err="1">
+                <a:effectLst/>
+                <a:latin typeface="Calibri" panose="020F0502020204030204" pitchFamily="34" charset="0"/>
+                <a:ea typeface="Calibri" panose="020F0502020204030204" pitchFamily="34" charset="0"/>
+                <a:cs typeface="Times New Roman" panose="02020603050405020304" pitchFamily="18" charset="0"/>
+              </a:rPr>
+              <a:t>Immo</a:t>
+            </a:r>
+            <a:r>
+              <a:rPr lang="fr-FR" sz="1800" dirty="0">
+                <a:effectLst/>
                 <a:latin typeface="Calibri" panose="020F0502020204030204" pitchFamily="34" charset="0"/>
                 <a:ea typeface="Calibri" panose="020F0502020204030204" pitchFamily="34" charset="0"/>
                 <a:cs typeface="Times New Roman" panose="02020603050405020304" pitchFamily="18" charset="0"/>
               </a:rPr>
               <a:t>.</a:t>
             </a:r>
-            <a:endParaRPr lang="fr-FR" sz="1800" dirty="0">
-              <a:effectLst/>
-              <a:latin typeface="Calibri" panose="020F0502020204030204" pitchFamily="34" charset="0"/>
-              <a:ea typeface="Calibri" panose="020F0502020204030204" pitchFamily="34" charset="0"/>
-              <a:cs typeface="Times New Roman" panose="02020603050405020304" pitchFamily="18" charset="0"/>
-            </a:endParaRPr>
-          </a:p>
-          <a:p>
-            <a:pPr algn="just">
+          </a:p>
+          <a:p>
+            <a:pPr>
               <a:lnSpc>
                 <a:spcPct val="107000"/>
               </a:lnSpc>
@@ -1362,21 +1175,12 @@
             <a:r>
               <a:rPr lang="fr-FR" sz="1800" dirty="0">
                 <a:effectLst/>
-                <a:highlight>
-                  <a:srgbClr val="FFFF00"/>
-                </a:highlight>
                 <a:latin typeface="Calibri" panose="020F0502020204030204" pitchFamily="34" charset="0"/>
                 <a:ea typeface="Calibri" panose="020F0502020204030204" pitchFamily="34" charset="0"/>
                 <a:cs typeface="Times New Roman" panose="02020603050405020304" pitchFamily="18" charset="0"/>
               </a:rPr>
               <a:t> </a:t>
             </a:r>
-            <a:endParaRPr lang="fr-FR" sz="1800" dirty="0">
-              <a:effectLst/>
-              <a:latin typeface="Calibri" panose="020F0502020204030204" pitchFamily="34" charset="0"/>
-              <a:ea typeface="Calibri" panose="020F0502020204030204" pitchFamily="34" charset="0"/>
-              <a:cs typeface="Times New Roman" panose="02020603050405020304" pitchFamily="18" charset="0"/>
-            </a:endParaRPr>
           </a:p>
           <a:p>
             <a:pPr algn="just">
@@ -1390,237 +1194,141 @@
             <a:r>
               <a:rPr lang="fr-FR" sz="1800" dirty="0">
                 <a:effectLst/>
-                <a:highlight>
-                  <a:srgbClr val="FFFF00"/>
-                </a:highlight>
-                <a:latin typeface="Calibri" panose="020F0502020204030204" pitchFamily="34" charset="0"/>
-                <a:ea typeface="Calibri" panose="020F0502020204030204" pitchFamily="34" charset="0"/>
-                <a:cs typeface="Times New Roman" panose="02020603050405020304" pitchFamily="18" charset="0"/>
-              </a:rPr>
-              <a:t>The </a:t>
+                <a:latin typeface="Calibri" panose="020F0502020204030204" pitchFamily="34" charset="0"/>
+                <a:ea typeface="Calibri" panose="020F0502020204030204" pitchFamily="34" charset="0"/>
+                <a:cs typeface="Times New Roman" panose="02020603050405020304" pitchFamily="18" charset="0"/>
+              </a:rPr>
+              <a:t>It </a:t>
             </a:r>
             <a:r>
               <a:rPr lang="fr-FR" sz="1800" dirty="0" err="1">
                 <a:effectLst/>
-                <a:highlight>
-                  <a:srgbClr val="FFFF00"/>
-                </a:highlight>
-                <a:latin typeface="Calibri" panose="020F0502020204030204" pitchFamily="34" charset="0"/>
-                <a:ea typeface="Calibri" panose="020F0502020204030204" pitchFamily="34" charset="0"/>
-                <a:cs typeface="Times New Roman" panose="02020603050405020304" pitchFamily="18" charset="0"/>
-              </a:rPr>
-              <a:t>project</a:t>
-            </a:r>
-            <a:r>
-              <a:rPr lang="fr-FR" sz="1800" dirty="0">
-                <a:effectLst/>
-                <a:highlight>
-                  <a:srgbClr val="FFFF00"/>
-                </a:highlight>
-                <a:latin typeface="Calibri" panose="020F0502020204030204" pitchFamily="34" charset="0"/>
-                <a:ea typeface="Calibri" panose="020F0502020204030204" pitchFamily="34" charset="0"/>
-                <a:cs typeface="Times New Roman" panose="02020603050405020304" pitchFamily="18" charset="0"/>
-              </a:rPr>
-              <a:t>, </a:t>
+                <a:latin typeface="Calibri" panose="020F0502020204030204" pitchFamily="34" charset="0"/>
+                <a:ea typeface="Calibri" panose="020F0502020204030204" pitchFamily="34" charset="0"/>
+                <a:cs typeface="Times New Roman" panose="02020603050405020304" pitchFamily="18" charset="0"/>
+              </a:rPr>
+              <a:t>consists</a:t>
+            </a:r>
+            <a:r>
+              <a:rPr lang="fr-FR" sz="1800" dirty="0">
+                <a:effectLst/>
+                <a:latin typeface="Calibri" panose="020F0502020204030204" pitchFamily="34" charset="0"/>
+                <a:ea typeface="Calibri" panose="020F0502020204030204" pitchFamily="34" charset="0"/>
+                <a:cs typeface="Times New Roman" panose="02020603050405020304" pitchFamily="18" charset="0"/>
+              </a:rPr>
+              <a:t> of </a:t>
             </a:r>
             <a:r>
               <a:rPr lang="fr-FR" sz="1800" dirty="0" err="1">
                 <a:effectLst/>
-                <a:highlight>
-                  <a:srgbClr val="FFFF00"/>
-                </a:highlight>
-                <a:latin typeface="Calibri" panose="020F0502020204030204" pitchFamily="34" charset="0"/>
-                <a:ea typeface="Calibri" panose="020F0502020204030204" pitchFamily="34" charset="0"/>
-                <a:cs typeface="Times New Roman" panose="02020603050405020304" pitchFamily="18" charset="0"/>
-              </a:rPr>
-              <a:t>called</a:t>
-            </a:r>
-            <a:r>
-              <a:rPr lang="fr-FR" sz="1800" dirty="0">
-                <a:effectLst/>
-                <a:highlight>
-                  <a:srgbClr val="FFFF00"/>
-                </a:highlight>
-                <a:latin typeface="Calibri" panose="020F0502020204030204" pitchFamily="34" charset="0"/>
-                <a:ea typeface="Calibri" panose="020F0502020204030204" pitchFamily="34" charset="0"/>
-                <a:cs typeface="Times New Roman" panose="02020603050405020304" pitchFamily="18" charset="0"/>
-              </a:rPr>
-              <a:t> SOS </a:t>
+                <a:latin typeface="Calibri" panose="020F0502020204030204" pitchFamily="34" charset="0"/>
+                <a:ea typeface="Calibri" panose="020F0502020204030204" pitchFamily="34" charset="0"/>
+                <a:cs typeface="Times New Roman" panose="02020603050405020304" pitchFamily="18" charset="0"/>
+              </a:rPr>
+              <a:t>managing</a:t>
+            </a:r>
+            <a:r>
+              <a:rPr lang="fr-FR" sz="1800" dirty="0">
+                <a:effectLst/>
+                <a:latin typeface="Calibri" panose="020F0502020204030204" pitchFamily="34" charset="0"/>
+                <a:ea typeface="Calibri" panose="020F0502020204030204" pitchFamily="34" charset="0"/>
+                <a:cs typeface="Times New Roman" panose="02020603050405020304" pitchFamily="18" charset="0"/>
+              </a:rPr>
+              <a:t> </a:t>
             </a:r>
             <a:r>
               <a:rPr lang="fr-FR" sz="1800" dirty="0" err="1">
                 <a:effectLst/>
-                <a:highlight>
-                  <a:srgbClr val="FFFF00"/>
-                </a:highlight>
-                <a:latin typeface="Calibri" panose="020F0502020204030204" pitchFamily="34" charset="0"/>
-                <a:ea typeface="Calibri" panose="020F0502020204030204" pitchFamily="34" charset="0"/>
-                <a:cs typeface="Times New Roman" panose="02020603050405020304" pitchFamily="18" charset="0"/>
-              </a:rPr>
-              <a:t>Immo</a:t>
-            </a:r>
-            <a:r>
-              <a:rPr lang="fr-FR" sz="1800" dirty="0">
-                <a:effectLst/>
-                <a:highlight>
-                  <a:srgbClr val="FFFF00"/>
-                </a:highlight>
-                <a:latin typeface="Calibri" panose="020F0502020204030204" pitchFamily="34" charset="0"/>
-                <a:ea typeface="Calibri" panose="020F0502020204030204" pitchFamily="34" charset="0"/>
-                <a:cs typeface="Times New Roman" panose="02020603050405020304" pitchFamily="18" charset="0"/>
-              </a:rPr>
-              <a:t>, </a:t>
+                <a:latin typeface="Calibri" panose="020F0502020204030204" pitchFamily="34" charset="0"/>
+                <a:ea typeface="Calibri" panose="020F0502020204030204" pitchFamily="34" charset="0"/>
+                <a:cs typeface="Times New Roman" panose="02020603050405020304" pitchFamily="18" charset="0"/>
+              </a:rPr>
+              <a:t>technical</a:t>
+            </a:r>
+            <a:r>
+              <a:rPr lang="fr-FR" sz="1800" dirty="0">
+                <a:effectLst/>
+                <a:latin typeface="Calibri" panose="020F0502020204030204" pitchFamily="34" charset="0"/>
+                <a:ea typeface="Calibri" panose="020F0502020204030204" pitchFamily="34" charset="0"/>
+                <a:cs typeface="Times New Roman" panose="02020603050405020304" pitchFamily="18" charset="0"/>
+              </a:rPr>
+              <a:t> </a:t>
             </a:r>
             <a:r>
               <a:rPr lang="fr-FR" sz="1800" dirty="0" err="1">
                 <a:effectLst/>
-                <a:highlight>
-                  <a:srgbClr val="FFFF00"/>
-                </a:highlight>
-                <a:latin typeface="Calibri" panose="020F0502020204030204" pitchFamily="34" charset="0"/>
-                <a:ea typeface="Calibri" panose="020F0502020204030204" pitchFamily="34" charset="0"/>
-                <a:cs typeface="Times New Roman" panose="02020603050405020304" pitchFamily="18" charset="0"/>
-              </a:rPr>
-              <a:t>is</a:t>
-            </a:r>
-            <a:r>
-              <a:rPr lang="fr-FR" sz="1800" dirty="0">
-                <a:effectLst/>
-                <a:highlight>
-                  <a:srgbClr val="FFFF00"/>
-                </a:highlight>
-                <a:latin typeface="Calibri" panose="020F0502020204030204" pitchFamily="34" charset="0"/>
-                <a:ea typeface="Calibri" panose="020F0502020204030204" pitchFamily="34" charset="0"/>
-                <a:cs typeface="Times New Roman" panose="02020603050405020304" pitchFamily="18" charset="0"/>
-              </a:rPr>
-              <a:t> a ticket manager </a:t>
+                <a:latin typeface="Calibri" panose="020F0502020204030204" pitchFamily="34" charset="0"/>
+                <a:ea typeface="Calibri" panose="020F0502020204030204" pitchFamily="34" charset="0"/>
+                <a:cs typeface="Times New Roman" panose="02020603050405020304" pitchFamily="18" charset="0"/>
+              </a:rPr>
+              <a:t>indicents</a:t>
+            </a:r>
+            <a:r>
+              <a:rPr lang="fr-FR" sz="1800" dirty="0">
+                <a:effectLst/>
+                <a:latin typeface="Calibri" panose="020F0502020204030204" pitchFamily="34" charset="0"/>
+                <a:ea typeface="Calibri" panose="020F0502020204030204" pitchFamily="34" charset="0"/>
+                <a:cs typeface="Times New Roman" panose="02020603050405020304" pitchFamily="18" charset="0"/>
+              </a:rPr>
+              <a:t> </a:t>
             </a:r>
             <a:r>
               <a:rPr lang="fr-FR" sz="1800" dirty="0" err="1">
                 <a:effectLst/>
-                <a:highlight>
-                  <a:srgbClr val="FFFF00"/>
-                </a:highlight>
-                <a:latin typeface="Calibri" panose="020F0502020204030204" pitchFamily="34" charset="0"/>
-                <a:ea typeface="Calibri" panose="020F0502020204030204" pitchFamily="34" charset="0"/>
-                <a:cs typeface="Times New Roman" panose="02020603050405020304" pitchFamily="18" charset="0"/>
-              </a:rPr>
-              <a:t>tool</a:t>
-            </a:r>
-            <a:r>
-              <a:rPr lang="fr-FR" sz="1800" dirty="0">
-                <a:effectLst/>
-                <a:highlight>
-                  <a:srgbClr val="FFFF00"/>
-                </a:highlight>
-                <a:latin typeface="Calibri" panose="020F0502020204030204" pitchFamily="34" charset="0"/>
-                <a:ea typeface="Calibri" panose="020F0502020204030204" pitchFamily="34" charset="0"/>
-                <a:cs typeface="Times New Roman" panose="02020603050405020304" pitchFamily="18" charset="0"/>
-              </a:rPr>
-              <a:t>, </a:t>
+                <a:latin typeface="Calibri" panose="020F0502020204030204" pitchFamily="34" charset="0"/>
+                <a:ea typeface="Calibri" panose="020F0502020204030204" pitchFamily="34" charset="0"/>
+                <a:cs typeface="Times New Roman" panose="02020603050405020304" pitchFamily="18" charset="0"/>
+              </a:rPr>
+              <a:t>that</a:t>
+            </a:r>
+            <a:r>
+              <a:rPr lang="fr-FR" sz="1800" dirty="0">
+                <a:effectLst/>
+                <a:latin typeface="Calibri" panose="020F0502020204030204" pitchFamily="34" charset="0"/>
+                <a:ea typeface="Calibri" panose="020F0502020204030204" pitchFamily="34" charset="0"/>
+                <a:cs typeface="Times New Roman" panose="02020603050405020304" pitchFamily="18" charset="0"/>
+              </a:rPr>
+              <a:t> </a:t>
             </a:r>
             <a:r>
               <a:rPr lang="fr-FR" sz="1800" dirty="0" err="1">
                 <a:effectLst/>
-                <a:highlight>
-                  <a:srgbClr val="FFFF00"/>
-                </a:highlight>
-                <a:latin typeface="Calibri" panose="020F0502020204030204" pitchFamily="34" charset="0"/>
-                <a:ea typeface="Calibri" panose="020F0502020204030204" pitchFamily="34" charset="0"/>
-                <a:cs typeface="Times New Roman" panose="02020603050405020304" pitchFamily="18" charset="0"/>
-              </a:rPr>
-              <a:t>these</a:t>
-            </a:r>
-            <a:r>
-              <a:rPr lang="fr-FR" sz="1800" dirty="0">
-                <a:effectLst/>
-                <a:highlight>
-                  <a:srgbClr val="FFFF00"/>
-                </a:highlight>
-                <a:latin typeface="Calibri" panose="020F0502020204030204" pitchFamily="34" charset="0"/>
-                <a:ea typeface="Calibri" panose="020F0502020204030204" pitchFamily="34" charset="0"/>
-                <a:cs typeface="Times New Roman" panose="02020603050405020304" pitchFamily="18" charset="0"/>
-              </a:rPr>
-              <a:t> tickets are </a:t>
+                <a:latin typeface="Calibri" panose="020F0502020204030204" pitchFamily="34" charset="0"/>
+                <a:ea typeface="Calibri" panose="020F0502020204030204" pitchFamily="34" charset="0"/>
+                <a:cs typeface="Times New Roman" panose="02020603050405020304" pitchFamily="18" charset="0"/>
+              </a:rPr>
+              <a:t>may</a:t>
+            </a:r>
+            <a:r>
+              <a:rPr lang="fr-FR" sz="1800" dirty="0">
+                <a:effectLst/>
+                <a:latin typeface="Calibri" panose="020F0502020204030204" pitchFamily="34" charset="0"/>
+                <a:ea typeface="Calibri" panose="020F0502020204030204" pitchFamily="34" charset="0"/>
+                <a:cs typeface="Times New Roman" panose="02020603050405020304" pitchFamily="18" charset="0"/>
+              </a:rPr>
+              <a:t> </a:t>
             </a:r>
             <a:r>
               <a:rPr lang="fr-FR" sz="1800" dirty="0" err="1">
                 <a:effectLst/>
-                <a:highlight>
-                  <a:srgbClr val="FFFF00"/>
-                </a:highlight>
-                <a:latin typeface="Calibri" panose="020F0502020204030204" pitchFamily="34" charset="0"/>
-                <a:ea typeface="Calibri" panose="020F0502020204030204" pitchFamily="34" charset="0"/>
-                <a:cs typeface="Times New Roman" panose="02020603050405020304" pitchFamily="18" charset="0"/>
-              </a:rPr>
-              <a:t>technical</a:t>
-            </a:r>
-            <a:r>
-              <a:rPr lang="fr-FR" sz="1800" dirty="0">
-                <a:effectLst/>
-                <a:highlight>
-                  <a:srgbClr val="FFFF00"/>
-                </a:highlight>
-                <a:latin typeface="Calibri" panose="020F0502020204030204" pitchFamily="34" charset="0"/>
-                <a:ea typeface="Calibri" panose="020F0502020204030204" pitchFamily="34" charset="0"/>
-                <a:cs typeface="Times New Roman" panose="02020603050405020304" pitchFamily="18" charset="0"/>
-              </a:rPr>
-              <a:t> incidents </a:t>
+                <a:latin typeface="Calibri" panose="020F0502020204030204" pitchFamily="34" charset="0"/>
+                <a:ea typeface="Calibri" panose="020F0502020204030204" pitchFamily="34" charset="0"/>
+                <a:cs typeface="Times New Roman" panose="02020603050405020304" pitchFamily="18" charset="0"/>
+              </a:rPr>
+              <a:t>occur</a:t>
+            </a:r>
+            <a:r>
+              <a:rPr lang="fr-FR" sz="1800" dirty="0">
+                <a:effectLst/>
+                <a:latin typeface="Calibri" panose="020F0502020204030204" pitchFamily="34" charset="0"/>
+                <a:ea typeface="Calibri" panose="020F0502020204030204" pitchFamily="34" charset="0"/>
+                <a:cs typeface="Times New Roman" panose="02020603050405020304" pitchFamily="18" charset="0"/>
+              </a:rPr>
+              <a:t> in a </a:t>
             </a:r>
             <a:r>
               <a:rPr lang="fr-FR" sz="1800" dirty="0" err="1">
                 <a:effectLst/>
-                <a:highlight>
-                  <a:srgbClr val="FFFF00"/>
-                </a:highlight>
-                <a:latin typeface="Calibri" panose="020F0502020204030204" pitchFamily="34" charset="0"/>
-                <a:ea typeface="Calibri" panose="020F0502020204030204" pitchFamily="34" charset="0"/>
-                <a:cs typeface="Times New Roman" panose="02020603050405020304" pitchFamily="18" charset="0"/>
-              </a:rPr>
-              <a:t>that</a:t>
-            </a:r>
-            <a:r>
-              <a:rPr lang="fr-FR" sz="1800" dirty="0">
-                <a:effectLst/>
-                <a:highlight>
-                  <a:srgbClr val="FFFF00"/>
-                </a:highlight>
-                <a:latin typeface="Calibri" panose="020F0502020204030204" pitchFamily="34" charset="0"/>
-                <a:ea typeface="Calibri" panose="020F0502020204030204" pitchFamily="34" charset="0"/>
-                <a:cs typeface="Times New Roman" panose="02020603050405020304" pitchFamily="18" charset="0"/>
-              </a:rPr>
-              <a:t> </a:t>
-            </a:r>
-            <a:r>
-              <a:rPr lang="fr-FR" sz="1800" dirty="0" err="1">
-                <a:effectLst/>
-                <a:highlight>
-                  <a:srgbClr val="FFFF00"/>
-                </a:highlight>
-                <a:latin typeface="Calibri" panose="020F0502020204030204" pitchFamily="34" charset="0"/>
-                <a:ea typeface="Calibri" panose="020F0502020204030204" pitchFamily="34" charset="0"/>
-                <a:cs typeface="Times New Roman" panose="02020603050405020304" pitchFamily="18" charset="0"/>
-              </a:rPr>
-              <a:t>may</a:t>
-            </a:r>
-            <a:r>
-              <a:rPr lang="fr-FR" sz="1800" dirty="0">
-                <a:effectLst/>
-                <a:highlight>
-                  <a:srgbClr val="FFFF00"/>
-                </a:highlight>
-                <a:latin typeface="Calibri" panose="020F0502020204030204" pitchFamily="34" charset="0"/>
-                <a:ea typeface="Calibri" panose="020F0502020204030204" pitchFamily="34" charset="0"/>
-                <a:cs typeface="Times New Roman" panose="02020603050405020304" pitchFamily="18" charset="0"/>
-              </a:rPr>
-              <a:t> append in a </a:t>
-            </a:r>
-            <a:r>
-              <a:rPr lang="fr-FR" sz="1800" dirty="0" err="1">
-                <a:effectLst/>
-                <a:highlight>
-                  <a:srgbClr val="FFFF00"/>
-                </a:highlight>
                 <a:latin typeface="Calibri" panose="020F0502020204030204" pitchFamily="34" charset="0"/>
                 <a:ea typeface="Calibri" panose="020F0502020204030204" pitchFamily="34" charset="0"/>
                 <a:cs typeface="Times New Roman" panose="02020603050405020304" pitchFamily="18" charset="0"/>
@@ -1630,24 +1338,15 @@
             <a:r>
               <a:rPr lang="fr-FR" sz="1800" dirty="0">
                 <a:effectLst/>
-                <a:highlight>
-                  <a:srgbClr val="FFFF00"/>
-                </a:highlight>
                 <a:latin typeface="Calibri" panose="020F0502020204030204" pitchFamily="34" charset="0"/>
                 <a:ea typeface="Calibri" panose="020F0502020204030204" pitchFamily="34" charset="0"/>
                 <a:cs typeface="Times New Roman" panose="02020603050405020304" pitchFamily="18" charset="0"/>
               </a:rPr>
               <a:t> office building.</a:t>
             </a:r>
-            <a:endParaRPr lang="fr-FR" sz="1800" dirty="0">
-              <a:effectLst/>
-              <a:latin typeface="Calibri" panose="020F0502020204030204" pitchFamily="34" charset="0"/>
-              <a:ea typeface="Calibri" panose="020F0502020204030204" pitchFamily="34" charset="0"/>
-              <a:cs typeface="Times New Roman" panose="02020603050405020304" pitchFamily="18" charset="0"/>
-            </a:endParaRPr>
-          </a:p>
-          <a:p>
-            <a:pPr algn="just">
+          </a:p>
+          <a:p>
+            <a:pPr>
               <a:lnSpc>
                 <a:spcPct val="107000"/>
               </a:lnSpc>
@@ -1658,24 +1357,15 @@
             <a:r>
               <a:rPr lang="fr-FR" sz="1800" dirty="0">
                 <a:effectLst/>
-                <a:highlight>
-                  <a:srgbClr val="FFFF00"/>
-                </a:highlight>
                 <a:latin typeface="Calibri" panose="020F0502020204030204" pitchFamily="34" charset="0"/>
                 <a:ea typeface="Calibri" panose="020F0502020204030204" pitchFamily="34" charset="0"/>
                 <a:cs typeface="Times New Roman" panose="02020603050405020304" pitchFamily="18" charset="0"/>
               </a:rPr>
               <a:t> </a:t>
             </a:r>
-            <a:endParaRPr lang="fr-FR" sz="1800" dirty="0">
-              <a:effectLst/>
-              <a:latin typeface="Calibri" panose="020F0502020204030204" pitchFamily="34" charset="0"/>
-              <a:ea typeface="Calibri" panose="020F0502020204030204" pitchFamily="34" charset="0"/>
-              <a:cs typeface="Times New Roman" panose="02020603050405020304" pitchFamily="18" charset="0"/>
-            </a:endParaRPr>
-          </a:p>
-          <a:p>
-            <a:pPr algn="just">
+          </a:p>
+          <a:p>
+            <a:pPr>
               <a:lnSpc>
                 <a:spcPct val="107000"/>
               </a:lnSpc>
@@ -1686,9 +1376,6 @@
             <a:r>
               <a:rPr lang="fr-FR" sz="1800" dirty="0" err="1">
                 <a:effectLst/>
-                <a:highlight>
-                  <a:srgbClr val="FFFF00"/>
-                </a:highlight>
                 <a:latin typeface="Calibri" panose="020F0502020204030204" pitchFamily="34" charset="0"/>
                 <a:ea typeface="Calibri" panose="020F0502020204030204" pitchFamily="34" charset="0"/>
                 <a:cs typeface="Times New Roman" panose="02020603050405020304" pitchFamily="18" charset="0"/>
@@ -1698,9 +1385,6 @@
             <a:r>
               <a:rPr lang="fr-FR" sz="1800" dirty="0">
                 <a:effectLst/>
-                <a:highlight>
-                  <a:srgbClr val="FFFF00"/>
-                </a:highlight>
                 <a:latin typeface="Calibri" panose="020F0502020204030204" pitchFamily="34" charset="0"/>
                 <a:ea typeface="Calibri" panose="020F0502020204030204" pitchFamily="34" charset="0"/>
                 <a:cs typeface="Times New Roman" panose="02020603050405020304" pitchFamily="18" charset="0"/>
@@ -1710,9 +1394,6 @@
             <a:r>
               <a:rPr lang="fr-FR" sz="1800" dirty="0" err="1">
                 <a:effectLst/>
-                <a:highlight>
-                  <a:srgbClr val="FFFF00"/>
-                </a:highlight>
                 <a:latin typeface="Calibri" panose="020F0502020204030204" pitchFamily="34" charset="0"/>
                 <a:ea typeface="Calibri" panose="020F0502020204030204" pitchFamily="34" charset="0"/>
                 <a:cs typeface="Times New Roman" panose="02020603050405020304" pitchFamily="18" charset="0"/>
@@ -1722,9 +1403,6 @@
             <a:r>
               <a:rPr lang="fr-FR" sz="1800" dirty="0">
                 <a:effectLst/>
-                <a:highlight>
-                  <a:srgbClr val="FFFF00"/>
-                </a:highlight>
                 <a:latin typeface="Calibri" panose="020F0502020204030204" pitchFamily="34" charset="0"/>
                 <a:ea typeface="Calibri" panose="020F0502020204030204" pitchFamily="34" charset="0"/>
                 <a:cs typeface="Times New Roman" panose="02020603050405020304" pitchFamily="18" charset="0"/>
@@ -1734,9 +1412,6 @@
             <a:r>
               <a:rPr lang="fr-FR" sz="1800" dirty="0" err="1">
                 <a:effectLst/>
-                <a:highlight>
-                  <a:srgbClr val="FFFF00"/>
-                </a:highlight>
                 <a:latin typeface="Calibri" panose="020F0502020204030204" pitchFamily="34" charset="0"/>
                 <a:ea typeface="Calibri" panose="020F0502020204030204" pitchFamily="34" charset="0"/>
                 <a:cs typeface="Times New Roman" panose="02020603050405020304" pitchFamily="18" charset="0"/>
@@ -1746,9 +1421,6 @@
             <a:r>
               <a:rPr lang="fr-FR" sz="1800" dirty="0">
                 <a:effectLst/>
-                <a:highlight>
-                  <a:srgbClr val="FFFF00"/>
-                </a:highlight>
                 <a:latin typeface="Calibri" panose="020F0502020204030204" pitchFamily="34" charset="0"/>
                 <a:ea typeface="Calibri" panose="020F0502020204030204" pitchFamily="34" charset="0"/>
                 <a:cs typeface="Times New Roman" panose="02020603050405020304" pitchFamily="18" charset="0"/>
@@ -1758,9 +1430,6 @@
             <a:r>
               <a:rPr lang="fr-FR" sz="1800" dirty="0" err="1">
                 <a:effectLst/>
-                <a:highlight>
-                  <a:srgbClr val="FFFF00"/>
-                </a:highlight>
                 <a:latin typeface="Calibri" panose="020F0502020204030204" pitchFamily="34" charset="0"/>
                 <a:ea typeface="Calibri" panose="020F0502020204030204" pitchFamily="34" charset="0"/>
                 <a:cs typeface="Times New Roman" panose="02020603050405020304" pitchFamily="18" charset="0"/>
@@ -1770,96 +1439,15 @@
             <a:r>
               <a:rPr lang="fr-FR" sz="1800" dirty="0">
                 <a:effectLst/>
-                <a:highlight>
-                  <a:srgbClr val="FFFF00"/>
-                </a:highlight>
-                <a:latin typeface="Calibri" panose="020F0502020204030204" pitchFamily="34" charset="0"/>
-                <a:ea typeface="Calibri" panose="020F0502020204030204" pitchFamily="34" charset="0"/>
-                <a:cs typeface="Times New Roman" panose="02020603050405020304" pitchFamily="18" charset="0"/>
-              </a:rPr>
-              <a:t> occupants of the building </a:t>
-            </a:r>
-            <a:r>
-              <a:rPr lang="fr-FR" sz="1800" dirty="0" err="1">
-                <a:effectLst/>
-                <a:highlight>
-                  <a:srgbClr val="FFFF00"/>
-                </a:highlight>
-                <a:latin typeface="Calibri" panose="020F0502020204030204" pitchFamily="34" charset="0"/>
-                <a:ea typeface="Calibri" panose="020F0502020204030204" pitchFamily="34" charset="0"/>
-                <a:cs typeface="Times New Roman" panose="02020603050405020304" pitchFamily="18" charset="0"/>
-              </a:rPr>
-              <a:t>will</a:t>
-            </a:r>
-            <a:r>
-              <a:rPr lang="fr-FR" sz="1800" dirty="0">
-                <a:effectLst/>
-                <a:highlight>
-                  <a:srgbClr val="FFFF00"/>
-                </a:highlight>
-                <a:latin typeface="Calibri" panose="020F0502020204030204" pitchFamily="34" charset="0"/>
-                <a:ea typeface="Calibri" panose="020F0502020204030204" pitchFamily="34" charset="0"/>
-                <a:cs typeface="Times New Roman" panose="02020603050405020304" pitchFamily="18" charset="0"/>
-              </a:rPr>
-              <a:t> </a:t>
-            </a:r>
-            <a:r>
-              <a:rPr lang="fr-FR" sz="1800" dirty="0" err="1">
-                <a:effectLst/>
-                <a:highlight>
-                  <a:srgbClr val="FFFF00"/>
-                </a:highlight>
-                <a:latin typeface="Calibri" panose="020F0502020204030204" pitchFamily="34" charset="0"/>
-                <a:ea typeface="Calibri" panose="020F0502020204030204" pitchFamily="34" charset="0"/>
-                <a:cs typeface="Times New Roman" panose="02020603050405020304" pitchFamily="18" charset="0"/>
-              </a:rPr>
-              <a:t>be</a:t>
-            </a:r>
-            <a:r>
-              <a:rPr lang="fr-FR" sz="1800" dirty="0">
-                <a:effectLst/>
-                <a:highlight>
-                  <a:srgbClr val="FFFF00"/>
-                </a:highlight>
-                <a:latin typeface="Calibri" panose="020F0502020204030204" pitchFamily="34" charset="0"/>
-                <a:ea typeface="Calibri" panose="020F0502020204030204" pitchFamily="34" charset="0"/>
-                <a:cs typeface="Times New Roman" panose="02020603050405020304" pitchFamily="18" charset="0"/>
-              </a:rPr>
-              <a:t> able to report an incident and comment </a:t>
-            </a:r>
-            <a:r>
-              <a:rPr lang="fr-FR" sz="1800" dirty="0" err="1">
-                <a:effectLst/>
-                <a:highlight>
-                  <a:srgbClr val="FFFF00"/>
-                </a:highlight>
-                <a:latin typeface="Calibri" panose="020F0502020204030204" pitchFamily="34" charset="0"/>
-                <a:ea typeface="Calibri" panose="020F0502020204030204" pitchFamily="34" charset="0"/>
-                <a:cs typeface="Times New Roman" panose="02020603050405020304" pitchFamily="18" charset="0"/>
-              </a:rPr>
-              <a:t>it</a:t>
-            </a:r>
-            <a:r>
-              <a:rPr lang="fr-FR" sz="1800" dirty="0">
-                <a:effectLst/>
-                <a:highlight>
-                  <a:srgbClr val="FFFF00"/>
-                </a:highlight>
-                <a:latin typeface="Calibri" panose="020F0502020204030204" pitchFamily="34" charset="0"/>
-                <a:ea typeface="Calibri" panose="020F0502020204030204" pitchFamily="34" charset="0"/>
-                <a:cs typeface="Times New Roman" panose="02020603050405020304" pitchFamily="18" charset="0"/>
-              </a:rPr>
-              <a:t>.</a:t>
-            </a:r>
-            <a:endParaRPr lang="fr-FR" sz="1800" dirty="0">
-              <a:effectLst/>
-              <a:latin typeface="Calibri" panose="020F0502020204030204" pitchFamily="34" charset="0"/>
-              <a:ea typeface="Calibri" panose="020F0502020204030204" pitchFamily="34" charset="0"/>
-              <a:cs typeface="Times New Roman" panose="02020603050405020304" pitchFamily="18" charset="0"/>
-            </a:endParaRPr>
-          </a:p>
-          <a:p>
-            <a:pPr algn="just">
+                <a:latin typeface="Calibri" panose="020F0502020204030204" pitchFamily="34" charset="0"/>
+                <a:ea typeface="Calibri" panose="020F0502020204030204" pitchFamily="34" charset="0"/>
+                <a:cs typeface="Times New Roman" panose="02020603050405020304" pitchFamily="18" charset="0"/>
+              </a:rPr>
+              <a:t> occupant of the building can report an incident and follow up.</a:t>
+            </a:r>
+          </a:p>
+          <a:p>
+            <a:pPr>
               <a:lnSpc>
                 <a:spcPct val="107000"/>
               </a:lnSpc>
@@ -1870,144 +1458,33 @@
             <a:r>
               <a:rPr lang="fr-FR" sz="1800" dirty="0">
                 <a:effectLst/>
-                <a:highlight>
-                  <a:srgbClr val="FFFF00"/>
-                </a:highlight>
-                <a:latin typeface="Calibri" panose="020F0502020204030204" pitchFamily="34" charset="0"/>
-                <a:ea typeface="Calibri" panose="020F0502020204030204" pitchFamily="34" charset="0"/>
-                <a:cs typeface="Times New Roman" panose="02020603050405020304" pitchFamily="18" charset="0"/>
-              </a:rPr>
-              <a:t>The </a:t>
+                <a:latin typeface="Calibri" panose="020F0502020204030204" pitchFamily="34" charset="0"/>
+                <a:ea typeface="Calibri" panose="020F0502020204030204" pitchFamily="34" charset="0"/>
+                <a:cs typeface="Times New Roman" panose="02020603050405020304" pitchFamily="18" charset="0"/>
+              </a:rPr>
+              <a:t>A </a:t>
             </a:r>
             <a:r>
               <a:rPr lang="fr-FR" sz="1800" dirty="0" err="1">
                 <a:effectLst/>
-                <a:highlight>
-                  <a:srgbClr val="FFFF00"/>
-                </a:highlight>
-                <a:latin typeface="Calibri" panose="020F0502020204030204" pitchFamily="34" charset="0"/>
-                <a:ea typeface="Calibri" panose="020F0502020204030204" pitchFamily="34" charset="0"/>
-                <a:cs typeface="Times New Roman" panose="02020603050405020304" pitchFamily="18" charset="0"/>
-              </a:rPr>
-              <a:t>technicians</a:t>
-            </a:r>
-            <a:r>
-              <a:rPr lang="fr-FR" sz="1800" dirty="0">
-                <a:effectLst/>
-                <a:highlight>
-                  <a:srgbClr val="FFFF00"/>
-                </a:highlight>
-                <a:latin typeface="Calibri" panose="020F0502020204030204" pitchFamily="34" charset="0"/>
-                <a:ea typeface="Calibri" panose="020F0502020204030204" pitchFamily="34" charset="0"/>
-                <a:cs typeface="Times New Roman" panose="02020603050405020304" pitchFamily="18" charset="0"/>
-              </a:rPr>
-              <a:t> </a:t>
-            </a:r>
-            <a:r>
-              <a:rPr lang="fr-FR" sz="1800" dirty="0" err="1">
-                <a:effectLst/>
-                <a:highlight>
-                  <a:srgbClr val="FFFF00"/>
-                </a:highlight>
-                <a:latin typeface="Calibri" panose="020F0502020204030204" pitchFamily="34" charset="0"/>
-                <a:ea typeface="Calibri" panose="020F0502020204030204" pitchFamily="34" charset="0"/>
-                <a:cs typeface="Times New Roman" panose="02020603050405020304" pitchFamily="18" charset="0"/>
-              </a:rPr>
-              <a:t>will</a:t>
-            </a:r>
-            <a:r>
-              <a:rPr lang="fr-FR" sz="1800" dirty="0">
-                <a:effectLst/>
-                <a:highlight>
-                  <a:srgbClr val="FFFF00"/>
-                </a:highlight>
-                <a:latin typeface="Calibri" panose="020F0502020204030204" pitchFamily="34" charset="0"/>
-                <a:ea typeface="Calibri" panose="020F0502020204030204" pitchFamily="34" charset="0"/>
-                <a:cs typeface="Times New Roman" panose="02020603050405020304" pitchFamily="18" charset="0"/>
-              </a:rPr>
-              <a:t> </a:t>
-            </a:r>
-            <a:r>
-              <a:rPr lang="fr-FR" sz="1800" dirty="0" err="1">
-                <a:effectLst/>
-                <a:highlight>
-                  <a:srgbClr val="FFFF00"/>
-                </a:highlight>
-                <a:latin typeface="Calibri" panose="020F0502020204030204" pitchFamily="34" charset="0"/>
-                <a:ea typeface="Calibri" panose="020F0502020204030204" pitchFamily="34" charset="0"/>
-                <a:cs typeface="Times New Roman" panose="02020603050405020304" pitchFamily="18" charset="0"/>
-              </a:rPr>
-              <a:t>be</a:t>
-            </a:r>
-            <a:r>
-              <a:rPr lang="fr-FR" sz="1800" dirty="0">
-                <a:effectLst/>
-                <a:highlight>
-                  <a:srgbClr val="FFFF00"/>
-                </a:highlight>
-                <a:latin typeface="Calibri" panose="020F0502020204030204" pitchFamily="34" charset="0"/>
-                <a:ea typeface="Calibri" panose="020F0502020204030204" pitchFamily="34" charset="0"/>
-                <a:cs typeface="Times New Roman" panose="02020603050405020304" pitchFamily="18" charset="0"/>
-              </a:rPr>
-              <a:t> able to </a:t>
-            </a:r>
-            <a:r>
-              <a:rPr lang="fr-FR" sz="1800" dirty="0" err="1">
-                <a:effectLst/>
-                <a:highlight>
-                  <a:srgbClr val="FFFF00"/>
-                </a:highlight>
-                <a:latin typeface="Calibri" panose="020F0502020204030204" pitchFamily="34" charset="0"/>
-                <a:ea typeface="Calibri" panose="020F0502020204030204" pitchFamily="34" charset="0"/>
-                <a:cs typeface="Times New Roman" panose="02020603050405020304" pitchFamily="18" charset="0"/>
-              </a:rPr>
-              <a:t>take</a:t>
-            </a:r>
-            <a:r>
-              <a:rPr lang="fr-FR" sz="1800" dirty="0">
-                <a:effectLst/>
-                <a:highlight>
-                  <a:srgbClr val="FFFF00"/>
-                </a:highlight>
-                <a:latin typeface="Calibri" panose="020F0502020204030204" pitchFamily="34" charset="0"/>
-                <a:ea typeface="Calibri" panose="020F0502020204030204" pitchFamily="34" charset="0"/>
-                <a:cs typeface="Times New Roman" panose="02020603050405020304" pitchFamily="18" charset="0"/>
-              </a:rPr>
-              <a:t> care and report the </a:t>
-            </a:r>
-            <a:r>
-              <a:rPr lang="fr-FR" sz="1800" dirty="0" err="1">
-                <a:effectLst/>
-                <a:highlight>
-                  <a:srgbClr val="FFFF00"/>
-                </a:highlight>
-                <a:latin typeface="Calibri" panose="020F0502020204030204" pitchFamily="34" charset="0"/>
-                <a:ea typeface="Calibri" panose="020F0502020204030204" pitchFamily="34" charset="0"/>
-                <a:cs typeface="Times New Roman" panose="02020603050405020304" pitchFamily="18" charset="0"/>
-              </a:rPr>
-              <a:t>resolutions</a:t>
-            </a:r>
-            <a:r>
-              <a:rPr lang="fr-FR" sz="1800" dirty="0">
-                <a:effectLst/>
-                <a:highlight>
-                  <a:srgbClr val="FFFF00"/>
-                </a:highlight>
-                <a:latin typeface="Calibri" panose="020F0502020204030204" pitchFamily="34" charset="0"/>
-                <a:ea typeface="Calibri" panose="020F0502020204030204" pitchFamily="34" charset="0"/>
-                <a:cs typeface="Times New Roman" panose="02020603050405020304" pitchFamily="18" charset="0"/>
-              </a:rPr>
-              <a:t>.</a:t>
-            </a:r>
-            <a:endParaRPr lang="fr-FR" sz="1800" dirty="0">
-              <a:effectLst/>
-              <a:latin typeface="Calibri" panose="020F0502020204030204" pitchFamily="34" charset="0"/>
-              <a:ea typeface="Calibri" panose="020F0502020204030204" pitchFamily="34" charset="0"/>
-              <a:cs typeface="Times New Roman" panose="02020603050405020304" pitchFamily="18" charset="0"/>
-            </a:endParaRPr>
-          </a:p>
-          <a:p>
-            <a:pPr algn="just">
+                <a:latin typeface="Calibri" panose="020F0502020204030204" pitchFamily="34" charset="0"/>
+                <a:ea typeface="Calibri" panose="020F0502020204030204" pitchFamily="34" charset="0"/>
+                <a:cs typeface="Times New Roman" panose="02020603050405020304" pitchFamily="18" charset="0"/>
+              </a:rPr>
+              <a:t>technician</a:t>
+            </a:r>
+            <a:r>
+              <a:rPr lang="fr-FR" sz="1800" dirty="0">
+                <a:effectLst/>
+                <a:latin typeface="Calibri" panose="020F0502020204030204" pitchFamily="34" charset="0"/>
+                <a:ea typeface="Calibri" panose="020F0502020204030204" pitchFamily="34" charset="0"/>
+                <a:cs typeface="Times New Roman" panose="02020603050405020304" pitchFamily="18" charset="0"/>
+              </a:rPr>
+              <a:t> can solve the issue and report the end of the intervention.</a:t>
+            </a:r>
+          </a:p>
+          <a:p>
+            <a:pPr>
               <a:lnSpc>
                 <a:spcPct val="107000"/>
               </a:lnSpc>
@@ -2018,33 +1495,60 @@
             <a:r>
               <a:rPr lang="fr-FR" sz="1800" dirty="0">
                 <a:effectLst/>
-                <a:highlight>
-                  <a:srgbClr val="FFFF00"/>
-                </a:highlight>
-                <a:latin typeface="Calibri" panose="020F0502020204030204" pitchFamily="34" charset="0"/>
-                <a:ea typeface="Calibri" panose="020F0502020204030204" pitchFamily="34" charset="0"/>
-                <a:cs typeface="Times New Roman" panose="02020603050405020304" pitchFamily="18" charset="0"/>
-              </a:rPr>
-              <a:t>The managers </a:t>
+                <a:latin typeface="Calibri" panose="020F0502020204030204" pitchFamily="34" charset="0"/>
+                <a:ea typeface="Calibri" panose="020F0502020204030204" pitchFamily="34" charset="0"/>
+                <a:cs typeface="Times New Roman" panose="02020603050405020304" pitchFamily="18" charset="0"/>
+              </a:rPr>
+              <a:t>The </a:t>
             </a:r>
             <a:r>
               <a:rPr lang="fr-FR" sz="1800" dirty="0" err="1">
                 <a:effectLst/>
-                <a:highlight>
-                  <a:srgbClr val="FFFF00"/>
-                </a:highlight>
-                <a:latin typeface="Calibri" panose="020F0502020204030204" pitchFamily="34" charset="0"/>
-                <a:ea typeface="Calibri" panose="020F0502020204030204" pitchFamily="34" charset="0"/>
-                <a:cs typeface="Times New Roman" panose="02020603050405020304" pitchFamily="18" charset="0"/>
-              </a:rPr>
-              <a:t>will</a:t>
-            </a:r>
-            <a:r>
-              <a:rPr lang="fr-FR" sz="1800" dirty="0">
-                <a:effectLst/>
-                <a:highlight>
-                  <a:srgbClr val="FFFF00"/>
-                </a:highlight>
+                <a:latin typeface="Calibri" panose="020F0502020204030204" pitchFamily="34" charset="0"/>
+                <a:ea typeface="Calibri" panose="020F0502020204030204" pitchFamily="34" charset="0"/>
+                <a:cs typeface="Times New Roman" panose="02020603050405020304" pitchFamily="18" charset="0"/>
+              </a:rPr>
+              <a:t>technicials</a:t>
+            </a:r>
+            <a:r>
+              <a:rPr lang="fr-FR" sz="1800" dirty="0">
+                <a:effectLst/>
+                <a:latin typeface="Calibri" panose="020F0502020204030204" pitchFamily="34" charset="0"/>
+                <a:ea typeface="Calibri" panose="020F0502020204030204" pitchFamily="34" charset="0"/>
+                <a:cs typeface="Times New Roman" panose="02020603050405020304" pitchFamily="18" charset="0"/>
+              </a:rPr>
+              <a:t> manager can use the </a:t>
+            </a:r>
+            <a:r>
+              <a:rPr lang="fr-FR" sz="1800" dirty="0" err="1">
+                <a:effectLst/>
+                <a:latin typeface="Calibri" panose="020F0502020204030204" pitchFamily="34" charset="0"/>
+                <a:ea typeface="Calibri" panose="020F0502020204030204" pitchFamily="34" charset="0"/>
+                <a:cs typeface="Times New Roman" panose="02020603050405020304" pitchFamily="18" charset="0"/>
+              </a:rPr>
+              <a:t>tool</a:t>
+            </a:r>
+            <a:r>
+              <a:rPr lang="fr-FR" sz="1800" dirty="0">
+                <a:effectLst/>
+                <a:latin typeface="Calibri" panose="020F0502020204030204" pitchFamily="34" charset="0"/>
+                <a:ea typeface="Calibri" panose="020F0502020204030204" pitchFamily="34" charset="0"/>
+                <a:cs typeface="Times New Roman" panose="02020603050405020304" pitchFamily="18" charset="0"/>
+              </a:rPr>
+              <a:t> to know </a:t>
+            </a:r>
+            <a:r>
+              <a:rPr lang="fr-FR" sz="1800" dirty="0" err="1">
+                <a:effectLst/>
+                <a:latin typeface="Calibri" panose="020F0502020204030204" pitchFamily="34" charset="0"/>
+                <a:ea typeface="Calibri" panose="020F0502020204030204" pitchFamily="34" charset="0"/>
+                <a:cs typeface="Times New Roman" panose="02020603050405020304" pitchFamily="18" charset="0"/>
+              </a:rPr>
+              <a:t>which</a:t>
+            </a:r>
+            <a:r>
+              <a:rPr lang="fr-FR" sz="1800" dirty="0">
+                <a:effectLst/>
                 <a:latin typeface="Calibri" panose="020F0502020204030204" pitchFamily="34" charset="0"/>
                 <a:ea typeface="Calibri" panose="020F0502020204030204" pitchFamily="34" charset="0"/>
                 <a:cs typeface="Times New Roman" panose="02020603050405020304" pitchFamily="18" charset="0"/>
@@ -2054,33 +1558,42 @@
             <a:r>
               <a:rPr lang="fr-FR" sz="1800" dirty="0" err="1">
                 <a:effectLst/>
-                <a:highlight>
-                  <a:srgbClr val="FFFF00"/>
-                </a:highlight>
-                <a:latin typeface="Calibri" panose="020F0502020204030204" pitchFamily="34" charset="0"/>
-                <a:ea typeface="Calibri" panose="020F0502020204030204" pitchFamily="34" charset="0"/>
-                <a:cs typeface="Times New Roman" panose="02020603050405020304" pitchFamily="18" charset="0"/>
-              </a:rPr>
-              <a:t>be</a:t>
-            </a:r>
-            <a:r>
-              <a:rPr lang="fr-FR" sz="1800" dirty="0">
-                <a:effectLst/>
-                <a:highlight>
-                  <a:srgbClr val="FFFF00"/>
-                </a:highlight>
-                <a:latin typeface="Calibri" panose="020F0502020204030204" pitchFamily="34" charset="0"/>
-                <a:ea typeface="Calibri" panose="020F0502020204030204" pitchFamily="34" charset="0"/>
-                <a:cs typeface="Times New Roman" panose="02020603050405020304" pitchFamily="18" charset="0"/>
-              </a:rPr>
-              <a:t> able to know </a:t>
+                <a:latin typeface="Calibri" panose="020F0502020204030204" pitchFamily="34" charset="0"/>
+                <a:ea typeface="Calibri" panose="020F0502020204030204" pitchFamily="34" charset="0"/>
+                <a:cs typeface="Times New Roman" panose="02020603050405020304" pitchFamily="18" charset="0"/>
+              </a:rPr>
+              <a:t>technicians</a:t>
+            </a:r>
+            <a:r>
+              <a:rPr lang="fr-FR" sz="1800" dirty="0">
+                <a:effectLst/>
+                <a:latin typeface="Calibri" panose="020F0502020204030204" pitchFamily="34" charset="0"/>
+                <a:ea typeface="Calibri" panose="020F0502020204030204" pitchFamily="34" charset="0"/>
+                <a:cs typeface="Times New Roman" panose="02020603050405020304" pitchFamily="18" charset="0"/>
+              </a:rPr>
+              <a:t> </a:t>
             </a:r>
             <a:r>
               <a:rPr lang="fr-FR" sz="1800" dirty="0" err="1">
                 <a:effectLst/>
-                <a:highlight>
-                  <a:srgbClr val="FFFF00"/>
-                </a:highlight>
+                <a:latin typeface="Calibri" panose="020F0502020204030204" pitchFamily="34" charset="0"/>
+                <a:ea typeface="Calibri" panose="020F0502020204030204" pitchFamily="34" charset="0"/>
+                <a:cs typeface="Times New Roman" panose="02020603050405020304" pitchFamily="18" charset="0"/>
+              </a:rPr>
+              <a:t>take</a:t>
+            </a:r>
+            <a:r>
+              <a:rPr lang="fr-FR" sz="1800" dirty="0">
+                <a:effectLst/>
+                <a:latin typeface="Calibri" panose="020F0502020204030204" pitchFamily="34" charset="0"/>
+                <a:ea typeface="Calibri" panose="020F0502020204030204" pitchFamily="34" charset="0"/>
+                <a:cs typeface="Times New Roman" panose="02020603050405020304" pitchFamily="18" charset="0"/>
+              </a:rPr>
+              <a:t> care of </a:t>
+            </a:r>
+            <a:r>
+              <a:rPr lang="fr-FR" sz="1800" dirty="0" err="1">
+                <a:effectLst/>
                 <a:latin typeface="Calibri" panose="020F0502020204030204" pitchFamily="34" charset="0"/>
                 <a:ea typeface="Calibri" panose="020F0502020204030204" pitchFamily="34" charset="0"/>
                 <a:cs typeface="Times New Roman" panose="02020603050405020304" pitchFamily="18" charset="0"/>
@@ -2090,9 +1603,6 @@
             <a:r>
               <a:rPr lang="fr-FR" sz="1800" dirty="0">
                 <a:effectLst/>
-                <a:highlight>
-                  <a:srgbClr val="FFFF00"/>
-                </a:highlight>
                 <a:latin typeface="Calibri" panose="020F0502020204030204" pitchFamily="34" charset="0"/>
                 <a:ea typeface="Calibri" panose="020F0502020204030204" pitchFamily="34" charset="0"/>
                 <a:cs typeface="Times New Roman" panose="02020603050405020304" pitchFamily="18" charset="0"/>
@@ -2102,81 +1612,6 @@
             <a:r>
               <a:rPr lang="fr-FR" sz="1800" dirty="0" err="1">
                 <a:effectLst/>
-                <a:highlight>
-                  <a:srgbClr val="FFFF00"/>
-                </a:highlight>
-                <a:latin typeface="Calibri" panose="020F0502020204030204" pitchFamily="34" charset="0"/>
-                <a:ea typeface="Calibri" panose="020F0502020204030204" pitchFamily="34" charset="0"/>
-                <a:cs typeface="Times New Roman" panose="02020603050405020304" pitchFamily="18" charset="0"/>
-              </a:rPr>
-              <a:t>technicians</a:t>
-            </a:r>
-            <a:r>
-              <a:rPr lang="fr-FR" sz="1800" dirty="0">
-                <a:effectLst/>
-                <a:highlight>
-                  <a:srgbClr val="FFFF00"/>
-                </a:highlight>
-                <a:latin typeface="Calibri" panose="020F0502020204030204" pitchFamily="34" charset="0"/>
-                <a:ea typeface="Calibri" panose="020F0502020204030204" pitchFamily="34" charset="0"/>
-                <a:cs typeface="Times New Roman" panose="02020603050405020304" pitchFamily="18" charset="0"/>
-              </a:rPr>
-              <a:t> </a:t>
-            </a:r>
-            <a:r>
-              <a:rPr lang="fr-FR" sz="1800" dirty="0" err="1">
-                <a:effectLst/>
-                <a:highlight>
-                  <a:srgbClr val="FFFF00"/>
-                </a:highlight>
-                <a:latin typeface="Calibri" panose="020F0502020204030204" pitchFamily="34" charset="0"/>
-                <a:ea typeface="Calibri" panose="020F0502020204030204" pitchFamily="34" charset="0"/>
-                <a:cs typeface="Times New Roman" panose="02020603050405020304" pitchFamily="18" charset="0"/>
-              </a:rPr>
-              <a:t>take</a:t>
-            </a:r>
-            <a:r>
-              <a:rPr lang="fr-FR" sz="1800" dirty="0">
-                <a:effectLst/>
-                <a:highlight>
-                  <a:srgbClr val="FFFF00"/>
-                </a:highlight>
-                <a:latin typeface="Calibri" panose="020F0502020204030204" pitchFamily="34" charset="0"/>
-                <a:ea typeface="Calibri" panose="020F0502020204030204" pitchFamily="34" charset="0"/>
-                <a:cs typeface="Times New Roman" panose="02020603050405020304" pitchFamily="18" charset="0"/>
-              </a:rPr>
-              <a:t> care </a:t>
-            </a:r>
-            <a:r>
-              <a:rPr lang="fr-FR" sz="1800" dirty="0" err="1">
-                <a:effectLst/>
-                <a:highlight>
-                  <a:srgbClr val="FFFF00"/>
-                </a:highlight>
-                <a:latin typeface="Calibri" panose="020F0502020204030204" pitchFamily="34" charset="0"/>
-                <a:ea typeface="Calibri" panose="020F0502020204030204" pitchFamily="34" charset="0"/>
-                <a:cs typeface="Times New Roman" panose="02020603050405020304" pitchFamily="18" charset="0"/>
-              </a:rPr>
-              <a:t>which</a:t>
-            </a:r>
-            <a:r>
-              <a:rPr lang="fr-FR" sz="1800" dirty="0">
-                <a:effectLst/>
-                <a:highlight>
-                  <a:srgbClr val="FFFF00"/>
-                </a:highlight>
-                <a:latin typeface="Calibri" panose="020F0502020204030204" pitchFamily="34" charset="0"/>
-                <a:ea typeface="Calibri" panose="020F0502020204030204" pitchFamily="34" charset="0"/>
-                <a:cs typeface="Times New Roman" panose="02020603050405020304" pitchFamily="18" charset="0"/>
-              </a:rPr>
-              <a:t> </a:t>
-            </a:r>
-            <a:r>
-              <a:rPr lang="fr-FR" sz="1800" dirty="0" err="1">
-                <a:effectLst/>
-                <a:highlight>
-                  <a:srgbClr val="FFFF00"/>
-                </a:highlight>
                 <a:latin typeface="Calibri" panose="020F0502020204030204" pitchFamily="34" charset="0"/>
                 <a:ea typeface="Calibri" panose="020F0502020204030204" pitchFamily="34" charset="0"/>
                 <a:cs typeface="Times New Roman" panose="02020603050405020304" pitchFamily="18" charset="0"/>
@@ -2186,9 +1621,6 @@
             <a:r>
               <a:rPr lang="fr-FR" sz="1800" dirty="0">
                 <a:effectLst/>
-                <a:highlight>
-                  <a:srgbClr val="FFFF00"/>
-                </a:highlight>
                 <a:latin typeface="Calibri" panose="020F0502020204030204" pitchFamily="34" charset="0"/>
                 <a:ea typeface="Calibri" panose="020F0502020204030204" pitchFamily="34" charset="0"/>
                 <a:cs typeface="Times New Roman" panose="02020603050405020304" pitchFamily="18" charset="0"/>
@@ -2197,7 +1629,7 @@
             </a:r>
           </a:p>
           <a:p>
-            <a:pPr algn="just">
+            <a:pPr>
               <a:lnSpc>
                 <a:spcPct val="107000"/>
               </a:lnSpc>
@@ -2205,18 +1637,18 @@
                 <a:spcPts val="800"/>
               </a:spcAft>
             </a:pPr>
-            <a:endParaRPr lang="fr-FR" sz="1800" dirty="0">
-              <a:effectLst/>
-              <a:highlight>
-                <a:srgbClr val="FFFF00"/>
-              </a:highlight>
-              <a:latin typeface="Calibri" panose="020F0502020204030204" pitchFamily="34" charset="0"/>
-              <a:ea typeface="Calibri" panose="020F0502020204030204" pitchFamily="34" charset="0"/>
-              <a:cs typeface="Times New Roman" panose="02020603050405020304" pitchFamily="18" charset="0"/>
-            </a:endParaRPr>
-          </a:p>
-          <a:p>
-            <a:pPr algn="just">
+            <a:r>
+              <a:rPr lang="fr-FR" sz="1800" dirty="0">
+                <a:effectLst/>
+                <a:latin typeface="Calibri" panose="020F0502020204030204" pitchFamily="34" charset="0"/>
+                <a:ea typeface="Calibri" panose="020F0502020204030204" pitchFamily="34" charset="0"/>
+                <a:cs typeface="Times New Roman" panose="02020603050405020304" pitchFamily="18" charset="0"/>
+              </a:rPr>
+              <a:t> </a:t>
+            </a:r>
+          </a:p>
+          <a:p>
+            <a:pPr>
               <a:lnSpc>
                 <a:spcPct val="107000"/>
               </a:lnSpc>
@@ -2227,9 +1659,6 @@
             <a:r>
               <a:rPr lang="fr-FR" sz="1800" dirty="0">
                 <a:effectLst/>
-                <a:highlight>
-                  <a:srgbClr val="FFFF00"/>
-                </a:highlight>
                 <a:latin typeface="Calibri" panose="020F0502020204030204" pitchFamily="34" charset="0"/>
                 <a:ea typeface="Calibri" panose="020F0502020204030204" pitchFamily="34" charset="0"/>
                 <a:cs typeface="Times New Roman" panose="02020603050405020304" pitchFamily="18" charset="0"/>
@@ -2239,9 +1668,6 @@
             <a:r>
               <a:rPr lang="fr-FR" sz="1800" dirty="0" err="1">
                 <a:effectLst/>
-                <a:highlight>
-                  <a:srgbClr val="FFFF00"/>
-                </a:highlight>
                 <a:latin typeface="Calibri" panose="020F0502020204030204" pitchFamily="34" charset="0"/>
                 <a:ea typeface="Calibri" panose="020F0502020204030204" pitchFamily="34" charset="0"/>
                 <a:cs typeface="Times New Roman" panose="02020603050405020304" pitchFamily="18" charset="0"/>
@@ -2251,21 +1677,15 @@
             <a:r>
               <a:rPr lang="fr-FR" sz="1800" dirty="0">
                 <a:effectLst/>
-                <a:highlight>
-                  <a:srgbClr val="FFFF00"/>
-                </a:highlight>
-                <a:latin typeface="Calibri" panose="020F0502020204030204" pitchFamily="34" charset="0"/>
-                <a:ea typeface="Calibri" panose="020F0502020204030204" pitchFamily="34" charset="0"/>
-                <a:cs typeface="Times New Roman" panose="02020603050405020304" pitchFamily="18" charset="0"/>
-              </a:rPr>
-              <a:t> start by </a:t>
+                <a:latin typeface="Calibri" panose="020F0502020204030204" pitchFamily="34" charset="0"/>
+                <a:ea typeface="Calibri" panose="020F0502020204030204" pitchFamily="34" charset="0"/>
+                <a:cs typeface="Times New Roman" panose="02020603050405020304" pitchFamily="18" charset="0"/>
+              </a:rPr>
+              <a:t> start to </a:t>
             </a:r>
             <a:r>
               <a:rPr lang="fr-FR" sz="1800" dirty="0" err="1">
                 <a:effectLst/>
-                <a:highlight>
-                  <a:srgbClr val="FFFF00"/>
-                </a:highlight>
                 <a:latin typeface="Calibri" panose="020F0502020204030204" pitchFamily="34" charset="0"/>
                 <a:ea typeface="Calibri" panose="020F0502020204030204" pitchFamily="34" charset="0"/>
                 <a:cs typeface="Times New Roman" panose="02020603050405020304" pitchFamily="18" charset="0"/>
@@ -2275,21 +1695,33 @@
             <a:r>
               <a:rPr lang="fr-FR" sz="1800" dirty="0">
                 <a:effectLst/>
-                <a:highlight>
-                  <a:srgbClr val="FFFF00"/>
-                </a:highlight>
-                <a:latin typeface="Calibri" panose="020F0502020204030204" pitchFamily="34" charset="0"/>
-                <a:ea typeface="Calibri" panose="020F0502020204030204" pitchFamily="34" charset="0"/>
-                <a:cs typeface="Times New Roman" panose="02020603050405020304" pitchFamily="18" charset="0"/>
-              </a:rPr>
-              <a:t> the </a:t>
+                <a:latin typeface="Calibri" panose="020F0502020204030204" pitchFamily="34" charset="0"/>
+                <a:ea typeface="Calibri" panose="020F0502020204030204" pitchFamily="34" charset="0"/>
+                <a:cs typeface="Times New Roman" panose="02020603050405020304" pitchFamily="18" charset="0"/>
+              </a:rPr>
+              <a:t> </a:t>
             </a:r>
             <a:r>
               <a:rPr lang="fr-FR" sz="1800" dirty="0" err="1">
                 <a:effectLst/>
-                <a:highlight>
-                  <a:srgbClr val="FFFF00"/>
-                </a:highlight>
+                <a:latin typeface="Calibri" panose="020F0502020204030204" pitchFamily="34" charset="0"/>
+                <a:ea typeface="Calibri" panose="020F0502020204030204" pitchFamily="34" charset="0"/>
+                <a:cs typeface="Times New Roman" panose="02020603050405020304" pitchFamily="18" charset="0"/>
+              </a:rPr>
+              <a:t>my</a:t>
+            </a:r>
+            <a:r>
+              <a:rPr lang="fr-FR" sz="1800" dirty="0">
+                <a:effectLst/>
+                <a:latin typeface="Calibri" panose="020F0502020204030204" pitchFamily="34" charset="0"/>
+                <a:ea typeface="Calibri" panose="020F0502020204030204" pitchFamily="34" charset="0"/>
+                <a:cs typeface="Times New Roman" panose="02020603050405020304" pitchFamily="18" charset="0"/>
+              </a:rPr>
+              <a:t> </a:t>
+            </a:r>
+            <a:r>
+              <a:rPr lang="fr-FR" sz="1800" dirty="0" err="1">
+                <a:effectLst/>
                 <a:latin typeface="Calibri" panose="020F0502020204030204" pitchFamily="34" charset="0"/>
                 <a:ea typeface="Calibri" panose="020F0502020204030204" pitchFamily="34" charset="0"/>
                 <a:cs typeface="Times New Roman" panose="02020603050405020304" pitchFamily="18" charset="0"/>
@@ -2299,9 +1731,6 @@
             <a:r>
               <a:rPr lang="fr-FR" sz="1800" dirty="0">
                 <a:effectLst/>
-                <a:highlight>
-                  <a:srgbClr val="FFFF00"/>
-                </a:highlight>
                 <a:latin typeface="Calibri" panose="020F0502020204030204" pitchFamily="34" charset="0"/>
                 <a:ea typeface="Calibri" panose="020F0502020204030204" pitchFamily="34" charset="0"/>
                 <a:cs typeface="Times New Roman" panose="02020603050405020304" pitchFamily="18" charset="0"/>
@@ -2311,9 +1740,6 @@
             <a:r>
               <a:rPr lang="fr-FR" sz="1800" dirty="0" err="1">
                 <a:effectLst/>
-                <a:highlight>
-                  <a:srgbClr val="FFFF00"/>
-                </a:highlight>
                 <a:latin typeface="Calibri" panose="020F0502020204030204" pitchFamily="34" charset="0"/>
                 <a:ea typeface="Calibri" panose="020F0502020204030204" pitchFamily="34" charset="0"/>
                 <a:cs typeface="Times New Roman" panose="02020603050405020304" pitchFamily="18" charset="0"/>
@@ -2323,9 +1749,6 @@
             <a:r>
               <a:rPr lang="fr-FR" sz="1800" dirty="0">
                 <a:effectLst/>
-                <a:highlight>
-                  <a:srgbClr val="FFFF00"/>
-                </a:highlight>
                 <a:latin typeface="Calibri" panose="020F0502020204030204" pitchFamily="34" charset="0"/>
                 <a:ea typeface="Calibri" panose="020F0502020204030204" pitchFamily="34" charset="0"/>
                 <a:cs typeface="Times New Roman" panose="02020603050405020304" pitchFamily="18" charset="0"/>
@@ -2335,9 +1758,6 @@
             <a:r>
               <a:rPr lang="fr-FR" sz="1800" dirty="0" err="1">
                 <a:effectLst/>
-                <a:highlight>
-                  <a:srgbClr val="FFFF00"/>
-                </a:highlight>
                 <a:latin typeface="Calibri" panose="020F0502020204030204" pitchFamily="34" charset="0"/>
                 <a:ea typeface="Calibri" panose="020F0502020204030204" pitchFamily="34" charset="0"/>
                 <a:cs typeface="Times New Roman" panose="02020603050405020304" pitchFamily="18" charset="0"/>
@@ -2347,23 +1767,11 @@
             <a:r>
               <a:rPr lang="fr-FR" sz="1800" dirty="0">
                 <a:effectLst/>
-                <a:highlight>
-                  <a:srgbClr val="FFFF00"/>
-                </a:highlight>
-                <a:latin typeface="Calibri" panose="020F0502020204030204" pitchFamily="34" charset="0"/>
-                <a:ea typeface="Calibri" panose="020F0502020204030204" pitchFamily="34" charset="0"/>
-                <a:cs typeface="Times New Roman" panose="02020603050405020304" pitchFamily="18" charset="0"/>
-              </a:rPr>
-              <a:t> aspects </a:t>
-            </a:r>
-            <a:r>
-              <a:rPr lang="fr-FR" sz="1800" dirty="0">
-                <a:effectLst/>
-                <a:latin typeface="Calibri" panose="020F0502020204030204" pitchFamily="34" charset="0"/>
-                <a:ea typeface="Calibri" panose="020F0502020204030204" pitchFamily="34" charset="0"/>
-                <a:cs typeface="Times New Roman" panose="02020603050405020304" pitchFamily="18" charset="0"/>
-              </a:rPr>
-              <a:t>(architecture and </a:t>
+                <a:latin typeface="Calibri" panose="020F0502020204030204" pitchFamily="34" charset="0"/>
+                <a:ea typeface="Calibri" panose="020F0502020204030204" pitchFamily="34" charset="0"/>
+                <a:cs typeface="Times New Roman" panose="02020603050405020304" pitchFamily="18" charset="0"/>
+              </a:rPr>
+              <a:t> aspects. </a:t>
             </a:r>
             <a:r>
               <a:rPr lang="fr-FR" sz="1800" dirty="0" err="1">
@@ -2372,35 +1780,38 @@
                 <a:ea typeface="Calibri" panose="020F0502020204030204" pitchFamily="34" charset="0"/>
                 <a:cs typeface="Times New Roman" panose="02020603050405020304" pitchFamily="18" charset="0"/>
               </a:rPr>
-              <a:t>database</a:t>
-            </a:r>
-            <a:r>
-              <a:rPr lang="fr-FR" sz="1800" dirty="0">
-                <a:effectLst/>
-                <a:latin typeface="Calibri" panose="020F0502020204030204" pitchFamily="34" charset="0"/>
-                <a:ea typeface="Calibri" panose="020F0502020204030204" pitchFamily="34" charset="0"/>
-                <a:cs typeface="Times New Roman" panose="02020603050405020304" pitchFamily="18" charset="0"/>
-              </a:rPr>
-              <a:t>). </a:t>
-            </a:r>
-            <a:r>
-              <a:rPr lang="fr-FR" sz="1800" dirty="0">
-                <a:effectLst/>
-                <a:highlight>
-                  <a:srgbClr val="FFFF00"/>
-                </a:highlight>
-                <a:latin typeface="Calibri" panose="020F0502020204030204" pitchFamily="34" charset="0"/>
-                <a:ea typeface="Calibri" panose="020F0502020204030204" pitchFamily="34" charset="0"/>
-                <a:cs typeface="Times New Roman" panose="02020603050405020304" pitchFamily="18" charset="0"/>
-              </a:rPr>
-              <a:t>Next, the </a:t>
+              <a:t>Then</a:t>
+            </a:r>
+            <a:r>
+              <a:rPr lang="fr-FR" sz="1800" dirty="0">
+                <a:effectLst/>
+                <a:latin typeface="Calibri" panose="020F0502020204030204" pitchFamily="34" charset="0"/>
+                <a:ea typeface="Calibri" panose="020F0502020204030204" pitchFamily="34" charset="0"/>
+                <a:cs typeface="Times New Roman" panose="02020603050405020304" pitchFamily="18" charset="0"/>
+              </a:rPr>
+              <a:t>, </a:t>
             </a:r>
             <a:r>
               <a:rPr lang="fr-FR" sz="1800" dirty="0" err="1">
                 <a:effectLst/>
-                <a:highlight>
-                  <a:srgbClr val="FFFF00"/>
-                </a:highlight>
+                <a:latin typeface="Calibri" panose="020F0502020204030204" pitchFamily="34" charset="0"/>
+                <a:ea typeface="Calibri" panose="020F0502020204030204" pitchFamily="34" charset="0"/>
+                <a:cs typeface="Times New Roman" panose="02020603050405020304" pitchFamily="18" charset="0"/>
+              </a:rPr>
+              <a:t>I’ll</a:t>
+            </a:r>
+            <a:r>
+              <a:rPr lang="fr-FR" sz="1800" dirty="0">
+                <a:effectLst/>
+                <a:latin typeface="Calibri" panose="020F0502020204030204" pitchFamily="34" charset="0"/>
+                <a:ea typeface="Calibri" panose="020F0502020204030204" pitchFamily="34" charset="0"/>
+                <a:cs typeface="Times New Roman" panose="02020603050405020304" pitchFamily="18" charset="0"/>
+              </a:rPr>
+              <a:t> talk about the </a:t>
+            </a:r>
+            <a:r>
+              <a:rPr lang="fr-FR" sz="1800" dirty="0" err="1">
+                <a:effectLst/>
                 <a:latin typeface="Calibri" panose="020F0502020204030204" pitchFamily="34" charset="0"/>
                 <a:ea typeface="Calibri" panose="020F0502020204030204" pitchFamily="34" charset="0"/>
                 <a:cs typeface="Times New Roman" panose="02020603050405020304" pitchFamily="18" charset="0"/>
@@ -2410,9 +1821,6 @@
             <a:r>
               <a:rPr lang="fr-FR" sz="1800" dirty="0">
                 <a:effectLst/>
-                <a:highlight>
-                  <a:srgbClr val="FFFF00"/>
-                </a:highlight>
                 <a:latin typeface="Calibri" panose="020F0502020204030204" pitchFamily="34" charset="0"/>
                 <a:ea typeface="Calibri" panose="020F0502020204030204" pitchFamily="34" charset="0"/>
                 <a:cs typeface="Times New Roman" panose="02020603050405020304" pitchFamily="18" charset="0"/>
@@ -2422,9 +1830,6 @@
             <a:r>
               <a:rPr lang="fr-FR" sz="1800" dirty="0" err="1">
                 <a:effectLst/>
-                <a:highlight>
-                  <a:srgbClr val="FFFF00"/>
-                </a:highlight>
                 <a:latin typeface="Calibri" panose="020F0502020204030204" pitchFamily="34" charset="0"/>
                 <a:ea typeface="Calibri" panose="020F0502020204030204" pitchFamily="34" charset="0"/>
                 <a:cs typeface="Times New Roman" panose="02020603050405020304" pitchFamily="18" charset="0"/>
@@ -2434,21 +1839,15 @@
             <a:r>
               <a:rPr lang="fr-FR" sz="1800" dirty="0">
                 <a:effectLst/>
-                <a:highlight>
-                  <a:srgbClr val="FFFF00"/>
-                </a:highlight>
-                <a:latin typeface="Calibri" panose="020F0502020204030204" pitchFamily="34" charset="0"/>
-                <a:ea typeface="Calibri" panose="020F0502020204030204" pitchFamily="34" charset="0"/>
-                <a:cs typeface="Times New Roman" panose="02020603050405020304" pitchFamily="18" charset="0"/>
-              </a:rPr>
-              <a:t> focus on </a:t>
+                <a:latin typeface="Calibri" panose="020F0502020204030204" pitchFamily="34" charset="0"/>
+                <a:ea typeface="Calibri" panose="020F0502020204030204" pitchFamily="34" charset="0"/>
+                <a:cs typeface="Times New Roman" panose="02020603050405020304" pitchFamily="18" charset="0"/>
+              </a:rPr>
+              <a:t> focus on the </a:t>
             </a:r>
             <a:r>
               <a:rPr lang="fr-FR" sz="1800" dirty="0" err="1">
                 <a:effectLst/>
-                <a:highlight>
-                  <a:srgbClr val="FFFF00"/>
-                </a:highlight>
                 <a:latin typeface="Calibri" panose="020F0502020204030204" pitchFamily="34" charset="0"/>
                 <a:ea typeface="Calibri" panose="020F0502020204030204" pitchFamily="34" charset="0"/>
                 <a:cs typeface="Times New Roman" panose="02020603050405020304" pitchFamily="18" charset="0"/>
@@ -2458,9 +1857,6 @@
             <a:r>
               <a:rPr lang="fr-FR" sz="1800" dirty="0">
                 <a:effectLst/>
-                <a:highlight>
-                  <a:srgbClr val="FFFF00"/>
-                </a:highlight>
                 <a:latin typeface="Calibri" panose="020F0502020204030204" pitchFamily="34" charset="0"/>
                 <a:ea typeface="Calibri" panose="020F0502020204030204" pitchFamily="34" charset="0"/>
                 <a:cs typeface="Times New Roman" panose="02020603050405020304" pitchFamily="18" charset="0"/>
@@ -2470,9 +1866,6 @@
             <a:r>
               <a:rPr lang="fr-FR" sz="1800" dirty="0" err="1">
                 <a:effectLst/>
-                <a:highlight>
-                  <a:srgbClr val="FFFF00"/>
-                </a:highlight>
                 <a:latin typeface="Calibri" panose="020F0502020204030204" pitchFamily="34" charset="0"/>
                 <a:ea typeface="Calibri" panose="020F0502020204030204" pitchFamily="34" charset="0"/>
                 <a:cs typeface="Times New Roman" panose="02020603050405020304" pitchFamily="18" charset="0"/>
@@ -2482,45 +1875,51 @@
             <a:r>
               <a:rPr lang="fr-FR" sz="1800" dirty="0">
                 <a:effectLst/>
-                <a:highlight>
-                  <a:srgbClr val="FFFF00"/>
-                </a:highlight>
-                <a:latin typeface="Calibri" panose="020F0502020204030204" pitchFamily="34" charset="0"/>
-                <a:ea typeface="Calibri" panose="020F0502020204030204" pitchFamily="34" charset="0"/>
-                <a:cs typeface="Times New Roman" panose="02020603050405020304" pitchFamily="18" charset="0"/>
-              </a:rPr>
-              <a:t> (incidents, </a:t>
+                <a:latin typeface="Calibri" panose="020F0502020204030204" pitchFamily="34" charset="0"/>
+                <a:ea typeface="Calibri" panose="020F0502020204030204" pitchFamily="34" charset="0"/>
+                <a:cs typeface="Times New Roman" panose="02020603050405020304" pitchFamily="18" charset="0"/>
+              </a:rPr>
+              <a:t>. </a:t>
             </a:r>
             <a:r>
               <a:rPr lang="fr-FR" sz="1800" dirty="0" err="1">
                 <a:effectLst/>
-                <a:highlight>
-                  <a:srgbClr val="FFFF00"/>
-                </a:highlight>
-                <a:latin typeface="Calibri" panose="020F0502020204030204" pitchFamily="34" charset="0"/>
-                <a:ea typeface="Calibri" panose="020F0502020204030204" pitchFamily="34" charset="0"/>
-                <a:cs typeface="Times New Roman" panose="02020603050405020304" pitchFamily="18" charset="0"/>
-              </a:rPr>
-              <a:t>users</a:t>
-            </a:r>
-            <a:r>
-              <a:rPr lang="fr-FR" sz="1800" dirty="0">
-                <a:effectLst/>
-                <a:highlight>
-                  <a:srgbClr val="FFFF00"/>
-                </a:highlight>
-                <a:latin typeface="Calibri" panose="020F0502020204030204" pitchFamily="34" charset="0"/>
-                <a:ea typeface="Calibri" panose="020F0502020204030204" pitchFamily="34" charset="0"/>
-                <a:cs typeface="Times New Roman" panose="02020603050405020304" pitchFamily="18" charset="0"/>
-              </a:rPr>
-              <a:t>). Focus on </a:t>
+                <a:latin typeface="Calibri" panose="020F0502020204030204" pitchFamily="34" charset="0"/>
+                <a:ea typeface="Calibri" panose="020F0502020204030204" pitchFamily="34" charset="0"/>
+                <a:cs typeface="Times New Roman" panose="02020603050405020304" pitchFamily="18" charset="0"/>
+              </a:rPr>
+              <a:t>After</a:t>
+            </a:r>
+            <a:r>
+              <a:rPr lang="fr-FR" sz="1800" dirty="0">
+                <a:effectLst/>
+                <a:latin typeface="Calibri" panose="020F0502020204030204" pitchFamily="34" charset="0"/>
+                <a:ea typeface="Calibri" panose="020F0502020204030204" pitchFamily="34" charset="0"/>
+                <a:cs typeface="Times New Roman" panose="02020603050405020304" pitchFamily="18" charset="0"/>
+              </a:rPr>
+              <a:t> </a:t>
             </a:r>
             <a:r>
               <a:rPr lang="fr-FR" sz="1800" dirty="0" err="1">
                 <a:effectLst/>
-                <a:highlight>
-                  <a:srgbClr val="FFFF00"/>
-                </a:highlight>
+                <a:latin typeface="Calibri" panose="020F0502020204030204" pitchFamily="34" charset="0"/>
+                <a:ea typeface="Calibri" panose="020F0502020204030204" pitchFamily="34" charset="0"/>
+                <a:cs typeface="Times New Roman" panose="02020603050405020304" pitchFamily="18" charset="0"/>
+              </a:rPr>
+              <a:t>that</a:t>
+            </a:r>
+            <a:r>
+              <a:rPr lang="fr-FR" sz="1800" dirty="0">
+                <a:effectLst/>
+                <a:latin typeface="Calibri" panose="020F0502020204030204" pitchFamily="34" charset="0"/>
+                <a:ea typeface="Calibri" panose="020F0502020204030204" pitchFamily="34" charset="0"/>
+                <a:cs typeface="Times New Roman" panose="02020603050405020304" pitchFamily="18" charset="0"/>
+              </a:rPr>
+              <a:t>, focus on </a:t>
+            </a:r>
+            <a:r>
+              <a:rPr lang="fr-FR" sz="1800" dirty="0" err="1">
+                <a:effectLst/>
                 <a:latin typeface="Calibri" panose="020F0502020204030204" pitchFamily="34" charset="0"/>
                 <a:ea typeface="Calibri" panose="020F0502020204030204" pitchFamily="34" charset="0"/>
                 <a:cs typeface="Times New Roman" panose="02020603050405020304" pitchFamily="18" charset="0"/>
@@ -2530,9 +1929,6 @@
             <a:r>
               <a:rPr lang="fr-FR" sz="1800" dirty="0">
                 <a:effectLst/>
-                <a:highlight>
-                  <a:srgbClr val="FFFF00"/>
-                </a:highlight>
                 <a:latin typeface="Calibri" panose="020F0502020204030204" pitchFamily="34" charset="0"/>
                 <a:ea typeface="Calibri" panose="020F0502020204030204" pitchFamily="34" charset="0"/>
                 <a:cs typeface="Times New Roman" panose="02020603050405020304" pitchFamily="18" charset="0"/>
@@ -2542,9 +1938,6 @@
             <a:r>
               <a:rPr lang="fr-FR" sz="1800" dirty="0" err="1">
                 <a:effectLst/>
-                <a:highlight>
-                  <a:srgbClr val="FFFF00"/>
-                </a:highlight>
                 <a:latin typeface="Calibri" panose="020F0502020204030204" pitchFamily="34" charset="0"/>
                 <a:ea typeface="Calibri" panose="020F0502020204030204" pitchFamily="34" charset="0"/>
                 <a:cs typeface="Times New Roman" panose="02020603050405020304" pitchFamily="18" charset="0"/>
@@ -2554,21 +1947,15 @@
             <a:r>
               <a:rPr lang="fr-FR" sz="1800" dirty="0">
                 <a:effectLst/>
-                <a:highlight>
-                  <a:srgbClr val="FFFF00"/>
-                </a:highlight>
-                <a:latin typeface="Calibri" panose="020F0502020204030204" pitchFamily="34" charset="0"/>
-                <a:ea typeface="Calibri" panose="020F0502020204030204" pitchFamily="34" charset="0"/>
-                <a:cs typeface="Times New Roman" panose="02020603050405020304" pitchFamily="18" charset="0"/>
-              </a:rPr>
-              <a:t> and, to finish, a </a:t>
+                <a:latin typeface="Calibri" panose="020F0502020204030204" pitchFamily="34" charset="0"/>
+                <a:ea typeface="Calibri" panose="020F0502020204030204" pitchFamily="34" charset="0"/>
+                <a:cs typeface="Times New Roman" panose="02020603050405020304" pitchFamily="18" charset="0"/>
+              </a:rPr>
+              <a:t> and, at last, a </a:t>
             </a:r>
             <a:r>
               <a:rPr lang="fr-FR" sz="1800" dirty="0" err="1">
                 <a:effectLst/>
-                <a:highlight>
-                  <a:srgbClr val="FFFF00"/>
-                </a:highlight>
                 <a:latin typeface="Calibri" panose="020F0502020204030204" pitchFamily="34" charset="0"/>
                 <a:ea typeface="Calibri" panose="020F0502020204030204" pitchFamily="34" charset="0"/>
                 <a:cs typeface="Times New Roman" panose="02020603050405020304" pitchFamily="18" charset="0"/>
@@ -2578,9 +1965,6 @@
             <a:r>
               <a:rPr lang="fr-FR" sz="1800" dirty="0">
                 <a:effectLst/>
-                <a:highlight>
-                  <a:srgbClr val="FFFF00"/>
-                </a:highlight>
                 <a:latin typeface="Calibri" panose="020F0502020204030204" pitchFamily="34" charset="0"/>
                 <a:ea typeface="Calibri" panose="020F0502020204030204" pitchFamily="34" charset="0"/>
                 <a:cs typeface="Times New Roman" panose="02020603050405020304" pitchFamily="18" charset="0"/>
@@ -2590,9 +1974,6 @@
             <a:r>
               <a:rPr lang="fr-FR" sz="1800" dirty="0" err="1">
                 <a:effectLst/>
-                <a:highlight>
-                  <a:srgbClr val="FFFF00"/>
-                </a:highlight>
                 <a:latin typeface="Calibri" panose="020F0502020204030204" pitchFamily="34" charset="0"/>
                 <a:ea typeface="Calibri" panose="020F0502020204030204" pitchFamily="34" charset="0"/>
                 <a:cs typeface="Times New Roman" panose="02020603050405020304" pitchFamily="18" charset="0"/>
@@ -2602,21 +1983,12 @@
             <a:r>
               <a:rPr lang="fr-FR" sz="1800" dirty="0">
                 <a:effectLst/>
-                <a:highlight>
-                  <a:srgbClr val="FFFF00"/>
-                </a:highlight>
                 <a:latin typeface="Calibri" panose="020F0502020204030204" pitchFamily="34" charset="0"/>
                 <a:ea typeface="Calibri" panose="020F0502020204030204" pitchFamily="34" charset="0"/>
                 <a:cs typeface="Times New Roman" panose="02020603050405020304" pitchFamily="18" charset="0"/>
               </a:rPr>
               <a:t>.</a:t>
             </a:r>
-            <a:endParaRPr lang="fr-FR" sz="1800" dirty="0">
-              <a:effectLst/>
-              <a:latin typeface="Calibri" panose="020F0502020204030204" pitchFamily="34" charset="0"/>
-              <a:ea typeface="Calibri" panose="020F0502020204030204" pitchFamily="34" charset="0"/>
-              <a:cs typeface="Times New Roman" panose="02020603050405020304" pitchFamily="18" charset="0"/>
-            </a:endParaRPr>
           </a:p>
           <a:p>
             <a:pPr>
@@ -6519,50 +5891,22 @@
               </a:spcAft>
             </a:pPr>
             <a:r>
+              <a:rPr lang="fr-FR" sz="1800" dirty="0">
+                <a:effectLst/>
+                <a:latin typeface="Calibri" panose="020F0502020204030204" pitchFamily="34" charset="0"/>
+                <a:ea typeface="Calibri" panose="020F0502020204030204" pitchFamily="34" charset="0"/>
+                <a:cs typeface="Times New Roman" panose="02020603050405020304" pitchFamily="18" charset="0"/>
+              </a:rPr>
+              <a:t>architecture composée de 2 parties distinctes</a:t>
+            </a:r>
+            <a:r>
               <a:rPr lang="fr-FR" sz="1100" dirty="0">
                 <a:effectLst/>
                 <a:latin typeface="Calibri" panose="020F0502020204030204" pitchFamily="34" charset="0"/>
                 <a:ea typeface="Calibri" panose="020F0502020204030204" pitchFamily="34" charset="0"/>
                 <a:cs typeface="Times New Roman" panose="02020603050405020304" pitchFamily="18" charset="0"/>
               </a:rPr>
-              <a:t>SOS </a:t>
-            </a:r>
-            <a:r>
-              <a:rPr lang="fr-FR" sz="1100" dirty="0" err="1">
-                <a:effectLst/>
-                <a:latin typeface="Calibri" panose="020F0502020204030204" pitchFamily="34" charset="0"/>
-                <a:ea typeface="Calibri" panose="020F0502020204030204" pitchFamily="34" charset="0"/>
-                <a:cs typeface="Times New Roman" panose="02020603050405020304" pitchFamily="18" charset="0"/>
-              </a:rPr>
-              <a:t>Immo</a:t>
-            </a:r>
-            <a:r>
-              <a:rPr lang="fr-FR" sz="1100" dirty="0">
-                <a:effectLst/>
-                <a:latin typeface="Calibri" panose="020F0502020204030204" pitchFamily="34" charset="0"/>
-                <a:ea typeface="Calibri" panose="020F0502020204030204" pitchFamily="34" charset="0"/>
-                <a:cs typeface="Times New Roman" panose="02020603050405020304" pitchFamily="18" charset="0"/>
-              </a:rPr>
-              <a:t> est conçu avec une architecture client-serveur.</a:t>
-            </a:r>
-          </a:p>
-          <a:p>
-            <a:pPr>
-              <a:lnSpc>
-                <a:spcPct val="107000"/>
-              </a:lnSpc>
-              <a:spcAft>
-                <a:spcPts val="800"/>
-              </a:spcAft>
-            </a:pPr>
-            <a:r>
-              <a:rPr lang="fr-FR" sz="1100" dirty="0">
-                <a:effectLst/>
-                <a:latin typeface="Calibri" panose="020F0502020204030204" pitchFamily="34" charset="0"/>
-                <a:ea typeface="Calibri" panose="020F0502020204030204" pitchFamily="34" charset="0"/>
-                <a:cs typeface="Times New Roman" panose="02020603050405020304" pitchFamily="18" charset="0"/>
-              </a:rPr>
-              <a:t>2 projets indépendants à détailler.</a:t>
+              <a:t> - à détailler.</a:t>
             </a:r>
           </a:p>
           <a:p>
@@ -7829,70 +7173,12 @@
               <a:tabLst/>
               <a:defRPr/>
             </a:pPr>
-            <a:r>
-              <a:rPr lang="fr-FR" sz="1800" dirty="0">
-                <a:effectLst/>
-                <a:latin typeface="Calibri" panose="020F0502020204030204" pitchFamily="34" charset="0"/>
-                <a:ea typeface="Calibri" panose="020F0502020204030204" pitchFamily="34" charset="0"/>
-                <a:cs typeface="Times New Roman" panose="02020603050405020304" pitchFamily="18" charset="0"/>
-              </a:rPr>
-              <a:t>J’ai choisi la librairie </a:t>
-            </a:r>
-            <a:r>
-              <a:rPr lang="fr-FR" sz="1800" dirty="0" err="1">
-                <a:effectLst/>
-                <a:latin typeface="Calibri" panose="020F0502020204030204" pitchFamily="34" charset="0"/>
-                <a:ea typeface="Calibri" panose="020F0502020204030204" pitchFamily="34" charset="0"/>
-                <a:cs typeface="Times New Roman" panose="02020603050405020304" pitchFamily="18" charset="0"/>
-              </a:rPr>
-              <a:t>Sequelize</a:t>
-            </a:r>
-            <a:r>
-              <a:rPr lang="fr-FR" sz="1800" dirty="0">
-                <a:effectLst/>
-                <a:latin typeface="Calibri" panose="020F0502020204030204" pitchFamily="34" charset="0"/>
-                <a:ea typeface="Calibri" panose="020F0502020204030204" pitchFamily="34" charset="0"/>
-                <a:cs typeface="Times New Roman" panose="02020603050405020304" pitchFamily="18" charset="0"/>
-              </a:rPr>
-              <a:t> de </a:t>
-            </a:r>
-            <a:r>
-              <a:rPr lang="fr-FR" sz="1800" dirty="0" err="1">
-                <a:effectLst/>
-                <a:latin typeface="Calibri" panose="020F0502020204030204" pitchFamily="34" charset="0"/>
-                <a:ea typeface="Calibri" panose="020F0502020204030204" pitchFamily="34" charset="0"/>
-                <a:cs typeface="Times New Roman" panose="02020603050405020304" pitchFamily="18" charset="0"/>
-              </a:rPr>
-              <a:t>NodeJS</a:t>
-            </a:r>
-            <a:r>
-              <a:rPr lang="fr-FR" sz="1800" dirty="0">
-                <a:effectLst/>
-                <a:latin typeface="Calibri" panose="020F0502020204030204" pitchFamily="34" charset="0"/>
-                <a:ea typeface="Calibri" panose="020F0502020204030204" pitchFamily="34" charset="0"/>
-                <a:cs typeface="Times New Roman" panose="02020603050405020304" pitchFamily="18" charset="0"/>
-              </a:rPr>
-              <a:t>.</a:t>
-            </a:r>
-          </a:p>
-          <a:p>
-            <a:pPr>
-              <a:lnSpc>
-                <a:spcPct val="107000"/>
-              </a:lnSpc>
-              <a:spcAft>
-                <a:spcPts val="800"/>
-              </a:spcAft>
-            </a:pPr>
-            <a:r>
-              <a:rPr lang="fr-FR" sz="1800" dirty="0">
-                <a:effectLst/>
-                <a:latin typeface="Calibri" panose="020F0502020204030204" pitchFamily="34" charset="0"/>
-                <a:ea typeface="Calibri" panose="020F0502020204030204" pitchFamily="34" charset="0"/>
-                <a:cs typeface="Times New Roman" panose="02020603050405020304" pitchFamily="18" charset="0"/>
-              </a:rPr>
-              <a:t>Chaque table est 1 classe d’objet // 1 colonne = 1 attribut de la classe.</a:t>
-            </a:r>
+            <a:endParaRPr lang="fr-FR" sz="1800" dirty="0">
+              <a:effectLst/>
+              <a:latin typeface="Calibri" panose="020F0502020204030204" pitchFamily="34" charset="0"/>
+              <a:ea typeface="Calibri" panose="020F0502020204030204" pitchFamily="34" charset="0"/>
+              <a:cs typeface="Times New Roman" panose="02020603050405020304" pitchFamily="18" charset="0"/>
+            </a:endParaRPr>
           </a:p>
           <a:p>
             <a:pPr marL="0" marR="0" lvl="0" indent="0" algn="l" defTabSz="914400" rtl="0" eaLnBrk="1" fontAlgn="auto" latinLnBrk="0" hangingPunct="1">
@@ -7919,6 +7205,34 @@
                 <a:ea typeface="Calibri" panose="020F0502020204030204" pitchFamily="34" charset="0"/>
                 <a:cs typeface="Times New Roman" panose="02020603050405020304" pitchFamily="18" charset="0"/>
               </a:rPr>
+              <a:t>Chaque table est 1 classe d’objet // 1 colonne = 1 attribut de la classe.</a:t>
+            </a:r>
+          </a:p>
+          <a:p>
+            <a:pPr marL="0" marR="0" lvl="0" indent="0" algn="l" defTabSz="914400" rtl="0" eaLnBrk="1" fontAlgn="auto" latinLnBrk="0" hangingPunct="1">
+              <a:lnSpc>
+                <a:spcPct val="107000"/>
+              </a:lnSpc>
+              <a:spcBef>
+                <a:spcPts val="0"/>
+              </a:spcBef>
+              <a:spcAft>
+                <a:spcPts val="800"/>
+              </a:spcAft>
+              <a:buClrTx/>
+              <a:buSzTx/>
+              <a:buFontTx/>
+              <a:buNone/>
+              <a:tabLst/>
+              <a:defRPr/>
+            </a:pPr>
+            <a:r>
+              <a:rPr lang="fr-FR" sz="1800" dirty="0">
+                <a:effectLst/>
+                <a:latin typeface="Calibri" panose="020F0502020204030204" pitchFamily="34" charset="0"/>
+                <a:ea typeface="Calibri" panose="020F0502020204030204" pitchFamily="34" charset="0"/>
+                <a:cs typeface="Times New Roman" panose="02020603050405020304" pitchFamily="18" charset="0"/>
+              </a:rPr>
               <a:t>Ce sont les fichiers </a:t>
             </a:r>
             <a:r>
@@ -7957,13 +7271,22 @@
             </a:endParaRPr>
           </a:p>
           <a:p>
-            <a:pPr>
-              <a:lnSpc>
-                <a:spcPct val="107000"/>
-              </a:lnSpc>
+            <a:pPr marL="0" marR="0" lvl="0" indent="0" algn="l" defTabSz="914400" rtl="0" eaLnBrk="1" fontAlgn="auto" latinLnBrk="0" hangingPunct="1">
+              <a:lnSpc>
+                <a:spcPct val="107000"/>
+              </a:lnSpc>
+              <a:spcBef>
+                <a:spcPts val="0"/>
+              </a:spcBef>
               <a:spcAft>
                 <a:spcPts val="800"/>
               </a:spcAft>
+              <a:buClrTx/>
+              <a:buSzTx/>
+              <a:buFontTx/>
+              <a:buNone/>
+              <a:tabLst/>
+              <a:defRPr/>
             </a:pPr>
             <a:r>
               <a:rPr lang="fr-FR" sz="1800" dirty="0" err="1">
@@ -7981,7 +7304,34 @@
                 <a:ea typeface="Calibri" panose="020F0502020204030204" pitchFamily="34" charset="0"/>
                 <a:cs typeface="Times New Roman" panose="02020603050405020304" pitchFamily="18" charset="0"/>
               </a:rPr>
-              <a:t> possède ces propres fonctions pour récupérer les données de la base, les convertir en objet et vice versa.</a:t>
+              <a:t> qui est un </a:t>
+            </a:r>
+            <a:r>
+              <a:rPr lang="fr-FR" sz="1800" dirty="0" err="1">
+                <a:effectLst/>
+                <a:latin typeface="Calibri" panose="020F0502020204030204" pitchFamily="34" charset="0"/>
+                <a:ea typeface="Calibri" panose="020F0502020204030204" pitchFamily="34" charset="0"/>
+                <a:cs typeface="Times New Roman" panose="02020603050405020304" pitchFamily="18" charset="0"/>
+              </a:rPr>
+              <a:t>framework</a:t>
+            </a:r>
+            <a:r>
+              <a:rPr lang="fr-FR" sz="1800">
+                <a:effectLst/>
+                <a:latin typeface="Calibri" panose="020F0502020204030204" pitchFamily="34" charset="0"/>
+                <a:ea typeface="Calibri" panose="020F0502020204030204" pitchFamily="34" charset="0"/>
+                <a:cs typeface="Times New Roman" panose="02020603050405020304" pitchFamily="18" charset="0"/>
+              </a:rPr>
+              <a:t> possède </a:t>
+            </a:r>
+            <a:r>
+              <a:rPr lang="fr-FR" sz="1800" dirty="0">
+                <a:effectLst/>
+                <a:latin typeface="Calibri" panose="020F0502020204030204" pitchFamily="34" charset="0"/>
+                <a:ea typeface="Calibri" panose="020F0502020204030204" pitchFamily="34" charset="0"/>
+                <a:cs typeface="Times New Roman" panose="02020603050405020304" pitchFamily="18" charset="0"/>
+              </a:rPr>
+              <a:t>ces propres fonctions pour récupérer les données de la base, les convertir en objet et vice versa.</a:t>
             </a:r>
           </a:p>
           <a:p>
@@ -9272,7 +8622,7 @@
             <a:fld id="{AA70F276-1833-4A75-9C1D-A56E2295A68D}" type="datetimeFigureOut">
               <a:rPr lang="en-US" smtClean="0"/>
               <a:pPr/>
-              <a:t>1/23/2023</a:t>
+              <a:t>1/27/2023</a:t>
             </a:fld>
             <a:endParaRPr lang="en-US" dirty="0"/>
           </a:p>
@@ -9476,7 +8826,7 @@
             <a:fld id="{AA70F276-1833-4A75-9C1D-A56E2295A68D}" type="datetimeFigureOut">
               <a:rPr lang="en-US" smtClean="0"/>
               <a:pPr/>
-              <a:t>1/23/2023</a:t>
+              <a:t>1/27/2023</a:t>
             </a:fld>
             <a:endParaRPr lang="en-US" dirty="0"/>
           </a:p>
@@ -9690,7 +9040,7 @@
             <a:fld id="{AA70F276-1833-4A75-9C1D-A56E2295A68D}" type="datetimeFigureOut">
               <a:rPr lang="en-US" smtClean="0"/>
               <a:pPr/>
-              <a:t>1/23/2023</a:t>
+              <a:t>1/27/2023</a:t>
             </a:fld>
             <a:endParaRPr lang="en-US" dirty="0"/>
           </a:p>
@@ -9894,7 +9244,7 @@
             <a:fld id="{AA70F276-1833-4A75-9C1D-A56E2295A68D}" type="datetimeFigureOut">
               <a:rPr lang="en-US" smtClean="0"/>
               <a:pPr/>
-              <a:t>1/23/2023</a:t>
+              <a:t>1/27/2023</a:t>
             </a:fld>
             <a:endParaRPr lang="en-US" dirty="0"/>
           </a:p>
@@ -10175,7 +9525,7 @@
             <a:fld id="{AA70F276-1833-4A75-9C1D-A56E2295A68D}" type="datetimeFigureOut">
               <a:rPr lang="en-US" smtClean="0"/>
               <a:pPr/>
-              <a:t>1/23/2023</a:t>
+              <a:t>1/27/2023</a:t>
             </a:fld>
             <a:endParaRPr lang="en-US" dirty="0"/>
           </a:p>
@@ -10446,7 +9796,7 @@
             <a:fld id="{AA70F276-1833-4A75-9C1D-A56E2295A68D}" type="datetimeFigureOut">
               <a:rPr lang="en-US" smtClean="0"/>
               <a:pPr/>
-              <a:t>1/23/2023</a:t>
+              <a:t>1/27/2023</a:t>
             </a:fld>
             <a:endParaRPr lang="en-US" dirty="0"/>
           </a:p>
@@ -10864,7 +10214,7 @@
             <a:fld id="{AA70F276-1833-4A75-9C1D-A56E2295A68D}" type="datetimeFigureOut">
               <a:rPr lang="en-US" smtClean="0"/>
               <a:pPr/>
-              <a:t>1/23/2023</a:t>
+              <a:t>1/27/2023</a:t>
             </a:fld>
             <a:endParaRPr lang="en-US" dirty="0"/>
           </a:p>
@@ -11011,7 +10361,7 @@
             <a:fld id="{AA70F276-1833-4A75-9C1D-A56E2295A68D}" type="datetimeFigureOut">
               <a:rPr lang="en-US" smtClean="0"/>
               <a:pPr/>
-              <a:t>1/23/2023</a:t>
+              <a:t>1/27/2023</a:t>
             </a:fld>
             <a:endParaRPr lang="en-US" dirty="0"/>
           </a:p>
@@ -11130,7 +10480,7 @@
             <a:fld id="{AA70F276-1833-4A75-9C1D-A56E2295A68D}" type="datetimeFigureOut">
               <a:rPr lang="en-US" smtClean="0"/>
               <a:pPr/>
-              <a:t>1/23/2023</a:t>
+              <a:t>1/27/2023</a:t>
             </a:fld>
             <a:endParaRPr lang="en-US" dirty="0"/>
           </a:p>
@@ -11447,7 +10797,7 @@
             <a:fld id="{AA70F276-1833-4A75-9C1D-A56E2295A68D}" type="datetimeFigureOut">
               <a:rPr lang="en-US" smtClean="0"/>
               <a:pPr/>
-              <a:t>1/23/2023</a:t>
+              <a:t>1/27/2023</a:t>
             </a:fld>
             <a:endParaRPr lang="en-US" dirty="0"/>
           </a:p>
@@ -11741,7 +11091,7 @@
             <a:fld id="{AA70F276-1833-4A75-9C1D-A56E2295A68D}" type="datetimeFigureOut">
               <a:rPr lang="en-US" smtClean="0"/>
               <a:pPr/>
-              <a:t>1/23/2023</a:t>
+              <a:t>1/27/2023</a:t>
             </a:fld>
             <a:endParaRPr lang="en-US" dirty="0"/>
           </a:p>
@@ -11988,7 +11338,7 @@
             <a:fld id="{AA70F276-1833-4A75-9C1D-A56E2295A68D}" type="datetimeFigureOut">
               <a:rPr lang="en-US" smtClean="0"/>
               <a:pPr/>
-              <a:t>1/23/2023</a:t>
+              <a:t>1/27/2023</a:t>
             </a:fld>
             <a:endParaRPr lang="en-US" dirty="0"/>
           </a:p>
@@ -18638,7 +17988,7 @@
         </p:nvSpPr>
         <p:spPr>
           <a:xfrm>
-            <a:off x="904875" y="909855"/>
+            <a:off x="542925" y="421105"/>
             <a:ext cx="5553075" cy="733942"/>
           </a:xfrm>
         </p:spPr>
@@ -18675,10 +18025,10 @@
       </p:sp>
       <p:pic>
         <p:nvPicPr>
-          <p:cNvPr id="7" name="Image 6">
+          <p:cNvPr id="9" name="Image 8">
             <a:extLst>
               <a:ext uri="{FF2B5EF4-FFF2-40B4-BE49-F238E27FC236}">
-                <a16:creationId xmlns:a16="http://schemas.microsoft.com/office/drawing/2014/main" id="{C77B8169-0D37-E88E-561F-4CF48920A060}"/>
+                <a16:creationId xmlns:a16="http://schemas.microsoft.com/office/drawing/2014/main" id="{7EBBA5AA-0407-5F81-E40D-9F06FCF760A4}"/>
               </a:ext>
             </a:extLst>
           </p:cNvPr>
@@ -18695,38 +18045,8 @@
         </p:blipFill>
         <p:spPr>
           <a:xfrm>
-            <a:off x="1216025" y="1708460"/>
-            <a:ext cx="9759949" cy="4048716"/>
-          </a:xfrm>
-          <a:prstGeom prst="rect">
-            <a:avLst/>
-          </a:prstGeom>
-        </p:spPr>
-      </p:pic>
-      <p:pic>
-        <p:nvPicPr>
-          <p:cNvPr id="4" name="Image 3">
-            <a:extLst>
-              <a:ext uri="{FF2B5EF4-FFF2-40B4-BE49-F238E27FC236}">
-                <a16:creationId xmlns:a16="http://schemas.microsoft.com/office/drawing/2014/main" id="{909F6163-FF4C-9181-6783-D3C6F2B74E6D}"/>
-              </a:ext>
-            </a:extLst>
-          </p:cNvPr>
-          <p:cNvPicPr>
-            <a:picLocks noChangeAspect="1"/>
-          </p:cNvPicPr>
-          <p:nvPr/>
-        </p:nvPicPr>
-        <p:blipFill>
-          <a:blip r:embed="rId3"/>
-          <a:stretch>
-            <a:fillRect/>
-          </a:stretch>
-        </p:blipFill>
-        <p:spPr>
-          <a:xfrm>
-            <a:off x="7486650" y="4284498"/>
-            <a:ext cx="4005262" cy="1730083"/>
+            <a:off x="174496" y="1155047"/>
+            <a:ext cx="11843008" cy="5200033"/>
           </a:xfrm>
           <a:prstGeom prst="rect">
             <a:avLst/>
@@ -21366,10 +20686,10 @@
       </p:grpSpPr>
       <p:pic>
         <p:nvPicPr>
-          <p:cNvPr id="4" name="Image 3">
+          <p:cNvPr id="2" name="Image 1">
             <a:extLst>
               <a:ext uri="{FF2B5EF4-FFF2-40B4-BE49-F238E27FC236}">
-                <a16:creationId xmlns:a16="http://schemas.microsoft.com/office/drawing/2014/main" id="{05E2FA7F-5E07-4D78-B548-2B66BC8431CB}"/>
+                <a16:creationId xmlns:a16="http://schemas.microsoft.com/office/drawing/2014/main" id="{61BF689B-7BF6-74FF-34CB-850C6C3C7FBE}"/>
               </a:ext>
             </a:extLst>
           </p:cNvPr>
@@ -21386,8 +20706,8 @@
         </p:blipFill>
         <p:spPr>
           <a:xfrm>
-            <a:off x="1411288" y="1054947"/>
-            <a:ext cx="9513488" cy="5385765"/>
+            <a:off x="2663190" y="450849"/>
+            <a:ext cx="7647305" cy="6222477"/>
           </a:xfrm>
           <a:prstGeom prst="rect">
             <a:avLst/>
@@ -21465,522 +20785,6 @@
     <p:extLst>
       <p:ext uri="{BB962C8B-B14F-4D97-AF65-F5344CB8AC3E}">
         <p14:creationId xmlns:p14="http://schemas.microsoft.com/office/powerpoint/2010/main" val="3690051470"/>
-      </p:ext>
-    </p:extLst>
-  </p:cSld>
-  <p:clrMapOvr>
-    <a:masterClrMapping/>
-  </p:clrMapOvr>
-</p:sld>
-</file>
-
-<file path=ppt/slides/slide28.xml><?xml version="1.0" encoding="utf-8"?>
-<p:sld xmlns:a="http://schemas.openxmlformats.org/drawingml/2006/main" xmlns:r="http://schemas.openxmlformats.org/officeDocument/2006/relationships" xmlns:p="http://schemas.openxmlformats.org/presentationml/2006/main">
-  <p:cSld>
-    <p:spTree>
-      <p:nvGrpSpPr>
-        <p:cNvPr id="1" name=""/>
-        <p:cNvGrpSpPr/>
-        <p:nvPr/>
-      </p:nvGrpSpPr>
-      <p:grpSpPr>
-        <a:xfrm>
-          <a:off x="0" y="0"/>
-          <a:ext cx="0" cy="0"/>
-          <a:chOff x="0" y="0"/>
-          <a:chExt cx="0" cy="0"/>
-        </a:xfrm>
-      </p:grpSpPr>
-      <p:sp>
-        <p:nvSpPr>
-          <p:cNvPr id="4" name="Rectangle : coins arrondis 3">
-            <a:extLst>
-              <a:ext uri="{FF2B5EF4-FFF2-40B4-BE49-F238E27FC236}">
-                <a16:creationId xmlns:a16="http://schemas.microsoft.com/office/drawing/2014/main" id="{19081CDE-010B-5D55-144E-CCAB8E559C7F}"/>
-              </a:ext>
-            </a:extLst>
-          </p:cNvPr>
-          <p:cNvSpPr/>
-          <p:nvPr/>
-        </p:nvSpPr>
-        <p:spPr>
-          <a:xfrm>
-            <a:off x="1733550" y="876300"/>
-            <a:ext cx="3048000" cy="1200150"/>
-          </a:xfrm>
-          <a:prstGeom prst="roundRect">
-            <a:avLst/>
-          </a:prstGeom>
-        </p:spPr>
-        <p:style>
-          <a:lnRef idx="2">
-            <a:schemeClr val="accent6"/>
-          </a:lnRef>
-          <a:fillRef idx="1">
-            <a:schemeClr val="lt1"/>
-          </a:fillRef>
-          <a:effectRef idx="0">
-            <a:schemeClr val="accent6"/>
-          </a:effectRef>
-          <a:fontRef idx="minor">
-            <a:schemeClr val="dk1"/>
-          </a:fontRef>
-        </p:style>
-        <p:txBody>
-          <a:bodyPr rtlCol="0" anchor="ctr"/>
-          <a:lstStyle/>
-          <a:p>
-            <a:pPr algn="ctr"/>
-            <a:endParaRPr lang="fr-FR"/>
-          </a:p>
-        </p:txBody>
-      </p:sp>
-      <p:sp>
-        <p:nvSpPr>
-          <p:cNvPr id="5" name="Rectangle : coins arrondis 4">
-            <a:extLst>
-              <a:ext uri="{FF2B5EF4-FFF2-40B4-BE49-F238E27FC236}">
-                <a16:creationId xmlns:a16="http://schemas.microsoft.com/office/drawing/2014/main" id="{E564A464-6032-44A2-88F7-6C140C73EDD1}"/>
-              </a:ext>
-            </a:extLst>
-          </p:cNvPr>
-          <p:cNvSpPr/>
-          <p:nvPr/>
-        </p:nvSpPr>
-        <p:spPr>
-          <a:xfrm>
-            <a:off x="6096000" y="752475"/>
-            <a:ext cx="3048000" cy="1200150"/>
-          </a:xfrm>
-          <a:prstGeom prst="roundRect">
-            <a:avLst/>
-          </a:prstGeom>
-        </p:spPr>
-        <p:style>
-          <a:lnRef idx="2">
-            <a:schemeClr val="accent6"/>
-          </a:lnRef>
-          <a:fillRef idx="1">
-            <a:schemeClr val="lt1"/>
-          </a:fillRef>
-          <a:effectRef idx="0">
-            <a:schemeClr val="accent6"/>
-          </a:effectRef>
-          <a:fontRef idx="minor">
-            <a:schemeClr val="dk1"/>
-          </a:fontRef>
-        </p:style>
-        <p:txBody>
-          <a:bodyPr rtlCol="0" anchor="ctr"/>
-          <a:lstStyle/>
-          <a:p>
-            <a:pPr algn="ctr"/>
-            <a:endParaRPr lang="fr-FR"/>
-          </a:p>
-        </p:txBody>
-      </p:sp>
-      <p:sp>
-        <p:nvSpPr>
-          <p:cNvPr id="6" name="Rectangle : coins arrondis 5">
-            <a:extLst>
-              <a:ext uri="{FF2B5EF4-FFF2-40B4-BE49-F238E27FC236}">
-                <a16:creationId xmlns:a16="http://schemas.microsoft.com/office/drawing/2014/main" id="{F1CA3F68-91D6-DD54-36A6-ACE099481E97}"/>
-              </a:ext>
-            </a:extLst>
-          </p:cNvPr>
-          <p:cNvSpPr/>
-          <p:nvPr/>
-        </p:nvSpPr>
-        <p:spPr>
-          <a:xfrm>
-            <a:off x="2000251" y="3448046"/>
-            <a:ext cx="3048000" cy="1200150"/>
-          </a:xfrm>
-          <a:prstGeom prst="roundRect">
-            <a:avLst/>
-          </a:prstGeom>
-        </p:spPr>
-        <p:style>
-          <a:lnRef idx="2">
-            <a:schemeClr val="accent6"/>
-          </a:lnRef>
-          <a:fillRef idx="1">
-            <a:schemeClr val="lt1"/>
-          </a:fillRef>
-          <a:effectRef idx="0">
-            <a:schemeClr val="accent6"/>
-          </a:effectRef>
-          <a:fontRef idx="minor">
-            <a:schemeClr val="dk1"/>
-          </a:fontRef>
-        </p:style>
-        <p:txBody>
-          <a:bodyPr rtlCol="0" anchor="ctr"/>
-          <a:lstStyle/>
-          <a:p>
-            <a:pPr algn="ctr"/>
-            <a:endParaRPr lang="fr-FR"/>
-          </a:p>
-        </p:txBody>
-      </p:sp>
-      <p:sp>
-        <p:nvSpPr>
-          <p:cNvPr id="7" name="Rectangle : coins arrondis 6">
-            <a:extLst>
-              <a:ext uri="{FF2B5EF4-FFF2-40B4-BE49-F238E27FC236}">
-                <a16:creationId xmlns:a16="http://schemas.microsoft.com/office/drawing/2014/main" id="{36C7DAF7-8037-09BB-2D19-39ACEFD34938}"/>
-              </a:ext>
-            </a:extLst>
-          </p:cNvPr>
-          <p:cNvSpPr/>
-          <p:nvPr/>
-        </p:nvSpPr>
-        <p:spPr>
-          <a:xfrm>
-            <a:off x="5915025" y="3124200"/>
-            <a:ext cx="3048000" cy="1200150"/>
-          </a:xfrm>
-          <a:prstGeom prst="roundRect">
-            <a:avLst/>
-          </a:prstGeom>
-        </p:spPr>
-        <p:style>
-          <a:lnRef idx="2">
-            <a:schemeClr val="accent6"/>
-          </a:lnRef>
-          <a:fillRef idx="1">
-            <a:schemeClr val="lt1"/>
-          </a:fillRef>
-          <a:effectRef idx="0">
-            <a:schemeClr val="accent6"/>
-          </a:effectRef>
-          <a:fontRef idx="minor">
-            <a:schemeClr val="dk1"/>
-          </a:fontRef>
-        </p:style>
-        <p:txBody>
-          <a:bodyPr rtlCol="0" anchor="ctr"/>
-          <a:lstStyle/>
-          <a:p>
-            <a:pPr algn="ctr"/>
-            <a:endParaRPr lang="fr-FR"/>
-          </a:p>
-        </p:txBody>
-      </p:sp>
-      <p:cxnSp>
-        <p:nvCxnSpPr>
-          <p:cNvPr id="9" name="Connecteur droit avec flèche 8">
-            <a:extLst>
-              <a:ext uri="{FF2B5EF4-FFF2-40B4-BE49-F238E27FC236}">
-                <a16:creationId xmlns:a16="http://schemas.microsoft.com/office/drawing/2014/main" id="{EC489337-124B-E2DF-B5B5-A056B3869FEC}"/>
-              </a:ext>
-            </a:extLst>
-          </p:cNvPr>
-          <p:cNvCxnSpPr>
-            <a:cxnSpLocks/>
-          </p:cNvCxnSpPr>
-          <p:nvPr/>
-        </p:nvCxnSpPr>
-        <p:spPr>
-          <a:xfrm rot="16200000" flipV="1">
-            <a:off x="3057526" y="2295525"/>
-            <a:ext cx="1047750" cy="609600"/>
-          </a:xfrm>
-          <a:prstGeom prst="curvedConnector3">
-            <a:avLst/>
-          </a:prstGeom>
-          <a:ln>
-            <a:headEnd type="triangle"/>
-            <a:tailEnd type="triangle"/>
-          </a:ln>
-        </p:spPr>
-        <p:style>
-          <a:lnRef idx="1">
-            <a:schemeClr val="accent1"/>
-          </a:lnRef>
-          <a:fillRef idx="0">
-            <a:schemeClr val="accent1"/>
-          </a:fillRef>
-          <a:effectRef idx="0">
-            <a:schemeClr val="accent1"/>
-          </a:effectRef>
-          <a:fontRef idx="minor">
-            <a:schemeClr val="tx1"/>
-          </a:fontRef>
-        </p:style>
-      </p:cxnSp>
-      <p:sp>
-        <p:nvSpPr>
-          <p:cNvPr id="10" name="Organigramme : Multidocument 9">
-            <a:extLst>
-              <a:ext uri="{FF2B5EF4-FFF2-40B4-BE49-F238E27FC236}">
-                <a16:creationId xmlns:a16="http://schemas.microsoft.com/office/drawing/2014/main" id="{E5331EA0-A01B-B92A-B25B-EFD66EF797AF}"/>
-              </a:ext>
-            </a:extLst>
-          </p:cNvPr>
-          <p:cNvSpPr/>
-          <p:nvPr/>
-        </p:nvSpPr>
-        <p:spPr>
-          <a:xfrm>
-            <a:off x="4468178" y="5238751"/>
-            <a:ext cx="1845943" cy="1066800"/>
-          </a:xfrm>
-          <a:prstGeom prst="flowChartMultidocument">
-            <a:avLst/>
-          </a:prstGeom>
-        </p:spPr>
-        <p:style>
-          <a:lnRef idx="2">
-            <a:schemeClr val="dk1">
-              <a:shade val="50000"/>
-            </a:schemeClr>
-          </a:lnRef>
-          <a:fillRef idx="1">
-            <a:schemeClr val="dk1"/>
-          </a:fillRef>
-          <a:effectRef idx="0">
-            <a:schemeClr val="dk1"/>
-          </a:effectRef>
-          <a:fontRef idx="minor">
-            <a:schemeClr val="lt1"/>
-          </a:fontRef>
-        </p:style>
-        <p:txBody>
-          <a:bodyPr rtlCol="0" anchor="ctr"/>
-          <a:lstStyle/>
-          <a:p>
-            <a:pPr algn="ctr"/>
-            <a:endParaRPr lang="fr-FR"/>
-          </a:p>
-        </p:txBody>
-      </p:sp>
-      <p:sp>
-        <p:nvSpPr>
-          <p:cNvPr id="11" name="Cylindre 10">
-            <a:extLst>
-              <a:ext uri="{FF2B5EF4-FFF2-40B4-BE49-F238E27FC236}">
-                <a16:creationId xmlns:a16="http://schemas.microsoft.com/office/drawing/2014/main" id="{4DA6A488-6926-5F66-EA4F-AECB05D51700}"/>
-              </a:ext>
-            </a:extLst>
-          </p:cNvPr>
-          <p:cNvSpPr/>
-          <p:nvPr/>
-        </p:nvSpPr>
-        <p:spPr>
-          <a:xfrm>
-            <a:off x="10058399" y="2752722"/>
-            <a:ext cx="1000125" cy="1047752"/>
-          </a:xfrm>
-          <a:prstGeom prst="can">
-            <a:avLst/>
-          </a:prstGeom>
-        </p:spPr>
-        <p:style>
-          <a:lnRef idx="1">
-            <a:schemeClr val="accent6"/>
-          </a:lnRef>
-          <a:fillRef idx="2">
-            <a:schemeClr val="accent6"/>
-          </a:fillRef>
-          <a:effectRef idx="1">
-            <a:schemeClr val="accent6"/>
-          </a:effectRef>
-          <a:fontRef idx="minor">
-            <a:schemeClr val="dk1"/>
-          </a:fontRef>
-        </p:style>
-        <p:txBody>
-          <a:bodyPr rtlCol="0" anchor="ctr"/>
-          <a:lstStyle/>
-          <a:p>
-            <a:pPr algn="ctr"/>
-            <a:endParaRPr lang="fr-FR"/>
-          </a:p>
-        </p:txBody>
-      </p:sp>
-      <p:cxnSp>
-        <p:nvCxnSpPr>
-          <p:cNvPr id="12" name="Connecteur droit avec flèche 8">
-            <a:extLst>
-              <a:ext uri="{FF2B5EF4-FFF2-40B4-BE49-F238E27FC236}">
-                <a16:creationId xmlns:a16="http://schemas.microsoft.com/office/drawing/2014/main" id="{B5803ACF-FAAB-544A-F6C2-21C75123441D}"/>
-              </a:ext>
-            </a:extLst>
-          </p:cNvPr>
-          <p:cNvCxnSpPr>
-            <a:cxnSpLocks/>
-            <a:stCxn id="7" idx="0"/>
-            <a:endCxn id="5" idx="2"/>
-          </p:cNvCxnSpPr>
-          <p:nvPr/>
-        </p:nvCxnSpPr>
-        <p:spPr>
-          <a:xfrm rot="5400000" flipH="1" flipV="1">
-            <a:off x="6943725" y="2447926"/>
-            <a:ext cx="1171575" cy="180975"/>
-          </a:xfrm>
-          <a:prstGeom prst="curvedConnector3">
-            <a:avLst>
-              <a:gd name="adj1" fmla="val 50000"/>
-            </a:avLst>
-          </a:prstGeom>
-          <a:ln>
-            <a:headEnd type="triangle"/>
-            <a:tailEnd type="triangle"/>
-          </a:ln>
-        </p:spPr>
-        <p:style>
-          <a:lnRef idx="1">
-            <a:schemeClr val="accent1"/>
-          </a:lnRef>
-          <a:fillRef idx="0">
-            <a:schemeClr val="accent1"/>
-          </a:fillRef>
-          <a:effectRef idx="0">
-            <a:schemeClr val="accent1"/>
-          </a:effectRef>
-          <a:fontRef idx="minor">
-            <a:schemeClr val="tx1"/>
-          </a:fontRef>
-        </p:style>
-      </p:cxnSp>
-      <p:sp>
-        <p:nvSpPr>
-          <p:cNvPr id="16" name="Rectangle : coins arrondis 15">
-            <a:extLst>
-              <a:ext uri="{FF2B5EF4-FFF2-40B4-BE49-F238E27FC236}">
-                <a16:creationId xmlns:a16="http://schemas.microsoft.com/office/drawing/2014/main" id="{11B10A4F-0D64-766C-4C90-9E257ACBAF3C}"/>
-              </a:ext>
-            </a:extLst>
-          </p:cNvPr>
-          <p:cNvSpPr/>
-          <p:nvPr/>
-        </p:nvSpPr>
-        <p:spPr>
-          <a:xfrm>
-            <a:off x="5481638" y="3276598"/>
-            <a:ext cx="3048000" cy="1200150"/>
-          </a:xfrm>
-          <a:prstGeom prst="roundRect">
-            <a:avLst/>
-          </a:prstGeom>
-        </p:spPr>
-        <p:style>
-          <a:lnRef idx="2">
-            <a:schemeClr val="accent6"/>
-          </a:lnRef>
-          <a:fillRef idx="1">
-            <a:schemeClr val="lt1"/>
-          </a:fillRef>
-          <a:effectRef idx="0">
-            <a:schemeClr val="accent6"/>
-          </a:effectRef>
-          <a:fontRef idx="minor">
-            <a:schemeClr val="dk1"/>
-          </a:fontRef>
-        </p:style>
-        <p:txBody>
-          <a:bodyPr rtlCol="0" anchor="ctr"/>
-          <a:lstStyle/>
-          <a:p>
-            <a:pPr algn="ctr"/>
-            <a:endParaRPr lang="fr-FR"/>
-          </a:p>
-        </p:txBody>
-      </p:sp>
-      <p:sp>
-        <p:nvSpPr>
-          <p:cNvPr id="17" name="Rectangle : coins arrondis 16">
-            <a:extLst>
-              <a:ext uri="{FF2B5EF4-FFF2-40B4-BE49-F238E27FC236}">
-                <a16:creationId xmlns:a16="http://schemas.microsoft.com/office/drawing/2014/main" id="{3D974650-E26F-2FED-11DC-398B549315BF}"/>
-              </a:ext>
-            </a:extLst>
-          </p:cNvPr>
-          <p:cNvSpPr/>
-          <p:nvPr/>
-        </p:nvSpPr>
-        <p:spPr>
-          <a:xfrm>
-            <a:off x="1133476" y="3362322"/>
-            <a:ext cx="3048000" cy="1200150"/>
-          </a:xfrm>
-          <a:prstGeom prst="roundRect">
-            <a:avLst/>
-          </a:prstGeom>
-        </p:spPr>
-        <p:style>
-          <a:lnRef idx="2">
-            <a:schemeClr val="accent6"/>
-          </a:lnRef>
-          <a:fillRef idx="1">
-            <a:schemeClr val="lt1"/>
-          </a:fillRef>
-          <a:effectRef idx="0">
-            <a:schemeClr val="accent6"/>
-          </a:effectRef>
-          <a:fontRef idx="minor">
-            <a:schemeClr val="dk1"/>
-          </a:fontRef>
-        </p:style>
-        <p:txBody>
-          <a:bodyPr rtlCol="0" anchor="ctr"/>
-          <a:lstStyle/>
-          <a:p>
-            <a:pPr algn="ctr"/>
-            <a:endParaRPr lang="fr-FR"/>
-          </a:p>
-        </p:txBody>
-      </p:sp>
-      <p:sp>
-        <p:nvSpPr>
-          <p:cNvPr id="18" name="Rectangle : coins arrondis 17">
-            <a:extLst>
-              <a:ext uri="{FF2B5EF4-FFF2-40B4-BE49-F238E27FC236}">
-                <a16:creationId xmlns:a16="http://schemas.microsoft.com/office/drawing/2014/main" id="{B5983A5D-132B-D9BA-8226-65D0B1A3206F}"/>
-              </a:ext>
-            </a:extLst>
-          </p:cNvPr>
-          <p:cNvSpPr/>
-          <p:nvPr/>
-        </p:nvSpPr>
-        <p:spPr>
-          <a:xfrm>
-            <a:off x="909638" y="3314702"/>
-            <a:ext cx="3048000" cy="1200150"/>
-          </a:xfrm>
-          <a:prstGeom prst="roundRect">
-            <a:avLst/>
-          </a:prstGeom>
-        </p:spPr>
-        <p:style>
-          <a:lnRef idx="2">
-            <a:schemeClr val="accent6"/>
-          </a:lnRef>
-          <a:fillRef idx="1">
-            <a:schemeClr val="lt1"/>
-          </a:fillRef>
-          <a:effectRef idx="0">
-            <a:schemeClr val="accent6"/>
-          </a:effectRef>
-          <a:fontRef idx="minor">
-            <a:schemeClr val="dk1"/>
-          </a:fontRef>
-        </p:style>
-        <p:txBody>
-          <a:bodyPr rtlCol="0" anchor="ctr"/>
-          <a:lstStyle/>
-          <a:p>
-            <a:pPr algn="ctr"/>
-            <a:endParaRPr lang="fr-FR"/>
-          </a:p>
-        </p:txBody>
-      </p:sp>
-    </p:spTree>
-    <p:extLst>
-      <p:ext uri="{BB962C8B-B14F-4D97-AF65-F5344CB8AC3E}">
-        <p14:creationId xmlns:p14="http://schemas.microsoft.com/office/powerpoint/2010/main" val="1527760015"/>
       </p:ext>
     </p:extLst>
   </p:cSld>

--- a/doc/présentation V5.pptx
+++ b/doc/présentation V5.pptx
@@ -3778,6 +3778,63 @@
             </a:r>
           </a:p>
           <a:p>
+            <a:pPr marL="742950" lvl="1" indent="-285750">
+              <a:lnSpc>
+                <a:spcPct val="107000"/>
+              </a:lnSpc>
+              <a:spcAft>
+                <a:spcPts val="800"/>
+              </a:spcAft>
+              <a:buFont typeface="Courier New" panose="02070309020205020404" pitchFamily="49" charset="0"/>
+              <a:buChar char="o"/>
+            </a:pPr>
+            <a:endParaRPr lang="fr-FR" sz="1100" dirty="0">
+              <a:effectLst/>
+              <a:latin typeface="Calibri" panose="020F0502020204030204" pitchFamily="34" charset="0"/>
+              <a:ea typeface="Calibri" panose="020F0502020204030204" pitchFamily="34" charset="0"/>
+              <a:cs typeface="Times New Roman" panose="02020603050405020304" pitchFamily="18" charset="0"/>
+            </a:endParaRPr>
+          </a:p>
+          <a:p>
+            <a:pPr marL="742950" lvl="1" indent="-285750">
+              <a:lnSpc>
+                <a:spcPct val="107000"/>
+              </a:lnSpc>
+              <a:spcAft>
+                <a:spcPts val="800"/>
+              </a:spcAft>
+              <a:buFont typeface="Courier New" panose="02070309020205020404" pitchFamily="49" charset="0"/>
+              <a:buChar char="o"/>
+            </a:pPr>
+            <a:endParaRPr lang="fr-FR" sz="1100" dirty="0">
+              <a:effectLst/>
+              <a:latin typeface="Calibri" panose="020F0502020204030204" pitchFamily="34" charset="0"/>
+              <a:ea typeface="Calibri" panose="020F0502020204030204" pitchFamily="34" charset="0"/>
+              <a:cs typeface="Times New Roman" panose="02020603050405020304" pitchFamily="18" charset="0"/>
+            </a:endParaRPr>
+          </a:p>
+          <a:p>
+            <a:pPr marL="457200" lvl="1" indent="0">
+              <a:lnSpc>
+                <a:spcPct val="107000"/>
+              </a:lnSpc>
+              <a:spcAft>
+                <a:spcPts val="800"/>
+              </a:spcAft>
+              <a:buFont typeface="Courier New" panose="02070309020205020404" pitchFamily="49" charset="0"/>
+              <a:buNone/>
+            </a:pPr>
+            <a:r>
+              <a:rPr lang="fr-FR" sz="1100" b="1" dirty="0">
+                <a:effectLst/>
+                <a:latin typeface="Calibri" panose="020F0502020204030204" pitchFamily="34" charset="0"/>
+                <a:ea typeface="Calibri" panose="020F0502020204030204" pitchFamily="34" charset="0"/>
+                <a:cs typeface="Times New Roman" panose="02020603050405020304" pitchFamily="18" charset="0"/>
+              </a:rPr>
+              <a:t>Comment j’ai tester mon programme ?</a:t>
+            </a:r>
+          </a:p>
+          <a:p>
             <a:endParaRPr lang="fr-FR" dirty="0"/>
           </a:p>
         </p:txBody>
@@ -3862,6 +3919,260 @@
           <a:bodyPr/>
           <a:lstStyle/>
           <a:p>
+            <a:pPr marL="0" marR="0" lvl="0" indent="0" algn="l" defTabSz="914400" rtl="0" eaLnBrk="1" fontAlgn="auto" latinLnBrk="0" hangingPunct="1">
+              <a:lnSpc>
+                <a:spcPct val="100000"/>
+              </a:lnSpc>
+              <a:spcBef>
+                <a:spcPts val="0"/>
+              </a:spcBef>
+              <a:spcAft>
+                <a:spcPts val="0"/>
+              </a:spcAft>
+              <a:buClrTx/>
+              <a:buSzTx/>
+              <a:buFontTx/>
+              <a:buNone/>
+              <a:tabLst/>
+              <a:defRPr/>
+            </a:pPr>
+            <a:r>
+              <a:rPr lang="fr-FR" sz="1800" dirty="0">
+                <a:effectLst/>
+                <a:latin typeface="Calibri" panose="020F0502020204030204" pitchFamily="34" charset="0"/>
+                <a:ea typeface="Calibri" panose="020F0502020204030204" pitchFamily="34" charset="0"/>
+                <a:cs typeface="Times New Roman" panose="02020603050405020304" pitchFamily="18" charset="0"/>
+              </a:rPr>
+              <a:t>TU : fonction qui teste le résultat d’une autre fonction.</a:t>
+            </a:r>
+          </a:p>
+          <a:p>
+            <a:r>
+              <a:rPr lang="fr-FR" dirty="0"/>
+              <a:t>J’ai utilisé </a:t>
+            </a:r>
+            <a:r>
+              <a:rPr lang="fr-FR" dirty="0" err="1"/>
+              <a:t>Jest</a:t>
+            </a:r>
+            <a:r>
+              <a:rPr lang="fr-FR" dirty="0"/>
+              <a:t> – JS - , qui permet d’écrire des TU et de les faire tourner facilement par un simple ligne de commande.</a:t>
+            </a:r>
+          </a:p>
+          <a:p>
+            <a:endParaRPr lang="fr-FR" dirty="0"/>
+          </a:p>
+          <a:p>
+            <a:r>
+              <a:rPr lang="fr-FR" dirty="0"/>
+              <a:t>Ex</a:t>
+            </a:r>
+          </a:p>
+          <a:p>
+            <a:pPr>
+              <a:lnSpc>
+                <a:spcPct val="107000"/>
+              </a:lnSpc>
+              <a:spcAft>
+                <a:spcPts val="800"/>
+              </a:spcAft>
+            </a:pPr>
+            <a:r>
+              <a:rPr lang="fr-FR" sz="1800" dirty="0">
+                <a:effectLst/>
+                <a:latin typeface="Calibri" panose="020F0502020204030204" pitchFamily="34" charset="0"/>
+                <a:ea typeface="Calibri" panose="020F0502020204030204" pitchFamily="34" charset="0"/>
+                <a:cs typeface="Times New Roman" panose="02020603050405020304" pitchFamily="18" charset="0"/>
+              </a:rPr>
+              <a:t>écran de gestion Utilisateurs =&gt; utilisateurs affichés dans un tableau.</a:t>
+            </a:r>
+          </a:p>
+          <a:p>
+            <a:pPr>
+              <a:lnSpc>
+                <a:spcPct val="107000"/>
+              </a:lnSpc>
+              <a:spcAft>
+                <a:spcPts val="800"/>
+              </a:spcAft>
+            </a:pPr>
+            <a:r>
+              <a:rPr lang="fr-FR" sz="1800" dirty="0">
+                <a:effectLst/>
+                <a:latin typeface="Calibri" panose="020F0502020204030204" pitchFamily="34" charset="0"/>
+                <a:ea typeface="Calibri" panose="020F0502020204030204" pitchFamily="34" charset="0"/>
+                <a:cs typeface="Times New Roman" panose="02020603050405020304" pitchFamily="18" charset="0"/>
+              </a:rPr>
+              <a:t>status actif/inactif indique si l’utilisateur fait encore partie du personnel.</a:t>
+            </a:r>
+          </a:p>
+          <a:p>
+            <a:pPr>
+              <a:lnSpc>
+                <a:spcPct val="107000"/>
+              </a:lnSpc>
+              <a:spcAft>
+                <a:spcPts val="800"/>
+              </a:spcAft>
+            </a:pPr>
+            <a:r>
+              <a:rPr lang="fr-FR" sz="1800" dirty="0">
+                <a:effectLst/>
+                <a:latin typeface="Calibri" panose="020F0502020204030204" pitchFamily="34" charset="0"/>
+                <a:ea typeface="Calibri" panose="020F0502020204030204" pitchFamily="34" charset="0"/>
+                <a:cs typeface="Times New Roman" panose="02020603050405020304" pitchFamily="18" charset="0"/>
+              </a:rPr>
+              <a:t>Dans la table Utilisateurs, on ne trouve pas actif/inactif, mais un champ date, qui est initialisé à </a:t>
+            </a:r>
+            <a:r>
+              <a:rPr lang="fr-FR" sz="1800" dirty="0" err="1">
+                <a:effectLst/>
+                <a:latin typeface="Calibri" panose="020F0502020204030204" pitchFamily="34" charset="0"/>
+                <a:ea typeface="Calibri" panose="020F0502020204030204" pitchFamily="34" charset="0"/>
+                <a:cs typeface="Times New Roman" panose="02020603050405020304" pitchFamily="18" charset="0"/>
+              </a:rPr>
+              <a:t>null</a:t>
+            </a:r>
+            <a:r>
+              <a:rPr lang="fr-FR" sz="1800" dirty="0">
+                <a:effectLst/>
+                <a:latin typeface="Calibri" panose="020F0502020204030204" pitchFamily="34" charset="0"/>
+                <a:ea typeface="Calibri" panose="020F0502020204030204" pitchFamily="34" charset="0"/>
+                <a:cs typeface="Times New Roman" panose="02020603050405020304" pitchFamily="18" charset="0"/>
+              </a:rPr>
+              <a:t> par défaut.</a:t>
+            </a:r>
+          </a:p>
+          <a:p>
+            <a:pPr>
+              <a:lnSpc>
+                <a:spcPct val="107000"/>
+              </a:lnSpc>
+              <a:spcAft>
+                <a:spcPts val="800"/>
+              </a:spcAft>
+            </a:pPr>
+            <a:r>
+              <a:rPr lang="fr-FR" sz="1800" dirty="0">
+                <a:effectLst/>
+                <a:latin typeface="Calibri" panose="020F0502020204030204" pitchFamily="34" charset="0"/>
+                <a:ea typeface="Calibri" panose="020F0502020204030204" pitchFamily="34" charset="0"/>
+                <a:cs typeface="Times New Roman" panose="02020603050405020304" pitchFamily="18" charset="0"/>
+              </a:rPr>
+              <a:t>On y trouve la date de départ le cas échéant.</a:t>
+            </a:r>
+          </a:p>
+          <a:p>
+            <a:pPr>
+              <a:lnSpc>
+                <a:spcPct val="107000"/>
+              </a:lnSpc>
+              <a:spcAft>
+                <a:spcPts val="800"/>
+              </a:spcAft>
+            </a:pPr>
+            <a:r>
+              <a:rPr lang="fr-FR" sz="1800" dirty="0">
+                <a:effectLst/>
+                <a:latin typeface="Calibri" panose="020F0502020204030204" pitchFamily="34" charset="0"/>
+                <a:ea typeface="Calibri" panose="020F0502020204030204" pitchFamily="34" charset="0"/>
+                <a:cs typeface="Times New Roman" panose="02020603050405020304" pitchFamily="18" charset="0"/>
+              </a:rPr>
+              <a:t>La fonction </a:t>
+            </a:r>
+            <a:r>
+              <a:rPr lang="fr-FR" sz="1800" dirty="0" err="1">
+                <a:effectLst/>
+                <a:latin typeface="Calibri" panose="020F0502020204030204" pitchFamily="34" charset="0"/>
+                <a:ea typeface="Calibri" panose="020F0502020204030204" pitchFamily="34" charset="0"/>
+                <a:cs typeface="Times New Roman" panose="02020603050405020304" pitchFamily="18" charset="0"/>
+              </a:rPr>
+              <a:t>findUserStatus</a:t>
+            </a:r>
+            <a:r>
+              <a:rPr lang="fr-FR" sz="1800" dirty="0">
+                <a:effectLst/>
+                <a:latin typeface="Calibri" panose="020F0502020204030204" pitchFamily="34" charset="0"/>
+                <a:ea typeface="Calibri" panose="020F0502020204030204" pitchFamily="34" charset="0"/>
+                <a:cs typeface="Times New Roman" panose="02020603050405020304" pitchFamily="18" charset="0"/>
+              </a:rPr>
+              <a:t> prend en paramètre une date et calcule un string actif ou inactif.</a:t>
+            </a:r>
+          </a:p>
+          <a:p>
+            <a:pPr algn="just">
+              <a:lnSpc>
+                <a:spcPct val="107000"/>
+              </a:lnSpc>
+              <a:spcAft>
+                <a:spcPts val="800"/>
+              </a:spcAft>
+            </a:pPr>
+            <a:r>
+              <a:rPr lang="fr-FR" sz="1800" dirty="0">
+                <a:effectLst/>
+                <a:latin typeface="Calibri" panose="020F0502020204030204" pitchFamily="34" charset="0"/>
+                <a:ea typeface="Calibri" panose="020F0502020204030204" pitchFamily="34" charset="0"/>
+                <a:cs typeface="Times New Roman" panose="02020603050405020304" pitchFamily="18" charset="0"/>
+              </a:rPr>
+              <a:t>Le test unitaire consiste à contrôler que le string de sortie est bien le bon, suivant que l’argument d’entrée est </a:t>
+            </a:r>
+            <a:r>
+              <a:rPr lang="fr-FR" sz="1800" dirty="0" err="1">
+                <a:effectLst/>
+                <a:latin typeface="Calibri" panose="020F0502020204030204" pitchFamily="34" charset="0"/>
+                <a:ea typeface="Calibri" panose="020F0502020204030204" pitchFamily="34" charset="0"/>
+                <a:cs typeface="Times New Roman" panose="02020603050405020304" pitchFamily="18" charset="0"/>
+              </a:rPr>
+              <a:t>Null</a:t>
+            </a:r>
+            <a:r>
+              <a:rPr lang="fr-FR" sz="1800" dirty="0">
+                <a:effectLst/>
+                <a:latin typeface="Calibri" panose="020F0502020204030204" pitchFamily="34" charset="0"/>
+                <a:ea typeface="Calibri" panose="020F0502020204030204" pitchFamily="34" charset="0"/>
+                <a:cs typeface="Times New Roman" panose="02020603050405020304" pitchFamily="18" charset="0"/>
+              </a:rPr>
+              <a:t> ou pas.</a:t>
+            </a:r>
+          </a:p>
+          <a:p>
+            <a:pPr algn="just">
+              <a:lnSpc>
+                <a:spcPct val="107000"/>
+              </a:lnSpc>
+              <a:spcAft>
+                <a:spcPts val="800"/>
+              </a:spcAft>
+            </a:pPr>
+            <a:endParaRPr lang="fr-FR" sz="1800" dirty="0">
+              <a:effectLst/>
+              <a:latin typeface="Calibri" panose="020F0502020204030204" pitchFamily="34" charset="0"/>
+              <a:ea typeface="Calibri" panose="020F0502020204030204" pitchFamily="34" charset="0"/>
+              <a:cs typeface="Times New Roman" panose="02020603050405020304" pitchFamily="18" charset="0"/>
+            </a:endParaRPr>
+          </a:p>
+          <a:p>
+            <a:pPr algn="just">
+              <a:lnSpc>
+                <a:spcPct val="107000"/>
+              </a:lnSpc>
+              <a:spcAft>
+                <a:spcPts val="800"/>
+              </a:spcAft>
+            </a:pPr>
+            <a:r>
+              <a:rPr lang="fr-FR" sz="1800" dirty="0">
+                <a:effectLst/>
+                <a:latin typeface="Calibri" panose="020F0502020204030204" pitchFamily="34" charset="0"/>
+                <a:ea typeface="Calibri" panose="020F0502020204030204" pitchFamily="34" charset="0"/>
+                <a:cs typeface="Times New Roman" panose="02020603050405020304" pitchFamily="18" charset="0"/>
+              </a:rPr>
+              <a:t>Je ne lance pas beaucoup de ligne de commande</a:t>
+            </a:r>
+          </a:p>
+          <a:p>
             <a:endParaRPr lang="fr-FR" dirty="0"/>
           </a:p>
         </p:txBody>
@@ -3946,33 +4257,82 @@
           <a:bodyPr/>
           <a:lstStyle/>
           <a:p>
-            <a:r>
-              <a:rPr lang="fr-FR" sz="1800" dirty="0">
-                <a:effectLst/>
-                <a:latin typeface="Calibri" panose="020F0502020204030204" pitchFamily="34" charset="0"/>
-                <a:ea typeface="Calibri" panose="020F0502020204030204" pitchFamily="34" charset="0"/>
-                <a:cs typeface="Times New Roman" panose="02020603050405020304" pitchFamily="18" charset="0"/>
-              </a:rPr>
-              <a:t>Les triggers/déclencheurs sont des scripts SQL rattachés à une base de données et programmés pour faire des actions lorsque survient un évènement précis (insert, update, </a:t>
-            </a:r>
-            <a:r>
-              <a:rPr lang="fr-FR" sz="1800" dirty="0" err="1">
-                <a:effectLst/>
-                <a:latin typeface="Calibri" panose="020F0502020204030204" pitchFamily="34" charset="0"/>
-                <a:ea typeface="Calibri" panose="020F0502020204030204" pitchFamily="34" charset="0"/>
-                <a:cs typeface="Times New Roman" panose="02020603050405020304" pitchFamily="18" charset="0"/>
-              </a:rPr>
-              <a:t>delete</a:t>
-            </a:r>
-            <a:r>
-              <a:rPr lang="fr-FR" sz="1800" dirty="0">
-                <a:effectLst/>
-                <a:latin typeface="Calibri" panose="020F0502020204030204" pitchFamily="34" charset="0"/>
-                <a:ea typeface="Calibri" panose="020F0502020204030204" pitchFamily="34" charset="0"/>
-                <a:cs typeface="Times New Roman" panose="02020603050405020304" pitchFamily="18" charset="0"/>
-              </a:rPr>
-              <a:t>)</a:t>
-            </a:r>
+            <a:pPr>
+              <a:lnSpc>
+                <a:spcPct val="107000"/>
+              </a:lnSpc>
+              <a:spcAft>
+                <a:spcPts val="800"/>
+              </a:spcAft>
+            </a:pPr>
+            <a:r>
+              <a:rPr lang="fr-FR" sz="1800" dirty="0">
+                <a:effectLst/>
+                <a:latin typeface="Calibri" panose="020F0502020204030204" pitchFamily="34" charset="0"/>
+                <a:ea typeface="Calibri" panose="020F0502020204030204" pitchFamily="34" charset="0"/>
+                <a:cs typeface="Times New Roman" panose="02020603050405020304" pitchFamily="18" charset="0"/>
+              </a:rPr>
+              <a:t>Ai créer 2 repo (back/front) dans l’outil de versioning GitHub,</a:t>
+            </a:r>
+          </a:p>
+          <a:p>
+            <a:pPr>
+              <a:lnSpc>
+                <a:spcPct val="107000"/>
+              </a:lnSpc>
+              <a:spcAft>
+                <a:spcPts val="800"/>
+              </a:spcAft>
+            </a:pPr>
+            <a:r>
+              <a:rPr lang="fr-FR" sz="1800" dirty="0">
+                <a:effectLst/>
+                <a:latin typeface="Calibri" panose="020F0502020204030204" pitchFamily="34" charset="0"/>
+                <a:ea typeface="Calibri" panose="020F0502020204030204" pitchFamily="34" charset="0"/>
+                <a:cs typeface="Times New Roman" panose="02020603050405020304" pitchFamily="18" charset="0"/>
+              </a:rPr>
+              <a:t>Ai automatisé le lancement de mes TU grâce à un pipeline GitHub qui se déclenche à chaque push.</a:t>
+            </a:r>
+          </a:p>
+          <a:p>
+            <a:pPr>
+              <a:lnSpc>
+                <a:spcPct val="107000"/>
+              </a:lnSpc>
+              <a:spcAft>
+                <a:spcPts val="800"/>
+              </a:spcAft>
+            </a:pPr>
+            <a:r>
+              <a:rPr lang="fr-FR" sz="1800" dirty="0">
+                <a:effectLst/>
+                <a:latin typeface="Calibri" panose="020F0502020204030204" pitchFamily="34" charset="0"/>
+                <a:ea typeface="Calibri" panose="020F0502020204030204" pitchFamily="34" charset="0"/>
+                <a:cs typeface="Times New Roman" panose="02020603050405020304" pitchFamily="18" charset="0"/>
+              </a:rPr>
+              <a:t>De visu</a:t>
+            </a:r>
+          </a:p>
+          <a:p>
+            <a:pPr>
+              <a:lnSpc>
+                <a:spcPct val="107000"/>
+              </a:lnSpc>
+              <a:spcAft>
+                <a:spcPts val="800"/>
+              </a:spcAft>
+            </a:pPr>
+            <a:r>
+              <a:rPr lang="fr-FR" sz="1800" dirty="0">
+                <a:effectLst/>
+                <a:latin typeface="Calibri" panose="020F0502020204030204" pitchFamily="34" charset="0"/>
+                <a:ea typeface="Calibri" panose="020F0502020204030204" pitchFamily="34" charset="0"/>
+                <a:cs typeface="Times New Roman" panose="02020603050405020304" pitchFamily="18" charset="0"/>
+              </a:rPr>
+              <a:t>Mail si échec</a:t>
+            </a:r>
+          </a:p>
+          <a:p>
             <a:endParaRPr lang="fr-FR" dirty="0"/>
           </a:p>
         </p:txBody>
@@ -3994,7 +4354,7 @@
           <a:p>
             <a:fld id="{4FC62F1D-8B73-4A3C-A06D-0A25FF461052}" type="slidenum">
               <a:rPr lang="fr-FR" smtClean="0"/>
-              <a:t>19</a:t>
+              <a:t>18</a:t>
             </a:fld>
             <a:endParaRPr lang="fr-FR"/>
           </a:p>
@@ -4003,7 +4363,7 @@
     </p:spTree>
     <p:extLst>
       <p:ext uri="{BB962C8B-B14F-4D97-AF65-F5344CB8AC3E}">
-        <p14:creationId xmlns:p14="http://schemas.microsoft.com/office/powerpoint/2010/main" val="1614069578"/>
+        <p14:creationId xmlns:p14="http://schemas.microsoft.com/office/powerpoint/2010/main" val="4019602758"/>
       </p:ext>
     </p:extLst>
   </p:cSld>
@@ -4057,6 +4417,196 @@
           <a:bodyPr/>
           <a:lstStyle/>
           <a:p>
+            <a:endParaRPr lang="fr-FR" sz="1800" dirty="0">
+              <a:effectLst/>
+              <a:latin typeface="Calibri" panose="020F0502020204030204" pitchFamily="34" charset="0"/>
+              <a:ea typeface="Calibri" panose="020F0502020204030204" pitchFamily="34" charset="0"/>
+              <a:cs typeface="Times New Roman" panose="02020603050405020304" pitchFamily="18" charset="0"/>
+            </a:endParaRPr>
+          </a:p>
+          <a:p>
+            <a:pPr marL="0" marR="0" lvl="0" indent="0" algn="l" defTabSz="914400" rtl="0" eaLnBrk="1" fontAlgn="auto" latinLnBrk="0" hangingPunct="1">
+              <a:lnSpc>
+                <a:spcPct val="100000"/>
+              </a:lnSpc>
+              <a:spcBef>
+                <a:spcPts val="0"/>
+              </a:spcBef>
+              <a:spcAft>
+                <a:spcPts val="0"/>
+              </a:spcAft>
+              <a:buClrTx/>
+              <a:buSzTx/>
+              <a:buFontTx/>
+              <a:buNone/>
+              <a:tabLst/>
+              <a:defRPr/>
+            </a:pPr>
+            <a:r>
+              <a:rPr lang="fr-FR" sz="1800" dirty="0">
+                <a:effectLst/>
+                <a:latin typeface="Calibri" panose="020F0502020204030204" pitchFamily="34" charset="0"/>
+                <a:ea typeface="Calibri" panose="020F0502020204030204" pitchFamily="34" charset="0"/>
+                <a:cs typeface="Times New Roman" panose="02020603050405020304" pitchFamily="18" charset="0"/>
+              </a:rPr>
+              <a:t>Ces tests contrôlent, l’enchaînement de différentes fonctions.</a:t>
+            </a:r>
+          </a:p>
+          <a:p>
+            <a:pPr>
+              <a:lnSpc>
+                <a:spcPct val="107000"/>
+              </a:lnSpc>
+              <a:spcAft>
+                <a:spcPts val="800"/>
+              </a:spcAft>
+            </a:pPr>
+            <a:r>
+              <a:rPr lang="fr-FR" sz="1800" dirty="0">
+                <a:effectLst/>
+                <a:latin typeface="Calibri" panose="020F0502020204030204" pitchFamily="34" charset="0"/>
+                <a:ea typeface="Calibri" panose="020F0502020204030204" pitchFamily="34" charset="0"/>
+                <a:cs typeface="Times New Roman" panose="02020603050405020304" pitchFamily="18" charset="0"/>
+              </a:rPr>
+              <a:t>Typiquement, un incident, une fois créé, est-il bien accessible au technicien concerné ?</a:t>
+            </a:r>
+          </a:p>
+          <a:p>
+            <a:pPr>
+              <a:lnSpc>
+                <a:spcPct val="107000"/>
+              </a:lnSpc>
+              <a:spcAft>
+                <a:spcPts val="800"/>
+              </a:spcAft>
+            </a:pPr>
+            <a:r>
+              <a:rPr lang="fr-FR" sz="1800" dirty="0">
+                <a:effectLst/>
+                <a:latin typeface="Calibri" panose="020F0502020204030204" pitchFamily="34" charset="0"/>
+                <a:ea typeface="Calibri" panose="020F0502020204030204" pitchFamily="34" charset="0"/>
+                <a:cs typeface="Times New Roman" panose="02020603050405020304" pitchFamily="18" charset="0"/>
+              </a:rPr>
+              <a:t>On va donc être amené à manipuler les données de la base.</a:t>
+            </a:r>
+          </a:p>
+          <a:p>
+            <a:endParaRPr lang="fr-FR" sz="1800" dirty="0">
+              <a:effectLst/>
+              <a:latin typeface="Calibri" panose="020F0502020204030204" pitchFamily="34" charset="0"/>
+              <a:ea typeface="Calibri" panose="020F0502020204030204" pitchFamily="34" charset="0"/>
+              <a:cs typeface="Times New Roman" panose="02020603050405020304" pitchFamily="18" charset="0"/>
+            </a:endParaRPr>
+          </a:p>
+          <a:p>
+            <a:pPr>
+              <a:lnSpc>
+                <a:spcPct val="107000"/>
+              </a:lnSpc>
+              <a:spcAft>
+                <a:spcPts val="800"/>
+              </a:spcAft>
+            </a:pPr>
+            <a:r>
+              <a:rPr lang="fr-FR" sz="1800" dirty="0">
+                <a:effectLst/>
+                <a:latin typeface="Calibri" panose="020F0502020204030204" pitchFamily="34" charset="0"/>
+                <a:ea typeface="Calibri" panose="020F0502020204030204" pitchFamily="34" charset="0"/>
+                <a:cs typeface="Times New Roman" panose="02020603050405020304" pitchFamily="18" charset="0"/>
+              </a:rPr>
+              <a:t>Test interface</a:t>
+            </a:r>
+          </a:p>
+          <a:p>
+            <a:pPr>
+              <a:lnSpc>
+                <a:spcPct val="107000"/>
+              </a:lnSpc>
+              <a:spcAft>
+                <a:spcPts val="800"/>
+              </a:spcAft>
+            </a:pPr>
+            <a:r>
+              <a:rPr lang="fr-FR" sz="1800" dirty="0">
+                <a:effectLst/>
+                <a:latin typeface="Calibri" panose="020F0502020204030204" pitchFamily="34" charset="0"/>
+                <a:ea typeface="Calibri" panose="020F0502020204030204" pitchFamily="34" charset="0"/>
+                <a:cs typeface="Times New Roman" panose="02020603050405020304" pitchFamily="18" charset="0"/>
+              </a:rPr>
+              <a:t>le testeur suit des instructions précises et contrôle à chaque fois que le résultat est celui attendu.</a:t>
+            </a:r>
+          </a:p>
+          <a:p>
+            <a:endParaRPr lang="fr-FR" sz="1800" dirty="0">
+              <a:effectLst/>
+              <a:latin typeface="Calibri" panose="020F0502020204030204" pitchFamily="34" charset="0"/>
+              <a:ea typeface="Calibri" panose="020F0502020204030204" pitchFamily="34" charset="0"/>
+              <a:cs typeface="Times New Roman" panose="02020603050405020304" pitchFamily="18" charset="0"/>
+            </a:endParaRPr>
+          </a:p>
+          <a:p>
+            <a:endParaRPr lang="fr-FR" sz="1800" dirty="0">
+              <a:effectLst/>
+              <a:latin typeface="Calibri" panose="020F0502020204030204" pitchFamily="34" charset="0"/>
+              <a:ea typeface="Calibri" panose="020F0502020204030204" pitchFamily="34" charset="0"/>
+              <a:cs typeface="Times New Roman" panose="02020603050405020304" pitchFamily="18" charset="0"/>
+            </a:endParaRPr>
+          </a:p>
+          <a:p>
+            <a:endParaRPr lang="fr-FR" sz="1800" dirty="0">
+              <a:effectLst/>
+              <a:latin typeface="Calibri" panose="020F0502020204030204" pitchFamily="34" charset="0"/>
+              <a:ea typeface="Calibri" panose="020F0502020204030204" pitchFamily="34" charset="0"/>
+              <a:cs typeface="Times New Roman" panose="02020603050405020304" pitchFamily="18" charset="0"/>
+            </a:endParaRPr>
+          </a:p>
+          <a:p>
+            <a:endParaRPr lang="fr-FR" sz="1800" dirty="0">
+              <a:effectLst/>
+              <a:latin typeface="Calibri" panose="020F0502020204030204" pitchFamily="34" charset="0"/>
+              <a:ea typeface="Calibri" panose="020F0502020204030204" pitchFamily="34" charset="0"/>
+              <a:cs typeface="Times New Roman" panose="02020603050405020304" pitchFamily="18" charset="0"/>
+            </a:endParaRPr>
+          </a:p>
+          <a:p>
+            <a:r>
+              <a:rPr lang="fr-FR" sz="1800" dirty="0">
+                <a:effectLst/>
+                <a:latin typeface="Calibri" panose="020F0502020204030204" pitchFamily="34" charset="0"/>
+                <a:ea typeface="Calibri" panose="020F0502020204030204" pitchFamily="34" charset="0"/>
+                <a:cs typeface="Times New Roman" panose="02020603050405020304" pitchFamily="18" charset="0"/>
+              </a:rPr>
+              <a:t>------------------------------------------------------------</a:t>
+            </a:r>
+          </a:p>
+          <a:p>
+            <a:r>
+              <a:rPr lang="fr-FR" sz="1800" dirty="0">
+                <a:effectLst/>
+                <a:latin typeface="Calibri" panose="020F0502020204030204" pitchFamily="34" charset="0"/>
+                <a:ea typeface="Calibri" panose="020F0502020204030204" pitchFamily="34" charset="0"/>
+                <a:cs typeface="Times New Roman" panose="02020603050405020304" pitchFamily="18" charset="0"/>
+              </a:rPr>
+              <a:t>Les triggers/déclencheurs sont des scripts SQL rattachés à une base de données et programmés pour faire des actions lorsque survient un évènement précis (insert, update, </a:t>
+            </a:r>
+            <a:r>
+              <a:rPr lang="fr-FR" sz="1800" dirty="0" err="1">
+                <a:effectLst/>
+                <a:latin typeface="Calibri" panose="020F0502020204030204" pitchFamily="34" charset="0"/>
+                <a:ea typeface="Calibri" panose="020F0502020204030204" pitchFamily="34" charset="0"/>
+                <a:cs typeface="Times New Roman" panose="02020603050405020304" pitchFamily="18" charset="0"/>
+              </a:rPr>
+              <a:t>delete</a:t>
+            </a:r>
+            <a:r>
+              <a:rPr lang="fr-FR" sz="1800" dirty="0">
+                <a:effectLst/>
+                <a:latin typeface="Calibri" panose="020F0502020204030204" pitchFamily="34" charset="0"/>
+                <a:ea typeface="Calibri" panose="020F0502020204030204" pitchFamily="34" charset="0"/>
+                <a:cs typeface="Times New Roman" panose="02020603050405020304" pitchFamily="18" charset="0"/>
+              </a:rPr>
+              <a:t>)</a:t>
+            </a:r>
             <a:endParaRPr lang="fr-FR" dirty="0"/>
           </a:p>
         </p:txBody>
@@ -4078,7 +4628,7 @@
           <a:p>
             <a:fld id="{4FC62F1D-8B73-4A3C-A06D-0A25FF461052}" type="slidenum">
               <a:rPr lang="fr-FR" smtClean="0"/>
-              <a:t>20</a:t>
+              <a:t>19</a:t>
             </a:fld>
             <a:endParaRPr lang="fr-FR"/>
           </a:p>
@@ -4087,7 +4637,7 @@
     </p:spTree>
     <p:extLst>
       <p:ext uri="{BB962C8B-B14F-4D97-AF65-F5344CB8AC3E}">
-        <p14:creationId xmlns:p14="http://schemas.microsoft.com/office/powerpoint/2010/main" val="3511490327"/>
+        <p14:creationId xmlns:p14="http://schemas.microsoft.com/office/powerpoint/2010/main" val="1614069578"/>
       </p:ext>
     </p:extLst>
   </p:cSld>
@@ -4156,7 +4706,7 @@
                 <a:ea typeface="Calibri" panose="020F0502020204030204" pitchFamily="34" charset="0"/>
                 <a:cs typeface="Times New Roman" panose="02020603050405020304" pitchFamily="18" charset="0"/>
               </a:rPr>
-              <a:t>Année éprouvante mais enrichissante.</a:t>
+              <a:t>travail fastidieux et l’interface front a des limites. </a:t>
             </a:r>
           </a:p>
           <a:p>
@@ -4169,25 +4719,31 @@
               </a:spcAft>
             </a:pPr>
             <a:r>
-              <a:rPr lang="fr-FR" sz="1800" b="1" dirty="0">
-                <a:solidFill>
-                  <a:srgbClr val="FF0000"/>
-                </a:solidFill>
-                <a:effectLst/>
-                <a:latin typeface="Calibri" panose="020F0502020204030204" pitchFamily="34" charset="0"/>
-                <a:ea typeface="Calibri" panose="020F0502020204030204" pitchFamily="34" charset="0"/>
-                <a:cs typeface="Times New Roman" panose="02020603050405020304" pitchFamily="18" charset="0"/>
-              </a:rPr>
-              <a:t>click</a:t>
-            </a:r>
-            <a:r>
-              <a:rPr lang="fr-FR" sz="1800" dirty="0">
-                <a:effectLst/>
-                <a:latin typeface="Calibri" panose="020F0502020204030204" pitchFamily="34" charset="0"/>
-                <a:ea typeface="Calibri" panose="020F0502020204030204" pitchFamily="34" charset="0"/>
-                <a:cs typeface="Times New Roman" panose="02020603050405020304" pitchFamily="18" charset="0"/>
-              </a:rPr>
-              <a:t> </a:t>
+              <a:rPr lang="fr-FR" sz="1800" dirty="0">
+                <a:effectLst/>
+                <a:latin typeface="Calibri" panose="020F0502020204030204" pitchFamily="34" charset="0"/>
+                <a:ea typeface="Calibri" panose="020F0502020204030204" pitchFamily="34" charset="0"/>
+                <a:cs typeface="Times New Roman" panose="02020603050405020304" pitchFamily="18" charset="0"/>
+              </a:rPr>
+              <a:t>Appli </a:t>
+            </a:r>
+            <a:r>
+              <a:rPr lang="fr-FR" sz="1800" dirty="0" err="1">
+                <a:effectLst/>
+                <a:latin typeface="Calibri" panose="020F0502020204030204" pitchFamily="34" charset="0"/>
+                <a:ea typeface="Calibri" panose="020F0502020204030204" pitchFamily="34" charset="0"/>
+                <a:cs typeface="Times New Roman" panose="02020603050405020304" pitchFamily="18" charset="0"/>
+              </a:rPr>
+              <a:t>PostMan</a:t>
+            </a:r>
+            <a:r>
+              <a:rPr lang="fr-FR" sz="1800" dirty="0">
+                <a:effectLst/>
+                <a:latin typeface="Calibri" panose="020F0502020204030204" pitchFamily="34" charset="0"/>
+                <a:ea typeface="Calibri" panose="020F0502020204030204" pitchFamily="34" charset="0"/>
+                <a:cs typeface="Times New Roman" panose="02020603050405020304" pitchFamily="18" charset="0"/>
+              </a:rPr>
+              <a:t> qui permet de tester directement les api sans passer par une interface graphique.</a:t>
             </a:r>
           </a:p>
           <a:p>
@@ -4206,7 +4762,7 @@
                 <a:ea typeface="Calibri" panose="020F0502020204030204" pitchFamily="34" charset="0"/>
                 <a:cs typeface="Times New Roman" panose="02020603050405020304" pitchFamily="18" charset="0"/>
               </a:rPr>
-              <a:t>De par ma formation =&gt; notions d’informatique :</a:t>
+              <a:t>Il permet aussi d’établir de véritables scénarios d‘enchaînent des services. </a:t>
             </a:r>
           </a:p>
           <a:p>
@@ -4218,15 +4774,12 @@
                 <a:spcPts val="800"/>
               </a:spcAft>
             </a:pPr>
-            <a:r>
-              <a:rPr lang="fr-FR" sz="1800" dirty="0">
-                <a:effectLst/>
-                <a:latin typeface="Calibri" panose="020F0502020204030204" pitchFamily="34" charset="0"/>
-                <a:ea typeface="Calibri" panose="020F0502020204030204" pitchFamily="34" charset="0"/>
-                <a:cs typeface="Times New Roman" panose="02020603050405020304" pitchFamily="18" charset="0"/>
-              </a:rPr>
-              <a:t>Interroger les futurs utilisateurs pour recueillir leurs besoins</a:t>
-            </a:r>
+            <a:endParaRPr lang="fr-FR" sz="1800" dirty="0">
+              <a:effectLst/>
+              <a:latin typeface="Calibri" panose="020F0502020204030204" pitchFamily="34" charset="0"/>
+              <a:ea typeface="Calibri" panose="020F0502020204030204" pitchFamily="34" charset="0"/>
+              <a:cs typeface="Times New Roman" panose="02020603050405020304" pitchFamily="18" charset="0"/>
+            </a:endParaRPr>
           </a:p>
           <a:p>
             <a:pPr>
@@ -4244,7 +4797,43 @@
                 <a:ea typeface="Calibri" panose="020F0502020204030204" pitchFamily="34" charset="0"/>
                 <a:cs typeface="Times New Roman" panose="02020603050405020304" pitchFamily="18" charset="0"/>
               </a:rPr>
-              <a:t>Etablir un dictionnaire de données et en faire une base.</a:t>
+              <a:t>1 test =&gt; Saisi url, valeur </a:t>
+            </a:r>
+            <a:r>
+              <a:rPr lang="fr-FR" sz="1800" dirty="0" err="1">
+                <a:effectLst/>
+                <a:latin typeface="Calibri" panose="020F0502020204030204" pitchFamily="34" charset="0"/>
+                <a:ea typeface="Calibri" panose="020F0502020204030204" pitchFamily="34" charset="0"/>
+                <a:cs typeface="Times New Roman" panose="02020603050405020304" pitchFamily="18" charset="0"/>
+              </a:rPr>
+              <a:t>form</a:t>
+            </a:r>
+            <a:r>
+              <a:rPr lang="fr-FR" sz="1800" dirty="0">
+                <a:effectLst/>
+                <a:latin typeface="Calibri" panose="020F0502020204030204" pitchFamily="34" charset="0"/>
+                <a:ea typeface="Calibri" panose="020F0502020204030204" pitchFamily="34" charset="0"/>
+                <a:cs typeface="Times New Roman" panose="02020603050405020304" pitchFamily="18" charset="0"/>
+              </a:rPr>
+              <a:t> si post, params si </a:t>
+            </a:r>
+            <a:r>
+              <a:rPr lang="fr-FR" sz="1800" dirty="0" err="1">
+                <a:effectLst/>
+                <a:latin typeface="Calibri" panose="020F0502020204030204" pitchFamily="34" charset="0"/>
+                <a:ea typeface="Calibri" panose="020F0502020204030204" pitchFamily="34" charset="0"/>
+                <a:cs typeface="Times New Roman" panose="02020603050405020304" pitchFamily="18" charset="0"/>
+              </a:rPr>
+              <a:t>get</a:t>
+            </a:r>
+            <a:r>
+              <a:rPr lang="fr-FR" sz="1800" dirty="0">
+                <a:effectLst/>
+                <a:latin typeface="Calibri" panose="020F0502020204030204" pitchFamily="34" charset="0"/>
+                <a:ea typeface="Calibri" panose="020F0502020204030204" pitchFamily="34" charset="0"/>
+                <a:cs typeface="Times New Roman" panose="02020603050405020304" pitchFamily="18" charset="0"/>
+              </a:rPr>
+              <a:t> =&gt; résultat immédiat</a:t>
             </a:r>
           </a:p>
           <a:p>
@@ -4256,15 +4845,12 @@
                 <a:spcPts val="800"/>
               </a:spcAft>
             </a:pPr>
-            <a:r>
-              <a:rPr lang="fr-FR" sz="1800" dirty="0">
-                <a:effectLst/>
-                <a:latin typeface="Calibri" panose="020F0502020204030204" pitchFamily="34" charset="0"/>
-                <a:ea typeface="Calibri" panose="020F0502020204030204" pitchFamily="34" charset="0"/>
-                <a:cs typeface="Times New Roman" panose="02020603050405020304" pitchFamily="18" charset="0"/>
-              </a:rPr>
-              <a:t>Déterminer l’ordre des priorisations. Plutôt avec un responsable.</a:t>
-            </a:r>
+            <a:endParaRPr lang="fr-FR" sz="1800" dirty="0">
+              <a:effectLst/>
+              <a:latin typeface="Calibri" panose="020F0502020204030204" pitchFamily="34" charset="0"/>
+              <a:ea typeface="Calibri" panose="020F0502020204030204" pitchFamily="34" charset="0"/>
+              <a:cs typeface="Times New Roman" panose="02020603050405020304" pitchFamily="18" charset="0"/>
+            </a:endParaRPr>
           </a:p>
           <a:p>
             <a:pPr>
@@ -4282,520 +4868,8 @@
                 <a:ea typeface="Calibri" panose="020F0502020204030204" pitchFamily="34" charset="0"/>
                 <a:cs typeface="Times New Roman" panose="02020603050405020304" pitchFamily="18" charset="0"/>
               </a:rPr>
-              <a:t>Ici c’est moi qui ai assuré à peu près tous les rôles : je l’ai porté, conçu, codé, testé, validé.</a:t>
-            </a:r>
-          </a:p>
-          <a:p>
-            <a:pPr>
-              <a:lnSpc>
-                <a:spcPct val="107000"/>
-              </a:lnSpc>
-              <a:spcAft>
-                <a:spcPts val="800"/>
-              </a:spcAft>
-            </a:pPr>
-            <a:r>
-              <a:rPr lang="fr-FR" sz="1800" b="1" dirty="0">
-                <a:solidFill>
-                  <a:srgbClr val="FF0000"/>
-                </a:solidFill>
-                <a:effectLst/>
-                <a:latin typeface="Calibri" panose="020F0502020204030204" pitchFamily="34" charset="0"/>
-                <a:ea typeface="Calibri" panose="020F0502020204030204" pitchFamily="34" charset="0"/>
-                <a:cs typeface="Times New Roman" panose="02020603050405020304" pitchFamily="18" charset="0"/>
-              </a:rPr>
-              <a:t>click</a:t>
-            </a:r>
-            <a:r>
-              <a:rPr lang="fr-FR" sz="1800" dirty="0">
-                <a:effectLst/>
-                <a:latin typeface="Calibri" panose="020F0502020204030204" pitchFamily="34" charset="0"/>
-                <a:ea typeface="Calibri" panose="020F0502020204030204" pitchFamily="34" charset="0"/>
-                <a:cs typeface="Times New Roman" panose="02020603050405020304" pitchFamily="18" charset="0"/>
-              </a:rPr>
-              <a:t> </a:t>
-            </a:r>
-          </a:p>
-          <a:p>
-            <a:pPr>
-              <a:lnSpc>
-                <a:spcPct val="107000"/>
-              </a:lnSpc>
-              <a:spcAft>
-                <a:spcPts val="800"/>
-              </a:spcAft>
-            </a:pPr>
-            <a:r>
-              <a:rPr lang="fr-FR" sz="1800" dirty="0">
-                <a:effectLst/>
-                <a:latin typeface="Calibri" panose="020F0502020204030204" pitchFamily="34" charset="0"/>
-                <a:ea typeface="Calibri" panose="020F0502020204030204" pitchFamily="34" charset="0"/>
-                <a:cs typeface="Times New Roman" panose="02020603050405020304" pitchFamily="18" charset="0"/>
-              </a:rPr>
-              <a:t>Au cours de l’année écoulée, j’ai appris énormément de choses que j’ai pu mettre en pratique pour ce projet :</a:t>
-            </a:r>
-          </a:p>
-          <a:p>
-            <a:pPr>
-              <a:lnSpc>
-                <a:spcPct val="107000"/>
-              </a:lnSpc>
-              <a:spcAft>
-                <a:spcPts val="800"/>
-              </a:spcAft>
-            </a:pPr>
-            <a:r>
-              <a:rPr lang="fr-FR" sz="1800" dirty="0">
-                <a:effectLst/>
-                <a:latin typeface="Calibri" panose="020F0502020204030204" pitchFamily="34" charset="0"/>
-                <a:ea typeface="Calibri" panose="020F0502020204030204" pitchFamily="34" charset="0"/>
-                <a:cs typeface="Times New Roman" panose="02020603050405020304" pitchFamily="18" charset="0"/>
-              </a:rPr>
-              <a:t>Web =&gt; quelques notions HTLM =&gt; Application client/serveur</a:t>
-            </a:r>
-          </a:p>
-          <a:p>
-            <a:pPr>
-              <a:lnSpc>
-                <a:spcPct val="107000"/>
-              </a:lnSpc>
-              <a:spcAft>
-                <a:spcPts val="800"/>
-              </a:spcAft>
-            </a:pPr>
-            <a:r>
-              <a:rPr lang="fr-FR" sz="1800" dirty="0">
-                <a:effectLst/>
-                <a:latin typeface="Calibri" panose="020F0502020204030204" pitchFamily="34" charset="0"/>
-                <a:ea typeface="Calibri" panose="020F0502020204030204" pitchFamily="34" charset="0"/>
-                <a:cs typeface="Times New Roman" panose="02020603050405020304" pitchFamily="18" charset="0"/>
-              </a:rPr>
-              <a:t>La POO : indispensable à n’importe quel développeur.</a:t>
-            </a:r>
-          </a:p>
-          <a:p>
-            <a:pPr>
-              <a:lnSpc>
-                <a:spcPct val="107000"/>
-              </a:lnSpc>
-              <a:spcAft>
-                <a:spcPts val="800"/>
-              </a:spcAft>
-            </a:pPr>
-            <a:r>
-              <a:rPr lang="fr-FR" sz="1800" dirty="0">
-                <a:effectLst/>
-                <a:latin typeface="Calibri" panose="020F0502020204030204" pitchFamily="34" charset="0"/>
-                <a:ea typeface="Calibri" panose="020F0502020204030204" pitchFamily="34" charset="0"/>
-                <a:cs typeface="Times New Roman" panose="02020603050405020304" pitchFamily="18" charset="0"/>
-              </a:rPr>
-              <a:t>Langages</a:t>
-            </a:r>
-          </a:p>
-          <a:p>
-            <a:pPr>
-              <a:lnSpc>
-                <a:spcPct val="107000"/>
-              </a:lnSpc>
-              <a:spcAft>
-                <a:spcPts val="800"/>
-              </a:spcAft>
-            </a:pPr>
-            <a:r>
-              <a:rPr lang="fr-FR" sz="1800" dirty="0" err="1">
-                <a:effectLst/>
-                <a:latin typeface="Calibri" panose="020F0502020204030204" pitchFamily="34" charset="0"/>
-                <a:ea typeface="Calibri" panose="020F0502020204030204" pitchFamily="34" charset="0"/>
-                <a:cs typeface="Times New Roman" panose="02020603050405020304" pitchFamily="18" charset="0"/>
-              </a:rPr>
-              <a:t>Devops</a:t>
-            </a:r>
-            <a:r>
-              <a:rPr lang="fr-FR" sz="1800" dirty="0">
-                <a:effectLst/>
-                <a:latin typeface="Calibri" panose="020F0502020204030204" pitchFamily="34" charset="0"/>
-                <a:ea typeface="Calibri" panose="020F0502020204030204" pitchFamily="34" charset="0"/>
-                <a:cs typeface="Times New Roman" panose="02020603050405020304" pitchFamily="18" charset="0"/>
-              </a:rPr>
-              <a:t> – qui m’a permis d’utiliser un pipe line </a:t>
-            </a:r>
-            <a:r>
-              <a:rPr lang="fr-FR" sz="1800" dirty="0" err="1">
-                <a:effectLst/>
-                <a:latin typeface="Calibri" panose="020F0502020204030204" pitchFamily="34" charset="0"/>
-                <a:ea typeface="Calibri" panose="020F0502020204030204" pitchFamily="34" charset="0"/>
-                <a:cs typeface="Times New Roman" panose="02020603050405020304" pitchFamily="18" charset="0"/>
-              </a:rPr>
-              <a:t>Github</a:t>
-            </a:r>
-            <a:r>
-              <a:rPr lang="fr-FR" sz="1800" dirty="0">
-                <a:effectLst/>
-                <a:latin typeface="Calibri" panose="020F0502020204030204" pitchFamily="34" charset="0"/>
-                <a:ea typeface="Calibri" panose="020F0502020204030204" pitchFamily="34" charset="0"/>
-                <a:cs typeface="Times New Roman" panose="02020603050405020304" pitchFamily="18" charset="0"/>
-              </a:rPr>
-              <a:t> pour automatiser les tests unitaires.</a:t>
-            </a:r>
-          </a:p>
-          <a:p>
-            <a:pPr>
-              <a:lnSpc>
-                <a:spcPct val="107000"/>
-              </a:lnSpc>
-              <a:spcAft>
-                <a:spcPts val="800"/>
-              </a:spcAft>
-            </a:pPr>
-            <a:r>
-              <a:rPr lang="fr-FR" sz="1800" dirty="0">
-                <a:effectLst/>
-                <a:latin typeface="Calibri" panose="020F0502020204030204" pitchFamily="34" charset="0"/>
-                <a:ea typeface="Calibri" panose="020F0502020204030204" pitchFamily="34" charset="0"/>
-                <a:cs typeface="Times New Roman" panose="02020603050405020304" pitchFamily="18" charset="0"/>
-              </a:rPr>
-              <a:t>J’espère bien m’en servir pour déployer l’appli sur un serveur distant</a:t>
-            </a:r>
-          </a:p>
-          <a:p>
-            <a:pPr>
-              <a:lnSpc>
-                <a:spcPct val="107000"/>
-              </a:lnSpc>
-              <a:spcAft>
-                <a:spcPts val="800"/>
-              </a:spcAft>
-            </a:pPr>
-            <a:r>
-              <a:rPr lang="fr-FR" sz="1800" b="1" dirty="0">
-                <a:solidFill>
-                  <a:srgbClr val="FF0000"/>
-                </a:solidFill>
-                <a:effectLst/>
-                <a:latin typeface="Calibri" panose="020F0502020204030204" pitchFamily="34" charset="0"/>
-                <a:ea typeface="Calibri" panose="020F0502020204030204" pitchFamily="34" charset="0"/>
-                <a:cs typeface="Times New Roman" panose="02020603050405020304" pitchFamily="18" charset="0"/>
-              </a:rPr>
-              <a:t>click</a:t>
-            </a:r>
-            <a:r>
-              <a:rPr lang="fr-FR" sz="1800" dirty="0">
-                <a:effectLst/>
-                <a:latin typeface="Calibri" panose="020F0502020204030204" pitchFamily="34" charset="0"/>
-                <a:ea typeface="Calibri" panose="020F0502020204030204" pitchFamily="34" charset="0"/>
-                <a:cs typeface="Times New Roman" panose="02020603050405020304" pitchFamily="18" charset="0"/>
-              </a:rPr>
-              <a:t> </a:t>
-            </a:r>
-          </a:p>
-          <a:p>
-            <a:pPr>
-              <a:lnSpc>
-                <a:spcPct val="107000"/>
-              </a:lnSpc>
-              <a:spcAft>
-                <a:spcPts val="800"/>
-              </a:spcAft>
-            </a:pPr>
-            <a:r>
-              <a:rPr lang="fr-FR" sz="1800" dirty="0">
-                <a:effectLst/>
-                <a:latin typeface="Calibri" panose="020F0502020204030204" pitchFamily="34" charset="0"/>
-                <a:ea typeface="Calibri" panose="020F0502020204030204" pitchFamily="34" charset="0"/>
-                <a:cs typeface="Times New Roman" panose="02020603050405020304" pitchFamily="18" charset="0"/>
-              </a:rPr>
-              <a:t>J’ai bien sûr dû compléter par des recherches personnelles.</a:t>
-            </a:r>
-          </a:p>
-          <a:p>
-            <a:pPr>
-              <a:lnSpc>
-                <a:spcPct val="107000"/>
-              </a:lnSpc>
-              <a:spcAft>
-                <a:spcPts val="800"/>
-              </a:spcAft>
-            </a:pPr>
-            <a:r>
-              <a:rPr lang="fr-FR" sz="1800" dirty="0">
-                <a:effectLst/>
-                <a:latin typeface="Calibri" panose="020F0502020204030204" pitchFamily="34" charset="0"/>
-                <a:ea typeface="Calibri" panose="020F0502020204030204" pitchFamily="34" charset="0"/>
-                <a:cs typeface="Times New Roman" panose="02020603050405020304" pitchFamily="18" charset="0"/>
-              </a:rPr>
-              <a:t>Principalement pour comprendre le principe de l’ORM. Vaste sujet.</a:t>
-            </a:r>
-          </a:p>
-          <a:p>
-            <a:pPr>
-              <a:lnSpc>
-                <a:spcPct val="107000"/>
-              </a:lnSpc>
-              <a:spcAft>
-                <a:spcPts val="800"/>
-              </a:spcAft>
-            </a:pPr>
-            <a:r>
-              <a:rPr lang="fr-FR" sz="1800" dirty="0">
-                <a:effectLst/>
-                <a:latin typeface="Calibri" panose="020F0502020204030204" pitchFamily="34" charset="0"/>
-                <a:ea typeface="Calibri" panose="020F0502020204030204" pitchFamily="34" charset="0"/>
-                <a:cs typeface="Times New Roman" panose="02020603050405020304" pitchFamily="18" charset="0"/>
-              </a:rPr>
-              <a:t>Beaucoup de temps aussi notamment pour les tests.</a:t>
-            </a:r>
-          </a:p>
-          <a:p>
-            <a:pPr>
-              <a:lnSpc>
-                <a:spcPct val="107000"/>
-              </a:lnSpc>
-              <a:spcAft>
-                <a:spcPts val="800"/>
-              </a:spcAft>
-            </a:pPr>
-            <a:r>
-              <a:rPr lang="fr-FR" sz="1800" dirty="0">
-                <a:effectLst/>
-                <a:latin typeface="Calibri" panose="020F0502020204030204" pitchFamily="34" charset="0"/>
-                <a:ea typeface="Calibri" panose="020F0502020204030204" pitchFamily="34" charset="0"/>
-                <a:cs typeface="Times New Roman" panose="02020603050405020304" pitchFamily="18" charset="0"/>
-              </a:rPr>
-              <a:t>Mais là c’était beaucoup plus un problème de codage que compréhension du concept.</a:t>
-            </a:r>
-          </a:p>
-          <a:p>
-            <a:pPr>
-              <a:lnSpc>
-                <a:spcPct val="107000"/>
-              </a:lnSpc>
-              <a:spcAft>
-                <a:spcPts val="800"/>
-              </a:spcAft>
-            </a:pPr>
-            <a:r>
-              <a:rPr lang="fr-FR" sz="1800" dirty="0">
-                <a:effectLst/>
-                <a:latin typeface="Calibri" panose="020F0502020204030204" pitchFamily="34" charset="0"/>
-                <a:ea typeface="Calibri" panose="020F0502020204030204" pitchFamily="34" charset="0"/>
-                <a:cs typeface="Times New Roman" panose="02020603050405020304" pitchFamily="18" charset="0"/>
-              </a:rPr>
-              <a:t>Et quelques fonctionnalités secondaires.</a:t>
-            </a:r>
-          </a:p>
-          <a:p>
-            <a:pPr>
-              <a:lnSpc>
-                <a:spcPct val="107000"/>
-              </a:lnSpc>
-              <a:spcAft>
-                <a:spcPts val="800"/>
-              </a:spcAft>
-            </a:pPr>
-            <a:r>
-              <a:rPr lang="fr-FR" sz="1800" b="1" dirty="0">
-                <a:solidFill>
-                  <a:srgbClr val="FF0000"/>
-                </a:solidFill>
-                <a:effectLst/>
-                <a:latin typeface="Calibri" panose="020F0502020204030204" pitchFamily="34" charset="0"/>
-                <a:ea typeface="Calibri" panose="020F0502020204030204" pitchFamily="34" charset="0"/>
-                <a:cs typeface="Times New Roman" panose="02020603050405020304" pitchFamily="18" charset="0"/>
-              </a:rPr>
-              <a:t>click</a:t>
-            </a:r>
-            <a:r>
-              <a:rPr lang="fr-FR" sz="1800" dirty="0">
-                <a:effectLst/>
-                <a:latin typeface="Calibri" panose="020F0502020204030204" pitchFamily="34" charset="0"/>
-                <a:ea typeface="Calibri" panose="020F0502020204030204" pitchFamily="34" charset="0"/>
-                <a:cs typeface="Times New Roman" panose="02020603050405020304" pitchFamily="18" charset="0"/>
-              </a:rPr>
-              <a:t> </a:t>
-            </a:r>
-          </a:p>
-          <a:p>
-            <a:pPr>
-              <a:lnSpc>
-                <a:spcPct val="107000"/>
-              </a:lnSpc>
-              <a:spcAft>
-                <a:spcPts val="800"/>
-              </a:spcAft>
-            </a:pPr>
-            <a:r>
-              <a:rPr lang="fr-FR" sz="1800" dirty="0">
-                <a:effectLst/>
-                <a:latin typeface="Calibri" panose="020F0502020204030204" pitchFamily="34" charset="0"/>
-                <a:ea typeface="Calibri" panose="020F0502020204030204" pitchFamily="34" charset="0"/>
-                <a:cs typeface="Times New Roman" panose="02020603050405020304" pitchFamily="18" charset="0"/>
-              </a:rPr>
-              <a:t>Aujourd’hui SOS </a:t>
-            </a:r>
-            <a:r>
-              <a:rPr lang="fr-FR" sz="1800" dirty="0" err="1">
-                <a:effectLst/>
-                <a:latin typeface="Calibri" panose="020F0502020204030204" pitchFamily="34" charset="0"/>
-                <a:ea typeface="Calibri" panose="020F0502020204030204" pitchFamily="34" charset="0"/>
-                <a:cs typeface="Times New Roman" panose="02020603050405020304" pitchFamily="18" charset="0"/>
-              </a:rPr>
-              <a:t>Immo</a:t>
-            </a:r>
-            <a:r>
-              <a:rPr lang="fr-FR" sz="1800" dirty="0">
-                <a:effectLst/>
-                <a:latin typeface="Calibri" panose="020F0502020204030204" pitchFamily="34" charset="0"/>
-                <a:ea typeface="Calibri" panose="020F0502020204030204" pitchFamily="34" charset="0"/>
-                <a:cs typeface="Times New Roman" panose="02020603050405020304" pitchFamily="18" charset="0"/>
-              </a:rPr>
-              <a:t> est opérationnel.</a:t>
-            </a:r>
-          </a:p>
-          <a:p>
-            <a:pPr>
-              <a:lnSpc>
-                <a:spcPct val="107000"/>
-              </a:lnSpc>
-              <a:spcAft>
-                <a:spcPts val="800"/>
-              </a:spcAft>
-            </a:pPr>
-            <a:r>
-              <a:rPr lang="fr-FR" sz="1800" dirty="0">
-                <a:effectLst/>
-                <a:latin typeface="Calibri" panose="020F0502020204030204" pitchFamily="34" charset="0"/>
-                <a:ea typeface="Calibri" panose="020F0502020204030204" pitchFamily="34" charset="0"/>
-                <a:cs typeface="Times New Roman" panose="02020603050405020304" pitchFamily="18" charset="0"/>
-              </a:rPr>
-              <a:t>La mission principale de (suivi des incidents) est remplie.</a:t>
-            </a:r>
-          </a:p>
-          <a:p>
-            <a:pPr>
-              <a:lnSpc>
-                <a:spcPct val="107000"/>
-              </a:lnSpc>
-              <a:spcAft>
-                <a:spcPts val="800"/>
-              </a:spcAft>
-            </a:pPr>
-            <a:r>
-              <a:rPr lang="fr-FR" sz="1800" dirty="0">
-                <a:effectLst/>
-                <a:latin typeface="Calibri" panose="020F0502020204030204" pitchFamily="34" charset="0"/>
-                <a:ea typeface="Calibri" panose="020F0502020204030204" pitchFamily="34" charset="0"/>
-                <a:cs typeface="Times New Roman" panose="02020603050405020304" pitchFamily="18" charset="0"/>
-              </a:rPr>
-              <a:t>Et la partie authentification est terminée.</a:t>
-            </a:r>
-          </a:p>
-          <a:p>
-            <a:pPr>
-              <a:lnSpc>
-                <a:spcPct val="107000"/>
-              </a:lnSpc>
-              <a:spcAft>
-                <a:spcPts val="800"/>
-              </a:spcAft>
-            </a:pPr>
-            <a:r>
-              <a:rPr lang="fr-FR" sz="1800" b="1" dirty="0">
-                <a:solidFill>
-                  <a:srgbClr val="FF0000"/>
-                </a:solidFill>
-                <a:effectLst/>
-                <a:latin typeface="Calibri" panose="020F0502020204030204" pitchFamily="34" charset="0"/>
-                <a:ea typeface="Calibri" panose="020F0502020204030204" pitchFamily="34" charset="0"/>
-                <a:cs typeface="Times New Roman" panose="02020603050405020304" pitchFamily="18" charset="0"/>
-              </a:rPr>
-              <a:t>click</a:t>
-            </a:r>
-            <a:r>
-              <a:rPr lang="fr-FR" sz="1800" dirty="0">
-                <a:effectLst/>
-                <a:latin typeface="Calibri" panose="020F0502020204030204" pitchFamily="34" charset="0"/>
-                <a:ea typeface="Calibri" panose="020F0502020204030204" pitchFamily="34" charset="0"/>
-                <a:cs typeface="Times New Roman" panose="02020603050405020304" pitchFamily="18" charset="0"/>
-              </a:rPr>
-              <a:t> </a:t>
-            </a:r>
-          </a:p>
-          <a:p>
-            <a:pPr>
-              <a:lnSpc>
-                <a:spcPct val="107000"/>
-              </a:lnSpc>
-              <a:spcAft>
-                <a:spcPts val="800"/>
-              </a:spcAft>
-            </a:pPr>
-            <a:r>
-              <a:rPr lang="fr-FR" sz="1800" dirty="0">
-                <a:effectLst/>
-                <a:latin typeface="Calibri" panose="020F0502020204030204" pitchFamily="34" charset="0"/>
-                <a:ea typeface="Calibri" panose="020F0502020204030204" pitchFamily="34" charset="0"/>
-                <a:cs typeface="Times New Roman" panose="02020603050405020304" pitchFamily="18" charset="0"/>
-              </a:rPr>
-              <a:t>Il me reste à finaliser l’administration de certaines données.</a:t>
-            </a:r>
-          </a:p>
-          <a:p>
-            <a:pPr>
-              <a:lnSpc>
-                <a:spcPct val="107000"/>
-              </a:lnSpc>
-              <a:spcAft>
-                <a:spcPts val="800"/>
-              </a:spcAft>
-            </a:pPr>
-            <a:r>
-              <a:rPr lang="fr-FR" sz="1800" dirty="0">
-                <a:effectLst/>
-                <a:latin typeface="Calibri" panose="020F0502020204030204" pitchFamily="34" charset="0"/>
-                <a:ea typeface="Calibri" panose="020F0502020204030204" pitchFamily="34" charset="0"/>
-                <a:cs typeface="Times New Roman" panose="02020603050405020304" pitchFamily="18" charset="0"/>
-              </a:rPr>
-              <a:t>Je souhaite également déployer l’appli sur une machine distante.</a:t>
-            </a:r>
-          </a:p>
-          <a:p>
-            <a:pPr>
-              <a:lnSpc>
-                <a:spcPct val="107000"/>
-              </a:lnSpc>
-              <a:spcAft>
-                <a:spcPts val="800"/>
-              </a:spcAft>
-            </a:pPr>
-            <a:r>
-              <a:rPr lang="fr-FR" sz="1800" dirty="0">
-                <a:effectLst/>
-                <a:latin typeface="Calibri" panose="020F0502020204030204" pitchFamily="34" charset="0"/>
-                <a:ea typeface="Calibri" panose="020F0502020204030204" pitchFamily="34" charset="0"/>
-                <a:cs typeface="Times New Roman" panose="02020603050405020304" pitchFamily="18" charset="0"/>
-              </a:rPr>
-              <a:t>On peut aussi envisager d’autres évolutions comme l’archivage des incidents clôturés, utilisateurs inactivés, la production de </a:t>
-            </a:r>
-            <a:r>
-              <a:rPr lang="fr-FR" sz="1800" dirty="0" err="1">
-                <a:effectLst/>
-                <a:latin typeface="Calibri" panose="020F0502020204030204" pitchFamily="34" charset="0"/>
-                <a:ea typeface="Calibri" panose="020F0502020204030204" pitchFamily="34" charset="0"/>
-                <a:cs typeface="Times New Roman" panose="02020603050405020304" pitchFamily="18" charset="0"/>
-              </a:rPr>
-              <a:t>kpi</a:t>
-            </a:r>
-            <a:r>
-              <a:rPr lang="fr-FR" sz="1800" dirty="0">
-                <a:effectLst/>
-                <a:latin typeface="Calibri" panose="020F0502020204030204" pitchFamily="34" charset="0"/>
-                <a:ea typeface="Calibri" panose="020F0502020204030204" pitchFamily="34" charset="0"/>
-                <a:cs typeface="Times New Roman" panose="02020603050405020304" pitchFamily="18" charset="0"/>
-              </a:rPr>
-              <a:t>, etc.</a:t>
-            </a:r>
-          </a:p>
-          <a:p>
+              <a:t>Sauvegarde des tests =&gt; scénario/collections</a:t>
+            </a:r>
             <a:endParaRPr lang="fr-FR" dirty="0"/>
           </a:p>
         </p:txBody>
@@ -4817,7 +4891,7 @@
           <a:p>
             <a:fld id="{4FC62F1D-8B73-4A3C-A06D-0A25FF461052}" type="slidenum">
               <a:rPr lang="fr-FR" smtClean="0"/>
-              <a:t>21</a:t>
+              <a:t>20</a:t>
             </a:fld>
             <a:endParaRPr lang="fr-FR"/>
           </a:p>
@@ -4826,7 +4900,7 @@
     </p:spTree>
     <p:extLst>
       <p:ext uri="{BB962C8B-B14F-4D97-AF65-F5344CB8AC3E}">
-        <p14:creationId xmlns:p14="http://schemas.microsoft.com/office/powerpoint/2010/main" val="3265094801"/>
+        <p14:creationId xmlns:p14="http://schemas.microsoft.com/office/powerpoint/2010/main" val="3511490327"/>
       </p:ext>
     </p:extLst>
   </p:cSld>
@@ -4895,7 +4969,7 @@
                 <a:ea typeface="Calibri" panose="020F0502020204030204" pitchFamily="34" charset="0"/>
                 <a:cs typeface="Times New Roman" panose="02020603050405020304" pitchFamily="18" charset="0"/>
               </a:rPr>
-              <a:t>Donc cette appli gère les incidents d’un immeuble de bureau de grande taille.</a:t>
+              <a:t>Dans un immeuble de bureau…</a:t>
             </a:r>
           </a:p>
           <a:p>
@@ -4914,7 +4988,7 @@
                 <a:ea typeface="Calibri" panose="020F0502020204030204" pitchFamily="34" charset="0"/>
                 <a:cs typeface="Times New Roman" panose="02020603050405020304" pitchFamily="18" charset="0"/>
               </a:rPr>
-              <a:t>Dans immeuble de ce genre…</a:t>
+              <a:t>Si l’immeuble est assez grand…</a:t>
             </a:r>
           </a:p>
           <a:p>
@@ -5047,7 +5121,7 @@
                 <a:ea typeface="Calibri" panose="020F0502020204030204" pitchFamily="34" charset="0"/>
                 <a:cs typeface="Times New Roman" panose="02020603050405020304" pitchFamily="18" charset="0"/>
               </a:rPr>
-              <a:t>Je dois dire qu’une plateforme de ce genre a été mise en place SG. Je reprends l’idée à mon compte.</a:t>
+              <a:t>Des plateformes de ce genre fleurissent depuis quelques années, notamment à SG. </a:t>
             </a:r>
           </a:p>
           <a:p>
@@ -5279,15 +5353,15 @@
                 <a:spcPts val="800"/>
               </a:spcAft>
             </a:pPr>
-            <a:r>
-              <a:rPr lang="fr-FR" sz="1800" dirty="0">
-                <a:effectLst/>
-                <a:latin typeface="Calibri" panose="020F0502020204030204" pitchFamily="34" charset="0"/>
-                <a:ea typeface="Calibri" panose="020F0502020204030204" pitchFamily="34" charset="0"/>
-                <a:cs typeface="Times New Roman" panose="02020603050405020304" pitchFamily="18" charset="0"/>
-              </a:rPr>
-              <a:t>Je tiens à remercier bien sûr les professeurs et les autres élèves de la cohorte, mon nouveau manager et toute son équipe.</a:t>
-            </a:r>
+            <a:endParaRPr lang="fr-FR" sz="1800" b="1" dirty="0">
+              <a:solidFill>
+                <a:srgbClr val="FF0000"/>
+              </a:solidFill>
+              <a:effectLst/>
+              <a:latin typeface="Calibri" panose="020F0502020204030204" pitchFamily="34" charset="0"/>
+              <a:ea typeface="Calibri" panose="020F0502020204030204" pitchFamily="34" charset="0"/>
+              <a:cs typeface="Times New Roman" panose="02020603050405020304" pitchFamily="18" charset="0"/>
+            </a:endParaRPr>
           </a:p>
           <a:p>
             <a:pPr>
@@ -5299,13 +5373,791 @@
               </a:spcAft>
             </a:pPr>
             <a:r>
-              <a:rPr lang="fr-FR" sz="1800" dirty="0">
-                <a:effectLst/>
-                <a:latin typeface="Calibri" panose="020F0502020204030204" pitchFamily="34" charset="0"/>
-                <a:ea typeface="Calibri" panose="020F0502020204030204" pitchFamily="34" charset="0"/>
-                <a:cs typeface="Times New Roman" panose="02020603050405020304" pitchFamily="18" charset="0"/>
-              </a:rPr>
-              <a:t>Sans oublier les responsables du service immobilier de l’immeuble Basalte de la Défense.</a:t>
+              <a:rPr lang="fr-FR" sz="1800" b="1" dirty="0">
+                <a:effectLst/>
+                <a:latin typeface="Calibri" panose="020F0502020204030204" pitchFamily="34" charset="0"/>
+                <a:ea typeface="Calibri" panose="020F0502020204030204" pitchFamily="34" charset="0"/>
+                <a:cs typeface="Times New Roman" panose="02020603050405020304" pitchFamily="18" charset="0"/>
+              </a:rPr>
+              <a:t>Démo</a:t>
+            </a:r>
+          </a:p>
+          <a:p>
+            <a:pPr>
+              <a:lnSpc>
+                <a:spcPct val="107000"/>
+              </a:lnSpc>
+              <a:spcAft>
+                <a:spcPts val="800"/>
+              </a:spcAft>
+            </a:pPr>
+            <a:r>
+              <a:rPr lang="fr-FR" sz="1800" dirty="0">
+                <a:effectLst/>
+                <a:latin typeface="Calibri" panose="020F0502020204030204" pitchFamily="34" charset="0"/>
+                <a:ea typeface="Calibri" panose="020F0502020204030204" pitchFamily="34" charset="0"/>
+                <a:cs typeface="Times New Roman" panose="02020603050405020304" pitchFamily="18" charset="0"/>
+              </a:rPr>
+              <a:t>Il est temps de vous présenter de visu SOS </a:t>
+            </a:r>
+            <a:r>
+              <a:rPr lang="fr-FR" sz="1800" dirty="0" err="1">
+                <a:effectLst/>
+                <a:latin typeface="Calibri" panose="020F0502020204030204" pitchFamily="34" charset="0"/>
+                <a:ea typeface="Calibri" panose="020F0502020204030204" pitchFamily="34" charset="0"/>
+                <a:cs typeface="Times New Roman" panose="02020603050405020304" pitchFamily="18" charset="0"/>
+              </a:rPr>
+              <a:t>Immo</a:t>
+            </a:r>
+            <a:r>
+              <a:rPr lang="fr-FR" sz="1800" dirty="0">
+                <a:effectLst/>
+                <a:latin typeface="Calibri" panose="020F0502020204030204" pitchFamily="34" charset="0"/>
+                <a:ea typeface="Calibri" panose="020F0502020204030204" pitchFamily="34" charset="0"/>
+                <a:cs typeface="Times New Roman" panose="02020603050405020304" pitchFamily="18" charset="0"/>
+              </a:rPr>
+              <a:t>.</a:t>
+            </a:r>
+          </a:p>
+          <a:p>
+            <a:pPr>
+              <a:lnSpc>
+                <a:spcPct val="107000"/>
+              </a:lnSpc>
+              <a:spcAft>
+                <a:spcPts val="800"/>
+              </a:spcAft>
+            </a:pPr>
+            <a:r>
+              <a:rPr lang="fr-FR" sz="1800" dirty="0">
+                <a:effectLst/>
+                <a:latin typeface="Calibri" panose="020F0502020204030204" pitchFamily="34" charset="0"/>
+                <a:ea typeface="Calibri" panose="020F0502020204030204" pitchFamily="34" charset="0"/>
+                <a:cs typeface="Times New Roman" panose="02020603050405020304" pitchFamily="18" charset="0"/>
+              </a:rPr>
+              <a:t>Je ne vais pas pouvoir vous montrer toutes les fonctionnalités. </a:t>
+            </a:r>
+          </a:p>
+          <a:p>
+            <a:pPr>
+              <a:lnSpc>
+                <a:spcPct val="107000"/>
+              </a:lnSpc>
+              <a:spcAft>
+                <a:spcPts val="800"/>
+              </a:spcAft>
+            </a:pPr>
+            <a:r>
+              <a:rPr lang="fr-FR" sz="1800" dirty="0">
+                <a:effectLst/>
+                <a:latin typeface="Calibri" panose="020F0502020204030204" pitchFamily="34" charset="0"/>
+                <a:ea typeface="Calibri" panose="020F0502020204030204" pitchFamily="34" charset="0"/>
+                <a:cs typeface="Times New Roman" panose="02020603050405020304" pitchFamily="18" charset="0"/>
+              </a:rPr>
+              <a:t>Je vais donc me concentrer sur le cycle de vie de l’incident.</a:t>
+            </a:r>
+          </a:p>
+          <a:p>
+            <a:pPr>
+              <a:lnSpc>
+                <a:spcPct val="107000"/>
+              </a:lnSpc>
+              <a:spcAft>
+                <a:spcPts val="800"/>
+              </a:spcAft>
+            </a:pPr>
+            <a:endParaRPr lang="fr-FR" sz="1800" b="1" dirty="0">
+              <a:solidFill>
+                <a:srgbClr val="FF0000"/>
+              </a:solidFill>
+              <a:effectLst/>
+              <a:latin typeface="Calibri" panose="020F0502020204030204" pitchFamily="34" charset="0"/>
+              <a:ea typeface="Calibri" panose="020F0502020204030204" pitchFamily="34" charset="0"/>
+              <a:cs typeface="Times New Roman" panose="02020603050405020304" pitchFamily="18" charset="0"/>
+            </a:endParaRPr>
+          </a:p>
+          <a:p>
+            <a:pPr>
+              <a:lnSpc>
+                <a:spcPct val="107000"/>
+              </a:lnSpc>
+              <a:spcAft>
+                <a:spcPts val="800"/>
+              </a:spcAft>
+            </a:pPr>
+            <a:endParaRPr lang="fr-FR" sz="1800" b="1" dirty="0">
+              <a:solidFill>
+                <a:srgbClr val="FF0000"/>
+              </a:solidFill>
+              <a:effectLst/>
+              <a:latin typeface="Calibri" panose="020F0502020204030204" pitchFamily="34" charset="0"/>
+              <a:ea typeface="Calibri" panose="020F0502020204030204" pitchFamily="34" charset="0"/>
+              <a:cs typeface="Times New Roman" panose="02020603050405020304" pitchFamily="18" charset="0"/>
+            </a:endParaRPr>
+          </a:p>
+          <a:p>
+            <a:pPr>
+              <a:lnSpc>
+                <a:spcPct val="107000"/>
+              </a:lnSpc>
+              <a:spcAft>
+                <a:spcPts val="800"/>
+              </a:spcAft>
+            </a:pPr>
+            <a:r>
+              <a:rPr lang="fr-FR" sz="1800" b="1" dirty="0">
+                <a:solidFill>
+                  <a:srgbClr val="FF0000"/>
+                </a:solidFill>
+                <a:effectLst/>
+                <a:latin typeface="Calibri" panose="020F0502020204030204" pitchFamily="34" charset="0"/>
+                <a:ea typeface="Calibri" panose="020F0502020204030204" pitchFamily="34" charset="0"/>
+                <a:cs typeface="Times New Roman" panose="02020603050405020304" pitchFamily="18" charset="0"/>
+              </a:rPr>
+              <a:t>Partie égocentrée de la présentation</a:t>
+            </a:r>
+          </a:p>
+          <a:p>
+            <a:pPr>
+              <a:lnSpc>
+                <a:spcPct val="107000"/>
+              </a:lnSpc>
+              <a:spcAft>
+                <a:spcPts val="800"/>
+              </a:spcAft>
+            </a:pPr>
+            <a:endParaRPr lang="fr-FR" sz="1800" b="1" dirty="0">
+              <a:solidFill>
+                <a:srgbClr val="FF0000"/>
+              </a:solidFill>
+              <a:effectLst/>
+              <a:latin typeface="Calibri" panose="020F0502020204030204" pitchFamily="34" charset="0"/>
+              <a:ea typeface="Calibri" panose="020F0502020204030204" pitchFamily="34" charset="0"/>
+              <a:cs typeface="Times New Roman" panose="02020603050405020304" pitchFamily="18" charset="0"/>
+            </a:endParaRPr>
+          </a:p>
+          <a:p>
+            <a:pPr>
+              <a:lnSpc>
+                <a:spcPct val="107000"/>
+              </a:lnSpc>
+              <a:spcAft>
+                <a:spcPts val="800"/>
+              </a:spcAft>
+            </a:pPr>
+            <a:r>
+              <a:rPr lang="fr-FR" sz="1800" dirty="0">
+                <a:effectLst/>
+                <a:latin typeface="Calibri" panose="020F0502020204030204" pitchFamily="34" charset="0"/>
+                <a:ea typeface="Calibri" panose="020F0502020204030204" pitchFamily="34" charset="0"/>
+                <a:cs typeface="Times New Roman" panose="02020603050405020304" pitchFamily="18" charset="0"/>
+              </a:rPr>
+              <a:t>Je suis titulaire d’un BTS Informatique, ce titre sont pour moi une chance de revenir à mes premières amours.</a:t>
+            </a:r>
+          </a:p>
+          <a:p>
+            <a:pPr>
+              <a:lnSpc>
+                <a:spcPct val="107000"/>
+              </a:lnSpc>
+              <a:spcAft>
+                <a:spcPts val="800"/>
+              </a:spcAft>
+            </a:pPr>
+            <a:r>
+              <a:rPr lang="fr-FR" sz="1800" dirty="0">
+                <a:effectLst/>
+                <a:latin typeface="Calibri" panose="020F0502020204030204" pitchFamily="34" charset="0"/>
+                <a:ea typeface="Calibri" panose="020F0502020204030204" pitchFamily="34" charset="0"/>
+                <a:cs typeface="Times New Roman" panose="02020603050405020304" pitchFamily="18" charset="0"/>
+              </a:rPr>
+              <a:t>Que ce soit dans un cadre professionnel ou personnel, j’ai toujours programmé, en fait j’ai surtout fait de l’automatisation, de process ou de jeux de société.</a:t>
+            </a:r>
+          </a:p>
+          <a:p>
+            <a:pPr>
+              <a:lnSpc>
+                <a:spcPct val="107000"/>
+              </a:lnSpc>
+              <a:spcAft>
+                <a:spcPts val="800"/>
+              </a:spcAft>
+            </a:pPr>
+            <a:r>
+              <a:rPr lang="fr-FR" sz="1800" dirty="0">
+                <a:effectLst/>
+                <a:latin typeface="Calibri" panose="020F0502020204030204" pitchFamily="34" charset="0"/>
+                <a:ea typeface="Calibri" panose="020F0502020204030204" pitchFamily="34" charset="0"/>
+                <a:cs typeface="Times New Roman" panose="02020603050405020304" pitchFamily="18" charset="0"/>
+              </a:rPr>
+              <a:t>J’ai donc l’habitude d’interroger les futurs utilisateurs pour recueillir leurs besoins</a:t>
+            </a:r>
+          </a:p>
+          <a:p>
+            <a:pPr>
+              <a:lnSpc>
+                <a:spcPct val="107000"/>
+              </a:lnSpc>
+              <a:spcAft>
+                <a:spcPts val="800"/>
+              </a:spcAft>
+            </a:pPr>
+            <a:r>
+              <a:rPr lang="fr-FR" sz="1800" dirty="0">
+                <a:effectLst/>
+                <a:latin typeface="Calibri" panose="020F0502020204030204" pitchFamily="34" charset="0"/>
+                <a:ea typeface="Calibri" panose="020F0502020204030204" pitchFamily="34" charset="0"/>
+                <a:cs typeface="Times New Roman" panose="02020603050405020304" pitchFamily="18" charset="0"/>
+              </a:rPr>
+              <a:t>Déterminer de données à stocker et celles qui pourront être calculées.</a:t>
+            </a:r>
+          </a:p>
+          <a:p>
+            <a:pPr>
+              <a:lnSpc>
+                <a:spcPct val="107000"/>
+              </a:lnSpc>
+              <a:spcAft>
+                <a:spcPts val="800"/>
+              </a:spcAft>
+            </a:pPr>
+            <a:r>
+              <a:rPr lang="fr-FR" sz="1800" dirty="0">
+                <a:effectLst/>
+                <a:latin typeface="Calibri" panose="020F0502020204030204" pitchFamily="34" charset="0"/>
+                <a:ea typeface="Calibri" panose="020F0502020204030204" pitchFamily="34" charset="0"/>
+                <a:cs typeface="Times New Roman" panose="02020603050405020304" pitchFamily="18" charset="0"/>
+              </a:rPr>
+              <a:t>Déterminer l’ordre des priorisations. Plutôt avec un responsable.</a:t>
+            </a:r>
+          </a:p>
+          <a:p>
+            <a:pPr>
+              <a:lnSpc>
+                <a:spcPct val="107000"/>
+              </a:lnSpc>
+              <a:spcAft>
+                <a:spcPts val="800"/>
+              </a:spcAft>
+            </a:pPr>
+            <a:r>
+              <a:rPr lang="fr-FR" sz="1800" dirty="0">
+                <a:effectLst/>
+                <a:latin typeface="Calibri" panose="020F0502020204030204" pitchFamily="34" charset="0"/>
+                <a:ea typeface="Calibri" panose="020F0502020204030204" pitchFamily="34" charset="0"/>
+                <a:cs typeface="Times New Roman" panose="02020603050405020304" pitchFamily="18" charset="0"/>
+              </a:rPr>
+              <a:t>Ici c’est moi qui ai assuré à peu près tous les rôles : je l’ai porté, conçu, codé, testé, validé.</a:t>
+            </a:r>
+          </a:p>
+          <a:p>
+            <a:pPr>
+              <a:lnSpc>
+                <a:spcPct val="107000"/>
+              </a:lnSpc>
+              <a:spcAft>
+                <a:spcPts val="800"/>
+              </a:spcAft>
+            </a:pPr>
+            <a:r>
+              <a:rPr lang="fr-FR" sz="1800" b="1" dirty="0">
+                <a:solidFill>
+                  <a:srgbClr val="FF0000"/>
+                </a:solidFill>
+                <a:effectLst/>
+                <a:latin typeface="Calibri" panose="020F0502020204030204" pitchFamily="34" charset="0"/>
+                <a:ea typeface="Calibri" panose="020F0502020204030204" pitchFamily="34" charset="0"/>
+                <a:cs typeface="Times New Roman" panose="02020603050405020304" pitchFamily="18" charset="0"/>
+              </a:rPr>
+              <a:t>click</a:t>
+            </a:r>
+            <a:r>
+              <a:rPr lang="fr-FR" sz="1800" dirty="0">
+                <a:effectLst/>
+                <a:latin typeface="Calibri" panose="020F0502020204030204" pitchFamily="34" charset="0"/>
+                <a:ea typeface="Calibri" panose="020F0502020204030204" pitchFamily="34" charset="0"/>
+                <a:cs typeface="Times New Roman" panose="02020603050405020304" pitchFamily="18" charset="0"/>
+              </a:rPr>
+              <a:t> </a:t>
+            </a:r>
+          </a:p>
+          <a:p>
+            <a:pPr>
+              <a:lnSpc>
+                <a:spcPct val="107000"/>
+              </a:lnSpc>
+              <a:spcAft>
+                <a:spcPts val="800"/>
+              </a:spcAft>
+            </a:pPr>
+            <a:r>
+              <a:rPr lang="fr-FR" sz="1800" dirty="0">
+                <a:effectLst/>
+                <a:latin typeface="Calibri" panose="020F0502020204030204" pitchFamily="34" charset="0"/>
+                <a:ea typeface="Calibri" panose="020F0502020204030204" pitchFamily="34" charset="0"/>
+                <a:cs typeface="Times New Roman" panose="02020603050405020304" pitchFamily="18" charset="0"/>
+              </a:rPr>
+              <a:t>Au cours de l’année écoulée, j’ai appris énormément de choses que j’ai pu mettre en pratique pour ce projet :</a:t>
+            </a:r>
+          </a:p>
+          <a:p>
+            <a:pPr>
+              <a:lnSpc>
+                <a:spcPct val="107000"/>
+              </a:lnSpc>
+              <a:spcAft>
+                <a:spcPts val="800"/>
+              </a:spcAft>
+            </a:pPr>
+            <a:r>
+              <a:rPr lang="fr-FR" sz="1800" dirty="0">
+                <a:effectLst/>
+                <a:latin typeface="Calibri" panose="020F0502020204030204" pitchFamily="34" charset="0"/>
+                <a:ea typeface="Calibri" panose="020F0502020204030204" pitchFamily="34" charset="0"/>
+                <a:cs typeface="Times New Roman" panose="02020603050405020304" pitchFamily="18" charset="0"/>
+              </a:rPr>
+              <a:t>Web =&gt; quelques notions HTLM =&gt; Application client/serveur</a:t>
+            </a:r>
+          </a:p>
+          <a:p>
+            <a:pPr>
+              <a:lnSpc>
+                <a:spcPct val="107000"/>
+              </a:lnSpc>
+              <a:spcAft>
+                <a:spcPts val="800"/>
+              </a:spcAft>
+            </a:pPr>
+            <a:r>
+              <a:rPr lang="fr-FR" sz="1800" dirty="0">
+                <a:effectLst/>
+                <a:latin typeface="Calibri" panose="020F0502020204030204" pitchFamily="34" charset="0"/>
+                <a:ea typeface="Calibri" panose="020F0502020204030204" pitchFamily="34" charset="0"/>
+                <a:cs typeface="Times New Roman" panose="02020603050405020304" pitchFamily="18" charset="0"/>
+              </a:rPr>
+              <a:t>La POO : indispensable à n’importe quel développeur.</a:t>
+            </a:r>
+          </a:p>
+          <a:p>
+            <a:pPr>
+              <a:lnSpc>
+                <a:spcPct val="107000"/>
+              </a:lnSpc>
+              <a:spcAft>
+                <a:spcPts val="800"/>
+              </a:spcAft>
+            </a:pPr>
+            <a:r>
+              <a:rPr lang="fr-FR" sz="1800" dirty="0">
+                <a:effectLst/>
+                <a:latin typeface="Calibri" panose="020F0502020204030204" pitchFamily="34" charset="0"/>
+                <a:ea typeface="Calibri" panose="020F0502020204030204" pitchFamily="34" charset="0"/>
+                <a:cs typeface="Times New Roman" panose="02020603050405020304" pitchFamily="18" charset="0"/>
+              </a:rPr>
+              <a:t>Langages</a:t>
+            </a:r>
+          </a:p>
+          <a:p>
+            <a:pPr>
+              <a:lnSpc>
+                <a:spcPct val="107000"/>
+              </a:lnSpc>
+              <a:spcAft>
+                <a:spcPts val="800"/>
+              </a:spcAft>
+            </a:pPr>
+            <a:r>
+              <a:rPr lang="fr-FR" sz="1800" dirty="0" err="1">
+                <a:effectLst/>
+                <a:latin typeface="Calibri" panose="020F0502020204030204" pitchFamily="34" charset="0"/>
+                <a:ea typeface="Calibri" panose="020F0502020204030204" pitchFamily="34" charset="0"/>
+                <a:cs typeface="Times New Roman" panose="02020603050405020304" pitchFamily="18" charset="0"/>
+              </a:rPr>
+              <a:t>Devops</a:t>
+            </a:r>
+            <a:r>
+              <a:rPr lang="fr-FR" sz="1800" dirty="0">
+                <a:effectLst/>
+                <a:latin typeface="Calibri" panose="020F0502020204030204" pitchFamily="34" charset="0"/>
+                <a:ea typeface="Calibri" panose="020F0502020204030204" pitchFamily="34" charset="0"/>
+                <a:cs typeface="Times New Roman" panose="02020603050405020304" pitchFamily="18" charset="0"/>
+              </a:rPr>
+              <a:t> – qui m’a permis d’utiliser un pipe line </a:t>
+            </a:r>
+            <a:r>
+              <a:rPr lang="fr-FR" sz="1800" dirty="0" err="1">
+                <a:effectLst/>
+                <a:latin typeface="Calibri" panose="020F0502020204030204" pitchFamily="34" charset="0"/>
+                <a:ea typeface="Calibri" panose="020F0502020204030204" pitchFamily="34" charset="0"/>
+                <a:cs typeface="Times New Roman" panose="02020603050405020304" pitchFamily="18" charset="0"/>
+              </a:rPr>
+              <a:t>Github</a:t>
+            </a:r>
+            <a:r>
+              <a:rPr lang="fr-FR" sz="1800" dirty="0">
+                <a:effectLst/>
+                <a:latin typeface="Calibri" panose="020F0502020204030204" pitchFamily="34" charset="0"/>
+                <a:ea typeface="Calibri" panose="020F0502020204030204" pitchFamily="34" charset="0"/>
+                <a:cs typeface="Times New Roman" panose="02020603050405020304" pitchFamily="18" charset="0"/>
+              </a:rPr>
+              <a:t> pour automatiser les tests unitaires.</a:t>
+            </a:r>
+          </a:p>
+          <a:p>
+            <a:pPr>
+              <a:lnSpc>
+                <a:spcPct val="107000"/>
+              </a:lnSpc>
+              <a:spcAft>
+                <a:spcPts val="800"/>
+              </a:spcAft>
+            </a:pPr>
+            <a:r>
+              <a:rPr lang="fr-FR" sz="1800" dirty="0">
+                <a:effectLst/>
+                <a:latin typeface="Calibri" panose="020F0502020204030204" pitchFamily="34" charset="0"/>
+                <a:ea typeface="Calibri" panose="020F0502020204030204" pitchFamily="34" charset="0"/>
+                <a:cs typeface="Times New Roman" panose="02020603050405020304" pitchFamily="18" charset="0"/>
+              </a:rPr>
+              <a:t>	étudier le déploiement sur un serveur distant</a:t>
+            </a:r>
+          </a:p>
+          <a:p>
+            <a:pPr>
+              <a:lnSpc>
+                <a:spcPct val="107000"/>
+              </a:lnSpc>
+              <a:spcAft>
+                <a:spcPts val="800"/>
+              </a:spcAft>
+            </a:pPr>
+            <a:r>
+              <a:rPr lang="fr-FR" sz="1800" b="1" dirty="0">
+                <a:solidFill>
+                  <a:srgbClr val="FF0000"/>
+                </a:solidFill>
+                <a:effectLst/>
+                <a:latin typeface="Calibri" panose="020F0502020204030204" pitchFamily="34" charset="0"/>
+                <a:ea typeface="Calibri" panose="020F0502020204030204" pitchFamily="34" charset="0"/>
+                <a:cs typeface="Times New Roman" panose="02020603050405020304" pitchFamily="18" charset="0"/>
+              </a:rPr>
+              <a:t>click</a:t>
+            </a:r>
+            <a:r>
+              <a:rPr lang="fr-FR" sz="1800" dirty="0">
+                <a:effectLst/>
+                <a:latin typeface="Calibri" panose="020F0502020204030204" pitchFamily="34" charset="0"/>
+                <a:ea typeface="Calibri" panose="020F0502020204030204" pitchFamily="34" charset="0"/>
+                <a:cs typeface="Times New Roman" panose="02020603050405020304" pitchFamily="18" charset="0"/>
+              </a:rPr>
+              <a:t> </a:t>
+            </a:r>
+          </a:p>
+          <a:p>
+            <a:pPr>
+              <a:lnSpc>
+                <a:spcPct val="107000"/>
+              </a:lnSpc>
+              <a:spcAft>
+                <a:spcPts val="800"/>
+              </a:spcAft>
+            </a:pPr>
+            <a:r>
+              <a:rPr lang="fr-FR" sz="1800" dirty="0">
+                <a:effectLst/>
+                <a:latin typeface="Calibri" panose="020F0502020204030204" pitchFamily="34" charset="0"/>
+                <a:ea typeface="Calibri" panose="020F0502020204030204" pitchFamily="34" charset="0"/>
+                <a:cs typeface="Times New Roman" panose="02020603050405020304" pitchFamily="18" charset="0"/>
+              </a:rPr>
+              <a:t>J’ai bien sûr dû compléter par des recherches personnelles.</a:t>
+            </a:r>
+          </a:p>
+          <a:p>
+            <a:pPr>
+              <a:lnSpc>
+                <a:spcPct val="107000"/>
+              </a:lnSpc>
+              <a:spcAft>
+                <a:spcPts val="800"/>
+              </a:spcAft>
+            </a:pPr>
+            <a:r>
+              <a:rPr lang="fr-FR" sz="1800" dirty="0">
+                <a:effectLst/>
+                <a:latin typeface="Calibri" panose="020F0502020204030204" pitchFamily="34" charset="0"/>
+                <a:ea typeface="Calibri" panose="020F0502020204030204" pitchFamily="34" charset="0"/>
+                <a:cs typeface="Times New Roman" panose="02020603050405020304" pitchFamily="18" charset="0"/>
+              </a:rPr>
+              <a:t>Principalement pour comprendre le principe de l’ORM. Vaste sujet.</a:t>
+            </a:r>
+          </a:p>
+          <a:p>
+            <a:pPr>
+              <a:lnSpc>
+                <a:spcPct val="107000"/>
+              </a:lnSpc>
+              <a:spcAft>
+                <a:spcPts val="800"/>
+              </a:spcAft>
+            </a:pPr>
+            <a:r>
+              <a:rPr lang="fr-FR" sz="1800" dirty="0">
+                <a:effectLst/>
+                <a:latin typeface="Calibri" panose="020F0502020204030204" pitchFamily="34" charset="0"/>
+                <a:ea typeface="Calibri" panose="020F0502020204030204" pitchFamily="34" charset="0"/>
+                <a:cs typeface="Times New Roman" panose="02020603050405020304" pitchFamily="18" charset="0"/>
+              </a:rPr>
+              <a:t>Beaucoup de temps aussi notamment pour les tests.</a:t>
+            </a:r>
+          </a:p>
+          <a:p>
+            <a:pPr>
+              <a:lnSpc>
+                <a:spcPct val="107000"/>
+              </a:lnSpc>
+              <a:spcAft>
+                <a:spcPts val="800"/>
+              </a:spcAft>
+            </a:pPr>
+            <a:r>
+              <a:rPr lang="fr-FR" sz="1800" dirty="0">
+                <a:effectLst/>
+                <a:latin typeface="Calibri" panose="020F0502020204030204" pitchFamily="34" charset="0"/>
+                <a:ea typeface="Calibri" panose="020F0502020204030204" pitchFamily="34" charset="0"/>
+                <a:cs typeface="Times New Roman" panose="02020603050405020304" pitchFamily="18" charset="0"/>
+              </a:rPr>
+              <a:t>Mais là c’était beaucoup plus un problème de codage que compréhension du concept.</a:t>
+            </a:r>
+          </a:p>
+          <a:p>
+            <a:pPr>
+              <a:lnSpc>
+                <a:spcPct val="107000"/>
+              </a:lnSpc>
+              <a:spcAft>
+                <a:spcPts val="800"/>
+              </a:spcAft>
+            </a:pPr>
+            <a:r>
+              <a:rPr lang="fr-FR" sz="1800" dirty="0">
+                <a:effectLst/>
+                <a:latin typeface="Calibri" panose="020F0502020204030204" pitchFamily="34" charset="0"/>
+                <a:ea typeface="Calibri" panose="020F0502020204030204" pitchFamily="34" charset="0"/>
+                <a:cs typeface="Times New Roman" panose="02020603050405020304" pitchFamily="18" charset="0"/>
+              </a:rPr>
+              <a:t>Et quelques fonctionnalités secondaires.</a:t>
+            </a:r>
+          </a:p>
+          <a:p>
+            <a:pPr>
+              <a:lnSpc>
+                <a:spcPct val="107000"/>
+              </a:lnSpc>
+              <a:spcAft>
+                <a:spcPts val="800"/>
+              </a:spcAft>
+            </a:pPr>
+            <a:r>
+              <a:rPr lang="fr-FR" sz="1800" b="1" dirty="0">
+                <a:solidFill>
+                  <a:srgbClr val="FF0000"/>
+                </a:solidFill>
+                <a:effectLst/>
+                <a:latin typeface="Calibri" panose="020F0502020204030204" pitchFamily="34" charset="0"/>
+                <a:ea typeface="Calibri" panose="020F0502020204030204" pitchFamily="34" charset="0"/>
+                <a:cs typeface="Times New Roman" panose="02020603050405020304" pitchFamily="18" charset="0"/>
+              </a:rPr>
+              <a:t>click</a:t>
+            </a:r>
+            <a:r>
+              <a:rPr lang="fr-FR" sz="1800" dirty="0">
+                <a:effectLst/>
+                <a:latin typeface="Calibri" panose="020F0502020204030204" pitchFamily="34" charset="0"/>
+                <a:ea typeface="Calibri" panose="020F0502020204030204" pitchFamily="34" charset="0"/>
+                <a:cs typeface="Times New Roman" panose="02020603050405020304" pitchFamily="18" charset="0"/>
+              </a:rPr>
+              <a:t> </a:t>
+            </a:r>
+          </a:p>
+          <a:p>
+            <a:pPr>
+              <a:lnSpc>
+                <a:spcPct val="107000"/>
+              </a:lnSpc>
+              <a:spcAft>
+                <a:spcPts val="800"/>
+              </a:spcAft>
+            </a:pPr>
+            <a:r>
+              <a:rPr lang="fr-FR" sz="1800" dirty="0">
+                <a:effectLst/>
+                <a:latin typeface="Calibri" panose="020F0502020204030204" pitchFamily="34" charset="0"/>
+                <a:ea typeface="Calibri" panose="020F0502020204030204" pitchFamily="34" charset="0"/>
+                <a:cs typeface="Times New Roman" panose="02020603050405020304" pitchFamily="18" charset="0"/>
+              </a:rPr>
+              <a:t>Aujourd’hui SOS </a:t>
+            </a:r>
+            <a:r>
+              <a:rPr lang="fr-FR" sz="1800" dirty="0" err="1">
+                <a:effectLst/>
+                <a:latin typeface="Calibri" panose="020F0502020204030204" pitchFamily="34" charset="0"/>
+                <a:ea typeface="Calibri" panose="020F0502020204030204" pitchFamily="34" charset="0"/>
+                <a:cs typeface="Times New Roman" panose="02020603050405020304" pitchFamily="18" charset="0"/>
+              </a:rPr>
+              <a:t>Immo</a:t>
+            </a:r>
+            <a:r>
+              <a:rPr lang="fr-FR" sz="1800" dirty="0">
+                <a:effectLst/>
+                <a:latin typeface="Calibri" panose="020F0502020204030204" pitchFamily="34" charset="0"/>
+                <a:ea typeface="Calibri" panose="020F0502020204030204" pitchFamily="34" charset="0"/>
+                <a:cs typeface="Times New Roman" panose="02020603050405020304" pitchFamily="18" charset="0"/>
+              </a:rPr>
+              <a:t> est opérationnel.</a:t>
+            </a:r>
+          </a:p>
+          <a:p>
+            <a:pPr>
+              <a:lnSpc>
+                <a:spcPct val="107000"/>
+              </a:lnSpc>
+              <a:spcAft>
+                <a:spcPts val="800"/>
+              </a:spcAft>
+            </a:pPr>
+            <a:r>
+              <a:rPr lang="fr-FR" sz="1800" dirty="0">
+                <a:effectLst/>
+                <a:latin typeface="Calibri" panose="020F0502020204030204" pitchFamily="34" charset="0"/>
+                <a:ea typeface="Calibri" panose="020F0502020204030204" pitchFamily="34" charset="0"/>
+                <a:cs typeface="Times New Roman" panose="02020603050405020304" pitchFamily="18" charset="0"/>
+              </a:rPr>
+              <a:t>La mission principale de (suivi des incidents) est remplie.</a:t>
+            </a:r>
+          </a:p>
+          <a:p>
+            <a:pPr>
+              <a:lnSpc>
+                <a:spcPct val="107000"/>
+              </a:lnSpc>
+              <a:spcAft>
+                <a:spcPts val="800"/>
+              </a:spcAft>
+            </a:pPr>
+            <a:r>
+              <a:rPr lang="fr-FR" sz="1800" dirty="0">
+                <a:effectLst/>
+                <a:latin typeface="Calibri" panose="020F0502020204030204" pitchFamily="34" charset="0"/>
+                <a:ea typeface="Calibri" panose="020F0502020204030204" pitchFamily="34" charset="0"/>
+                <a:cs typeface="Times New Roman" panose="02020603050405020304" pitchFamily="18" charset="0"/>
+              </a:rPr>
+              <a:t>Et la partie authentification est terminée.</a:t>
+            </a:r>
+          </a:p>
+          <a:p>
+            <a:pPr>
+              <a:lnSpc>
+                <a:spcPct val="107000"/>
+              </a:lnSpc>
+              <a:spcAft>
+                <a:spcPts val="800"/>
+              </a:spcAft>
+            </a:pPr>
+            <a:r>
+              <a:rPr lang="fr-FR" sz="1800" b="1" dirty="0">
+                <a:solidFill>
+                  <a:srgbClr val="FF0000"/>
+                </a:solidFill>
+                <a:effectLst/>
+                <a:latin typeface="Calibri" panose="020F0502020204030204" pitchFamily="34" charset="0"/>
+                <a:ea typeface="Calibri" panose="020F0502020204030204" pitchFamily="34" charset="0"/>
+                <a:cs typeface="Times New Roman" panose="02020603050405020304" pitchFamily="18" charset="0"/>
+              </a:rPr>
+              <a:t>click</a:t>
+            </a:r>
+            <a:r>
+              <a:rPr lang="fr-FR" sz="1800" dirty="0">
+                <a:effectLst/>
+                <a:latin typeface="Calibri" panose="020F0502020204030204" pitchFamily="34" charset="0"/>
+                <a:ea typeface="Calibri" panose="020F0502020204030204" pitchFamily="34" charset="0"/>
+                <a:cs typeface="Times New Roman" panose="02020603050405020304" pitchFamily="18" charset="0"/>
+              </a:rPr>
+              <a:t> </a:t>
+            </a:r>
+          </a:p>
+          <a:p>
+            <a:pPr>
+              <a:lnSpc>
+                <a:spcPct val="107000"/>
+              </a:lnSpc>
+              <a:spcAft>
+                <a:spcPts val="800"/>
+              </a:spcAft>
+            </a:pPr>
+            <a:r>
+              <a:rPr lang="fr-FR" sz="1800" dirty="0">
+                <a:effectLst/>
+                <a:latin typeface="Calibri" panose="020F0502020204030204" pitchFamily="34" charset="0"/>
+                <a:ea typeface="Calibri" panose="020F0502020204030204" pitchFamily="34" charset="0"/>
+                <a:cs typeface="Times New Roman" panose="02020603050405020304" pitchFamily="18" charset="0"/>
+              </a:rPr>
+              <a:t>Il me reste à finaliser l’archivage des données.</a:t>
+            </a:r>
+          </a:p>
+          <a:p>
+            <a:pPr>
+              <a:lnSpc>
+                <a:spcPct val="107000"/>
+              </a:lnSpc>
+              <a:spcAft>
+                <a:spcPts val="800"/>
+              </a:spcAft>
+            </a:pPr>
+            <a:r>
+              <a:rPr lang="fr-FR" sz="1800" dirty="0">
+                <a:effectLst/>
+                <a:latin typeface="Calibri" panose="020F0502020204030204" pitchFamily="34" charset="0"/>
+                <a:ea typeface="Calibri" panose="020F0502020204030204" pitchFamily="34" charset="0"/>
+                <a:cs typeface="Times New Roman" panose="02020603050405020304" pitchFamily="18" charset="0"/>
+              </a:rPr>
+              <a:t>Je souhaite également mettre en œuvre le chargement de fichiers (csv) pour la création groupée d’utilisateurs.</a:t>
+            </a:r>
+          </a:p>
+          <a:p>
+            <a:pPr>
+              <a:lnSpc>
+                <a:spcPct val="107000"/>
+              </a:lnSpc>
+              <a:spcAft>
+                <a:spcPts val="800"/>
+              </a:spcAft>
+            </a:pPr>
+            <a:r>
+              <a:rPr lang="fr-FR" sz="1800" dirty="0">
+                <a:effectLst/>
+                <a:latin typeface="Calibri" panose="020F0502020204030204" pitchFamily="34" charset="0"/>
+                <a:ea typeface="Calibri" panose="020F0502020204030204" pitchFamily="34" charset="0"/>
+                <a:cs typeface="Times New Roman" panose="02020603050405020304" pitchFamily="18" charset="0"/>
+              </a:rPr>
+              <a:t>On peut aussi envisager d’autres évolutions, la production de </a:t>
+            </a:r>
+            <a:r>
+              <a:rPr lang="fr-FR" sz="1800" dirty="0" err="1">
+                <a:effectLst/>
+                <a:latin typeface="Calibri" panose="020F0502020204030204" pitchFamily="34" charset="0"/>
+                <a:ea typeface="Calibri" panose="020F0502020204030204" pitchFamily="34" charset="0"/>
+                <a:cs typeface="Times New Roman" panose="02020603050405020304" pitchFamily="18" charset="0"/>
+              </a:rPr>
+              <a:t>kpi</a:t>
+            </a:r>
+            <a:r>
+              <a:rPr lang="fr-FR" sz="1800" dirty="0">
+                <a:effectLst/>
+                <a:latin typeface="Calibri" panose="020F0502020204030204" pitchFamily="34" charset="0"/>
+                <a:ea typeface="Calibri" panose="020F0502020204030204" pitchFamily="34" charset="0"/>
+                <a:cs typeface="Times New Roman" panose="02020603050405020304" pitchFamily="18" charset="0"/>
+              </a:rPr>
+              <a:t>, etc.</a:t>
             </a:r>
           </a:p>
           <a:p>
@@ -5330,6 +6182,128 @@
           <a:p>
             <a:fld id="{4FC62F1D-8B73-4A3C-A06D-0A25FF461052}" type="slidenum">
               <a:rPr lang="fr-FR" smtClean="0"/>
+              <a:t>21</a:t>
+            </a:fld>
+            <a:endParaRPr lang="fr-FR"/>
+          </a:p>
+        </p:txBody>
+      </p:sp>
+    </p:spTree>
+    <p:extLst>
+      <p:ext uri="{BB962C8B-B14F-4D97-AF65-F5344CB8AC3E}">
+        <p14:creationId xmlns:p14="http://schemas.microsoft.com/office/powerpoint/2010/main" val="3265094801"/>
+      </p:ext>
+    </p:extLst>
+  </p:cSld>
+  <p:clrMapOvr>
+    <a:masterClrMapping/>
+  </p:clrMapOvr>
+</p:notes>
+</file>
+
+<file path=ppt/notesSlides/notesSlide21.xml><?xml version="1.0" encoding="utf-8"?>
+<p:notes xmlns:a="http://schemas.openxmlformats.org/drawingml/2006/main" xmlns:r="http://schemas.openxmlformats.org/officeDocument/2006/relationships" xmlns:p="http://schemas.openxmlformats.org/presentationml/2006/main">
+  <p:cSld>
+    <p:spTree>
+      <p:nvGrpSpPr>
+        <p:cNvPr id="1" name=""/>
+        <p:cNvGrpSpPr/>
+        <p:nvPr/>
+      </p:nvGrpSpPr>
+      <p:grpSpPr>
+        <a:xfrm>
+          <a:off x="0" y="0"/>
+          <a:ext cx="0" cy="0"/>
+          <a:chOff x="0" y="0"/>
+          <a:chExt cx="0" cy="0"/>
+        </a:xfrm>
+      </p:grpSpPr>
+      <p:sp>
+        <p:nvSpPr>
+          <p:cNvPr id="2" name="Espace réservé de l'image des diapositives 1"/>
+          <p:cNvSpPr>
+            <a:spLocks noGrp="1" noRot="1" noChangeAspect="1"/>
+          </p:cNvSpPr>
+          <p:nvPr>
+            <p:ph type="sldImg"/>
+          </p:nvPr>
+        </p:nvSpPr>
+        <p:spPr/>
+      </p:sp>
+      <p:sp>
+        <p:nvSpPr>
+          <p:cNvPr id="3" name="Espace réservé des notes 2"/>
+          <p:cNvSpPr>
+            <a:spLocks noGrp="1"/>
+          </p:cNvSpPr>
+          <p:nvPr>
+            <p:ph type="body" idx="1"/>
+          </p:nvPr>
+        </p:nvSpPr>
+        <p:spPr/>
+        <p:txBody>
+          <a:bodyPr/>
+          <a:lstStyle/>
+          <a:p>
+            <a:pPr>
+              <a:lnSpc>
+                <a:spcPct val="107000"/>
+              </a:lnSpc>
+              <a:spcAft>
+                <a:spcPts val="800"/>
+              </a:spcAft>
+            </a:pPr>
+            <a:r>
+              <a:rPr lang="fr-FR" sz="1800" dirty="0">
+                <a:effectLst/>
+                <a:latin typeface="Calibri" panose="020F0502020204030204" pitchFamily="34" charset="0"/>
+                <a:ea typeface="Calibri" panose="020F0502020204030204" pitchFamily="34" charset="0"/>
+                <a:cs typeface="Times New Roman" panose="02020603050405020304" pitchFamily="18" charset="0"/>
+              </a:rPr>
+              <a:t>Je tiens à remercier bien sûr les professeurs et les autres élèves de la cohorte, mon nouveau manager et toute son équipe.</a:t>
+            </a:r>
+          </a:p>
+          <a:p>
+            <a:pPr>
+              <a:lnSpc>
+                <a:spcPct val="107000"/>
+              </a:lnSpc>
+              <a:spcAft>
+                <a:spcPts val="800"/>
+              </a:spcAft>
+            </a:pPr>
+            <a:r>
+              <a:rPr lang="fr-FR" sz="1800" dirty="0">
+                <a:effectLst/>
+                <a:latin typeface="Calibri" panose="020F0502020204030204" pitchFamily="34" charset="0"/>
+                <a:ea typeface="Calibri" panose="020F0502020204030204" pitchFamily="34" charset="0"/>
+                <a:cs typeface="Times New Roman" panose="02020603050405020304" pitchFamily="18" charset="0"/>
+              </a:rPr>
+              <a:t>Sans oublier les responsables du service immobilier de l’immeuble Basalte de la Défense.</a:t>
+            </a:r>
+          </a:p>
+          <a:p>
+            <a:endParaRPr lang="fr-FR" dirty="0"/>
+          </a:p>
+        </p:txBody>
+      </p:sp>
+      <p:sp>
+        <p:nvSpPr>
+          <p:cNvPr id="4" name="Espace réservé du numéro de diapositive 3"/>
+          <p:cNvSpPr>
+            <a:spLocks noGrp="1"/>
+          </p:cNvSpPr>
+          <p:nvPr>
+            <p:ph type="sldNum" sz="quarter" idx="5"/>
+          </p:nvPr>
+        </p:nvSpPr>
+        <p:spPr/>
+        <p:txBody>
+          <a:bodyPr/>
+          <a:lstStyle/>
+          <a:p>
+            <a:fld id="{4FC62F1D-8B73-4A3C-A06D-0A25FF461052}" type="slidenum">
+              <a:rPr lang="fr-FR" smtClean="0"/>
               <a:t>22</a:t>
             </a:fld>
             <a:endParaRPr lang="fr-FR"/>
@@ -5349,7 +6323,7 @@
 </p:notes>
 </file>
 
-<file path=ppt/notesSlides/notesSlide21.xml><?xml version="1.0" encoding="utf-8"?>
+<file path=ppt/notesSlides/notesSlide22.xml><?xml version="1.0" encoding="utf-8"?>
 <p:notes xmlns:a="http://schemas.openxmlformats.org/drawingml/2006/main" xmlns:r="http://schemas.openxmlformats.org/officeDocument/2006/relationships" xmlns:p="http://schemas.openxmlformats.org/presentationml/2006/main">
   <p:cSld>
     <p:spTree>
@@ -6043,7 +7017,7 @@
                 <a:ea typeface="Calibri" panose="020F0502020204030204" pitchFamily="34" charset="0"/>
                 <a:cs typeface="Times New Roman" panose="02020603050405020304" pitchFamily="18" charset="0"/>
               </a:rPr>
-              <a:t>1 page + multitude de composants déclenchés selon certaines conditions.</a:t>
+              <a:t>Single Page Application =&gt; 1 page + multitude de composants déclenchés selon certaines conditions.</a:t>
             </a:r>
           </a:p>
           <a:p>
@@ -11921,8 +12895,8 @@
         </p:blipFill>
         <p:spPr bwMode="auto">
           <a:xfrm>
-            <a:off x="4078436" y="686805"/>
-            <a:ext cx="3596923" cy="757634"/>
+            <a:off x="4078436" y="633738"/>
+            <a:ext cx="2951207" cy="621625"/>
           </a:xfrm>
           <a:prstGeom prst="rect">
             <a:avLst/>
@@ -13793,7 +14767,7 @@
         <p:spPr>
           <a:xfrm>
             <a:off x="6508834" y="4463642"/>
-            <a:ext cx="4304112" cy="530210"/>
+            <a:ext cx="4304112" cy="676595"/>
           </a:xfrm>
           <a:prstGeom prst="rect">
             <a:avLst/>
@@ -13830,21 +14804,49 @@
                 <a:latin typeface="Avenir Next LT Pro Light" panose="020B0304020202020204" pitchFamily="34" charset="0"/>
                 <a:cs typeface="Times New Roman" panose="02020603050405020304" pitchFamily="18" charset="0"/>
               </a:rPr>
-              <a:t>Caractéristiques minimums : 12 caractères dont 1 majuscule, 1 minuscule,</a:t>
-            </a:r>
-          </a:p>
-          <a:p>
-            <a:pPr algn="ctr">
-              <a:lnSpc>
-                <a:spcPct val="107000"/>
-              </a:lnSpc>
-            </a:pPr>
+              <a:t>Caractéristiques minimums : différent du </a:t>
+            </a:r>
+            <a:r>
+              <a:rPr lang="fr-FR" sz="900" i="1" dirty="0" err="1">
+                <a:latin typeface="Avenir Next LT Pro Light" panose="020B0304020202020204" pitchFamily="34" charset="0"/>
+                <a:cs typeface="Times New Roman" panose="02020603050405020304" pitchFamily="18" charset="0"/>
+              </a:rPr>
+              <a:t>mdp</a:t>
+            </a:r>
             <a:r>
               <a:rPr lang="fr-FR" sz="900" i="1" dirty="0">
                 <a:latin typeface="Avenir Next LT Pro Light" panose="020B0304020202020204" pitchFamily="34" charset="0"/>
                 <a:cs typeface="Times New Roman" panose="02020603050405020304" pitchFamily="18" charset="0"/>
               </a:rPr>
-              <a:t> 1 chiffre, 1 caractère spécial =&gt; ()!@#$+-*&amp;_.</a:t>
+              <a:t> actuel,</a:t>
+            </a:r>
+          </a:p>
+          <a:p>
+            <a:pPr algn="ctr">
+              <a:lnSpc>
+                <a:spcPct val="107000"/>
+              </a:lnSpc>
+            </a:pPr>
+            <a:r>
+              <a:rPr lang="fr-FR" sz="900" i="1" dirty="0">
+                <a:latin typeface="Avenir Next LT Pro Light" panose="020B0304020202020204" pitchFamily="34" charset="0"/>
+                <a:cs typeface="Times New Roman" panose="02020603050405020304" pitchFamily="18" charset="0"/>
+              </a:rPr>
+              <a:t>12 caractères dont 1 majuscule, 1 minuscule,</a:t>
+            </a:r>
+          </a:p>
+          <a:p>
+            <a:pPr algn="ctr">
+              <a:lnSpc>
+                <a:spcPct val="107000"/>
+              </a:lnSpc>
+            </a:pPr>
+            <a:r>
+              <a:rPr lang="fr-FR" sz="900" i="1" dirty="0">
+                <a:latin typeface="Avenir Next LT Pro Light" panose="020B0304020202020204" pitchFamily="34" charset="0"/>
+                <a:cs typeface="Times New Roman" panose="02020603050405020304" pitchFamily="18" charset="0"/>
+              </a:rPr>
+              <a:t> 1 chiffre, 1 caractère spécial =&gt; ()!@#$+-*&amp;_,</a:t>
             </a:r>
           </a:p>
         </p:txBody>
@@ -15432,184 +16434,226 @@
           </a:p>
         </p:txBody>
       </p:sp>
-      <p:pic>
-        <p:nvPicPr>
-          <p:cNvPr id="27" name="Image 26" descr="Une image contenant texte&#10;&#10;Description générée automatiquement">
+      <p:grpSp>
+        <p:nvGrpSpPr>
+          <p:cNvPr id="4" name="Groupe 3">
             <a:extLst>
               <a:ext uri="{FF2B5EF4-FFF2-40B4-BE49-F238E27FC236}">
-                <a16:creationId xmlns:a16="http://schemas.microsoft.com/office/drawing/2014/main" id="{071154A0-77C7-24F3-8E97-704383095B10}"/>
+                <a16:creationId xmlns:a16="http://schemas.microsoft.com/office/drawing/2014/main" id="{22876EFE-DF56-4F41-25CE-D6E8B7B2CC4A}"/>
               </a:ext>
             </a:extLst>
           </p:cNvPr>
-          <p:cNvPicPr>
-            <a:picLocks noChangeAspect="1"/>
-          </p:cNvPicPr>
+          <p:cNvGrpSpPr/>
           <p:nvPr/>
-        </p:nvPicPr>
-        <p:blipFill>
-          <a:blip r:embed="rId3"/>
-          <a:stretch>
-            <a:fillRect/>
-          </a:stretch>
-        </p:blipFill>
-        <p:spPr>
+        </p:nvGrpSpPr>
+        <p:grpSpPr>
           <a:xfrm>
-            <a:off x="990961" y="4219260"/>
-            <a:ext cx="4239855" cy="1138051"/>
+            <a:off x="990961" y="1653742"/>
+            <a:ext cx="9369348" cy="4283767"/>
+            <a:chOff x="990961" y="1653742"/>
+            <a:chExt cx="9369348" cy="4283767"/>
           </a:xfrm>
-          <a:prstGeom prst="rect">
-            <a:avLst/>
-          </a:prstGeom>
-        </p:spPr>
-      </p:pic>
-      <p:pic>
-        <p:nvPicPr>
-          <p:cNvPr id="29" name="Image 28">
-            <a:extLst>
-              <a:ext uri="{FF2B5EF4-FFF2-40B4-BE49-F238E27FC236}">
-                <a16:creationId xmlns:a16="http://schemas.microsoft.com/office/drawing/2014/main" id="{2565FF31-0E9F-6829-EBF8-98FDF5D4F917}"/>
-              </a:ext>
-            </a:extLst>
-          </p:cNvPr>
-          <p:cNvPicPr>
-            <a:picLocks noChangeAspect="1"/>
-          </p:cNvPicPr>
-          <p:nvPr/>
-        </p:nvPicPr>
-        <p:blipFill>
-          <a:blip r:embed="rId4"/>
-          <a:stretch>
-            <a:fillRect/>
-          </a:stretch>
-        </p:blipFill>
-        <p:spPr>
-          <a:xfrm>
-            <a:off x="6250604" y="4098554"/>
-            <a:ext cx="3836708" cy="1379462"/>
-          </a:xfrm>
-          <a:prstGeom prst="rect">
-            <a:avLst/>
-          </a:prstGeom>
-        </p:spPr>
-      </p:pic>
+        </p:grpSpPr>
+        <p:sp>
+          <p:nvSpPr>
+            <p:cNvPr id="46" name="Flèche : droite 45">
+              <a:extLst>
+                <a:ext uri="{FF2B5EF4-FFF2-40B4-BE49-F238E27FC236}">
+                  <a16:creationId xmlns:a16="http://schemas.microsoft.com/office/drawing/2014/main" id="{9C33D82E-8891-C500-BEEE-81DC233FD1DC}"/>
+                </a:ext>
+              </a:extLst>
+            </p:cNvPr>
+            <p:cNvSpPr/>
+            <p:nvPr/>
+          </p:nvSpPr>
+          <p:spPr>
+            <a:xfrm>
+              <a:off x="5159424" y="4667680"/>
+              <a:ext cx="687523" cy="166113"/>
+            </a:xfrm>
+            <a:prstGeom prst="rightArrow">
+              <a:avLst/>
+            </a:prstGeom>
+            <a:solidFill>
+              <a:schemeClr val="accent1">
+                <a:alpha val="50000"/>
+              </a:schemeClr>
+            </a:solidFill>
+            <a:ln>
+              <a:noFill/>
+            </a:ln>
+          </p:spPr>
+          <p:style>
+            <a:lnRef idx="0">
+              <a:scrgbClr r="0" g="0" b="0"/>
+            </a:lnRef>
+            <a:fillRef idx="0">
+              <a:scrgbClr r="0" g="0" b="0"/>
+            </a:fillRef>
+            <a:effectRef idx="0">
+              <a:scrgbClr r="0" g="0" b="0"/>
+            </a:effectRef>
+            <a:fontRef idx="minor">
+              <a:schemeClr val="lt1"/>
+            </a:fontRef>
+          </p:style>
+          <p:txBody>
+            <a:bodyPr rtlCol="0" anchor="ctr"/>
+            <a:lstStyle/>
+            <a:p>
+              <a:pPr algn="ctr"/>
+              <a:endParaRPr lang="fr-FR"/>
+            </a:p>
+          </p:txBody>
+        </p:sp>
+        <p:grpSp>
+          <p:nvGrpSpPr>
+            <p:cNvPr id="3" name="Groupe 2">
+              <a:extLst>
+                <a:ext uri="{FF2B5EF4-FFF2-40B4-BE49-F238E27FC236}">
+                  <a16:creationId xmlns:a16="http://schemas.microsoft.com/office/drawing/2014/main" id="{AB42766E-1BEC-23D3-7A8A-E1BA8CCD89AB}"/>
+                </a:ext>
+              </a:extLst>
+            </p:cNvPr>
+            <p:cNvGrpSpPr/>
+            <p:nvPr/>
+          </p:nvGrpSpPr>
+          <p:grpSpPr>
+            <a:xfrm>
+              <a:off x="990961" y="1653742"/>
+              <a:ext cx="9369348" cy="4283767"/>
+              <a:chOff x="990961" y="1653742"/>
+              <a:chExt cx="9369348" cy="4283767"/>
+            </a:xfrm>
+          </p:grpSpPr>
+          <p:pic>
+            <p:nvPicPr>
+              <p:cNvPr id="27" name="Image 26" descr="Une image contenant texte&#10;&#10;Description générée automatiquement">
+                <a:extLst>
+                  <a:ext uri="{FF2B5EF4-FFF2-40B4-BE49-F238E27FC236}">
+                    <a16:creationId xmlns:a16="http://schemas.microsoft.com/office/drawing/2014/main" id="{071154A0-77C7-24F3-8E97-704383095B10}"/>
+                  </a:ext>
+                </a:extLst>
+              </p:cNvPr>
+              <p:cNvPicPr>
+                <a:picLocks noChangeAspect="1"/>
+              </p:cNvPicPr>
+              <p:nvPr/>
+            </p:nvPicPr>
+            <p:blipFill>
+              <a:blip r:embed="rId3"/>
+              <a:stretch>
+                <a:fillRect/>
+              </a:stretch>
+            </p:blipFill>
+            <p:spPr>
+              <a:xfrm>
+                <a:off x="990961" y="4219260"/>
+                <a:ext cx="4239855" cy="1138051"/>
+              </a:xfrm>
+              <a:prstGeom prst="rect">
+                <a:avLst/>
+              </a:prstGeom>
+            </p:spPr>
+          </p:pic>
+          <p:pic>
+            <p:nvPicPr>
+              <p:cNvPr id="29" name="Image 28">
+                <a:extLst>
+                  <a:ext uri="{FF2B5EF4-FFF2-40B4-BE49-F238E27FC236}">
+                    <a16:creationId xmlns:a16="http://schemas.microsoft.com/office/drawing/2014/main" id="{2565FF31-0E9F-6829-EBF8-98FDF5D4F917}"/>
+                  </a:ext>
+                </a:extLst>
+              </p:cNvPr>
+              <p:cNvPicPr>
+                <a:picLocks noChangeAspect="1"/>
+              </p:cNvPicPr>
+              <p:nvPr/>
+            </p:nvPicPr>
+            <p:blipFill>
+              <a:blip r:embed="rId4"/>
+              <a:stretch>
+                <a:fillRect/>
+              </a:stretch>
+            </p:blipFill>
+            <p:spPr>
+              <a:xfrm>
+                <a:off x="6250604" y="4098554"/>
+                <a:ext cx="3836708" cy="1379462"/>
+              </a:xfrm>
+              <a:prstGeom prst="rect">
+                <a:avLst/>
+              </a:prstGeom>
+            </p:spPr>
+          </p:pic>
+          <p:pic>
+            <p:nvPicPr>
+              <p:cNvPr id="48" name="Image 47">
+                <a:extLst>
+                  <a:ext uri="{FF2B5EF4-FFF2-40B4-BE49-F238E27FC236}">
+                    <a16:creationId xmlns:a16="http://schemas.microsoft.com/office/drawing/2014/main" id="{52C333BA-754B-9DDE-61DA-363C2499D52B}"/>
+                  </a:ext>
+                </a:extLst>
+              </p:cNvPr>
+              <p:cNvPicPr>
+                <a:picLocks noChangeAspect="1"/>
+              </p:cNvPicPr>
+              <p:nvPr/>
+            </p:nvPicPr>
+            <p:blipFill>
+              <a:blip r:embed="rId5"/>
+              <a:stretch>
+                <a:fillRect/>
+              </a:stretch>
+            </p:blipFill>
+            <p:spPr>
+              <a:xfrm>
+                <a:off x="1601868" y="1653742"/>
+                <a:ext cx="7057545" cy="2083951"/>
+              </a:xfrm>
+              <a:prstGeom prst="rect">
+                <a:avLst/>
+              </a:prstGeom>
+            </p:spPr>
+          </p:pic>
+          <p:pic>
+            <p:nvPicPr>
+              <p:cNvPr id="52" name="Image 51">
+                <a:extLst>
+                  <a:ext uri="{FF2B5EF4-FFF2-40B4-BE49-F238E27FC236}">
+                    <a16:creationId xmlns:a16="http://schemas.microsoft.com/office/drawing/2014/main" id="{284F0DFE-94A7-81CF-0A0A-3E7759BE688B}"/>
+                  </a:ext>
+                </a:extLst>
+              </p:cNvPr>
+              <p:cNvPicPr>
+                <a:picLocks noChangeAspect="1"/>
+              </p:cNvPicPr>
+              <p:nvPr/>
+            </p:nvPicPr>
+            <p:blipFill>
+              <a:blip r:embed="rId6"/>
+              <a:stretch>
+                <a:fillRect/>
+              </a:stretch>
+            </p:blipFill>
+            <p:spPr>
+              <a:xfrm>
+                <a:off x="7065409" y="5478016"/>
+                <a:ext cx="3294900" cy="459493"/>
+              </a:xfrm>
+              <a:prstGeom prst="rect">
+                <a:avLst/>
+              </a:prstGeom>
+            </p:spPr>
+          </p:pic>
+        </p:grpSp>
+      </p:grpSp>
       <p:pic>
         <p:nvPicPr>
           <p:cNvPr id="13" name="Image 12">
             <a:extLst>
               <a:ext uri="{FF2B5EF4-FFF2-40B4-BE49-F238E27FC236}">
                 <a16:creationId xmlns:a16="http://schemas.microsoft.com/office/drawing/2014/main" id="{70F05F1B-186E-4E88-B0FF-19E1C8DCA6A9}"/>
-              </a:ext>
-            </a:extLst>
-          </p:cNvPr>
-          <p:cNvPicPr>
-            <a:picLocks noChangeAspect="1"/>
-          </p:cNvPicPr>
-          <p:nvPr/>
-        </p:nvPicPr>
-        <p:blipFill>
-          <a:blip r:embed="rId5"/>
-          <a:stretch>
-            <a:fillRect/>
-          </a:stretch>
-        </p:blipFill>
-        <p:spPr>
-          <a:xfrm>
-            <a:off x="5159424" y="4934991"/>
-            <a:ext cx="687523" cy="557021"/>
-          </a:xfrm>
-          <a:prstGeom prst="rect">
-            <a:avLst/>
-          </a:prstGeom>
-        </p:spPr>
-      </p:pic>
-      <p:sp>
-        <p:nvSpPr>
-          <p:cNvPr id="46" name="Flèche : droite 45">
-            <a:extLst>
-              <a:ext uri="{FF2B5EF4-FFF2-40B4-BE49-F238E27FC236}">
-                <a16:creationId xmlns:a16="http://schemas.microsoft.com/office/drawing/2014/main" id="{9C33D82E-8891-C500-BEEE-81DC233FD1DC}"/>
-              </a:ext>
-            </a:extLst>
-          </p:cNvPr>
-          <p:cNvSpPr/>
-          <p:nvPr/>
-        </p:nvSpPr>
-        <p:spPr>
-          <a:xfrm>
-            <a:off x="5159424" y="4667680"/>
-            <a:ext cx="687523" cy="166113"/>
-          </a:xfrm>
-          <a:prstGeom prst="rightArrow">
-            <a:avLst/>
-          </a:prstGeom>
-          <a:solidFill>
-            <a:schemeClr val="accent1">
-              <a:alpha val="50000"/>
-            </a:schemeClr>
-          </a:solidFill>
-          <a:ln>
-            <a:noFill/>
-          </a:ln>
-        </p:spPr>
-        <p:style>
-          <a:lnRef idx="0">
-            <a:scrgbClr r="0" g="0" b="0"/>
-          </a:lnRef>
-          <a:fillRef idx="0">
-            <a:scrgbClr r="0" g="0" b="0"/>
-          </a:fillRef>
-          <a:effectRef idx="0">
-            <a:scrgbClr r="0" g="0" b="0"/>
-          </a:effectRef>
-          <a:fontRef idx="minor">
-            <a:schemeClr val="lt1"/>
-          </a:fontRef>
-        </p:style>
-        <p:txBody>
-          <a:bodyPr rtlCol="0" anchor="ctr"/>
-          <a:lstStyle/>
-          <a:p>
-            <a:pPr algn="ctr"/>
-            <a:endParaRPr lang="fr-FR"/>
-          </a:p>
-        </p:txBody>
-      </p:sp>
-      <p:pic>
-        <p:nvPicPr>
-          <p:cNvPr id="48" name="Image 47">
-            <a:extLst>
-              <a:ext uri="{FF2B5EF4-FFF2-40B4-BE49-F238E27FC236}">
-                <a16:creationId xmlns:a16="http://schemas.microsoft.com/office/drawing/2014/main" id="{52C333BA-754B-9DDE-61DA-363C2499D52B}"/>
-              </a:ext>
-            </a:extLst>
-          </p:cNvPr>
-          <p:cNvPicPr>
-            <a:picLocks noChangeAspect="1"/>
-          </p:cNvPicPr>
-          <p:nvPr/>
-        </p:nvPicPr>
-        <p:blipFill>
-          <a:blip r:embed="rId6"/>
-          <a:stretch>
-            <a:fillRect/>
-          </a:stretch>
-        </p:blipFill>
-        <p:spPr>
-          <a:xfrm>
-            <a:off x="1601868" y="1653742"/>
-            <a:ext cx="7057545" cy="2083951"/>
-          </a:xfrm>
-          <a:prstGeom prst="rect">
-            <a:avLst/>
-          </a:prstGeom>
-        </p:spPr>
-      </p:pic>
-      <p:pic>
-        <p:nvPicPr>
-          <p:cNvPr id="52" name="Image 51">
-            <a:extLst>
-              <a:ext uri="{FF2B5EF4-FFF2-40B4-BE49-F238E27FC236}">
-                <a16:creationId xmlns:a16="http://schemas.microsoft.com/office/drawing/2014/main" id="{284F0DFE-94A7-81CF-0A0A-3E7759BE688B}"/>
               </a:ext>
             </a:extLst>
           </p:cNvPr>
@@ -15626,8 +16670,8 @@
         </p:blipFill>
         <p:spPr>
           <a:xfrm>
-            <a:off x="7065409" y="5478016"/>
-            <a:ext cx="3294900" cy="459493"/>
+            <a:off x="5159424" y="4934991"/>
+            <a:ext cx="687523" cy="557021"/>
           </a:xfrm>
           <a:prstGeom prst="rect">
             <a:avLst/>
@@ -15679,7 +16723,7 @@
           <p:nvPr/>
         </p:nvPicPr>
         <p:blipFill>
-          <a:blip r:embed="rId2"/>
+          <a:blip r:embed="rId3"/>
           <a:stretch>
             <a:fillRect/>
           </a:stretch>
@@ -15709,7 +16753,7 @@
           <p:nvPr/>
         </p:nvPicPr>
         <p:blipFill>
-          <a:blip r:embed="rId3"/>
+          <a:blip r:embed="rId4"/>
           <a:stretch>
             <a:fillRect/>
           </a:stretch>
@@ -15739,7 +16783,7 @@
           <p:nvPr/>
         </p:nvPicPr>
         <p:blipFill>
-          <a:blip r:embed="rId4"/>
+          <a:blip r:embed="rId5"/>
           <a:stretch>
             <a:fillRect/>
           </a:stretch>
@@ -17069,7 +18113,7 @@
             <a:p>
               <a:r>
                 <a:rPr lang="fr-FR" sz="1200" dirty="0"/>
-                <a:t>Architecture client/serveur</a:t>
+                <a:t>Architecture front/back</a:t>
               </a:r>
             </a:p>
             <a:p>

--- a/doc/présentation V5.pptx
+++ b/doc/présentation V5.pptx
@@ -229,7 +229,7 @@
           <a:p>
             <a:fld id="{3A579BB9-F2CA-426C-82A6-1234A0AE4AD5}" type="datetimeFigureOut">
               <a:rPr lang="fr-FR" smtClean="0"/>
-              <a:t>27/01/2023</a:t>
+              <a:t>30/01/2023</a:t>
             </a:fld>
             <a:endParaRPr lang="fr-FR"/>
           </a:p>
@@ -9596,7 +9596,7 @@
             <a:fld id="{AA70F276-1833-4A75-9C1D-A56E2295A68D}" type="datetimeFigureOut">
               <a:rPr lang="en-US" smtClean="0"/>
               <a:pPr/>
-              <a:t>1/27/2023</a:t>
+              <a:t>1/30/2023</a:t>
             </a:fld>
             <a:endParaRPr lang="en-US" dirty="0"/>
           </a:p>
@@ -9800,7 +9800,7 @@
             <a:fld id="{AA70F276-1833-4A75-9C1D-A56E2295A68D}" type="datetimeFigureOut">
               <a:rPr lang="en-US" smtClean="0"/>
               <a:pPr/>
-              <a:t>1/27/2023</a:t>
+              <a:t>1/30/2023</a:t>
             </a:fld>
             <a:endParaRPr lang="en-US" dirty="0"/>
           </a:p>
@@ -10014,7 +10014,7 @@
             <a:fld id="{AA70F276-1833-4A75-9C1D-A56E2295A68D}" type="datetimeFigureOut">
               <a:rPr lang="en-US" smtClean="0"/>
               <a:pPr/>
-              <a:t>1/27/2023</a:t>
+              <a:t>1/30/2023</a:t>
             </a:fld>
             <a:endParaRPr lang="en-US" dirty="0"/>
           </a:p>
@@ -10218,7 +10218,7 @@
             <a:fld id="{AA70F276-1833-4A75-9C1D-A56E2295A68D}" type="datetimeFigureOut">
               <a:rPr lang="en-US" smtClean="0"/>
               <a:pPr/>
-              <a:t>1/27/2023</a:t>
+              <a:t>1/30/2023</a:t>
             </a:fld>
             <a:endParaRPr lang="en-US" dirty="0"/>
           </a:p>
@@ -10499,7 +10499,7 @@
             <a:fld id="{AA70F276-1833-4A75-9C1D-A56E2295A68D}" type="datetimeFigureOut">
               <a:rPr lang="en-US" smtClean="0"/>
               <a:pPr/>
-              <a:t>1/27/2023</a:t>
+              <a:t>1/30/2023</a:t>
             </a:fld>
             <a:endParaRPr lang="en-US" dirty="0"/>
           </a:p>
@@ -10770,7 +10770,7 @@
             <a:fld id="{AA70F276-1833-4A75-9C1D-A56E2295A68D}" type="datetimeFigureOut">
               <a:rPr lang="en-US" smtClean="0"/>
               <a:pPr/>
-              <a:t>1/27/2023</a:t>
+              <a:t>1/30/2023</a:t>
             </a:fld>
             <a:endParaRPr lang="en-US" dirty="0"/>
           </a:p>
@@ -11188,7 +11188,7 @@
             <a:fld id="{AA70F276-1833-4A75-9C1D-A56E2295A68D}" type="datetimeFigureOut">
               <a:rPr lang="en-US" smtClean="0"/>
               <a:pPr/>
-              <a:t>1/27/2023</a:t>
+              <a:t>1/30/2023</a:t>
             </a:fld>
             <a:endParaRPr lang="en-US" dirty="0"/>
           </a:p>
@@ -11335,7 +11335,7 @@
             <a:fld id="{AA70F276-1833-4A75-9C1D-A56E2295A68D}" type="datetimeFigureOut">
               <a:rPr lang="en-US" smtClean="0"/>
               <a:pPr/>
-              <a:t>1/27/2023</a:t>
+              <a:t>1/30/2023</a:t>
             </a:fld>
             <a:endParaRPr lang="en-US" dirty="0"/>
           </a:p>
@@ -11454,7 +11454,7 @@
             <a:fld id="{AA70F276-1833-4A75-9C1D-A56E2295A68D}" type="datetimeFigureOut">
               <a:rPr lang="en-US" smtClean="0"/>
               <a:pPr/>
-              <a:t>1/27/2023</a:t>
+              <a:t>1/30/2023</a:t>
             </a:fld>
             <a:endParaRPr lang="en-US" dirty="0"/>
           </a:p>
@@ -11771,7 +11771,7 @@
             <a:fld id="{AA70F276-1833-4A75-9C1D-A56E2295A68D}" type="datetimeFigureOut">
               <a:rPr lang="en-US" smtClean="0"/>
               <a:pPr/>
-              <a:t>1/27/2023</a:t>
+              <a:t>1/30/2023</a:t>
             </a:fld>
             <a:endParaRPr lang="en-US" dirty="0"/>
           </a:p>
@@ -12065,7 +12065,7 @@
             <a:fld id="{AA70F276-1833-4A75-9C1D-A56E2295A68D}" type="datetimeFigureOut">
               <a:rPr lang="en-US" smtClean="0"/>
               <a:pPr/>
-              <a:t>1/27/2023</a:t>
+              <a:t>1/30/2023</a:t>
             </a:fld>
             <a:endParaRPr lang="en-US" dirty="0"/>
           </a:p>
@@ -12312,7 +12312,7 @@
             <a:fld id="{AA70F276-1833-4A75-9C1D-A56E2295A68D}" type="datetimeFigureOut">
               <a:rPr lang="en-US" smtClean="0"/>
               <a:pPr/>
-              <a:t>1/27/2023</a:t>
+              <a:t>1/30/2023</a:t>
             </a:fld>
             <a:endParaRPr lang="en-US" dirty="0"/>
           </a:p>

--- a/doc/présentation V5.pptx
+++ b/doc/présentation V5.pptx
@@ -5,7 +5,7 @@
     <p:sldMasterId id="2147483711" r:id="rId1"/>
   </p:sldMasterIdLst>
   <p:notesMasterIdLst>
-    <p:notesMasterId r:id="rId29"/>
+    <p:notesMasterId r:id="rId30"/>
   </p:notesMasterIdLst>
   <p:sldIdLst>
     <p:sldId id="256" r:id="rId2"/>
@@ -31,10 +31,11 @@
     <p:sldId id="276" r:id="rId22"/>
     <p:sldId id="287" r:id="rId23"/>
     <p:sldId id="270" r:id="rId24"/>
-    <p:sldId id="257" r:id="rId25"/>
-    <p:sldId id="283" r:id="rId26"/>
+    <p:sldId id="283" r:id="rId25"/>
+    <p:sldId id="299" r:id="rId26"/>
     <p:sldId id="294" r:id="rId27"/>
     <p:sldId id="296" r:id="rId28"/>
+    <p:sldId id="257" r:id="rId29"/>
   </p:sldIdLst>
   <p:sldSz cx="12192000" cy="6858000"/>
   <p:notesSz cx="7315200" cy="9601200"/>
@@ -229,7 +230,7 @@
           <a:p>
             <a:fld id="{3A579BB9-F2CA-426C-82A6-1234A0AE4AD5}" type="datetimeFigureOut">
               <a:rPr lang="fr-FR" smtClean="0"/>
-              <a:t>30/01/2023</a:t>
+              <a:t>01/02/2023</a:t>
             </a:fld>
             <a:endParaRPr lang="fr-FR"/>
           </a:p>
@@ -8245,23 +8246,23 @@
             </a:endParaRPr>
           </a:p>
           <a:p>
-            <a:pPr marL="0" marR="0" lvl="0" indent="0" algn="l" defTabSz="914400" rtl="0" eaLnBrk="1" fontAlgn="auto" latinLnBrk="0" hangingPunct="1">
-              <a:lnSpc>
-                <a:spcPct val="107000"/>
-              </a:lnSpc>
-              <a:spcBef>
-                <a:spcPts val="0"/>
-              </a:spcBef>
+            <a:pPr>
+              <a:lnSpc>
+                <a:spcPct val="107000"/>
+              </a:lnSpc>
               <a:spcAft>
                 <a:spcPts val="800"/>
               </a:spcAft>
-              <a:buClrTx/>
-              <a:buSzTx/>
-              <a:buFontTx/>
-              <a:buNone/>
-              <a:tabLst/>
-              <a:defRPr/>
-            </a:pPr>
+            </a:pPr>
+            <a:r>
+              <a:rPr lang="fr-FR" sz="1800" dirty="0">
+                <a:effectLst/>
+                <a:latin typeface="Calibri" panose="020F0502020204030204" pitchFamily="34" charset="0"/>
+                <a:ea typeface="Calibri" panose="020F0502020204030204" pitchFamily="34" charset="0"/>
+                <a:cs typeface="Times New Roman" panose="02020603050405020304" pitchFamily="18" charset="0"/>
+              </a:rPr>
+              <a:t>C’est un </a:t>
+            </a:r>
             <a:r>
               <a:rPr lang="fr-FR" sz="1800" dirty="0" err="1">
                 <a:effectLst/>
@@ -8269,43 +8270,16 @@
                 <a:ea typeface="Calibri" panose="020F0502020204030204" pitchFamily="34" charset="0"/>
                 <a:cs typeface="Times New Roman" panose="02020603050405020304" pitchFamily="18" charset="0"/>
               </a:rPr>
-              <a:t>Sequelize</a:t>
-            </a:r>
-            <a:r>
-              <a:rPr lang="fr-FR" sz="1800" dirty="0">
-                <a:effectLst/>
-                <a:latin typeface="Calibri" panose="020F0502020204030204" pitchFamily="34" charset="0"/>
-                <a:ea typeface="Calibri" panose="020F0502020204030204" pitchFamily="34" charset="0"/>
-                <a:cs typeface="Times New Roman" panose="02020603050405020304" pitchFamily="18" charset="0"/>
-              </a:rPr>
-              <a:t> qui est un </a:t>
-            </a:r>
-            <a:r>
-              <a:rPr lang="fr-FR" sz="1800" dirty="0" err="1">
-                <a:effectLst/>
-                <a:latin typeface="Calibri" panose="020F0502020204030204" pitchFamily="34" charset="0"/>
-                <a:ea typeface="Calibri" panose="020F0502020204030204" pitchFamily="34" charset="0"/>
-                <a:cs typeface="Times New Roman" panose="02020603050405020304" pitchFamily="18" charset="0"/>
-              </a:rPr>
               <a:t>framework</a:t>
             </a:r>
             <a:r>
-              <a:rPr lang="fr-FR" sz="1800">
-                <a:effectLst/>
-                <a:latin typeface="Calibri" panose="020F0502020204030204" pitchFamily="34" charset="0"/>
-                <a:ea typeface="Calibri" panose="020F0502020204030204" pitchFamily="34" charset="0"/>
-                <a:cs typeface="Times New Roman" panose="02020603050405020304" pitchFamily="18" charset="0"/>
-              </a:rPr>
-              <a:t> possède </a:t>
-            </a:r>
-            <a:r>
-              <a:rPr lang="fr-FR" sz="1800" dirty="0">
-                <a:effectLst/>
-                <a:latin typeface="Calibri" panose="020F0502020204030204" pitchFamily="34" charset="0"/>
-                <a:ea typeface="Calibri" panose="020F0502020204030204" pitchFamily="34" charset="0"/>
-                <a:cs typeface="Times New Roman" panose="02020603050405020304" pitchFamily="18" charset="0"/>
-              </a:rPr>
-              <a:t>ces propres fonctions pour récupérer les données de la base, les convertir en objet et vice versa.</a:t>
+              <a:rPr lang="fr-FR" sz="1800" dirty="0">
+                <a:effectLst/>
+                <a:latin typeface="Calibri" panose="020F0502020204030204" pitchFamily="34" charset="0"/>
+                <a:ea typeface="Calibri" panose="020F0502020204030204" pitchFamily="34" charset="0"/>
+                <a:cs typeface="Times New Roman" panose="02020603050405020304" pitchFamily="18" charset="0"/>
+              </a:rPr>
+              <a:t> qui possède ces propres fonctions pour récupérer les données de la base, les convertir en objet et vice versa.</a:t>
             </a:r>
           </a:p>
           <a:p>
@@ -8324,7 +8298,7 @@
                 <a:ea typeface="Calibri" panose="020F0502020204030204" pitchFamily="34" charset="0"/>
                 <a:cs typeface="Times New Roman" panose="02020603050405020304" pitchFamily="18" charset="0"/>
               </a:rPr>
-              <a:t>Il évite au maximum les requêtes SQL. Et, quand ces requêtes sont inévitables, il empêche les problèmes d’injections SQL.</a:t>
+              <a:t>Là encore, j’ai logé ces fonctions par catégories dans les fichiers distincts, appelés DAO.</a:t>
             </a:r>
           </a:p>
           <a:p>
@@ -8343,43 +8317,7 @@
                 <a:ea typeface="Calibri" panose="020F0502020204030204" pitchFamily="34" charset="0"/>
                 <a:cs typeface="Times New Roman" panose="02020603050405020304" pitchFamily="18" charset="0"/>
               </a:rPr>
-              <a:t>J’ai mis ces fonctions dans des fichiers DAO (</a:t>
-            </a:r>
-            <a:r>
-              <a:rPr lang="fr-FR" sz="1800" u="sng" dirty="0">
-                <a:effectLst/>
-                <a:latin typeface="Calibri" panose="020F0502020204030204" pitchFamily="34" charset="0"/>
-                <a:ea typeface="Calibri" panose="020F0502020204030204" pitchFamily="34" charset="0"/>
-                <a:cs typeface="Times New Roman" panose="02020603050405020304" pitchFamily="18" charset="0"/>
-              </a:rPr>
-              <a:t>Data Access Object</a:t>
-            </a:r>
-            <a:r>
-              <a:rPr lang="fr-FR" sz="1800" dirty="0">
-                <a:effectLst/>
-                <a:latin typeface="Calibri" panose="020F0502020204030204" pitchFamily="34" charset="0"/>
-                <a:ea typeface="Calibri" panose="020F0502020204030204" pitchFamily="34" charset="0"/>
-                <a:cs typeface="Times New Roman" panose="02020603050405020304" pitchFamily="18" charset="0"/>
-              </a:rPr>
-              <a:t>) distincts des </a:t>
-            </a:r>
-            <a:r>
-              <a:rPr lang="fr-FR" sz="1800" dirty="0" err="1">
-                <a:effectLst/>
-                <a:latin typeface="Calibri" panose="020F0502020204030204" pitchFamily="34" charset="0"/>
-                <a:ea typeface="Calibri" panose="020F0502020204030204" pitchFamily="34" charset="0"/>
-                <a:cs typeface="Times New Roman" panose="02020603050405020304" pitchFamily="18" charset="0"/>
-              </a:rPr>
-              <a:t>Models</a:t>
-            </a:r>
-            <a:r>
-              <a:rPr lang="fr-FR" sz="1800" dirty="0">
-                <a:effectLst/>
-                <a:latin typeface="Calibri" panose="020F0502020204030204" pitchFamily="34" charset="0"/>
-                <a:ea typeface="Calibri" panose="020F0502020204030204" pitchFamily="34" charset="0"/>
-                <a:cs typeface="Times New Roman" panose="02020603050405020304" pitchFamily="18" charset="0"/>
-              </a:rPr>
-              <a:t>, pour clarifier le code.</a:t>
+              <a:t>Les DAO évitent un maximum les requêtes SQL. Certaines permettent tout de même la saisie de requêtes. Elles empêchent alors les problèmes d’injections SQL.</a:t>
             </a:r>
           </a:p>
           <a:p>
@@ -8391,15 +8329,12 @@
                 <a:spcPts val="800"/>
               </a:spcAft>
             </a:pPr>
-            <a:r>
-              <a:rPr lang="fr-FR" sz="1800" dirty="0">
-                <a:effectLst/>
-                <a:latin typeface="Calibri" panose="020F0502020204030204" pitchFamily="34" charset="0"/>
-                <a:ea typeface="Calibri" panose="020F0502020204030204" pitchFamily="34" charset="0"/>
-                <a:cs typeface="Times New Roman" panose="02020603050405020304" pitchFamily="18" charset="0"/>
-              </a:rPr>
-              <a:t> </a:t>
-            </a:r>
+            <a:endParaRPr lang="fr-FR" sz="1800" dirty="0">
+              <a:effectLst/>
+              <a:latin typeface="Calibri" panose="020F0502020204030204" pitchFamily="34" charset="0"/>
+              <a:ea typeface="Calibri" panose="020F0502020204030204" pitchFamily="34" charset="0"/>
+              <a:cs typeface="Times New Roman" panose="02020603050405020304" pitchFamily="18" charset="0"/>
+            </a:endParaRPr>
           </a:p>
           <a:p>
             <a:pPr>
@@ -8417,25 +8352,7 @@
                 <a:ea typeface="Calibri" panose="020F0502020204030204" pitchFamily="34" charset="0"/>
                 <a:cs typeface="Times New Roman" panose="02020603050405020304" pitchFamily="18" charset="0"/>
               </a:rPr>
-              <a:t>Couches = rôle dans l’organisation =&gt; </a:t>
-            </a:r>
-            <a:r>
-              <a:rPr lang="fr-FR" sz="1800" dirty="0" err="1">
-                <a:effectLst/>
-                <a:latin typeface="Calibri" panose="020F0502020204030204" pitchFamily="34" charset="0"/>
-                <a:ea typeface="Calibri" panose="020F0502020204030204" pitchFamily="34" charset="0"/>
-                <a:cs typeface="Times New Roman" panose="02020603050405020304" pitchFamily="18" charset="0"/>
-              </a:rPr>
-              <a:t>controller</a:t>
-            </a:r>
-            <a:r>
-              <a:rPr lang="fr-FR" sz="1800" dirty="0">
-                <a:effectLst/>
-                <a:latin typeface="Calibri" panose="020F0502020204030204" pitchFamily="34" charset="0"/>
-                <a:ea typeface="Calibri" panose="020F0502020204030204" pitchFamily="34" charset="0"/>
-                <a:cs typeface="Times New Roman" panose="02020603050405020304" pitchFamily="18" charset="0"/>
-              </a:rPr>
-              <a:t> reçoit les demandes, qu’il transmet aux services, qui utilisent les fonctions d’ORM, qui utilisent les objets, qui représentent les tables de la bd.</a:t>
+              <a:t> </a:t>
             </a:r>
           </a:p>
           <a:p>
@@ -8454,7 +8371,63 @@
                 <a:ea typeface="Calibri" panose="020F0502020204030204" pitchFamily="34" charset="0"/>
                 <a:cs typeface="Times New Roman" panose="02020603050405020304" pitchFamily="18" charset="0"/>
               </a:rPr>
+              <a:t>Couches = rôle dans l’organisation =&gt; </a:t>
+            </a:r>
+            <a:r>
+              <a:rPr lang="fr-FR" sz="1800" dirty="0" err="1">
+                <a:effectLst/>
+                <a:latin typeface="Calibri" panose="020F0502020204030204" pitchFamily="34" charset="0"/>
+                <a:ea typeface="Calibri" panose="020F0502020204030204" pitchFamily="34" charset="0"/>
+                <a:cs typeface="Times New Roman" panose="02020603050405020304" pitchFamily="18" charset="0"/>
+              </a:rPr>
+              <a:t>controller</a:t>
+            </a:r>
+            <a:r>
+              <a:rPr lang="fr-FR" sz="1800" dirty="0">
+                <a:effectLst/>
+                <a:latin typeface="Calibri" panose="020F0502020204030204" pitchFamily="34" charset="0"/>
+                <a:ea typeface="Calibri" panose="020F0502020204030204" pitchFamily="34" charset="0"/>
+                <a:cs typeface="Times New Roman" panose="02020603050405020304" pitchFamily="18" charset="0"/>
+              </a:rPr>
+              <a:t> reçoit les demandes, qu’il transmet aux services, qui utilisent les fonctions DAO, qui utilisent les objets, qui représentent les tables de la bd.</a:t>
+            </a:r>
+          </a:p>
+          <a:p>
+            <a:pPr>
+              <a:lnSpc>
+                <a:spcPct val="107000"/>
+              </a:lnSpc>
+              <a:spcAft>
+                <a:spcPts val="800"/>
+              </a:spcAft>
+            </a:pPr>
+            <a:r>
+              <a:rPr lang="fr-FR" sz="1800" dirty="0">
+                <a:effectLst/>
+                <a:latin typeface="Calibri" panose="020F0502020204030204" pitchFamily="34" charset="0"/>
+                <a:ea typeface="Calibri" panose="020F0502020204030204" pitchFamily="34" charset="0"/>
+                <a:cs typeface="Times New Roman" panose="02020603050405020304" pitchFamily="18" charset="0"/>
+              </a:rPr>
               <a:t> </a:t>
+            </a:r>
+          </a:p>
+          <a:p>
+            <a:pPr>
+              <a:lnSpc>
+                <a:spcPct val="107000"/>
+              </a:lnSpc>
+              <a:spcAft>
+                <a:spcPts val="800"/>
+              </a:spcAft>
+            </a:pPr>
+            <a:r>
+              <a:rPr lang="fr-FR" sz="1800" b="1" dirty="0">
+                <a:effectLst/>
+                <a:latin typeface="Calibri" panose="020F0502020204030204" pitchFamily="34" charset="0"/>
+                <a:ea typeface="Calibri" panose="020F0502020204030204" pitchFamily="34" charset="0"/>
+                <a:cs typeface="Times New Roman" panose="02020603050405020304" pitchFamily="18" charset="0"/>
+              </a:rPr>
+              <a:t>Pour en finir avec la technique.</a:t>
             </a:r>
           </a:p>
           <a:p>
@@ -8551,22 +8524,13 @@
               </a:spcAft>
             </a:pPr>
             <a:r>
-              <a:rPr lang="fr-FR" sz="1800" b="1" dirty="0">
-                <a:effectLst/>
-                <a:latin typeface="Calibri" panose="020F0502020204030204" pitchFamily="34" charset="0"/>
-                <a:ea typeface="Calibri" panose="020F0502020204030204" pitchFamily="34" charset="0"/>
-                <a:cs typeface="Times New Roman" panose="02020603050405020304" pitchFamily="18" charset="0"/>
-              </a:rPr>
-              <a:t>Pour en finir avec la technique</a:t>
-            </a:r>
-            <a:r>
-              <a:rPr lang="fr-FR" sz="1800" dirty="0">
-                <a:effectLst/>
-                <a:latin typeface="Calibri" panose="020F0502020204030204" pitchFamily="34" charset="0"/>
-                <a:ea typeface="Calibri" panose="020F0502020204030204" pitchFamily="34" charset="0"/>
-                <a:cs typeface="Times New Roman" panose="02020603050405020304" pitchFamily="18" charset="0"/>
-              </a:rPr>
-              <a:t>, j’ai réparti toutes les données nécessaires pour ce projet en 9 catégories.</a:t>
+              <a:rPr lang="fr-FR" sz="1800" dirty="0">
+                <a:effectLst/>
+                <a:latin typeface="Calibri" panose="020F0502020204030204" pitchFamily="34" charset="0"/>
+                <a:ea typeface="Calibri" panose="020F0502020204030204" pitchFamily="34" charset="0"/>
+                <a:cs typeface="Times New Roman" panose="02020603050405020304" pitchFamily="18" charset="0"/>
+              </a:rPr>
+              <a:t>J’ai réparti toutes les données nécessaires pour ce projet en 9 tables.</a:t>
             </a:r>
           </a:p>
           <a:p>
@@ -8585,26 +8549,7 @@
                 <a:ea typeface="Calibri" panose="020F0502020204030204" pitchFamily="34" charset="0"/>
                 <a:cs typeface="Times New Roman" panose="02020603050405020304" pitchFamily="18" charset="0"/>
               </a:rPr>
-              <a:t>Le résultat est une base de données de 9 tables.</a:t>
-            </a:r>
-          </a:p>
-          <a:p>
-            <a:pPr>
-              <a:lnSpc>
-                <a:spcPct val="107000"/>
-              </a:lnSpc>
-              <a:spcAft>
-                <a:spcPts val="800"/>
-              </a:spcAft>
-            </a:pPr>
-            <a:r>
-              <a:rPr lang="fr-FR" sz="1800" dirty="0">
-                <a:effectLst/>
-                <a:latin typeface="Calibri" panose="020F0502020204030204" pitchFamily="34" charset="0"/>
-                <a:ea typeface="Calibri" panose="020F0502020204030204" pitchFamily="34" charset="0"/>
-                <a:cs typeface="Times New Roman" panose="02020603050405020304" pitchFamily="18" charset="0"/>
-              </a:rPr>
-              <a:t>Chaque table a sa clé primaire.</a:t>
+              <a:t>Chaque table avec sa clé primaire.</a:t>
             </a:r>
           </a:p>
           <a:p>
@@ -8803,7 +8748,7 @@
               </a:spcAft>
             </a:pPr>
             <a:r>
-              <a:rPr lang="fr-FR" sz="1800" dirty="0">
+              <a:rPr lang="fr-FR" sz="1800" b="1" dirty="0">
                 <a:effectLst/>
                 <a:latin typeface="Calibri" panose="020F0502020204030204" pitchFamily="34" charset="0"/>
                 <a:ea typeface="Calibri" panose="020F0502020204030204" pitchFamily="34" charset="0"/>
@@ -9596,7 +9541,7 @@
             <a:fld id="{AA70F276-1833-4A75-9C1D-A56E2295A68D}" type="datetimeFigureOut">
               <a:rPr lang="en-US" smtClean="0"/>
               <a:pPr/>
-              <a:t>1/30/2023</a:t>
+              <a:t>2/1/2023</a:t>
             </a:fld>
             <a:endParaRPr lang="en-US" dirty="0"/>
           </a:p>
@@ -9800,7 +9745,7 @@
             <a:fld id="{AA70F276-1833-4A75-9C1D-A56E2295A68D}" type="datetimeFigureOut">
               <a:rPr lang="en-US" smtClean="0"/>
               <a:pPr/>
-              <a:t>1/30/2023</a:t>
+              <a:t>2/1/2023</a:t>
             </a:fld>
             <a:endParaRPr lang="en-US" dirty="0"/>
           </a:p>
@@ -10014,7 +9959,7 @@
             <a:fld id="{AA70F276-1833-4A75-9C1D-A56E2295A68D}" type="datetimeFigureOut">
               <a:rPr lang="en-US" smtClean="0"/>
               <a:pPr/>
-              <a:t>1/30/2023</a:t>
+              <a:t>2/1/2023</a:t>
             </a:fld>
             <a:endParaRPr lang="en-US" dirty="0"/>
           </a:p>
@@ -10218,7 +10163,7 @@
             <a:fld id="{AA70F276-1833-4A75-9C1D-A56E2295A68D}" type="datetimeFigureOut">
               <a:rPr lang="en-US" smtClean="0"/>
               <a:pPr/>
-              <a:t>1/30/2023</a:t>
+              <a:t>2/1/2023</a:t>
             </a:fld>
             <a:endParaRPr lang="en-US" dirty="0"/>
           </a:p>
@@ -10499,7 +10444,7 @@
             <a:fld id="{AA70F276-1833-4A75-9C1D-A56E2295A68D}" type="datetimeFigureOut">
               <a:rPr lang="en-US" smtClean="0"/>
               <a:pPr/>
-              <a:t>1/30/2023</a:t>
+              <a:t>2/1/2023</a:t>
             </a:fld>
             <a:endParaRPr lang="en-US" dirty="0"/>
           </a:p>
@@ -10770,7 +10715,7 @@
             <a:fld id="{AA70F276-1833-4A75-9C1D-A56E2295A68D}" type="datetimeFigureOut">
               <a:rPr lang="en-US" smtClean="0"/>
               <a:pPr/>
-              <a:t>1/30/2023</a:t>
+              <a:t>2/1/2023</a:t>
             </a:fld>
             <a:endParaRPr lang="en-US" dirty="0"/>
           </a:p>
@@ -11188,7 +11133,7 @@
             <a:fld id="{AA70F276-1833-4A75-9C1D-A56E2295A68D}" type="datetimeFigureOut">
               <a:rPr lang="en-US" smtClean="0"/>
               <a:pPr/>
-              <a:t>1/30/2023</a:t>
+              <a:t>2/1/2023</a:t>
             </a:fld>
             <a:endParaRPr lang="en-US" dirty="0"/>
           </a:p>
@@ -11335,7 +11280,7 @@
             <a:fld id="{AA70F276-1833-4A75-9C1D-A56E2295A68D}" type="datetimeFigureOut">
               <a:rPr lang="en-US" smtClean="0"/>
               <a:pPr/>
-              <a:t>1/30/2023</a:t>
+              <a:t>2/1/2023</a:t>
             </a:fld>
             <a:endParaRPr lang="en-US" dirty="0"/>
           </a:p>
@@ -11454,7 +11399,7 @@
             <a:fld id="{AA70F276-1833-4A75-9C1D-A56E2295A68D}" type="datetimeFigureOut">
               <a:rPr lang="en-US" smtClean="0"/>
               <a:pPr/>
-              <a:t>1/30/2023</a:t>
+              <a:t>2/1/2023</a:t>
             </a:fld>
             <a:endParaRPr lang="en-US" dirty="0"/>
           </a:p>
@@ -11771,7 +11716,7 @@
             <a:fld id="{AA70F276-1833-4A75-9C1D-A56E2295A68D}" type="datetimeFigureOut">
               <a:rPr lang="en-US" smtClean="0"/>
               <a:pPr/>
-              <a:t>1/30/2023</a:t>
+              <a:t>2/1/2023</a:t>
             </a:fld>
             <a:endParaRPr lang="en-US" dirty="0"/>
           </a:p>
@@ -12065,7 +12010,7 @@
             <a:fld id="{AA70F276-1833-4A75-9C1D-A56E2295A68D}" type="datetimeFigureOut">
               <a:rPr lang="en-US" smtClean="0"/>
               <a:pPr/>
-              <a:t>1/30/2023</a:t>
+              <a:t>2/1/2023</a:t>
             </a:fld>
             <a:endParaRPr lang="en-US" dirty="0"/>
           </a:p>
@@ -12312,7 +12257,7 @@
             <a:fld id="{AA70F276-1833-4A75-9C1D-A56E2295A68D}" type="datetimeFigureOut">
               <a:rPr lang="en-US" smtClean="0"/>
               <a:pPr/>
-              <a:t>1/30/2023</a:t>
+              <a:t>2/1/2023</a:t>
             </a:fld>
             <a:endParaRPr lang="en-US" dirty="0"/>
           </a:p>
@@ -19127,329 +19072,243 @@
           <a:chExt cx="0" cy="0"/>
         </a:xfrm>
       </p:grpSpPr>
-      <p:grpSp>
-        <p:nvGrpSpPr>
-          <p:cNvPr id="29" name="Groupe 28">
+      <p:sp>
+        <p:nvSpPr>
+          <p:cNvPr id="3" name="Titre 1">
             <a:extLst>
               <a:ext uri="{FF2B5EF4-FFF2-40B4-BE49-F238E27FC236}">
-                <a16:creationId xmlns:a16="http://schemas.microsoft.com/office/drawing/2014/main" id="{EBDE3D9D-3C7D-DA7F-4183-D7F28460DD04}"/>
+                <a16:creationId xmlns:a16="http://schemas.microsoft.com/office/drawing/2014/main" id="{575CFBE2-659F-6E42-5DDB-EB888CD813F8}"/>
               </a:ext>
             </a:extLst>
           </p:cNvPr>
-          <p:cNvGrpSpPr/>
+          <p:cNvSpPr txBox="1">
+            <a:spLocks/>
+          </p:cNvSpPr>
           <p:nvPr/>
-        </p:nvGrpSpPr>
-        <p:grpSpPr>
+        </p:nvSpPr>
+        <p:spPr>
           <a:xfrm>
-            <a:off x="1022542" y="1867865"/>
-            <a:ext cx="7011400" cy="1561135"/>
-            <a:chOff x="1022542" y="1867865"/>
-            <a:chExt cx="7011400" cy="1561135"/>
+            <a:off x="682852" y="400632"/>
+            <a:ext cx="10515600" cy="783378"/>
           </a:xfrm>
-        </p:grpSpPr>
-        <p:sp>
-          <p:nvSpPr>
-            <p:cNvPr id="23" name="Légende : flèche vers la droite 22">
-              <a:extLst>
-                <a:ext uri="{FF2B5EF4-FFF2-40B4-BE49-F238E27FC236}">
-                  <a16:creationId xmlns:a16="http://schemas.microsoft.com/office/drawing/2014/main" id="{AF268228-B638-0700-F8C7-EFE202DB6A89}"/>
-                </a:ext>
-              </a:extLst>
-            </p:cNvPr>
-            <p:cNvSpPr/>
-            <p:nvPr/>
-          </p:nvSpPr>
-          <p:spPr>
-            <a:xfrm>
-              <a:off x="1022542" y="1867865"/>
-              <a:ext cx="4378798" cy="1062527"/>
-            </a:xfrm>
-            <a:prstGeom prst="rightArrowCallout">
-              <a:avLst/>
-            </a:prstGeom>
-            <a:solidFill>
-              <a:schemeClr val="bg1"/>
-            </a:solidFill>
-          </p:spPr>
-          <p:style>
-            <a:lnRef idx="2">
-              <a:schemeClr val="accent1">
-                <a:shade val="50000"/>
-              </a:schemeClr>
-            </a:lnRef>
-            <a:fillRef idx="1">
-              <a:schemeClr val="accent1"/>
-            </a:fillRef>
-            <a:effectRef idx="0">
-              <a:schemeClr val="accent1"/>
-            </a:effectRef>
-            <a:fontRef idx="minor">
-              <a:schemeClr val="lt1"/>
-            </a:fontRef>
-          </p:style>
-          <p:txBody>
-            <a:bodyPr rtlCol="0" anchor="ctr"/>
-            <a:lstStyle/>
-            <a:p>
-              <a:pPr algn="ctr"/>
-              <a:endParaRPr lang="fr-FR"/>
-            </a:p>
-          </p:txBody>
-        </p:sp>
-        <p:grpSp>
-          <p:nvGrpSpPr>
-            <p:cNvPr id="28" name="Groupe 27">
-              <a:extLst>
-                <a:ext uri="{FF2B5EF4-FFF2-40B4-BE49-F238E27FC236}">
-                  <a16:creationId xmlns:a16="http://schemas.microsoft.com/office/drawing/2014/main" id="{63C295B6-CE98-5219-A742-F63BA38A518D}"/>
-                </a:ext>
-              </a:extLst>
-            </p:cNvPr>
-            <p:cNvGrpSpPr/>
-            <p:nvPr/>
-          </p:nvGrpSpPr>
-          <p:grpSpPr>
-            <a:xfrm>
-              <a:off x="5528648" y="2261002"/>
-              <a:ext cx="2505294" cy="1167998"/>
-              <a:chOff x="5528648" y="2261002"/>
-              <a:chExt cx="2505294" cy="1167998"/>
-            </a:xfrm>
-          </p:grpSpPr>
-          <p:sp>
-            <p:nvSpPr>
-              <p:cNvPr id="4" name="ZoneTexte 3">
-                <a:extLst>
-                  <a:ext uri="{FF2B5EF4-FFF2-40B4-BE49-F238E27FC236}">
-                    <a16:creationId xmlns:a16="http://schemas.microsoft.com/office/drawing/2014/main" id="{ACBFB3C2-24E4-1B23-1AB4-B4C8AD4DA46F}"/>
-                  </a:ext>
-                </a:extLst>
-              </p:cNvPr>
-              <p:cNvSpPr txBox="1"/>
-              <p:nvPr/>
-            </p:nvSpPr>
-            <p:spPr>
-              <a:xfrm>
-                <a:off x="5528648" y="2261002"/>
-                <a:ext cx="2505294" cy="282513"/>
-              </a:xfrm>
-              <a:prstGeom prst="rect">
-                <a:avLst/>
-              </a:prstGeom>
-              <a:noFill/>
-            </p:spPr>
-            <p:txBody>
-              <a:bodyPr wrap="square">
-                <a:spAutoFit/>
-              </a:bodyPr>
-              <a:lstStyle/>
-              <a:p>
-                <a:pPr>
-                  <a:lnSpc>
-                    <a:spcPct val="107000"/>
-                  </a:lnSpc>
-                  <a:spcAft>
-                    <a:spcPts val="800"/>
-                  </a:spcAft>
-                </a:pPr>
-                <a:r>
-                  <a:rPr lang="fr-FR" sz="1200" dirty="0">
-                    <a:effectLst/>
-                    <a:latin typeface="Book Antiqua" panose="02040602050305030304" pitchFamily="18" charset="0"/>
-                    <a:ea typeface="Calibri" panose="020F0502020204030204" pitchFamily="34" charset="0"/>
-                    <a:cs typeface="Times New Roman" panose="02020603050405020304" pitchFamily="18" charset="0"/>
-                  </a:rPr>
-                  <a:t>Plans de formation</a:t>
-                </a:r>
-              </a:p>
-            </p:txBody>
-          </p:sp>
-          <p:grpSp>
-            <p:nvGrpSpPr>
-              <p:cNvPr id="27" name="Groupe 26">
-                <a:extLst>
-                  <a:ext uri="{FF2B5EF4-FFF2-40B4-BE49-F238E27FC236}">
-                    <a16:creationId xmlns:a16="http://schemas.microsoft.com/office/drawing/2014/main" id="{C138C3E1-76C7-B5F1-784B-4268394FAA73}"/>
-                  </a:ext>
-                </a:extLst>
-              </p:cNvPr>
-              <p:cNvGrpSpPr/>
-              <p:nvPr/>
-            </p:nvGrpSpPr>
-            <p:grpSpPr>
-              <a:xfrm>
-                <a:off x="5818452" y="2543514"/>
-                <a:ext cx="2079842" cy="885486"/>
-                <a:chOff x="7319531" y="2584526"/>
-                <a:chExt cx="2079842" cy="885486"/>
-              </a:xfrm>
-            </p:grpSpPr>
-            <p:sp>
-              <p:nvSpPr>
-                <p:cNvPr id="26" name="Parchemin : horizontal 25">
-                  <a:extLst>
-                    <a:ext uri="{FF2B5EF4-FFF2-40B4-BE49-F238E27FC236}">
-                      <a16:creationId xmlns:a16="http://schemas.microsoft.com/office/drawing/2014/main" id="{0FCCC1DB-C297-4757-9021-E56779F7B7DC}"/>
-                    </a:ext>
-                  </a:extLst>
-                </p:cNvPr>
-                <p:cNvSpPr/>
-                <p:nvPr/>
-              </p:nvSpPr>
-              <p:spPr>
-                <a:xfrm>
-                  <a:off x="7319531" y="2584526"/>
-                  <a:ext cx="2072753" cy="885486"/>
-                </a:xfrm>
-                <a:prstGeom prst="horizontalScroll">
-                  <a:avLst/>
-                </a:prstGeom>
-                <a:solidFill>
-                  <a:schemeClr val="accent1">
-                    <a:lumMod val="20000"/>
-                    <a:lumOff val="80000"/>
-                  </a:schemeClr>
-                </a:solidFill>
-                <a:ln>
-                  <a:solidFill>
-                    <a:schemeClr val="accent5"/>
-                  </a:solidFill>
-                </a:ln>
-              </p:spPr>
-              <p:style>
-                <a:lnRef idx="2">
-                  <a:schemeClr val="accent1">
-                    <a:shade val="50000"/>
-                  </a:schemeClr>
-                </a:lnRef>
-                <a:fillRef idx="1">
-                  <a:schemeClr val="accent1"/>
-                </a:fillRef>
-                <a:effectRef idx="0">
-                  <a:schemeClr val="accent1"/>
-                </a:effectRef>
-                <a:fontRef idx="minor">
-                  <a:schemeClr val="lt1"/>
-                </a:fontRef>
-              </p:style>
-              <p:txBody>
-                <a:bodyPr rtlCol="0" anchor="ctr"/>
-                <a:lstStyle/>
-                <a:p>
-                  <a:pPr algn="ctr"/>
-                  <a:endParaRPr lang="fr-FR"/>
-                </a:p>
-              </p:txBody>
-            </p:sp>
-            <p:sp>
-              <p:nvSpPr>
-                <p:cNvPr id="3" name="ZoneTexte 2">
-                  <a:extLst>
-                    <a:ext uri="{FF2B5EF4-FFF2-40B4-BE49-F238E27FC236}">
-                      <a16:creationId xmlns:a16="http://schemas.microsoft.com/office/drawing/2014/main" id="{39E74EE8-C0A2-9442-6AC0-6F88A2FD11E3}"/>
-                    </a:ext>
-                  </a:extLst>
-                </p:cNvPr>
-                <p:cNvSpPr txBox="1"/>
-                <p:nvPr/>
-              </p:nvSpPr>
-              <p:spPr>
-                <a:xfrm>
-                  <a:off x="7439996" y="2858596"/>
-                  <a:ext cx="1959377" cy="376385"/>
-                </a:xfrm>
-                <a:prstGeom prst="rect">
-                  <a:avLst/>
-                </a:prstGeom>
-                <a:noFill/>
-              </p:spPr>
-              <p:txBody>
-                <a:bodyPr wrap="square">
-                  <a:spAutoFit/>
-                </a:bodyPr>
-                <a:lstStyle/>
-                <a:p>
-                  <a:pPr>
-                    <a:lnSpc>
-                      <a:spcPct val="107000"/>
-                    </a:lnSpc>
-                    <a:spcAft>
-                      <a:spcPts val="800"/>
-                    </a:spcAft>
-                  </a:pPr>
-                  <a:r>
-                    <a:rPr lang="fr-FR" b="1" dirty="0">
-                      <a:solidFill>
-                        <a:schemeClr val="accent1">
-                          <a:lumMod val="50000"/>
-                        </a:schemeClr>
-                      </a:solidFill>
-                      <a:effectLst/>
-                      <a:latin typeface="Book Antiqua" panose="02040602050305030304" pitchFamily="18" charset="0"/>
-                      <a:ea typeface="Calibri" panose="020F0502020204030204" pitchFamily="34" charset="0"/>
-                      <a:cs typeface="Times New Roman" panose="02020603050405020304" pitchFamily="18" charset="0"/>
-                    </a:rPr>
-                    <a:t>RESKILLING !!!</a:t>
-                  </a:r>
-                </a:p>
-              </p:txBody>
-            </p:sp>
-          </p:grpSp>
-        </p:grpSp>
-      </p:grpSp>
+          <a:prstGeom prst="rect">
+            <a:avLst/>
+          </a:prstGeom>
+        </p:spPr>
+        <p:txBody>
+          <a:bodyPr vert="horz" lIns="91440" tIns="45720" rIns="91440" bIns="45720" rtlCol="0" anchor="b">
+            <a:normAutofit/>
+          </a:bodyPr>
+          <a:lstStyle>
+            <a:lvl1pPr>
+              <a:lnSpc>
+                <a:spcPct val="90000"/>
+              </a:lnSpc>
+              <a:spcBef>
+                <a:spcPct val="0"/>
+              </a:spcBef>
+              <a:buNone/>
+              <a:defRPr sz="4000">
+                <a:gradFill flip="none" rotWithShape="1">
+                  <a:gsLst>
+                    <a:gs pos="0">
+                      <a:schemeClr val="accent5">
+                        <a:alpha val="70000"/>
+                      </a:schemeClr>
+                    </a:gs>
+                    <a:gs pos="100000">
+                      <a:schemeClr val="accent1">
+                        <a:alpha val="70000"/>
+                      </a:schemeClr>
+                    </a:gs>
+                  </a:gsLst>
+                  <a:lin ang="0" scaled="1"/>
+                  <a:tileRect/>
+                </a:gradFill>
+                <a:latin typeface="+mj-lt"/>
+                <a:ea typeface="+mj-ea"/>
+                <a:cs typeface="+mj-cs"/>
+              </a:defRPr>
+            </a:lvl1pPr>
+          </a:lstStyle>
+          <a:p>
+            <a:r>
+              <a:rPr lang="fr-FR" dirty="0"/>
+              <a:t>Triggers/déclencheurs</a:t>
+            </a:r>
+          </a:p>
+        </p:txBody>
+      </p:sp>
       <p:sp>
         <p:nvSpPr>
-          <p:cNvPr id="2" name="Titre 1">
+          <p:cNvPr id="2" name="ZoneTexte 1">
             <a:extLst>
               <a:ext uri="{FF2B5EF4-FFF2-40B4-BE49-F238E27FC236}">
-                <a16:creationId xmlns:a16="http://schemas.microsoft.com/office/drawing/2014/main" id="{099E2E77-954A-DD7C-99BF-B9521D1A2115}"/>
+                <a16:creationId xmlns:a16="http://schemas.microsoft.com/office/drawing/2014/main" id="{820DCD84-3381-1332-C43A-FDF04F540A87}"/>
               </a:ext>
             </a:extLst>
           </p:cNvPr>
-          <p:cNvSpPr>
-            <a:spLocks noGrp="1"/>
-          </p:cNvSpPr>
-          <p:nvPr>
-            <p:ph type="title"/>
-          </p:nvPr>
+          <p:cNvSpPr txBox="1"/>
+          <p:nvPr/>
         </p:nvSpPr>
         <p:spPr>
           <a:xfrm>
-            <a:off x="912628" y="1055531"/>
-            <a:ext cx="10515600" cy="677750"/>
+            <a:off x="1217402" y="1184010"/>
+            <a:ext cx="6745981" cy="882934"/>
           </a:xfrm>
+          <a:prstGeom prst="rect">
+            <a:avLst/>
+          </a:prstGeom>
+          <a:noFill/>
         </p:spPr>
         <p:txBody>
-          <a:bodyPr>
-            <a:normAutofit/>
+          <a:bodyPr wrap="square">
+            <a:spAutoFit/>
           </a:bodyPr>
           <a:lstStyle/>
           <a:p>
-            <a:r>
-              <a:rPr lang="fr-FR" sz="3200" dirty="0"/>
-              <a:t>Contexte Société Générale</a:t>
+            <a:pPr marL="228600" indent="-228600">
+              <a:lnSpc>
+                <a:spcPct val="107000"/>
+              </a:lnSpc>
+              <a:spcAft>
+                <a:spcPts val="800"/>
+              </a:spcAft>
+              <a:buFont typeface="Wingdings" panose="05000000000000000000" pitchFamily="2" charset="2"/>
+              <a:buChar char="q"/>
+            </a:pPr>
+            <a:r>
+              <a:rPr lang="fr-FR" sz="1200" dirty="0" err="1">
+                <a:latin typeface="Book Antiqua" panose="02040602050305030304" pitchFamily="18" charset="0"/>
+                <a:ea typeface="Calibri" panose="020F0502020204030204" pitchFamily="34" charset="0"/>
+                <a:cs typeface="Times New Roman" panose="02020603050405020304" pitchFamily="18" charset="0"/>
+              </a:rPr>
+              <a:t>scritp</a:t>
+            </a:r>
+            <a:r>
+              <a:rPr lang="fr-FR" sz="1200" dirty="0">
+                <a:latin typeface="Book Antiqua" panose="02040602050305030304" pitchFamily="18" charset="0"/>
+                <a:ea typeface="Calibri" panose="020F0502020204030204" pitchFamily="34" charset="0"/>
+                <a:cs typeface="Times New Roman" panose="02020603050405020304" pitchFamily="18" charset="0"/>
+              </a:rPr>
+              <a:t> SQL</a:t>
+            </a:r>
+          </a:p>
+          <a:p>
+            <a:pPr marL="228600" indent="-228600">
+              <a:lnSpc>
+                <a:spcPct val="107000"/>
+              </a:lnSpc>
+              <a:spcAft>
+                <a:spcPts val="800"/>
+              </a:spcAft>
+              <a:buFont typeface="Wingdings" panose="05000000000000000000" pitchFamily="2" charset="2"/>
+              <a:buChar char="q"/>
+            </a:pPr>
+            <a:r>
+              <a:rPr lang="fr-FR" sz="1200" dirty="0">
+                <a:latin typeface="Book Antiqua" panose="02040602050305030304" pitchFamily="18" charset="0"/>
+                <a:ea typeface="Calibri" panose="020F0502020204030204" pitchFamily="34" charset="0"/>
+                <a:cs typeface="Times New Roman" panose="02020603050405020304" pitchFamily="18" charset="0"/>
+              </a:rPr>
+              <a:t>Rattachés à une base de données</a:t>
+            </a:r>
+          </a:p>
+          <a:p>
+            <a:pPr marL="228600" indent="-228600">
+              <a:lnSpc>
+                <a:spcPct val="107000"/>
+              </a:lnSpc>
+              <a:spcAft>
+                <a:spcPts val="800"/>
+              </a:spcAft>
+              <a:buFont typeface="Wingdings" panose="05000000000000000000" pitchFamily="2" charset="2"/>
+              <a:buChar char="q"/>
+            </a:pPr>
+            <a:r>
+              <a:rPr lang="fr-FR" sz="1200" dirty="0">
+                <a:latin typeface="Book Antiqua" panose="02040602050305030304" pitchFamily="18" charset="0"/>
+                <a:ea typeface="Calibri" panose="020F0502020204030204" pitchFamily="34" charset="0"/>
+                <a:cs typeface="Times New Roman" panose="02020603050405020304" pitchFamily="18" charset="0"/>
+              </a:rPr>
+              <a:t>Actions après/avant élément déclencheur (insert, update, </a:t>
+            </a:r>
+            <a:r>
+              <a:rPr lang="fr-FR" sz="1200" dirty="0" err="1">
+                <a:latin typeface="Book Antiqua" panose="02040602050305030304" pitchFamily="18" charset="0"/>
+                <a:ea typeface="Calibri" panose="020F0502020204030204" pitchFamily="34" charset="0"/>
+                <a:cs typeface="Times New Roman" panose="02020603050405020304" pitchFamily="18" charset="0"/>
+              </a:rPr>
+              <a:t>delete</a:t>
+            </a:r>
+            <a:r>
+              <a:rPr lang="fr-FR" sz="1200" dirty="0">
+                <a:latin typeface="Book Antiqua" panose="02040602050305030304" pitchFamily="18" charset="0"/>
+                <a:ea typeface="Calibri" panose="020F0502020204030204" pitchFamily="34" charset="0"/>
+                <a:cs typeface="Times New Roman" panose="02020603050405020304" pitchFamily="18" charset="0"/>
+              </a:rPr>
+              <a:t>)</a:t>
             </a:r>
           </a:p>
         </p:txBody>
       </p:sp>
       <p:pic>
         <p:nvPicPr>
-          <p:cNvPr id="7" name="Espace réservé du contenu 6" descr="Une image contenant flèche&#10;&#10;Description générée automatiquement">
+          <p:cNvPr id="4" name="Image 3">
             <a:extLst>
               <a:ext uri="{FF2B5EF4-FFF2-40B4-BE49-F238E27FC236}">
-                <a16:creationId xmlns:a16="http://schemas.microsoft.com/office/drawing/2014/main" id="{520C8AB2-C7FA-4E85-F4DE-20ECC580ACB0}"/>
+                <a16:creationId xmlns:a16="http://schemas.microsoft.com/office/drawing/2014/main" id="{08E7F2B2-523A-D57F-569E-1456F89669E7}"/>
               </a:ext>
             </a:extLst>
           </p:cNvPr>
           <p:cNvPicPr>
-            <a:picLocks noGrp="1" noChangeAspect="1"/>
+            <a:picLocks noChangeAspect="1"/>
           </p:cNvPicPr>
-          <p:nvPr>
-            <p:ph idx="1"/>
-          </p:nvPr>
+          <p:nvPr/>
         </p:nvPicPr>
         <p:blipFill>
           <a:blip r:embed="rId2">
+            <a:extLst>
+              <a:ext uri="{28A0092B-C50C-407E-A947-70E740481C1C}">
+                <a14:useLocalDpi xmlns:a14="http://schemas.microsoft.com/office/drawing/2010/main" val="0"/>
+              </a:ext>
+            </a:extLst>
+          </a:blip>
+          <a:srcRect/>
+          <a:stretch>
+            <a:fillRect/>
+          </a:stretch>
+        </p:blipFill>
+        <p:spPr bwMode="auto">
+          <a:xfrm>
+            <a:off x="846954" y="2361722"/>
+            <a:ext cx="5405755" cy="3529965"/>
+          </a:xfrm>
+          <a:prstGeom prst="rect">
+            <a:avLst/>
+          </a:prstGeom>
+          <a:noFill/>
+          <a:ln>
+            <a:noFill/>
+          </a:ln>
+        </p:spPr>
+      </p:pic>
+      <p:pic>
+        <p:nvPicPr>
+          <p:cNvPr id="5" name="Image 4">
+            <a:extLst>
+              <a:ext uri="{FF2B5EF4-FFF2-40B4-BE49-F238E27FC236}">
+                <a16:creationId xmlns:a16="http://schemas.microsoft.com/office/drawing/2014/main" id="{BA1E7439-4313-3A2F-9306-34AE9FC75E1C}"/>
+              </a:ext>
+            </a:extLst>
+          </p:cNvPr>
+          <p:cNvPicPr>
+            <a:picLocks noChangeAspect="1"/>
+          </p:cNvPicPr>
+          <p:nvPr/>
+        </p:nvPicPr>
+        <p:blipFill>
+          <a:blip r:embed="rId3">
             <a:extLst>
               <a:ext uri="{28A0092B-C50C-407E-A947-70E740481C1C}">
                 <a14:useLocalDpi xmlns:a14="http://schemas.microsoft.com/office/drawing/2010/main" val="0"/>
@@ -19462,922 +19321,55 @@
         </p:blipFill>
         <p:spPr>
           <a:xfrm>
-            <a:off x="8651561" y="681038"/>
-            <a:ext cx="1186827" cy="1186827"/>
+            <a:off x="6571071" y="2361722"/>
+            <a:ext cx="4075158" cy="3576878"/>
           </a:xfrm>
+          <a:prstGeom prst="rect">
+            <a:avLst/>
+          </a:prstGeom>
+          <a:ln>
+            <a:gradFill>
+              <a:gsLst>
+                <a:gs pos="0">
+                  <a:schemeClr val="accent1">
+                    <a:lumMod val="5000"/>
+                    <a:lumOff val="95000"/>
+                  </a:schemeClr>
+                </a:gs>
+                <a:gs pos="74000">
+                  <a:schemeClr val="accent1">
+                    <a:lumMod val="45000"/>
+                    <a:lumOff val="55000"/>
+                  </a:schemeClr>
+                </a:gs>
+                <a:gs pos="83000">
+                  <a:schemeClr val="accent1">
+                    <a:lumMod val="45000"/>
+                    <a:lumOff val="55000"/>
+                  </a:schemeClr>
+                </a:gs>
+                <a:gs pos="100000">
+                  <a:schemeClr val="accent1">
+                    <a:lumMod val="30000"/>
+                    <a:lumOff val="70000"/>
+                  </a:schemeClr>
+                </a:gs>
+              </a:gsLst>
+              <a:lin ang="5400000" scaled="1"/>
+            </a:gradFill>
+          </a:ln>
         </p:spPr>
       </p:pic>
-      <p:grpSp>
-        <p:nvGrpSpPr>
-          <p:cNvPr id="13" name="Groupe 12">
-            <a:extLst>
-              <a:ext uri="{FF2B5EF4-FFF2-40B4-BE49-F238E27FC236}">
-                <a16:creationId xmlns:a16="http://schemas.microsoft.com/office/drawing/2014/main" id="{8FE30EE8-9561-2EF7-8767-44261BF496DE}"/>
-              </a:ext>
-            </a:extLst>
-          </p:cNvPr>
-          <p:cNvGrpSpPr/>
-          <p:nvPr/>
-        </p:nvGrpSpPr>
-        <p:grpSpPr>
-          <a:xfrm>
-            <a:off x="1641485" y="3936395"/>
-            <a:ext cx="3331672" cy="1651149"/>
-            <a:chOff x="2018416" y="2563628"/>
-            <a:chExt cx="7920410" cy="1651149"/>
-          </a:xfrm>
-        </p:grpSpPr>
-        <p:sp>
-          <p:nvSpPr>
-            <p:cNvPr id="6" name="ZoneTexte 5">
-              <a:extLst>
-                <a:ext uri="{FF2B5EF4-FFF2-40B4-BE49-F238E27FC236}">
-                  <a16:creationId xmlns:a16="http://schemas.microsoft.com/office/drawing/2014/main" id="{14A758CC-D953-92A8-7091-B2C502398684}"/>
-                </a:ext>
-              </a:extLst>
-            </p:cNvPr>
-            <p:cNvSpPr txBox="1"/>
-            <p:nvPr/>
-          </p:nvSpPr>
-          <p:spPr>
-            <a:xfrm>
-              <a:off x="2267281" y="3031633"/>
-              <a:ext cx="7263076" cy="1183144"/>
-            </a:xfrm>
-            <a:prstGeom prst="rect">
-              <a:avLst/>
-            </a:prstGeom>
-            <a:noFill/>
-          </p:spPr>
-          <p:txBody>
-            <a:bodyPr wrap="square">
-              <a:spAutoFit/>
-            </a:bodyPr>
-            <a:lstStyle/>
-            <a:p>
-              <a:pPr marL="228600" indent="-228600">
-                <a:lnSpc>
-                  <a:spcPct val="107000"/>
-                </a:lnSpc>
-                <a:spcAft>
-                  <a:spcPts val="800"/>
-                </a:spcAft>
-                <a:buFont typeface="Wingdings" panose="05000000000000000000" pitchFamily="2" charset="2"/>
-                <a:buChar char="q"/>
-              </a:pPr>
-              <a:r>
-                <a:rPr lang="fr-FR" sz="1200" dirty="0">
-                  <a:latin typeface="Book Antiqua" panose="02040602050305030304" pitchFamily="18" charset="0"/>
-                  <a:ea typeface="Calibri" panose="020F0502020204030204" pitchFamily="34" charset="0"/>
-                  <a:cs typeface="Times New Roman" panose="02020603050405020304" pitchFamily="18" charset="0"/>
-                </a:rPr>
-                <a:t>Support</a:t>
-              </a:r>
-            </a:p>
-            <a:p>
-              <a:pPr marL="228600" indent="-228600">
-                <a:lnSpc>
-                  <a:spcPct val="107000"/>
-                </a:lnSpc>
-                <a:spcAft>
-                  <a:spcPts val="800"/>
-                </a:spcAft>
-                <a:buFont typeface="Wingdings" panose="05000000000000000000" pitchFamily="2" charset="2"/>
-                <a:buChar char="q"/>
-              </a:pPr>
-              <a:r>
-                <a:rPr lang="fr-FR" sz="1200" dirty="0">
-                  <a:latin typeface="Book Antiqua" panose="02040602050305030304" pitchFamily="18" charset="0"/>
-                  <a:ea typeface="Calibri" panose="020F0502020204030204" pitchFamily="34" charset="0"/>
-                  <a:cs typeface="Times New Roman" panose="02020603050405020304" pitchFamily="18" charset="0"/>
-                </a:rPr>
-                <a:t>Maintenance</a:t>
-              </a:r>
-            </a:p>
-            <a:p>
-              <a:pPr marL="228600" indent="-228600">
-                <a:lnSpc>
-                  <a:spcPct val="107000"/>
-                </a:lnSpc>
-                <a:spcAft>
-                  <a:spcPts val="800"/>
-                </a:spcAft>
-                <a:buFont typeface="Wingdings" panose="05000000000000000000" pitchFamily="2" charset="2"/>
-                <a:buChar char="q"/>
-              </a:pPr>
-              <a:r>
-                <a:rPr lang="fr-FR" sz="1200" dirty="0">
-                  <a:latin typeface="Book Antiqua" panose="02040602050305030304" pitchFamily="18" charset="0"/>
-                  <a:ea typeface="Calibri" panose="020F0502020204030204" pitchFamily="34" charset="0"/>
-                  <a:cs typeface="Times New Roman" panose="02020603050405020304" pitchFamily="18" charset="0"/>
-                </a:rPr>
-                <a:t>Développement</a:t>
-              </a:r>
-            </a:p>
-            <a:p>
-              <a:pPr marL="228600" indent="-228600">
-                <a:lnSpc>
-                  <a:spcPct val="107000"/>
-                </a:lnSpc>
-                <a:spcAft>
-                  <a:spcPts val="800"/>
-                </a:spcAft>
-                <a:buFont typeface="Wingdings" panose="05000000000000000000" pitchFamily="2" charset="2"/>
-                <a:buChar char="q"/>
-              </a:pPr>
-              <a:r>
-                <a:rPr lang="fr-FR" sz="1200" dirty="0">
-                  <a:latin typeface="Book Antiqua" panose="02040602050305030304" pitchFamily="18" charset="0"/>
-                  <a:ea typeface="Calibri" panose="020F0502020204030204" pitchFamily="34" charset="0"/>
-                  <a:cs typeface="Times New Roman" panose="02020603050405020304" pitchFamily="18" charset="0"/>
-                </a:rPr>
-                <a:t>Tests de non régression</a:t>
-              </a:r>
-            </a:p>
-          </p:txBody>
-        </p:sp>
-        <p:sp>
-          <p:nvSpPr>
-            <p:cNvPr id="8" name="Titre 1">
-              <a:extLst>
-                <a:ext uri="{FF2B5EF4-FFF2-40B4-BE49-F238E27FC236}">
-                  <a16:creationId xmlns:a16="http://schemas.microsoft.com/office/drawing/2014/main" id="{472F6CE5-DE74-A322-A738-C53D7DBFF9E6}"/>
-                </a:ext>
-              </a:extLst>
-            </p:cNvPr>
-            <p:cNvSpPr txBox="1">
-              <a:spLocks/>
-            </p:cNvSpPr>
-            <p:nvPr/>
-          </p:nvSpPr>
-          <p:spPr>
-            <a:xfrm>
-              <a:off x="2018416" y="2563628"/>
-              <a:ext cx="7920410" cy="547115"/>
-            </a:xfrm>
-            <a:prstGeom prst="rect">
-              <a:avLst/>
-            </a:prstGeom>
-          </p:spPr>
-          <p:txBody>
-            <a:bodyPr vert="horz" lIns="91440" tIns="45720" rIns="91440" bIns="45720" rtlCol="0" anchor="ctr">
-              <a:normAutofit fontScale="70000" lnSpcReduction="20000"/>
-            </a:bodyPr>
-            <a:lstStyle>
-              <a:lvl1pPr marL="0" algn="l" defTabSz="914400" rtl="0" eaLnBrk="1" latinLnBrk="0" hangingPunct="1">
-                <a:lnSpc>
-                  <a:spcPct val="90000"/>
-                </a:lnSpc>
-                <a:spcBef>
-                  <a:spcPct val="0"/>
-                </a:spcBef>
-                <a:buNone/>
-                <a:defRPr lang="en-US" sz="5200" kern="1200" dirty="0">
-                  <a:gradFill flip="none" rotWithShape="1">
-                    <a:gsLst>
-                      <a:gs pos="0">
-                        <a:schemeClr val="accent5"/>
-                      </a:gs>
-                      <a:gs pos="100000">
-                        <a:schemeClr val="accent1">
-                          <a:alpha val="70000"/>
-                        </a:schemeClr>
-                      </a:gs>
-                    </a:gsLst>
-                    <a:lin ang="0" scaled="1"/>
-                    <a:tileRect/>
-                  </a:gradFill>
-                  <a:latin typeface="+mj-lt"/>
-                  <a:ea typeface="+mn-ea"/>
-                  <a:cs typeface="Angsana New" panose="02020603050405020304" pitchFamily="18" charset="-34"/>
-                </a:defRPr>
-              </a:lvl1pPr>
-            </a:lstStyle>
-            <a:p>
-              <a:r>
-                <a:rPr lang="fr-FR" sz="2800" dirty="0" err="1"/>
-                <a:t>Xone</a:t>
-              </a:r>
-              <a:r>
-                <a:rPr lang="fr-FR" sz="2800" dirty="0"/>
-                <a:t> : SI gestion transactions banque d’investissements</a:t>
-              </a:r>
-            </a:p>
-          </p:txBody>
-        </p:sp>
-      </p:grpSp>
-      <p:grpSp>
-        <p:nvGrpSpPr>
-          <p:cNvPr id="14" name="Groupe 13">
-            <a:extLst>
-              <a:ext uri="{FF2B5EF4-FFF2-40B4-BE49-F238E27FC236}">
-                <a16:creationId xmlns:a16="http://schemas.microsoft.com/office/drawing/2014/main" id="{BEC458D6-1D51-F331-1ED9-1E0518CD31F9}"/>
-              </a:ext>
-            </a:extLst>
-          </p:cNvPr>
-          <p:cNvGrpSpPr/>
-          <p:nvPr/>
-        </p:nvGrpSpPr>
-        <p:grpSpPr>
-          <a:xfrm>
-            <a:off x="5938917" y="4354684"/>
-            <a:ext cx="3354499" cy="1435824"/>
-            <a:chOff x="3494165" y="4326196"/>
-            <a:chExt cx="3407656" cy="1435824"/>
-          </a:xfrm>
-        </p:grpSpPr>
-        <p:sp>
-          <p:nvSpPr>
-            <p:cNvPr id="11" name="Titre 1">
-              <a:extLst>
-                <a:ext uri="{FF2B5EF4-FFF2-40B4-BE49-F238E27FC236}">
-                  <a16:creationId xmlns:a16="http://schemas.microsoft.com/office/drawing/2014/main" id="{2A0F28B1-E086-F076-13D2-63284AC23C49}"/>
-                </a:ext>
-              </a:extLst>
-            </p:cNvPr>
-            <p:cNvSpPr txBox="1">
-              <a:spLocks/>
-            </p:cNvSpPr>
-            <p:nvPr/>
-          </p:nvSpPr>
-          <p:spPr>
-            <a:xfrm>
-              <a:off x="3494165" y="4326196"/>
-              <a:ext cx="3172106" cy="550333"/>
-            </a:xfrm>
-            <a:prstGeom prst="rect">
-              <a:avLst/>
-            </a:prstGeom>
-          </p:spPr>
-          <p:txBody>
-            <a:bodyPr vert="horz" lIns="91440" tIns="45720" rIns="91440" bIns="45720" rtlCol="0" anchor="ctr">
-              <a:noAutofit/>
-            </a:bodyPr>
-            <a:lstStyle>
-              <a:lvl1pPr marL="0" algn="l" defTabSz="914400" rtl="0" eaLnBrk="1" latinLnBrk="0" hangingPunct="1">
-                <a:lnSpc>
-                  <a:spcPct val="90000"/>
-                </a:lnSpc>
-                <a:spcBef>
-                  <a:spcPct val="0"/>
-                </a:spcBef>
-                <a:buNone/>
-                <a:defRPr lang="en-US" sz="5200" kern="1200" dirty="0">
-                  <a:gradFill flip="none" rotWithShape="1">
-                    <a:gsLst>
-                      <a:gs pos="0">
-                        <a:schemeClr val="accent5"/>
-                      </a:gs>
-                      <a:gs pos="100000">
-                        <a:schemeClr val="accent1">
-                          <a:alpha val="70000"/>
-                        </a:schemeClr>
-                      </a:gs>
-                    </a:gsLst>
-                    <a:lin ang="0" scaled="1"/>
-                    <a:tileRect/>
-                  </a:gradFill>
-                  <a:latin typeface="+mj-lt"/>
-                  <a:ea typeface="+mn-ea"/>
-                  <a:cs typeface="Angsana New" panose="02020603050405020304" pitchFamily="18" charset="-34"/>
-                </a:defRPr>
-              </a:lvl1pPr>
-            </a:lstStyle>
-            <a:p>
-              <a:r>
-                <a:rPr lang="fr-FR" sz="2000" dirty="0"/>
-                <a:t>Et moi dans tout ça…</a:t>
-              </a:r>
-            </a:p>
-          </p:txBody>
-        </p:sp>
-        <p:sp>
-          <p:nvSpPr>
-            <p:cNvPr id="12" name="ZoneTexte 11">
-              <a:extLst>
-                <a:ext uri="{FF2B5EF4-FFF2-40B4-BE49-F238E27FC236}">
-                  <a16:creationId xmlns:a16="http://schemas.microsoft.com/office/drawing/2014/main" id="{FEE3E477-56C2-2997-D394-91FD365149F5}"/>
-                </a:ext>
-              </a:extLst>
-            </p:cNvPr>
-            <p:cNvSpPr txBox="1"/>
-            <p:nvPr/>
-          </p:nvSpPr>
-          <p:spPr>
-            <a:xfrm>
-              <a:off x="3729715" y="4879086"/>
-              <a:ext cx="3172106" cy="882934"/>
-            </a:xfrm>
-            <a:prstGeom prst="rect">
-              <a:avLst/>
-            </a:prstGeom>
-            <a:noFill/>
-          </p:spPr>
-          <p:txBody>
-            <a:bodyPr wrap="square">
-              <a:spAutoFit/>
-            </a:bodyPr>
-            <a:lstStyle/>
-            <a:p>
-              <a:pPr marL="285750" indent="-285750">
-                <a:lnSpc>
-                  <a:spcPct val="107000"/>
-                </a:lnSpc>
-                <a:spcAft>
-                  <a:spcPts val="800"/>
-                </a:spcAft>
-                <a:buFont typeface="Wingdings" panose="05000000000000000000" pitchFamily="2" charset="2"/>
-                <a:buChar char="q"/>
-              </a:pPr>
-              <a:r>
-                <a:rPr lang="fr-FR" sz="1200" dirty="0" err="1">
-                  <a:latin typeface="Book Antiqua" panose="02040602050305030304" pitchFamily="18" charset="0"/>
-                  <a:ea typeface="Calibri" panose="020F0502020204030204" pitchFamily="34" charset="0"/>
-                  <a:cs typeface="Times New Roman" panose="02020603050405020304" pitchFamily="18" charset="0"/>
-                </a:rPr>
-                <a:t>Reskilling</a:t>
-              </a:r>
-              <a:r>
-                <a:rPr lang="fr-FR" sz="1200" dirty="0">
-                  <a:latin typeface="Book Antiqua" panose="02040602050305030304" pitchFamily="18" charset="0"/>
-                  <a:ea typeface="Calibri" panose="020F0502020204030204" pitchFamily="34" charset="0"/>
-                  <a:cs typeface="Times New Roman" panose="02020603050405020304" pitchFamily="18" charset="0"/>
-                </a:rPr>
-                <a:t> pour changer de carrière</a:t>
-              </a:r>
-            </a:p>
-            <a:p>
-              <a:pPr marL="285750" indent="-285750">
-                <a:lnSpc>
-                  <a:spcPct val="107000"/>
-                </a:lnSpc>
-                <a:spcAft>
-                  <a:spcPts val="800"/>
-                </a:spcAft>
-                <a:buFont typeface="Wingdings" panose="05000000000000000000" pitchFamily="2" charset="2"/>
-                <a:buChar char="q"/>
-              </a:pPr>
-              <a:r>
-                <a:rPr lang="fr-FR" sz="1200" dirty="0">
-                  <a:latin typeface="Book Antiqua" panose="02040602050305030304" pitchFamily="18" charset="0"/>
-                  <a:ea typeface="Calibri" panose="020F0502020204030204" pitchFamily="34" charset="0"/>
-                  <a:cs typeface="Times New Roman" panose="02020603050405020304" pitchFamily="18" charset="0"/>
-                </a:rPr>
-                <a:t>Développement</a:t>
-              </a:r>
-            </a:p>
-            <a:p>
-              <a:pPr marL="285750" indent="-285750">
-                <a:lnSpc>
-                  <a:spcPct val="107000"/>
-                </a:lnSpc>
-                <a:spcAft>
-                  <a:spcPts val="800"/>
-                </a:spcAft>
-                <a:buFont typeface="Wingdings" panose="05000000000000000000" pitchFamily="2" charset="2"/>
-                <a:buChar char="q"/>
-              </a:pPr>
-              <a:r>
-                <a:rPr lang="fr-FR" sz="1200" dirty="0">
-                  <a:latin typeface="Book Antiqua" panose="02040602050305030304" pitchFamily="18" charset="0"/>
-                  <a:ea typeface="Calibri" panose="020F0502020204030204" pitchFamily="34" charset="0"/>
-                  <a:cs typeface="Times New Roman" panose="02020603050405020304" pitchFamily="18" charset="0"/>
-                </a:rPr>
-                <a:t>Tests</a:t>
-              </a:r>
-            </a:p>
-          </p:txBody>
-        </p:sp>
-      </p:grpSp>
-      <p:grpSp>
-        <p:nvGrpSpPr>
-          <p:cNvPr id="21" name="Groupe 20">
-            <a:extLst>
-              <a:ext uri="{FF2B5EF4-FFF2-40B4-BE49-F238E27FC236}">
-                <a16:creationId xmlns:a16="http://schemas.microsoft.com/office/drawing/2014/main" id="{92EAA6D7-56A5-5270-EA19-981AC0441369}"/>
-              </a:ext>
-            </a:extLst>
-          </p:cNvPr>
-          <p:cNvGrpSpPr/>
-          <p:nvPr/>
-        </p:nvGrpSpPr>
-        <p:grpSpPr>
-          <a:xfrm>
-            <a:off x="1110107" y="1933295"/>
-            <a:ext cx="2594395" cy="535981"/>
-            <a:chOff x="1148177" y="1711362"/>
-            <a:chExt cx="2594395" cy="535981"/>
-          </a:xfrm>
-        </p:grpSpPr>
-        <p:sp>
-          <p:nvSpPr>
-            <p:cNvPr id="9" name="ZoneTexte 8">
-              <a:extLst>
-                <a:ext uri="{FF2B5EF4-FFF2-40B4-BE49-F238E27FC236}">
-                  <a16:creationId xmlns:a16="http://schemas.microsoft.com/office/drawing/2014/main" id="{BC23ED4F-C6A3-6A63-6E53-A21EC4FABCD5}"/>
-                </a:ext>
-              </a:extLst>
-            </p:cNvPr>
-            <p:cNvSpPr txBox="1"/>
-            <p:nvPr/>
-          </p:nvSpPr>
-          <p:spPr>
-            <a:xfrm>
-              <a:off x="1148177" y="1805908"/>
-              <a:ext cx="2594395" cy="282321"/>
-            </a:xfrm>
-            <a:prstGeom prst="rect">
-              <a:avLst/>
-            </a:prstGeom>
-            <a:noFill/>
-          </p:spPr>
-          <p:txBody>
-            <a:bodyPr wrap="square">
-              <a:spAutoFit/>
-            </a:bodyPr>
-            <a:lstStyle/>
-            <a:p>
-              <a:pPr>
-                <a:lnSpc>
-                  <a:spcPct val="107000"/>
-                </a:lnSpc>
-                <a:spcAft>
-                  <a:spcPts val="800"/>
-                </a:spcAft>
-              </a:pPr>
-              <a:r>
-                <a:rPr lang="fr-FR" sz="1200" dirty="0">
-                  <a:effectLst/>
-                  <a:latin typeface="Book Antiqua" panose="02040602050305030304" pitchFamily="18" charset="0"/>
-                  <a:ea typeface="Calibri" panose="020F0502020204030204" pitchFamily="34" charset="0"/>
-                  <a:cs typeface="Times New Roman" panose="02020603050405020304" pitchFamily="18" charset="0"/>
-                </a:rPr>
-                <a:t>Besoin en informatiques</a:t>
-              </a:r>
-              <a:endParaRPr lang="fr-FR" sz="2800" b="1" dirty="0">
-                <a:solidFill>
-                  <a:schemeClr val="accent6">
-                    <a:lumMod val="75000"/>
-                  </a:schemeClr>
-                </a:solidFill>
-                <a:effectLst/>
-                <a:latin typeface="Book Antiqua" panose="02040602050305030304" pitchFamily="18" charset="0"/>
-                <a:ea typeface="Calibri" panose="020F0502020204030204" pitchFamily="34" charset="0"/>
-                <a:cs typeface="Times New Roman" panose="02020603050405020304" pitchFamily="18" charset="0"/>
-              </a:endParaRPr>
-            </a:p>
-          </p:txBody>
-        </p:sp>
-        <p:sp>
-          <p:nvSpPr>
-            <p:cNvPr id="18" name="ZoneTexte 17">
-              <a:extLst>
-                <a:ext uri="{FF2B5EF4-FFF2-40B4-BE49-F238E27FC236}">
-                  <a16:creationId xmlns:a16="http://schemas.microsoft.com/office/drawing/2014/main" id="{118B1DFB-43CD-2307-85EC-71817F8A30A1}"/>
-                </a:ext>
-              </a:extLst>
-            </p:cNvPr>
-            <p:cNvSpPr txBox="1"/>
-            <p:nvPr/>
-          </p:nvSpPr>
-          <p:spPr>
-            <a:xfrm>
-              <a:off x="2871872" y="1711362"/>
-              <a:ext cx="870700" cy="535981"/>
-            </a:xfrm>
-            <a:prstGeom prst="rect">
-              <a:avLst/>
-            </a:prstGeom>
-            <a:noFill/>
-          </p:spPr>
-          <p:txBody>
-            <a:bodyPr wrap="square">
-              <a:spAutoFit/>
-            </a:bodyPr>
-            <a:lstStyle/>
-            <a:p>
-              <a:pPr>
-                <a:lnSpc>
-                  <a:spcPct val="107000"/>
-                </a:lnSpc>
-                <a:spcAft>
-                  <a:spcPts val="800"/>
-                </a:spcAft>
-              </a:pPr>
-              <a:r>
-                <a:rPr lang="fr-FR" sz="2800" b="1" dirty="0">
-                  <a:solidFill>
-                    <a:schemeClr val="accent6">
-                      <a:lumMod val="75000"/>
-                    </a:schemeClr>
-                  </a:solidFill>
-                  <a:effectLst/>
-                  <a:latin typeface="Book Antiqua" panose="02040602050305030304" pitchFamily="18" charset="0"/>
-                  <a:ea typeface="Calibri" panose="020F0502020204030204" pitchFamily="34" charset="0"/>
-                  <a:cs typeface="Times New Roman" panose="02020603050405020304" pitchFamily="18" charset="0"/>
-                </a:rPr>
-                <a:t>+++</a:t>
-              </a:r>
-            </a:p>
-          </p:txBody>
-        </p:sp>
-      </p:grpSp>
-      <p:grpSp>
-        <p:nvGrpSpPr>
-          <p:cNvPr id="22" name="Groupe 21">
-            <a:extLst>
-              <a:ext uri="{FF2B5EF4-FFF2-40B4-BE49-F238E27FC236}">
-                <a16:creationId xmlns:a16="http://schemas.microsoft.com/office/drawing/2014/main" id="{851BF32D-2CBE-14D1-C34E-5E842427B373}"/>
-              </a:ext>
-            </a:extLst>
-          </p:cNvPr>
-          <p:cNvGrpSpPr/>
-          <p:nvPr/>
-        </p:nvGrpSpPr>
-        <p:grpSpPr>
-          <a:xfrm>
-            <a:off x="1383159" y="2282108"/>
-            <a:ext cx="2160392" cy="535981"/>
-            <a:chOff x="1649198" y="2080123"/>
-            <a:chExt cx="2160392" cy="535981"/>
-          </a:xfrm>
-        </p:grpSpPr>
-        <p:sp>
-          <p:nvSpPr>
-            <p:cNvPr id="19" name="ZoneTexte 18">
-              <a:extLst>
-                <a:ext uri="{FF2B5EF4-FFF2-40B4-BE49-F238E27FC236}">
-                  <a16:creationId xmlns:a16="http://schemas.microsoft.com/office/drawing/2014/main" id="{8D9A0323-DC8B-2862-D066-BF4DD1001C57}"/>
-                </a:ext>
-              </a:extLst>
-            </p:cNvPr>
-            <p:cNvSpPr txBox="1"/>
-            <p:nvPr/>
-          </p:nvSpPr>
-          <p:spPr>
-            <a:xfrm>
-              <a:off x="1649198" y="2205159"/>
-              <a:ext cx="2147688" cy="282321"/>
-            </a:xfrm>
-            <a:prstGeom prst="rect">
-              <a:avLst/>
-            </a:prstGeom>
-            <a:noFill/>
-          </p:spPr>
-          <p:txBody>
-            <a:bodyPr wrap="square">
-              <a:spAutoFit/>
-            </a:bodyPr>
-            <a:lstStyle/>
-            <a:p>
-              <a:pPr>
-                <a:lnSpc>
-                  <a:spcPct val="107000"/>
-                </a:lnSpc>
-                <a:spcAft>
-                  <a:spcPts val="800"/>
-                </a:spcAft>
-              </a:pPr>
-              <a:r>
-                <a:rPr lang="fr-FR" sz="1200" dirty="0">
-                  <a:effectLst/>
-                  <a:latin typeface="Book Antiqua" panose="02040602050305030304" pitchFamily="18" charset="0"/>
-                  <a:ea typeface="Calibri" panose="020F0502020204030204" pitchFamily="34" charset="0"/>
-                  <a:cs typeface="Times New Roman" panose="02020603050405020304" pitchFamily="18" charset="0"/>
-                </a:rPr>
-                <a:t>Besoin métiers</a:t>
-              </a:r>
-              <a:endParaRPr lang="fr-FR" sz="2800" b="1" dirty="0">
-                <a:solidFill>
-                  <a:schemeClr val="accent6">
-                    <a:lumMod val="75000"/>
-                  </a:schemeClr>
-                </a:solidFill>
-                <a:effectLst/>
-                <a:latin typeface="Book Antiqua" panose="02040602050305030304" pitchFamily="18" charset="0"/>
-                <a:ea typeface="Calibri" panose="020F0502020204030204" pitchFamily="34" charset="0"/>
-                <a:cs typeface="Times New Roman" panose="02020603050405020304" pitchFamily="18" charset="0"/>
-              </a:endParaRPr>
-            </a:p>
-          </p:txBody>
-        </p:sp>
-        <p:sp>
-          <p:nvSpPr>
-            <p:cNvPr id="20" name="ZoneTexte 19">
-              <a:extLst>
-                <a:ext uri="{FF2B5EF4-FFF2-40B4-BE49-F238E27FC236}">
-                  <a16:creationId xmlns:a16="http://schemas.microsoft.com/office/drawing/2014/main" id="{3F9661F0-037A-81C3-15B8-F95A4D633225}"/>
-                </a:ext>
-              </a:extLst>
-            </p:cNvPr>
-            <p:cNvSpPr txBox="1"/>
-            <p:nvPr/>
-          </p:nvSpPr>
-          <p:spPr>
-            <a:xfrm>
-              <a:off x="2938890" y="2080123"/>
-              <a:ext cx="870700" cy="535981"/>
-            </a:xfrm>
-            <a:prstGeom prst="rect">
-              <a:avLst/>
-            </a:prstGeom>
-            <a:noFill/>
-          </p:spPr>
-          <p:txBody>
-            <a:bodyPr wrap="square">
-              <a:spAutoFit/>
-            </a:bodyPr>
-            <a:lstStyle/>
-            <a:p>
-              <a:pPr>
-                <a:lnSpc>
-                  <a:spcPct val="107000"/>
-                </a:lnSpc>
-                <a:spcAft>
-                  <a:spcPts val="800"/>
-                </a:spcAft>
-              </a:pPr>
-              <a:r>
-                <a:rPr lang="fr-FR" sz="2800" b="1" dirty="0">
-                  <a:solidFill>
-                    <a:srgbClr val="FF0000"/>
-                  </a:solidFill>
-                  <a:effectLst/>
-                  <a:latin typeface="Book Antiqua" panose="02040602050305030304" pitchFamily="18" charset="0"/>
-                  <a:ea typeface="Calibri" panose="020F0502020204030204" pitchFamily="34" charset="0"/>
-                  <a:cs typeface="Times New Roman" panose="02020603050405020304" pitchFamily="18" charset="0"/>
-                </a:rPr>
-                <a:t>- - -</a:t>
-              </a:r>
-            </a:p>
-          </p:txBody>
-        </p:sp>
-      </p:grpSp>
     </p:spTree>
     <p:extLst>
       <p:ext uri="{BB962C8B-B14F-4D97-AF65-F5344CB8AC3E}">
-        <p14:creationId xmlns:p14="http://schemas.microsoft.com/office/powerpoint/2010/main" val="1353371378"/>
+        <p14:creationId xmlns:p14="http://schemas.microsoft.com/office/powerpoint/2010/main" val="818808910"/>
       </p:ext>
     </p:extLst>
   </p:cSld>
   <p:clrMapOvr>
     <a:masterClrMapping/>
   </p:clrMapOvr>
-  <p:timing>
-    <p:tnLst>
-      <p:par>
-        <p:cTn id="1" dur="indefinite" restart="never" nodeType="tmRoot">
-          <p:childTnLst>
-            <p:seq concurrent="1" nextAc="seek">
-              <p:cTn id="2" dur="indefinite" nodeType="mainSeq">
-                <p:childTnLst>
-                  <p:par>
-                    <p:cTn id="3" fill="hold">
-                      <p:stCondLst>
-                        <p:cond delay="indefinite"/>
-                      </p:stCondLst>
-                      <p:childTnLst>
-                        <p:par>
-                          <p:cTn id="4" fill="hold">
-                            <p:stCondLst>
-                              <p:cond delay="0"/>
-                            </p:stCondLst>
-                            <p:childTnLst>
-                              <p:par>
-                                <p:cTn id="5" presetID="1" presetClass="entr" presetSubtype="0" fill="hold" nodeType="clickEffect">
-                                  <p:stCondLst>
-                                    <p:cond delay="0"/>
-                                  </p:stCondLst>
-                                  <p:childTnLst>
-                                    <p:set>
-                                      <p:cBhvr>
-                                        <p:cTn id="6" dur="1" fill="hold">
-                                          <p:stCondLst>
-                                            <p:cond delay="0"/>
-                                          </p:stCondLst>
-                                        </p:cTn>
-                                        <p:tgtEl>
-                                          <p:spTgt spid="21"/>
-                                        </p:tgtEl>
-                                        <p:attrNameLst>
-                                          <p:attrName>style.visibility</p:attrName>
-                                        </p:attrNameLst>
-                                      </p:cBhvr>
-                                      <p:to>
-                                        <p:strVal val="visible"/>
-                                      </p:to>
-                                    </p:set>
-                                  </p:childTnLst>
-                                </p:cTn>
-                              </p:par>
-                            </p:childTnLst>
-                          </p:cTn>
-                        </p:par>
-                      </p:childTnLst>
-                    </p:cTn>
-                  </p:par>
-                  <p:par>
-                    <p:cTn id="7" fill="hold">
-                      <p:stCondLst>
-                        <p:cond delay="indefinite"/>
-                      </p:stCondLst>
-                      <p:childTnLst>
-                        <p:par>
-                          <p:cTn id="8" fill="hold">
-                            <p:stCondLst>
-                              <p:cond delay="0"/>
-                            </p:stCondLst>
-                            <p:childTnLst>
-                              <p:par>
-                                <p:cTn id="9" presetID="1" presetClass="entr" presetSubtype="0" fill="hold" nodeType="clickEffect">
-                                  <p:stCondLst>
-                                    <p:cond delay="0"/>
-                                  </p:stCondLst>
-                                  <p:childTnLst>
-                                    <p:set>
-                                      <p:cBhvr>
-                                        <p:cTn id="10" dur="1" fill="hold">
-                                          <p:stCondLst>
-                                            <p:cond delay="0"/>
-                                          </p:stCondLst>
-                                        </p:cTn>
-                                        <p:tgtEl>
-                                          <p:spTgt spid="22"/>
-                                        </p:tgtEl>
-                                        <p:attrNameLst>
-                                          <p:attrName>style.visibility</p:attrName>
-                                        </p:attrNameLst>
-                                      </p:cBhvr>
-                                      <p:to>
-                                        <p:strVal val="visible"/>
-                                      </p:to>
-                                    </p:set>
-                                  </p:childTnLst>
-                                </p:cTn>
-                              </p:par>
-                            </p:childTnLst>
-                          </p:cTn>
-                        </p:par>
-                      </p:childTnLst>
-                    </p:cTn>
-                  </p:par>
-                  <p:par>
-                    <p:cTn id="11" fill="hold">
-                      <p:stCondLst>
-                        <p:cond delay="indefinite"/>
-                      </p:stCondLst>
-                      <p:childTnLst>
-                        <p:par>
-                          <p:cTn id="12" fill="hold">
-                            <p:stCondLst>
-                              <p:cond delay="0"/>
-                            </p:stCondLst>
-                            <p:childTnLst>
-                              <p:par>
-                                <p:cTn id="13" presetID="1" presetClass="entr" presetSubtype="0" fill="hold" nodeType="clickEffect">
-                                  <p:stCondLst>
-                                    <p:cond delay="0"/>
-                                  </p:stCondLst>
-                                  <p:childTnLst>
-                                    <p:set>
-                                      <p:cBhvr>
-                                        <p:cTn id="14" dur="1" fill="hold">
-                                          <p:stCondLst>
-                                            <p:cond delay="0"/>
-                                          </p:stCondLst>
-                                        </p:cTn>
-                                        <p:tgtEl>
-                                          <p:spTgt spid="29"/>
-                                        </p:tgtEl>
-                                        <p:attrNameLst>
-                                          <p:attrName>style.visibility</p:attrName>
-                                        </p:attrNameLst>
-                                      </p:cBhvr>
-                                      <p:to>
-                                        <p:strVal val="visible"/>
-                                      </p:to>
-                                    </p:set>
-                                  </p:childTnLst>
-                                </p:cTn>
-                              </p:par>
-                            </p:childTnLst>
-                          </p:cTn>
-                        </p:par>
-                      </p:childTnLst>
-                    </p:cTn>
-                  </p:par>
-                  <p:par>
-                    <p:cTn id="15" fill="hold">
-                      <p:stCondLst>
-                        <p:cond delay="indefinite"/>
-                      </p:stCondLst>
-                      <p:childTnLst>
-                        <p:par>
-                          <p:cTn id="16" fill="hold">
-                            <p:stCondLst>
-                              <p:cond delay="0"/>
-                            </p:stCondLst>
-                            <p:childTnLst>
-                              <p:par>
-                                <p:cTn id="17" presetID="1" presetClass="entr" presetSubtype="0" fill="hold" nodeType="clickEffect">
-                                  <p:stCondLst>
-                                    <p:cond delay="0"/>
-                                  </p:stCondLst>
-                                  <p:childTnLst>
-                                    <p:set>
-                                      <p:cBhvr>
-                                        <p:cTn id="18" dur="1" fill="hold">
-                                          <p:stCondLst>
-                                            <p:cond delay="0"/>
-                                          </p:stCondLst>
-                                        </p:cTn>
-                                        <p:tgtEl>
-                                          <p:spTgt spid="13"/>
-                                        </p:tgtEl>
-                                        <p:attrNameLst>
-                                          <p:attrName>style.visibility</p:attrName>
-                                        </p:attrNameLst>
-                                      </p:cBhvr>
-                                      <p:to>
-                                        <p:strVal val="visible"/>
-                                      </p:to>
-                                    </p:set>
-                                  </p:childTnLst>
-                                </p:cTn>
-                              </p:par>
-                            </p:childTnLst>
-                          </p:cTn>
-                        </p:par>
-                      </p:childTnLst>
-                    </p:cTn>
-                  </p:par>
-                  <p:par>
-                    <p:cTn id="19" fill="hold">
-                      <p:stCondLst>
-                        <p:cond delay="indefinite"/>
-                      </p:stCondLst>
-                      <p:childTnLst>
-                        <p:par>
-                          <p:cTn id="20" fill="hold">
-                            <p:stCondLst>
-                              <p:cond delay="0"/>
-                            </p:stCondLst>
-                            <p:childTnLst>
-                              <p:par>
-                                <p:cTn id="21" presetID="1" presetClass="entr" presetSubtype="0" fill="hold" nodeType="clickEffect">
-                                  <p:stCondLst>
-                                    <p:cond delay="0"/>
-                                  </p:stCondLst>
-                                  <p:childTnLst>
-                                    <p:set>
-                                      <p:cBhvr>
-                                        <p:cTn id="22" dur="1" fill="hold">
-                                          <p:stCondLst>
-                                            <p:cond delay="0"/>
-                                          </p:stCondLst>
-                                        </p:cTn>
-                                        <p:tgtEl>
-                                          <p:spTgt spid="14"/>
-                                        </p:tgtEl>
-                                        <p:attrNameLst>
-                                          <p:attrName>style.visibility</p:attrName>
-                                        </p:attrNameLst>
-                                      </p:cBhvr>
-                                      <p:to>
-                                        <p:strVal val="visible"/>
-                                      </p:to>
-                                    </p:set>
-                                  </p:childTnLst>
-                                </p:cTn>
-                              </p:par>
-                            </p:childTnLst>
-                          </p:cTn>
-                        </p:par>
-                      </p:childTnLst>
-                    </p:cTn>
-                  </p:par>
-                </p:childTnLst>
-              </p:cTn>
-              <p:prevCondLst>
-                <p:cond evt="onPrev" delay="0">
-                  <p:tgtEl>
-                    <p:sldTgt/>
-                  </p:tgtEl>
-                </p:cond>
-              </p:prevCondLst>
-              <p:nextCondLst>
-                <p:cond evt="onNext" delay="0">
-                  <p:tgtEl>
-                    <p:sldTgt/>
-                  </p:tgtEl>
-                </p:cond>
-              </p:nextCondLst>
-            </p:seq>
-          </p:childTnLst>
-        </p:cTn>
-      </p:par>
-    </p:tnLst>
-  </p:timing>
 </p:sld>
 </file>
 
@@ -20941,7 +19933,7 @@
     </p:spTree>
     <p:extLst>
       <p:ext uri="{BB962C8B-B14F-4D97-AF65-F5344CB8AC3E}">
-        <p14:creationId xmlns:p14="http://schemas.microsoft.com/office/powerpoint/2010/main" val="818808910"/>
+        <p14:creationId xmlns:p14="http://schemas.microsoft.com/office/powerpoint/2010/main" val="1125864078"/>
       </p:ext>
     </p:extLst>
   </p:cSld>
@@ -21835,6 +20827,1277 @@
   <p:clrMapOvr>
     <a:masterClrMapping/>
   </p:clrMapOvr>
+</p:sld>
+</file>
+
+<file path=ppt/slides/slide28.xml><?xml version="1.0" encoding="utf-8"?>
+<p:sld xmlns:a="http://schemas.openxmlformats.org/drawingml/2006/main" xmlns:r="http://schemas.openxmlformats.org/officeDocument/2006/relationships" xmlns:p="http://schemas.openxmlformats.org/presentationml/2006/main">
+  <p:cSld>
+    <p:spTree>
+      <p:nvGrpSpPr>
+        <p:cNvPr id="1" name=""/>
+        <p:cNvGrpSpPr/>
+        <p:nvPr/>
+      </p:nvGrpSpPr>
+      <p:grpSpPr>
+        <a:xfrm>
+          <a:off x="0" y="0"/>
+          <a:ext cx="0" cy="0"/>
+          <a:chOff x="0" y="0"/>
+          <a:chExt cx="0" cy="0"/>
+        </a:xfrm>
+      </p:grpSpPr>
+      <p:grpSp>
+        <p:nvGrpSpPr>
+          <p:cNvPr id="29" name="Groupe 28">
+            <a:extLst>
+              <a:ext uri="{FF2B5EF4-FFF2-40B4-BE49-F238E27FC236}">
+                <a16:creationId xmlns:a16="http://schemas.microsoft.com/office/drawing/2014/main" id="{EBDE3D9D-3C7D-DA7F-4183-D7F28460DD04}"/>
+              </a:ext>
+            </a:extLst>
+          </p:cNvPr>
+          <p:cNvGrpSpPr/>
+          <p:nvPr/>
+        </p:nvGrpSpPr>
+        <p:grpSpPr>
+          <a:xfrm>
+            <a:off x="1022542" y="1867865"/>
+            <a:ext cx="7011400" cy="1561135"/>
+            <a:chOff x="1022542" y="1867865"/>
+            <a:chExt cx="7011400" cy="1561135"/>
+          </a:xfrm>
+        </p:grpSpPr>
+        <p:sp>
+          <p:nvSpPr>
+            <p:cNvPr id="23" name="Légende : flèche vers la droite 22">
+              <a:extLst>
+                <a:ext uri="{FF2B5EF4-FFF2-40B4-BE49-F238E27FC236}">
+                  <a16:creationId xmlns:a16="http://schemas.microsoft.com/office/drawing/2014/main" id="{AF268228-B638-0700-F8C7-EFE202DB6A89}"/>
+                </a:ext>
+              </a:extLst>
+            </p:cNvPr>
+            <p:cNvSpPr/>
+            <p:nvPr/>
+          </p:nvSpPr>
+          <p:spPr>
+            <a:xfrm>
+              <a:off x="1022542" y="1867865"/>
+              <a:ext cx="4378798" cy="1062527"/>
+            </a:xfrm>
+            <a:prstGeom prst="rightArrowCallout">
+              <a:avLst/>
+            </a:prstGeom>
+            <a:solidFill>
+              <a:schemeClr val="bg1"/>
+            </a:solidFill>
+          </p:spPr>
+          <p:style>
+            <a:lnRef idx="2">
+              <a:schemeClr val="accent1">
+                <a:shade val="50000"/>
+              </a:schemeClr>
+            </a:lnRef>
+            <a:fillRef idx="1">
+              <a:schemeClr val="accent1"/>
+            </a:fillRef>
+            <a:effectRef idx="0">
+              <a:schemeClr val="accent1"/>
+            </a:effectRef>
+            <a:fontRef idx="minor">
+              <a:schemeClr val="lt1"/>
+            </a:fontRef>
+          </p:style>
+          <p:txBody>
+            <a:bodyPr rtlCol="0" anchor="ctr"/>
+            <a:lstStyle/>
+            <a:p>
+              <a:pPr algn="ctr"/>
+              <a:endParaRPr lang="fr-FR"/>
+            </a:p>
+          </p:txBody>
+        </p:sp>
+        <p:grpSp>
+          <p:nvGrpSpPr>
+            <p:cNvPr id="28" name="Groupe 27">
+              <a:extLst>
+                <a:ext uri="{FF2B5EF4-FFF2-40B4-BE49-F238E27FC236}">
+                  <a16:creationId xmlns:a16="http://schemas.microsoft.com/office/drawing/2014/main" id="{63C295B6-CE98-5219-A742-F63BA38A518D}"/>
+                </a:ext>
+              </a:extLst>
+            </p:cNvPr>
+            <p:cNvGrpSpPr/>
+            <p:nvPr/>
+          </p:nvGrpSpPr>
+          <p:grpSpPr>
+            <a:xfrm>
+              <a:off x="5528648" y="2261002"/>
+              <a:ext cx="2505294" cy="1167998"/>
+              <a:chOff x="5528648" y="2261002"/>
+              <a:chExt cx="2505294" cy="1167998"/>
+            </a:xfrm>
+          </p:grpSpPr>
+          <p:sp>
+            <p:nvSpPr>
+              <p:cNvPr id="4" name="ZoneTexte 3">
+                <a:extLst>
+                  <a:ext uri="{FF2B5EF4-FFF2-40B4-BE49-F238E27FC236}">
+                    <a16:creationId xmlns:a16="http://schemas.microsoft.com/office/drawing/2014/main" id="{ACBFB3C2-24E4-1B23-1AB4-B4C8AD4DA46F}"/>
+                  </a:ext>
+                </a:extLst>
+              </p:cNvPr>
+              <p:cNvSpPr txBox="1"/>
+              <p:nvPr/>
+            </p:nvSpPr>
+            <p:spPr>
+              <a:xfrm>
+                <a:off x="5528648" y="2261002"/>
+                <a:ext cx="2505294" cy="282513"/>
+              </a:xfrm>
+              <a:prstGeom prst="rect">
+                <a:avLst/>
+              </a:prstGeom>
+              <a:noFill/>
+            </p:spPr>
+            <p:txBody>
+              <a:bodyPr wrap="square">
+                <a:spAutoFit/>
+              </a:bodyPr>
+              <a:lstStyle/>
+              <a:p>
+                <a:pPr>
+                  <a:lnSpc>
+                    <a:spcPct val="107000"/>
+                  </a:lnSpc>
+                  <a:spcAft>
+                    <a:spcPts val="800"/>
+                  </a:spcAft>
+                </a:pPr>
+                <a:r>
+                  <a:rPr lang="fr-FR" sz="1200" dirty="0">
+                    <a:effectLst/>
+                    <a:latin typeface="Book Antiqua" panose="02040602050305030304" pitchFamily="18" charset="0"/>
+                    <a:ea typeface="Calibri" panose="020F0502020204030204" pitchFamily="34" charset="0"/>
+                    <a:cs typeface="Times New Roman" panose="02020603050405020304" pitchFamily="18" charset="0"/>
+                  </a:rPr>
+                  <a:t>Plans de formation</a:t>
+                </a:r>
+              </a:p>
+            </p:txBody>
+          </p:sp>
+          <p:grpSp>
+            <p:nvGrpSpPr>
+              <p:cNvPr id="27" name="Groupe 26">
+                <a:extLst>
+                  <a:ext uri="{FF2B5EF4-FFF2-40B4-BE49-F238E27FC236}">
+                    <a16:creationId xmlns:a16="http://schemas.microsoft.com/office/drawing/2014/main" id="{C138C3E1-76C7-B5F1-784B-4268394FAA73}"/>
+                  </a:ext>
+                </a:extLst>
+              </p:cNvPr>
+              <p:cNvGrpSpPr/>
+              <p:nvPr/>
+            </p:nvGrpSpPr>
+            <p:grpSpPr>
+              <a:xfrm>
+                <a:off x="5818452" y="2543514"/>
+                <a:ext cx="2079842" cy="885486"/>
+                <a:chOff x="7319531" y="2584526"/>
+                <a:chExt cx="2079842" cy="885486"/>
+              </a:xfrm>
+            </p:grpSpPr>
+            <p:sp>
+              <p:nvSpPr>
+                <p:cNvPr id="26" name="Parchemin : horizontal 25">
+                  <a:extLst>
+                    <a:ext uri="{FF2B5EF4-FFF2-40B4-BE49-F238E27FC236}">
+                      <a16:creationId xmlns:a16="http://schemas.microsoft.com/office/drawing/2014/main" id="{0FCCC1DB-C297-4757-9021-E56779F7B7DC}"/>
+                    </a:ext>
+                  </a:extLst>
+                </p:cNvPr>
+                <p:cNvSpPr/>
+                <p:nvPr/>
+              </p:nvSpPr>
+              <p:spPr>
+                <a:xfrm>
+                  <a:off x="7319531" y="2584526"/>
+                  <a:ext cx="2072753" cy="885486"/>
+                </a:xfrm>
+                <a:prstGeom prst="horizontalScroll">
+                  <a:avLst/>
+                </a:prstGeom>
+                <a:solidFill>
+                  <a:schemeClr val="accent1">
+                    <a:lumMod val="20000"/>
+                    <a:lumOff val="80000"/>
+                  </a:schemeClr>
+                </a:solidFill>
+                <a:ln>
+                  <a:solidFill>
+                    <a:schemeClr val="accent5"/>
+                  </a:solidFill>
+                </a:ln>
+              </p:spPr>
+              <p:style>
+                <a:lnRef idx="2">
+                  <a:schemeClr val="accent1">
+                    <a:shade val="50000"/>
+                  </a:schemeClr>
+                </a:lnRef>
+                <a:fillRef idx="1">
+                  <a:schemeClr val="accent1"/>
+                </a:fillRef>
+                <a:effectRef idx="0">
+                  <a:schemeClr val="accent1"/>
+                </a:effectRef>
+                <a:fontRef idx="minor">
+                  <a:schemeClr val="lt1"/>
+                </a:fontRef>
+              </p:style>
+              <p:txBody>
+                <a:bodyPr rtlCol="0" anchor="ctr"/>
+                <a:lstStyle/>
+                <a:p>
+                  <a:pPr algn="ctr"/>
+                  <a:endParaRPr lang="fr-FR"/>
+                </a:p>
+              </p:txBody>
+            </p:sp>
+            <p:sp>
+              <p:nvSpPr>
+                <p:cNvPr id="3" name="ZoneTexte 2">
+                  <a:extLst>
+                    <a:ext uri="{FF2B5EF4-FFF2-40B4-BE49-F238E27FC236}">
+                      <a16:creationId xmlns:a16="http://schemas.microsoft.com/office/drawing/2014/main" id="{39E74EE8-C0A2-9442-6AC0-6F88A2FD11E3}"/>
+                    </a:ext>
+                  </a:extLst>
+                </p:cNvPr>
+                <p:cNvSpPr txBox="1"/>
+                <p:nvPr/>
+              </p:nvSpPr>
+              <p:spPr>
+                <a:xfrm>
+                  <a:off x="7439996" y="2858596"/>
+                  <a:ext cx="1959377" cy="376385"/>
+                </a:xfrm>
+                <a:prstGeom prst="rect">
+                  <a:avLst/>
+                </a:prstGeom>
+                <a:noFill/>
+              </p:spPr>
+              <p:txBody>
+                <a:bodyPr wrap="square">
+                  <a:spAutoFit/>
+                </a:bodyPr>
+                <a:lstStyle/>
+                <a:p>
+                  <a:pPr>
+                    <a:lnSpc>
+                      <a:spcPct val="107000"/>
+                    </a:lnSpc>
+                    <a:spcAft>
+                      <a:spcPts val="800"/>
+                    </a:spcAft>
+                  </a:pPr>
+                  <a:r>
+                    <a:rPr lang="fr-FR" b="1" dirty="0">
+                      <a:solidFill>
+                        <a:schemeClr val="accent1">
+                          <a:lumMod val="50000"/>
+                        </a:schemeClr>
+                      </a:solidFill>
+                      <a:effectLst/>
+                      <a:latin typeface="Book Antiqua" panose="02040602050305030304" pitchFamily="18" charset="0"/>
+                      <a:ea typeface="Calibri" panose="020F0502020204030204" pitchFamily="34" charset="0"/>
+                      <a:cs typeface="Times New Roman" panose="02020603050405020304" pitchFamily="18" charset="0"/>
+                    </a:rPr>
+                    <a:t>RESKILLING !!!</a:t>
+                  </a:r>
+                </a:p>
+              </p:txBody>
+            </p:sp>
+          </p:grpSp>
+        </p:grpSp>
+      </p:grpSp>
+      <p:sp>
+        <p:nvSpPr>
+          <p:cNvPr id="2" name="Titre 1">
+            <a:extLst>
+              <a:ext uri="{FF2B5EF4-FFF2-40B4-BE49-F238E27FC236}">
+                <a16:creationId xmlns:a16="http://schemas.microsoft.com/office/drawing/2014/main" id="{099E2E77-954A-DD7C-99BF-B9521D1A2115}"/>
+              </a:ext>
+            </a:extLst>
+          </p:cNvPr>
+          <p:cNvSpPr>
+            <a:spLocks noGrp="1"/>
+          </p:cNvSpPr>
+          <p:nvPr>
+            <p:ph type="title"/>
+          </p:nvPr>
+        </p:nvSpPr>
+        <p:spPr>
+          <a:xfrm>
+            <a:off x="912628" y="1055531"/>
+            <a:ext cx="10515600" cy="677750"/>
+          </a:xfrm>
+        </p:spPr>
+        <p:txBody>
+          <a:bodyPr>
+            <a:normAutofit/>
+          </a:bodyPr>
+          <a:lstStyle/>
+          <a:p>
+            <a:r>
+              <a:rPr lang="fr-FR" sz="3200" dirty="0"/>
+              <a:t>Contexte Société Générale</a:t>
+            </a:r>
+          </a:p>
+        </p:txBody>
+      </p:sp>
+      <p:pic>
+        <p:nvPicPr>
+          <p:cNvPr id="7" name="Espace réservé du contenu 6" descr="Une image contenant flèche&#10;&#10;Description générée automatiquement">
+            <a:extLst>
+              <a:ext uri="{FF2B5EF4-FFF2-40B4-BE49-F238E27FC236}">
+                <a16:creationId xmlns:a16="http://schemas.microsoft.com/office/drawing/2014/main" id="{520C8AB2-C7FA-4E85-F4DE-20ECC580ACB0}"/>
+              </a:ext>
+            </a:extLst>
+          </p:cNvPr>
+          <p:cNvPicPr>
+            <a:picLocks noGrp="1" noChangeAspect="1"/>
+          </p:cNvPicPr>
+          <p:nvPr>
+            <p:ph idx="1"/>
+          </p:nvPr>
+        </p:nvPicPr>
+        <p:blipFill>
+          <a:blip r:embed="rId2">
+            <a:extLst>
+              <a:ext uri="{28A0092B-C50C-407E-A947-70E740481C1C}">
+                <a14:useLocalDpi xmlns:a14="http://schemas.microsoft.com/office/drawing/2010/main" val="0"/>
+              </a:ext>
+            </a:extLst>
+          </a:blip>
+          <a:stretch>
+            <a:fillRect/>
+          </a:stretch>
+        </p:blipFill>
+        <p:spPr>
+          <a:xfrm>
+            <a:off x="8651561" y="681038"/>
+            <a:ext cx="1186827" cy="1186827"/>
+          </a:xfrm>
+        </p:spPr>
+      </p:pic>
+      <p:grpSp>
+        <p:nvGrpSpPr>
+          <p:cNvPr id="13" name="Groupe 12">
+            <a:extLst>
+              <a:ext uri="{FF2B5EF4-FFF2-40B4-BE49-F238E27FC236}">
+                <a16:creationId xmlns:a16="http://schemas.microsoft.com/office/drawing/2014/main" id="{8FE30EE8-9561-2EF7-8767-44261BF496DE}"/>
+              </a:ext>
+            </a:extLst>
+          </p:cNvPr>
+          <p:cNvGrpSpPr/>
+          <p:nvPr/>
+        </p:nvGrpSpPr>
+        <p:grpSpPr>
+          <a:xfrm>
+            <a:off x="1641485" y="3936395"/>
+            <a:ext cx="3331672" cy="1651149"/>
+            <a:chOff x="2018416" y="2563628"/>
+            <a:chExt cx="7920410" cy="1651149"/>
+          </a:xfrm>
+        </p:grpSpPr>
+        <p:sp>
+          <p:nvSpPr>
+            <p:cNvPr id="6" name="ZoneTexte 5">
+              <a:extLst>
+                <a:ext uri="{FF2B5EF4-FFF2-40B4-BE49-F238E27FC236}">
+                  <a16:creationId xmlns:a16="http://schemas.microsoft.com/office/drawing/2014/main" id="{14A758CC-D953-92A8-7091-B2C502398684}"/>
+                </a:ext>
+              </a:extLst>
+            </p:cNvPr>
+            <p:cNvSpPr txBox="1"/>
+            <p:nvPr/>
+          </p:nvSpPr>
+          <p:spPr>
+            <a:xfrm>
+              <a:off x="2267281" y="3031633"/>
+              <a:ext cx="7263076" cy="1183144"/>
+            </a:xfrm>
+            <a:prstGeom prst="rect">
+              <a:avLst/>
+            </a:prstGeom>
+            <a:noFill/>
+          </p:spPr>
+          <p:txBody>
+            <a:bodyPr wrap="square">
+              <a:spAutoFit/>
+            </a:bodyPr>
+            <a:lstStyle/>
+            <a:p>
+              <a:pPr marL="228600" indent="-228600">
+                <a:lnSpc>
+                  <a:spcPct val="107000"/>
+                </a:lnSpc>
+                <a:spcAft>
+                  <a:spcPts val="800"/>
+                </a:spcAft>
+                <a:buFont typeface="Wingdings" panose="05000000000000000000" pitchFamily="2" charset="2"/>
+                <a:buChar char="q"/>
+              </a:pPr>
+              <a:r>
+                <a:rPr lang="fr-FR" sz="1200" dirty="0">
+                  <a:latin typeface="Book Antiqua" panose="02040602050305030304" pitchFamily="18" charset="0"/>
+                  <a:ea typeface="Calibri" panose="020F0502020204030204" pitchFamily="34" charset="0"/>
+                  <a:cs typeface="Times New Roman" panose="02020603050405020304" pitchFamily="18" charset="0"/>
+                </a:rPr>
+                <a:t>Support</a:t>
+              </a:r>
+            </a:p>
+            <a:p>
+              <a:pPr marL="228600" indent="-228600">
+                <a:lnSpc>
+                  <a:spcPct val="107000"/>
+                </a:lnSpc>
+                <a:spcAft>
+                  <a:spcPts val="800"/>
+                </a:spcAft>
+                <a:buFont typeface="Wingdings" panose="05000000000000000000" pitchFamily="2" charset="2"/>
+                <a:buChar char="q"/>
+              </a:pPr>
+              <a:r>
+                <a:rPr lang="fr-FR" sz="1200" dirty="0">
+                  <a:latin typeface="Book Antiqua" panose="02040602050305030304" pitchFamily="18" charset="0"/>
+                  <a:ea typeface="Calibri" panose="020F0502020204030204" pitchFamily="34" charset="0"/>
+                  <a:cs typeface="Times New Roman" panose="02020603050405020304" pitchFamily="18" charset="0"/>
+                </a:rPr>
+                <a:t>Maintenance</a:t>
+              </a:r>
+            </a:p>
+            <a:p>
+              <a:pPr marL="228600" indent="-228600">
+                <a:lnSpc>
+                  <a:spcPct val="107000"/>
+                </a:lnSpc>
+                <a:spcAft>
+                  <a:spcPts val="800"/>
+                </a:spcAft>
+                <a:buFont typeface="Wingdings" panose="05000000000000000000" pitchFamily="2" charset="2"/>
+                <a:buChar char="q"/>
+              </a:pPr>
+              <a:r>
+                <a:rPr lang="fr-FR" sz="1200" dirty="0">
+                  <a:latin typeface="Book Antiqua" panose="02040602050305030304" pitchFamily="18" charset="0"/>
+                  <a:ea typeface="Calibri" panose="020F0502020204030204" pitchFamily="34" charset="0"/>
+                  <a:cs typeface="Times New Roman" panose="02020603050405020304" pitchFamily="18" charset="0"/>
+                </a:rPr>
+                <a:t>Développement</a:t>
+              </a:r>
+            </a:p>
+            <a:p>
+              <a:pPr marL="228600" indent="-228600">
+                <a:lnSpc>
+                  <a:spcPct val="107000"/>
+                </a:lnSpc>
+                <a:spcAft>
+                  <a:spcPts val="800"/>
+                </a:spcAft>
+                <a:buFont typeface="Wingdings" panose="05000000000000000000" pitchFamily="2" charset="2"/>
+                <a:buChar char="q"/>
+              </a:pPr>
+              <a:r>
+                <a:rPr lang="fr-FR" sz="1200" dirty="0">
+                  <a:latin typeface="Book Antiqua" panose="02040602050305030304" pitchFamily="18" charset="0"/>
+                  <a:ea typeface="Calibri" panose="020F0502020204030204" pitchFamily="34" charset="0"/>
+                  <a:cs typeface="Times New Roman" panose="02020603050405020304" pitchFamily="18" charset="0"/>
+                </a:rPr>
+                <a:t>Tests de non régression</a:t>
+              </a:r>
+            </a:p>
+          </p:txBody>
+        </p:sp>
+        <p:sp>
+          <p:nvSpPr>
+            <p:cNvPr id="8" name="Titre 1">
+              <a:extLst>
+                <a:ext uri="{FF2B5EF4-FFF2-40B4-BE49-F238E27FC236}">
+                  <a16:creationId xmlns:a16="http://schemas.microsoft.com/office/drawing/2014/main" id="{472F6CE5-DE74-A322-A738-C53D7DBFF9E6}"/>
+                </a:ext>
+              </a:extLst>
+            </p:cNvPr>
+            <p:cNvSpPr txBox="1">
+              <a:spLocks/>
+            </p:cNvSpPr>
+            <p:nvPr/>
+          </p:nvSpPr>
+          <p:spPr>
+            <a:xfrm>
+              <a:off x="2018416" y="2563628"/>
+              <a:ext cx="7920410" cy="547115"/>
+            </a:xfrm>
+            <a:prstGeom prst="rect">
+              <a:avLst/>
+            </a:prstGeom>
+          </p:spPr>
+          <p:txBody>
+            <a:bodyPr vert="horz" lIns="91440" tIns="45720" rIns="91440" bIns="45720" rtlCol="0" anchor="ctr">
+              <a:normAutofit fontScale="70000" lnSpcReduction="20000"/>
+            </a:bodyPr>
+            <a:lstStyle>
+              <a:lvl1pPr marL="0" algn="l" defTabSz="914400" rtl="0" eaLnBrk="1" latinLnBrk="0" hangingPunct="1">
+                <a:lnSpc>
+                  <a:spcPct val="90000"/>
+                </a:lnSpc>
+                <a:spcBef>
+                  <a:spcPct val="0"/>
+                </a:spcBef>
+                <a:buNone/>
+                <a:defRPr lang="en-US" sz="5200" kern="1200" dirty="0">
+                  <a:gradFill flip="none" rotWithShape="1">
+                    <a:gsLst>
+                      <a:gs pos="0">
+                        <a:schemeClr val="accent5"/>
+                      </a:gs>
+                      <a:gs pos="100000">
+                        <a:schemeClr val="accent1">
+                          <a:alpha val="70000"/>
+                        </a:schemeClr>
+                      </a:gs>
+                    </a:gsLst>
+                    <a:lin ang="0" scaled="1"/>
+                    <a:tileRect/>
+                  </a:gradFill>
+                  <a:latin typeface="+mj-lt"/>
+                  <a:ea typeface="+mn-ea"/>
+                  <a:cs typeface="Angsana New" panose="02020603050405020304" pitchFamily="18" charset="-34"/>
+                </a:defRPr>
+              </a:lvl1pPr>
+            </a:lstStyle>
+            <a:p>
+              <a:r>
+                <a:rPr lang="fr-FR" sz="2800" dirty="0" err="1"/>
+                <a:t>Xone</a:t>
+              </a:r>
+              <a:r>
+                <a:rPr lang="fr-FR" sz="2800" dirty="0"/>
+                <a:t> : SI gestion transactions banque d’investissements</a:t>
+              </a:r>
+            </a:p>
+          </p:txBody>
+        </p:sp>
+      </p:grpSp>
+      <p:grpSp>
+        <p:nvGrpSpPr>
+          <p:cNvPr id="14" name="Groupe 13">
+            <a:extLst>
+              <a:ext uri="{FF2B5EF4-FFF2-40B4-BE49-F238E27FC236}">
+                <a16:creationId xmlns:a16="http://schemas.microsoft.com/office/drawing/2014/main" id="{BEC458D6-1D51-F331-1ED9-1E0518CD31F9}"/>
+              </a:ext>
+            </a:extLst>
+          </p:cNvPr>
+          <p:cNvGrpSpPr/>
+          <p:nvPr/>
+        </p:nvGrpSpPr>
+        <p:grpSpPr>
+          <a:xfrm>
+            <a:off x="5938917" y="4354684"/>
+            <a:ext cx="3354499" cy="1435824"/>
+            <a:chOff x="3494165" y="4326196"/>
+            <a:chExt cx="3407656" cy="1435824"/>
+          </a:xfrm>
+        </p:grpSpPr>
+        <p:sp>
+          <p:nvSpPr>
+            <p:cNvPr id="11" name="Titre 1">
+              <a:extLst>
+                <a:ext uri="{FF2B5EF4-FFF2-40B4-BE49-F238E27FC236}">
+                  <a16:creationId xmlns:a16="http://schemas.microsoft.com/office/drawing/2014/main" id="{2A0F28B1-E086-F076-13D2-63284AC23C49}"/>
+                </a:ext>
+              </a:extLst>
+            </p:cNvPr>
+            <p:cNvSpPr txBox="1">
+              <a:spLocks/>
+            </p:cNvSpPr>
+            <p:nvPr/>
+          </p:nvSpPr>
+          <p:spPr>
+            <a:xfrm>
+              <a:off x="3494165" y="4326196"/>
+              <a:ext cx="3172106" cy="550333"/>
+            </a:xfrm>
+            <a:prstGeom prst="rect">
+              <a:avLst/>
+            </a:prstGeom>
+          </p:spPr>
+          <p:txBody>
+            <a:bodyPr vert="horz" lIns="91440" tIns="45720" rIns="91440" bIns="45720" rtlCol="0" anchor="ctr">
+              <a:noAutofit/>
+            </a:bodyPr>
+            <a:lstStyle>
+              <a:lvl1pPr marL="0" algn="l" defTabSz="914400" rtl="0" eaLnBrk="1" latinLnBrk="0" hangingPunct="1">
+                <a:lnSpc>
+                  <a:spcPct val="90000"/>
+                </a:lnSpc>
+                <a:spcBef>
+                  <a:spcPct val="0"/>
+                </a:spcBef>
+                <a:buNone/>
+                <a:defRPr lang="en-US" sz="5200" kern="1200" dirty="0">
+                  <a:gradFill flip="none" rotWithShape="1">
+                    <a:gsLst>
+                      <a:gs pos="0">
+                        <a:schemeClr val="accent5"/>
+                      </a:gs>
+                      <a:gs pos="100000">
+                        <a:schemeClr val="accent1">
+                          <a:alpha val="70000"/>
+                        </a:schemeClr>
+                      </a:gs>
+                    </a:gsLst>
+                    <a:lin ang="0" scaled="1"/>
+                    <a:tileRect/>
+                  </a:gradFill>
+                  <a:latin typeface="+mj-lt"/>
+                  <a:ea typeface="+mn-ea"/>
+                  <a:cs typeface="Angsana New" panose="02020603050405020304" pitchFamily="18" charset="-34"/>
+                </a:defRPr>
+              </a:lvl1pPr>
+            </a:lstStyle>
+            <a:p>
+              <a:r>
+                <a:rPr lang="fr-FR" sz="2000" dirty="0"/>
+                <a:t>Et moi dans tout ça…</a:t>
+              </a:r>
+            </a:p>
+          </p:txBody>
+        </p:sp>
+        <p:sp>
+          <p:nvSpPr>
+            <p:cNvPr id="12" name="ZoneTexte 11">
+              <a:extLst>
+                <a:ext uri="{FF2B5EF4-FFF2-40B4-BE49-F238E27FC236}">
+                  <a16:creationId xmlns:a16="http://schemas.microsoft.com/office/drawing/2014/main" id="{FEE3E477-56C2-2997-D394-91FD365149F5}"/>
+                </a:ext>
+              </a:extLst>
+            </p:cNvPr>
+            <p:cNvSpPr txBox="1"/>
+            <p:nvPr/>
+          </p:nvSpPr>
+          <p:spPr>
+            <a:xfrm>
+              <a:off x="3729715" y="4879086"/>
+              <a:ext cx="3172106" cy="882934"/>
+            </a:xfrm>
+            <a:prstGeom prst="rect">
+              <a:avLst/>
+            </a:prstGeom>
+            <a:noFill/>
+          </p:spPr>
+          <p:txBody>
+            <a:bodyPr wrap="square">
+              <a:spAutoFit/>
+            </a:bodyPr>
+            <a:lstStyle/>
+            <a:p>
+              <a:pPr marL="285750" indent="-285750">
+                <a:lnSpc>
+                  <a:spcPct val="107000"/>
+                </a:lnSpc>
+                <a:spcAft>
+                  <a:spcPts val="800"/>
+                </a:spcAft>
+                <a:buFont typeface="Wingdings" panose="05000000000000000000" pitchFamily="2" charset="2"/>
+                <a:buChar char="q"/>
+              </a:pPr>
+              <a:r>
+                <a:rPr lang="fr-FR" sz="1200" dirty="0" err="1">
+                  <a:latin typeface="Book Antiqua" panose="02040602050305030304" pitchFamily="18" charset="0"/>
+                  <a:ea typeface="Calibri" panose="020F0502020204030204" pitchFamily="34" charset="0"/>
+                  <a:cs typeface="Times New Roman" panose="02020603050405020304" pitchFamily="18" charset="0"/>
+                </a:rPr>
+                <a:t>Reskilling</a:t>
+              </a:r>
+              <a:r>
+                <a:rPr lang="fr-FR" sz="1200" dirty="0">
+                  <a:latin typeface="Book Antiqua" panose="02040602050305030304" pitchFamily="18" charset="0"/>
+                  <a:ea typeface="Calibri" panose="020F0502020204030204" pitchFamily="34" charset="0"/>
+                  <a:cs typeface="Times New Roman" panose="02020603050405020304" pitchFamily="18" charset="0"/>
+                </a:rPr>
+                <a:t> pour changer de carrière</a:t>
+              </a:r>
+            </a:p>
+            <a:p>
+              <a:pPr marL="285750" indent="-285750">
+                <a:lnSpc>
+                  <a:spcPct val="107000"/>
+                </a:lnSpc>
+                <a:spcAft>
+                  <a:spcPts val="800"/>
+                </a:spcAft>
+                <a:buFont typeface="Wingdings" panose="05000000000000000000" pitchFamily="2" charset="2"/>
+                <a:buChar char="q"/>
+              </a:pPr>
+              <a:r>
+                <a:rPr lang="fr-FR" sz="1200" dirty="0">
+                  <a:latin typeface="Book Antiqua" panose="02040602050305030304" pitchFamily="18" charset="0"/>
+                  <a:ea typeface="Calibri" panose="020F0502020204030204" pitchFamily="34" charset="0"/>
+                  <a:cs typeface="Times New Roman" panose="02020603050405020304" pitchFamily="18" charset="0"/>
+                </a:rPr>
+                <a:t>Développement</a:t>
+              </a:r>
+            </a:p>
+            <a:p>
+              <a:pPr marL="285750" indent="-285750">
+                <a:lnSpc>
+                  <a:spcPct val="107000"/>
+                </a:lnSpc>
+                <a:spcAft>
+                  <a:spcPts val="800"/>
+                </a:spcAft>
+                <a:buFont typeface="Wingdings" panose="05000000000000000000" pitchFamily="2" charset="2"/>
+                <a:buChar char="q"/>
+              </a:pPr>
+              <a:r>
+                <a:rPr lang="fr-FR" sz="1200" dirty="0">
+                  <a:latin typeface="Book Antiqua" panose="02040602050305030304" pitchFamily="18" charset="0"/>
+                  <a:ea typeface="Calibri" panose="020F0502020204030204" pitchFamily="34" charset="0"/>
+                  <a:cs typeface="Times New Roman" panose="02020603050405020304" pitchFamily="18" charset="0"/>
+                </a:rPr>
+                <a:t>Tests</a:t>
+              </a:r>
+            </a:p>
+          </p:txBody>
+        </p:sp>
+      </p:grpSp>
+      <p:grpSp>
+        <p:nvGrpSpPr>
+          <p:cNvPr id="21" name="Groupe 20">
+            <a:extLst>
+              <a:ext uri="{FF2B5EF4-FFF2-40B4-BE49-F238E27FC236}">
+                <a16:creationId xmlns:a16="http://schemas.microsoft.com/office/drawing/2014/main" id="{92EAA6D7-56A5-5270-EA19-981AC0441369}"/>
+              </a:ext>
+            </a:extLst>
+          </p:cNvPr>
+          <p:cNvGrpSpPr/>
+          <p:nvPr/>
+        </p:nvGrpSpPr>
+        <p:grpSpPr>
+          <a:xfrm>
+            <a:off x="1110107" y="1933295"/>
+            <a:ext cx="2594395" cy="535981"/>
+            <a:chOff x="1148177" y="1711362"/>
+            <a:chExt cx="2594395" cy="535981"/>
+          </a:xfrm>
+        </p:grpSpPr>
+        <p:sp>
+          <p:nvSpPr>
+            <p:cNvPr id="9" name="ZoneTexte 8">
+              <a:extLst>
+                <a:ext uri="{FF2B5EF4-FFF2-40B4-BE49-F238E27FC236}">
+                  <a16:creationId xmlns:a16="http://schemas.microsoft.com/office/drawing/2014/main" id="{BC23ED4F-C6A3-6A63-6E53-A21EC4FABCD5}"/>
+                </a:ext>
+              </a:extLst>
+            </p:cNvPr>
+            <p:cNvSpPr txBox="1"/>
+            <p:nvPr/>
+          </p:nvSpPr>
+          <p:spPr>
+            <a:xfrm>
+              <a:off x="1148177" y="1805908"/>
+              <a:ext cx="2594395" cy="282321"/>
+            </a:xfrm>
+            <a:prstGeom prst="rect">
+              <a:avLst/>
+            </a:prstGeom>
+            <a:noFill/>
+          </p:spPr>
+          <p:txBody>
+            <a:bodyPr wrap="square">
+              <a:spAutoFit/>
+            </a:bodyPr>
+            <a:lstStyle/>
+            <a:p>
+              <a:pPr>
+                <a:lnSpc>
+                  <a:spcPct val="107000"/>
+                </a:lnSpc>
+                <a:spcAft>
+                  <a:spcPts val="800"/>
+                </a:spcAft>
+              </a:pPr>
+              <a:r>
+                <a:rPr lang="fr-FR" sz="1200" dirty="0">
+                  <a:effectLst/>
+                  <a:latin typeface="Book Antiqua" panose="02040602050305030304" pitchFamily="18" charset="0"/>
+                  <a:ea typeface="Calibri" panose="020F0502020204030204" pitchFamily="34" charset="0"/>
+                  <a:cs typeface="Times New Roman" panose="02020603050405020304" pitchFamily="18" charset="0"/>
+                </a:rPr>
+                <a:t>Besoin en informatiques</a:t>
+              </a:r>
+              <a:endParaRPr lang="fr-FR" sz="2800" b="1" dirty="0">
+                <a:solidFill>
+                  <a:schemeClr val="accent6">
+                    <a:lumMod val="75000"/>
+                  </a:schemeClr>
+                </a:solidFill>
+                <a:effectLst/>
+                <a:latin typeface="Book Antiqua" panose="02040602050305030304" pitchFamily="18" charset="0"/>
+                <a:ea typeface="Calibri" panose="020F0502020204030204" pitchFamily="34" charset="0"/>
+                <a:cs typeface="Times New Roman" panose="02020603050405020304" pitchFamily="18" charset="0"/>
+              </a:endParaRPr>
+            </a:p>
+          </p:txBody>
+        </p:sp>
+        <p:sp>
+          <p:nvSpPr>
+            <p:cNvPr id="18" name="ZoneTexte 17">
+              <a:extLst>
+                <a:ext uri="{FF2B5EF4-FFF2-40B4-BE49-F238E27FC236}">
+                  <a16:creationId xmlns:a16="http://schemas.microsoft.com/office/drawing/2014/main" id="{118B1DFB-43CD-2307-85EC-71817F8A30A1}"/>
+                </a:ext>
+              </a:extLst>
+            </p:cNvPr>
+            <p:cNvSpPr txBox="1"/>
+            <p:nvPr/>
+          </p:nvSpPr>
+          <p:spPr>
+            <a:xfrm>
+              <a:off x="2871872" y="1711362"/>
+              <a:ext cx="870700" cy="535981"/>
+            </a:xfrm>
+            <a:prstGeom prst="rect">
+              <a:avLst/>
+            </a:prstGeom>
+            <a:noFill/>
+          </p:spPr>
+          <p:txBody>
+            <a:bodyPr wrap="square">
+              <a:spAutoFit/>
+            </a:bodyPr>
+            <a:lstStyle/>
+            <a:p>
+              <a:pPr>
+                <a:lnSpc>
+                  <a:spcPct val="107000"/>
+                </a:lnSpc>
+                <a:spcAft>
+                  <a:spcPts val="800"/>
+                </a:spcAft>
+              </a:pPr>
+              <a:r>
+                <a:rPr lang="fr-FR" sz="2800" b="1" dirty="0">
+                  <a:solidFill>
+                    <a:schemeClr val="accent6">
+                      <a:lumMod val="75000"/>
+                    </a:schemeClr>
+                  </a:solidFill>
+                  <a:effectLst/>
+                  <a:latin typeface="Book Antiqua" panose="02040602050305030304" pitchFamily="18" charset="0"/>
+                  <a:ea typeface="Calibri" panose="020F0502020204030204" pitchFamily="34" charset="0"/>
+                  <a:cs typeface="Times New Roman" panose="02020603050405020304" pitchFamily="18" charset="0"/>
+                </a:rPr>
+                <a:t>+++</a:t>
+              </a:r>
+            </a:p>
+          </p:txBody>
+        </p:sp>
+      </p:grpSp>
+      <p:grpSp>
+        <p:nvGrpSpPr>
+          <p:cNvPr id="22" name="Groupe 21">
+            <a:extLst>
+              <a:ext uri="{FF2B5EF4-FFF2-40B4-BE49-F238E27FC236}">
+                <a16:creationId xmlns:a16="http://schemas.microsoft.com/office/drawing/2014/main" id="{851BF32D-2CBE-14D1-C34E-5E842427B373}"/>
+              </a:ext>
+            </a:extLst>
+          </p:cNvPr>
+          <p:cNvGrpSpPr/>
+          <p:nvPr/>
+        </p:nvGrpSpPr>
+        <p:grpSpPr>
+          <a:xfrm>
+            <a:off x="1383159" y="2282108"/>
+            <a:ext cx="2160392" cy="535981"/>
+            <a:chOff x="1649198" y="2080123"/>
+            <a:chExt cx="2160392" cy="535981"/>
+          </a:xfrm>
+        </p:grpSpPr>
+        <p:sp>
+          <p:nvSpPr>
+            <p:cNvPr id="19" name="ZoneTexte 18">
+              <a:extLst>
+                <a:ext uri="{FF2B5EF4-FFF2-40B4-BE49-F238E27FC236}">
+                  <a16:creationId xmlns:a16="http://schemas.microsoft.com/office/drawing/2014/main" id="{8D9A0323-DC8B-2862-D066-BF4DD1001C57}"/>
+                </a:ext>
+              </a:extLst>
+            </p:cNvPr>
+            <p:cNvSpPr txBox="1"/>
+            <p:nvPr/>
+          </p:nvSpPr>
+          <p:spPr>
+            <a:xfrm>
+              <a:off x="1649198" y="2205159"/>
+              <a:ext cx="2147688" cy="282321"/>
+            </a:xfrm>
+            <a:prstGeom prst="rect">
+              <a:avLst/>
+            </a:prstGeom>
+            <a:noFill/>
+          </p:spPr>
+          <p:txBody>
+            <a:bodyPr wrap="square">
+              <a:spAutoFit/>
+            </a:bodyPr>
+            <a:lstStyle/>
+            <a:p>
+              <a:pPr>
+                <a:lnSpc>
+                  <a:spcPct val="107000"/>
+                </a:lnSpc>
+                <a:spcAft>
+                  <a:spcPts val="800"/>
+                </a:spcAft>
+              </a:pPr>
+              <a:r>
+                <a:rPr lang="fr-FR" sz="1200" dirty="0">
+                  <a:effectLst/>
+                  <a:latin typeface="Book Antiqua" panose="02040602050305030304" pitchFamily="18" charset="0"/>
+                  <a:ea typeface="Calibri" panose="020F0502020204030204" pitchFamily="34" charset="0"/>
+                  <a:cs typeface="Times New Roman" panose="02020603050405020304" pitchFamily="18" charset="0"/>
+                </a:rPr>
+                <a:t>Besoin métiers</a:t>
+              </a:r>
+              <a:endParaRPr lang="fr-FR" sz="2800" b="1" dirty="0">
+                <a:solidFill>
+                  <a:schemeClr val="accent6">
+                    <a:lumMod val="75000"/>
+                  </a:schemeClr>
+                </a:solidFill>
+                <a:effectLst/>
+                <a:latin typeface="Book Antiqua" panose="02040602050305030304" pitchFamily="18" charset="0"/>
+                <a:ea typeface="Calibri" panose="020F0502020204030204" pitchFamily="34" charset="0"/>
+                <a:cs typeface="Times New Roman" panose="02020603050405020304" pitchFamily="18" charset="0"/>
+              </a:endParaRPr>
+            </a:p>
+          </p:txBody>
+        </p:sp>
+        <p:sp>
+          <p:nvSpPr>
+            <p:cNvPr id="20" name="ZoneTexte 19">
+              <a:extLst>
+                <a:ext uri="{FF2B5EF4-FFF2-40B4-BE49-F238E27FC236}">
+                  <a16:creationId xmlns:a16="http://schemas.microsoft.com/office/drawing/2014/main" id="{3F9661F0-037A-81C3-15B8-F95A4D633225}"/>
+                </a:ext>
+              </a:extLst>
+            </p:cNvPr>
+            <p:cNvSpPr txBox="1"/>
+            <p:nvPr/>
+          </p:nvSpPr>
+          <p:spPr>
+            <a:xfrm>
+              <a:off x="2938890" y="2080123"/>
+              <a:ext cx="870700" cy="535981"/>
+            </a:xfrm>
+            <a:prstGeom prst="rect">
+              <a:avLst/>
+            </a:prstGeom>
+            <a:noFill/>
+          </p:spPr>
+          <p:txBody>
+            <a:bodyPr wrap="square">
+              <a:spAutoFit/>
+            </a:bodyPr>
+            <a:lstStyle/>
+            <a:p>
+              <a:pPr>
+                <a:lnSpc>
+                  <a:spcPct val="107000"/>
+                </a:lnSpc>
+                <a:spcAft>
+                  <a:spcPts val="800"/>
+                </a:spcAft>
+              </a:pPr>
+              <a:r>
+                <a:rPr lang="fr-FR" sz="2800" b="1" dirty="0">
+                  <a:solidFill>
+                    <a:srgbClr val="FF0000"/>
+                  </a:solidFill>
+                  <a:effectLst/>
+                  <a:latin typeface="Book Antiqua" panose="02040602050305030304" pitchFamily="18" charset="0"/>
+                  <a:ea typeface="Calibri" panose="020F0502020204030204" pitchFamily="34" charset="0"/>
+                  <a:cs typeface="Times New Roman" panose="02020603050405020304" pitchFamily="18" charset="0"/>
+                </a:rPr>
+                <a:t>- - -</a:t>
+              </a:r>
+            </a:p>
+          </p:txBody>
+        </p:sp>
+      </p:grpSp>
+    </p:spTree>
+    <p:extLst>
+      <p:ext uri="{BB962C8B-B14F-4D97-AF65-F5344CB8AC3E}">
+        <p14:creationId xmlns:p14="http://schemas.microsoft.com/office/powerpoint/2010/main" val="1353371378"/>
+      </p:ext>
+    </p:extLst>
+  </p:cSld>
+  <p:clrMapOvr>
+    <a:masterClrMapping/>
+  </p:clrMapOvr>
+  <p:timing>
+    <p:tnLst>
+      <p:par>
+        <p:cTn id="1" dur="indefinite" restart="never" nodeType="tmRoot">
+          <p:childTnLst>
+            <p:seq concurrent="1" nextAc="seek">
+              <p:cTn id="2" dur="indefinite" nodeType="mainSeq">
+                <p:childTnLst>
+                  <p:par>
+                    <p:cTn id="3" fill="hold">
+                      <p:stCondLst>
+                        <p:cond delay="indefinite"/>
+                      </p:stCondLst>
+                      <p:childTnLst>
+                        <p:par>
+                          <p:cTn id="4" fill="hold">
+                            <p:stCondLst>
+                              <p:cond delay="0"/>
+                            </p:stCondLst>
+                            <p:childTnLst>
+                              <p:par>
+                                <p:cTn id="5" presetID="1" presetClass="entr" presetSubtype="0" fill="hold" nodeType="clickEffect">
+                                  <p:stCondLst>
+                                    <p:cond delay="0"/>
+                                  </p:stCondLst>
+                                  <p:childTnLst>
+                                    <p:set>
+                                      <p:cBhvr>
+                                        <p:cTn id="6" dur="1" fill="hold">
+                                          <p:stCondLst>
+                                            <p:cond delay="0"/>
+                                          </p:stCondLst>
+                                        </p:cTn>
+                                        <p:tgtEl>
+                                          <p:spTgt spid="21"/>
+                                        </p:tgtEl>
+                                        <p:attrNameLst>
+                                          <p:attrName>style.visibility</p:attrName>
+                                        </p:attrNameLst>
+                                      </p:cBhvr>
+                                      <p:to>
+                                        <p:strVal val="visible"/>
+                                      </p:to>
+                                    </p:set>
+                                  </p:childTnLst>
+                                </p:cTn>
+                              </p:par>
+                            </p:childTnLst>
+                          </p:cTn>
+                        </p:par>
+                      </p:childTnLst>
+                    </p:cTn>
+                  </p:par>
+                  <p:par>
+                    <p:cTn id="7" fill="hold">
+                      <p:stCondLst>
+                        <p:cond delay="indefinite"/>
+                      </p:stCondLst>
+                      <p:childTnLst>
+                        <p:par>
+                          <p:cTn id="8" fill="hold">
+                            <p:stCondLst>
+                              <p:cond delay="0"/>
+                            </p:stCondLst>
+                            <p:childTnLst>
+                              <p:par>
+                                <p:cTn id="9" presetID="1" presetClass="entr" presetSubtype="0" fill="hold" nodeType="clickEffect">
+                                  <p:stCondLst>
+                                    <p:cond delay="0"/>
+                                  </p:stCondLst>
+                                  <p:childTnLst>
+                                    <p:set>
+                                      <p:cBhvr>
+                                        <p:cTn id="10" dur="1" fill="hold">
+                                          <p:stCondLst>
+                                            <p:cond delay="0"/>
+                                          </p:stCondLst>
+                                        </p:cTn>
+                                        <p:tgtEl>
+                                          <p:spTgt spid="22"/>
+                                        </p:tgtEl>
+                                        <p:attrNameLst>
+                                          <p:attrName>style.visibility</p:attrName>
+                                        </p:attrNameLst>
+                                      </p:cBhvr>
+                                      <p:to>
+                                        <p:strVal val="visible"/>
+                                      </p:to>
+                                    </p:set>
+                                  </p:childTnLst>
+                                </p:cTn>
+                              </p:par>
+                            </p:childTnLst>
+                          </p:cTn>
+                        </p:par>
+                      </p:childTnLst>
+                    </p:cTn>
+                  </p:par>
+                  <p:par>
+                    <p:cTn id="11" fill="hold">
+                      <p:stCondLst>
+                        <p:cond delay="indefinite"/>
+                      </p:stCondLst>
+                      <p:childTnLst>
+                        <p:par>
+                          <p:cTn id="12" fill="hold">
+                            <p:stCondLst>
+                              <p:cond delay="0"/>
+                            </p:stCondLst>
+                            <p:childTnLst>
+                              <p:par>
+                                <p:cTn id="13" presetID="1" presetClass="entr" presetSubtype="0" fill="hold" nodeType="clickEffect">
+                                  <p:stCondLst>
+                                    <p:cond delay="0"/>
+                                  </p:stCondLst>
+                                  <p:childTnLst>
+                                    <p:set>
+                                      <p:cBhvr>
+                                        <p:cTn id="14" dur="1" fill="hold">
+                                          <p:stCondLst>
+                                            <p:cond delay="0"/>
+                                          </p:stCondLst>
+                                        </p:cTn>
+                                        <p:tgtEl>
+                                          <p:spTgt spid="29"/>
+                                        </p:tgtEl>
+                                        <p:attrNameLst>
+                                          <p:attrName>style.visibility</p:attrName>
+                                        </p:attrNameLst>
+                                      </p:cBhvr>
+                                      <p:to>
+                                        <p:strVal val="visible"/>
+                                      </p:to>
+                                    </p:set>
+                                  </p:childTnLst>
+                                </p:cTn>
+                              </p:par>
+                            </p:childTnLst>
+                          </p:cTn>
+                        </p:par>
+                      </p:childTnLst>
+                    </p:cTn>
+                  </p:par>
+                  <p:par>
+                    <p:cTn id="15" fill="hold">
+                      <p:stCondLst>
+                        <p:cond delay="indefinite"/>
+                      </p:stCondLst>
+                      <p:childTnLst>
+                        <p:par>
+                          <p:cTn id="16" fill="hold">
+                            <p:stCondLst>
+                              <p:cond delay="0"/>
+                            </p:stCondLst>
+                            <p:childTnLst>
+                              <p:par>
+                                <p:cTn id="17" presetID="1" presetClass="entr" presetSubtype="0" fill="hold" nodeType="clickEffect">
+                                  <p:stCondLst>
+                                    <p:cond delay="0"/>
+                                  </p:stCondLst>
+                                  <p:childTnLst>
+                                    <p:set>
+                                      <p:cBhvr>
+                                        <p:cTn id="18" dur="1" fill="hold">
+                                          <p:stCondLst>
+                                            <p:cond delay="0"/>
+                                          </p:stCondLst>
+                                        </p:cTn>
+                                        <p:tgtEl>
+                                          <p:spTgt spid="13"/>
+                                        </p:tgtEl>
+                                        <p:attrNameLst>
+                                          <p:attrName>style.visibility</p:attrName>
+                                        </p:attrNameLst>
+                                      </p:cBhvr>
+                                      <p:to>
+                                        <p:strVal val="visible"/>
+                                      </p:to>
+                                    </p:set>
+                                  </p:childTnLst>
+                                </p:cTn>
+                              </p:par>
+                            </p:childTnLst>
+                          </p:cTn>
+                        </p:par>
+                      </p:childTnLst>
+                    </p:cTn>
+                  </p:par>
+                  <p:par>
+                    <p:cTn id="19" fill="hold">
+                      <p:stCondLst>
+                        <p:cond delay="indefinite"/>
+                      </p:stCondLst>
+                      <p:childTnLst>
+                        <p:par>
+                          <p:cTn id="20" fill="hold">
+                            <p:stCondLst>
+                              <p:cond delay="0"/>
+                            </p:stCondLst>
+                            <p:childTnLst>
+                              <p:par>
+                                <p:cTn id="21" presetID="1" presetClass="entr" presetSubtype="0" fill="hold" nodeType="clickEffect">
+                                  <p:stCondLst>
+                                    <p:cond delay="0"/>
+                                  </p:stCondLst>
+                                  <p:childTnLst>
+                                    <p:set>
+                                      <p:cBhvr>
+                                        <p:cTn id="22" dur="1" fill="hold">
+                                          <p:stCondLst>
+                                            <p:cond delay="0"/>
+                                          </p:stCondLst>
+                                        </p:cTn>
+                                        <p:tgtEl>
+                                          <p:spTgt spid="14"/>
+                                        </p:tgtEl>
+                                        <p:attrNameLst>
+                                          <p:attrName>style.visibility</p:attrName>
+                                        </p:attrNameLst>
+                                      </p:cBhvr>
+                                      <p:to>
+                                        <p:strVal val="visible"/>
+                                      </p:to>
+                                    </p:set>
+                                  </p:childTnLst>
+                                </p:cTn>
+                              </p:par>
+                            </p:childTnLst>
+                          </p:cTn>
+                        </p:par>
+                      </p:childTnLst>
+                    </p:cTn>
+                  </p:par>
+                </p:childTnLst>
+              </p:cTn>
+              <p:prevCondLst>
+                <p:cond evt="onPrev" delay="0">
+                  <p:tgtEl>
+                    <p:sldTgt/>
+                  </p:tgtEl>
+                </p:cond>
+              </p:prevCondLst>
+              <p:nextCondLst>
+                <p:cond evt="onNext" delay="0">
+                  <p:tgtEl>
+                    <p:sldTgt/>
+                  </p:tgtEl>
+                </p:cond>
+              </p:nextCondLst>
+            </p:seq>
+          </p:childTnLst>
+        </p:cTn>
+      </p:par>
+    </p:tnLst>
+  </p:timing>
 </p:sld>
 </file>
 

--- a/doc/présentation V5.pptx
+++ b/doc/présentation V5.pptx
@@ -230,7 +230,7 @@
           <a:p>
             <a:fld id="{3A579BB9-F2CA-426C-82A6-1234A0AE4AD5}" type="datetimeFigureOut">
               <a:rPr lang="fr-FR" smtClean="0"/>
-              <a:t>01/02/2023</a:t>
+              <a:t>07/02/2023</a:t>
             </a:fld>
             <a:endParaRPr lang="fr-FR"/>
           </a:p>
@@ -3797,16 +3797,32 @@
             </a:endParaRPr>
           </a:p>
           <a:p>
-            <a:pPr marL="742950" lvl="1" indent="-285750">
-              <a:lnSpc>
-                <a:spcPct val="107000"/>
-              </a:lnSpc>
+            <a:pPr marL="457200" marR="0" lvl="1" indent="0" algn="l" defTabSz="914400" rtl="0" eaLnBrk="1" fontAlgn="auto" latinLnBrk="0" hangingPunct="1">
+              <a:lnSpc>
+                <a:spcPct val="107000"/>
+              </a:lnSpc>
+              <a:spcBef>
+                <a:spcPts val="0"/>
+              </a:spcBef>
               <a:spcAft>
                 <a:spcPts val="800"/>
               </a:spcAft>
+              <a:buClrTx/>
+              <a:buSzTx/>
               <a:buFont typeface="Courier New" panose="02070309020205020404" pitchFamily="49" charset="0"/>
-              <a:buChar char="o"/>
-            </a:pPr>
+              <a:buNone/>
+              <a:tabLst/>
+              <a:defRPr/>
+            </a:pPr>
+            <a:r>
+              <a:rPr lang="fr-FR" sz="1800" dirty="0">
+                <a:effectLst/>
+                <a:latin typeface="Calibri" panose="020F0502020204030204" pitchFamily="34" charset="0"/>
+                <a:ea typeface="Calibri" panose="020F0502020204030204" pitchFamily="34" charset="0"/>
+                <a:cs typeface="Times New Roman" panose="02020603050405020304" pitchFamily="18" charset="0"/>
+              </a:rPr>
+              <a:t>Cookie peut être appelé à tout moment</a:t>
+            </a:r>
             <a:endParaRPr lang="fr-FR" sz="1100" dirty="0">
               <a:effectLst/>
               <a:latin typeface="Calibri" panose="020F0502020204030204" pitchFamily="34" charset="0"/>
@@ -5075,6 +5091,44 @@
               </a:spcAft>
             </a:pPr>
             <a:r>
+              <a:rPr lang="fr-FR" sz="1800" dirty="0">
+                <a:effectLst/>
+                <a:latin typeface="Calibri" panose="020F0502020204030204" pitchFamily="34" charset="0"/>
+                <a:ea typeface="Calibri" panose="020F0502020204030204" pitchFamily="34" charset="0"/>
+                <a:cs typeface="Times New Roman" panose="02020603050405020304" pitchFamily="18" charset="0"/>
+              </a:rPr>
+              <a:t>Exemple : robinet fuit =&gt; téléphone centrale=&gt; transmet au plombier =&gt; répare et signale fin d’intervention au central </a:t>
+            </a:r>
+          </a:p>
+          <a:p>
+            <a:pPr>
+              <a:lnSpc>
+                <a:spcPct val="107000"/>
+              </a:lnSpc>
+              <a:spcAft>
+                <a:spcPts val="800"/>
+              </a:spcAft>
+            </a:pPr>
+            <a:r>
+              <a:rPr lang="fr-FR" sz="1800" dirty="0">
+                <a:effectLst/>
+                <a:latin typeface="Calibri" panose="020F0502020204030204" pitchFamily="34" charset="0"/>
+                <a:ea typeface="Calibri" panose="020F0502020204030204" pitchFamily="34" charset="0"/>
+                <a:cs typeface="Times New Roman" panose="02020603050405020304" pitchFamily="18" charset="0"/>
+              </a:rPr>
+              <a:t>	dans le meilleurs des case =&gt; transmet usager</a:t>
+            </a:r>
+          </a:p>
+          <a:p>
+            <a:pPr>
+              <a:lnSpc>
+                <a:spcPct val="107000"/>
+              </a:lnSpc>
+              <a:spcAft>
+                <a:spcPts val="800"/>
+              </a:spcAft>
+            </a:pPr>
+            <a:r>
               <a:rPr lang="fr-FR" sz="1800" b="1" dirty="0">
                 <a:solidFill>
                   <a:srgbClr val="FF0000"/>
@@ -5103,8 +5157,43 @@
                 <a:ea typeface="Calibri" panose="020F0502020204030204" pitchFamily="34" charset="0"/>
                 <a:cs typeface="Times New Roman" panose="02020603050405020304" pitchFamily="18" charset="0"/>
               </a:rPr>
-              <a:t>Contexte digitalisation des process =&gt; plateforme unique =&gt; employés de bureau, intervenants extérieur ou responsables d’immeuble.</a:t>
-            </a:r>
+              <a:t>Gagner en efficacité + contexte digitalisation des process =&gt; plateforme unique =&gt; employés de bureau, intervenants extérieur ou responsables d’immeuble.</a:t>
+            </a:r>
+          </a:p>
+          <a:p>
+            <a:pPr>
+              <a:lnSpc>
+                <a:spcPct val="107000"/>
+              </a:lnSpc>
+              <a:spcAft>
+                <a:spcPts val="800"/>
+              </a:spcAft>
+            </a:pPr>
+            <a:r>
+              <a:rPr lang="fr-FR" sz="1800" dirty="0">
+                <a:effectLst/>
+                <a:latin typeface="Calibri" panose="020F0502020204030204" pitchFamily="34" charset="0"/>
+                <a:ea typeface="Calibri" panose="020F0502020204030204" pitchFamily="34" charset="0"/>
+                <a:cs typeface="Times New Roman" panose="02020603050405020304" pitchFamily="18" charset="0"/>
+              </a:rPr>
+              <a:t>Exemple : robinet fuit =&gt; signalement =&gt; plombier  répare et signale fin d’intervention au central =&gt; usager averti + valide</a:t>
+            </a:r>
+          </a:p>
+          <a:p>
+            <a:pPr>
+              <a:lnSpc>
+                <a:spcPct val="107000"/>
+              </a:lnSpc>
+              <a:spcAft>
+                <a:spcPts val="800"/>
+              </a:spcAft>
+            </a:pPr>
+            <a:endParaRPr lang="fr-FR" sz="1800" dirty="0">
+              <a:effectLst/>
+              <a:latin typeface="Calibri" panose="020F0502020204030204" pitchFamily="34" charset="0"/>
+              <a:ea typeface="Calibri" panose="020F0502020204030204" pitchFamily="34" charset="0"/>
+              <a:cs typeface="Times New Roman" panose="02020603050405020304" pitchFamily="18" charset="0"/>
+            </a:endParaRPr>
           </a:p>
           <a:p>
             <a:pPr>
@@ -5486,6 +5575,299 @@
                 <a:spcPts val="800"/>
               </a:spcAft>
             </a:pPr>
+            <a:r>
+              <a:rPr lang="fr-FR" sz="1800" b="1" dirty="0">
+                <a:solidFill>
+                  <a:srgbClr val="FF0000"/>
+                </a:solidFill>
+                <a:effectLst/>
+                <a:latin typeface="Calibri" panose="020F0502020204030204" pitchFamily="34" charset="0"/>
+                <a:ea typeface="Calibri" panose="020F0502020204030204" pitchFamily="34" charset="0"/>
+                <a:cs typeface="Times New Roman" panose="02020603050405020304" pitchFamily="18" charset="0"/>
+              </a:rPr>
+              <a:t>Partie égocentrée de la présentation</a:t>
+            </a:r>
+          </a:p>
+          <a:p>
+            <a:pPr>
+              <a:lnSpc>
+                <a:spcPct val="107000"/>
+              </a:lnSpc>
+              <a:spcAft>
+                <a:spcPts val="800"/>
+              </a:spcAft>
+            </a:pPr>
+            <a:r>
+              <a:rPr lang="fr-FR" sz="1800" dirty="0">
+                <a:effectLst/>
+                <a:latin typeface="Calibri" panose="020F0502020204030204" pitchFamily="34" charset="0"/>
+                <a:ea typeface="Calibri" panose="020F0502020204030204" pitchFamily="34" charset="0"/>
+                <a:cs typeface="Times New Roman" panose="02020603050405020304" pitchFamily="18" charset="0"/>
+              </a:rPr>
+              <a:t>Je suis titulaire d’un BTS Informatique, ce titre sont pour moi une chance de revenir à mes premières amours.</a:t>
+            </a:r>
+          </a:p>
+          <a:p>
+            <a:pPr>
+              <a:lnSpc>
+                <a:spcPct val="107000"/>
+              </a:lnSpc>
+              <a:spcAft>
+                <a:spcPts val="800"/>
+              </a:spcAft>
+            </a:pPr>
+            <a:r>
+              <a:rPr lang="fr-FR" sz="1800" dirty="0">
+                <a:effectLst/>
+                <a:latin typeface="Calibri" panose="020F0502020204030204" pitchFamily="34" charset="0"/>
+                <a:ea typeface="Calibri" panose="020F0502020204030204" pitchFamily="34" charset="0"/>
+                <a:cs typeface="Times New Roman" panose="02020603050405020304" pitchFamily="18" charset="0"/>
+              </a:rPr>
+              <a:t>Que ce soit dans un cadre professionnel ou personnel, j’ai toujours programmé, en fait j’ai surtout fait de l’automatisation, de process ou de jeux de société.</a:t>
+            </a:r>
+          </a:p>
+          <a:p>
+            <a:pPr>
+              <a:lnSpc>
+                <a:spcPct val="107000"/>
+              </a:lnSpc>
+              <a:spcAft>
+                <a:spcPts val="800"/>
+              </a:spcAft>
+            </a:pPr>
+            <a:r>
+              <a:rPr lang="fr-FR" sz="1800" dirty="0">
+                <a:effectLst/>
+                <a:latin typeface="Calibri" panose="020F0502020204030204" pitchFamily="34" charset="0"/>
+                <a:ea typeface="Calibri" panose="020F0502020204030204" pitchFamily="34" charset="0"/>
+                <a:cs typeface="Times New Roman" panose="02020603050405020304" pitchFamily="18" charset="0"/>
+              </a:rPr>
+              <a:t>J’ai donc l’habitude d’interroger les futurs utilisateurs pour recueillir leurs besoins</a:t>
+            </a:r>
+          </a:p>
+          <a:p>
+            <a:pPr>
+              <a:lnSpc>
+                <a:spcPct val="107000"/>
+              </a:lnSpc>
+              <a:spcAft>
+                <a:spcPts val="800"/>
+              </a:spcAft>
+            </a:pPr>
+            <a:r>
+              <a:rPr lang="fr-FR" sz="1800" dirty="0">
+                <a:effectLst/>
+                <a:latin typeface="Calibri" panose="020F0502020204030204" pitchFamily="34" charset="0"/>
+                <a:ea typeface="Calibri" panose="020F0502020204030204" pitchFamily="34" charset="0"/>
+                <a:cs typeface="Times New Roman" panose="02020603050405020304" pitchFamily="18" charset="0"/>
+              </a:rPr>
+              <a:t>Déterminer de données à stocker et celles qui pourront être calculées.</a:t>
+            </a:r>
+          </a:p>
+          <a:p>
+            <a:pPr>
+              <a:lnSpc>
+                <a:spcPct val="107000"/>
+              </a:lnSpc>
+              <a:spcAft>
+                <a:spcPts val="800"/>
+              </a:spcAft>
+            </a:pPr>
+            <a:r>
+              <a:rPr lang="fr-FR" sz="1800" dirty="0">
+                <a:effectLst/>
+                <a:latin typeface="Calibri" panose="020F0502020204030204" pitchFamily="34" charset="0"/>
+                <a:ea typeface="Calibri" panose="020F0502020204030204" pitchFamily="34" charset="0"/>
+                <a:cs typeface="Times New Roman" panose="02020603050405020304" pitchFamily="18" charset="0"/>
+              </a:rPr>
+              <a:t>Déterminer l’ordre des priorisations. Plutôt avec un responsable.</a:t>
+            </a:r>
+          </a:p>
+          <a:p>
+            <a:pPr>
+              <a:lnSpc>
+                <a:spcPct val="107000"/>
+              </a:lnSpc>
+              <a:spcAft>
+                <a:spcPts val="800"/>
+              </a:spcAft>
+            </a:pPr>
+            <a:r>
+              <a:rPr lang="fr-FR" sz="1800" dirty="0">
+                <a:effectLst/>
+                <a:latin typeface="Calibri" panose="020F0502020204030204" pitchFamily="34" charset="0"/>
+                <a:ea typeface="Calibri" panose="020F0502020204030204" pitchFamily="34" charset="0"/>
+                <a:cs typeface="Times New Roman" panose="02020603050405020304" pitchFamily="18" charset="0"/>
+              </a:rPr>
+              <a:t>Ici c’est moi qui ai assuré à peu près tous les rôles : je l’ai porté, conçu, codé, testé, validé.</a:t>
+            </a:r>
+          </a:p>
+          <a:p>
+            <a:pPr>
+              <a:lnSpc>
+                <a:spcPct val="107000"/>
+              </a:lnSpc>
+              <a:spcAft>
+                <a:spcPts val="800"/>
+              </a:spcAft>
+            </a:pPr>
+            <a:endParaRPr lang="fr-FR" sz="1800" dirty="0">
+              <a:effectLst/>
+              <a:latin typeface="Calibri" panose="020F0502020204030204" pitchFamily="34" charset="0"/>
+              <a:ea typeface="Calibri" panose="020F0502020204030204" pitchFamily="34" charset="0"/>
+              <a:cs typeface="Times New Roman" panose="02020603050405020304" pitchFamily="18" charset="0"/>
+            </a:endParaRPr>
+          </a:p>
+          <a:p>
+            <a:pPr>
+              <a:lnSpc>
+                <a:spcPct val="107000"/>
+              </a:lnSpc>
+              <a:spcAft>
+                <a:spcPts val="800"/>
+              </a:spcAft>
+            </a:pPr>
+            <a:r>
+              <a:rPr lang="fr-FR" sz="1800" dirty="0">
+                <a:effectLst/>
+                <a:latin typeface="Calibri" panose="020F0502020204030204" pitchFamily="34" charset="0"/>
+                <a:ea typeface="Calibri" panose="020F0502020204030204" pitchFamily="34" charset="0"/>
+                <a:cs typeface="Times New Roman" panose="02020603050405020304" pitchFamily="18" charset="0"/>
+              </a:rPr>
+              <a:t>Au cours de l’année écoulée, j’ai appris énormément de choses que j’ai pu mettre en pratique pour ce projet :</a:t>
+            </a:r>
+          </a:p>
+          <a:p>
+            <a:pPr>
+              <a:lnSpc>
+                <a:spcPct val="107000"/>
+              </a:lnSpc>
+              <a:spcAft>
+                <a:spcPts val="800"/>
+              </a:spcAft>
+            </a:pPr>
+            <a:r>
+              <a:rPr lang="fr-FR" sz="1800" dirty="0">
+                <a:effectLst/>
+                <a:latin typeface="Calibri" panose="020F0502020204030204" pitchFamily="34" charset="0"/>
+                <a:ea typeface="Calibri" panose="020F0502020204030204" pitchFamily="34" charset="0"/>
+                <a:cs typeface="Times New Roman" panose="02020603050405020304" pitchFamily="18" charset="0"/>
+              </a:rPr>
+              <a:t>Web =&gt; quelques notions HTLM =&gt; Application client/serveur</a:t>
+            </a:r>
+          </a:p>
+          <a:p>
+            <a:pPr>
+              <a:lnSpc>
+                <a:spcPct val="107000"/>
+              </a:lnSpc>
+              <a:spcAft>
+                <a:spcPts val="800"/>
+              </a:spcAft>
+            </a:pPr>
+            <a:r>
+              <a:rPr lang="fr-FR" sz="1800" dirty="0">
+                <a:effectLst/>
+                <a:latin typeface="Calibri" panose="020F0502020204030204" pitchFamily="34" charset="0"/>
+                <a:ea typeface="Calibri" panose="020F0502020204030204" pitchFamily="34" charset="0"/>
+                <a:cs typeface="Times New Roman" panose="02020603050405020304" pitchFamily="18" charset="0"/>
+              </a:rPr>
+              <a:t>La POO : indispensable à n’importe quel développeur.</a:t>
+            </a:r>
+          </a:p>
+          <a:p>
+            <a:pPr>
+              <a:lnSpc>
+                <a:spcPct val="107000"/>
+              </a:lnSpc>
+              <a:spcAft>
+                <a:spcPts val="800"/>
+              </a:spcAft>
+            </a:pPr>
+            <a:r>
+              <a:rPr lang="fr-FR" sz="1800" dirty="0">
+                <a:effectLst/>
+                <a:latin typeface="Calibri" panose="020F0502020204030204" pitchFamily="34" charset="0"/>
+                <a:ea typeface="Calibri" panose="020F0502020204030204" pitchFamily="34" charset="0"/>
+                <a:cs typeface="Times New Roman" panose="02020603050405020304" pitchFamily="18" charset="0"/>
+              </a:rPr>
+              <a:t>Langages</a:t>
+            </a:r>
+          </a:p>
+          <a:p>
+            <a:pPr>
+              <a:lnSpc>
+                <a:spcPct val="107000"/>
+              </a:lnSpc>
+              <a:spcAft>
+                <a:spcPts val="800"/>
+              </a:spcAft>
+            </a:pPr>
+            <a:r>
+              <a:rPr lang="fr-FR" sz="1800" dirty="0" err="1">
+                <a:effectLst/>
+                <a:latin typeface="Calibri" panose="020F0502020204030204" pitchFamily="34" charset="0"/>
+                <a:ea typeface="Calibri" panose="020F0502020204030204" pitchFamily="34" charset="0"/>
+                <a:cs typeface="Times New Roman" panose="02020603050405020304" pitchFamily="18" charset="0"/>
+              </a:rPr>
+              <a:t>Devops</a:t>
+            </a:r>
+            <a:r>
+              <a:rPr lang="fr-FR" sz="1800" dirty="0">
+                <a:effectLst/>
+                <a:latin typeface="Calibri" panose="020F0502020204030204" pitchFamily="34" charset="0"/>
+                <a:ea typeface="Calibri" panose="020F0502020204030204" pitchFamily="34" charset="0"/>
+                <a:cs typeface="Times New Roman" panose="02020603050405020304" pitchFamily="18" charset="0"/>
+              </a:rPr>
+              <a:t> – qui m’a permis d’utiliser un pipe line </a:t>
+            </a:r>
+            <a:r>
+              <a:rPr lang="fr-FR" sz="1800" dirty="0" err="1">
+                <a:effectLst/>
+                <a:latin typeface="Calibri" panose="020F0502020204030204" pitchFamily="34" charset="0"/>
+                <a:ea typeface="Calibri" panose="020F0502020204030204" pitchFamily="34" charset="0"/>
+                <a:cs typeface="Times New Roman" panose="02020603050405020304" pitchFamily="18" charset="0"/>
+              </a:rPr>
+              <a:t>Github</a:t>
+            </a:r>
+            <a:r>
+              <a:rPr lang="fr-FR" sz="1800" dirty="0">
+                <a:effectLst/>
+                <a:latin typeface="Calibri" panose="020F0502020204030204" pitchFamily="34" charset="0"/>
+                <a:ea typeface="Calibri" panose="020F0502020204030204" pitchFamily="34" charset="0"/>
+                <a:cs typeface="Times New Roman" panose="02020603050405020304" pitchFamily="18" charset="0"/>
+              </a:rPr>
+              <a:t> pour automatiser les tests unitaires.</a:t>
+            </a:r>
+          </a:p>
+          <a:p>
+            <a:pPr>
+              <a:lnSpc>
+                <a:spcPct val="107000"/>
+              </a:lnSpc>
+              <a:spcAft>
+                <a:spcPts val="800"/>
+              </a:spcAft>
+            </a:pPr>
+            <a:r>
+              <a:rPr lang="fr-FR" sz="1800" dirty="0">
+                <a:effectLst/>
+                <a:latin typeface="Calibri" panose="020F0502020204030204" pitchFamily="34" charset="0"/>
+                <a:ea typeface="Calibri" panose="020F0502020204030204" pitchFamily="34" charset="0"/>
+                <a:cs typeface="Times New Roman" panose="02020603050405020304" pitchFamily="18" charset="0"/>
+              </a:rPr>
+              <a:t>	étudier le déploiement sur un serveur distant</a:t>
+            </a:r>
+          </a:p>
+          <a:p>
+            <a:pPr>
+              <a:lnSpc>
+                <a:spcPct val="107000"/>
+              </a:lnSpc>
+              <a:spcAft>
+                <a:spcPts val="800"/>
+              </a:spcAft>
+            </a:pPr>
             <a:endParaRPr lang="fr-FR" sz="1800" b="1" dirty="0">
               <a:solidFill>
                 <a:srgbClr val="FF0000"/>
@@ -5506,6 +5888,110 @@
               </a:spcAft>
             </a:pPr>
             <a:r>
+              <a:rPr lang="fr-FR" sz="1800" dirty="0">
+                <a:effectLst/>
+                <a:latin typeface="Calibri" panose="020F0502020204030204" pitchFamily="34" charset="0"/>
+                <a:ea typeface="Calibri" panose="020F0502020204030204" pitchFamily="34" charset="0"/>
+                <a:cs typeface="Times New Roman" panose="02020603050405020304" pitchFamily="18" charset="0"/>
+              </a:rPr>
+              <a:t>J’ai bien sûr dû compléter par des recherches personnelles.</a:t>
+            </a:r>
+          </a:p>
+          <a:p>
+            <a:pPr>
+              <a:lnSpc>
+                <a:spcPct val="107000"/>
+              </a:lnSpc>
+              <a:spcAft>
+                <a:spcPts val="800"/>
+              </a:spcAft>
+            </a:pPr>
+            <a:r>
+              <a:rPr lang="fr-FR" sz="1800" dirty="0">
+                <a:effectLst/>
+                <a:latin typeface="Calibri" panose="020F0502020204030204" pitchFamily="34" charset="0"/>
+                <a:ea typeface="Calibri" panose="020F0502020204030204" pitchFamily="34" charset="0"/>
+                <a:cs typeface="Times New Roman" panose="02020603050405020304" pitchFamily="18" charset="0"/>
+              </a:rPr>
+              <a:t>Principalement pour comprendre le principe de l’ORM. Vaste sujet.</a:t>
+            </a:r>
+          </a:p>
+          <a:p>
+            <a:pPr>
+              <a:lnSpc>
+                <a:spcPct val="107000"/>
+              </a:lnSpc>
+              <a:spcAft>
+                <a:spcPts val="800"/>
+              </a:spcAft>
+            </a:pPr>
+            <a:r>
+              <a:rPr lang="fr-FR" sz="1800" dirty="0">
+                <a:effectLst/>
+                <a:latin typeface="Calibri" panose="020F0502020204030204" pitchFamily="34" charset="0"/>
+                <a:ea typeface="Calibri" panose="020F0502020204030204" pitchFamily="34" charset="0"/>
+                <a:cs typeface="Times New Roman" panose="02020603050405020304" pitchFamily="18" charset="0"/>
+              </a:rPr>
+              <a:t>Beaucoup de temps aussi notamment pour les tests.</a:t>
+            </a:r>
+          </a:p>
+          <a:p>
+            <a:pPr>
+              <a:lnSpc>
+                <a:spcPct val="107000"/>
+              </a:lnSpc>
+              <a:spcAft>
+                <a:spcPts val="800"/>
+              </a:spcAft>
+            </a:pPr>
+            <a:r>
+              <a:rPr lang="fr-FR" sz="1800" dirty="0">
+                <a:effectLst/>
+                <a:latin typeface="Calibri" panose="020F0502020204030204" pitchFamily="34" charset="0"/>
+                <a:ea typeface="Calibri" panose="020F0502020204030204" pitchFamily="34" charset="0"/>
+                <a:cs typeface="Times New Roman" panose="02020603050405020304" pitchFamily="18" charset="0"/>
+              </a:rPr>
+              <a:t>Mais là c’était beaucoup plus un problème de codage que compréhension du concept.</a:t>
+            </a:r>
+          </a:p>
+          <a:p>
+            <a:pPr>
+              <a:lnSpc>
+                <a:spcPct val="107000"/>
+              </a:lnSpc>
+              <a:spcAft>
+                <a:spcPts val="800"/>
+              </a:spcAft>
+            </a:pPr>
+            <a:r>
+              <a:rPr lang="fr-FR" sz="1800" dirty="0">
+                <a:effectLst/>
+                <a:latin typeface="Calibri" panose="020F0502020204030204" pitchFamily="34" charset="0"/>
+                <a:ea typeface="Calibri" panose="020F0502020204030204" pitchFamily="34" charset="0"/>
+                <a:cs typeface="Times New Roman" panose="02020603050405020304" pitchFamily="18" charset="0"/>
+              </a:rPr>
+              <a:t>Et quelques fonctionnalités secondaires.</a:t>
+            </a:r>
+          </a:p>
+          <a:p>
+            <a:pPr marL="0" marR="0" lvl="0" indent="0" algn="l" defTabSz="914400" rtl="0" eaLnBrk="1" fontAlgn="auto" latinLnBrk="0" hangingPunct="1">
+              <a:lnSpc>
+                <a:spcPct val="107000"/>
+              </a:lnSpc>
+              <a:spcBef>
+                <a:spcPts val="0"/>
+              </a:spcBef>
+              <a:spcAft>
+                <a:spcPts val="800"/>
+              </a:spcAft>
+              <a:buClrTx/>
+              <a:buSzTx/>
+              <a:buFontTx/>
+              <a:buNone/>
+              <a:tabLst/>
+              <a:defRPr/>
+            </a:pPr>
+            <a:r>
               <a:rPr lang="fr-FR" sz="1800" b="1" dirty="0">
                 <a:solidFill>
                   <a:srgbClr val="FF0000"/>
@@ -5515,18 +6001,17 @@
                 <a:ea typeface="Calibri" panose="020F0502020204030204" pitchFamily="34" charset="0"/>
                 <a:cs typeface="Times New Roman" panose="02020603050405020304" pitchFamily="18" charset="0"/>
               </a:rPr>
-              <a:t>Partie égocentrée de la présentation</a:t>
-            </a:r>
-          </a:p>
-          <a:p>
-            <a:pPr>
-              <a:lnSpc>
-                <a:spcPct val="107000"/>
-              </a:lnSpc>
-              <a:spcAft>
-                <a:spcPts val="800"/>
-              </a:spcAft>
-            </a:pPr>
+              <a:t>click</a:t>
+            </a:r>
+            <a:r>
+              <a:rPr lang="fr-FR" sz="1800" dirty="0">
+                <a:effectLst/>
+                <a:latin typeface="Calibri" panose="020F0502020204030204" pitchFamily="34" charset="0"/>
+                <a:ea typeface="Calibri" panose="020F0502020204030204" pitchFamily="34" charset="0"/>
+                <a:cs typeface="Times New Roman" panose="02020603050405020304" pitchFamily="18" charset="0"/>
+              </a:rPr>
+              <a:t> </a:t>
+            </a:r>
             <a:endParaRPr lang="fr-FR" sz="1800" b="1" dirty="0">
               <a:solidFill>
                 <a:srgbClr val="FF0000"/>
@@ -5553,7 +6038,25 @@
                 <a:ea typeface="Calibri" panose="020F0502020204030204" pitchFamily="34" charset="0"/>
                 <a:cs typeface="Times New Roman" panose="02020603050405020304" pitchFamily="18" charset="0"/>
               </a:rPr>
-              <a:t>Je suis titulaire d’un BTS Informatique, ce titre sont pour moi une chance de revenir à mes premières amours.</a:t>
+              <a:t>Aujourd’hui SOS </a:t>
+            </a:r>
+            <a:r>
+              <a:rPr lang="fr-FR" sz="1800" dirty="0" err="1">
+                <a:effectLst/>
+                <a:latin typeface="Calibri" panose="020F0502020204030204" pitchFamily="34" charset="0"/>
+                <a:ea typeface="Calibri" panose="020F0502020204030204" pitchFamily="34" charset="0"/>
+                <a:cs typeface="Times New Roman" panose="02020603050405020304" pitchFamily="18" charset="0"/>
+              </a:rPr>
+              <a:t>Immo</a:t>
+            </a:r>
+            <a:r>
+              <a:rPr lang="fr-FR" sz="1800" dirty="0">
+                <a:effectLst/>
+                <a:latin typeface="Calibri" panose="020F0502020204030204" pitchFamily="34" charset="0"/>
+                <a:ea typeface="Calibri" panose="020F0502020204030204" pitchFamily="34" charset="0"/>
+                <a:cs typeface="Times New Roman" panose="02020603050405020304" pitchFamily="18" charset="0"/>
+              </a:rPr>
+              <a:t> est opérationnel.</a:t>
             </a:r>
           </a:p>
           <a:p>
@@ -5572,7 +6075,7 @@
                 <a:ea typeface="Calibri" panose="020F0502020204030204" pitchFamily="34" charset="0"/>
                 <a:cs typeface="Times New Roman" panose="02020603050405020304" pitchFamily="18" charset="0"/>
               </a:rPr>
-              <a:t>Que ce soit dans un cadre professionnel ou personnel, j’ai toujours programmé, en fait j’ai surtout fait de l’automatisation, de process ou de jeux de société.</a:t>
+              <a:t>La mission principale de (suivi des incidents) est remplie.</a:t>
             </a:r>
           </a:p>
           <a:p>
@@ -5591,7 +6094,7 @@
                 <a:ea typeface="Calibri" panose="020F0502020204030204" pitchFamily="34" charset="0"/>
                 <a:cs typeface="Times New Roman" panose="02020603050405020304" pitchFamily="18" charset="0"/>
               </a:rPr>
-              <a:t>J’ai donc l’habitude d’interroger les futurs utilisateurs pour recueillir leurs besoins</a:t>
+              <a:t>Et la partie authentification est terminée.</a:t>
             </a:r>
           </a:p>
           <a:p>
@@ -5603,15 +6106,12 @@
                 <a:spcPts val="800"/>
               </a:spcAft>
             </a:pPr>
-            <a:r>
-              <a:rPr lang="fr-FR" sz="1800" dirty="0">
-                <a:effectLst/>
-                <a:latin typeface="Calibri" panose="020F0502020204030204" pitchFamily="34" charset="0"/>
-                <a:ea typeface="Calibri" panose="020F0502020204030204" pitchFamily="34" charset="0"/>
-                <a:cs typeface="Times New Roman" panose="02020603050405020304" pitchFamily="18" charset="0"/>
-              </a:rPr>
-              <a:t>Déterminer de données à stocker et celles qui pourront être calculées.</a:t>
-            </a:r>
+            <a:endParaRPr lang="fr-FR" sz="1800" dirty="0">
+              <a:effectLst/>
+              <a:latin typeface="Calibri" panose="020F0502020204030204" pitchFamily="34" charset="0"/>
+              <a:ea typeface="Calibri" panose="020F0502020204030204" pitchFamily="34" charset="0"/>
+              <a:cs typeface="Times New Roman" panose="02020603050405020304" pitchFamily="18" charset="0"/>
+            </a:endParaRPr>
           </a:p>
           <a:p>
             <a:pPr>
@@ -5629,7 +6129,7 @@
                 <a:ea typeface="Calibri" panose="020F0502020204030204" pitchFamily="34" charset="0"/>
                 <a:cs typeface="Times New Roman" panose="02020603050405020304" pitchFamily="18" charset="0"/>
               </a:rPr>
-              <a:t>Déterminer l’ordre des priorisations. Plutôt avec un responsable.</a:t>
+              <a:t>Il me reste à finaliser l’archivage des données.</a:t>
             </a:r>
           </a:p>
           <a:p>
@@ -5648,7 +6148,7 @@
                 <a:ea typeface="Calibri" panose="020F0502020204030204" pitchFamily="34" charset="0"/>
                 <a:cs typeface="Times New Roman" panose="02020603050405020304" pitchFamily="18" charset="0"/>
               </a:rPr>
-              <a:t>Ici c’est moi qui ai assuré à peu près tous les rôles : je l’ai porté, conçu, codé, testé, validé.</a:t>
+              <a:t>Je souhaite également mettre en œuvre le chargement de fichiers (csv) pour la création groupée d’utilisateurs.</a:t>
             </a:r>
           </a:p>
           <a:p>
@@ -5661,112 +6161,14 @@
               </a:spcAft>
             </a:pPr>
             <a:r>
-              <a:rPr lang="fr-FR" sz="1800" b="1" dirty="0">
-                <a:solidFill>
-                  <a:srgbClr val="FF0000"/>
-                </a:solidFill>
-                <a:effectLst/>
-                <a:latin typeface="Calibri" panose="020F0502020204030204" pitchFamily="34" charset="0"/>
-                <a:ea typeface="Calibri" panose="020F0502020204030204" pitchFamily="34" charset="0"/>
-                <a:cs typeface="Times New Roman" panose="02020603050405020304" pitchFamily="18" charset="0"/>
-              </a:rPr>
-              <a:t>click</a:t>
-            </a:r>
-            <a:r>
-              <a:rPr lang="fr-FR" sz="1800" dirty="0">
-                <a:effectLst/>
-                <a:latin typeface="Calibri" panose="020F0502020204030204" pitchFamily="34" charset="0"/>
-                <a:ea typeface="Calibri" panose="020F0502020204030204" pitchFamily="34" charset="0"/>
-                <a:cs typeface="Times New Roman" panose="02020603050405020304" pitchFamily="18" charset="0"/>
-              </a:rPr>
-              <a:t> </a:t>
-            </a:r>
-          </a:p>
-          <a:p>
-            <a:pPr>
-              <a:lnSpc>
-                <a:spcPct val="107000"/>
-              </a:lnSpc>
-              <a:spcAft>
-                <a:spcPts val="800"/>
-              </a:spcAft>
-            </a:pPr>
-            <a:r>
-              <a:rPr lang="fr-FR" sz="1800" dirty="0">
-                <a:effectLst/>
-                <a:latin typeface="Calibri" panose="020F0502020204030204" pitchFamily="34" charset="0"/>
-                <a:ea typeface="Calibri" panose="020F0502020204030204" pitchFamily="34" charset="0"/>
-                <a:cs typeface="Times New Roman" panose="02020603050405020304" pitchFamily="18" charset="0"/>
-              </a:rPr>
-              <a:t>Au cours de l’année écoulée, j’ai appris énormément de choses que j’ai pu mettre en pratique pour ce projet :</a:t>
-            </a:r>
-          </a:p>
-          <a:p>
-            <a:pPr>
-              <a:lnSpc>
-                <a:spcPct val="107000"/>
-              </a:lnSpc>
-              <a:spcAft>
-                <a:spcPts val="800"/>
-              </a:spcAft>
-            </a:pPr>
-            <a:r>
-              <a:rPr lang="fr-FR" sz="1800" dirty="0">
-                <a:effectLst/>
-                <a:latin typeface="Calibri" panose="020F0502020204030204" pitchFamily="34" charset="0"/>
-                <a:ea typeface="Calibri" panose="020F0502020204030204" pitchFamily="34" charset="0"/>
-                <a:cs typeface="Times New Roman" panose="02020603050405020304" pitchFamily="18" charset="0"/>
-              </a:rPr>
-              <a:t>Web =&gt; quelques notions HTLM =&gt; Application client/serveur</a:t>
-            </a:r>
-          </a:p>
-          <a:p>
-            <a:pPr>
-              <a:lnSpc>
-                <a:spcPct val="107000"/>
-              </a:lnSpc>
-              <a:spcAft>
-                <a:spcPts val="800"/>
-              </a:spcAft>
-            </a:pPr>
-            <a:r>
-              <a:rPr lang="fr-FR" sz="1800" dirty="0">
-                <a:effectLst/>
-                <a:latin typeface="Calibri" panose="020F0502020204030204" pitchFamily="34" charset="0"/>
-                <a:ea typeface="Calibri" panose="020F0502020204030204" pitchFamily="34" charset="0"/>
-                <a:cs typeface="Times New Roman" panose="02020603050405020304" pitchFamily="18" charset="0"/>
-              </a:rPr>
-              <a:t>La POO : indispensable à n’importe quel développeur.</a:t>
-            </a:r>
-          </a:p>
-          <a:p>
-            <a:pPr>
-              <a:lnSpc>
-                <a:spcPct val="107000"/>
-              </a:lnSpc>
-              <a:spcAft>
-                <a:spcPts val="800"/>
-              </a:spcAft>
-            </a:pPr>
-            <a:r>
-              <a:rPr lang="fr-FR" sz="1800" dirty="0">
-                <a:effectLst/>
-                <a:latin typeface="Calibri" panose="020F0502020204030204" pitchFamily="34" charset="0"/>
-                <a:ea typeface="Calibri" panose="020F0502020204030204" pitchFamily="34" charset="0"/>
-                <a:cs typeface="Times New Roman" panose="02020603050405020304" pitchFamily="18" charset="0"/>
-              </a:rPr>
-              <a:t>Langages</a:t>
-            </a:r>
-          </a:p>
-          <a:p>
-            <a:pPr>
-              <a:lnSpc>
-                <a:spcPct val="107000"/>
-              </a:lnSpc>
-              <a:spcAft>
-                <a:spcPts val="800"/>
-              </a:spcAft>
-            </a:pPr>
+              <a:rPr lang="fr-FR" sz="1800" dirty="0">
+                <a:effectLst/>
+                <a:latin typeface="Calibri" panose="020F0502020204030204" pitchFamily="34" charset="0"/>
+                <a:ea typeface="Calibri" panose="020F0502020204030204" pitchFamily="34" charset="0"/>
+                <a:cs typeface="Times New Roman" panose="02020603050405020304" pitchFamily="18" charset="0"/>
+              </a:rPr>
+              <a:t>On peut aussi envisager d’autres évolutions, compléter la sécurité par un système de </a:t>
+            </a:r>
             <a:r>
               <a:rPr lang="fr-FR" sz="1800" dirty="0" err="1">
                 <a:effectLst/>
@@ -5774,16 +6176,16 @@
                 <a:ea typeface="Calibri" panose="020F0502020204030204" pitchFamily="34" charset="0"/>
                 <a:cs typeface="Times New Roman" panose="02020603050405020304" pitchFamily="18" charset="0"/>
               </a:rPr>
-              <a:t>Devops</a:t>
-            </a:r>
-            <a:r>
-              <a:rPr lang="fr-FR" sz="1800" dirty="0">
-                <a:effectLst/>
-                <a:latin typeface="Calibri" panose="020F0502020204030204" pitchFamily="34" charset="0"/>
-                <a:ea typeface="Calibri" panose="020F0502020204030204" pitchFamily="34" charset="0"/>
-                <a:cs typeface="Times New Roman" panose="02020603050405020304" pitchFamily="18" charset="0"/>
-              </a:rPr>
-              <a:t> – qui m’a permis d’utiliser un pipe line </a:t>
+              <a:t>token</a:t>
+            </a:r>
+            <a:r>
+              <a:rPr lang="fr-FR" sz="1800" dirty="0">
+                <a:effectLst/>
+                <a:latin typeface="Calibri" panose="020F0502020204030204" pitchFamily="34" charset="0"/>
+                <a:ea typeface="Calibri" panose="020F0502020204030204" pitchFamily="34" charset="0"/>
+                <a:cs typeface="Times New Roman" panose="02020603050405020304" pitchFamily="18" charset="0"/>
+              </a:rPr>
+              <a:t>, production de </a:t>
             </a:r>
             <a:r>
               <a:rPr lang="fr-FR" sz="1800" dirty="0" err="1">
@@ -5792,363 +6194,6 @@
                 <a:ea typeface="Calibri" panose="020F0502020204030204" pitchFamily="34" charset="0"/>
                 <a:cs typeface="Times New Roman" panose="02020603050405020304" pitchFamily="18" charset="0"/>
               </a:rPr>
-              <a:t>Github</a:t>
-            </a:r>
-            <a:r>
-              <a:rPr lang="fr-FR" sz="1800" dirty="0">
-                <a:effectLst/>
-                <a:latin typeface="Calibri" panose="020F0502020204030204" pitchFamily="34" charset="0"/>
-                <a:ea typeface="Calibri" panose="020F0502020204030204" pitchFamily="34" charset="0"/>
-                <a:cs typeface="Times New Roman" panose="02020603050405020304" pitchFamily="18" charset="0"/>
-              </a:rPr>
-              <a:t> pour automatiser les tests unitaires.</a:t>
-            </a:r>
-          </a:p>
-          <a:p>
-            <a:pPr>
-              <a:lnSpc>
-                <a:spcPct val="107000"/>
-              </a:lnSpc>
-              <a:spcAft>
-                <a:spcPts val="800"/>
-              </a:spcAft>
-            </a:pPr>
-            <a:r>
-              <a:rPr lang="fr-FR" sz="1800" dirty="0">
-                <a:effectLst/>
-                <a:latin typeface="Calibri" panose="020F0502020204030204" pitchFamily="34" charset="0"/>
-                <a:ea typeface="Calibri" panose="020F0502020204030204" pitchFamily="34" charset="0"/>
-                <a:cs typeface="Times New Roman" panose="02020603050405020304" pitchFamily="18" charset="0"/>
-              </a:rPr>
-              <a:t>	étudier le déploiement sur un serveur distant</a:t>
-            </a:r>
-          </a:p>
-          <a:p>
-            <a:pPr>
-              <a:lnSpc>
-                <a:spcPct val="107000"/>
-              </a:lnSpc>
-              <a:spcAft>
-                <a:spcPts val="800"/>
-              </a:spcAft>
-            </a:pPr>
-            <a:r>
-              <a:rPr lang="fr-FR" sz="1800" b="1" dirty="0">
-                <a:solidFill>
-                  <a:srgbClr val="FF0000"/>
-                </a:solidFill>
-                <a:effectLst/>
-                <a:latin typeface="Calibri" panose="020F0502020204030204" pitchFamily="34" charset="0"/>
-                <a:ea typeface="Calibri" panose="020F0502020204030204" pitchFamily="34" charset="0"/>
-                <a:cs typeface="Times New Roman" panose="02020603050405020304" pitchFamily="18" charset="0"/>
-              </a:rPr>
-              <a:t>click</a:t>
-            </a:r>
-            <a:r>
-              <a:rPr lang="fr-FR" sz="1800" dirty="0">
-                <a:effectLst/>
-                <a:latin typeface="Calibri" panose="020F0502020204030204" pitchFamily="34" charset="0"/>
-                <a:ea typeface="Calibri" panose="020F0502020204030204" pitchFamily="34" charset="0"/>
-                <a:cs typeface="Times New Roman" panose="02020603050405020304" pitchFamily="18" charset="0"/>
-              </a:rPr>
-              <a:t> </a:t>
-            </a:r>
-          </a:p>
-          <a:p>
-            <a:pPr>
-              <a:lnSpc>
-                <a:spcPct val="107000"/>
-              </a:lnSpc>
-              <a:spcAft>
-                <a:spcPts val="800"/>
-              </a:spcAft>
-            </a:pPr>
-            <a:r>
-              <a:rPr lang="fr-FR" sz="1800" dirty="0">
-                <a:effectLst/>
-                <a:latin typeface="Calibri" panose="020F0502020204030204" pitchFamily="34" charset="0"/>
-                <a:ea typeface="Calibri" panose="020F0502020204030204" pitchFamily="34" charset="0"/>
-                <a:cs typeface="Times New Roman" panose="02020603050405020304" pitchFamily="18" charset="0"/>
-              </a:rPr>
-              <a:t>J’ai bien sûr dû compléter par des recherches personnelles.</a:t>
-            </a:r>
-          </a:p>
-          <a:p>
-            <a:pPr>
-              <a:lnSpc>
-                <a:spcPct val="107000"/>
-              </a:lnSpc>
-              <a:spcAft>
-                <a:spcPts val="800"/>
-              </a:spcAft>
-            </a:pPr>
-            <a:r>
-              <a:rPr lang="fr-FR" sz="1800" dirty="0">
-                <a:effectLst/>
-                <a:latin typeface="Calibri" panose="020F0502020204030204" pitchFamily="34" charset="0"/>
-                <a:ea typeface="Calibri" panose="020F0502020204030204" pitchFamily="34" charset="0"/>
-                <a:cs typeface="Times New Roman" panose="02020603050405020304" pitchFamily="18" charset="0"/>
-              </a:rPr>
-              <a:t>Principalement pour comprendre le principe de l’ORM. Vaste sujet.</a:t>
-            </a:r>
-          </a:p>
-          <a:p>
-            <a:pPr>
-              <a:lnSpc>
-                <a:spcPct val="107000"/>
-              </a:lnSpc>
-              <a:spcAft>
-                <a:spcPts val="800"/>
-              </a:spcAft>
-            </a:pPr>
-            <a:r>
-              <a:rPr lang="fr-FR" sz="1800" dirty="0">
-                <a:effectLst/>
-                <a:latin typeface="Calibri" panose="020F0502020204030204" pitchFamily="34" charset="0"/>
-                <a:ea typeface="Calibri" panose="020F0502020204030204" pitchFamily="34" charset="0"/>
-                <a:cs typeface="Times New Roman" panose="02020603050405020304" pitchFamily="18" charset="0"/>
-              </a:rPr>
-              <a:t>Beaucoup de temps aussi notamment pour les tests.</a:t>
-            </a:r>
-          </a:p>
-          <a:p>
-            <a:pPr>
-              <a:lnSpc>
-                <a:spcPct val="107000"/>
-              </a:lnSpc>
-              <a:spcAft>
-                <a:spcPts val="800"/>
-              </a:spcAft>
-            </a:pPr>
-            <a:r>
-              <a:rPr lang="fr-FR" sz="1800" dirty="0">
-                <a:effectLst/>
-                <a:latin typeface="Calibri" panose="020F0502020204030204" pitchFamily="34" charset="0"/>
-                <a:ea typeface="Calibri" panose="020F0502020204030204" pitchFamily="34" charset="0"/>
-                <a:cs typeface="Times New Roman" panose="02020603050405020304" pitchFamily="18" charset="0"/>
-              </a:rPr>
-              <a:t>Mais là c’était beaucoup plus un problème de codage que compréhension du concept.</a:t>
-            </a:r>
-          </a:p>
-          <a:p>
-            <a:pPr>
-              <a:lnSpc>
-                <a:spcPct val="107000"/>
-              </a:lnSpc>
-              <a:spcAft>
-                <a:spcPts val="800"/>
-              </a:spcAft>
-            </a:pPr>
-            <a:r>
-              <a:rPr lang="fr-FR" sz="1800" dirty="0">
-                <a:effectLst/>
-                <a:latin typeface="Calibri" panose="020F0502020204030204" pitchFamily="34" charset="0"/>
-                <a:ea typeface="Calibri" panose="020F0502020204030204" pitchFamily="34" charset="0"/>
-                <a:cs typeface="Times New Roman" panose="02020603050405020304" pitchFamily="18" charset="0"/>
-              </a:rPr>
-              <a:t>Et quelques fonctionnalités secondaires.</a:t>
-            </a:r>
-          </a:p>
-          <a:p>
-            <a:pPr>
-              <a:lnSpc>
-                <a:spcPct val="107000"/>
-              </a:lnSpc>
-              <a:spcAft>
-                <a:spcPts val="800"/>
-              </a:spcAft>
-            </a:pPr>
-            <a:r>
-              <a:rPr lang="fr-FR" sz="1800" b="1" dirty="0">
-                <a:solidFill>
-                  <a:srgbClr val="FF0000"/>
-                </a:solidFill>
-                <a:effectLst/>
-                <a:latin typeface="Calibri" panose="020F0502020204030204" pitchFamily="34" charset="0"/>
-                <a:ea typeface="Calibri" panose="020F0502020204030204" pitchFamily="34" charset="0"/>
-                <a:cs typeface="Times New Roman" panose="02020603050405020304" pitchFamily="18" charset="0"/>
-              </a:rPr>
-              <a:t>click</a:t>
-            </a:r>
-            <a:r>
-              <a:rPr lang="fr-FR" sz="1800" dirty="0">
-                <a:effectLst/>
-                <a:latin typeface="Calibri" panose="020F0502020204030204" pitchFamily="34" charset="0"/>
-                <a:ea typeface="Calibri" panose="020F0502020204030204" pitchFamily="34" charset="0"/>
-                <a:cs typeface="Times New Roman" panose="02020603050405020304" pitchFamily="18" charset="0"/>
-              </a:rPr>
-              <a:t> </a:t>
-            </a:r>
-          </a:p>
-          <a:p>
-            <a:pPr>
-              <a:lnSpc>
-                <a:spcPct val="107000"/>
-              </a:lnSpc>
-              <a:spcAft>
-                <a:spcPts val="800"/>
-              </a:spcAft>
-            </a:pPr>
-            <a:r>
-              <a:rPr lang="fr-FR" sz="1800" dirty="0">
-                <a:effectLst/>
-                <a:latin typeface="Calibri" panose="020F0502020204030204" pitchFamily="34" charset="0"/>
-                <a:ea typeface="Calibri" panose="020F0502020204030204" pitchFamily="34" charset="0"/>
-                <a:cs typeface="Times New Roman" panose="02020603050405020304" pitchFamily="18" charset="0"/>
-              </a:rPr>
-              <a:t>Aujourd’hui SOS </a:t>
-            </a:r>
-            <a:r>
-              <a:rPr lang="fr-FR" sz="1800" dirty="0" err="1">
-                <a:effectLst/>
-                <a:latin typeface="Calibri" panose="020F0502020204030204" pitchFamily="34" charset="0"/>
-                <a:ea typeface="Calibri" panose="020F0502020204030204" pitchFamily="34" charset="0"/>
-                <a:cs typeface="Times New Roman" panose="02020603050405020304" pitchFamily="18" charset="0"/>
-              </a:rPr>
-              <a:t>Immo</a:t>
-            </a:r>
-            <a:r>
-              <a:rPr lang="fr-FR" sz="1800" dirty="0">
-                <a:effectLst/>
-                <a:latin typeface="Calibri" panose="020F0502020204030204" pitchFamily="34" charset="0"/>
-                <a:ea typeface="Calibri" panose="020F0502020204030204" pitchFamily="34" charset="0"/>
-                <a:cs typeface="Times New Roman" panose="02020603050405020304" pitchFamily="18" charset="0"/>
-              </a:rPr>
-              <a:t> est opérationnel.</a:t>
-            </a:r>
-          </a:p>
-          <a:p>
-            <a:pPr>
-              <a:lnSpc>
-                <a:spcPct val="107000"/>
-              </a:lnSpc>
-              <a:spcAft>
-                <a:spcPts val="800"/>
-              </a:spcAft>
-            </a:pPr>
-            <a:r>
-              <a:rPr lang="fr-FR" sz="1800" dirty="0">
-                <a:effectLst/>
-                <a:latin typeface="Calibri" panose="020F0502020204030204" pitchFamily="34" charset="0"/>
-                <a:ea typeface="Calibri" panose="020F0502020204030204" pitchFamily="34" charset="0"/>
-                <a:cs typeface="Times New Roman" panose="02020603050405020304" pitchFamily="18" charset="0"/>
-              </a:rPr>
-              <a:t>La mission principale de (suivi des incidents) est remplie.</a:t>
-            </a:r>
-          </a:p>
-          <a:p>
-            <a:pPr>
-              <a:lnSpc>
-                <a:spcPct val="107000"/>
-              </a:lnSpc>
-              <a:spcAft>
-                <a:spcPts val="800"/>
-              </a:spcAft>
-            </a:pPr>
-            <a:r>
-              <a:rPr lang="fr-FR" sz="1800" dirty="0">
-                <a:effectLst/>
-                <a:latin typeface="Calibri" panose="020F0502020204030204" pitchFamily="34" charset="0"/>
-                <a:ea typeface="Calibri" panose="020F0502020204030204" pitchFamily="34" charset="0"/>
-                <a:cs typeface="Times New Roman" panose="02020603050405020304" pitchFamily="18" charset="0"/>
-              </a:rPr>
-              <a:t>Et la partie authentification est terminée.</a:t>
-            </a:r>
-          </a:p>
-          <a:p>
-            <a:pPr>
-              <a:lnSpc>
-                <a:spcPct val="107000"/>
-              </a:lnSpc>
-              <a:spcAft>
-                <a:spcPts val="800"/>
-              </a:spcAft>
-            </a:pPr>
-            <a:r>
-              <a:rPr lang="fr-FR" sz="1800" b="1" dirty="0">
-                <a:solidFill>
-                  <a:srgbClr val="FF0000"/>
-                </a:solidFill>
-                <a:effectLst/>
-                <a:latin typeface="Calibri" panose="020F0502020204030204" pitchFamily="34" charset="0"/>
-                <a:ea typeface="Calibri" panose="020F0502020204030204" pitchFamily="34" charset="0"/>
-                <a:cs typeface="Times New Roman" panose="02020603050405020304" pitchFamily="18" charset="0"/>
-              </a:rPr>
-              <a:t>click</a:t>
-            </a:r>
-            <a:r>
-              <a:rPr lang="fr-FR" sz="1800" dirty="0">
-                <a:effectLst/>
-                <a:latin typeface="Calibri" panose="020F0502020204030204" pitchFamily="34" charset="0"/>
-                <a:ea typeface="Calibri" panose="020F0502020204030204" pitchFamily="34" charset="0"/>
-                <a:cs typeface="Times New Roman" panose="02020603050405020304" pitchFamily="18" charset="0"/>
-              </a:rPr>
-              <a:t> </a:t>
-            </a:r>
-          </a:p>
-          <a:p>
-            <a:pPr>
-              <a:lnSpc>
-                <a:spcPct val="107000"/>
-              </a:lnSpc>
-              <a:spcAft>
-                <a:spcPts val="800"/>
-              </a:spcAft>
-            </a:pPr>
-            <a:r>
-              <a:rPr lang="fr-FR" sz="1800" dirty="0">
-                <a:effectLst/>
-                <a:latin typeface="Calibri" panose="020F0502020204030204" pitchFamily="34" charset="0"/>
-                <a:ea typeface="Calibri" panose="020F0502020204030204" pitchFamily="34" charset="0"/>
-                <a:cs typeface="Times New Roman" panose="02020603050405020304" pitchFamily="18" charset="0"/>
-              </a:rPr>
-              <a:t>Il me reste à finaliser l’archivage des données.</a:t>
-            </a:r>
-          </a:p>
-          <a:p>
-            <a:pPr>
-              <a:lnSpc>
-                <a:spcPct val="107000"/>
-              </a:lnSpc>
-              <a:spcAft>
-                <a:spcPts val="800"/>
-              </a:spcAft>
-            </a:pPr>
-            <a:r>
-              <a:rPr lang="fr-FR" sz="1800" dirty="0">
-                <a:effectLst/>
-                <a:latin typeface="Calibri" panose="020F0502020204030204" pitchFamily="34" charset="0"/>
-                <a:ea typeface="Calibri" panose="020F0502020204030204" pitchFamily="34" charset="0"/>
-                <a:cs typeface="Times New Roman" panose="02020603050405020304" pitchFamily="18" charset="0"/>
-              </a:rPr>
-              <a:t>Je souhaite également mettre en œuvre le chargement de fichiers (csv) pour la création groupée d’utilisateurs.</a:t>
-            </a:r>
-          </a:p>
-          <a:p>
-            <a:pPr>
-              <a:lnSpc>
-                <a:spcPct val="107000"/>
-              </a:lnSpc>
-              <a:spcAft>
-                <a:spcPts val="800"/>
-              </a:spcAft>
-            </a:pPr>
-            <a:r>
-              <a:rPr lang="fr-FR" sz="1800" dirty="0">
-                <a:effectLst/>
-                <a:latin typeface="Calibri" panose="020F0502020204030204" pitchFamily="34" charset="0"/>
-                <a:ea typeface="Calibri" panose="020F0502020204030204" pitchFamily="34" charset="0"/>
-                <a:cs typeface="Times New Roman" panose="02020603050405020304" pitchFamily="18" charset="0"/>
-              </a:rPr>
-              <a:t>On peut aussi envisager d’autres évolutions, la production de </a:t>
-            </a:r>
-            <a:r>
-              <a:rPr lang="fr-FR" sz="1800" dirty="0" err="1">
-                <a:effectLst/>
-                <a:latin typeface="Calibri" panose="020F0502020204030204" pitchFamily="34" charset="0"/>
-                <a:ea typeface="Calibri" panose="020F0502020204030204" pitchFamily="34" charset="0"/>
-                <a:cs typeface="Times New Roman" panose="02020603050405020304" pitchFamily="18" charset="0"/>
-              </a:rPr>
               <a:t>kpi</a:t>
             </a:r>
             <a:r>
@@ -6160,8 +6205,6 @@
               </a:rPr>
               <a:t>, etc.</a:t>
             </a:r>
-          </a:p>
-          <a:p>
             <a:endParaRPr lang="fr-FR" dirty="0"/>
           </a:p>
         </p:txBody>
@@ -7959,7 +8002,7 @@
                 <a:ea typeface="Calibri" panose="020F0502020204030204" pitchFamily="34" charset="0"/>
                 <a:cs typeface="Times New Roman" panose="02020603050405020304" pitchFamily="18" charset="0"/>
               </a:rPr>
-              <a:t> c’est le cerveau de l’application =&gt; recevoir les requêtes du Front (via des adresses url) =&gt; fonctions adéquates.</a:t>
+              <a:t> c’est le cerveau de l’application =&gt; recevoir les demandes du Front (via des adresses url) =&gt; traiter fonctions Services</a:t>
             </a:r>
           </a:p>
           <a:p>
@@ -7971,14 +8014,130 @@
                 <a:spcPts val="800"/>
               </a:spcAft>
             </a:pPr>
-            <a:r>
-              <a:rPr lang="fr-FR" sz="1800" dirty="0">
-                <a:effectLst/>
-                <a:latin typeface="Calibri" panose="020F0502020204030204" pitchFamily="34" charset="0"/>
-                <a:ea typeface="Calibri" panose="020F0502020204030204" pitchFamily="34" charset="0"/>
-                <a:cs typeface="Times New Roman" panose="02020603050405020304" pitchFamily="18" charset="0"/>
-              </a:rPr>
-              <a:t>Ces fonctions = services regroupés par catégorie =&gt; fichiers .</a:t>
+            <a:endParaRPr lang="fr-FR" sz="1800" dirty="0">
+              <a:effectLst/>
+              <a:latin typeface="Calibri" panose="020F0502020204030204" pitchFamily="34" charset="0"/>
+              <a:ea typeface="Calibri" panose="020F0502020204030204" pitchFamily="34" charset="0"/>
+              <a:cs typeface="Times New Roman" panose="02020603050405020304" pitchFamily="18" charset="0"/>
+            </a:endParaRPr>
+          </a:p>
+          <a:p>
+            <a:pPr marL="0" marR="0">
+              <a:lnSpc>
+                <a:spcPct val="107000"/>
+              </a:lnSpc>
+              <a:spcBef>
+                <a:spcPts val="0"/>
+              </a:spcBef>
+              <a:spcAft>
+                <a:spcPts val="0"/>
+              </a:spcAft>
+            </a:pPr>
+            <a:r>
+              <a:rPr lang="fr-FR" sz="1800" dirty="0">
+                <a:effectLst/>
+                <a:latin typeface="Calibri" panose="020F0502020204030204" pitchFamily="34" charset="0"/>
+                <a:ea typeface="Calibri" panose="020F0502020204030204" pitchFamily="34" charset="0"/>
+                <a:cs typeface="Times New Roman" panose="02020603050405020304" pitchFamily="18" charset="0"/>
+              </a:rPr>
+              <a:t>Pour la communication front/back j’utilise le protocole REST. </a:t>
+            </a:r>
+            <a:endParaRPr lang="en-US" sz="1800" dirty="0">
+              <a:effectLst/>
+              <a:latin typeface="Calibri" panose="020F0502020204030204" pitchFamily="34" charset="0"/>
+              <a:ea typeface="Calibri" panose="020F0502020204030204" pitchFamily="34" charset="0"/>
+              <a:cs typeface="Times New Roman" panose="02020603050405020304" pitchFamily="18" charset="0"/>
+            </a:endParaRPr>
+          </a:p>
+          <a:p>
+            <a:pPr marL="0" marR="0">
+              <a:lnSpc>
+                <a:spcPct val="107000"/>
+              </a:lnSpc>
+              <a:spcBef>
+                <a:spcPts val="0"/>
+              </a:spcBef>
+              <a:spcAft>
+                <a:spcPts val="0"/>
+              </a:spcAft>
+            </a:pPr>
+            <a:r>
+              <a:rPr lang="fr-FR" sz="1800" dirty="0">
+                <a:effectLst/>
+                <a:latin typeface="Calibri" panose="020F0502020204030204" pitchFamily="34" charset="0"/>
+                <a:ea typeface="Calibri" panose="020F0502020204030204" pitchFamily="34" charset="0"/>
+                <a:cs typeface="Times New Roman" panose="02020603050405020304" pitchFamily="18" charset="0"/>
+              </a:rPr>
+              <a:t>Pour la création et la mise à jour de données, j’ai créé des requêtes POST et PUT qui transmettre un objet du front end vers le back end.</a:t>
+            </a:r>
+            <a:endParaRPr lang="en-US" sz="1800" dirty="0">
+              <a:effectLst/>
+              <a:latin typeface="Calibri" panose="020F0502020204030204" pitchFamily="34" charset="0"/>
+              <a:ea typeface="Calibri" panose="020F0502020204030204" pitchFamily="34" charset="0"/>
+              <a:cs typeface="Times New Roman" panose="02020603050405020304" pitchFamily="18" charset="0"/>
+            </a:endParaRPr>
+          </a:p>
+          <a:p>
+            <a:pPr marL="0" marR="0">
+              <a:lnSpc>
+                <a:spcPct val="107000"/>
+              </a:lnSpc>
+              <a:spcBef>
+                <a:spcPts val="0"/>
+              </a:spcBef>
+              <a:spcAft>
+                <a:spcPts val="0"/>
+              </a:spcAft>
+            </a:pPr>
+            <a:r>
+              <a:rPr lang="fr-FR" sz="1800" dirty="0">
+                <a:effectLst/>
+                <a:latin typeface="Calibri" panose="020F0502020204030204" pitchFamily="34" charset="0"/>
+                <a:ea typeface="Calibri" panose="020F0502020204030204" pitchFamily="34" charset="0"/>
+                <a:cs typeface="Times New Roman" panose="02020603050405020304" pitchFamily="18" charset="0"/>
+              </a:rPr>
+              <a:t>Pour la lecture et la suppression d’enregistrement, j’utilise des requêtes GET et DELETE qui prennent en paramètre l’identifiant de l’enregistrement.</a:t>
+            </a:r>
+            <a:endParaRPr lang="en-US" sz="1800" dirty="0">
+              <a:effectLst/>
+              <a:latin typeface="Calibri" panose="020F0502020204030204" pitchFamily="34" charset="0"/>
+              <a:ea typeface="Calibri" panose="020F0502020204030204" pitchFamily="34" charset="0"/>
+              <a:cs typeface="Times New Roman" panose="02020603050405020304" pitchFamily="18" charset="0"/>
+            </a:endParaRPr>
+          </a:p>
+          <a:p>
+            <a:pPr>
+              <a:lnSpc>
+                <a:spcPct val="107000"/>
+              </a:lnSpc>
+              <a:spcAft>
+                <a:spcPts val="800"/>
+              </a:spcAft>
+            </a:pPr>
+            <a:endParaRPr lang="fr-FR" sz="1800" dirty="0">
+              <a:effectLst/>
+              <a:latin typeface="Calibri" panose="020F0502020204030204" pitchFamily="34" charset="0"/>
+              <a:ea typeface="Calibri" panose="020F0502020204030204" pitchFamily="34" charset="0"/>
+              <a:cs typeface="Times New Roman" panose="02020603050405020304" pitchFamily="18" charset="0"/>
+            </a:endParaRPr>
+          </a:p>
+          <a:p>
+            <a:pPr>
+              <a:lnSpc>
+                <a:spcPct val="107000"/>
+              </a:lnSpc>
+              <a:spcAft>
+                <a:spcPts val="800"/>
+              </a:spcAft>
+            </a:pPr>
+            <a:r>
+              <a:rPr lang="fr-FR" sz="1800" dirty="0">
+                <a:effectLst/>
+                <a:latin typeface="Calibri" panose="020F0502020204030204" pitchFamily="34" charset="0"/>
+                <a:ea typeface="Calibri" panose="020F0502020204030204" pitchFamily="34" charset="0"/>
+                <a:cs typeface="Times New Roman" panose="02020603050405020304" pitchFamily="18" charset="0"/>
+              </a:rPr>
+              <a:t>Services regroupés par catégorie =&gt; fichiers .</a:t>
             </a:r>
             <a:r>
               <a:rPr lang="fr-FR" sz="1800" dirty="0" err="1">
@@ -9541,7 +9700,7 @@
             <a:fld id="{AA70F276-1833-4A75-9C1D-A56E2295A68D}" type="datetimeFigureOut">
               <a:rPr lang="en-US" smtClean="0"/>
               <a:pPr/>
-              <a:t>2/1/2023</a:t>
+              <a:t>2/7/2023</a:t>
             </a:fld>
             <a:endParaRPr lang="en-US" dirty="0"/>
           </a:p>
@@ -9745,7 +9904,7 @@
             <a:fld id="{AA70F276-1833-4A75-9C1D-A56E2295A68D}" type="datetimeFigureOut">
               <a:rPr lang="en-US" smtClean="0"/>
               <a:pPr/>
-              <a:t>2/1/2023</a:t>
+              <a:t>2/7/2023</a:t>
             </a:fld>
             <a:endParaRPr lang="en-US" dirty="0"/>
           </a:p>
@@ -9959,7 +10118,7 @@
             <a:fld id="{AA70F276-1833-4A75-9C1D-A56E2295A68D}" type="datetimeFigureOut">
               <a:rPr lang="en-US" smtClean="0"/>
               <a:pPr/>
-              <a:t>2/1/2023</a:t>
+              <a:t>2/7/2023</a:t>
             </a:fld>
             <a:endParaRPr lang="en-US" dirty="0"/>
           </a:p>
@@ -10163,7 +10322,7 @@
             <a:fld id="{AA70F276-1833-4A75-9C1D-A56E2295A68D}" type="datetimeFigureOut">
               <a:rPr lang="en-US" smtClean="0"/>
               <a:pPr/>
-              <a:t>2/1/2023</a:t>
+              <a:t>2/7/2023</a:t>
             </a:fld>
             <a:endParaRPr lang="en-US" dirty="0"/>
           </a:p>
@@ -10444,7 +10603,7 @@
             <a:fld id="{AA70F276-1833-4A75-9C1D-A56E2295A68D}" type="datetimeFigureOut">
               <a:rPr lang="en-US" smtClean="0"/>
               <a:pPr/>
-              <a:t>2/1/2023</a:t>
+              <a:t>2/7/2023</a:t>
             </a:fld>
             <a:endParaRPr lang="en-US" dirty="0"/>
           </a:p>
@@ -10715,7 +10874,7 @@
             <a:fld id="{AA70F276-1833-4A75-9C1D-A56E2295A68D}" type="datetimeFigureOut">
               <a:rPr lang="en-US" smtClean="0"/>
               <a:pPr/>
-              <a:t>2/1/2023</a:t>
+              <a:t>2/7/2023</a:t>
             </a:fld>
             <a:endParaRPr lang="en-US" dirty="0"/>
           </a:p>
@@ -11133,7 +11292,7 @@
             <a:fld id="{AA70F276-1833-4A75-9C1D-A56E2295A68D}" type="datetimeFigureOut">
               <a:rPr lang="en-US" smtClean="0"/>
               <a:pPr/>
-              <a:t>2/1/2023</a:t>
+              <a:t>2/7/2023</a:t>
             </a:fld>
             <a:endParaRPr lang="en-US" dirty="0"/>
           </a:p>
@@ -11280,7 +11439,7 @@
             <a:fld id="{AA70F276-1833-4A75-9C1D-A56E2295A68D}" type="datetimeFigureOut">
               <a:rPr lang="en-US" smtClean="0"/>
               <a:pPr/>
-              <a:t>2/1/2023</a:t>
+              <a:t>2/7/2023</a:t>
             </a:fld>
             <a:endParaRPr lang="en-US" dirty="0"/>
           </a:p>
@@ -11399,7 +11558,7 @@
             <a:fld id="{AA70F276-1833-4A75-9C1D-A56E2295A68D}" type="datetimeFigureOut">
               <a:rPr lang="en-US" smtClean="0"/>
               <a:pPr/>
-              <a:t>2/1/2023</a:t>
+              <a:t>2/7/2023</a:t>
             </a:fld>
             <a:endParaRPr lang="en-US" dirty="0"/>
           </a:p>
@@ -11716,7 +11875,7 @@
             <a:fld id="{AA70F276-1833-4A75-9C1D-A56E2295A68D}" type="datetimeFigureOut">
               <a:rPr lang="en-US" smtClean="0"/>
               <a:pPr/>
-              <a:t>2/1/2023</a:t>
+              <a:t>2/7/2023</a:t>
             </a:fld>
             <a:endParaRPr lang="en-US" dirty="0"/>
           </a:p>
@@ -12010,7 +12169,7 @@
             <a:fld id="{AA70F276-1833-4A75-9C1D-A56E2295A68D}" type="datetimeFigureOut">
               <a:rPr lang="en-US" smtClean="0"/>
               <a:pPr/>
-              <a:t>2/1/2023</a:t>
+              <a:t>2/7/2023</a:t>
             </a:fld>
             <a:endParaRPr lang="en-US" dirty="0"/>
           </a:p>
@@ -12257,7 +12416,7 @@
             <a:fld id="{AA70F276-1833-4A75-9C1D-A56E2295A68D}" type="datetimeFigureOut">
               <a:rPr lang="en-US" smtClean="0"/>
               <a:pPr/>
-              <a:t>2/1/2023</a:t>
+              <a:t>2/7/2023</a:t>
             </a:fld>
             <a:endParaRPr lang="en-US" dirty="0"/>
           </a:p>
@@ -17659,36 +17818,6 @@
       </p:sp>
       <p:pic>
         <p:nvPicPr>
-          <p:cNvPr id="19" name="Image 18" descr="Une image contenant texte&#10;&#10;Description générée automatiquement">
-            <a:extLst>
-              <a:ext uri="{FF2B5EF4-FFF2-40B4-BE49-F238E27FC236}">
-                <a16:creationId xmlns:a16="http://schemas.microsoft.com/office/drawing/2014/main" id="{899022BF-3C91-7B2B-F9C7-6172FF2189B4}"/>
-              </a:ext>
-            </a:extLst>
-          </p:cNvPr>
-          <p:cNvPicPr>
-            <a:picLocks noChangeAspect="1"/>
-          </p:cNvPicPr>
-          <p:nvPr/>
-        </p:nvPicPr>
-        <p:blipFill>
-          <a:blip r:embed="rId3"/>
-          <a:stretch>
-            <a:fillRect/>
-          </a:stretch>
-        </p:blipFill>
-        <p:spPr>
-          <a:xfrm>
-            <a:off x="5668060" y="1905087"/>
-            <a:ext cx="6278431" cy="4287850"/>
-          </a:xfrm>
-          <a:prstGeom prst="rect">
-            <a:avLst/>
-          </a:prstGeom>
-        </p:spPr>
-      </p:pic>
-      <p:pic>
-        <p:nvPicPr>
           <p:cNvPr id="6" name="Image 5">
             <a:extLst>
               <a:ext uri="{FF2B5EF4-FFF2-40B4-BE49-F238E27FC236}">
@@ -17702,7 +17831,7 @@
           <p:nvPr/>
         </p:nvPicPr>
         <p:blipFill>
-          <a:blip r:embed="rId4"/>
+          <a:blip r:embed="rId3"/>
           <a:stretch>
             <a:fillRect/>
           </a:stretch>
@@ -17767,7 +17896,7 @@
           <p:nvPr/>
         </p:nvPicPr>
         <p:blipFill>
-          <a:blip r:embed="rId5"/>
+          <a:blip r:embed="rId4"/>
           <a:stretch>
             <a:fillRect/>
           </a:stretch>
@@ -17776,6 +17905,36 @@
           <a:xfrm>
             <a:off x="329329" y="2622215"/>
             <a:ext cx="4928471" cy="3211943"/>
+          </a:xfrm>
+          <a:prstGeom prst="rect">
+            <a:avLst/>
+          </a:prstGeom>
+        </p:spPr>
+      </p:pic>
+      <p:pic>
+        <p:nvPicPr>
+          <p:cNvPr id="4" name="Image 3">
+            <a:extLst>
+              <a:ext uri="{FF2B5EF4-FFF2-40B4-BE49-F238E27FC236}">
+                <a16:creationId xmlns:a16="http://schemas.microsoft.com/office/drawing/2014/main" id="{8DAD9735-370A-CBB5-72F3-59083B141468}"/>
+              </a:ext>
+            </a:extLst>
+          </p:cNvPr>
+          <p:cNvPicPr>
+            <a:picLocks noChangeAspect="1"/>
+          </p:cNvPicPr>
+          <p:nvPr/>
+        </p:nvPicPr>
+        <p:blipFill>
+          <a:blip r:embed="rId5"/>
+          <a:stretch>
+            <a:fillRect/>
+          </a:stretch>
+        </p:blipFill>
+        <p:spPr>
+          <a:xfrm>
+            <a:off x="5432050" y="2065574"/>
+            <a:ext cx="6581597" cy="4435748"/>
           </a:xfrm>
           <a:prstGeom prst="rect">
             <a:avLst/>
@@ -22977,10 +23136,10 @@
       </p:grpSpPr>
       <p:pic>
         <p:nvPicPr>
-          <p:cNvPr id="22" name="Image 21">
+          <p:cNvPr id="4" name="Image 3">
             <a:extLst>
               <a:ext uri="{FF2B5EF4-FFF2-40B4-BE49-F238E27FC236}">
-                <a16:creationId xmlns:a16="http://schemas.microsoft.com/office/drawing/2014/main" id="{13CDE6F7-ACA5-A230-0835-31B1A1384FF2}"/>
+                <a16:creationId xmlns:a16="http://schemas.microsoft.com/office/drawing/2014/main" id="{9F239E52-0DA0-E48A-9C47-08BA0EAE5E84}"/>
               </a:ext>
             </a:extLst>
           </p:cNvPr>
@@ -22997,8 +23156,8 @@
         </p:blipFill>
         <p:spPr>
           <a:xfrm>
-            <a:off x="1522185" y="1838570"/>
-            <a:ext cx="6696927" cy="3901218"/>
+            <a:off x="1559894" y="1863789"/>
+            <a:ext cx="6634026" cy="3914539"/>
           </a:xfrm>
           <a:prstGeom prst="rect">
             <a:avLst/>
@@ -23057,12 +23216,72 @@
           </a:p>
         </p:txBody>
       </p:sp>
+      <p:pic>
+        <p:nvPicPr>
+          <p:cNvPr id="11" name="Image 10">
+            <a:extLst>
+              <a:ext uri="{FF2B5EF4-FFF2-40B4-BE49-F238E27FC236}">
+                <a16:creationId xmlns:a16="http://schemas.microsoft.com/office/drawing/2014/main" id="{9FFBAA2F-7364-544D-F5E0-1E121007EA05}"/>
+              </a:ext>
+            </a:extLst>
+          </p:cNvPr>
+          <p:cNvPicPr>
+            <a:picLocks noChangeAspect="1"/>
+          </p:cNvPicPr>
+          <p:nvPr/>
+        </p:nvPicPr>
+        <p:blipFill>
+          <a:blip r:embed="rId4"/>
+          <a:stretch>
+            <a:fillRect/>
+          </a:stretch>
+        </p:blipFill>
+        <p:spPr>
+          <a:xfrm>
+            <a:off x="8436311" y="713827"/>
+            <a:ext cx="3072820" cy="2211555"/>
+          </a:xfrm>
+          <a:prstGeom prst="rect">
+            <a:avLst/>
+          </a:prstGeom>
+        </p:spPr>
+      </p:pic>
+      <p:pic>
+        <p:nvPicPr>
+          <p:cNvPr id="17" name="Image 16">
+            <a:extLst>
+              <a:ext uri="{FF2B5EF4-FFF2-40B4-BE49-F238E27FC236}">
+                <a16:creationId xmlns:a16="http://schemas.microsoft.com/office/drawing/2014/main" id="{3AA55894-918E-34DB-B99E-FCAD123407DA}"/>
+              </a:ext>
+            </a:extLst>
+          </p:cNvPr>
+          <p:cNvPicPr>
+            <a:picLocks noChangeAspect="1"/>
+          </p:cNvPicPr>
+          <p:nvPr/>
+        </p:nvPicPr>
+        <p:blipFill>
+          <a:blip r:embed="rId5"/>
+          <a:stretch>
+            <a:fillRect/>
+          </a:stretch>
+        </p:blipFill>
+        <p:spPr>
+          <a:xfrm>
+            <a:off x="8461463" y="734962"/>
+            <a:ext cx="3009167" cy="2155935"/>
+          </a:xfrm>
+          <a:prstGeom prst="rect">
+            <a:avLst/>
+          </a:prstGeom>
+        </p:spPr>
+      </p:pic>
       <p:grpSp>
         <p:nvGrpSpPr>
-          <p:cNvPr id="15" name="Groupe 14">
+          <p:cNvPr id="12" name="Groupe 11">
             <a:extLst>
               <a:ext uri="{FF2B5EF4-FFF2-40B4-BE49-F238E27FC236}">
-                <a16:creationId xmlns:a16="http://schemas.microsoft.com/office/drawing/2014/main" id="{04A5A75F-1031-ABA7-EB27-BAC7F79ED41D}"/>
+                <a16:creationId xmlns:a16="http://schemas.microsoft.com/office/drawing/2014/main" id="{FA5969FA-FED8-AF03-F6D6-31A723E4AC97}"/>
               </a:ext>
             </a:extLst>
           </p:cNvPr>
@@ -23071,42 +23290,12 @@
         </p:nvGrpSpPr>
         <p:grpSpPr>
           <a:xfrm>
-            <a:off x="904875" y="3278237"/>
-            <a:ext cx="2126280" cy="2302614"/>
-            <a:chOff x="1426399" y="3048953"/>
-            <a:chExt cx="2126280" cy="2302614"/>
+            <a:off x="904875" y="3334158"/>
+            <a:ext cx="1959330" cy="2185653"/>
+            <a:chOff x="571416" y="2851558"/>
+            <a:chExt cx="1959330" cy="2185653"/>
           </a:xfrm>
         </p:grpSpPr>
-        <p:pic>
-          <p:nvPicPr>
-            <p:cNvPr id="14" name="Image 13">
-              <a:extLst>
-                <a:ext uri="{FF2B5EF4-FFF2-40B4-BE49-F238E27FC236}">
-                  <a16:creationId xmlns:a16="http://schemas.microsoft.com/office/drawing/2014/main" id="{CFDC3C9B-3D34-E01E-02E5-8F29C011C822}"/>
-                </a:ext>
-              </a:extLst>
-            </p:cNvPr>
-            <p:cNvPicPr>
-              <a:picLocks noChangeAspect="1"/>
-            </p:cNvPicPr>
-            <p:nvPr/>
-          </p:nvPicPr>
-          <p:blipFill>
-            <a:blip r:embed="rId4"/>
-            <a:stretch>
-              <a:fillRect/>
-            </a:stretch>
-          </p:blipFill>
-          <p:spPr>
-            <a:xfrm>
-              <a:off x="1426399" y="4151417"/>
-              <a:ext cx="1028700" cy="1200150"/>
-            </a:xfrm>
-            <a:prstGeom prst="rect">
-              <a:avLst/>
-            </a:prstGeom>
-          </p:spPr>
-        </p:pic>
         <p:cxnSp>
           <p:nvCxnSpPr>
             <p:cNvPr id="13" name="Connecteur droit avec flèche 12">
@@ -23123,7 +23312,7 @@
           </p:nvCxnSpPr>
           <p:spPr>
             <a:xfrm flipH="1">
-              <a:off x="2081418" y="3048953"/>
+              <a:off x="1059485" y="2851558"/>
               <a:ext cx="1471261" cy="1021885"/>
             </a:xfrm>
             <a:prstGeom prst="straightConnector1">
@@ -23154,73 +23343,43 @@
             </a:fontRef>
           </p:style>
         </p:cxnSp>
+        <p:pic>
+          <p:nvPicPr>
+            <p:cNvPr id="10" name="Image 9">
+              <a:extLst>
+                <a:ext uri="{FF2B5EF4-FFF2-40B4-BE49-F238E27FC236}">
+                  <a16:creationId xmlns:a16="http://schemas.microsoft.com/office/drawing/2014/main" id="{EFA6C991-C8B1-15F4-EE24-199F10EB27EC}"/>
+                </a:ext>
+              </a:extLst>
+            </p:cNvPr>
+            <p:cNvPicPr>
+              <a:picLocks noChangeAspect="1"/>
+            </p:cNvPicPr>
+            <p:nvPr/>
+          </p:nvPicPr>
+          <p:blipFill>
+            <a:blip r:embed="rId6"/>
+            <a:stretch>
+              <a:fillRect/>
+            </a:stretch>
+          </p:blipFill>
+          <p:spPr>
+            <a:xfrm>
+              <a:off x="571416" y="3933509"/>
+              <a:ext cx="976138" cy="1103702"/>
+            </a:xfrm>
+            <a:prstGeom prst="rect">
+              <a:avLst/>
+            </a:prstGeom>
+          </p:spPr>
+        </p:pic>
       </p:grpSp>
       <p:pic>
         <p:nvPicPr>
-          <p:cNvPr id="16" name="Image 15">
+          <p:cNvPr id="21" name="Image 20">
             <a:extLst>
               <a:ext uri="{FF2B5EF4-FFF2-40B4-BE49-F238E27FC236}">
-                <a16:creationId xmlns:a16="http://schemas.microsoft.com/office/drawing/2014/main" id="{53AC2627-2CC9-41A1-EF17-577E2BA0307E}"/>
-              </a:ext>
-            </a:extLst>
-          </p:cNvPr>
-          <p:cNvPicPr>
-            <a:picLocks noChangeAspect="1"/>
-          </p:cNvPicPr>
-          <p:nvPr/>
-        </p:nvPicPr>
-        <p:blipFill>
-          <a:blip r:embed="rId5"/>
-          <a:stretch>
-            <a:fillRect/>
-          </a:stretch>
-        </p:blipFill>
-        <p:spPr>
-          <a:xfrm>
-            <a:off x="904875" y="4400592"/>
-            <a:ext cx="2714595" cy="1180259"/>
-          </a:xfrm>
-          <a:prstGeom prst="rect">
-            <a:avLst/>
-          </a:prstGeom>
-        </p:spPr>
-      </p:pic>
-      <p:pic>
-        <p:nvPicPr>
-          <p:cNvPr id="18" name="Image 17">
-            <a:extLst>
-              <a:ext uri="{FF2B5EF4-FFF2-40B4-BE49-F238E27FC236}">
-                <a16:creationId xmlns:a16="http://schemas.microsoft.com/office/drawing/2014/main" id="{0D135AB7-C48F-37DE-9A46-61A6F8D044B1}"/>
-              </a:ext>
-            </a:extLst>
-          </p:cNvPr>
-          <p:cNvPicPr>
-            <a:picLocks noChangeAspect="1"/>
-          </p:cNvPicPr>
-          <p:nvPr/>
-        </p:nvPicPr>
-        <p:blipFill>
-          <a:blip r:embed="rId6"/>
-          <a:stretch>
-            <a:fillRect/>
-          </a:stretch>
-        </p:blipFill>
-        <p:spPr>
-          <a:xfrm>
-            <a:off x="913485" y="4413939"/>
-            <a:ext cx="2718812" cy="1180259"/>
-          </a:xfrm>
-          <a:prstGeom prst="rect">
-            <a:avLst/>
-          </a:prstGeom>
-        </p:spPr>
-      </p:pic>
-      <p:pic>
-        <p:nvPicPr>
-          <p:cNvPr id="11" name="Image 10">
-            <a:extLst>
-              <a:ext uri="{FF2B5EF4-FFF2-40B4-BE49-F238E27FC236}">
-                <a16:creationId xmlns:a16="http://schemas.microsoft.com/office/drawing/2014/main" id="{9FFBAA2F-7364-544D-F5E0-1E121007EA05}"/>
+                <a16:creationId xmlns:a16="http://schemas.microsoft.com/office/drawing/2014/main" id="{834BF3EB-306F-6C50-F7B1-F1C6B60BDE48}"/>
               </a:ext>
             </a:extLst>
           </p:cNvPr>
@@ -23237,8 +23396,8 @@
         </p:blipFill>
         <p:spPr>
           <a:xfrm>
-            <a:off x="8436311" y="713827"/>
-            <a:ext cx="3072820" cy="2211555"/>
+            <a:off x="904875" y="4381500"/>
+            <a:ext cx="2589125" cy="1125466"/>
           </a:xfrm>
           <a:prstGeom prst="rect">
             <a:avLst/>
@@ -23247,10 +23406,10 @@
       </p:pic>
       <p:pic>
         <p:nvPicPr>
-          <p:cNvPr id="17" name="Image 16">
+          <p:cNvPr id="8" name="Image 7">
             <a:extLst>
               <a:ext uri="{FF2B5EF4-FFF2-40B4-BE49-F238E27FC236}">
-                <a16:creationId xmlns:a16="http://schemas.microsoft.com/office/drawing/2014/main" id="{3AA55894-918E-34DB-B99E-FCAD123407DA}"/>
+                <a16:creationId xmlns:a16="http://schemas.microsoft.com/office/drawing/2014/main" id="{604F8743-BC80-95E7-8088-306C273E1955}"/>
               </a:ext>
             </a:extLst>
           </p:cNvPr>
@@ -23267,8 +23426,38 @@
         </p:blipFill>
         <p:spPr>
           <a:xfrm>
-            <a:off x="8461463" y="734962"/>
-            <a:ext cx="3009167" cy="2155935"/>
+            <a:off x="904876" y="4390652"/>
+            <a:ext cx="2580520" cy="1116199"/>
+          </a:xfrm>
+          <a:prstGeom prst="rect">
+            <a:avLst/>
+          </a:prstGeom>
+        </p:spPr>
+      </p:pic>
+      <p:pic>
+        <p:nvPicPr>
+          <p:cNvPr id="28" name="Image 27">
+            <a:extLst>
+              <a:ext uri="{FF2B5EF4-FFF2-40B4-BE49-F238E27FC236}">
+                <a16:creationId xmlns:a16="http://schemas.microsoft.com/office/drawing/2014/main" id="{01DD616F-E582-D3E7-261A-6EA4659D3964}"/>
+              </a:ext>
+            </a:extLst>
+          </p:cNvPr>
+          <p:cNvPicPr>
+            <a:picLocks noChangeAspect="1"/>
+          </p:cNvPicPr>
+          <p:nvPr/>
+        </p:nvPicPr>
+        <p:blipFill>
+          <a:blip r:embed="rId9"/>
+          <a:stretch>
+            <a:fillRect/>
+          </a:stretch>
+        </p:blipFill>
+        <p:spPr>
+          <a:xfrm>
+            <a:off x="8460116" y="734958"/>
+            <a:ext cx="3049016" cy="2190424"/>
           </a:xfrm>
           <a:prstGeom prst="rect">
             <a:avLst/>
@@ -23290,14 +23479,14 @@
           <p:nvPr/>
         </p:nvPicPr>
         <p:blipFill>
-          <a:blip r:embed="rId9"/>
+          <a:blip r:embed="rId10"/>
           <a:stretch>
             <a:fillRect/>
           </a:stretch>
         </p:blipFill>
         <p:spPr>
           <a:xfrm>
-            <a:off x="8454985" y="734962"/>
+            <a:off x="8461659" y="713827"/>
             <a:ext cx="3022124" cy="2155935"/>
           </a:xfrm>
           <a:prstGeom prst="rect">
@@ -23349,7 +23538,7 @@
                                           </p:stCondLst>
                                         </p:cTn>
                                         <p:tgtEl>
-                                          <p:spTgt spid="15"/>
+                                          <p:spTgt spid="12"/>
                                         </p:tgtEl>
                                         <p:attrNameLst>
                                           <p:attrName>style.visibility</p:attrName>
@@ -23394,7 +23583,7 @@
                                           </p:stCondLst>
                                         </p:cTn>
                                         <p:tgtEl>
-                                          <p:spTgt spid="16"/>
+                                          <p:spTgt spid="21"/>
                                         </p:tgtEl>
                                         <p:attrNameLst>
                                           <p:attrName>style.visibility</p:attrName>
@@ -23529,7 +23718,7 @@
                                           </p:stCondLst>
                                         </p:cTn>
                                         <p:tgtEl>
-                                          <p:spTgt spid="18"/>
+                                          <p:spTgt spid="28"/>
                                         </p:tgtEl>
                                         <p:attrNameLst>
                                           <p:attrName>style.visibility</p:attrName>
@@ -23569,6 +23758,51 @@
                                     <p:set>
                                       <p:cBhvr>
                                         <p:cTn id="26" dur="1" fill="hold">
+                                          <p:stCondLst>
+                                            <p:cond delay="0"/>
+                                          </p:stCondLst>
+                                        </p:cTn>
+                                        <p:tgtEl>
+                                          <p:spTgt spid="8"/>
+                                        </p:tgtEl>
+                                        <p:attrNameLst>
+                                          <p:attrName>style.visibility</p:attrName>
+                                        </p:attrNameLst>
+                                      </p:cBhvr>
+                                      <p:to>
+                                        <p:strVal val="visible"/>
+                                      </p:to>
+                                    </p:set>
+                                  </p:childTnLst>
+                                </p:cTn>
+                              </p:par>
+                            </p:childTnLst>
+                          </p:cTn>
+                        </p:par>
+                      </p:childTnLst>
+                    </p:cTn>
+                  </p:par>
+                  <p:par>
+                    <p:cTn id="27" fill="hold">
+                      <p:stCondLst>
+                        <p:cond delay="indefinite"/>
+                      </p:stCondLst>
+                      <p:childTnLst>
+                        <p:par>
+                          <p:cTn id="28" fill="hold">
+                            <p:stCondLst>
+                              <p:cond delay="0"/>
+                            </p:stCondLst>
+                            <p:childTnLst>
+                              <p:par>
+                                <p:cTn id="29" presetID="1" presetClass="entr" presetSubtype="0" fill="hold" nodeType="clickEffect">
+                                  <p:stCondLst>
+                                    <p:cond delay="0"/>
+                                  </p:stCondLst>
+                                  <p:childTnLst>
+                                    <p:set>
+                                      <p:cBhvr>
+                                        <p:cTn id="30" dur="1" fill="hold">
                                           <p:stCondLst>
                                             <p:cond delay="0"/>
                                           </p:stCondLst>
@@ -23689,10 +23923,10 @@
       </p:sp>
       <p:pic>
         <p:nvPicPr>
-          <p:cNvPr id="5" name="Image 4">
+          <p:cNvPr id="4" name="Image 3">
             <a:extLst>
               <a:ext uri="{FF2B5EF4-FFF2-40B4-BE49-F238E27FC236}">
-                <a16:creationId xmlns:a16="http://schemas.microsoft.com/office/drawing/2014/main" id="{3D267101-60EC-0AB7-36B1-416C193785F7}"/>
+                <a16:creationId xmlns:a16="http://schemas.microsoft.com/office/drawing/2014/main" id="{54624852-2297-704C-4203-5C98C8DCF11A}"/>
               </a:ext>
             </a:extLst>
           </p:cNvPr>
@@ -23709,8 +23943,8 @@
         </p:blipFill>
         <p:spPr>
           <a:xfrm>
-            <a:off x="1202713" y="1902941"/>
-            <a:ext cx="9570966" cy="3403249"/>
+            <a:off x="657224" y="1770105"/>
+            <a:ext cx="11115675" cy="3905508"/>
           </a:xfrm>
           <a:prstGeom prst="rect">
             <a:avLst/>

--- a/doc/présentation V5.pptx
+++ b/doc/présentation V5.pptx
@@ -230,7 +230,7 @@
           <a:p>
             <a:fld id="{3A579BB9-F2CA-426C-82A6-1234A0AE4AD5}" type="datetimeFigureOut">
               <a:rPr lang="fr-FR" smtClean="0"/>
-              <a:t>07/02/2023</a:t>
+              <a:t>09/02/2023</a:t>
             </a:fld>
             <a:endParaRPr lang="fr-FR"/>
           </a:p>
@@ -9700,7 +9700,7 @@
             <a:fld id="{AA70F276-1833-4A75-9C1D-A56E2295A68D}" type="datetimeFigureOut">
               <a:rPr lang="en-US" smtClean="0"/>
               <a:pPr/>
-              <a:t>2/7/2023</a:t>
+              <a:t>2/9/2023</a:t>
             </a:fld>
             <a:endParaRPr lang="en-US" dirty="0"/>
           </a:p>
@@ -9904,7 +9904,7 @@
             <a:fld id="{AA70F276-1833-4A75-9C1D-A56E2295A68D}" type="datetimeFigureOut">
               <a:rPr lang="en-US" smtClean="0"/>
               <a:pPr/>
-              <a:t>2/7/2023</a:t>
+              <a:t>2/9/2023</a:t>
             </a:fld>
             <a:endParaRPr lang="en-US" dirty="0"/>
           </a:p>
@@ -10118,7 +10118,7 @@
             <a:fld id="{AA70F276-1833-4A75-9C1D-A56E2295A68D}" type="datetimeFigureOut">
               <a:rPr lang="en-US" smtClean="0"/>
               <a:pPr/>
-              <a:t>2/7/2023</a:t>
+              <a:t>2/9/2023</a:t>
             </a:fld>
             <a:endParaRPr lang="en-US" dirty="0"/>
           </a:p>
@@ -10322,7 +10322,7 @@
             <a:fld id="{AA70F276-1833-4A75-9C1D-A56E2295A68D}" type="datetimeFigureOut">
               <a:rPr lang="en-US" smtClean="0"/>
               <a:pPr/>
-              <a:t>2/7/2023</a:t>
+              <a:t>2/9/2023</a:t>
             </a:fld>
             <a:endParaRPr lang="en-US" dirty="0"/>
           </a:p>
@@ -10603,7 +10603,7 @@
             <a:fld id="{AA70F276-1833-4A75-9C1D-A56E2295A68D}" type="datetimeFigureOut">
               <a:rPr lang="en-US" smtClean="0"/>
               <a:pPr/>
-              <a:t>2/7/2023</a:t>
+              <a:t>2/9/2023</a:t>
             </a:fld>
             <a:endParaRPr lang="en-US" dirty="0"/>
           </a:p>
@@ -10874,7 +10874,7 @@
             <a:fld id="{AA70F276-1833-4A75-9C1D-A56E2295A68D}" type="datetimeFigureOut">
               <a:rPr lang="en-US" smtClean="0"/>
               <a:pPr/>
-              <a:t>2/7/2023</a:t>
+              <a:t>2/9/2023</a:t>
             </a:fld>
             <a:endParaRPr lang="en-US" dirty="0"/>
           </a:p>
@@ -11292,7 +11292,7 @@
             <a:fld id="{AA70F276-1833-4A75-9C1D-A56E2295A68D}" type="datetimeFigureOut">
               <a:rPr lang="en-US" smtClean="0"/>
               <a:pPr/>
-              <a:t>2/7/2023</a:t>
+              <a:t>2/9/2023</a:t>
             </a:fld>
             <a:endParaRPr lang="en-US" dirty="0"/>
           </a:p>
@@ -11439,7 +11439,7 @@
             <a:fld id="{AA70F276-1833-4A75-9C1D-A56E2295A68D}" type="datetimeFigureOut">
               <a:rPr lang="en-US" smtClean="0"/>
               <a:pPr/>
-              <a:t>2/7/2023</a:t>
+              <a:t>2/9/2023</a:t>
             </a:fld>
             <a:endParaRPr lang="en-US" dirty="0"/>
           </a:p>
@@ -11558,7 +11558,7 @@
             <a:fld id="{AA70F276-1833-4A75-9C1D-A56E2295A68D}" type="datetimeFigureOut">
               <a:rPr lang="en-US" smtClean="0"/>
               <a:pPr/>
-              <a:t>2/7/2023</a:t>
+              <a:t>2/9/2023</a:t>
             </a:fld>
             <a:endParaRPr lang="en-US" dirty="0"/>
           </a:p>
@@ -11875,7 +11875,7 @@
             <a:fld id="{AA70F276-1833-4A75-9C1D-A56E2295A68D}" type="datetimeFigureOut">
               <a:rPr lang="en-US" smtClean="0"/>
               <a:pPr/>
-              <a:t>2/7/2023</a:t>
+              <a:t>2/9/2023</a:t>
             </a:fld>
             <a:endParaRPr lang="en-US" dirty="0"/>
           </a:p>
@@ -12169,7 +12169,7 @@
             <a:fld id="{AA70F276-1833-4A75-9C1D-A56E2295A68D}" type="datetimeFigureOut">
               <a:rPr lang="en-US" smtClean="0"/>
               <a:pPr/>
-              <a:t>2/7/2023</a:t>
+              <a:t>2/9/2023</a:t>
             </a:fld>
             <a:endParaRPr lang="en-US" dirty="0"/>
           </a:p>
@@ -12416,7 +12416,7 @@
             <a:fld id="{AA70F276-1833-4A75-9C1D-A56E2295A68D}" type="datetimeFigureOut">
               <a:rPr lang="en-US" smtClean="0"/>
               <a:pPr/>
-              <a:t>2/7/2023</a:t>
+              <a:t>2/9/2023</a:t>
             </a:fld>
             <a:endParaRPr lang="en-US" dirty="0"/>
           </a:p>
@@ -14817,8 +14817,8 @@
         </p:blipFill>
         <p:spPr>
           <a:xfrm>
-            <a:off x="2264230" y="3035070"/>
-            <a:ext cx="3966360" cy="3101464"/>
+            <a:off x="2821577" y="3594647"/>
+            <a:ext cx="3422076" cy="2675865"/>
           </a:xfrm>
           <a:prstGeom prst="rect">
             <a:avLst/>
@@ -18324,10 +18324,10 @@
         </p:nvGrpSpPr>
         <p:grpSpPr>
           <a:xfrm>
-            <a:off x="2583451" y="4574870"/>
-            <a:ext cx="3798241" cy="1308962"/>
-            <a:chOff x="1118860" y="4280655"/>
-            <a:chExt cx="2837970" cy="1308962"/>
+            <a:off x="2566273" y="4753483"/>
+            <a:ext cx="3815419" cy="1225749"/>
+            <a:chOff x="1106025" y="4459268"/>
+            <a:chExt cx="2850805" cy="1225749"/>
           </a:xfrm>
         </p:grpSpPr>
         <p:sp>
@@ -18421,7 +18421,7 @@
           </p:nvSpPr>
           <p:spPr>
             <a:xfrm rot="18208827">
-              <a:off x="747448" y="4652067"/>
+              <a:off x="734613" y="4830680"/>
               <a:ext cx="1225749" cy="482926"/>
             </a:xfrm>
             <a:prstGeom prst="rect">
@@ -23923,10 +23923,10 @@
       </p:sp>
       <p:pic>
         <p:nvPicPr>
-          <p:cNvPr id="4" name="Image 3">
+          <p:cNvPr id="5" name="Image 4">
             <a:extLst>
               <a:ext uri="{FF2B5EF4-FFF2-40B4-BE49-F238E27FC236}">
-                <a16:creationId xmlns:a16="http://schemas.microsoft.com/office/drawing/2014/main" id="{54624852-2297-704C-4203-5C98C8DCF11A}"/>
+                <a16:creationId xmlns:a16="http://schemas.microsoft.com/office/drawing/2014/main" id="{FAA4E461-3C46-341B-B772-EABCB662E5C4}"/>
               </a:ext>
             </a:extLst>
           </p:cNvPr>
@@ -23943,8 +23943,8 @@
         </p:blipFill>
         <p:spPr>
           <a:xfrm>
-            <a:off x="657224" y="1770105"/>
-            <a:ext cx="11115675" cy="3905508"/>
+            <a:off x="280851" y="1532505"/>
+            <a:ext cx="11630297" cy="4095271"/>
           </a:xfrm>
           <a:prstGeom prst="rect">
             <a:avLst/>

--- a/doc/présentation V5.pptx
+++ b/doc/présentation V5.pptx
@@ -5,7 +5,7 @@
     <p:sldMasterId id="2147483711" r:id="rId1"/>
   </p:sldMasterIdLst>
   <p:notesMasterIdLst>
-    <p:notesMasterId r:id="rId30"/>
+    <p:notesMasterId r:id="rId39"/>
   </p:notesMasterIdLst>
   <p:sldIdLst>
     <p:sldId id="256" r:id="rId2"/>
@@ -30,12 +30,21 @@
     <p:sldId id="298" r:id="rId21"/>
     <p:sldId id="276" r:id="rId22"/>
     <p:sldId id="287" r:id="rId23"/>
-    <p:sldId id="270" r:id="rId24"/>
-    <p:sldId id="283" r:id="rId25"/>
-    <p:sldId id="299" r:id="rId26"/>
-    <p:sldId id="294" r:id="rId27"/>
-    <p:sldId id="296" r:id="rId28"/>
-    <p:sldId id="257" r:id="rId29"/>
+    <p:sldId id="301" r:id="rId24"/>
+    <p:sldId id="302" r:id="rId25"/>
+    <p:sldId id="300" r:id="rId26"/>
+    <p:sldId id="303" r:id="rId27"/>
+    <p:sldId id="304" r:id="rId28"/>
+    <p:sldId id="305" r:id="rId29"/>
+    <p:sldId id="306" r:id="rId30"/>
+    <p:sldId id="307" r:id="rId31"/>
+    <p:sldId id="308" r:id="rId32"/>
+    <p:sldId id="270" r:id="rId33"/>
+    <p:sldId id="283" r:id="rId34"/>
+    <p:sldId id="299" r:id="rId35"/>
+    <p:sldId id="294" r:id="rId36"/>
+    <p:sldId id="296" r:id="rId37"/>
+    <p:sldId id="257" r:id="rId38"/>
   </p:sldIdLst>
   <p:sldSz cx="12192000" cy="6858000"/>
   <p:notesSz cx="7315200" cy="9601200"/>
@@ -230,7 +239,7 @@
           <a:p>
             <a:fld id="{3A579BB9-F2CA-426C-82A6-1234A0AE4AD5}" type="datetimeFigureOut">
               <a:rPr lang="fr-FR" smtClean="0"/>
-              <a:t>09/02/2023</a:t>
+              <a:t>10/02/2023</a:t>
             </a:fld>
             <a:endParaRPr lang="fr-FR"/>
           </a:p>
@@ -6576,7 +6585,7 @@
           <a:p>
             <a:fld id="{4FC62F1D-8B73-4A3C-A06D-0A25FF461052}" type="slidenum">
               <a:rPr lang="fr-FR" smtClean="0"/>
-              <a:t>26</a:t>
+              <a:t>35</a:t>
             </a:fld>
             <a:endParaRPr lang="fr-FR"/>
           </a:p>
@@ -9700,7 +9709,7 @@
             <a:fld id="{AA70F276-1833-4A75-9C1D-A56E2295A68D}" type="datetimeFigureOut">
               <a:rPr lang="en-US" smtClean="0"/>
               <a:pPr/>
-              <a:t>2/9/2023</a:t>
+              <a:t>2/10/2023</a:t>
             </a:fld>
             <a:endParaRPr lang="en-US" dirty="0"/>
           </a:p>
@@ -9904,7 +9913,7 @@
             <a:fld id="{AA70F276-1833-4A75-9C1D-A56E2295A68D}" type="datetimeFigureOut">
               <a:rPr lang="en-US" smtClean="0"/>
               <a:pPr/>
-              <a:t>2/9/2023</a:t>
+              <a:t>2/10/2023</a:t>
             </a:fld>
             <a:endParaRPr lang="en-US" dirty="0"/>
           </a:p>
@@ -10118,7 +10127,7 @@
             <a:fld id="{AA70F276-1833-4A75-9C1D-A56E2295A68D}" type="datetimeFigureOut">
               <a:rPr lang="en-US" smtClean="0"/>
               <a:pPr/>
-              <a:t>2/9/2023</a:t>
+              <a:t>2/10/2023</a:t>
             </a:fld>
             <a:endParaRPr lang="en-US" dirty="0"/>
           </a:p>
@@ -10322,7 +10331,7 @@
             <a:fld id="{AA70F276-1833-4A75-9C1D-A56E2295A68D}" type="datetimeFigureOut">
               <a:rPr lang="en-US" smtClean="0"/>
               <a:pPr/>
-              <a:t>2/9/2023</a:t>
+              <a:t>2/10/2023</a:t>
             </a:fld>
             <a:endParaRPr lang="en-US" dirty="0"/>
           </a:p>
@@ -10603,7 +10612,7 @@
             <a:fld id="{AA70F276-1833-4A75-9C1D-A56E2295A68D}" type="datetimeFigureOut">
               <a:rPr lang="en-US" smtClean="0"/>
               <a:pPr/>
-              <a:t>2/9/2023</a:t>
+              <a:t>2/10/2023</a:t>
             </a:fld>
             <a:endParaRPr lang="en-US" dirty="0"/>
           </a:p>
@@ -10874,7 +10883,7 @@
             <a:fld id="{AA70F276-1833-4A75-9C1D-A56E2295A68D}" type="datetimeFigureOut">
               <a:rPr lang="en-US" smtClean="0"/>
               <a:pPr/>
-              <a:t>2/9/2023</a:t>
+              <a:t>2/10/2023</a:t>
             </a:fld>
             <a:endParaRPr lang="en-US" dirty="0"/>
           </a:p>
@@ -11292,7 +11301,7 @@
             <a:fld id="{AA70F276-1833-4A75-9C1D-A56E2295A68D}" type="datetimeFigureOut">
               <a:rPr lang="en-US" smtClean="0"/>
               <a:pPr/>
-              <a:t>2/9/2023</a:t>
+              <a:t>2/10/2023</a:t>
             </a:fld>
             <a:endParaRPr lang="en-US" dirty="0"/>
           </a:p>
@@ -11439,7 +11448,7 @@
             <a:fld id="{AA70F276-1833-4A75-9C1D-A56E2295A68D}" type="datetimeFigureOut">
               <a:rPr lang="en-US" smtClean="0"/>
               <a:pPr/>
-              <a:t>2/9/2023</a:t>
+              <a:t>2/10/2023</a:t>
             </a:fld>
             <a:endParaRPr lang="en-US" dirty="0"/>
           </a:p>
@@ -11558,7 +11567,7 @@
             <a:fld id="{AA70F276-1833-4A75-9C1D-A56E2295A68D}" type="datetimeFigureOut">
               <a:rPr lang="en-US" smtClean="0"/>
               <a:pPr/>
-              <a:t>2/9/2023</a:t>
+              <a:t>2/10/2023</a:t>
             </a:fld>
             <a:endParaRPr lang="en-US" dirty="0"/>
           </a:p>
@@ -11875,7 +11884,7 @@
             <a:fld id="{AA70F276-1833-4A75-9C1D-A56E2295A68D}" type="datetimeFigureOut">
               <a:rPr lang="en-US" smtClean="0"/>
               <a:pPr/>
-              <a:t>2/9/2023</a:t>
+              <a:t>2/10/2023</a:t>
             </a:fld>
             <a:endParaRPr lang="en-US" dirty="0"/>
           </a:p>
@@ -12169,7 +12178,7 @@
             <a:fld id="{AA70F276-1833-4A75-9C1D-A56E2295A68D}" type="datetimeFigureOut">
               <a:rPr lang="en-US" smtClean="0"/>
               <a:pPr/>
-              <a:t>2/9/2023</a:t>
+              <a:t>2/10/2023</a:t>
             </a:fld>
             <a:endParaRPr lang="en-US" dirty="0"/>
           </a:p>
@@ -12416,7 +12425,7 @@
             <a:fld id="{AA70F276-1833-4A75-9C1D-A56E2295A68D}" type="datetimeFigureOut">
               <a:rPr lang="en-US" smtClean="0"/>
               <a:pPr/>
-              <a:t>2/9/2023</a:t>
+              <a:t>2/10/2023</a:t>
             </a:fld>
             <a:endParaRPr lang="en-US" dirty="0"/>
           </a:p>
@@ -13076,280 +13085,12 @@
           </a:p>
         </p:txBody>
       </p:sp>
-      <p:sp>
-        <p:nvSpPr>
-          <p:cNvPr id="8" name="ZoneTexte 7">
+      <p:grpSp>
+        <p:nvGrpSpPr>
+          <p:cNvPr id="3" name="Groupe 2">
             <a:extLst>
               <a:ext uri="{FF2B5EF4-FFF2-40B4-BE49-F238E27FC236}">
-                <a16:creationId xmlns:a16="http://schemas.microsoft.com/office/drawing/2014/main" id="{2AB245CF-C4D4-6D48-58E7-ACDCFDC5D147}"/>
-              </a:ext>
-            </a:extLst>
-          </p:cNvPr>
-          <p:cNvSpPr txBox="1"/>
-          <p:nvPr/>
-        </p:nvSpPr>
-        <p:spPr>
-          <a:xfrm>
-            <a:off x="5012463" y="3337560"/>
-            <a:ext cx="1935162" cy="2669962"/>
-          </a:xfrm>
-          <a:prstGeom prst="rect">
-            <a:avLst/>
-          </a:prstGeom>
-          <a:noFill/>
-        </p:spPr>
-        <p:txBody>
-          <a:bodyPr wrap="square">
-            <a:spAutoFit/>
-          </a:bodyPr>
-          <a:lstStyle/>
-          <a:p>
-            <a:pPr marL="171450" indent="-171450">
-              <a:spcAft>
-                <a:spcPts val="900"/>
-              </a:spcAft>
-              <a:buFont typeface="Wingdings" panose="05000000000000000000" pitchFamily="2" charset="2"/>
-              <a:buChar char="Ø"/>
-            </a:pPr>
-            <a:r>
-              <a:rPr lang="fr-FR" sz="1000" dirty="0">
-                <a:latin typeface="Book Antiqua" panose="02040602050305030304" pitchFamily="18" charset="0"/>
-                <a:ea typeface="Calibri" panose="020F0502020204030204" pitchFamily="34" charset="0"/>
-                <a:cs typeface="Times New Roman" panose="02020603050405020304" pitchFamily="18" charset="0"/>
-              </a:rPr>
-              <a:t>Project </a:t>
-            </a:r>
-            <a:r>
-              <a:rPr lang="fr-FR" sz="1000" dirty="0" err="1">
-                <a:latin typeface="Book Antiqua" panose="02040602050305030304" pitchFamily="18" charset="0"/>
-                <a:ea typeface="Calibri" panose="020F0502020204030204" pitchFamily="34" charset="0"/>
-                <a:cs typeface="Times New Roman" panose="02020603050405020304" pitchFamily="18" charset="0"/>
-              </a:rPr>
-              <a:t>presentation</a:t>
-            </a:r>
-            <a:endParaRPr lang="fr-FR" sz="1000" dirty="0">
-              <a:latin typeface="Book Antiqua" panose="02040602050305030304" pitchFamily="18" charset="0"/>
-              <a:ea typeface="Calibri" panose="020F0502020204030204" pitchFamily="34" charset="0"/>
-              <a:cs typeface="Times New Roman" panose="02020603050405020304" pitchFamily="18" charset="0"/>
-            </a:endParaRPr>
-          </a:p>
-          <a:p>
-            <a:pPr marL="171450" indent="-171450">
-              <a:spcAft>
-                <a:spcPts val="600"/>
-              </a:spcAft>
-              <a:buFont typeface="Wingdings" panose="05000000000000000000" pitchFamily="2" charset="2"/>
-              <a:buChar char="Ø"/>
-            </a:pPr>
-            <a:r>
-              <a:rPr lang="fr-FR" sz="1000" dirty="0" err="1">
-                <a:latin typeface="Book Antiqua" panose="02040602050305030304" pitchFamily="18" charset="0"/>
-                <a:ea typeface="Calibri" panose="020F0502020204030204" pitchFamily="34" charset="0"/>
-                <a:cs typeface="Times New Roman" panose="02020603050405020304" pitchFamily="18" charset="0"/>
-              </a:rPr>
-              <a:t>Technical</a:t>
-            </a:r>
-            <a:r>
-              <a:rPr lang="fr-FR" sz="1000" dirty="0">
-                <a:latin typeface="Book Antiqua" panose="02040602050305030304" pitchFamily="18" charset="0"/>
-                <a:ea typeface="Calibri" panose="020F0502020204030204" pitchFamily="34" charset="0"/>
-                <a:cs typeface="Times New Roman" panose="02020603050405020304" pitchFamily="18" charset="0"/>
-              </a:rPr>
-              <a:t> aspects</a:t>
-            </a:r>
-          </a:p>
-          <a:p>
-            <a:pPr>
-              <a:spcAft>
-                <a:spcPts val="600"/>
-              </a:spcAft>
-            </a:pPr>
-            <a:r>
-              <a:rPr lang="fr-FR" sz="1000" dirty="0">
-                <a:latin typeface="Book Antiqua" panose="02040602050305030304" pitchFamily="18" charset="0"/>
-                <a:ea typeface="Calibri" panose="020F0502020204030204" pitchFamily="34" charset="0"/>
-                <a:cs typeface="Times New Roman" panose="02020603050405020304" pitchFamily="18" charset="0"/>
-              </a:rPr>
-              <a:t>             Front End</a:t>
-            </a:r>
-          </a:p>
-          <a:p>
-            <a:pPr>
-              <a:spcAft>
-                <a:spcPts val="600"/>
-              </a:spcAft>
-            </a:pPr>
-            <a:r>
-              <a:rPr lang="fr-FR" sz="1000" dirty="0">
-                <a:latin typeface="Book Antiqua" panose="02040602050305030304" pitchFamily="18" charset="0"/>
-                <a:ea typeface="Calibri" panose="020F0502020204030204" pitchFamily="34" charset="0"/>
-                <a:cs typeface="Times New Roman" panose="02020603050405020304" pitchFamily="18" charset="0"/>
-              </a:rPr>
-              <a:t>             Back End</a:t>
-            </a:r>
-          </a:p>
-          <a:p>
-            <a:pPr>
-              <a:spcAft>
-                <a:spcPts val="600"/>
-              </a:spcAft>
-            </a:pPr>
-            <a:r>
-              <a:rPr lang="fr-FR" sz="1000" dirty="0">
-                <a:latin typeface="Book Antiqua" panose="02040602050305030304" pitchFamily="18" charset="0"/>
-                <a:ea typeface="Calibri" panose="020F0502020204030204" pitchFamily="34" charset="0"/>
-                <a:cs typeface="Times New Roman" panose="02020603050405020304" pitchFamily="18" charset="0"/>
-              </a:rPr>
-              <a:t>             </a:t>
-            </a:r>
-            <a:r>
-              <a:rPr lang="fr-FR" sz="1000" dirty="0" err="1">
-                <a:latin typeface="Book Antiqua" panose="02040602050305030304" pitchFamily="18" charset="0"/>
-                <a:ea typeface="Calibri" panose="020F0502020204030204" pitchFamily="34" charset="0"/>
-                <a:cs typeface="Times New Roman" panose="02020603050405020304" pitchFamily="18" charset="0"/>
-              </a:rPr>
-              <a:t>Database</a:t>
-            </a:r>
-            <a:endParaRPr lang="fr-FR" sz="1000" dirty="0">
-              <a:latin typeface="Book Antiqua" panose="02040602050305030304" pitchFamily="18" charset="0"/>
-              <a:ea typeface="Calibri" panose="020F0502020204030204" pitchFamily="34" charset="0"/>
-              <a:cs typeface="Times New Roman" panose="02020603050405020304" pitchFamily="18" charset="0"/>
-            </a:endParaRPr>
-          </a:p>
-          <a:p>
-            <a:pPr marL="171450" indent="-171450">
-              <a:spcAft>
-                <a:spcPts val="600"/>
-              </a:spcAft>
-              <a:buFont typeface="Wingdings" panose="05000000000000000000" pitchFamily="2" charset="2"/>
-              <a:buChar char="Ø"/>
-            </a:pPr>
-            <a:r>
-              <a:rPr lang="fr-FR" sz="1000" dirty="0" err="1">
-                <a:latin typeface="Book Antiqua" panose="02040602050305030304" pitchFamily="18" charset="0"/>
-                <a:ea typeface="Calibri" panose="020F0502020204030204" pitchFamily="34" charset="0"/>
-                <a:cs typeface="Times New Roman" panose="02020603050405020304" pitchFamily="18" charset="0"/>
-              </a:rPr>
-              <a:t>Features</a:t>
-            </a:r>
-            <a:endParaRPr lang="fr-FR" sz="1000" dirty="0">
-              <a:latin typeface="Book Antiqua" panose="02040602050305030304" pitchFamily="18" charset="0"/>
-              <a:ea typeface="Calibri" panose="020F0502020204030204" pitchFamily="34" charset="0"/>
-              <a:cs typeface="Times New Roman" panose="02020603050405020304" pitchFamily="18" charset="0"/>
-            </a:endParaRPr>
-          </a:p>
-          <a:p>
-            <a:pPr>
-              <a:spcAft>
-                <a:spcPts val="600"/>
-              </a:spcAft>
-            </a:pPr>
-            <a:r>
-              <a:rPr lang="fr-FR" sz="1000" dirty="0">
-                <a:latin typeface="Book Antiqua" panose="02040602050305030304" pitchFamily="18" charset="0"/>
-                <a:ea typeface="Calibri" panose="020F0502020204030204" pitchFamily="34" charset="0"/>
-                <a:cs typeface="Times New Roman" panose="02020603050405020304" pitchFamily="18" charset="0"/>
-              </a:rPr>
-              <a:t>             Incidents</a:t>
-            </a:r>
-          </a:p>
-          <a:p>
-            <a:pPr>
-              <a:spcAft>
-                <a:spcPts val="600"/>
-              </a:spcAft>
-            </a:pPr>
-            <a:r>
-              <a:rPr lang="fr-FR" sz="1000" dirty="0">
-                <a:latin typeface="Book Antiqua" panose="02040602050305030304" pitchFamily="18" charset="0"/>
-                <a:ea typeface="Calibri" panose="020F0502020204030204" pitchFamily="34" charset="0"/>
-                <a:cs typeface="Times New Roman" panose="02020603050405020304" pitchFamily="18" charset="0"/>
-              </a:rPr>
-              <a:t>             </a:t>
-            </a:r>
-            <a:r>
-              <a:rPr lang="fr-FR" sz="1000" dirty="0" err="1">
-                <a:latin typeface="Book Antiqua" panose="02040602050305030304" pitchFamily="18" charset="0"/>
-                <a:ea typeface="Calibri" panose="020F0502020204030204" pitchFamily="34" charset="0"/>
-                <a:cs typeface="Times New Roman" panose="02020603050405020304" pitchFamily="18" charset="0"/>
-              </a:rPr>
-              <a:t>Users</a:t>
-            </a:r>
-            <a:endParaRPr lang="fr-FR" sz="1000" dirty="0">
-              <a:latin typeface="Book Antiqua" panose="02040602050305030304" pitchFamily="18" charset="0"/>
-              <a:ea typeface="Calibri" panose="020F0502020204030204" pitchFamily="34" charset="0"/>
-              <a:cs typeface="Times New Roman" panose="02020603050405020304" pitchFamily="18" charset="0"/>
-            </a:endParaRPr>
-          </a:p>
-          <a:p>
-            <a:pPr marL="171450" indent="-171450">
-              <a:spcAft>
-                <a:spcPts val="900"/>
-              </a:spcAft>
-              <a:buFont typeface="Wingdings" panose="05000000000000000000" pitchFamily="2" charset="2"/>
-              <a:buChar char="Ø"/>
-            </a:pPr>
-            <a:r>
-              <a:rPr lang="fr-FR" sz="1000" dirty="0">
-                <a:latin typeface="Book Antiqua" panose="02040602050305030304" pitchFamily="18" charset="0"/>
-                <a:ea typeface="Calibri" panose="020F0502020204030204" pitchFamily="34" charset="0"/>
-                <a:cs typeface="Times New Roman" panose="02020603050405020304" pitchFamily="18" charset="0"/>
-              </a:rPr>
-              <a:t>Security</a:t>
-            </a:r>
-          </a:p>
-          <a:p>
-            <a:pPr marL="171450" indent="-171450">
-              <a:spcAft>
-                <a:spcPts val="900"/>
-              </a:spcAft>
-              <a:buFont typeface="Wingdings" panose="05000000000000000000" pitchFamily="2" charset="2"/>
-              <a:buChar char="Ø"/>
-            </a:pPr>
-            <a:r>
-              <a:rPr lang="fr-FR" sz="1000" dirty="0" err="1">
-                <a:latin typeface="Book Antiqua" panose="02040602050305030304" pitchFamily="18" charset="0"/>
-                <a:ea typeface="Calibri" panose="020F0502020204030204" pitchFamily="34" charset="0"/>
-                <a:cs typeface="Times New Roman" panose="02020603050405020304" pitchFamily="18" charset="0"/>
-              </a:rPr>
-              <a:t>Testing</a:t>
-            </a:r>
-            <a:endParaRPr lang="fr-FR" sz="1000" dirty="0">
-              <a:latin typeface="Book Antiqua" panose="02040602050305030304" pitchFamily="18" charset="0"/>
-              <a:ea typeface="Calibri" panose="020F0502020204030204" pitchFamily="34" charset="0"/>
-              <a:cs typeface="Times New Roman" panose="02020603050405020304" pitchFamily="18" charset="0"/>
-            </a:endParaRPr>
-          </a:p>
-          <a:p>
-            <a:pPr marL="171450" indent="-171450">
-              <a:spcAft>
-                <a:spcPts val="900"/>
-              </a:spcAft>
-              <a:buFont typeface="Wingdings" panose="05000000000000000000" pitchFamily="2" charset="2"/>
-              <a:buChar char="Ø"/>
-            </a:pPr>
-            <a:r>
-              <a:rPr lang="fr-FR" sz="1000" dirty="0" err="1">
-                <a:latin typeface="Book Antiqua" panose="02040602050305030304" pitchFamily="18" charset="0"/>
-                <a:ea typeface="Calibri" panose="020F0502020204030204" pitchFamily="34" charset="0"/>
-                <a:cs typeface="Times New Roman" panose="02020603050405020304" pitchFamily="18" charset="0"/>
-              </a:rPr>
-              <a:t>Demo</a:t>
-            </a:r>
-            <a:endParaRPr lang="fr-FR" sz="1000" dirty="0">
-              <a:latin typeface="Book Antiqua" panose="02040602050305030304" pitchFamily="18" charset="0"/>
-              <a:ea typeface="Calibri" panose="020F0502020204030204" pitchFamily="34" charset="0"/>
-              <a:cs typeface="Times New Roman" panose="02020603050405020304" pitchFamily="18" charset="0"/>
-            </a:endParaRPr>
-          </a:p>
-        </p:txBody>
-      </p:sp>
-      <p:grpSp>
-        <p:nvGrpSpPr>
-          <p:cNvPr id="18" name="Groupe 17">
-            <a:extLst>
-              <a:ext uri="{FF2B5EF4-FFF2-40B4-BE49-F238E27FC236}">
-                <a16:creationId xmlns:a16="http://schemas.microsoft.com/office/drawing/2014/main" id="{92830BA8-20E4-0FF4-961A-76729D76C0A0}"/>
+                <a16:creationId xmlns:a16="http://schemas.microsoft.com/office/drawing/2014/main" id="{056EE32C-7132-3AC4-6976-BEF715149D70}"/>
               </a:ext>
             </a:extLst>
           </p:cNvPr>
@@ -13358,18 +13099,367 @@
         </p:nvGrpSpPr>
         <p:grpSpPr>
           <a:xfrm>
-            <a:off x="1761857" y="2855224"/>
-            <a:ext cx="1650084" cy="1719477"/>
-            <a:chOff x="1116734" y="3135054"/>
-            <a:chExt cx="2111996" cy="2212249"/>
+            <a:off x="1038444" y="2855224"/>
+            <a:ext cx="5909181" cy="3384685"/>
+            <a:chOff x="1038444" y="2855224"/>
+            <a:chExt cx="5909181" cy="3384685"/>
           </a:xfrm>
         </p:grpSpPr>
+        <p:sp>
+          <p:nvSpPr>
+            <p:cNvPr id="8" name="ZoneTexte 7">
+              <a:extLst>
+                <a:ext uri="{FF2B5EF4-FFF2-40B4-BE49-F238E27FC236}">
+                  <a16:creationId xmlns:a16="http://schemas.microsoft.com/office/drawing/2014/main" id="{2AB245CF-C4D4-6D48-58E7-ACDCFDC5D147}"/>
+                </a:ext>
+              </a:extLst>
+            </p:cNvPr>
+            <p:cNvSpPr txBox="1"/>
+            <p:nvPr/>
+          </p:nvSpPr>
+          <p:spPr>
+            <a:xfrm>
+              <a:off x="5012463" y="3337560"/>
+              <a:ext cx="1935162" cy="2669962"/>
+            </a:xfrm>
+            <a:prstGeom prst="rect">
+              <a:avLst/>
+            </a:prstGeom>
+            <a:noFill/>
+          </p:spPr>
+          <p:txBody>
+            <a:bodyPr wrap="square">
+              <a:spAutoFit/>
+            </a:bodyPr>
+            <a:lstStyle/>
+            <a:p>
+              <a:pPr marL="171450" indent="-171450">
+                <a:spcAft>
+                  <a:spcPts val="900"/>
+                </a:spcAft>
+                <a:buFont typeface="Wingdings" panose="05000000000000000000" pitchFamily="2" charset="2"/>
+                <a:buChar char="Ø"/>
+              </a:pPr>
+              <a:r>
+                <a:rPr lang="fr-FR" sz="1000" dirty="0">
+                  <a:latin typeface="Book Antiqua" panose="02040602050305030304" pitchFamily="18" charset="0"/>
+                  <a:ea typeface="Calibri" panose="020F0502020204030204" pitchFamily="34" charset="0"/>
+                  <a:cs typeface="Times New Roman" panose="02020603050405020304" pitchFamily="18" charset="0"/>
+                </a:rPr>
+                <a:t>Project </a:t>
+              </a:r>
+              <a:r>
+                <a:rPr lang="fr-FR" sz="1000" dirty="0" err="1">
+                  <a:latin typeface="Book Antiqua" panose="02040602050305030304" pitchFamily="18" charset="0"/>
+                  <a:ea typeface="Calibri" panose="020F0502020204030204" pitchFamily="34" charset="0"/>
+                  <a:cs typeface="Times New Roman" panose="02020603050405020304" pitchFamily="18" charset="0"/>
+                </a:rPr>
+                <a:t>presentation</a:t>
+              </a:r>
+              <a:endParaRPr lang="fr-FR" sz="1000" dirty="0">
+                <a:latin typeface="Book Antiqua" panose="02040602050305030304" pitchFamily="18" charset="0"/>
+                <a:ea typeface="Calibri" panose="020F0502020204030204" pitchFamily="34" charset="0"/>
+                <a:cs typeface="Times New Roman" panose="02020603050405020304" pitchFamily="18" charset="0"/>
+              </a:endParaRPr>
+            </a:p>
+            <a:p>
+              <a:pPr marL="171450" indent="-171450">
+                <a:spcAft>
+                  <a:spcPts val="600"/>
+                </a:spcAft>
+                <a:buFont typeface="Wingdings" panose="05000000000000000000" pitchFamily="2" charset="2"/>
+                <a:buChar char="Ø"/>
+              </a:pPr>
+              <a:r>
+                <a:rPr lang="fr-FR" sz="1000" dirty="0" err="1">
+                  <a:latin typeface="Book Antiqua" panose="02040602050305030304" pitchFamily="18" charset="0"/>
+                  <a:ea typeface="Calibri" panose="020F0502020204030204" pitchFamily="34" charset="0"/>
+                  <a:cs typeface="Times New Roman" panose="02020603050405020304" pitchFamily="18" charset="0"/>
+                </a:rPr>
+                <a:t>Technical</a:t>
+              </a:r>
+              <a:r>
+                <a:rPr lang="fr-FR" sz="1000" dirty="0">
+                  <a:latin typeface="Book Antiqua" panose="02040602050305030304" pitchFamily="18" charset="0"/>
+                  <a:ea typeface="Calibri" panose="020F0502020204030204" pitchFamily="34" charset="0"/>
+                  <a:cs typeface="Times New Roman" panose="02020603050405020304" pitchFamily="18" charset="0"/>
+                </a:rPr>
+                <a:t> aspects</a:t>
+              </a:r>
+            </a:p>
+            <a:p>
+              <a:pPr>
+                <a:spcAft>
+                  <a:spcPts val="600"/>
+                </a:spcAft>
+              </a:pPr>
+              <a:r>
+                <a:rPr lang="fr-FR" sz="1000" dirty="0">
+                  <a:latin typeface="Book Antiqua" panose="02040602050305030304" pitchFamily="18" charset="0"/>
+                  <a:ea typeface="Calibri" panose="020F0502020204030204" pitchFamily="34" charset="0"/>
+                  <a:cs typeface="Times New Roman" panose="02020603050405020304" pitchFamily="18" charset="0"/>
+                </a:rPr>
+                <a:t>             Front End</a:t>
+              </a:r>
+            </a:p>
+            <a:p>
+              <a:pPr>
+                <a:spcAft>
+                  <a:spcPts val="600"/>
+                </a:spcAft>
+              </a:pPr>
+              <a:r>
+                <a:rPr lang="fr-FR" sz="1000" dirty="0">
+                  <a:latin typeface="Book Antiqua" panose="02040602050305030304" pitchFamily="18" charset="0"/>
+                  <a:ea typeface="Calibri" panose="020F0502020204030204" pitchFamily="34" charset="0"/>
+                  <a:cs typeface="Times New Roman" panose="02020603050405020304" pitchFamily="18" charset="0"/>
+                </a:rPr>
+                <a:t>             Back End</a:t>
+              </a:r>
+            </a:p>
+            <a:p>
+              <a:pPr>
+                <a:spcAft>
+                  <a:spcPts val="600"/>
+                </a:spcAft>
+              </a:pPr>
+              <a:r>
+                <a:rPr lang="fr-FR" sz="1000" dirty="0">
+                  <a:latin typeface="Book Antiqua" panose="02040602050305030304" pitchFamily="18" charset="0"/>
+                  <a:ea typeface="Calibri" panose="020F0502020204030204" pitchFamily="34" charset="0"/>
+                  <a:cs typeface="Times New Roman" panose="02020603050405020304" pitchFamily="18" charset="0"/>
+                </a:rPr>
+                <a:t>             </a:t>
+              </a:r>
+              <a:r>
+                <a:rPr lang="fr-FR" sz="1000" dirty="0" err="1">
+                  <a:latin typeface="Book Antiqua" panose="02040602050305030304" pitchFamily="18" charset="0"/>
+                  <a:ea typeface="Calibri" panose="020F0502020204030204" pitchFamily="34" charset="0"/>
+                  <a:cs typeface="Times New Roman" panose="02020603050405020304" pitchFamily="18" charset="0"/>
+                </a:rPr>
+                <a:t>Database</a:t>
+              </a:r>
+              <a:endParaRPr lang="fr-FR" sz="1000" dirty="0">
+                <a:latin typeface="Book Antiqua" panose="02040602050305030304" pitchFamily="18" charset="0"/>
+                <a:ea typeface="Calibri" panose="020F0502020204030204" pitchFamily="34" charset="0"/>
+                <a:cs typeface="Times New Roman" panose="02020603050405020304" pitchFamily="18" charset="0"/>
+              </a:endParaRPr>
+            </a:p>
+            <a:p>
+              <a:pPr marL="171450" indent="-171450">
+                <a:spcAft>
+                  <a:spcPts val="600"/>
+                </a:spcAft>
+                <a:buFont typeface="Wingdings" panose="05000000000000000000" pitchFamily="2" charset="2"/>
+                <a:buChar char="Ø"/>
+              </a:pPr>
+              <a:r>
+                <a:rPr lang="fr-FR" sz="1000" dirty="0" err="1">
+                  <a:latin typeface="Book Antiqua" panose="02040602050305030304" pitchFamily="18" charset="0"/>
+                  <a:ea typeface="Calibri" panose="020F0502020204030204" pitchFamily="34" charset="0"/>
+                  <a:cs typeface="Times New Roman" panose="02020603050405020304" pitchFamily="18" charset="0"/>
+                </a:rPr>
+                <a:t>Features</a:t>
+              </a:r>
+              <a:endParaRPr lang="fr-FR" sz="1000" dirty="0">
+                <a:latin typeface="Book Antiqua" panose="02040602050305030304" pitchFamily="18" charset="0"/>
+                <a:ea typeface="Calibri" panose="020F0502020204030204" pitchFamily="34" charset="0"/>
+                <a:cs typeface="Times New Roman" panose="02020603050405020304" pitchFamily="18" charset="0"/>
+              </a:endParaRPr>
+            </a:p>
+            <a:p>
+              <a:pPr>
+                <a:spcAft>
+                  <a:spcPts val="600"/>
+                </a:spcAft>
+              </a:pPr>
+              <a:r>
+                <a:rPr lang="fr-FR" sz="1000" dirty="0">
+                  <a:latin typeface="Book Antiqua" panose="02040602050305030304" pitchFamily="18" charset="0"/>
+                  <a:ea typeface="Calibri" panose="020F0502020204030204" pitchFamily="34" charset="0"/>
+                  <a:cs typeface="Times New Roman" panose="02020603050405020304" pitchFamily="18" charset="0"/>
+                </a:rPr>
+                <a:t>             Incidents</a:t>
+              </a:r>
+            </a:p>
+            <a:p>
+              <a:pPr>
+                <a:spcAft>
+                  <a:spcPts val="600"/>
+                </a:spcAft>
+              </a:pPr>
+              <a:r>
+                <a:rPr lang="fr-FR" sz="1000" dirty="0">
+                  <a:latin typeface="Book Antiqua" panose="02040602050305030304" pitchFamily="18" charset="0"/>
+                  <a:ea typeface="Calibri" panose="020F0502020204030204" pitchFamily="34" charset="0"/>
+                  <a:cs typeface="Times New Roman" panose="02020603050405020304" pitchFamily="18" charset="0"/>
+                </a:rPr>
+                <a:t>             </a:t>
+              </a:r>
+              <a:r>
+                <a:rPr lang="fr-FR" sz="1000" dirty="0" err="1">
+                  <a:latin typeface="Book Antiqua" panose="02040602050305030304" pitchFamily="18" charset="0"/>
+                  <a:ea typeface="Calibri" panose="020F0502020204030204" pitchFamily="34" charset="0"/>
+                  <a:cs typeface="Times New Roman" panose="02020603050405020304" pitchFamily="18" charset="0"/>
+                </a:rPr>
+                <a:t>Users</a:t>
+              </a:r>
+              <a:endParaRPr lang="fr-FR" sz="1000" dirty="0">
+                <a:latin typeface="Book Antiqua" panose="02040602050305030304" pitchFamily="18" charset="0"/>
+                <a:ea typeface="Calibri" panose="020F0502020204030204" pitchFamily="34" charset="0"/>
+                <a:cs typeface="Times New Roman" panose="02020603050405020304" pitchFamily="18" charset="0"/>
+              </a:endParaRPr>
+            </a:p>
+            <a:p>
+              <a:pPr marL="171450" indent="-171450">
+                <a:spcAft>
+                  <a:spcPts val="900"/>
+                </a:spcAft>
+                <a:buFont typeface="Wingdings" panose="05000000000000000000" pitchFamily="2" charset="2"/>
+                <a:buChar char="Ø"/>
+              </a:pPr>
+              <a:r>
+                <a:rPr lang="fr-FR" sz="1000" dirty="0">
+                  <a:latin typeface="Book Antiqua" panose="02040602050305030304" pitchFamily="18" charset="0"/>
+                  <a:ea typeface="Calibri" panose="020F0502020204030204" pitchFamily="34" charset="0"/>
+                  <a:cs typeface="Times New Roman" panose="02020603050405020304" pitchFamily="18" charset="0"/>
+                </a:rPr>
+                <a:t>Security</a:t>
+              </a:r>
+            </a:p>
+            <a:p>
+              <a:pPr marL="171450" indent="-171450">
+                <a:spcAft>
+                  <a:spcPts val="900"/>
+                </a:spcAft>
+                <a:buFont typeface="Wingdings" panose="05000000000000000000" pitchFamily="2" charset="2"/>
+                <a:buChar char="Ø"/>
+              </a:pPr>
+              <a:r>
+                <a:rPr lang="fr-FR" sz="1000" dirty="0" err="1">
+                  <a:latin typeface="Book Antiqua" panose="02040602050305030304" pitchFamily="18" charset="0"/>
+                  <a:ea typeface="Calibri" panose="020F0502020204030204" pitchFamily="34" charset="0"/>
+                  <a:cs typeface="Times New Roman" panose="02020603050405020304" pitchFamily="18" charset="0"/>
+                </a:rPr>
+                <a:t>Testing</a:t>
+              </a:r>
+              <a:endParaRPr lang="fr-FR" sz="1000" dirty="0">
+                <a:latin typeface="Book Antiqua" panose="02040602050305030304" pitchFamily="18" charset="0"/>
+                <a:ea typeface="Calibri" panose="020F0502020204030204" pitchFamily="34" charset="0"/>
+                <a:cs typeface="Times New Roman" panose="02020603050405020304" pitchFamily="18" charset="0"/>
+              </a:endParaRPr>
+            </a:p>
+            <a:p>
+              <a:pPr marL="171450" indent="-171450">
+                <a:spcAft>
+                  <a:spcPts val="900"/>
+                </a:spcAft>
+                <a:buFont typeface="Wingdings" panose="05000000000000000000" pitchFamily="2" charset="2"/>
+                <a:buChar char="Ø"/>
+              </a:pPr>
+              <a:r>
+                <a:rPr lang="fr-FR" sz="1000" dirty="0" err="1">
+                  <a:latin typeface="Book Antiqua" panose="02040602050305030304" pitchFamily="18" charset="0"/>
+                  <a:ea typeface="Calibri" panose="020F0502020204030204" pitchFamily="34" charset="0"/>
+                  <a:cs typeface="Times New Roman" panose="02020603050405020304" pitchFamily="18" charset="0"/>
+                </a:rPr>
+                <a:t>Demo</a:t>
+              </a:r>
+              <a:endParaRPr lang="fr-FR" sz="1000" dirty="0">
+                <a:latin typeface="Book Antiqua" panose="02040602050305030304" pitchFamily="18" charset="0"/>
+                <a:ea typeface="Calibri" panose="020F0502020204030204" pitchFamily="34" charset="0"/>
+                <a:cs typeface="Times New Roman" panose="02020603050405020304" pitchFamily="18" charset="0"/>
+              </a:endParaRPr>
+            </a:p>
+          </p:txBody>
+        </p:sp>
+        <p:grpSp>
+          <p:nvGrpSpPr>
+            <p:cNvPr id="18" name="Groupe 17">
+              <a:extLst>
+                <a:ext uri="{FF2B5EF4-FFF2-40B4-BE49-F238E27FC236}">
+                  <a16:creationId xmlns:a16="http://schemas.microsoft.com/office/drawing/2014/main" id="{92830BA8-20E4-0FF4-961A-76729D76C0A0}"/>
+                </a:ext>
+              </a:extLst>
+            </p:cNvPr>
+            <p:cNvGrpSpPr/>
+            <p:nvPr/>
+          </p:nvGrpSpPr>
+          <p:grpSpPr>
+            <a:xfrm>
+              <a:off x="1761857" y="2855224"/>
+              <a:ext cx="1650084" cy="1719477"/>
+              <a:chOff x="1116734" y="3135054"/>
+              <a:chExt cx="2111996" cy="2212249"/>
+            </a:xfrm>
+          </p:grpSpPr>
+          <p:pic>
+            <p:nvPicPr>
+              <p:cNvPr id="17" name="Image 16">
+                <a:extLst>
+                  <a:ext uri="{FF2B5EF4-FFF2-40B4-BE49-F238E27FC236}">
+                    <a16:creationId xmlns:a16="http://schemas.microsoft.com/office/drawing/2014/main" id="{5B225996-570C-C6A6-5434-384AE6BE10F6}"/>
+                  </a:ext>
+                </a:extLst>
+              </p:cNvPr>
+              <p:cNvPicPr>
+                <a:picLocks noChangeAspect="1"/>
+              </p:cNvPicPr>
+              <p:nvPr/>
+            </p:nvPicPr>
+            <p:blipFill>
+              <a:blip r:embed="rId6"/>
+              <a:stretch>
+                <a:fillRect/>
+              </a:stretch>
+            </p:blipFill>
+            <p:spPr>
+              <a:xfrm>
+                <a:off x="1116734" y="3135054"/>
+                <a:ext cx="2111996" cy="2212249"/>
+              </a:xfrm>
+              <a:prstGeom prst="rect">
+                <a:avLst/>
+              </a:prstGeom>
+            </p:spPr>
+          </p:pic>
+          <p:pic>
+            <p:nvPicPr>
+              <p:cNvPr id="14" name="Image 13">
+                <a:extLst>
+                  <a:ext uri="{FF2B5EF4-FFF2-40B4-BE49-F238E27FC236}">
+                    <a16:creationId xmlns:a16="http://schemas.microsoft.com/office/drawing/2014/main" id="{2451E5E3-D456-F84B-D6F1-0C4E5031DE78}"/>
+                  </a:ext>
+                </a:extLst>
+              </p:cNvPr>
+              <p:cNvPicPr>
+                <a:picLocks noChangeAspect="1"/>
+              </p:cNvPicPr>
+              <p:nvPr/>
+            </p:nvPicPr>
+            <p:blipFill>
+              <a:blip r:embed="rId7"/>
+              <a:stretch>
+                <a:fillRect/>
+              </a:stretch>
+            </p:blipFill>
+            <p:spPr>
+              <a:xfrm>
+                <a:off x="2557418" y="3282681"/>
+                <a:ext cx="423583" cy="395849"/>
+              </a:xfrm>
+              <a:prstGeom prst="rect">
+                <a:avLst/>
+              </a:prstGeom>
+            </p:spPr>
+          </p:pic>
+        </p:grpSp>
         <p:pic>
           <p:nvPicPr>
-            <p:cNvPr id="17" name="Image 16">
+            <p:cNvPr id="22" name="Image 21">
               <a:extLst>
                 <a:ext uri="{FF2B5EF4-FFF2-40B4-BE49-F238E27FC236}">
-                  <a16:creationId xmlns:a16="http://schemas.microsoft.com/office/drawing/2014/main" id="{5B225996-570C-C6A6-5434-384AE6BE10F6}"/>
+                  <a16:creationId xmlns:a16="http://schemas.microsoft.com/office/drawing/2014/main" id="{12C3BDEE-06D5-8D8F-A50C-D441F725C199}"/>
                 </a:ext>
               </a:extLst>
             </p:cNvPr>
@@ -13379,15 +13469,15 @@
             <p:nvPr/>
           </p:nvPicPr>
           <p:blipFill>
-            <a:blip r:embed="rId6"/>
+            <a:blip r:embed="rId8"/>
             <a:stretch>
               <a:fillRect/>
             </a:stretch>
           </p:blipFill>
           <p:spPr>
             <a:xfrm>
-              <a:off x="1116734" y="3135054"/>
-              <a:ext cx="2111996" cy="2212249"/>
+              <a:off x="1038444" y="4765981"/>
+              <a:ext cx="1070450" cy="1396239"/>
             </a:xfrm>
             <a:prstGeom prst="rect">
               <a:avLst/>
@@ -13396,10 +13486,10 @@
         </p:pic>
         <p:pic>
           <p:nvPicPr>
-            <p:cNvPr id="14" name="Image 13">
+            <p:cNvPr id="7" name="Image 6">
               <a:extLst>
                 <a:ext uri="{FF2B5EF4-FFF2-40B4-BE49-F238E27FC236}">
-                  <a16:creationId xmlns:a16="http://schemas.microsoft.com/office/drawing/2014/main" id="{2451E5E3-D456-F84B-D6F1-0C4E5031DE78}"/>
+                  <a16:creationId xmlns:a16="http://schemas.microsoft.com/office/drawing/2014/main" id="{5B0014D5-4828-429C-785F-EC3FDF83B38D}"/>
                 </a:ext>
               </a:extLst>
             </p:cNvPr>
@@ -13409,15 +13499,15 @@
             <p:nvPr/>
           </p:nvPicPr>
           <p:blipFill>
-            <a:blip r:embed="rId7"/>
+            <a:blip r:embed="rId9"/>
             <a:stretch>
               <a:fillRect/>
             </a:stretch>
           </p:blipFill>
           <p:spPr>
             <a:xfrm>
-              <a:off x="2557418" y="3282681"/>
-              <a:ext cx="423583" cy="395849"/>
+              <a:off x="3007986" y="4765981"/>
+              <a:ext cx="1070450" cy="1473928"/>
             </a:xfrm>
             <a:prstGeom prst="rect">
               <a:avLst/>
@@ -13425,66 +13515,6 @@
           </p:spPr>
         </p:pic>
       </p:grpSp>
-      <p:pic>
-        <p:nvPicPr>
-          <p:cNvPr id="22" name="Image 21">
-            <a:extLst>
-              <a:ext uri="{FF2B5EF4-FFF2-40B4-BE49-F238E27FC236}">
-                <a16:creationId xmlns:a16="http://schemas.microsoft.com/office/drawing/2014/main" id="{12C3BDEE-06D5-8D8F-A50C-D441F725C199}"/>
-              </a:ext>
-            </a:extLst>
-          </p:cNvPr>
-          <p:cNvPicPr>
-            <a:picLocks noChangeAspect="1"/>
-          </p:cNvPicPr>
-          <p:nvPr/>
-        </p:nvPicPr>
-        <p:blipFill>
-          <a:blip r:embed="rId8"/>
-          <a:stretch>
-            <a:fillRect/>
-          </a:stretch>
-        </p:blipFill>
-        <p:spPr>
-          <a:xfrm>
-            <a:off x="1038444" y="4765981"/>
-            <a:ext cx="1070450" cy="1396239"/>
-          </a:xfrm>
-          <a:prstGeom prst="rect">
-            <a:avLst/>
-          </a:prstGeom>
-        </p:spPr>
-      </p:pic>
-      <p:pic>
-        <p:nvPicPr>
-          <p:cNvPr id="7" name="Image 6">
-            <a:extLst>
-              <a:ext uri="{FF2B5EF4-FFF2-40B4-BE49-F238E27FC236}">
-                <a16:creationId xmlns:a16="http://schemas.microsoft.com/office/drawing/2014/main" id="{5B0014D5-4828-429C-785F-EC3FDF83B38D}"/>
-              </a:ext>
-            </a:extLst>
-          </p:cNvPr>
-          <p:cNvPicPr>
-            <a:picLocks noChangeAspect="1"/>
-          </p:cNvPicPr>
-          <p:nvPr/>
-        </p:nvPicPr>
-        <p:blipFill>
-          <a:blip r:embed="rId9"/>
-          <a:stretch>
-            <a:fillRect/>
-          </a:stretch>
-        </p:blipFill>
-        <p:spPr>
-          <a:xfrm>
-            <a:off x="3007986" y="4765981"/>
-            <a:ext cx="1070450" cy="1473928"/>
-          </a:xfrm>
-          <a:prstGeom prst="rect">
-            <a:avLst/>
-          </a:prstGeom>
-        </p:spPr>
-      </p:pic>
     </p:spTree>
     <p:extLst>
       <p:ext uri="{BB962C8B-B14F-4D97-AF65-F5344CB8AC3E}">
@@ -13529,142 +13559,7 @@
                                           </p:stCondLst>
                                         </p:cTn>
                                         <p:tgtEl>
-                                          <p:spTgt spid="18"/>
-                                        </p:tgtEl>
-                                        <p:attrNameLst>
-                                          <p:attrName>style.visibility</p:attrName>
-                                        </p:attrNameLst>
-                                      </p:cBhvr>
-                                      <p:to>
-                                        <p:strVal val="visible"/>
-                                      </p:to>
-                                    </p:set>
-                                  </p:childTnLst>
-                                </p:cTn>
-                              </p:par>
-                            </p:childTnLst>
-                          </p:cTn>
-                        </p:par>
-                      </p:childTnLst>
-                    </p:cTn>
-                  </p:par>
-                  <p:par>
-                    <p:cTn id="7" fill="hold">
-                      <p:stCondLst>
-                        <p:cond delay="indefinite"/>
-                      </p:stCondLst>
-                      <p:childTnLst>
-                        <p:par>
-                          <p:cTn id="8" fill="hold">
-                            <p:stCondLst>
-                              <p:cond delay="0"/>
-                            </p:stCondLst>
-                            <p:childTnLst>
-                              <p:par>
-                                <p:cTn id="9" presetID="1" presetClass="entr" presetSubtype="0" fill="hold" nodeType="clickEffect">
-                                  <p:stCondLst>
-                                    <p:cond delay="0"/>
-                                  </p:stCondLst>
-                                  <p:childTnLst>
-                                    <p:set>
-                                      <p:cBhvr>
-                                        <p:cTn id="10" dur="1" fill="hold">
-                                          <p:stCondLst>
-                                            <p:cond delay="0"/>
-                                          </p:stCondLst>
-                                        </p:cTn>
-                                        <p:tgtEl>
-                                          <p:spTgt spid="22"/>
-                                        </p:tgtEl>
-                                        <p:attrNameLst>
-                                          <p:attrName>style.visibility</p:attrName>
-                                        </p:attrNameLst>
-                                      </p:cBhvr>
-                                      <p:to>
-                                        <p:strVal val="visible"/>
-                                      </p:to>
-                                    </p:set>
-                                  </p:childTnLst>
-                                </p:cTn>
-                              </p:par>
-                            </p:childTnLst>
-                          </p:cTn>
-                        </p:par>
-                      </p:childTnLst>
-                    </p:cTn>
-                  </p:par>
-                  <p:par>
-                    <p:cTn id="11" fill="hold">
-                      <p:stCondLst>
-                        <p:cond delay="indefinite"/>
-                      </p:stCondLst>
-                      <p:childTnLst>
-                        <p:par>
-                          <p:cTn id="12" fill="hold">
-                            <p:stCondLst>
-                              <p:cond delay="0"/>
-                            </p:stCondLst>
-                            <p:childTnLst>
-                              <p:par>
-                                <p:cTn id="13" presetID="1" presetClass="entr" presetSubtype="0" fill="hold" nodeType="clickEffect">
-                                  <p:stCondLst>
-                                    <p:cond delay="0"/>
-                                  </p:stCondLst>
-                                  <p:childTnLst>
-                                    <p:set>
-                                      <p:cBhvr>
-                                        <p:cTn id="14" dur="1" fill="hold">
-                                          <p:stCondLst>
-                                            <p:cond delay="0"/>
-                                          </p:stCondLst>
-                                        </p:cTn>
-                                        <p:tgtEl>
-                                          <p:spTgt spid="7"/>
-                                        </p:tgtEl>
-                                        <p:attrNameLst>
-                                          <p:attrName>style.visibility</p:attrName>
-                                        </p:attrNameLst>
-                                      </p:cBhvr>
-                                      <p:to>
-                                        <p:strVal val="visible"/>
-                                      </p:to>
-                                    </p:set>
-                                  </p:childTnLst>
-                                </p:cTn>
-                              </p:par>
-                            </p:childTnLst>
-                          </p:cTn>
-                        </p:par>
-                      </p:childTnLst>
-                    </p:cTn>
-                  </p:par>
-                  <p:par>
-                    <p:cTn id="15" fill="hold">
-                      <p:stCondLst>
-                        <p:cond delay="indefinite"/>
-                      </p:stCondLst>
-                      <p:childTnLst>
-                        <p:par>
-                          <p:cTn id="16" fill="hold">
-                            <p:stCondLst>
-                              <p:cond delay="0"/>
-                            </p:stCondLst>
-                            <p:childTnLst>
-                              <p:par>
-                                <p:cTn id="17" presetID="1" presetClass="entr" presetSubtype="0" fill="hold" grpId="0" nodeType="clickEffect">
-                                  <p:stCondLst>
-                                    <p:cond delay="0"/>
-                                  </p:stCondLst>
-                                  <p:childTnLst>
-                                    <p:set>
-                                      <p:cBhvr>
-                                        <p:cTn id="18" dur="1" fill="hold">
-                                          <p:stCondLst>
-                                            <p:cond delay="0"/>
-                                          </p:stCondLst>
-                                        </p:cTn>
-                                        <p:tgtEl>
-                                          <p:spTgt spid="8"/>
+                                          <p:spTgt spid="3"/>
                                         </p:tgtEl>
                                         <p:attrNameLst>
                                           <p:attrName>style.visibility</p:attrName>
@@ -13704,9 +13599,6 @@
         </p:cTn>
       </p:par>
     </p:tnLst>
-    <p:bldLst>
-      <p:bldP spid="8" grpId="0"/>
-    </p:bldLst>
   </p:timing>
 </p:sld>
 </file>
@@ -13756,6 +13648,37 @@
           <a:prstGeom prst="rect">
             <a:avLst/>
           </a:prstGeom>
+          <a:ln>
+            <a:gradFill>
+              <a:gsLst>
+                <a:gs pos="0">
+                  <a:schemeClr val="accent1">
+                    <a:lumMod val="5000"/>
+                    <a:lumOff val="95000"/>
+                  </a:schemeClr>
+                </a:gs>
+                <a:gs pos="74000">
+                  <a:schemeClr val="accent1">
+                    <a:lumMod val="45000"/>
+                    <a:lumOff val="55000"/>
+                  </a:schemeClr>
+                </a:gs>
+                <a:gs pos="83000">
+                  <a:schemeClr val="accent1">
+                    <a:lumMod val="45000"/>
+                    <a:lumOff val="55000"/>
+                  </a:schemeClr>
+                </a:gs>
+                <a:gs pos="100000">
+                  <a:schemeClr val="accent1">
+                    <a:lumMod val="30000"/>
+                    <a:lumOff val="70000"/>
+                  </a:schemeClr>
+                </a:gs>
+              </a:gsLst>
+              <a:lin ang="5400000" scaled="1"/>
+            </a:gradFill>
+          </a:ln>
         </p:spPr>
       </p:pic>
       <p:sp>
@@ -13812,10 +13735,10 @@
       </p:sp>
       <p:pic>
         <p:nvPicPr>
-          <p:cNvPr id="4" name="Image 3">
+          <p:cNvPr id="5" name="Image 4">
             <a:extLst>
               <a:ext uri="{FF2B5EF4-FFF2-40B4-BE49-F238E27FC236}">
-                <a16:creationId xmlns:a16="http://schemas.microsoft.com/office/drawing/2014/main" id="{46912FBB-1D1C-43E0-6C99-C28504BF0F46}"/>
+                <a16:creationId xmlns:a16="http://schemas.microsoft.com/office/drawing/2014/main" id="{8BC1404C-CCE9-48CB-3645-C9B87B9B833E}"/>
               </a:ext>
             </a:extLst>
           </p:cNvPr>
@@ -13832,12 +13755,43 @@
         </p:blipFill>
         <p:spPr>
           <a:xfrm>
-            <a:off x="5403810" y="2167127"/>
-            <a:ext cx="5877406" cy="3835256"/>
+            <a:off x="5532094" y="2725180"/>
+            <a:ext cx="5602666" cy="3678249"/>
           </a:xfrm>
           <a:prstGeom prst="rect">
             <a:avLst/>
           </a:prstGeom>
+          <a:ln>
+            <a:gradFill>
+              <a:gsLst>
+                <a:gs pos="0">
+                  <a:schemeClr val="accent1">
+                    <a:lumMod val="5000"/>
+                    <a:lumOff val="95000"/>
+                  </a:schemeClr>
+                </a:gs>
+                <a:gs pos="74000">
+                  <a:schemeClr val="accent1">
+                    <a:lumMod val="45000"/>
+                    <a:lumOff val="55000"/>
+                  </a:schemeClr>
+                </a:gs>
+                <a:gs pos="83000">
+                  <a:schemeClr val="accent1">
+                    <a:lumMod val="45000"/>
+                    <a:lumOff val="55000"/>
+                  </a:schemeClr>
+                </a:gs>
+                <a:gs pos="100000">
+                  <a:schemeClr val="accent1">
+                    <a:lumMod val="30000"/>
+                    <a:lumOff val="70000"/>
+                  </a:schemeClr>
+                </a:gs>
+              </a:gsLst>
+              <a:lin ang="5400000" scaled="1"/>
+            </a:gradFill>
+          </a:ln>
         </p:spPr>
       </p:pic>
     </p:spTree>
@@ -13850,81 +13804,6 @@
   <p:clrMapOvr>
     <a:masterClrMapping/>
   </p:clrMapOvr>
-  <p:timing>
-    <p:tnLst>
-      <p:par>
-        <p:cTn id="1" dur="indefinite" restart="never" nodeType="tmRoot">
-          <p:childTnLst>
-            <p:seq concurrent="1" nextAc="seek">
-              <p:cTn id="2" dur="indefinite" nodeType="mainSeq">
-                <p:childTnLst>
-                  <p:par>
-                    <p:cTn id="3" fill="hold">
-                      <p:stCondLst>
-                        <p:cond delay="indefinite"/>
-                      </p:stCondLst>
-                      <p:childTnLst>
-                        <p:par>
-                          <p:cTn id="4" fill="hold">
-                            <p:stCondLst>
-                              <p:cond delay="0"/>
-                            </p:stCondLst>
-                            <p:childTnLst>
-                              <p:par>
-                                <p:cTn id="5" presetID="1" presetClass="entr" presetSubtype="0" fill="hold" nodeType="clickEffect">
-                                  <p:stCondLst>
-                                    <p:cond delay="0"/>
-                                  </p:stCondLst>
-                                  <p:childTnLst>
-                                    <p:set>
-                                      <p:cBhvr>
-                                        <p:cTn id="6" dur="1" fill="hold">
-                                          <p:stCondLst>
-                                            <p:cond delay="0"/>
-                                          </p:stCondLst>
-                                        </p:cTn>
-                                        <p:tgtEl>
-                                          <p:spTgt spid="4"/>
-                                        </p:tgtEl>
-                                        <p:attrNameLst>
-                                          <p:attrName>style.visibility</p:attrName>
-                                        </p:attrNameLst>
-                                      </p:cBhvr>
-                                      <p:to>
-                                        <p:strVal val="visible"/>
-                                      </p:to>
-                                    </p:set>
-                                  </p:childTnLst>
-                                </p:cTn>
-                              </p:par>
-                            </p:childTnLst>
-                          </p:cTn>
-                        </p:par>
-                      </p:childTnLst>
-                    </p:cTn>
-                  </p:par>
-                </p:childTnLst>
-              </p:cTn>
-              <p:prevCondLst>
-                <p:cond evt="onPrev" delay="0">
-                  <p:tgtEl>
-                    <p:sldTgt/>
-                  </p:tgtEl>
-                </p:cond>
-              </p:prevCondLst>
-              <p:nextCondLst>
-                <p:cond evt="onNext" delay="0">
-                  <p:tgtEl>
-                    <p:sldTgt/>
-                  </p:tgtEl>
-                </p:cond>
-              </p:nextCondLst>
-            </p:seq>
-          </p:childTnLst>
-        </p:cTn>
-      </p:par>
-    </p:tnLst>
-  </p:timing>
 </p:sld>
 </file>
 
@@ -14096,12 +13975,43 @@
         </p:blipFill>
         <p:spPr>
           <a:xfrm>
-            <a:off x="728620" y="1758560"/>
+            <a:off x="728620" y="1863152"/>
             <a:ext cx="5698197" cy="3895303"/>
           </a:xfrm>
           <a:prstGeom prst="rect">
             <a:avLst/>
           </a:prstGeom>
+          <a:ln>
+            <a:gradFill>
+              <a:gsLst>
+                <a:gs pos="0">
+                  <a:schemeClr val="accent1">
+                    <a:lumMod val="5000"/>
+                    <a:lumOff val="95000"/>
+                  </a:schemeClr>
+                </a:gs>
+                <a:gs pos="74000">
+                  <a:schemeClr val="accent1">
+                    <a:lumMod val="45000"/>
+                    <a:lumOff val="55000"/>
+                  </a:schemeClr>
+                </a:gs>
+                <a:gs pos="83000">
+                  <a:schemeClr val="accent1">
+                    <a:lumMod val="45000"/>
+                    <a:lumOff val="55000"/>
+                  </a:schemeClr>
+                </a:gs>
+                <a:gs pos="100000">
+                  <a:schemeClr val="accent1">
+                    <a:lumMod val="30000"/>
+                    <a:lumOff val="70000"/>
+                  </a:schemeClr>
+                </a:gs>
+              </a:gsLst>
+              <a:lin ang="5400000" scaled="1"/>
+            </a:gradFill>
+          </a:ln>
         </p:spPr>
       </p:pic>
     </p:spTree>
@@ -17135,7 +17045,7 @@
         <p:spPr>
           <a:xfrm>
             <a:off x="6375160" y="3436620"/>
-            <a:ext cx="3281860" cy="400110"/>
+            <a:ext cx="3278526" cy="400110"/>
           </a:xfrm>
           <a:prstGeom prst="rect">
             <a:avLst/>
@@ -17150,7 +17060,7 @@
           <a:p>
             <a:r>
               <a:rPr lang="fr-FR" sz="2000" dirty="0"/>
-              <a:t>Tests via l’interface utilisateur</a:t>
+              <a:t>Tests via l’interface graphique</a:t>
             </a:r>
           </a:p>
         </p:txBody>
@@ -19118,6 +19028,1531 @@
           <a:chExt cx="0" cy="0"/>
         </a:xfrm>
       </p:grpSpPr>
+      <p:pic>
+        <p:nvPicPr>
+          <p:cNvPr id="5" name="Image 4">
+            <a:extLst>
+              <a:ext uri="{FF2B5EF4-FFF2-40B4-BE49-F238E27FC236}">
+                <a16:creationId xmlns:a16="http://schemas.microsoft.com/office/drawing/2014/main" id="{CE9CB03D-F158-AC10-AD56-F0F6591FDBE2}"/>
+              </a:ext>
+            </a:extLst>
+          </p:cNvPr>
+          <p:cNvPicPr>
+            <a:picLocks noChangeAspect="1"/>
+          </p:cNvPicPr>
+          <p:nvPr/>
+        </p:nvPicPr>
+        <p:blipFill>
+          <a:blip r:embed="rId2"/>
+          <a:stretch>
+            <a:fillRect/>
+          </a:stretch>
+        </p:blipFill>
+        <p:spPr>
+          <a:xfrm>
+            <a:off x="274319" y="3815001"/>
+            <a:ext cx="9908178" cy="2459803"/>
+          </a:xfrm>
+          <a:prstGeom prst="rect">
+            <a:avLst/>
+          </a:prstGeom>
+        </p:spPr>
+      </p:pic>
+      <p:pic>
+        <p:nvPicPr>
+          <p:cNvPr id="9" name="Image 8">
+            <a:extLst>
+              <a:ext uri="{FF2B5EF4-FFF2-40B4-BE49-F238E27FC236}">
+                <a16:creationId xmlns:a16="http://schemas.microsoft.com/office/drawing/2014/main" id="{5016F2A8-C8C1-F1B2-E592-0DDEC64DD1EE}"/>
+              </a:ext>
+            </a:extLst>
+          </p:cNvPr>
+          <p:cNvPicPr>
+            <a:picLocks noChangeAspect="1"/>
+          </p:cNvPicPr>
+          <p:nvPr/>
+        </p:nvPicPr>
+        <p:blipFill>
+          <a:blip r:embed="rId3"/>
+          <a:stretch>
+            <a:fillRect/>
+          </a:stretch>
+        </p:blipFill>
+        <p:spPr>
+          <a:xfrm>
+            <a:off x="169817" y="349077"/>
+            <a:ext cx="10091057" cy="3308672"/>
+          </a:xfrm>
+          <a:prstGeom prst="rect">
+            <a:avLst/>
+          </a:prstGeom>
+        </p:spPr>
+      </p:pic>
+    </p:spTree>
+    <p:extLst>
+      <p:ext uri="{BB962C8B-B14F-4D97-AF65-F5344CB8AC3E}">
+        <p14:creationId xmlns:p14="http://schemas.microsoft.com/office/powerpoint/2010/main" val="1913334715"/>
+      </p:ext>
+    </p:extLst>
+  </p:cSld>
+  <p:clrMapOvr>
+    <a:masterClrMapping/>
+  </p:clrMapOvr>
+</p:sld>
+</file>
+
+<file path=ppt/slides/slide24.xml><?xml version="1.0" encoding="utf-8"?>
+<p:sld xmlns:a="http://schemas.openxmlformats.org/drawingml/2006/main" xmlns:r="http://schemas.openxmlformats.org/officeDocument/2006/relationships" xmlns:p="http://schemas.openxmlformats.org/presentationml/2006/main">
+  <p:cSld>
+    <p:spTree>
+      <p:nvGrpSpPr>
+        <p:cNvPr id="1" name=""/>
+        <p:cNvGrpSpPr/>
+        <p:nvPr/>
+      </p:nvGrpSpPr>
+      <p:grpSpPr>
+        <a:xfrm>
+          <a:off x="0" y="0"/>
+          <a:ext cx="0" cy="0"/>
+          <a:chOff x="0" y="0"/>
+          <a:chExt cx="0" cy="0"/>
+        </a:xfrm>
+      </p:grpSpPr>
+      <p:pic>
+        <p:nvPicPr>
+          <p:cNvPr id="3" name="Image 2">
+            <a:extLst>
+              <a:ext uri="{FF2B5EF4-FFF2-40B4-BE49-F238E27FC236}">
+                <a16:creationId xmlns:a16="http://schemas.microsoft.com/office/drawing/2014/main" id="{FCB23749-6DBE-1CBF-D459-A23429B7AAD5}"/>
+              </a:ext>
+            </a:extLst>
+          </p:cNvPr>
+          <p:cNvPicPr>
+            <a:picLocks noChangeAspect="1"/>
+          </p:cNvPicPr>
+          <p:nvPr/>
+        </p:nvPicPr>
+        <p:blipFill>
+          <a:blip r:embed="rId2"/>
+          <a:stretch>
+            <a:fillRect/>
+          </a:stretch>
+        </p:blipFill>
+        <p:spPr>
+          <a:xfrm>
+            <a:off x="640080" y="322381"/>
+            <a:ext cx="9768840" cy="3416051"/>
+          </a:xfrm>
+          <a:prstGeom prst="rect">
+            <a:avLst/>
+          </a:prstGeom>
+        </p:spPr>
+      </p:pic>
+      <p:pic>
+        <p:nvPicPr>
+          <p:cNvPr id="8" name="Image 7">
+            <a:extLst>
+              <a:ext uri="{FF2B5EF4-FFF2-40B4-BE49-F238E27FC236}">
+                <a16:creationId xmlns:a16="http://schemas.microsoft.com/office/drawing/2014/main" id="{FD45A9A1-0CB3-E9E5-F0A2-34A500BCF2E4}"/>
+              </a:ext>
+            </a:extLst>
+          </p:cNvPr>
+          <p:cNvPicPr>
+            <a:picLocks noChangeAspect="1"/>
+          </p:cNvPicPr>
+          <p:nvPr/>
+        </p:nvPicPr>
+        <p:blipFill>
+          <a:blip r:embed="rId3"/>
+          <a:stretch>
+            <a:fillRect/>
+          </a:stretch>
+        </p:blipFill>
+        <p:spPr>
+          <a:xfrm>
+            <a:off x="640080" y="3978716"/>
+            <a:ext cx="9768840" cy="2438400"/>
+          </a:xfrm>
+          <a:prstGeom prst="rect">
+            <a:avLst/>
+          </a:prstGeom>
+        </p:spPr>
+      </p:pic>
+    </p:spTree>
+    <p:extLst>
+      <p:ext uri="{BB962C8B-B14F-4D97-AF65-F5344CB8AC3E}">
+        <p14:creationId xmlns:p14="http://schemas.microsoft.com/office/powerpoint/2010/main" val="106865619"/>
+      </p:ext>
+    </p:extLst>
+  </p:cSld>
+  <p:clrMapOvr>
+    <a:masterClrMapping/>
+  </p:clrMapOvr>
+</p:sld>
+</file>
+
+<file path=ppt/slides/slide25.xml><?xml version="1.0" encoding="utf-8"?>
+<p:sld xmlns:a="http://schemas.openxmlformats.org/drawingml/2006/main" xmlns:r="http://schemas.openxmlformats.org/officeDocument/2006/relationships" xmlns:p="http://schemas.openxmlformats.org/presentationml/2006/main">
+  <p:cSld>
+    <p:spTree>
+      <p:nvGrpSpPr>
+        <p:cNvPr id="1" name=""/>
+        <p:cNvGrpSpPr/>
+        <p:nvPr/>
+      </p:nvGrpSpPr>
+      <p:grpSpPr>
+        <a:xfrm>
+          <a:off x="0" y="0"/>
+          <a:ext cx="0" cy="0"/>
+          <a:chOff x="0" y="0"/>
+          <a:chExt cx="0" cy="0"/>
+        </a:xfrm>
+      </p:grpSpPr>
+      <p:pic>
+        <p:nvPicPr>
+          <p:cNvPr id="5" name="Image 4">
+            <a:extLst>
+              <a:ext uri="{FF2B5EF4-FFF2-40B4-BE49-F238E27FC236}">
+                <a16:creationId xmlns:a16="http://schemas.microsoft.com/office/drawing/2014/main" id="{D36FC121-4BDA-2618-63C4-F93926B8A24E}"/>
+              </a:ext>
+            </a:extLst>
+          </p:cNvPr>
+          <p:cNvPicPr>
+            <a:picLocks noChangeAspect="1"/>
+          </p:cNvPicPr>
+          <p:nvPr/>
+        </p:nvPicPr>
+        <p:blipFill>
+          <a:blip r:embed="rId2"/>
+          <a:stretch>
+            <a:fillRect/>
+          </a:stretch>
+        </p:blipFill>
+        <p:spPr>
+          <a:xfrm>
+            <a:off x="542107" y="339286"/>
+            <a:ext cx="8756469" cy="3089714"/>
+          </a:xfrm>
+          <a:prstGeom prst="rect">
+            <a:avLst/>
+          </a:prstGeom>
+        </p:spPr>
+      </p:pic>
+      <p:pic>
+        <p:nvPicPr>
+          <p:cNvPr id="7" name="Image 6">
+            <a:extLst>
+              <a:ext uri="{FF2B5EF4-FFF2-40B4-BE49-F238E27FC236}">
+                <a16:creationId xmlns:a16="http://schemas.microsoft.com/office/drawing/2014/main" id="{4C9BC356-976A-872D-2B40-E0AB84988608}"/>
+              </a:ext>
+            </a:extLst>
+          </p:cNvPr>
+          <p:cNvPicPr>
+            <a:picLocks noChangeAspect="1"/>
+          </p:cNvPicPr>
+          <p:nvPr/>
+        </p:nvPicPr>
+        <p:blipFill>
+          <a:blip r:embed="rId3"/>
+          <a:stretch>
+            <a:fillRect/>
+          </a:stretch>
+        </p:blipFill>
+        <p:spPr>
+          <a:xfrm>
+            <a:off x="542107" y="3626924"/>
+            <a:ext cx="7903029" cy="2963636"/>
+          </a:xfrm>
+          <a:prstGeom prst="rect">
+            <a:avLst/>
+          </a:prstGeom>
+        </p:spPr>
+      </p:pic>
+    </p:spTree>
+    <p:extLst>
+      <p:ext uri="{BB962C8B-B14F-4D97-AF65-F5344CB8AC3E}">
+        <p14:creationId xmlns:p14="http://schemas.microsoft.com/office/powerpoint/2010/main" val="2393273829"/>
+      </p:ext>
+    </p:extLst>
+  </p:cSld>
+  <p:clrMapOvr>
+    <a:masterClrMapping/>
+  </p:clrMapOvr>
+</p:sld>
+</file>
+
+<file path=ppt/slides/slide26.xml><?xml version="1.0" encoding="utf-8"?>
+<p:sld xmlns:a="http://schemas.openxmlformats.org/drawingml/2006/main" xmlns:r="http://schemas.openxmlformats.org/officeDocument/2006/relationships" xmlns:p="http://schemas.openxmlformats.org/presentationml/2006/main">
+  <p:cSld>
+    <p:spTree>
+      <p:nvGrpSpPr>
+        <p:cNvPr id="1" name=""/>
+        <p:cNvGrpSpPr/>
+        <p:nvPr/>
+      </p:nvGrpSpPr>
+      <p:grpSpPr>
+        <a:xfrm>
+          <a:off x="0" y="0"/>
+          <a:ext cx="0" cy="0"/>
+          <a:chOff x="0" y="0"/>
+          <a:chExt cx="0" cy="0"/>
+        </a:xfrm>
+      </p:grpSpPr>
+      <p:pic>
+        <p:nvPicPr>
+          <p:cNvPr id="3" name="Image 2">
+            <a:extLst>
+              <a:ext uri="{FF2B5EF4-FFF2-40B4-BE49-F238E27FC236}">
+                <a16:creationId xmlns:a16="http://schemas.microsoft.com/office/drawing/2014/main" id="{C6A55667-254A-7A55-5AB1-7BFC33CDF980}"/>
+              </a:ext>
+            </a:extLst>
+          </p:cNvPr>
+          <p:cNvPicPr>
+            <a:picLocks noChangeAspect="1"/>
+          </p:cNvPicPr>
+          <p:nvPr/>
+        </p:nvPicPr>
+        <p:blipFill>
+          <a:blip r:embed="rId2"/>
+          <a:stretch>
+            <a:fillRect/>
+          </a:stretch>
+        </p:blipFill>
+        <p:spPr>
+          <a:xfrm>
+            <a:off x="1123405" y="694639"/>
+            <a:ext cx="9274489" cy="2512293"/>
+          </a:xfrm>
+          <a:prstGeom prst="rect">
+            <a:avLst/>
+          </a:prstGeom>
+        </p:spPr>
+      </p:pic>
+    </p:spTree>
+    <p:extLst>
+      <p:ext uri="{BB962C8B-B14F-4D97-AF65-F5344CB8AC3E}">
+        <p14:creationId xmlns:p14="http://schemas.microsoft.com/office/powerpoint/2010/main" val="1680771002"/>
+      </p:ext>
+    </p:extLst>
+  </p:cSld>
+  <p:clrMapOvr>
+    <a:masterClrMapping/>
+  </p:clrMapOvr>
+</p:sld>
+</file>
+
+<file path=ppt/slides/slide27.xml><?xml version="1.0" encoding="utf-8"?>
+<p:sld xmlns:a="http://schemas.openxmlformats.org/drawingml/2006/main" xmlns:r="http://schemas.openxmlformats.org/officeDocument/2006/relationships" xmlns:p="http://schemas.openxmlformats.org/presentationml/2006/main">
+  <p:cSld>
+    <p:spTree>
+      <p:nvGrpSpPr>
+        <p:cNvPr id="1" name=""/>
+        <p:cNvGrpSpPr/>
+        <p:nvPr/>
+      </p:nvGrpSpPr>
+      <p:grpSpPr>
+        <a:xfrm>
+          <a:off x="0" y="0"/>
+          <a:ext cx="0" cy="0"/>
+          <a:chOff x="0" y="0"/>
+          <a:chExt cx="0" cy="0"/>
+        </a:xfrm>
+      </p:grpSpPr>
+      <p:pic>
+        <p:nvPicPr>
+          <p:cNvPr id="3" name="Image 2">
+            <a:extLst>
+              <a:ext uri="{FF2B5EF4-FFF2-40B4-BE49-F238E27FC236}">
+                <a16:creationId xmlns:a16="http://schemas.microsoft.com/office/drawing/2014/main" id="{1C60E780-0FA9-8BBA-89BE-D53E8821AD60}"/>
+              </a:ext>
+            </a:extLst>
+          </p:cNvPr>
+          <p:cNvPicPr>
+            <a:picLocks noChangeAspect="1"/>
+          </p:cNvPicPr>
+          <p:nvPr/>
+        </p:nvPicPr>
+        <p:blipFill>
+          <a:blip r:embed="rId2"/>
+          <a:stretch>
+            <a:fillRect/>
+          </a:stretch>
+        </p:blipFill>
+        <p:spPr>
+          <a:xfrm>
+            <a:off x="298676" y="227511"/>
+            <a:ext cx="7338867" cy="3534591"/>
+          </a:xfrm>
+          <a:prstGeom prst="rect">
+            <a:avLst/>
+          </a:prstGeom>
+        </p:spPr>
+      </p:pic>
+      <p:pic>
+        <p:nvPicPr>
+          <p:cNvPr id="5" name="Image 4">
+            <a:extLst>
+              <a:ext uri="{FF2B5EF4-FFF2-40B4-BE49-F238E27FC236}">
+                <a16:creationId xmlns:a16="http://schemas.microsoft.com/office/drawing/2014/main" id="{17927ADE-9EEE-87F9-6809-7C51386B369A}"/>
+              </a:ext>
+            </a:extLst>
+          </p:cNvPr>
+          <p:cNvPicPr>
+            <a:picLocks noChangeAspect="1"/>
+          </p:cNvPicPr>
+          <p:nvPr/>
+        </p:nvPicPr>
+        <p:blipFill>
+          <a:blip r:embed="rId3"/>
+          <a:stretch>
+            <a:fillRect/>
+          </a:stretch>
+        </p:blipFill>
+        <p:spPr>
+          <a:xfrm>
+            <a:off x="5087982" y="2893423"/>
+            <a:ext cx="6778767" cy="3683997"/>
+          </a:xfrm>
+          <a:prstGeom prst="rect">
+            <a:avLst/>
+          </a:prstGeom>
+        </p:spPr>
+      </p:pic>
+    </p:spTree>
+    <p:extLst>
+      <p:ext uri="{BB962C8B-B14F-4D97-AF65-F5344CB8AC3E}">
+        <p14:creationId xmlns:p14="http://schemas.microsoft.com/office/powerpoint/2010/main" val="2358575006"/>
+      </p:ext>
+    </p:extLst>
+  </p:cSld>
+  <p:clrMapOvr>
+    <a:masterClrMapping/>
+  </p:clrMapOvr>
+</p:sld>
+</file>
+
+<file path=ppt/slides/slide28.xml><?xml version="1.0" encoding="utf-8"?>
+<p:sld xmlns:a="http://schemas.openxmlformats.org/drawingml/2006/main" xmlns:r="http://schemas.openxmlformats.org/officeDocument/2006/relationships" xmlns:p="http://schemas.openxmlformats.org/presentationml/2006/main">
+  <p:cSld>
+    <p:spTree>
+      <p:nvGrpSpPr>
+        <p:cNvPr id="1" name=""/>
+        <p:cNvGrpSpPr/>
+        <p:nvPr/>
+      </p:nvGrpSpPr>
+      <p:grpSpPr>
+        <a:xfrm>
+          <a:off x="0" y="0"/>
+          <a:ext cx="0" cy="0"/>
+          <a:chOff x="0" y="0"/>
+          <a:chExt cx="0" cy="0"/>
+        </a:xfrm>
+      </p:grpSpPr>
+      <p:pic>
+        <p:nvPicPr>
+          <p:cNvPr id="6" name="Image 5">
+            <a:extLst>
+              <a:ext uri="{FF2B5EF4-FFF2-40B4-BE49-F238E27FC236}">
+                <a16:creationId xmlns:a16="http://schemas.microsoft.com/office/drawing/2014/main" id="{A86AA22C-05A0-35C3-FC9D-827BB696C058}"/>
+              </a:ext>
+            </a:extLst>
+          </p:cNvPr>
+          <p:cNvPicPr>
+            <a:picLocks noChangeAspect="1"/>
+          </p:cNvPicPr>
+          <p:nvPr/>
+        </p:nvPicPr>
+        <p:blipFill>
+          <a:blip r:embed="rId2"/>
+          <a:stretch>
+            <a:fillRect/>
+          </a:stretch>
+        </p:blipFill>
+        <p:spPr>
+          <a:xfrm>
+            <a:off x="5055325" y="2847703"/>
+            <a:ext cx="7005383" cy="3318917"/>
+          </a:xfrm>
+          <a:prstGeom prst="rect">
+            <a:avLst/>
+          </a:prstGeom>
+        </p:spPr>
+      </p:pic>
+      <p:pic>
+        <p:nvPicPr>
+          <p:cNvPr id="4" name="Image 3">
+            <a:extLst>
+              <a:ext uri="{FF2B5EF4-FFF2-40B4-BE49-F238E27FC236}">
+                <a16:creationId xmlns:a16="http://schemas.microsoft.com/office/drawing/2014/main" id="{01197EDC-65E4-984C-46FD-E1DA4DB7F47D}"/>
+              </a:ext>
+            </a:extLst>
+          </p:cNvPr>
+          <p:cNvPicPr>
+            <a:picLocks noChangeAspect="1"/>
+          </p:cNvPicPr>
+          <p:nvPr/>
+        </p:nvPicPr>
+        <p:blipFill>
+          <a:blip r:embed="rId3"/>
+          <a:stretch>
+            <a:fillRect/>
+          </a:stretch>
+        </p:blipFill>
+        <p:spPr>
+          <a:xfrm>
+            <a:off x="534880" y="476793"/>
+            <a:ext cx="6331497" cy="3807823"/>
+          </a:xfrm>
+          <a:prstGeom prst="rect">
+            <a:avLst/>
+          </a:prstGeom>
+        </p:spPr>
+      </p:pic>
+    </p:spTree>
+    <p:extLst>
+      <p:ext uri="{BB962C8B-B14F-4D97-AF65-F5344CB8AC3E}">
+        <p14:creationId xmlns:p14="http://schemas.microsoft.com/office/powerpoint/2010/main" val="3291873354"/>
+      </p:ext>
+    </p:extLst>
+  </p:cSld>
+  <p:clrMapOvr>
+    <a:masterClrMapping/>
+  </p:clrMapOvr>
+</p:sld>
+</file>
+
+<file path=ppt/slides/slide29.xml><?xml version="1.0" encoding="utf-8"?>
+<p:sld xmlns:a="http://schemas.openxmlformats.org/drawingml/2006/main" xmlns:r="http://schemas.openxmlformats.org/officeDocument/2006/relationships" xmlns:p="http://schemas.openxmlformats.org/presentationml/2006/main">
+  <p:cSld>
+    <p:spTree>
+      <p:nvGrpSpPr>
+        <p:cNvPr id="1" name=""/>
+        <p:cNvGrpSpPr/>
+        <p:nvPr/>
+      </p:nvGrpSpPr>
+      <p:grpSpPr>
+        <a:xfrm>
+          <a:off x="0" y="0"/>
+          <a:ext cx="0" cy="0"/>
+          <a:chOff x="0" y="0"/>
+          <a:chExt cx="0" cy="0"/>
+        </a:xfrm>
+      </p:grpSpPr>
+      <p:pic>
+        <p:nvPicPr>
+          <p:cNvPr id="5" name="Image 4">
+            <a:extLst>
+              <a:ext uri="{FF2B5EF4-FFF2-40B4-BE49-F238E27FC236}">
+                <a16:creationId xmlns:a16="http://schemas.microsoft.com/office/drawing/2014/main" id="{07F84FC9-AA2A-E77A-71C4-487E7C000632}"/>
+              </a:ext>
+            </a:extLst>
+          </p:cNvPr>
+          <p:cNvPicPr>
+            <a:picLocks noChangeAspect="1"/>
+          </p:cNvPicPr>
+          <p:nvPr/>
+        </p:nvPicPr>
+        <p:blipFill>
+          <a:blip r:embed="rId2"/>
+          <a:stretch>
+            <a:fillRect/>
+          </a:stretch>
+        </p:blipFill>
+        <p:spPr>
+          <a:xfrm>
+            <a:off x="5347055" y="2945675"/>
+            <a:ext cx="6757211" cy="3566159"/>
+          </a:xfrm>
+          <a:prstGeom prst="rect">
+            <a:avLst/>
+          </a:prstGeom>
+        </p:spPr>
+      </p:pic>
+      <p:pic>
+        <p:nvPicPr>
+          <p:cNvPr id="3" name="Image 2">
+            <a:extLst>
+              <a:ext uri="{FF2B5EF4-FFF2-40B4-BE49-F238E27FC236}">
+                <a16:creationId xmlns:a16="http://schemas.microsoft.com/office/drawing/2014/main" id="{BC871AE0-D424-E39D-239C-64A563E0E9DA}"/>
+              </a:ext>
+            </a:extLst>
+          </p:cNvPr>
+          <p:cNvPicPr>
+            <a:picLocks noChangeAspect="1"/>
+          </p:cNvPicPr>
+          <p:nvPr/>
+        </p:nvPicPr>
+        <p:blipFill>
+          <a:blip r:embed="rId3"/>
+          <a:stretch>
+            <a:fillRect/>
+          </a:stretch>
+        </p:blipFill>
+        <p:spPr>
+          <a:xfrm>
+            <a:off x="65314" y="59082"/>
+            <a:ext cx="6996704" cy="4062249"/>
+          </a:xfrm>
+          <a:prstGeom prst="rect">
+            <a:avLst/>
+          </a:prstGeom>
+        </p:spPr>
+      </p:pic>
+    </p:spTree>
+    <p:extLst>
+      <p:ext uri="{BB962C8B-B14F-4D97-AF65-F5344CB8AC3E}">
+        <p14:creationId xmlns:p14="http://schemas.microsoft.com/office/powerpoint/2010/main" val="3507887513"/>
+      </p:ext>
+    </p:extLst>
+  </p:cSld>
+  <p:clrMapOvr>
+    <a:masterClrMapping/>
+  </p:clrMapOvr>
+</p:sld>
+</file>
+
+<file path=ppt/slides/slide3.xml><?xml version="1.0" encoding="utf-8"?>
+<p:sld xmlns:a="http://schemas.openxmlformats.org/drawingml/2006/main" xmlns:r="http://schemas.openxmlformats.org/officeDocument/2006/relationships" xmlns:p="http://schemas.openxmlformats.org/presentationml/2006/main">
+  <p:cSld>
+    <p:bg>
+      <p:bgPr>
+        <a:solidFill>
+          <a:schemeClr val="bg1"/>
+        </a:solidFill>
+        <a:effectLst/>
+      </p:bgPr>
+    </p:bg>
+    <p:spTree>
+      <p:nvGrpSpPr>
+        <p:cNvPr id="1" name=""/>
+        <p:cNvGrpSpPr/>
+        <p:nvPr/>
+      </p:nvGrpSpPr>
+      <p:grpSpPr>
+        <a:xfrm>
+          <a:off x="0" y="0"/>
+          <a:ext cx="0" cy="0"/>
+          <a:chOff x="0" y="0"/>
+          <a:chExt cx="0" cy="0"/>
+        </a:xfrm>
+      </p:grpSpPr>
+      <p:sp>
+        <p:nvSpPr>
+          <p:cNvPr id="2" name="Titre 1">
+            <a:extLst>
+              <a:ext uri="{FF2B5EF4-FFF2-40B4-BE49-F238E27FC236}">
+                <a16:creationId xmlns:a16="http://schemas.microsoft.com/office/drawing/2014/main" id="{099E2E77-954A-DD7C-99BF-B9521D1A2115}"/>
+              </a:ext>
+            </a:extLst>
+          </p:cNvPr>
+          <p:cNvSpPr>
+            <a:spLocks noGrp="1"/>
+          </p:cNvSpPr>
+          <p:nvPr>
+            <p:ph type="title"/>
+          </p:nvPr>
+        </p:nvSpPr>
+        <p:spPr>
+          <a:xfrm>
+            <a:off x="904876" y="909855"/>
+            <a:ext cx="3264290" cy="733942"/>
+          </a:xfrm>
+        </p:spPr>
+        <p:txBody>
+          <a:bodyPr vert="horz" lIns="91440" tIns="45720" rIns="91440" bIns="45720" rtlCol="0" anchor="b">
+            <a:normAutofit/>
+          </a:bodyPr>
+          <a:lstStyle/>
+          <a:p>
+            <a:r>
+              <a:rPr lang="en-US" sz="4000" dirty="0">
+                <a:gradFill flip="none" rotWithShape="1">
+                  <a:gsLst>
+                    <a:gs pos="0">
+                      <a:schemeClr val="accent5">
+                        <a:alpha val="70000"/>
+                      </a:schemeClr>
+                    </a:gs>
+                    <a:gs pos="100000">
+                      <a:schemeClr val="accent1">
+                        <a:alpha val="70000"/>
+                      </a:schemeClr>
+                    </a:gs>
+                  </a:gsLst>
+                  <a:lin ang="0" scaled="1"/>
+                  <a:tileRect/>
+                </a:gradFill>
+              </a:rPr>
+              <a:t>Use case</a:t>
+            </a:r>
+          </a:p>
+        </p:txBody>
+      </p:sp>
+      <p:sp>
+        <p:nvSpPr>
+          <p:cNvPr id="5" name="ZoneTexte 4">
+            <a:extLst>
+              <a:ext uri="{FF2B5EF4-FFF2-40B4-BE49-F238E27FC236}">
+                <a16:creationId xmlns:a16="http://schemas.microsoft.com/office/drawing/2014/main" id="{32A189A6-DB59-24BA-0818-C111E109B6A5}"/>
+              </a:ext>
+            </a:extLst>
+          </p:cNvPr>
+          <p:cNvSpPr txBox="1"/>
+          <p:nvPr/>
+        </p:nvSpPr>
+        <p:spPr>
+          <a:xfrm>
+            <a:off x="1086301" y="3456722"/>
+            <a:ext cx="3082864" cy="250774"/>
+          </a:xfrm>
+          <a:prstGeom prst="rect">
+            <a:avLst/>
+          </a:prstGeom>
+          <a:noFill/>
+        </p:spPr>
+        <p:txBody>
+          <a:bodyPr wrap="square">
+            <a:spAutoFit/>
+          </a:bodyPr>
+          <a:lstStyle/>
+          <a:p>
+            <a:pPr>
+              <a:lnSpc>
+                <a:spcPct val="107000"/>
+              </a:lnSpc>
+            </a:pPr>
+            <a:r>
+              <a:rPr lang="fr-FR" sz="1000" u="sng" dirty="0">
+                <a:latin typeface="Book Antiqua" panose="02040602050305030304" pitchFamily="18" charset="0"/>
+                <a:ea typeface="Calibri" panose="020F0502020204030204" pitchFamily="34" charset="0"/>
+                <a:cs typeface="Times New Roman" panose="02020603050405020304" pitchFamily="18" charset="0"/>
+              </a:rPr>
+              <a:t>Admin</a:t>
+            </a:r>
+            <a:r>
+              <a:rPr lang="fr-FR" sz="1000" dirty="0">
+                <a:latin typeface="Book Antiqua" panose="02040602050305030304" pitchFamily="18" charset="0"/>
+                <a:ea typeface="Calibri" panose="020F0502020204030204" pitchFamily="34" charset="0"/>
+                <a:cs typeface="Times New Roman" panose="02020603050405020304" pitchFamily="18" charset="0"/>
+              </a:rPr>
+              <a:t> : service immobilier. Il a tous les droits.</a:t>
+            </a:r>
+          </a:p>
+        </p:txBody>
+      </p:sp>
+      <p:sp>
+        <p:nvSpPr>
+          <p:cNvPr id="3" name="ZoneTexte 2">
+            <a:extLst>
+              <a:ext uri="{FF2B5EF4-FFF2-40B4-BE49-F238E27FC236}">
+                <a16:creationId xmlns:a16="http://schemas.microsoft.com/office/drawing/2014/main" id="{AD46A3BD-39A4-6E0E-C4B7-A861427841C0}"/>
+              </a:ext>
+            </a:extLst>
+          </p:cNvPr>
+          <p:cNvSpPr txBox="1"/>
+          <p:nvPr/>
+        </p:nvSpPr>
+        <p:spPr>
+          <a:xfrm>
+            <a:off x="895800" y="2436784"/>
+            <a:ext cx="3082864" cy="1732718"/>
+          </a:xfrm>
+          <a:prstGeom prst="rect">
+            <a:avLst/>
+          </a:prstGeom>
+          <a:noFill/>
+        </p:spPr>
+        <p:txBody>
+          <a:bodyPr wrap="square">
+            <a:spAutoFit/>
+          </a:bodyPr>
+          <a:lstStyle/>
+          <a:p>
+            <a:pPr>
+              <a:lnSpc>
+                <a:spcPct val="107000"/>
+              </a:lnSpc>
+            </a:pPr>
+            <a:r>
+              <a:rPr lang="fr-FR" sz="1000" dirty="0">
+                <a:latin typeface="Book Antiqua" panose="02040602050305030304" pitchFamily="18" charset="0"/>
+                <a:ea typeface="Calibri" panose="020F0502020204030204" pitchFamily="34" charset="0"/>
+                <a:cs typeface="Times New Roman" panose="02020603050405020304" pitchFamily="18" charset="0"/>
+              </a:rPr>
+              <a:t>2 profils internes :</a:t>
+            </a:r>
+          </a:p>
+          <a:p>
+            <a:pPr>
+              <a:lnSpc>
+                <a:spcPct val="107000"/>
+              </a:lnSpc>
+            </a:pPr>
+            <a:endParaRPr lang="fr-FR" sz="1000" dirty="0">
+              <a:latin typeface="Book Antiqua" panose="02040602050305030304" pitchFamily="18" charset="0"/>
+              <a:ea typeface="Calibri" panose="020F0502020204030204" pitchFamily="34" charset="0"/>
+              <a:cs typeface="Times New Roman" panose="02020603050405020304" pitchFamily="18" charset="0"/>
+            </a:endParaRPr>
+          </a:p>
+          <a:p>
+            <a:pPr>
+              <a:lnSpc>
+                <a:spcPct val="107000"/>
+              </a:lnSpc>
+            </a:pPr>
+            <a:endParaRPr lang="fr-FR" sz="1000" u="sng" dirty="0">
+              <a:latin typeface="Book Antiqua" panose="02040602050305030304" pitchFamily="18" charset="0"/>
+              <a:ea typeface="Calibri" panose="020F0502020204030204" pitchFamily="34" charset="0"/>
+              <a:cs typeface="Times New Roman" panose="02020603050405020304" pitchFamily="18" charset="0"/>
+            </a:endParaRPr>
+          </a:p>
+          <a:p>
+            <a:pPr>
+              <a:lnSpc>
+                <a:spcPct val="107000"/>
+              </a:lnSpc>
+            </a:pPr>
+            <a:endParaRPr lang="fr-FR" sz="1000" u="sng" dirty="0">
+              <a:latin typeface="Book Antiqua" panose="02040602050305030304" pitchFamily="18" charset="0"/>
+              <a:ea typeface="Calibri" panose="020F0502020204030204" pitchFamily="34" charset="0"/>
+              <a:cs typeface="Times New Roman" panose="02020603050405020304" pitchFamily="18" charset="0"/>
+            </a:endParaRPr>
+          </a:p>
+          <a:p>
+            <a:pPr>
+              <a:lnSpc>
+                <a:spcPct val="107000"/>
+              </a:lnSpc>
+            </a:pPr>
+            <a:endParaRPr lang="fr-FR" sz="1000" u="sng" dirty="0">
+              <a:latin typeface="Book Antiqua" panose="02040602050305030304" pitchFamily="18" charset="0"/>
+              <a:ea typeface="Calibri" panose="020F0502020204030204" pitchFamily="34" charset="0"/>
+              <a:cs typeface="Times New Roman" panose="02020603050405020304" pitchFamily="18" charset="0"/>
+            </a:endParaRPr>
+          </a:p>
+          <a:p>
+            <a:pPr>
+              <a:lnSpc>
+                <a:spcPct val="107000"/>
+              </a:lnSpc>
+            </a:pPr>
+            <a:endParaRPr lang="fr-FR" sz="1000" u="sng" dirty="0">
+              <a:latin typeface="Book Antiqua" panose="02040602050305030304" pitchFamily="18" charset="0"/>
+              <a:ea typeface="Calibri" panose="020F0502020204030204" pitchFamily="34" charset="0"/>
+              <a:cs typeface="Times New Roman" panose="02020603050405020304" pitchFamily="18" charset="0"/>
+            </a:endParaRPr>
+          </a:p>
+          <a:p>
+            <a:pPr>
+              <a:lnSpc>
+                <a:spcPct val="107000"/>
+              </a:lnSpc>
+            </a:pPr>
+            <a:endParaRPr lang="fr-FR" sz="1000" dirty="0">
+              <a:latin typeface="Book Antiqua" panose="02040602050305030304" pitchFamily="18" charset="0"/>
+              <a:ea typeface="Calibri" panose="020F0502020204030204" pitchFamily="34" charset="0"/>
+              <a:cs typeface="Times New Roman" panose="02020603050405020304" pitchFamily="18" charset="0"/>
+            </a:endParaRPr>
+          </a:p>
+          <a:p>
+            <a:pPr>
+              <a:lnSpc>
+                <a:spcPct val="107000"/>
+              </a:lnSpc>
+            </a:pPr>
+            <a:endParaRPr lang="fr-FR" sz="1000" dirty="0">
+              <a:latin typeface="Book Antiqua" panose="02040602050305030304" pitchFamily="18" charset="0"/>
+              <a:ea typeface="Calibri" panose="020F0502020204030204" pitchFamily="34" charset="0"/>
+              <a:cs typeface="Times New Roman" panose="02020603050405020304" pitchFamily="18" charset="0"/>
+            </a:endParaRPr>
+          </a:p>
+          <a:p>
+            <a:pPr>
+              <a:lnSpc>
+                <a:spcPct val="107000"/>
+              </a:lnSpc>
+            </a:pPr>
+            <a:endParaRPr lang="fr-FR" sz="1000" dirty="0">
+              <a:latin typeface="Book Antiqua" panose="02040602050305030304" pitchFamily="18" charset="0"/>
+              <a:ea typeface="Calibri" panose="020F0502020204030204" pitchFamily="34" charset="0"/>
+              <a:cs typeface="Times New Roman" panose="02020603050405020304" pitchFamily="18" charset="0"/>
+            </a:endParaRPr>
+          </a:p>
+          <a:p>
+            <a:pPr>
+              <a:lnSpc>
+                <a:spcPct val="107000"/>
+              </a:lnSpc>
+            </a:pPr>
+            <a:r>
+              <a:rPr lang="fr-FR" sz="1000" dirty="0">
+                <a:latin typeface="Book Antiqua" panose="02040602050305030304" pitchFamily="18" charset="0"/>
+                <a:ea typeface="Calibri" panose="020F0502020204030204" pitchFamily="34" charset="0"/>
+                <a:cs typeface="Times New Roman" panose="02020603050405020304" pitchFamily="18" charset="0"/>
+              </a:rPr>
+              <a:t>2 profils externes / prestataires :</a:t>
+            </a:r>
+          </a:p>
+        </p:txBody>
+      </p:sp>
+      <p:sp>
+        <p:nvSpPr>
+          <p:cNvPr id="7" name="ZoneTexte 6">
+            <a:extLst>
+              <a:ext uri="{FF2B5EF4-FFF2-40B4-BE49-F238E27FC236}">
+                <a16:creationId xmlns:a16="http://schemas.microsoft.com/office/drawing/2014/main" id="{150D2229-DB61-BB2E-6265-3E6E881B0FFD}"/>
+              </a:ext>
+            </a:extLst>
+          </p:cNvPr>
+          <p:cNvSpPr txBox="1"/>
+          <p:nvPr/>
+        </p:nvSpPr>
+        <p:spPr>
+          <a:xfrm>
+            <a:off x="1086301" y="2732653"/>
+            <a:ext cx="3082864" cy="580095"/>
+          </a:xfrm>
+          <a:prstGeom prst="rect">
+            <a:avLst/>
+          </a:prstGeom>
+          <a:noFill/>
+        </p:spPr>
+        <p:txBody>
+          <a:bodyPr wrap="square">
+            <a:spAutoFit/>
+          </a:bodyPr>
+          <a:lstStyle/>
+          <a:p>
+            <a:pPr>
+              <a:lnSpc>
+                <a:spcPct val="107000"/>
+              </a:lnSpc>
+            </a:pPr>
+            <a:r>
+              <a:rPr lang="fr-FR" sz="1000" u="sng" dirty="0">
+                <a:latin typeface="Book Antiqua" panose="02040602050305030304" pitchFamily="18" charset="0"/>
+                <a:ea typeface="Calibri" panose="020F0502020204030204" pitchFamily="34" charset="0"/>
+                <a:cs typeface="Times New Roman" panose="02020603050405020304" pitchFamily="18" charset="0"/>
+              </a:rPr>
+              <a:t>Usager</a:t>
+            </a:r>
+            <a:r>
+              <a:rPr lang="fr-FR" sz="1000" dirty="0">
+                <a:latin typeface="Book Antiqua" panose="02040602050305030304" pitchFamily="18" charset="0"/>
+                <a:ea typeface="Calibri" panose="020F0502020204030204" pitchFamily="34" charset="0"/>
+                <a:cs typeface="Times New Roman" panose="02020603050405020304" pitchFamily="18" charset="0"/>
+              </a:rPr>
+              <a:t> : occupant de l’immeuble. Il signale les incidents et valide la fin d’intervention. Il peut ajouter un commentaire à tout moment.</a:t>
+            </a:r>
+          </a:p>
+        </p:txBody>
+      </p:sp>
+      <p:sp>
+        <p:nvSpPr>
+          <p:cNvPr id="9" name="ZoneTexte 8">
+            <a:extLst>
+              <a:ext uri="{FF2B5EF4-FFF2-40B4-BE49-F238E27FC236}">
+                <a16:creationId xmlns:a16="http://schemas.microsoft.com/office/drawing/2014/main" id="{A7D4E5C1-7B9B-2BA9-0800-50243D2B8A18}"/>
+              </a:ext>
+            </a:extLst>
+          </p:cNvPr>
+          <p:cNvSpPr txBox="1"/>
+          <p:nvPr/>
+        </p:nvSpPr>
+        <p:spPr>
+          <a:xfrm>
+            <a:off x="1086301" y="4257653"/>
+            <a:ext cx="3082864" cy="415435"/>
+          </a:xfrm>
+          <a:prstGeom prst="rect">
+            <a:avLst/>
+          </a:prstGeom>
+          <a:noFill/>
+        </p:spPr>
+        <p:txBody>
+          <a:bodyPr wrap="square">
+            <a:spAutoFit/>
+          </a:bodyPr>
+          <a:lstStyle/>
+          <a:p>
+            <a:pPr>
+              <a:lnSpc>
+                <a:spcPct val="107000"/>
+              </a:lnSpc>
+            </a:pPr>
+            <a:r>
+              <a:rPr lang="fr-FR" sz="1000" u="sng" dirty="0">
+                <a:latin typeface="Book Antiqua" panose="02040602050305030304" pitchFamily="18" charset="0"/>
+                <a:ea typeface="Calibri" panose="020F0502020204030204" pitchFamily="34" charset="0"/>
+                <a:cs typeface="Times New Roman" panose="02020603050405020304" pitchFamily="18" charset="0"/>
+              </a:rPr>
+              <a:t>Technicien</a:t>
+            </a:r>
+            <a:r>
+              <a:rPr lang="fr-FR" sz="1000" dirty="0">
+                <a:latin typeface="Book Antiqua" panose="02040602050305030304" pitchFamily="18" charset="0"/>
+                <a:ea typeface="Calibri" panose="020F0502020204030204" pitchFamily="34" charset="0"/>
+                <a:cs typeface="Times New Roman" panose="02020603050405020304" pitchFamily="18" charset="0"/>
+              </a:rPr>
+              <a:t> : En charge de la résolution des incidents.</a:t>
+            </a:r>
+          </a:p>
+        </p:txBody>
+      </p:sp>
+      <p:pic>
+        <p:nvPicPr>
+          <p:cNvPr id="8" name="Image 7">
+            <a:extLst>
+              <a:ext uri="{FF2B5EF4-FFF2-40B4-BE49-F238E27FC236}">
+                <a16:creationId xmlns:a16="http://schemas.microsoft.com/office/drawing/2014/main" id="{D16A0C30-6889-245B-C7A1-D7C71656732C}"/>
+              </a:ext>
+            </a:extLst>
+          </p:cNvPr>
+          <p:cNvPicPr>
+            <a:picLocks noChangeAspect="1"/>
+          </p:cNvPicPr>
+          <p:nvPr/>
+        </p:nvPicPr>
+        <p:blipFill>
+          <a:blip r:embed="rId3"/>
+          <a:stretch>
+            <a:fillRect/>
+          </a:stretch>
+        </p:blipFill>
+        <p:spPr>
+          <a:xfrm>
+            <a:off x="3978664" y="970352"/>
+            <a:ext cx="7196251" cy="4767077"/>
+          </a:xfrm>
+          <a:prstGeom prst="rect">
+            <a:avLst/>
+          </a:prstGeom>
+        </p:spPr>
+      </p:pic>
+      <p:sp>
+        <p:nvSpPr>
+          <p:cNvPr id="10" name="ZoneTexte 9">
+            <a:extLst>
+              <a:ext uri="{FF2B5EF4-FFF2-40B4-BE49-F238E27FC236}">
+                <a16:creationId xmlns:a16="http://schemas.microsoft.com/office/drawing/2014/main" id="{B6C44F0A-FC4E-45DF-3841-105417C0DC16}"/>
+              </a:ext>
+            </a:extLst>
+          </p:cNvPr>
+          <p:cNvSpPr txBox="1"/>
+          <p:nvPr/>
+        </p:nvSpPr>
+        <p:spPr>
+          <a:xfrm>
+            <a:off x="1086301" y="4796189"/>
+            <a:ext cx="3082864" cy="415435"/>
+          </a:xfrm>
+          <a:prstGeom prst="rect">
+            <a:avLst/>
+          </a:prstGeom>
+          <a:noFill/>
+        </p:spPr>
+        <p:txBody>
+          <a:bodyPr wrap="square">
+            <a:spAutoFit/>
+          </a:bodyPr>
+          <a:lstStyle/>
+          <a:p>
+            <a:pPr>
+              <a:lnSpc>
+                <a:spcPct val="107000"/>
+              </a:lnSpc>
+            </a:pPr>
+            <a:r>
+              <a:rPr lang="fr-FR" sz="1000" u="sng" dirty="0">
+                <a:latin typeface="Book Antiqua" panose="02040602050305030304" pitchFamily="18" charset="0"/>
+                <a:ea typeface="Calibri" panose="020F0502020204030204" pitchFamily="34" charset="0"/>
+                <a:cs typeface="Times New Roman" panose="02020603050405020304" pitchFamily="18" charset="0"/>
+              </a:rPr>
+              <a:t>Valideur</a:t>
+            </a:r>
+            <a:r>
+              <a:rPr lang="fr-FR" sz="1000" dirty="0">
+                <a:latin typeface="Book Antiqua" panose="02040602050305030304" pitchFamily="18" charset="0"/>
+                <a:ea typeface="Calibri" panose="020F0502020204030204" pitchFamily="34" charset="0"/>
+                <a:cs typeface="Times New Roman" panose="02020603050405020304" pitchFamily="18" charset="0"/>
+              </a:rPr>
+              <a:t> : responsable des techniciens. Il affecte et surveille l’avancement des interventions.</a:t>
+            </a:r>
+          </a:p>
+        </p:txBody>
+      </p:sp>
+    </p:spTree>
+    <p:extLst>
+      <p:ext uri="{BB962C8B-B14F-4D97-AF65-F5344CB8AC3E}">
+        <p14:creationId xmlns:p14="http://schemas.microsoft.com/office/powerpoint/2010/main" val="4202972748"/>
+      </p:ext>
+    </p:extLst>
+  </p:cSld>
+  <p:clrMapOvr>
+    <a:masterClrMapping/>
+  </p:clrMapOvr>
+  <p:timing>
+    <p:tnLst>
+      <p:par>
+        <p:cTn id="1" dur="indefinite" restart="never" nodeType="tmRoot">
+          <p:childTnLst>
+            <p:seq concurrent="1" nextAc="seek">
+              <p:cTn id="2" dur="indefinite" nodeType="mainSeq">
+                <p:childTnLst>
+                  <p:par>
+                    <p:cTn id="3" fill="hold">
+                      <p:stCondLst>
+                        <p:cond delay="indefinite"/>
+                      </p:stCondLst>
+                      <p:childTnLst>
+                        <p:par>
+                          <p:cTn id="4" fill="hold">
+                            <p:stCondLst>
+                              <p:cond delay="0"/>
+                            </p:stCondLst>
+                            <p:childTnLst>
+                              <p:par>
+                                <p:cTn id="5" presetID="1" presetClass="entr" presetSubtype="0" fill="hold" grpId="0" nodeType="clickEffect">
+                                  <p:stCondLst>
+                                    <p:cond delay="0"/>
+                                  </p:stCondLst>
+                                  <p:childTnLst>
+                                    <p:set>
+                                      <p:cBhvr>
+                                        <p:cTn id="6" dur="1" fill="hold">
+                                          <p:stCondLst>
+                                            <p:cond delay="0"/>
+                                          </p:stCondLst>
+                                        </p:cTn>
+                                        <p:tgtEl>
+                                          <p:spTgt spid="3"/>
+                                        </p:tgtEl>
+                                        <p:attrNameLst>
+                                          <p:attrName>style.visibility</p:attrName>
+                                        </p:attrNameLst>
+                                      </p:cBhvr>
+                                      <p:to>
+                                        <p:strVal val="visible"/>
+                                      </p:to>
+                                    </p:set>
+                                  </p:childTnLst>
+                                </p:cTn>
+                              </p:par>
+                            </p:childTnLst>
+                          </p:cTn>
+                        </p:par>
+                      </p:childTnLst>
+                    </p:cTn>
+                  </p:par>
+                  <p:par>
+                    <p:cTn id="7" fill="hold">
+                      <p:stCondLst>
+                        <p:cond delay="indefinite"/>
+                      </p:stCondLst>
+                      <p:childTnLst>
+                        <p:par>
+                          <p:cTn id="8" fill="hold">
+                            <p:stCondLst>
+                              <p:cond delay="0"/>
+                            </p:stCondLst>
+                            <p:childTnLst>
+                              <p:par>
+                                <p:cTn id="9" presetID="1" presetClass="entr" presetSubtype="0" fill="hold" grpId="0" nodeType="clickEffect">
+                                  <p:stCondLst>
+                                    <p:cond delay="0"/>
+                                  </p:stCondLst>
+                                  <p:childTnLst>
+                                    <p:set>
+                                      <p:cBhvr>
+                                        <p:cTn id="10" dur="1" fill="hold">
+                                          <p:stCondLst>
+                                            <p:cond delay="0"/>
+                                          </p:stCondLst>
+                                        </p:cTn>
+                                        <p:tgtEl>
+                                          <p:spTgt spid="7"/>
+                                        </p:tgtEl>
+                                        <p:attrNameLst>
+                                          <p:attrName>style.visibility</p:attrName>
+                                        </p:attrNameLst>
+                                      </p:cBhvr>
+                                      <p:to>
+                                        <p:strVal val="visible"/>
+                                      </p:to>
+                                    </p:set>
+                                  </p:childTnLst>
+                                </p:cTn>
+                              </p:par>
+                            </p:childTnLst>
+                          </p:cTn>
+                        </p:par>
+                      </p:childTnLst>
+                    </p:cTn>
+                  </p:par>
+                  <p:par>
+                    <p:cTn id="11" fill="hold">
+                      <p:stCondLst>
+                        <p:cond delay="indefinite"/>
+                      </p:stCondLst>
+                      <p:childTnLst>
+                        <p:par>
+                          <p:cTn id="12" fill="hold">
+                            <p:stCondLst>
+                              <p:cond delay="0"/>
+                            </p:stCondLst>
+                            <p:childTnLst>
+                              <p:par>
+                                <p:cTn id="13" presetID="1" presetClass="entr" presetSubtype="0" fill="hold" grpId="0" nodeType="clickEffect">
+                                  <p:stCondLst>
+                                    <p:cond delay="0"/>
+                                  </p:stCondLst>
+                                  <p:childTnLst>
+                                    <p:set>
+                                      <p:cBhvr>
+                                        <p:cTn id="14" dur="1" fill="hold">
+                                          <p:stCondLst>
+                                            <p:cond delay="0"/>
+                                          </p:stCondLst>
+                                        </p:cTn>
+                                        <p:tgtEl>
+                                          <p:spTgt spid="5"/>
+                                        </p:tgtEl>
+                                        <p:attrNameLst>
+                                          <p:attrName>style.visibility</p:attrName>
+                                        </p:attrNameLst>
+                                      </p:cBhvr>
+                                      <p:to>
+                                        <p:strVal val="visible"/>
+                                      </p:to>
+                                    </p:set>
+                                  </p:childTnLst>
+                                </p:cTn>
+                              </p:par>
+                            </p:childTnLst>
+                          </p:cTn>
+                        </p:par>
+                      </p:childTnLst>
+                    </p:cTn>
+                  </p:par>
+                  <p:par>
+                    <p:cTn id="15" fill="hold">
+                      <p:stCondLst>
+                        <p:cond delay="indefinite"/>
+                      </p:stCondLst>
+                      <p:childTnLst>
+                        <p:par>
+                          <p:cTn id="16" fill="hold">
+                            <p:stCondLst>
+                              <p:cond delay="0"/>
+                            </p:stCondLst>
+                            <p:childTnLst>
+                              <p:par>
+                                <p:cTn id="17" presetID="1" presetClass="entr" presetSubtype="0" fill="hold" grpId="0" nodeType="clickEffect">
+                                  <p:stCondLst>
+                                    <p:cond delay="0"/>
+                                  </p:stCondLst>
+                                  <p:childTnLst>
+                                    <p:set>
+                                      <p:cBhvr>
+                                        <p:cTn id="18" dur="1" fill="hold">
+                                          <p:stCondLst>
+                                            <p:cond delay="0"/>
+                                          </p:stCondLst>
+                                        </p:cTn>
+                                        <p:tgtEl>
+                                          <p:spTgt spid="9"/>
+                                        </p:tgtEl>
+                                        <p:attrNameLst>
+                                          <p:attrName>style.visibility</p:attrName>
+                                        </p:attrNameLst>
+                                      </p:cBhvr>
+                                      <p:to>
+                                        <p:strVal val="visible"/>
+                                      </p:to>
+                                    </p:set>
+                                  </p:childTnLst>
+                                </p:cTn>
+                              </p:par>
+                            </p:childTnLst>
+                          </p:cTn>
+                        </p:par>
+                      </p:childTnLst>
+                    </p:cTn>
+                  </p:par>
+                  <p:par>
+                    <p:cTn id="19" fill="hold">
+                      <p:stCondLst>
+                        <p:cond delay="indefinite"/>
+                      </p:stCondLst>
+                      <p:childTnLst>
+                        <p:par>
+                          <p:cTn id="20" fill="hold">
+                            <p:stCondLst>
+                              <p:cond delay="0"/>
+                            </p:stCondLst>
+                            <p:childTnLst>
+                              <p:par>
+                                <p:cTn id="21" presetID="1" presetClass="entr" presetSubtype="0" fill="hold" grpId="0" nodeType="clickEffect">
+                                  <p:stCondLst>
+                                    <p:cond delay="0"/>
+                                  </p:stCondLst>
+                                  <p:childTnLst>
+                                    <p:set>
+                                      <p:cBhvr>
+                                        <p:cTn id="22" dur="1" fill="hold">
+                                          <p:stCondLst>
+                                            <p:cond delay="0"/>
+                                          </p:stCondLst>
+                                        </p:cTn>
+                                        <p:tgtEl>
+                                          <p:spTgt spid="10"/>
+                                        </p:tgtEl>
+                                        <p:attrNameLst>
+                                          <p:attrName>style.visibility</p:attrName>
+                                        </p:attrNameLst>
+                                      </p:cBhvr>
+                                      <p:to>
+                                        <p:strVal val="visible"/>
+                                      </p:to>
+                                    </p:set>
+                                  </p:childTnLst>
+                                </p:cTn>
+                              </p:par>
+                            </p:childTnLst>
+                          </p:cTn>
+                        </p:par>
+                      </p:childTnLst>
+                    </p:cTn>
+                  </p:par>
+                </p:childTnLst>
+              </p:cTn>
+              <p:prevCondLst>
+                <p:cond evt="onPrev" delay="0">
+                  <p:tgtEl>
+                    <p:sldTgt/>
+                  </p:tgtEl>
+                </p:cond>
+              </p:prevCondLst>
+              <p:nextCondLst>
+                <p:cond evt="onNext" delay="0">
+                  <p:tgtEl>
+                    <p:sldTgt/>
+                  </p:tgtEl>
+                </p:cond>
+              </p:nextCondLst>
+            </p:seq>
+          </p:childTnLst>
+        </p:cTn>
+      </p:par>
+    </p:tnLst>
+    <p:bldLst>
+      <p:bldP spid="5" grpId="0"/>
+      <p:bldP spid="3" grpId="0"/>
+      <p:bldP spid="7" grpId="0"/>
+      <p:bldP spid="9" grpId="0"/>
+      <p:bldP spid="10" grpId="0"/>
+    </p:bldLst>
+  </p:timing>
+</p:sld>
+</file>
+
+<file path=ppt/slides/slide30.xml><?xml version="1.0" encoding="utf-8"?>
+<p:sld xmlns:a="http://schemas.openxmlformats.org/drawingml/2006/main" xmlns:r="http://schemas.openxmlformats.org/officeDocument/2006/relationships" xmlns:p="http://schemas.openxmlformats.org/presentationml/2006/main">
+  <p:cSld>
+    <p:spTree>
+      <p:nvGrpSpPr>
+        <p:cNvPr id="1" name=""/>
+        <p:cNvGrpSpPr/>
+        <p:nvPr/>
+      </p:nvGrpSpPr>
+      <p:grpSpPr>
+        <a:xfrm>
+          <a:off x="0" y="0"/>
+          <a:ext cx="0" cy="0"/>
+          <a:chOff x="0" y="0"/>
+          <a:chExt cx="0" cy="0"/>
+        </a:xfrm>
+      </p:grpSpPr>
+      <p:pic>
+        <p:nvPicPr>
+          <p:cNvPr id="6" name="Image 5">
+            <a:extLst>
+              <a:ext uri="{FF2B5EF4-FFF2-40B4-BE49-F238E27FC236}">
+                <a16:creationId xmlns:a16="http://schemas.microsoft.com/office/drawing/2014/main" id="{A7054EC6-2B58-D7A2-26E4-7E36DF0BACDF}"/>
+              </a:ext>
+            </a:extLst>
+          </p:cNvPr>
+          <p:cNvPicPr>
+            <a:picLocks noChangeAspect="1"/>
+          </p:cNvPicPr>
+          <p:nvPr/>
+        </p:nvPicPr>
+        <p:blipFill>
+          <a:blip r:embed="rId2"/>
+          <a:stretch>
+            <a:fillRect/>
+          </a:stretch>
+        </p:blipFill>
+        <p:spPr>
+          <a:xfrm>
+            <a:off x="4382587" y="2989041"/>
+            <a:ext cx="7668717" cy="3600702"/>
+          </a:xfrm>
+          <a:prstGeom prst="rect">
+            <a:avLst/>
+          </a:prstGeom>
+        </p:spPr>
+      </p:pic>
+      <p:pic>
+        <p:nvPicPr>
+          <p:cNvPr id="4" name="Image 3">
+            <a:extLst>
+              <a:ext uri="{FF2B5EF4-FFF2-40B4-BE49-F238E27FC236}">
+                <a16:creationId xmlns:a16="http://schemas.microsoft.com/office/drawing/2014/main" id="{A61ED263-1C2F-EB9D-929A-271A8A630D8D}"/>
+              </a:ext>
+            </a:extLst>
+          </p:cNvPr>
+          <p:cNvPicPr>
+            <a:picLocks noChangeAspect="1"/>
+          </p:cNvPicPr>
+          <p:nvPr/>
+        </p:nvPicPr>
+        <p:blipFill>
+          <a:blip r:embed="rId3"/>
+          <a:stretch>
+            <a:fillRect/>
+          </a:stretch>
+        </p:blipFill>
+        <p:spPr>
+          <a:xfrm>
+            <a:off x="378080" y="268257"/>
+            <a:ext cx="5717920" cy="4094737"/>
+          </a:xfrm>
+          <a:prstGeom prst="rect">
+            <a:avLst/>
+          </a:prstGeom>
+        </p:spPr>
+      </p:pic>
+    </p:spTree>
+    <p:extLst>
+      <p:ext uri="{BB962C8B-B14F-4D97-AF65-F5344CB8AC3E}">
+        <p14:creationId xmlns:p14="http://schemas.microsoft.com/office/powerpoint/2010/main" val="1569526074"/>
+      </p:ext>
+    </p:extLst>
+  </p:cSld>
+  <p:clrMapOvr>
+    <a:masterClrMapping/>
+  </p:clrMapOvr>
+</p:sld>
+</file>
+
+<file path=ppt/slides/slide31.xml><?xml version="1.0" encoding="utf-8"?>
+<p:sld xmlns:a="http://schemas.openxmlformats.org/drawingml/2006/main" xmlns:r="http://schemas.openxmlformats.org/officeDocument/2006/relationships" xmlns:p="http://schemas.openxmlformats.org/presentationml/2006/main">
+  <p:cSld>
+    <p:spTree>
+      <p:nvGrpSpPr>
+        <p:cNvPr id="1" name=""/>
+        <p:cNvGrpSpPr/>
+        <p:nvPr/>
+      </p:nvGrpSpPr>
+      <p:grpSpPr>
+        <a:xfrm>
+          <a:off x="0" y="0"/>
+          <a:ext cx="0" cy="0"/>
+          <a:chOff x="0" y="0"/>
+          <a:chExt cx="0" cy="0"/>
+        </a:xfrm>
+      </p:grpSpPr>
+      <p:pic>
+        <p:nvPicPr>
+          <p:cNvPr id="5" name="Image 4">
+            <a:extLst>
+              <a:ext uri="{FF2B5EF4-FFF2-40B4-BE49-F238E27FC236}">
+                <a16:creationId xmlns:a16="http://schemas.microsoft.com/office/drawing/2014/main" id="{4223CBE7-3918-6E83-F078-82C985F6AC50}"/>
+              </a:ext>
+            </a:extLst>
+          </p:cNvPr>
+          <p:cNvPicPr>
+            <a:picLocks noChangeAspect="1"/>
+          </p:cNvPicPr>
+          <p:nvPr/>
+        </p:nvPicPr>
+        <p:blipFill>
+          <a:blip r:embed="rId2"/>
+          <a:stretch>
+            <a:fillRect/>
+          </a:stretch>
+        </p:blipFill>
+        <p:spPr>
+          <a:xfrm>
+            <a:off x="378551" y="249691"/>
+            <a:ext cx="7563675" cy="3427503"/>
+          </a:xfrm>
+          <a:prstGeom prst="rect">
+            <a:avLst/>
+          </a:prstGeom>
+        </p:spPr>
+      </p:pic>
+      <p:pic>
+        <p:nvPicPr>
+          <p:cNvPr id="3" name="Image 2">
+            <a:extLst>
+              <a:ext uri="{FF2B5EF4-FFF2-40B4-BE49-F238E27FC236}">
+                <a16:creationId xmlns:a16="http://schemas.microsoft.com/office/drawing/2014/main" id="{A3BC77D9-B116-3089-6DD5-173B5AB0EF06}"/>
+              </a:ext>
+            </a:extLst>
+          </p:cNvPr>
+          <p:cNvPicPr>
+            <a:picLocks noChangeAspect="1"/>
+          </p:cNvPicPr>
+          <p:nvPr/>
+        </p:nvPicPr>
+        <p:blipFill>
+          <a:blip r:embed="rId3"/>
+          <a:stretch>
+            <a:fillRect/>
+          </a:stretch>
+        </p:blipFill>
+        <p:spPr>
+          <a:xfrm>
+            <a:off x="3874234" y="3429000"/>
+            <a:ext cx="8135983" cy="3135972"/>
+          </a:xfrm>
+          <a:prstGeom prst="rect">
+            <a:avLst/>
+          </a:prstGeom>
+        </p:spPr>
+      </p:pic>
+    </p:spTree>
+    <p:extLst>
+      <p:ext uri="{BB962C8B-B14F-4D97-AF65-F5344CB8AC3E}">
+        <p14:creationId xmlns:p14="http://schemas.microsoft.com/office/powerpoint/2010/main" val="3756813365"/>
+      </p:ext>
+    </p:extLst>
+  </p:cSld>
+  <p:clrMapOvr>
+    <a:masterClrMapping/>
+  </p:clrMapOvr>
+</p:sld>
+</file>
+
+<file path=ppt/slides/slide32.xml><?xml version="1.0" encoding="utf-8"?>
+<p:sld xmlns:a="http://schemas.openxmlformats.org/drawingml/2006/main" xmlns:r="http://schemas.openxmlformats.org/officeDocument/2006/relationships" xmlns:p="http://schemas.openxmlformats.org/presentationml/2006/main">
+  <p:cSld>
+    <p:spTree>
+      <p:nvGrpSpPr>
+        <p:cNvPr id="1" name=""/>
+        <p:cNvGrpSpPr/>
+        <p:nvPr/>
+      </p:nvGrpSpPr>
+      <p:grpSpPr>
+        <a:xfrm>
+          <a:off x="0" y="0"/>
+          <a:ext cx="0" cy="0"/>
+          <a:chOff x="0" y="0"/>
+          <a:chExt cx="0" cy="0"/>
+        </a:xfrm>
+      </p:grpSpPr>
       <p:sp>
         <p:nvSpPr>
           <p:cNvPr id="2" name="Titre 1">
@@ -19214,7 +20649,7 @@
 </p:sld>
 </file>
 
-<file path=ppt/slides/slide24.xml><?xml version="1.0" encoding="utf-8"?>
+<file path=ppt/slides/slide33.xml><?xml version="1.0" encoding="utf-8"?>
 <p:sld xmlns:a="http://schemas.openxmlformats.org/drawingml/2006/main" xmlns:r="http://schemas.openxmlformats.org/officeDocument/2006/relationships" xmlns:p="http://schemas.openxmlformats.org/presentationml/2006/main">
   <p:cSld>
     <p:spTree>
@@ -19532,7 +20967,7 @@
 </p:sld>
 </file>
 
-<file path=ppt/slides/slide25.xml><?xml version="1.0" encoding="utf-8"?>
+<file path=ppt/slides/slide34.xml><?xml version="1.0" encoding="utf-8"?>
 <p:sld xmlns:a="http://schemas.openxmlformats.org/drawingml/2006/main" xmlns:r="http://schemas.openxmlformats.org/officeDocument/2006/relationships" xmlns:p="http://schemas.openxmlformats.org/presentationml/2006/main">
   <p:cSld>
     <p:spTree>
@@ -20102,7 +21537,7 @@
 </p:sld>
 </file>
 
-<file path=ppt/slides/slide26.xml><?xml version="1.0" encoding="utf-8"?>
+<file path=ppt/slides/slide35.xml><?xml version="1.0" encoding="utf-8"?>
 <p:sld xmlns:a="http://schemas.openxmlformats.org/drawingml/2006/main" xmlns:r="http://schemas.openxmlformats.org/officeDocument/2006/relationships" xmlns:p="http://schemas.openxmlformats.org/presentationml/2006/main">
   <p:cSld>
     <p:spTree>
@@ -20862,7 +22297,7 @@
 </p:sld>
 </file>
 
-<file path=ppt/slides/slide27.xml><?xml version="1.0" encoding="utf-8"?>
+<file path=ppt/slides/slide36.xml><?xml version="1.0" encoding="utf-8"?>
 <p:sld xmlns:a="http://schemas.openxmlformats.org/drawingml/2006/main" xmlns:r="http://schemas.openxmlformats.org/officeDocument/2006/relationships" xmlns:p="http://schemas.openxmlformats.org/presentationml/2006/main">
   <p:cSld>
     <p:spTree>
@@ -20989,7 +22424,7 @@
 </p:sld>
 </file>
 
-<file path=ppt/slides/slide28.xml><?xml version="1.0" encoding="utf-8"?>
+<file path=ppt/slides/slide37.xml><?xml version="1.0" encoding="utf-8"?>
 <p:sld xmlns:a="http://schemas.openxmlformats.org/drawingml/2006/main" xmlns:r="http://schemas.openxmlformats.org/officeDocument/2006/relationships" xmlns:p="http://schemas.openxmlformats.org/presentationml/2006/main">
   <p:cSld>
     <p:spTree>
@@ -22260,751 +23695,6 @@
 </p:sld>
 </file>
 
-<file path=ppt/slides/slide3.xml><?xml version="1.0" encoding="utf-8"?>
-<p:sld xmlns:a="http://schemas.openxmlformats.org/drawingml/2006/main" xmlns:r="http://schemas.openxmlformats.org/officeDocument/2006/relationships" xmlns:p="http://schemas.openxmlformats.org/presentationml/2006/main">
-  <p:cSld>
-    <p:bg>
-      <p:bgPr>
-        <a:solidFill>
-          <a:schemeClr val="bg1"/>
-        </a:solidFill>
-        <a:effectLst/>
-      </p:bgPr>
-    </p:bg>
-    <p:spTree>
-      <p:nvGrpSpPr>
-        <p:cNvPr id="1" name=""/>
-        <p:cNvGrpSpPr/>
-        <p:nvPr/>
-      </p:nvGrpSpPr>
-      <p:grpSpPr>
-        <a:xfrm>
-          <a:off x="0" y="0"/>
-          <a:ext cx="0" cy="0"/>
-          <a:chOff x="0" y="0"/>
-          <a:chExt cx="0" cy="0"/>
-        </a:xfrm>
-      </p:grpSpPr>
-      <p:sp>
-        <p:nvSpPr>
-          <p:cNvPr id="2" name="Titre 1">
-            <a:extLst>
-              <a:ext uri="{FF2B5EF4-FFF2-40B4-BE49-F238E27FC236}">
-                <a16:creationId xmlns:a16="http://schemas.microsoft.com/office/drawing/2014/main" id="{099E2E77-954A-DD7C-99BF-B9521D1A2115}"/>
-              </a:ext>
-            </a:extLst>
-          </p:cNvPr>
-          <p:cNvSpPr>
-            <a:spLocks noGrp="1"/>
-          </p:cNvSpPr>
-          <p:nvPr>
-            <p:ph type="title"/>
-          </p:nvPr>
-        </p:nvSpPr>
-        <p:spPr>
-          <a:xfrm>
-            <a:off x="904876" y="909855"/>
-            <a:ext cx="3264290" cy="733942"/>
-          </a:xfrm>
-        </p:spPr>
-        <p:txBody>
-          <a:bodyPr vert="horz" lIns="91440" tIns="45720" rIns="91440" bIns="45720" rtlCol="0" anchor="b">
-            <a:normAutofit/>
-          </a:bodyPr>
-          <a:lstStyle/>
-          <a:p>
-            <a:r>
-              <a:rPr lang="en-US" sz="4000" dirty="0">
-                <a:gradFill flip="none" rotWithShape="1">
-                  <a:gsLst>
-                    <a:gs pos="0">
-                      <a:schemeClr val="accent5">
-                        <a:alpha val="70000"/>
-                      </a:schemeClr>
-                    </a:gs>
-                    <a:gs pos="100000">
-                      <a:schemeClr val="accent1">
-                        <a:alpha val="70000"/>
-                      </a:schemeClr>
-                    </a:gs>
-                  </a:gsLst>
-                  <a:lin ang="0" scaled="1"/>
-                  <a:tileRect/>
-                </a:gradFill>
-              </a:rPr>
-              <a:t>Use case</a:t>
-            </a:r>
-          </a:p>
-        </p:txBody>
-      </p:sp>
-      <p:sp>
-        <p:nvSpPr>
-          <p:cNvPr id="5" name="ZoneTexte 4">
-            <a:extLst>
-              <a:ext uri="{FF2B5EF4-FFF2-40B4-BE49-F238E27FC236}">
-                <a16:creationId xmlns:a16="http://schemas.microsoft.com/office/drawing/2014/main" id="{32A189A6-DB59-24BA-0818-C111E109B6A5}"/>
-              </a:ext>
-            </a:extLst>
-          </p:cNvPr>
-          <p:cNvSpPr txBox="1"/>
-          <p:nvPr/>
-        </p:nvSpPr>
-        <p:spPr>
-          <a:xfrm>
-            <a:off x="1086301" y="3456722"/>
-            <a:ext cx="3082864" cy="250774"/>
-          </a:xfrm>
-          <a:prstGeom prst="rect">
-            <a:avLst/>
-          </a:prstGeom>
-          <a:noFill/>
-        </p:spPr>
-        <p:txBody>
-          <a:bodyPr wrap="square">
-            <a:spAutoFit/>
-          </a:bodyPr>
-          <a:lstStyle/>
-          <a:p>
-            <a:pPr>
-              <a:lnSpc>
-                <a:spcPct val="107000"/>
-              </a:lnSpc>
-            </a:pPr>
-            <a:r>
-              <a:rPr lang="fr-FR" sz="1000" u="sng" dirty="0">
-                <a:latin typeface="Book Antiqua" panose="02040602050305030304" pitchFamily="18" charset="0"/>
-                <a:ea typeface="Calibri" panose="020F0502020204030204" pitchFamily="34" charset="0"/>
-                <a:cs typeface="Times New Roman" panose="02020603050405020304" pitchFamily="18" charset="0"/>
-              </a:rPr>
-              <a:t>Admin</a:t>
-            </a:r>
-            <a:r>
-              <a:rPr lang="fr-FR" sz="1000" dirty="0">
-                <a:latin typeface="Book Antiqua" panose="02040602050305030304" pitchFamily="18" charset="0"/>
-                <a:ea typeface="Calibri" panose="020F0502020204030204" pitchFamily="34" charset="0"/>
-                <a:cs typeface="Times New Roman" panose="02020603050405020304" pitchFamily="18" charset="0"/>
-              </a:rPr>
-              <a:t> : service immobilier. Il a tous les droits.</a:t>
-            </a:r>
-          </a:p>
-        </p:txBody>
-      </p:sp>
-      <p:sp>
-        <p:nvSpPr>
-          <p:cNvPr id="3" name="ZoneTexte 2">
-            <a:extLst>
-              <a:ext uri="{FF2B5EF4-FFF2-40B4-BE49-F238E27FC236}">
-                <a16:creationId xmlns:a16="http://schemas.microsoft.com/office/drawing/2014/main" id="{AD46A3BD-39A4-6E0E-C4B7-A861427841C0}"/>
-              </a:ext>
-            </a:extLst>
-          </p:cNvPr>
-          <p:cNvSpPr txBox="1"/>
-          <p:nvPr/>
-        </p:nvSpPr>
-        <p:spPr>
-          <a:xfrm>
-            <a:off x="895800" y="2436784"/>
-            <a:ext cx="3082864" cy="1732718"/>
-          </a:xfrm>
-          <a:prstGeom prst="rect">
-            <a:avLst/>
-          </a:prstGeom>
-          <a:noFill/>
-        </p:spPr>
-        <p:txBody>
-          <a:bodyPr wrap="square">
-            <a:spAutoFit/>
-          </a:bodyPr>
-          <a:lstStyle/>
-          <a:p>
-            <a:pPr>
-              <a:lnSpc>
-                <a:spcPct val="107000"/>
-              </a:lnSpc>
-            </a:pPr>
-            <a:r>
-              <a:rPr lang="fr-FR" sz="1000" dirty="0">
-                <a:latin typeface="Book Antiqua" panose="02040602050305030304" pitchFamily="18" charset="0"/>
-                <a:ea typeface="Calibri" panose="020F0502020204030204" pitchFamily="34" charset="0"/>
-                <a:cs typeface="Times New Roman" panose="02020603050405020304" pitchFamily="18" charset="0"/>
-              </a:rPr>
-              <a:t>2 profils internes :</a:t>
-            </a:r>
-          </a:p>
-          <a:p>
-            <a:pPr>
-              <a:lnSpc>
-                <a:spcPct val="107000"/>
-              </a:lnSpc>
-            </a:pPr>
-            <a:endParaRPr lang="fr-FR" sz="1000" dirty="0">
-              <a:latin typeface="Book Antiqua" panose="02040602050305030304" pitchFamily="18" charset="0"/>
-              <a:ea typeface="Calibri" panose="020F0502020204030204" pitchFamily="34" charset="0"/>
-              <a:cs typeface="Times New Roman" panose="02020603050405020304" pitchFamily="18" charset="0"/>
-            </a:endParaRPr>
-          </a:p>
-          <a:p>
-            <a:pPr>
-              <a:lnSpc>
-                <a:spcPct val="107000"/>
-              </a:lnSpc>
-            </a:pPr>
-            <a:endParaRPr lang="fr-FR" sz="1000" u="sng" dirty="0">
-              <a:latin typeface="Book Antiqua" panose="02040602050305030304" pitchFamily="18" charset="0"/>
-              <a:ea typeface="Calibri" panose="020F0502020204030204" pitchFamily="34" charset="0"/>
-              <a:cs typeface="Times New Roman" panose="02020603050405020304" pitchFamily="18" charset="0"/>
-            </a:endParaRPr>
-          </a:p>
-          <a:p>
-            <a:pPr>
-              <a:lnSpc>
-                <a:spcPct val="107000"/>
-              </a:lnSpc>
-            </a:pPr>
-            <a:endParaRPr lang="fr-FR" sz="1000" u="sng" dirty="0">
-              <a:latin typeface="Book Antiqua" panose="02040602050305030304" pitchFamily="18" charset="0"/>
-              <a:ea typeface="Calibri" panose="020F0502020204030204" pitchFamily="34" charset="0"/>
-              <a:cs typeface="Times New Roman" panose="02020603050405020304" pitchFamily="18" charset="0"/>
-            </a:endParaRPr>
-          </a:p>
-          <a:p>
-            <a:pPr>
-              <a:lnSpc>
-                <a:spcPct val="107000"/>
-              </a:lnSpc>
-            </a:pPr>
-            <a:endParaRPr lang="fr-FR" sz="1000" u="sng" dirty="0">
-              <a:latin typeface="Book Antiqua" panose="02040602050305030304" pitchFamily="18" charset="0"/>
-              <a:ea typeface="Calibri" panose="020F0502020204030204" pitchFamily="34" charset="0"/>
-              <a:cs typeface="Times New Roman" panose="02020603050405020304" pitchFamily="18" charset="0"/>
-            </a:endParaRPr>
-          </a:p>
-          <a:p>
-            <a:pPr>
-              <a:lnSpc>
-                <a:spcPct val="107000"/>
-              </a:lnSpc>
-            </a:pPr>
-            <a:endParaRPr lang="fr-FR" sz="1000" u="sng" dirty="0">
-              <a:latin typeface="Book Antiqua" panose="02040602050305030304" pitchFamily="18" charset="0"/>
-              <a:ea typeface="Calibri" panose="020F0502020204030204" pitchFamily="34" charset="0"/>
-              <a:cs typeface="Times New Roman" panose="02020603050405020304" pitchFamily="18" charset="0"/>
-            </a:endParaRPr>
-          </a:p>
-          <a:p>
-            <a:pPr>
-              <a:lnSpc>
-                <a:spcPct val="107000"/>
-              </a:lnSpc>
-            </a:pPr>
-            <a:endParaRPr lang="fr-FR" sz="1000" dirty="0">
-              <a:latin typeface="Book Antiqua" panose="02040602050305030304" pitchFamily="18" charset="0"/>
-              <a:ea typeface="Calibri" panose="020F0502020204030204" pitchFamily="34" charset="0"/>
-              <a:cs typeface="Times New Roman" panose="02020603050405020304" pitchFamily="18" charset="0"/>
-            </a:endParaRPr>
-          </a:p>
-          <a:p>
-            <a:pPr>
-              <a:lnSpc>
-                <a:spcPct val="107000"/>
-              </a:lnSpc>
-            </a:pPr>
-            <a:endParaRPr lang="fr-FR" sz="1000" dirty="0">
-              <a:latin typeface="Book Antiqua" panose="02040602050305030304" pitchFamily="18" charset="0"/>
-              <a:ea typeface="Calibri" panose="020F0502020204030204" pitchFamily="34" charset="0"/>
-              <a:cs typeface="Times New Roman" panose="02020603050405020304" pitchFamily="18" charset="0"/>
-            </a:endParaRPr>
-          </a:p>
-          <a:p>
-            <a:pPr>
-              <a:lnSpc>
-                <a:spcPct val="107000"/>
-              </a:lnSpc>
-            </a:pPr>
-            <a:endParaRPr lang="fr-FR" sz="1000" dirty="0">
-              <a:latin typeface="Book Antiqua" panose="02040602050305030304" pitchFamily="18" charset="0"/>
-              <a:ea typeface="Calibri" panose="020F0502020204030204" pitchFamily="34" charset="0"/>
-              <a:cs typeface="Times New Roman" panose="02020603050405020304" pitchFamily="18" charset="0"/>
-            </a:endParaRPr>
-          </a:p>
-          <a:p>
-            <a:pPr>
-              <a:lnSpc>
-                <a:spcPct val="107000"/>
-              </a:lnSpc>
-            </a:pPr>
-            <a:r>
-              <a:rPr lang="fr-FR" sz="1000" dirty="0">
-                <a:latin typeface="Book Antiqua" panose="02040602050305030304" pitchFamily="18" charset="0"/>
-                <a:ea typeface="Calibri" panose="020F0502020204030204" pitchFamily="34" charset="0"/>
-                <a:cs typeface="Times New Roman" panose="02020603050405020304" pitchFamily="18" charset="0"/>
-              </a:rPr>
-              <a:t>2 profils externes / prestataires :</a:t>
-            </a:r>
-          </a:p>
-        </p:txBody>
-      </p:sp>
-      <p:sp>
-        <p:nvSpPr>
-          <p:cNvPr id="7" name="ZoneTexte 6">
-            <a:extLst>
-              <a:ext uri="{FF2B5EF4-FFF2-40B4-BE49-F238E27FC236}">
-                <a16:creationId xmlns:a16="http://schemas.microsoft.com/office/drawing/2014/main" id="{150D2229-DB61-BB2E-6265-3E6E881B0FFD}"/>
-              </a:ext>
-            </a:extLst>
-          </p:cNvPr>
-          <p:cNvSpPr txBox="1"/>
-          <p:nvPr/>
-        </p:nvSpPr>
-        <p:spPr>
-          <a:xfrm>
-            <a:off x="1086301" y="2732653"/>
-            <a:ext cx="3082864" cy="580095"/>
-          </a:xfrm>
-          <a:prstGeom prst="rect">
-            <a:avLst/>
-          </a:prstGeom>
-          <a:noFill/>
-        </p:spPr>
-        <p:txBody>
-          <a:bodyPr wrap="square">
-            <a:spAutoFit/>
-          </a:bodyPr>
-          <a:lstStyle/>
-          <a:p>
-            <a:pPr>
-              <a:lnSpc>
-                <a:spcPct val="107000"/>
-              </a:lnSpc>
-            </a:pPr>
-            <a:r>
-              <a:rPr lang="fr-FR" sz="1000" u="sng" dirty="0">
-                <a:latin typeface="Book Antiqua" panose="02040602050305030304" pitchFamily="18" charset="0"/>
-                <a:ea typeface="Calibri" panose="020F0502020204030204" pitchFamily="34" charset="0"/>
-                <a:cs typeface="Times New Roman" panose="02020603050405020304" pitchFamily="18" charset="0"/>
-              </a:rPr>
-              <a:t>Usager</a:t>
-            </a:r>
-            <a:r>
-              <a:rPr lang="fr-FR" sz="1000" dirty="0">
-                <a:latin typeface="Book Antiqua" panose="02040602050305030304" pitchFamily="18" charset="0"/>
-                <a:ea typeface="Calibri" panose="020F0502020204030204" pitchFamily="34" charset="0"/>
-                <a:cs typeface="Times New Roman" panose="02020603050405020304" pitchFamily="18" charset="0"/>
-              </a:rPr>
-              <a:t> : occupant de l’immeuble. Il signale les incidents et valide la fin d’intervention. Il peut ajouter un commentaire à tout moment.</a:t>
-            </a:r>
-          </a:p>
-        </p:txBody>
-      </p:sp>
-      <p:sp>
-        <p:nvSpPr>
-          <p:cNvPr id="9" name="ZoneTexte 8">
-            <a:extLst>
-              <a:ext uri="{FF2B5EF4-FFF2-40B4-BE49-F238E27FC236}">
-                <a16:creationId xmlns:a16="http://schemas.microsoft.com/office/drawing/2014/main" id="{A7D4E5C1-7B9B-2BA9-0800-50243D2B8A18}"/>
-              </a:ext>
-            </a:extLst>
-          </p:cNvPr>
-          <p:cNvSpPr txBox="1"/>
-          <p:nvPr/>
-        </p:nvSpPr>
-        <p:spPr>
-          <a:xfrm>
-            <a:off x="1086301" y="4257653"/>
-            <a:ext cx="3082864" cy="415435"/>
-          </a:xfrm>
-          <a:prstGeom prst="rect">
-            <a:avLst/>
-          </a:prstGeom>
-          <a:noFill/>
-        </p:spPr>
-        <p:txBody>
-          <a:bodyPr wrap="square">
-            <a:spAutoFit/>
-          </a:bodyPr>
-          <a:lstStyle/>
-          <a:p>
-            <a:pPr>
-              <a:lnSpc>
-                <a:spcPct val="107000"/>
-              </a:lnSpc>
-            </a:pPr>
-            <a:r>
-              <a:rPr lang="fr-FR" sz="1000" u="sng" dirty="0">
-                <a:latin typeface="Book Antiqua" panose="02040602050305030304" pitchFamily="18" charset="0"/>
-                <a:ea typeface="Calibri" panose="020F0502020204030204" pitchFamily="34" charset="0"/>
-                <a:cs typeface="Times New Roman" panose="02020603050405020304" pitchFamily="18" charset="0"/>
-              </a:rPr>
-              <a:t>Technicien</a:t>
-            </a:r>
-            <a:r>
-              <a:rPr lang="fr-FR" sz="1000" dirty="0">
-                <a:latin typeface="Book Antiqua" panose="02040602050305030304" pitchFamily="18" charset="0"/>
-                <a:ea typeface="Calibri" panose="020F0502020204030204" pitchFamily="34" charset="0"/>
-                <a:cs typeface="Times New Roman" panose="02020603050405020304" pitchFamily="18" charset="0"/>
-              </a:rPr>
-              <a:t> : En charge de la résolution des incidents.</a:t>
-            </a:r>
-          </a:p>
-        </p:txBody>
-      </p:sp>
-      <p:pic>
-        <p:nvPicPr>
-          <p:cNvPr id="8" name="Image 7">
-            <a:extLst>
-              <a:ext uri="{FF2B5EF4-FFF2-40B4-BE49-F238E27FC236}">
-                <a16:creationId xmlns:a16="http://schemas.microsoft.com/office/drawing/2014/main" id="{D16A0C30-6889-245B-C7A1-D7C71656732C}"/>
-              </a:ext>
-            </a:extLst>
-          </p:cNvPr>
-          <p:cNvPicPr>
-            <a:picLocks noChangeAspect="1"/>
-          </p:cNvPicPr>
-          <p:nvPr/>
-        </p:nvPicPr>
-        <p:blipFill>
-          <a:blip r:embed="rId3"/>
-          <a:stretch>
-            <a:fillRect/>
-          </a:stretch>
-        </p:blipFill>
-        <p:spPr>
-          <a:xfrm>
-            <a:off x="3978664" y="970352"/>
-            <a:ext cx="7196251" cy="4767077"/>
-          </a:xfrm>
-          <a:prstGeom prst="rect">
-            <a:avLst/>
-          </a:prstGeom>
-        </p:spPr>
-      </p:pic>
-      <p:sp>
-        <p:nvSpPr>
-          <p:cNvPr id="10" name="ZoneTexte 9">
-            <a:extLst>
-              <a:ext uri="{FF2B5EF4-FFF2-40B4-BE49-F238E27FC236}">
-                <a16:creationId xmlns:a16="http://schemas.microsoft.com/office/drawing/2014/main" id="{B6C44F0A-FC4E-45DF-3841-105417C0DC16}"/>
-              </a:ext>
-            </a:extLst>
-          </p:cNvPr>
-          <p:cNvSpPr txBox="1"/>
-          <p:nvPr/>
-        </p:nvSpPr>
-        <p:spPr>
-          <a:xfrm>
-            <a:off x="1086301" y="4796189"/>
-            <a:ext cx="3082864" cy="415435"/>
-          </a:xfrm>
-          <a:prstGeom prst="rect">
-            <a:avLst/>
-          </a:prstGeom>
-          <a:noFill/>
-        </p:spPr>
-        <p:txBody>
-          <a:bodyPr wrap="square">
-            <a:spAutoFit/>
-          </a:bodyPr>
-          <a:lstStyle/>
-          <a:p>
-            <a:pPr>
-              <a:lnSpc>
-                <a:spcPct val="107000"/>
-              </a:lnSpc>
-            </a:pPr>
-            <a:r>
-              <a:rPr lang="fr-FR" sz="1000" u="sng" dirty="0">
-                <a:latin typeface="Book Antiqua" panose="02040602050305030304" pitchFamily="18" charset="0"/>
-                <a:ea typeface="Calibri" panose="020F0502020204030204" pitchFamily="34" charset="0"/>
-                <a:cs typeface="Times New Roman" panose="02020603050405020304" pitchFamily="18" charset="0"/>
-              </a:rPr>
-              <a:t>Valideur</a:t>
-            </a:r>
-            <a:r>
-              <a:rPr lang="fr-FR" sz="1000" dirty="0">
-                <a:latin typeface="Book Antiqua" panose="02040602050305030304" pitchFamily="18" charset="0"/>
-                <a:ea typeface="Calibri" panose="020F0502020204030204" pitchFamily="34" charset="0"/>
-                <a:cs typeface="Times New Roman" panose="02020603050405020304" pitchFamily="18" charset="0"/>
-              </a:rPr>
-              <a:t> : responsable des techniciens. Il affecte et surveille l’avancement des interventions.</a:t>
-            </a:r>
-          </a:p>
-        </p:txBody>
-      </p:sp>
-    </p:spTree>
-    <p:extLst>
-      <p:ext uri="{BB962C8B-B14F-4D97-AF65-F5344CB8AC3E}">
-        <p14:creationId xmlns:p14="http://schemas.microsoft.com/office/powerpoint/2010/main" val="4202972748"/>
-      </p:ext>
-    </p:extLst>
-  </p:cSld>
-  <p:clrMapOvr>
-    <a:masterClrMapping/>
-  </p:clrMapOvr>
-  <p:timing>
-    <p:tnLst>
-      <p:par>
-        <p:cTn id="1" dur="indefinite" restart="never" nodeType="tmRoot">
-          <p:childTnLst>
-            <p:seq concurrent="1" nextAc="seek">
-              <p:cTn id="2" dur="indefinite" nodeType="mainSeq">
-                <p:childTnLst>
-                  <p:par>
-                    <p:cTn id="3" fill="hold">
-                      <p:stCondLst>
-                        <p:cond delay="indefinite"/>
-                      </p:stCondLst>
-                      <p:childTnLst>
-                        <p:par>
-                          <p:cTn id="4" fill="hold">
-                            <p:stCondLst>
-                              <p:cond delay="0"/>
-                            </p:stCondLst>
-                            <p:childTnLst>
-                              <p:par>
-                                <p:cTn id="5" presetID="1" presetClass="entr" presetSubtype="0" fill="hold" grpId="0" nodeType="clickEffect">
-                                  <p:stCondLst>
-                                    <p:cond delay="0"/>
-                                  </p:stCondLst>
-                                  <p:childTnLst>
-                                    <p:set>
-                                      <p:cBhvr>
-                                        <p:cTn id="6" dur="1" fill="hold">
-                                          <p:stCondLst>
-                                            <p:cond delay="0"/>
-                                          </p:stCondLst>
-                                        </p:cTn>
-                                        <p:tgtEl>
-                                          <p:spTgt spid="3"/>
-                                        </p:tgtEl>
-                                        <p:attrNameLst>
-                                          <p:attrName>style.visibility</p:attrName>
-                                        </p:attrNameLst>
-                                      </p:cBhvr>
-                                      <p:to>
-                                        <p:strVal val="visible"/>
-                                      </p:to>
-                                    </p:set>
-                                  </p:childTnLst>
-                                </p:cTn>
-                              </p:par>
-                            </p:childTnLst>
-                          </p:cTn>
-                        </p:par>
-                      </p:childTnLst>
-                    </p:cTn>
-                  </p:par>
-                  <p:par>
-                    <p:cTn id="7" fill="hold">
-                      <p:stCondLst>
-                        <p:cond delay="indefinite"/>
-                      </p:stCondLst>
-                      <p:childTnLst>
-                        <p:par>
-                          <p:cTn id="8" fill="hold">
-                            <p:stCondLst>
-                              <p:cond delay="0"/>
-                            </p:stCondLst>
-                            <p:childTnLst>
-                              <p:par>
-                                <p:cTn id="9" presetID="1" presetClass="entr" presetSubtype="0" fill="hold" grpId="0" nodeType="clickEffect">
-                                  <p:stCondLst>
-                                    <p:cond delay="0"/>
-                                  </p:stCondLst>
-                                  <p:childTnLst>
-                                    <p:set>
-                                      <p:cBhvr>
-                                        <p:cTn id="10" dur="1" fill="hold">
-                                          <p:stCondLst>
-                                            <p:cond delay="0"/>
-                                          </p:stCondLst>
-                                        </p:cTn>
-                                        <p:tgtEl>
-                                          <p:spTgt spid="7"/>
-                                        </p:tgtEl>
-                                        <p:attrNameLst>
-                                          <p:attrName>style.visibility</p:attrName>
-                                        </p:attrNameLst>
-                                      </p:cBhvr>
-                                      <p:to>
-                                        <p:strVal val="visible"/>
-                                      </p:to>
-                                    </p:set>
-                                  </p:childTnLst>
-                                </p:cTn>
-                              </p:par>
-                            </p:childTnLst>
-                          </p:cTn>
-                        </p:par>
-                      </p:childTnLst>
-                    </p:cTn>
-                  </p:par>
-                  <p:par>
-                    <p:cTn id="11" fill="hold">
-                      <p:stCondLst>
-                        <p:cond delay="indefinite"/>
-                      </p:stCondLst>
-                      <p:childTnLst>
-                        <p:par>
-                          <p:cTn id="12" fill="hold">
-                            <p:stCondLst>
-                              <p:cond delay="0"/>
-                            </p:stCondLst>
-                            <p:childTnLst>
-                              <p:par>
-                                <p:cTn id="13" presetID="1" presetClass="entr" presetSubtype="0" fill="hold" grpId="0" nodeType="clickEffect">
-                                  <p:stCondLst>
-                                    <p:cond delay="0"/>
-                                  </p:stCondLst>
-                                  <p:childTnLst>
-                                    <p:set>
-                                      <p:cBhvr>
-                                        <p:cTn id="14" dur="1" fill="hold">
-                                          <p:stCondLst>
-                                            <p:cond delay="0"/>
-                                          </p:stCondLst>
-                                        </p:cTn>
-                                        <p:tgtEl>
-                                          <p:spTgt spid="5"/>
-                                        </p:tgtEl>
-                                        <p:attrNameLst>
-                                          <p:attrName>style.visibility</p:attrName>
-                                        </p:attrNameLst>
-                                      </p:cBhvr>
-                                      <p:to>
-                                        <p:strVal val="visible"/>
-                                      </p:to>
-                                    </p:set>
-                                  </p:childTnLst>
-                                </p:cTn>
-                              </p:par>
-                            </p:childTnLst>
-                          </p:cTn>
-                        </p:par>
-                      </p:childTnLst>
-                    </p:cTn>
-                  </p:par>
-                  <p:par>
-                    <p:cTn id="15" fill="hold">
-                      <p:stCondLst>
-                        <p:cond delay="indefinite"/>
-                      </p:stCondLst>
-                      <p:childTnLst>
-                        <p:par>
-                          <p:cTn id="16" fill="hold">
-                            <p:stCondLst>
-                              <p:cond delay="0"/>
-                            </p:stCondLst>
-                            <p:childTnLst>
-                              <p:par>
-                                <p:cTn id="17" presetID="1" presetClass="entr" presetSubtype="0" fill="hold" grpId="0" nodeType="clickEffect">
-                                  <p:stCondLst>
-                                    <p:cond delay="0"/>
-                                  </p:stCondLst>
-                                  <p:childTnLst>
-                                    <p:set>
-                                      <p:cBhvr>
-                                        <p:cTn id="18" dur="1" fill="hold">
-                                          <p:stCondLst>
-                                            <p:cond delay="0"/>
-                                          </p:stCondLst>
-                                        </p:cTn>
-                                        <p:tgtEl>
-                                          <p:spTgt spid="9"/>
-                                        </p:tgtEl>
-                                        <p:attrNameLst>
-                                          <p:attrName>style.visibility</p:attrName>
-                                        </p:attrNameLst>
-                                      </p:cBhvr>
-                                      <p:to>
-                                        <p:strVal val="visible"/>
-                                      </p:to>
-                                    </p:set>
-                                  </p:childTnLst>
-                                </p:cTn>
-                              </p:par>
-                            </p:childTnLst>
-                          </p:cTn>
-                        </p:par>
-                      </p:childTnLst>
-                    </p:cTn>
-                  </p:par>
-                  <p:par>
-                    <p:cTn id="19" fill="hold">
-                      <p:stCondLst>
-                        <p:cond delay="indefinite"/>
-                      </p:stCondLst>
-                      <p:childTnLst>
-                        <p:par>
-                          <p:cTn id="20" fill="hold">
-                            <p:stCondLst>
-                              <p:cond delay="0"/>
-                            </p:stCondLst>
-                            <p:childTnLst>
-                              <p:par>
-                                <p:cTn id="21" presetID="1" presetClass="entr" presetSubtype="0" fill="hold" grpId="0" nodeType="clickEffect">
-                                  <p:stCondLst>
-                                    <p:cond delay="0"/>
-                                  </p:stCondLst>
-                                  <p:childTnLst>
-                                    <p:set>
-                                      <p:cBhvr>
-                                        <p:cTn id="22" dur="1" fill="hold">
-                                          <p:stCondLst>
-                                            <p:cond delay="0"/>
-                                          </p:stCondLst>
-                                        </p:cTn>
-                                        <p:tgtEl>
-                                          <p:spTgt spid="10"/>
-                                        </p:tgtEl>
-                                        <p:attrNameLst>
-                                          <p:attrName>style.visibility</p:attrName>
-                                        </p:attrNameLst>
-                                      </p:cBhvr>
-                                      <p:to>
-                                        <p:strVal val="visible"/>
-                                      </p:to>
-                                    </p:set>
-                                  </p:childTnLst>
-                                </p:cTn>
-                              </p:par>
-                            </p:childTnLst>
-                          </p:cTn>
-                        </p:par>
-                      </p:childTnLst>
-                    </p:cTn>
-                  </p:par>
-                </p:childTnLst>
-              </p:cTn>
-              <p:prevCondLst>
-                <p:cond evt="onPrev" delay="0">
-                  <p:tgtEl>
-                    <p:sldTgt/>
-                  </p:tgtEl>
-                </p:cond>
-              </p:prevCondLst>
-              <p:nextCondLst>
-                <p:cond evt="onNext" delay="0">
-                  <p:tgtEl>
-                    <p:sldTgt/>
-                  </p:tgtEl>
-                </p:cond>
-              </p:nextCondLst>
-            </p:seq>
-          </p:childTnLst>
-        </p:cTn>
-      </p:par>
-    </p:tnLst>
-    <p:bldLst>
-      <p:bldP spid="5" grpId="0"/>
-      <p:bldP spid="3" grpId="0"/>
-      <p:bldP spid="7" grpId="0"/>
-      <p:bldP spid="9" grpId="0"/>
-      <p:bldP spid="10" grpId="0"/>
-    </p:bldLst>
-  </p:timing>
-</p:sld>
-</file>
-
 <file path=ppt/slides/slide4.xml><?xml version="1.0" encoding="utf-8"?>
 <p:sld xmlns:a="http://schemas.openxmlformats.org/drawingml/2006/main" xmlns:r="http://schemas.openxmlformats.org/officeDocument/2006/relationships" xmlns:p="http://schemas.openxmlformats.org/presentationml/2006/main">
   <p:cSld>
@@ -23486,8 +24176,8 @@
         </p:blipFill>
         <p:spPr>
           <a:xfrm>
-            <a:off x="8461659" y="713827"/>
-            <a:ext cx="3022124" cy="2155935"/>
+            <a:off x="8436310" y="677661"/>
+            <a:ext cx="3072821" cy="2192102"/>
           </a:xfrm>
           <a:prstGeom prst="rect">
             <a:avLst/>
@@ -23718,7 +24408,7 @@
                                           </p:stCondLst>
                                         </p:cTn>
                                         <p:tgtEl>
-                                          <p:spTgt spid="28"/>
+                                          <p:spTgt spid="8"/>
                                         </p:tgtEl>
                                         <p:attrNameLst>
                                           <p:attrName>style.visibility</p:attrName>
@@ -23763,7 +24453,7 @@
                                           </p:stCondLst>
                                         </p:cTn>
                                         <p:tgtEl>
-                                          <p:spTgt spid="8"/>
+                                          <p:spTgt spid="28"/>
                                         </p:tgtEl>
                                         <p:attrNameLst>
                                           <p:attrName>style.visibility</p:attrName>
@@ -24172,6 +24862,67 @@
           <a:chExt cx="0" cy="0"/>
         </a:xfrm>
       </p:grpSpPr>
+      <p:pic>
+        <p:nvPicPr>
+          <p:cNvPr id="6" name="Image 5">
+            <a:extLst>
+              <a:ext uri="{FF2B5EF4-FFF2-40B4-BE49-F238E27FC236}">
+                <a16:creationId xmlns:a16="http://schemas.microsoft.com/office/drawing/2014/main" id="{5B00CDBA-9A55-E135-5BD3-5F80A1D10B61}"/>
+              </a:ext>
+            </a:extLst>
+          </p:cNvPr>
+          <p:cNvPicPr>
+            <a:picLocks noChangeAspect="1"/>
+          </p:cNvPicPr>
+          <p:nvPr/>
+        </p:nvPicPr>
+        <p:blipFill>
+          <a:blip r:embed="rId4"/>
+          <a:stretch>
+            <a:fillRect/>
+          </a:stretch>
+        </p:blipFill>
+        <p:spPr>
+          <a:xfrm>
+            <a:off x="1462087" y="1341565"/>
+            <a:ext cx="9267825" cy="4105580"/>
+          </a:xfrm>
+          <a:prstGeom prst="rect">
+            <a:avLst/>
+          </a:prstGeom>
+          <a:ln>
+            <a:gradFill>
+              <a:gsLst>
+                <a:gs pos="0">
+                  <a:schemeClr val="accent1">
+                    <a:lumMod val="5000"/>
+                    <a:lumOff val="95000"/>
+                  </a:schemeClr>
+                </a:gs>
+                <a:gs pos="74000">
+                  <a:schemeClr val="accent1">
+                    <a:lumMod val="45000"/>
+                    <a:lumOff val="55000"/>
+                  </a:schemeClr>
+                </a:gs>
+                <a:gs pos="83000">
+                  <a:schemeClr val="accent1">
+                    <a:lumMod val="45000"/>
+                    <a:lumOff val="55000"/>
+                  </a:schemeClr>
+                </a:gs>
+                <a:gs pos="100000">
+                  <a:schemeClr val="accent1">
+                    <a:lumMod val="30000"/>
+                    <a:lumOff val="70000"/>
+                  </a:schemeClr>
+                </a:gs>
+              </a:gsLst>
+              <a:lin ang="5400000" scaled="1"/>
+            </a:gradFill>
+          </a:ln>
+        </p:spPr>
+      </p:pic>
       <p:sp>
         <p:nvSpPr>
           <p:cNvPr id="2" name="Titre 1">
@@ -24224,41 +24975,6 @@
           </a:p>
         </p:txBody>
       </p:sp>
-      <p:pic>
-        <p:nvPicPr>
-          <p:cNvPr id="3" name="Image 2">
-            <a:extLst>
-              <a:ext uri="{FF2B5EF4-FFF2-40B4-BE49-F238E27FC236}">
-                <a16:creationId xmlns:a16="http://schemas.microsoft.com/office/drawing/2014/main" id="{1EDB4B25-3B32-188A-B5B5-B937AB36FBB0}"/>
-              </a:ext>
-            </a:extLst>
-          </p:cNvPr>
-          <p:cNvPicPr>
-            <a:picLocks noChangeAspect="1"/>
-          </p:cNvPicPr>
-          <p:nvPr/>
-        </p:nvPicPr>
-        <p:blipFill>
-          <a:blip r:embed="rId4"/>
-          <a:stretch>
-            <a:fillRect/>
-          </a:stretch>
-        </p:blipFill>
-        <p:spPr>
-          <a:xfrm>
-            <a:off x="2453749" y="1788754"/>
-            <a:ext cx="8023504" cy="3442755"/>
-          </a:xfrm>
-          <a:prstGeom prst="rect">
-            <a:avLst/>
-          </a:prstGeom>
-          <a:ln>
-            <a:solidFill>
-              <a:srgbClr val="9A90FE"/>
-            </a:solidFill>
-          </a:ln>
-        </p:spPr>
-      </p:pic>
       <p:pic>
         <p:nvPicPr>
           <p:cNvPr id="4" name="Image 3">
